--- a/OpenGL/答辩PPT.pptx
+++ b/OpenGL/答辩PPT.pptx
@@ -18,25 +18,31 @@
     <p:sldId id="310" r:id="rId11"/>
     <p:sldId id="258" r:id="rId12"/>
     <p:sldId id="269" r:id="rId13"/>
-    <p:sldId id="271" r:id="rId14"/>
-    <p:sldId id="294" r:id="rId15"/>
-    <p:sldId id="261" r:id="rId16"/>
-    <p:sldId id="262" r:id="rId17"/>
-    <p:sldId id="263" r:id="rId18"/>
-    <p:sldId id="264" r:id="rId19"/>
-    <p:sldId id="265" r:id="rId20"/>
-    <p:sldId id="275" r:id="rId21"/>
-    <p:sldId id="292" r:id="rId22"/>
-    <p:sldId id="296" r:id="rId23"/>
-    <p:sldId id="297" r:id="rId24"/>
-    <p:sldId id="272" r:id="rId25"/>
-    <p:sldId id="318" r:id="rId26"/>
-    <p:sldId id="311" r:id="rId27"/>
-    <p:sldId id="316" r:id="rId28"/>
-    <p:sldId id="317" r:id="rId29"/>
-    <p:sldId id="303" r:id="rId30"/>
-    <p:sldId id="314" r:id="rId31"/>
-    <p:sldId id="299" r:id="rId32"/>
+    <p:sldId id="335" r:id="rId14"/>
+    <p:sldId id="271" r:id="rId15"/>
+    <p:sldId id="294" r:id="rId16"/>
+    <p:sldId id="340" r:id="rId17"/>
+    <p:sldId id="261" r:id="rId18"/>
+    <p:sldId id="262" r:id="rId19"/>
+    <p:sldId id="263" r:id="rId20"/>
+    <p:sldId id="264" r:id="rId21"/>
+    <p:sldId id="265" r:id="rId22"/>
+    <p:sldId id="275" r:id="rId23"/>
+    <p:sldId id="337" r:id="rId24"/>
+    <p:sldId id="292" r:id="rId25"/>
+    <p:sldId id="338" r:id="rId26"/>
+    <p:sldId id="296" r:id="rId27"/>
+    <p:sldId id="339" r:id="rId28"/>
+    <p:sldId id="297" r:id="rId29"/>
+    <p:sldId id="272" r:id="rId30"/>
+    <p:sldId id="341" r:id="rId31"/>
+    <p:sldId id="318" r:id="rId32"/>
+    <p:sldId id="311" r:id="rId33"/>
+    <p:sldId id="316" r:id="rId34"/>
+    <p:sldId id="317" r:id="rId35"/>
+    <p:sldId id="303" r:id="rId36"/>
+    <p:sldId id="314" r:id="rId37"/>
+    <p:sldId id="299" r:id="rId38"/>
   </p:sldIdLst>
   <p:sldSz cx="12192000" cy="6858000"/>
   <p:notesSz cx="6858000" cy="9144000"/>
@@ -7685,10 +7691,161 @@
           <a:bodyPr/>
           <a:p>
             <a:r>
+              <a:rPr lang="zh-CN" altLang="en-US"/>
+              <a:t>场景管理模块图解</a:t>
+            </a:r>
+            <a:endParaRPr lang="zh-CN" altLang="en-US"/>
+          </a:p>
+        </p:txBody>
+      </p:sp>
+      <p:pic>
+        <p:nvPicPr>
+          <p:cNvPr id="13" name="内容占位符 12"/>
+          <p:cNvPicPr>
+            <a:picLocks noChangeAspect="1"/>
+          </p:cNvPicPr>
+          <p:nvPr>
+            <p:ph idx="1"/>
+          </p:nvPr>
+        </p:nvPicPr>
+        <p:blipFill>
+          <a:blip r:embed="rId1"/>
+          <a:stretch>
+            <a:fillRect/>
+          </a:stretch>
+        </p:blipFill>
+        <p:spPr>
+          <a:xfrm>
+            <a:off x="838200" y="1851660"/>
+            <a:ext cx="6072505" cy="1661795"/>
+          </a:xfrm>
+          <a:prstGeom prst="rect">
+            <a:avLst/>
+          </a:prstGeom>
+        </p:spPr>
+      </p:pic>
+      <p:sp>
+        <p:nvSpPr>
+          <p:cNvPr id="14" name="文本框 13"/>
+          <p:cNvSpPr txBox="1"/>
+          <p:nvPr/>
+        </p:nvSpPr>
+        <p:spPr>
+          <a:xfrm>
+            <a:off x="7897495" y="2577465"/>
+            <a:ext cx="2402205" cy="368300"/>
+          </a:xfrm>
+          <a:prstGeom prst="rect">
+            <a:avLst/>
+          </a:prstGeom>
+          <a:noFill/>
+        </p:spPr>
+        <p:txBody>
+          <a:bodyPr wrap="square" rtlCol="0">
+            <a:spAutoFit/>
+          </a:bodyPr>
+          <a:p>
+            <a:r>
+              <a:rPr lang="zh-CN" altLang="en-US"/>
+              <a:t>内部层次间的交互</a:t>
+            </a:r>
+            <a:endParaRPr lang="zh-CN" altLang="en-US"/>
+          </a:p>
+        </p:txBody>
+      </p:sp>
+      <p:pic>
+        <p:nvPicPr>
+          <p:cNvPr id="15" name="图片 14"/>
+          <p:cNvPicPr>
+            <a:picLocks noChangeAspect="1"/>
+          </p:cNvPicPr>
+          <p:nvPr/>
+        </p:nvPicPr>
+        <p:blipFill>
+          <a:blip r:embed="rId2"/>
+          <a:stretch>
+            <a:fillRect/>
+          </a:stretch>
+        </p:blipFill>
+        <p:spPr>
+          <a:xfrm>
+            <a:off x="838200" y="4041140"/>
+            <a:ext cx="6072505" cy="1678305"/>
+          </a:xfrm>
+          <a:prstGeom prst="rect">
+            <a:avLst/>
+          </a:prstGeom>
+        </p:spPr>
+      </p:pic>
+      <p:sp>
+        <p:nvSpPr>
+          <p:cNvPr id="16" name="文本框 15"/>
+          <p:cNvSpPr txBox="1"/>
+          <p:nvPr/>
+        </p:nvSpPr>
+        <p:spPr>
+          <a:xfrm>
+            <a:off x="7680325" y="4613275"/>
+            <a:ext cx="2836545" cy="368300"/>
+          </a:xfrm>
+          <a:prstGeom prst="rect">
+            <a:avLst/>
+          </a:prstGeom>
+          <a:noFill/>
+        </p:spPr>
+        <p:txBody>
+          <a:bodyPr wrap="square" rtlCol="0">
+            <a:spAutoFit/>
+          </a:bodyPr>
+          <a:p>
+            <a:r>
+              <a:rPr lang="zh-CN" altLang="en-US"/>
+              <a:t>对外和底层渲染器的交互</a:t>
+            </a:r>
+            <a:endParaRPr lang="zh-CN" altLang="en-US"/>
+          </a:p>
+        </p:txBody>
+      </p:sp>
+    </p:spTree>
+    <p:custDataLst>
+      <p:tags r:id="rId3"/>
+    </p:custDataLst>
+  </p:cSld>
+  <p:clrMapOvr>
+    <a:masterClrMapping/>
+  </p:clrMapOvr>
+</p:sld>
+</file>
+
+<file path=ppt/slides/slide11.xml><?xml version="1.0" encoding="utf-8"?>
+<p:sld xmlns:a="http://schemas.openxmlformats.org/drawingml/2006/main" xmlns:r="http://schemas.openxmlformats.org/officeDocument/2006/relationships" xmlns:p="http://schemas.openxmlformats.org/presentationml/2006/main">
+  <p:cSld>
+    <p:spTree>
+      <p:nvGrpSpPr>
+        <p:cNvPr id="1" name=""/>
+        <p:cNvGrpSpPr/>
+        <p:nvPr/>
+      </p:nvGrpSpPr>
+      <p:grpSpPr/>
+      <p:sp>
+        <p:nvSpPr>
+          <p:cNvPr id="2" name="标题 1"/>
+          <p:cNvSpPr>
+            <a:spLocks noGrp="1"/>
+          </p:cNvSpPr>
+          <p:nvPr>
+            <p:ph type="title"/>
+          </p:nvPr>
+        </p:nvSpPr>
+        <p:spPr/>
+        <p:txBody>
+          <a:bodyPr/>
+          <a:p>
+            <a:r>
               <a:rPr lang="zh-CN" altLang="en-US">
                 <a:sym typeface="+mn-ea"/>
               </a:rPr>
-              <a:t>场景管理模块</a:t>
+              <a:t>场景管理模块展示</a:t>
             </a:r>
             <a:endParaRPr lang="zh-CN" altLang="en-US"/>
           </a:p>
@@ -8135,109 +8292,6 @@
 </p:sld>
 </file>
 
-<file path=ppt/slides/slide11.xml><?xml version="1.0" encoding="utf-8"?>
-<p:sld xmlns:a="http://schemas.openxmlformats.org/drawingml/2006/main" xmlns:r="http://schemas.openxmlformats.org/officeDocument/2006/relationships" xmlns:p="http://schemas.openxmlformats.org/presentationml/2006/main">
-  <p:cSld>
-    <p:spTree>
-      <p:nvGrpSpPr>
-        <p:cNvPr id="1" name=""/>
-        <p:cNvGrpSpPr/>
-        <p:nvPr/>
-      </p:nvGrpSpPr>
-      <p:grpSpPr/>
-      <p:sp>
-        <p:nvSpPr>
-          <p:cNvPr id="2" name="标题 1"/>
-          <p:cNvSpPr>
-            <a:spLocks noGrp="1"/>
-          </p:cNvSpPr>
-          <p:nvPr>
-            <p:ph type="title"/>
-          </p:nvPr>
-        </p:nvSpPr>
-        <p:spPr/>
-        <p:txBody>
-          <a:bodyPr/>
-          <a:p>
-            <a:r>
-              <a:rPr lang="zh-CN" altLang="en-US"/>
-              <a:t>底层渲染器</a:t>
-            </a:r>
-            <a:endParaRPr lang="zh-CN" altLang="en-US"/>
-          </a:p>
-        </p:txBody>
-      </p:sp>
-      <p:sp>
-        <p:nvSpPr>
-          <p:cNvPr id="3" name="内容占位符 2"/>
-          <p:cNvSpPr>
-            <a:spLocks noGrp="1"/>
-          </p:cNvSpPr>
-          <p:nvPr>
-            <p:ph idx="1"/>
-          </p:nvPr>
-        </p:nvSpPr>
-        <p:spPr/>
-        <p:txBody>
-          <a:bodyPr/>
-          <a:p>
-            <a:r>
-              <a:rPr lang="zh-CN" altLang="en-US"/>
-              <a:t>①从场景管理器获取美术资源，提供一系列抽象接口给场景管理器调用。</a:t>
-            </a:r>
-            <a:endParaRPr lang="zh-CN" altLang="en-US"/>
-          </a:p>
-          <a:p>
-            <a:r>
-              <a:rPr lang="zh-CN" altLang="en-US"/>
-              <a:t>②定义绘制一个游戏物体所需的业务逻辑。</a:t>
-            </a:r>
-            <a:endParaRPr lang="zh-CN" altLang="en-US"/>
-          </a:p>
-          <a:p>
-            <a:r>
-              <a:rPr lang="zh-CN" altLang="en-US"/>
-              <a:t>③将能在</a:t>
-            </a:r>
-            <a:r>
-              <a:rPr lang="en-US" altLang="zh-CN"/>
-              <a:t>CPU</a:t>
-            </a:r>
-            <a:r>
-              <a:rPr lang="zh-CN" altLang="en-US"/>
-              <a:t>处理的逻辑计算放在</a:t>
-            </a:r>
-            <a:r>
-              <a:rPr lang="en-US" altLang="zh-CN"/>
-              <a:t>CPU</a:t>
-            </a:r>
-            <a:r>
-              <a:rPr lang="zh-CN" altLang="en-US"/>
-              <a:t>部分，将并发量大的计算放在</a:t>
-            </a:r>
-            <a:r>
-              <a:rPr lang="en-US" altLang="zh-CN"/>
-              <a:t>GPU</a:t>
-            </a:r>
-            <a:r>
-              <a:rPr lang="zh-CN" altLang="en-US"/>
-              <a:t>，提升渲染引擎的性能。</a:t>
-            </a:r>
-            <a:endParaRPr lang="zh-CN" altLang="en-US"/>
-          </a:p>
-        </p:txBody>
-      </p:sp>
-    </p:spTree>
-    <p:custDataLst>
-      <p:tags r:id="rId1"/>
-    </p:custDataLst>
-  </p:cSld>
-  <p:clrMapOvr>
-    <a:masterClrMapping/>
-  </p:clrMapOvr>
-</p:sld>
-</file>
-
 <file path=ppt/slides/slide12.xml><?xml version="1.0" encoding="utf-8"?>
 <p:sld xmlns:a="http://schemas.openxmlformats.org/drawingml/2006/main" xmlns:r="http://schemas.openxmlformats.org/officeDocument/2006/relationships" xmlns:p="http://schemas.openxmlformats.org/presentationml/2006/main">
   <p:cSld>
@@ -8265,6 +8319,214 @@
             <a:r>
               <a:rPr lang="zh-CN" altLang="en-US"/>
               <a:t>底层渲染器</a:t>
+            </a:r>
+            <a:endParaRPr lang="zh-CN" altLang="en-US"/>
+          </a:p>
+        </p:txBody>
+      </p:sp>
+      <p:sp>
+        <p:nvSpPr>
+          <p:cNvPr id="3" name="内容占位符 2"/>
+          <p:cNvSpPr>
+            <a:spLocks noGrp="1"/>
+          </p:cNvSpPr>
+          <p:nvPr>
+            <p:ph idx="1"/>
+          </p:nvPr>
+        </p:nvSpPr>
+        <p:spPr/>
+        <p:txBody>
+          <a:bodyPr/>
+          <a:p>
+            <a:r>
+              <a:rPr lang="zh-CN" altLang="en-US"/>
+              <a:t>①从场景管理器获取美术资源，提供一系列抽象接口给场景管理器调用。</a:t>
+            </a:r>
+            <a:endParaRPr lang="zh-CN" altLang="en-US"/>
+          </a:p>
+          <a:p>
+            <a:r>
+              <a:rPr lang="zh-CN" altLang="en-US"/>
+              <a:t>②定义绘制一个游戏物体所需的业务逻辑。</a:t>
+            </a:r>
+            <a:endParaRPr lang="zh-CN" altLang="en-US"/>
+          </a:p>
+          <a:p>
+            <a:r>
+              <a:rPr lang="zh-CN" altLang="en-US"/>
+              <a:t>③将能在</a:t>
+            </a:r>
+            <a:r>
+              <a:rPr lang="en-US" altLang="zh-CN"/>
+              <a:t>CPU</a:t>
+            </a:r>
+            <a:r>
+              <a:rPr lang="zh-CN" altLang="en-US"/>
+              <a:t>处理的逻辑计算放在</a:t>
+            </a:r>
+            <a:r>
+              <a:rPr lang="en-US" altLang="zh-CN"/>
+              <a:t>CPU</a:t>
+            </a:r>
+            <a:r>
+              <a:rPr lang="zh-CN" altLang="en-US"/>
+              <a:t>部分，将并发量大的计算放在</a:t>
+            </a:r>
+            <a:r>
+              <a:rPr lang="en-US" altLang="zh-CN"/>
+              <a:t>GPU</a:t>
+            </a:r>
+            <a:r>
+              <a:rPr lang="zh-CN" altLang="en-US"/>
+              <a:t>，提升渲染引擎的性能。</a:t>
+            </a:r>
+            <a:endParaRPr lang="zh-CN" altLang="en-US"/>
+          </a:p>
+        </p:txBody>
+      </p:sp>
+    </p:spTree>
+    <p:custDataLst>
+      <p:tags r:id="rId1"/>
+    </p:custDataLst>
+  </p:cSld>
+  <p:clrMapOvr>
+    <a:masterClrMapping/>
+  </p:clrMapOvr>
+</p:sld>
+</file>
+
+<file path=ppt/slides/slide13.xml><?xml version="1.0" encoding="utf-8"?>
+<p:sld xmlns:a="http://schemas.openxmlformats.org/drawingml/2006/main" xmlns:r="http://schemas.openxmlformats.org/officeDocument/2006/relationships" xmlns:p="http://schemas.openxmlformats.org/presentationml/2006/main">
+  <p:cSld>
+    <p:spTree>
+      <p:nvGrpSpPr>
+        <p:cNvPr id="1" name=""/>
+        <p:cNvGrpSpPr/>
+        <p:nvPr/>
+      </p:nvGrpSpPr>
+      <p:grpSpPr/>
+      <p:sp>
+        <p:nvSpPr>
+          <p:cNvPr id="2" name="标题 1"/>
+          <p:cNvSpPr>
+            <a:spLocks noGrp="1"/>
+          </p:cNvSpPr>
+          <p:nvPr>
+            <p:ph type="title"/>
+          </p:nvPr>
+        </p:nvSpPr>
+        <p:spPr/>
+        <p:txBody>
+          <a:bodyPr/>
+          <a:p>
+            <a:r>
+              <a:rPr lang="zh-CN" altLang="en-US"/>
+              <a:t>底层渲染器图解</a:t>
+            </a:r>
+            <a:endParaRPr lang="zh-CN" altLang="en-US"/>
+          </a:p>
+        </p:txBody>
+      </p:sp>
+      <p:pic>
+        <p:nvPicPr>
+          <p:cNvPr id="4" name="内容占位符 3"/>
+          <p:cNvPicPr>
+            <a:picLocks noChangeAspect="1"/>
+          </p:cNvPicPr>
+          <p:nvPr>
+            <p:ph idx="1"/>
+          </p:nvPr>
+        </p:nvPicPr>
+        <p:blipFill>
+          <a:blip r:embed="rId1"/>
+          <a:stretch>
+            <a:fillRect/>
+          </a:stretch>
+        </p:blipFill>
+        <p:spPr>
+          <a:xfrm>
+            <a:off x="929005" y="1553210"/>
+            <a:ext cx="3676015" cy="4505960"/>
+          </a:xfrm>
+          <a:prstGeom prst="rect">
+            <a:avLst/>
+          </a:prstGeom>
+        </p:spPr>
+      </p:pic>
+      <p:sp>
+        <p:nvSpPr>
+          <p:cNvPr id="5" name="文本框 4"/>
+          <p:cNvSpPr txBox="1"/>
+          <p:nvPr/>
+        </p:nvSpPr>
+        <p:spPr>
+          <a:xfrm>
+            <a:off x="5172075" y="2966720"/>
+            <a:ext cx="4660900" cy="645160"/>
+          </a:xfrm>
+          <a:prstGeom prst="rect">
+            <a:avLst/>
+          </a:prstGeom>
+          <a:noFill/>
+        </p:spPr>
+        <p:txBody>
+          <a:bodyPr wrap="square" rtlCol="0">
+            <a:spAutoFit/>
+          </a:bodyPr>
+          <a:p>
+            <a:r>
+              <a:rPr lang="zh-CN" altLang="en-US"/>
+              <a:t>提供接口给场景管理模块</a:t>
+            </a:r>
+            <a:endParaRPr lang="zh-CN" altLang="en-US"/>
+          </a:p>
+          <a:p>
+            <a:r>
+              <a:rPr lang="zh-CN" altLang="en-US"/>
+              <a:t>并调用资源管理模块接口获取资源</a:t>
+            </a:r>
+            <a:endParaRPr lang="zh-CN" altLang="en-US"/>
+          </a:p>
+        </p:txBody>
+      </p:sp>
+    </p:spTree>
+    <p:custDataLst>
+      <p:tags r:id="rId2"/>
+    </p:custDataLst>
+  </p:cSld>
+  <p:clrMapOvr>
+    <a:masterClrMapping/>
+  </p:clrMapOvr>
+</p:sld>
+</file>
+
+<file path=ppt/slides/slide14.xml><?xml version="1.0" encoding="utf-8"?>
+<p:sld xmlns:a="http://schemas.openxmlformats.org/drawingml/2006/main" xmlns:r="http://schemas.openxmlformats.org/officeDocument/2006/relationships" xmlns:p="http://schemas.openxmlformats.org/presentationml/2006/main">
+  <p:cSld>
+    <p:spTree>
+      <p:nvGrpSpPr>
+        <p:cNvPr id="1" name=""/>
+        <p:cNvGrpSpPr/>
+        <p:nvPr/>
+      </p:nvGrpSpPr>
+      <p:grpSpPr/>
+      <p:sp>
+        <p:nvSpPr>
+          <p:cNvPr id="2" name="标题 1"/>
+          <p:cNvSpPr>
+            <a:spLocks noGrp="1"/>
+          </p:cNvSpPr>
+          <p:nvPr>
+            <p:ph type="title"/>
+          </p:nvPr>
+        </p:nvSpPr>
+        <p:spPr/>
+        <p:txBody>
+          <a:bodyPr/>
+          <a:p>
+            <a:r>
+              <a:rPr lang="zh-CN" altLang="en-US"/>
+              <a:t>底层渲染器展示</a:t>
             </a:r>
             <a:endParaRPr lang="zh-CN" altLang="en-US"/>
           </a:p>
@@ -8391,7 +8653,7 @@
 </p:sld>
 </file>
 
-<file path=ppt/slides/slide13.xml><?xml version="1.0" encoding="utf-8"?>
+<file path=ppt/slides/slide15.xml><?xml version="1.0" encoding="utf-8"?>
 <p:sld xmlns:a="http://schemas.openxmlformats.org/drawingml/2006/main" xmlns:r="http://schemas.openxmlformats.org/officeDocument/2006/relationships" xmlns:p="http://schemas.openxmlformats.org/presentationml/2006/main">
   <p:cSld>
     <p:spTree>
@@ -8421,7 +8683,7 @@
               <a:rPr lang="zh-CN" altLang="en-US">
                 <a:sym typeface="+mn-ea"/>
               </a:rPr>
-              <a:t>底层渲染器</a:t>
+              <a:t>底层渲染器展示</a:t>
             </a:r>
             <a:endParaRPr lang="zh-CN" altLang="en-US"/>
           </a:p>
@@ -8548,7 +8810,7 @@
 </p:sld>
 </file>
 
-<file path=ppt/slides/slide14.xml><?xml version="1.0" encoding="utf-8"?>
+<file path=ppt/slides/slide16.xml><?xml version="1.0" encoding="utf-8"?>
 <p:sld xmlns:a="http://schemas.openxmlformats.org/drawingml/2006/main" xmlns:r="http://schemas.openxmlformats.org/officeDocument/2006/relationships" xmlns:p="http://schemas.openxmlformats.org/presentationml/2006/main">
   <p:cSld>
     <p:spTree>
@@ -8583,11 +8845,8 @@
               <a:rPr lang="zh-CN" altLang="en-US">
                 <a:sym typeface="+mn-ea"/>
               </a:rPr>
-              <a:t>底层渲染器</a:t>
-            </a:r>
-            <a:br>
-              <a:rPr lang="zh-CN" altLang="en-US"/>
-            </a:br>
+              <a:t>底层渲染器展示</a:t>
+            </a:r>
             <a:endParaRPr lang="zh-CN" altLang="en-US"/>
           </a:p>
         </p:txBody>
@@ -8713,7 +8972,7 @@
 </p:sld>
 </file>
 
-<file path=ppt/slides/slide15.xml><?xml version="1.0" encoding="utf-8"?>
+<file path=ppt/slides/slide17.xml><?xml version="1.0" encoding="utf-8"?>
 <p:sld xmlns:a="http://schemas.openxmlformats.org/drawingml/2006/main" xmlns:r="http://schemas.openxmlformats.org/officeDocument/2006/relationships" xmlns:p="http://schemas.openxmlformats.org/presentationml/2006/main">
   <p:cSld>
     <p:spTree>
@@ -8741,7 +9000,7 @@
               <a:rPr lang="zh-CN" altLang="en-US">
                 <a:sym typeface="+mn-ea"/>
               </a:rPr>
-              <a:t>底层渲染器</a:t>
+              <a:t>底层渲染器展示</a:t>
             </a:r>
             <a:endParaRPr lang="zh-CN" altLang="en-US"/>
           </a:p>
@@ -8883,7 +9142,7 @@
 </p:sld>
 </file>
 
-<file path=ppt/slides/slide16.xml><?xml version="1.0" encoding="utf-8"?>
+<file path=ppt/slides/slide18.xml><?xml version="1.0" encoding="utf-8"?>
 <p:sld xmlns:a="http://schemas.openxmlformats.org/drawingml/2006/main" xmlns:r="http://schemas.openxmlformats.org/officeDocument/2006/relationships" xmlns:p="http://schemas.openxmlformats.org/presentationml/2006/main">
   <p:cSld>
     <p:spTree>
@@ -8903,21 +9162,23 @@
             <p:ph type="title"/>
           </p:nvPr>
         </p:nvSpPr>
-        <p:spPr/>
+        <p:spPr>
+          <a:xfrm>
+            <a:off x="838200" y="63470"/>
+            <a:ext cx="10515600" cy="1325563"/>
+          </a:xfrm>
+        </p:spPr>
         <p:txBody>
           <a:bodyPr>
-            <a:normAutofit fontScale="90000"/>
+            <a:normAutofit/>
           </a:bodyPr>
           <a:p>
             <a:r>
               <a:rPr lang="zh-CN" altLang="en-US">
                 <a:sym typeface="+mn-ea"/>
               </a:rPr>
-              <a:t>底层渲染器</a:t>
-            </a:r>
-            <a:br>
-              <a:rPr lang="zh-CN" altLang="en-US"/>
-            </a:br>
+              <a:t>底层渲染器展示</a:t>
+            </a:r>
             <a:endParaRPr lang="zh-CN" altLang="en-US"/>
           </a:p>
         </p:txBody>
@@ -9059,257 +9320,6 @@
 </p:sld>
 </file>
 
-<file path=ppt/slides/slide17.xml><?xml version="1.0" encoding="utf-8"?>
-<p:sld xmlns:a="http://schemas.openxmlformats.org/drawingml/2006/main" xmlns:r="http://schemas.openxmlformats.org/officeDocument/2006/relationships" xmlns:p="http://schemas.openxmlformats.org/presentationml/2006/main">
-  <p:cSld>
-    <p:spTree>
-      <p:nvGrpSpPr>
-        <p:cNvPr id="1" name=""/>
-        <p:cNvGrpSpPr/>
-        <p:nvPr/>
-      </p:nvGrpSpPr>
-      <p:grpSpPr/>
-      <p:sp>
-        <p:nvSpPr>
-          <p:cNvPr id="2" name="标题 1"/>
-          <p:cNvSpPr>
-            <a:spLocks noGrp="1"/>
-          </p:cNvSpPr>
-          <p:nvPr>
-            <p:ph type="title"/>
-          </p:nvPr>
-        </p:nvSpPr>
-        <p:spPr>
-          <a:xfrm>
-            <a:off x="838200" y="392430"/>
-            <a:ext cx="10598150" cy="1433830"/>
-          </a:xfrm>
-        </p:spPr>
-        <p:txBody>
-          <a:bodyPr>
-            <a:normAutofit/>
-          </a:bodyPr>
-          <a:p>
-            <a:r>
-              <a:rPr lang="zh-CN" altLang="en-US">
-                <a:sym typeface="+mn-ea"/>
-              </a:rPr>
-              <a:t>底层渲染器</a:t>
-            </a:r>
-            <a:r>
-              <a:rPr lang="en-US" altLang="zh-CN">
-                <a:sym typeface="+mn-ea"/>
-              </a:rPr>
-              <a:t>/SDK</a:t>
-            </a:r>
-            <a:r>
-              <a:rPr lang="zh-CN" altLang="en-US">
-                <a:sym typeface="+mn-ea"/>
-              </a:rPr>
-              <a:t>相关部分</a:t>
-            </a:r>
-            <a:endParaRPr lang="zh-CN" altLang="en-US"/>
-          </a:p>
-        </p:txBody>
-      </p:sp>
-      <p:sp>
-        <p:nvSpPr>
-          <p:cNvPr id="3" name="内容占位符 2"/>
-          <p:cNvSpPr>
-            <a:spLocks noGrp="1"/>
-          </p:cNvSpPr>
-          <p:nvPr>
-            <p:ph idx="1"/>
-          </p:nvPr>
-        </p:nvSpPr>
-        <p:spPr/>
-        <p:txBody>
-          <a:bodyPr/>
-          <a:p>
-            <a:r>
-              <a:rPr lang="zh-CN" altLang="en-US"/>
-              <a:t>①在CPU抽象出GPU程序（</a:t>
-            </a:r>
-            <a:r>
-              <a:rPr lang="en-US" altLang="zh-CN"/>
-              <a:t>Shader</a:t>
-            </a:r>
-            <a:r>
-              <a:rPr lang="zh-CN" altLang="en-US"/>
-              <a:t>）类、显存类。</a:t>
-            </a:r>
-            <a:endParaRPr lang="zh-CN" altLang="en-US"/>
-          </a:p>
-          <a:p>
-            <a:r>
-              <a:rPr lang="zh-CN" altLang="en-US"/>
-              <a:t>②引擎内置</a:t>
-            </a:r>
-            <a:r>
-              <a:rPr lang="en-US" altLang="zh-CN"/>
-              <a:t>Shader</a:t>
-            </a:r>
-            <a:r>
-              <a:rPr lang="zh-CN" altLang="en-US"/>
-              <a:t>程序，并</a:t>
-            </a:r>
-            <a:r>
-              <a:rPr lang="zh-CN" altLang="en-US">
-                <a:sym typeface="+mn-ea"/>
-              </a:rPr>
-              <a:t>支持开发者自定义</a:t>
-            </a:r>
-            <a:r>
-              <a:rPr lang="en-US" altLang="zh-CN">
-                <a:sym typeface="+mn-ea"/>
-              </a:rPr>
-              <a:t>Shader</a:t>
-            </a:r>
-            <a:r>
-              <a:rPr lang="zh-CN" altLang="en-US">
-                <a:sym typeface="+mn-ea"/>
-              </a:rPr>
-              <a:t>程序。</a:t>
-            </a:r>
-            <a:endParaRPr lang="zh-CN" altLang="en-US"/>
-          </a:p>
-          <a:p>
-            <a:r>
-              <a:rPr lang="zh-CN" altLang="en-US"/>
-              <a:t>③业务逻辑与</a:t>
-            </a:r>
-            <a:r>
-              <a:rPr lang="en-US" altLang="zh-CN"/>
-              <a:t>SDK</a:t>
-            </a:r>
-            <a:r>
-              <a:rPr lang="zh-CN" altLang="en-US"/>
-              <a:t>解耦合。</a:t>
-            </a:r>
-            <a:endParaRPr lang="zh-CN" altLang="en-US"/>
-          </a:p>
-          <a:p>
-            <a:endParaRPr lang="zh-CN" altLang="en-US"/>
-          </a:p>
-          <a:p>
-            <a:endParaRPr lang="zh-CN" altLang="en-US"/>
-          </a:p>
-        </p:txBody>
-      </p:sp>
-    </p:spTree>
-    <p:custDataLst>
-      <p:tags r:id="rId1"/>
-    </p:custDataLst>
-  </p:cSld>
-  <p:clrMapOvr>
-    <a:masterClrMapping/>
-  </p:clrMapOvr>
-</p:sld>
-</file>
-
-<file path=ppt/slides/slide18.xml><?xml version="1.0" encoding="utf-8"?>
-<p:sld xmlns:a="http://schemas.openxmlformats.org/drawingml/2006/main" xmlns:r="http://schemas.openxmlformats.org/officeDocument/2006/relationships" xmlns:p="http://schemas.openxmlformats.org/presentationml/2006/main">
-  <p:cSld>
-    <p:spTree>
-      <p:nvGrpSpPr>
-        <p:cNvPr id="1" name=""/>
-        <p:cNvGrpSpPr/>
-        <p:nvPr/>
-      </p:nvGrpSpPr>
-      <p:grpSpPr/>
-      <p:sp>
-        <p:nvSpPr>
-          <p:cNvPr id="2" name="标题 1"/>
-          <p:cNvSpPr>
-            <a:spLocks noGrp="1"/>
-          </p:cNvSpPr>
-          <p:nvPr>
-            <p:ph type="title"/>
-          </p:nvPr>
-        </p:nvSpPr>
-        <p:spPr/>
-        <p:txBody>
-          <a:bodyPr/>
-          <a:p>
-            <a:r>
-              <a:rPr lang="zh-CN" altLang="en-US"/>
-              <a:t>底层渲染器</a:t>
-            </a:r>
-            <a:r>
-              <a:rPr lang="en-US" altLang="zh-CN"/>
-              <a:t>/SDK</a:t>
-            </a:r>
-            <a:r>
-              <a:rPr lang="zh-CN" altLang="en-US"/>
-              <a:t>无关部分</a:t>
-            </a:r>
-            <a:endParaRPr lang="zh-CN" altLang="en-US"/>
-          </a:p>
-        </p:txBody>
-      </p:sp>
-      <p:sp>
-        <p:nvSpPr>
-          <p:cNvPr id="3" name="内容占位符 2"/>
-          <p:cNvSpPr>
-            <a:spLocks noGrp="1"/>
-          </p:cNvSpPr>
-          <p:nvPr>
-            <p:ph idx="1"/>
-          </p:nvPr>
-        </p:nvSpPr>
-        <p:spPr/>
-        <p:txBody>
-          <a:bodyPr/>
-          <a:p>
-            <a:r>
-              <a:rPr lang="zh-CN" altLang="en-US"/>
-              <a:t>①引擎内置游戏物体，例如地面、模型、天空盒等。</a:t>
-            </a:r>
-            <a:endParaRPr lang="zh-CN" altLang="en-US"/>
-          </a:p>
-          <a:p>
-            <a:r>
-              <a:rPr lang="zh-CN" altLang="en-US"/>
-              <a:t>②开发者可以自定义游戏物体。</a:t>
-            </a:r>
-            <a:endParaRPr lang="zh-CN" altLang="en-US"/>
-          </a:p>
-          <a:p>
-            <a:r>
-              <a:rPr lang="zh-CN" altLang="en-US"/>
-              <a:t>③使用</a:t>
-            </a:r>
-            <a:r>
-              <a:rPr lang="en-US" altLang="zh-CN"/>
-              <a:t>SDK</a:t>
-            </a:r>
-            <a:r>
-              <a:rPr lang="zh-CN" altLang="en-US"/>
-              <a:t>相关层接口存储顶点数据，实现与</a:t>
-            </a:r>
-            <a:r>
-              <a:rPr lang="en-US" altLang="zh-CN"/>
-              <a:t>SDK</a:t>
-            </a:r>
-            <a:r>
-              <a:rPr lang="zh-CN" altLang="en-US"/>
-              <a:t>的解耦合。</a:t>
-            </a:r>
-            <a:endParaRPr lang="zh-CN" altLang="en-US"/>
-          </a:p>
-        </p:txBody>
-      </p:sp>
-    </p:spTree>
-    <p:custDataLst>
-      <p:tags r:id="rId1"/>
-    </p:custDataLst>
-  </p:cSld>
-  <p:clrMapOvr>
-    <a:masterClrMapping/>
-  </p:clrMapOvr>
-</p:sld>
-</file>
-
 <file path=ppt/slides/slide19.xml><?xml version="1.0" encoding="utf-8"?>
 <p:sld xmlns:a="http://schemas.openxmlformats.org/drawingml/2006/main" xmlns:r="http://schemas.openxmlformats.org/officeDocument/2006/relationships" xmlns:p="http://schemas.openxmlformats.org/presentationml/2006/main">
   <p:cSld>
@@ -9330,50 +9340,119 @@
             <p:ph type="title"/>
           </p:nvPr>
         </p:nvSpPr>
+        <p:spPr>
+          <a:xfrm>
+            <a:off x="838200" y="392430"/>
+            <a:ext cx="10598150" cy="1433830"/>
+          </a:xfrm>
+        </p:spPr>
+        <p:txBody>
+          <a:bodyPr>
+            <a:normAutofit/>
+          </a:bodyPr>
+          <a:p>
+            <a:r>
+              <a:rPr lang="zh-CN" altLang="en-US">
+                <a:sym typeface="+mn-ea"/>
+              </a:rPr>
+              <a:t>底层渲染器</a:t>
+            </a:r>
+            <a:r>
+              <a:rPr lang="en-US" altLang="zh-CN">
+                <a:sym typeface="+mn-ea"/>
+              </a:rPr>
+              <a:t>/SDK</a:t>
+            </a:r>
+            <a:r>
+              <a:rPr lang="zh-CN" altLang="en-US">
+                <a:sym typeface="+mn-ea"/>
+              </a:rPr>
+              <a:t>相关部分</a:t>
+            </a:r>
+            <a:endParaRPr lang="zh-CN" altLang="en-US"/>
+          </a:p>
+        </p:txBody>
+      </p:sp>
+      <p:sp>
+        <p:nvSpPr>
+          <p:cNvPr id="3" name="内容占位符 2"/>
+          <p:cNvSpPr>
+            <a:spLocks noGrp="1"/>
+          </p:cNvSpPr>
+          <p:nvPr>
+            <p:ph idx="1"/>
+          </p:nvPr>
+        </p:nvSpPr>
         <p:spPr/>
         <p:txBody>
           <a:bodyPr/>
           <a:p>
             <a:r>
               <a:rPr lang="zh-CN" altLang="en-US"/>
-              <a:t>资源管理模块</a:t>
+              <a:t>①在CPU抽象出GPU程序（</a:t>
+            </a:r>
+            <a:r>
+              <a:rPr lang="en-US" altLang="zh-CN"/>
+              <a:t>Shader</a:t>
+            </a:r>
+            <a:r>
+              <a:rPr lang="zh-CN" altLang="en-US"/>
+              <a:t>）类、显存类。</a:t>
             </a:r>
             <a:endParaRPr lang="zh-CN" altLang="en-US"/>
           </a:p>
-        </p:txBody>
-      </p:sp>
-      <p:sp>
-        <p:nvSpPr>
-          <p:cNvPr id="3" name="内容占位符 2"/>
-          <p:cNvSpPr>
-            <a:spLocks noGrp="1"/>
-          </p:cNvSpPr>
-          <p:nvPr>
-            <p:ph idx="1"/>
-          </p:nvPr>
-        </p:nvSpPr>
-        <p:spPr/>
-        <p:txBody>
-          <a:bodyPr/>
           <a:p>
             <a:r>
               <a:rPr lang="zh-CN" altLang="en-US"/>
-              <a:t>①提供不同接口申请、析构各类型资源。</a:t>
+              <a:t>②引擎内置</a:t>
+            </a:r>
+            <a:r>
+              <a:rPr lang="en-US" altLang="zh-CN"/>
+              <a:t>Shader</a:t>
+            </a:r>
+            <a:r>
+              <a:rPr lang="zh-CN" altLang="en-US"/>
+              <a:t>程序，并</a:t>
+            </a:r>
+            <a:r>
+              <a:rPr lang="zh-CN" altLang="en-US">
+                <a:sym typeface="+mn-ea"/>
+              </a:rPr>
+              <a:t>支持开发者自定义</a:t>
+            </a:r>
+            <a:r>
+              <a:rPr lang="en-US" altLang="zh-CN">
+                <a:sym typeface="+mn-ea"/>
+              </a:rPr>
+              <a:t>Shader</a:t>
+            </a:r>
+            <a:r>
+              <a:rPr lang="zh-CN" altLang="en-US">
+                <a:sym typeface="+mn-ea"/>
+              </a:rPr>
+              <a:t>程序。</a:t>
             </a:r>
             <a:endParaRPr lang="zh-CN" altLang="en-US"/>
           </a:p>
           <a:p>
             <a:r>
               <a:rPr lang="zh-CN" altLang="en-US"/>
-              <a:t>②将资源转化为底层渲染器需要的内存模型返回。</a:t>
+              <a:t>③业务逻辑与</a:t>
+            </a:r>
+            <a:r>
+              <a:rPr lang="en-US" altLang="zh-CN"/>
+              <a:t>SDK</a:t>
+            </a:r>
+            <a:r>
+              <a:rPr lang="zh-CN" altLang="en-US"/>
+              <a:t>解耦合。</a:t>
             </a:r>
             <a:endParaRPr lang="zh-CN" altLang="en-US"/>
           </a:p>
           <a:p>
-            <a:r>
-              <a:rPr lang="zh-CN" altLang="en-US"/>
-              <a:t>③内部会将资源缓存，使用引用计数方式管理资源。</a:t>
-            </a:r>
+            <a:endParaRPr lang="zh-CN" altLang="en-US"/>
+          </a:p>
+          <a:p>
             <a:endParaRPr lang="zh-CN" altLang="en-US"/>
           </a:p>
         </p:txBody>
@@ -10153,8 +10232,586 @@
           <a:bodyPr/>
           <a:p>
             <a:r>
+              <a:rPr lang="zh-CN" altLang="en-US">
+                <a:sym typeface="+mn-ea"/>
+              </a:rPr>
+              <a:t>底层渲染器</a:t>
+            </a:r>
+            <a:r>
+              <a:rPr lang="en-US" altLang="zh-CN">
+                <a:sym typeface="+mn-ea"/>
+              </a:rPr>
+              <a:t>/SDK</a:t>
+            </a:r>
+            <a:r>
+              <a:rPr lang="zh-CN" altLang="en-US">
+                <a:sym typeface="+mn-ea"/>
+              </a:rPr>
+              <a:t>相关部分图解</a:t>
+            </a:r>
+            <a:endParaRPr lang="zh-CN" altLang="en-US"/>
+          </a:p>
+        </p:txBody>
+      </p:sp>
+      <p:pic>
+        <p:nvPicPr>
+          <p:cNvPr id="4" name="内容占位符 3"/>
+          <p:cNvPicPr>
+            <a:picLocks noChangeAspect="1"/>
+          </p:cNvPicPr>
+          <p:nvPr>
+            <p:ph idx="1"/>
+          </p:nvPr>
+        </p:nvPicPr>
+        <p:blipFill>
+          <a:blip r:embed="rId1"/>
+          <a:stretch>
+            <a:fillRect/>
+          </a:stretch>
+        </p:blipFill>
+        <p:spPr>
+          <a:xfrm>
+            <a:off x="838200" y="1718310"/>
+            <a:ext cx="5372100" cy="1371600"/>
+          </a:xfrm>
+          <a:prstGeom prst="rect">
+            <a:avLst/>
+          </a:prstGeom>
+        </p:spPr>
+      </p:pic>
+      <p:pic>
+        <p:nvPicPr>
+          <p:cNvPr id="5" name="图片 4"/>
+          <p:cNvPicPr>
+            <a:picLocks noChangeAspect="1"/>
+          </p:cNvPicPr>
+          <p:nvPr/>
+        </p:nvPicPr>
+        <p:blipFill>
+          <a:blip r:embed="rId2"/>
+          <a:stretch>
+            <a:fillRect/>
+          </a:stretch>
+        </p:blipFill>
+        <p:spPr>
+          <a:xfrm>
+            <a:off x="838200" y="3924935"/>
+            <a:ext cx="5390515" cy="1476375"/>
+          </a:xfrm>
+          <a:prstGeom prst="rect">
+            <a:avLst/>
+          </a:prstGeom>
+        </p:spPr>
+      </p:pic>
+      <p:sp>
+        <p:nvSpPr>
+          <p:cNvPr id="6" name="文本框 5"/>
+          <p:cNvSpPr txBox="1"/>
+          <p:nvPr/>
+        </p:nvSpPr>
+        <p:spPr>
+          <a:xfrm>
+            <a:off x="6929755" y="2219960"/>
+            <a:ext cx="3247390" cy="368300"/>
+          </a:xfrm>
+          <a:prstGeom prst="rect">
+            <a:avLst/>
+          </a:prstGeom>
+          <a:noFill/>
+        </p:spPr>
+        <p:txBody>
+          <a:bodyPr wrap="square" rtlCol="0">
+            <a:spAutoFit/>
+          </a:bodyPr>
+          <a:p>
+            <a:r>
+              <a:rPr lang="zh-CN" altLang="en-US"/>
+              <a:t>顶点显存和资源管理模块交互</a:t>
+            </a:r>
+            <a:endParaRPr lang="zh-CN" altLang="en-US"/>
+          </a:p>
+        </p:txBody>
+      </p:sp>
+      <p:sp>
+        <p:nvSpPr>
+          <p:cNvPr id="7" name="文本框 6"/>
+          <p:cNvSpPr txBox="1"/>
+          <p:nvPr/>
+        </p:nvSpPr>
+        <p:spPr>
+          <a:xfrm>
+            <a:off x="6929755" y="4478655"/>
+            <a:ext cx="3270885" cy="368300"/>
+          </a:xfrm>
+          <a:prstGeom prst="rect">
+            <a:avLst/>
+          </a:prstGeom>
+          <a:noFill/>
+        </p:spPr>
+        <p:txBody>
+          <a:bodyPr wrap="square" rtlCol="0">
+            <a:spAutoFit/>
+          </a:bodyPr>
+          <a:p>
+            <a:r>
+              <a:rPr lang="en-US" altLang="zh-CN"/>
+              <a:t>Shader</a:t>
+            </a:r>
+            <a:r>
+              <a:rPr lang="zh-CN" altLang="en-US"/>
+              <a:t>与资源管理模块交互</a:t>
+            </a:r>
+            <a:endParaRPr lang="zh-CN" altLang="en-US"/>
+          </a:p>
+        </p:txBody>
+      </p:sp>
+    </p:spTree>
+    <p:custDataLst>
+      <p:tags r:id="rId3"/>
+    </p:custDataLst>
+  </p:cSld>
+  <p:clrMapOvr>
+    <a:masterClrMapping/>
+  </p:clrMapOvr>
+</p:sld>
+</file>
+
+<file path=ppt/slides/slide21.xml><?xml version="1.0" encoding="utf-8"?>
+<p:sld xmlns:a="http://schemas.openxmlformats.org/drawingml/2006/main" xmlns:r="http://schemas.openxmlformats.org/officeDocument/2006/relationships" xmlns:p="http://schemas.openxmlformats.org/presentationml/2006/main">
+  <p:cSld>
+    <p:spTree>
+      <p:nvGrpSpPr>
+        <p:cNvPr id="1" name=""/>
+        <p:cNvGrpSpPr/>
+        <p:nvPr/>
+      </p:nvGrpSpPr>
+      <p:grpSpPr/>
+      <p:sp>
+        <p:nvSpPr>
+          <p:cNvPr id="2" name="标题 1"/>
+          <p:cNvSpPr>
+            <a:spLocks noGrp="1"/>
+          </p:cNvSpPr>
+          <p:nvPr>
+            <p:ph type="title"/>
+          </p:nvPr>
+        </p:nvSpPr>
+        <p:spPr/>
+        <p:txBody>
+          <a:bodyPr/>
+          <a:p>
+            <a:r>
+              <a:rPr lang="zh-CN" altLang="en-US"/>
+              <a:t>底层渲染器</a:t>
+            </a:r>
+            <a:r>
+              <a:rPr lang="en-US" altLang="zh-CN"/>
+              <a:t>/SDK</a:t>
+            </a:r>
+            <a:r>
+              <a:rPr lang="zh-CN" altLang="en-US"/>
+              <a:t>无关部分</a:t>
+            </a:r>
+            <a:endParaRPr lang="zh-CN" altLang="en-US"/>
+          </a:p>
+        </p:txBody>
+      </p:sp>
+      <p:sp>
+        <p:nvSpPr>
+          <p:cNvPr id="3" name="内容占位符 2"/>
+          <p:cNvSpPr>
+            <a:spLocks noGrp="1"/>
+          </p:cNvSpPr>
+          <p:nvPr>
+            <p:ph idx="1"/>
+          </p:nvPr>
+        </p:nvSpPr>
+        <p:spPr/>
+        <p:txBody>
+          <a:bodyPr/>
+          <a:p>
+            <a:r>
+              <a:rPr lang="zh-CN" altLang="en-US"/>
+              <a:t>①引擎内置游戏物体，例如地面、模型、天空盒等。</a:t>
+            </a:r>
+            <a:endParaRPr lang="zh-CN" altLang="en-US"/>
+          </a:p>
+          <a:p>
+            <a:r>
+              <a:rPr lang="zh-CN" altLang="en-US"/>
+              <a:t>②开发者可以自定义游戏物体。</a:t>
+            </a:r>
+            <a:endParaRPr lang="zh-CN" altLang="en-US"/>
+          </a:p>
+          <a:p>
+            <a:r>
+              <a:rPr lang="zh-CN" altLang="en-US"/>
+              <a:t>③使用</a:t>
+            </a:r>
+            <a:r>
+              <a:rPr lang="en-US" altLang="zh-CN"/>
+              <a:t>SDK</a:t>
+            </a:r>
+            <a:r>
+              <a:rPr lang="zh-CN" altLang="en-US"/>
+              <a:t>相关层接口存储顶点数据，实现与</a:t>
+            </a:r>
+            <a:r>
+              <a:rPr lang="en-US" altLang="zh-CN"/>
+              <a:t>SDK</a:t>
+            </a:r>
+            <a:r>
+              <a:rPr lang="zh-CN" altLang="en-US"/>
+              <a:t>的解耦合。</a:t>
+            </a:r>
+            <a:endParaRPr lang="zh-CN" altLang="en-US"/>
+          </a:p>
+        </p:txBody>
+      </p:sp>
+    </p:spTree>
+    <p:custDataLst>
+      <p:tags r:id="rId1"/>
+    </p:custDataLst>
+  </p:cSld>
+  <p:clrMapOvr>
+    <a:masterClrMapping/>
+  </p:clrMapOvr>
+</p:sld>
+</file>
+
+<file path=ppt/slides/slide22.xml><?xml version="1.0" encoding="utf-8"?>
+<p:sld xmlns:a="http://schemas.openxmlformats.org/drawingml/2006/main" xmlns:r="http://schemas.openxmlformats.org/officeDocument/2006/relationships" xmlns:p="http://schemas.openxmlformats.org/presentationml/2006/main">
+  <p:cSld>
+    <p:spTree>
+      <p:nvGrpSpPr>
+        <p:cNvPr id="1" name=""/>
+        <p:cNvGrpSpPr/>
+        <p:nvPr/>
+      </p:nvGrpSpPr>
+      <p:grpSpPr/>
+      <p:sp>
+        <p:nvSpPr>
+          <p:cNvPr id="2" name="标题 1"/>
+          <p:cNvSpPr>
+            <a:spLocks noGrp="1"/>
+          </p:cNvSpPr>
+          <p:nvPr>
+            <p:ph type="title"/>
+          </p:nvPr>
+        </p:nvSpPr>
+        <p:spPr/>
+        <p:txBody>
+          <a:bodyPr>
+            <a:normAutofit/>
+          </a:bodyPr>
+          <a:p>
+            <a:r>
+              <a:rPr lang="zh-CN" altLang="en-US">
+                <a:sym typeface="+mn-ea"/>
+              </a:rPr>
+              <a:t>底层渲染器</a:t>
+            </a:r>
+            <a:r>
+              <a:rPr lang="en-US" altLang="zh-CN">
+                <a:sym typeface="+mn-ea"/>
+              </a:rPr>
+              <a:t>/SDK</a:t>
+            </a:r>
+            <a:r>
+              <a:rPr lang="zh-CN" altLang="en-US">
+                <a:sym typeface="+mn-ea"/>
+              </a:rPr>
+              <a:t>无关部分图解</a:t>
+            </a:r>
+            <a:endParaRPr lang="zh-CN" altLang="en-US"/>
+          </a:p>
+        </p:txBody>
+      </p:sp>
+      <p:pic>
+        <p:nvPicPr>
+          <p:cNvPr id="4" name="内容占位符 3"/>
+          <p:cNvPicPr>
+            <a:picLocks noChangeAspect="1"/>
+          </p:cNvPicPr>
+          <p:nvPr>
+            <p:ph idx="1"/>
+          </p:nvPr>
+        </p:nvPicPr>
+        <p:blipFill>
+          <a:blip r:embed="rId1"/>
+          <a:stretch>
+            <a:fillRect/>
+          </a:stretch>
+        </p:blipFill>
+        <p:spPr>
+          <a:xfrm>
+            <a:off x="838200" y="1718310"/>
+            <a:ext cx="5415280" cy="2573020"/>
+          </a:xfrm>
+          <a:prstGeom prst="rect">
+            <a:avLst/>
+          </a:prstGeom>
+        </p:spPr>
+      </p:pic>
+      <p:sp>
+        <p:nvSpPr>
+          <p:cNvPr id="5" name="文本框 4"/>
+          <p:cNvSpPr txBox="1"/>
+          <p:nvPr/>
+        </p:nvSpPr>
+        <p:spPr>
+          <a:xfrm>
+            <a:off x="6940550" y="2820670"/>
+            <a:ext cx="3048000" cy="368300"/>
+          </a:xfrm>
+          <a:prstGeom prst="rect">
+            <a:avLst/>
+          </a:prstGeom>
+          <a:noFill/>
+        </p:spPr>
+        <p:txBody>
+          <a:bodyPr wrap="square" rtlCol="0">
+            <a:spAutoFit/>
+          </a:bodyPr>
+          <a:p>
+            <a:r>
+              <a:rPr lang="zh-CN" altLang="en-US"/>
+              <a:t>与</a:t>
+            </a:r>
+            <a:r>
+              <a:rPr lang="en-US" altLang="zh-CN"/>
+              <a:t>SDK</a:t>
+            </a:r>
+            <a:r>
+              <a:rPr lang="zh-CN" altLang="en-US"/>
+              <a:t>相关层的协作</a:t>
+            </a:r>
+            <a:endParaRPr lang="zh-CN" altLang="en-US"/>
+          </a:p>
+        </p:txBody>
+      </p:sp>
+    </p:spTree>
+    <p:custDataLst>
+      <p:tags r:id="rId2"/>
+    </p:custDataLst>
+  </p:cSld>
+  <p:clrMapOvr>
+    <a:masterClrMapping/>
+  </p:clrMapOvr>
+</p:sld>
+</file>
+
+<file path=ppt/slides/slide23.xml><?xml version="1.0" encoding="utf-8"?>
+<p:sld xmlns:a="http://schemas.openxmlformats.org/drawingml/2006/main" xmlns:r="http://schemas.openxmlformats.org/officeDocument/2006/relationships" xmlns:p="http://schemas.openxmlformats.org/presentationml/2006/main">
+  <p:cSld>
+    <p:spTree>
+      <p:nvGrpSpPr>
+        <p:cNvPr id="1" name=""/>
+        <p:cNvGrpSpPr/>
+        <p:nvPr/>
+      </p:nvGrpSpPr>
+      <p:grpSpPr/>
+      <p:sp>
+        <p:nvSpPr>
+          <p:cNvPr id="2" name="标题 1"/>
+          <p:cNvSpPr>
+            <a:spLocks noGrp="1"/>
+          </p:cNvSpPr>
+          <p:nvPr>
+            <p:ph type="title"/>
+          </p:nvPr>
+        </p:nvSpPr>
+        <p:spPr/>
+        <p:txBody>
+          <a:bodyPr/>
+          <a:p>
+            <a:r>
               <a:rPr lang="zh-CN" altLang="en-US"/>
               <a:t>资源管理模块</a:t>
+            </a:r>
+            <a:endParaRPr lang="zh-CN" altLang="en-US"/>
+          </a:p>
+        </p:txBody>
+      </p:sp>
+      <p:sp>
+        <p:nvSpPr>
+          <p:cNvPr id="3" name="内容占位符 2"/>
+          <p:cNvSpPr>
+            <a:spLocks noGrp="1"/>
+          </p:cNvSpPr>
+          <p:nvPr>
+            <p:ph idx="1"/>
+          </p:nvPr>
+        </p:nvSpPr>
+        <p:spPr/>
+        <p:txBody>
+          <a:bodyPr/>
+          <a:p>
+            <a:r>
+              <a:rPr lang="zh-CN" altLang="en-US"/>
+              <a:t>①提供不同接口申请、析构各类型资源。</a:t>
+            </a:r>
+            <a:endParaRPr lang="zh-CN" altLang="en-US"/>
+          </a:p>
+          <a:p>
+            <a:r>
+              <a:rPr lang="zh-CN" altLang="en-US"/>
+              <a:t>②将资源转化为底层渲染器需要的内存模型返回。</a:t>
+            </a:r>
+            <a:endParaRPr lang="zh-CN" altLang="en-US"/>
+          </a:p>
+          <a:p>
+            <a:r>
+              <a:rPr lang="zh-CN" altLang="en-US"/>
+              <a:t>③内部会将资源缓存，使用引用计数方式管理资源。</a:t>
+            </a:r>
+            <a:endParaRPr lang="zh-CN" altLang="en-US"/>
+          </a:p>
+        </p:txBody>
+      </p:sp>
+    </p:spTree>
+    <p:custDataLst>
+      <p:tags r:id="rId1"/>
+    </p:custDataLst>
+  </p:cSld>
+  <p:clrMapOvr>
+    <a:masterClrMapping/>
+  </p:clrMapOvr>
+</p:sld>
+</file>
+
+<file path=ppt/slides/slide24.xml><?xml version="1.0" encoding="utf-8"?>
+<p:sld xmlns:a="http://schemas.openxmlformats.org/drawingml/2006/main" xmlns:r="http://schemas.openxmlformats.org/officeDocument/2006/relationships" xmlns:p="http://schemas.openxmlformats.org/presentationml/2006/main">
+  <p:cSld>
+    <p:spTree>
+      <p:nvGrpSpPr>
+        <p:cNvPr id="1" name=""/>
+        <p:cNvGrpSpPr/>
+        <p:nvPr/>
+      </p:nvGrpSpPr>
+      <p:grpSpPr/>
+      <p:sp>
+        <p:nvSpPr>
+          <p:cNvPr id="2" name="标题 1"/>
+          <p:cNvSpPr>
+            <a:spLocks noGrp="1"/>
+          </p:cNvSpPr>
+          <p:nvPr>
+            <p:ph type="title"/>
+          </p:nvPr>
+        </p:nvSpPr>
+        <p:spPr/>
+        <p:txBody>
+          <a:bodyPr/>
+          <a:p>
+            <a:r>
+              <a:rPr lang="zh-CN" altLang="en-US"/>
+              <a:t>资源管理模块图解</a:t>
+            </a:r>
+            <a:endParaRPr lang="zh-CN" altLang="en-US"/>
+          </a:p>
+        </p:txBody>
+      </p:sp>
+      <p:pic>
+        <p:nvPicPr>
+          <p:cNvPr id="6" name="内容占位符 5"/>
+          <p:cNvPicPr>
+            <a:picLocks noChangeAspect="1"/>
+          </p:cNvPicPr>
+          <p:nvPr>
+            <p:ph idx="1"/>
+          </p:nvPr>
+        </p:nvPicPr>
+        <p:blipFill>
+          <a:blip r:embed="rId1"/>
+          <a:stretch>
+            <a:fillRect/>
+          </a:stretch>
+        </p:blipFill>
+        <p:spPr>
+          <a:xfrm>
+            <a:off x="838200" y="1963420"/>
+            <a:ext cx="4250055" cy="3796665"/>
+          </a:xfrm>
+          <a:prstGeom prst="rect">
+            <a:avLst/>
+          </a:prstGeom>
+        </p:spPr>
+      </p:pic>
+      <p:sp>
+        <p:nvSpPr>
+          <p:cNvPr id="8" name="文本框 7"/>
+          <p:cNvSpPr txBox="1"/>
+          <p:nvPr/>
+        </p:nvSpPr>
+        <p:spPr>
+          <a:xfrm>
+            <a:off x="5716905" y="3022600"/>
+            <a:ext cx="4427220" cy="645160"/>
+          </a:xfrm>
+          <a:prstGeom prst="rect">
+            <a:avLst/>
+          </a:prstGeom>
+          <a:noFill/>
+        </p:spPr>
+        <p:txBody>
+          <a:bodyPr wrap="square" rtlCol="0">
+            <a:spAutoFit/>
+          </a:bodyPr>
+          <a:p>
+            <a:r>
+              <a:rPr lang="zh-CN" altLang="en-US"/>
+              <a:t>向下向操作系统申请资源</a:t>
+            </a:r>
+            <a:endParaRPr lang="zh-CN" altLang="en-US"/>
+          </a:p>
+          <a:p>
+            <a:r>
+              <a:rPr lang="zh-CN" altLang="en-US"/>
+              <a:t>向上为底层渲染模块提供资源</a:t>
+            </a:r>
+            <a:endParaRPr lang="zh-CN" altLang="en-US"/>
+          </a:p>
+        </p:txBody>
+      </p:sp>
+    </p:spTree>
+    <p:custDataLst>
+      <p:tags r:id="rId2"/>
+    </p:custDataLst>
+  </p:cSld>
+  <p:clrMapOvr>
+    <a:masterClrMapping/>
+  </p:clrMapOvr>
+</p:sld>
+</file>
+
+<file path=ppt/slides/slide25.xml><?xml version="1.0" encoding="utf-8"?>
+<p:sld xmlns:a="http://schemas.openxmlformats.org/drawingml/2006/main" xmlns:r="http://schemas.openxmlformats.org/officeDocument/2006/relationships" xmlns:p="http://schemas.openxmlformats.org/presentationml/2006/main">
+  <p:cSld>
+    <p:spTree>
+      <p:nvGrpSpPr>
+        <p:cNvPr id="1" name=""/>
+        <p:cNvGrpSpPr/>
+        <p:nvPr/>
+      </p:nvGrpSpPr>
+      <p:grpSpPr/>
+      <p:sp>
+        <p:nvSpPr>
+          <p:cNvPr id="2" name="标题 1"/>
+          <p:cNvSpPr>
+            <a:spLocks noGrp="1"/>
+          </p:cNvSpPr>
+          <p:nvPr>
+            <p:ph type="title"/>
+          </p:nvPr>
+        </p:nvSpPr>
+        <p:spPr/>
+        <p:txBody>
+          <a:bodyPr/>
+          <a:p>
+            <a:r>
+              <a:rPr lang="zh-CN" altLang="en-US"/>
+              <a:t>资源管理模块展示</a:t>
             </a:r>
             <a:endParaRPr lang="zh-CN" altLang="en-US"/>
           </a:p>
@@ -10292,7 +10949,7 @@
 </p:sld>
 </file>
 
-<file path=ppt/slides/slide21.xml><?xml version="1.0" encoding="utf-8"?>
+<file path=ppt/slides/slide26.xml><?xml version="1.0" encoding="utf-8"?>
 <p:sld xmlns:a="http://schemas.openxmlformats.org/drawingml/2006/main" xmlns:r="http://schemas.openxmlformats.org/officeDocument/2006/relationships" xmlns:p="http://schemas.openxmlformats.org/presentationml/2006/main">
   <p:cSld>
     <p:spTree>
@@ -10388,7 +11045,160 @@
 </p:sld>
 </file>
 
-<file path=ppt/slides/slide22.xml><?xml version="1.0" encoding="utf-8"?>
+<file path=ppt/slides/slide27.xml><?xml version="1.0" encoding="utf-8"?>
+<p:sld xmlns:a="http://schemas.openxmlformats.org/drawingml/2006/main" xmlns:r="http://schemas.openxmlformats.org/officeDocument/2006/relationships" xmlns:p="http://schemas.openxmlformats.org/presentationml/2006/main">
+  <p:cSld>
+    <p:spTree>
+      <p:nvGrpSpPr>
+        <p:cNvPr id="1" name=""/>
+        <p:cNvGrpSpPr/>
+        <p:nvPr/>
+      </p:nvGrpSpPr>
+      <p:grpSpPr/>
+      <p:sp>
+        <p:nvSpPr>
+          <p:cNvPr id="2" name="标题 1"/>
+          <p:cNvSpPr>
+            <a:spLocks noGrp="1"/>
+          </p:cNvSpPr>
+          <p:nvPr>
+            <p:ph type="title"/>
+          </p:nvPr>
+        </p:nvSpPr>
+        <p:spPr/>
+        <p:txBody>
+          <a:bodyPr/>
+          <a:p>
+            <a:r>
+              <a:rPr lang="zh-CN" altLang="en-US"/>
+              <a:t>平台无关模块图解</a:t>
+            </a:r>
+            <a:endParaRPr lang="zh-CN" altLang="en-US"/>
+          </a:p>
+        </p:txBody>
+      </p:sp>
+      <p:sp>
+        <p:nvSpPr>
+          <p:cNvPr id="5" name="文本框 4"/>
+          <p:cNvSpPr txBox="1"/>
+          <p:nvPr/>
+        </p:nvSpPr>
+        <p:spPr>
+          <a:xfrm>
+            <a:off x="7482205" y="2355850"/>
+            <a:ext cx="3871595" cy="368300"/>
+          </a:xfrm>
+          <a:prstGeom prst="rect">
+            <a:avLst/>
+          </a:prstGeom>
+          <a:noFill/>
+        </p:spPr>
+        <p:txBody>
+          <a:bodyPr wrap="square" rtlCol="0">
+            <a:spAutoFit/>
+          </a:bodyPr>
+          <a:p>
+            <a:r>
+              <a:rPr lang="zh-CN" altLang="en-US"/>
+              <a:t>与操作系统交互，初始化绘图环境</a:t>
+            </a:r>
+            <a:endParaRPr lang="zh-CN" altLang="en-US"/>
+          </a:p>
+        </p:txBody>
+      </p:sp>
+      <p:pic>
+        <p:nvPicPr>
+          <p:cNvPr id="9" name="内容占位符 8"/>
+          <p:cNvPicPr>
+            <a:picLocks noChangeAspect="1"/>
+          </p:cNvPicPr>
+          <p:nvPr>
+            <p:ph idx="1"/>
+          </p:nvPr>
+        </p:nvPicPr>
+        <p:blipFill>
+          <a:blip r:embed="rId1"/>
+          <a:stretch>
+            <a:fillRect/>
+          </a:stretch>
+        </p:blipFill>
+        <p:spPr>
+          <a:xfrm>
+            <a:off x="838200" y="1718310"/>
+            <a:ext cx="6436995" cy="1643380"/>
+          </a:xfrm>
+          <a:prstGeom prst="rect">
+            <a:avLst/>
+          </a:prstGeom>
+        </p:spPr>
+      </p:pic>
+      <p:pic>
+        <p:nvPicPr>
+          <p:cNvPr id="10" name="图片 9"/>
+          <p:cNvPicPr>
+            <a:picLocks noChangeAspect="1"/>
+          </p:cNvPicPr>
+          <p:nvPr/>
+        </p:nvPicPr>
+        <p:blipFill>
+          <a:blip r:embed="rId2"/>
+          <a:stretch>
+            <a:fillRect/>
+          </a:stretch>
+        </p:blipFill>
+        <p:spPr>
+          <a:xfrm>
+            <a:off x="838200" y="3894455"/>
+            <a:ext cx="6426200" cy="1804035"/>
+          </a:xfrm>
+          <a:prstGeom prst="rect">
+            <a:avLst/>
+          </a:prstGeom>
+        </p:spPr>
+      </p:pic>
+      <p:sp>
+        <p:nvSpPr>
+          <p:cNvPr id="11" name="文本框 10"/>
+          <p:cNvSpPr txBox="1"/>
+          <p:nvPr/>
+        </p:nvSpPr>
+        <p:spPr>
+          <a:xfrm>
+            <a:off x="7720965" y="4612005"/>
+            <a:ext cx="3393440" cy="368300"/>
+          </a:xfrm>
+          <a:prstGeom prst="rect">
+            <a:avLst/>
+          </a:prstGeom>
+          <a:noFill/>
+        </p:spPr>
+        <p:txBody>
+          <a:bodyPr wrap="square" rtlCol="0">
+            <a:spAutoFit/>
+          </a:bodyPr>
+          <a:p>
+            <a:r>
+              <a:rPr lang="zh-CN" altLang="en-US">
+                <a:sym typeface="+mn-ea"/>
+              </a:rPr>
+              <a:t>调场景管理模块的接口</a:t>
+            </a:r>
+            <a:endParaRPr lang="zh-CN" altLang="en-US"/>
+          </a:p>
+        </p:txBody>
+      </p:sp>
+    </p:spTree>
+    <p:custDataLst>
+      <p:tags r:id="rId3"/>
+    </p:custDataLst>
+  </p:cSld>
+  <p:clrMapOvr>
+    <a:masterClrMapping/>
+  </p:clrMapOvr>
+</p:sld>
+</file>
+
+<file path=ppt/slides/slide28.xml><?xml version="1.0" encoding="utf-8"?>
 <p:sld xmlns:a="http://schemas.openxmlformats.org/drawingml/2006/main" xmlns:r="http://schemas.openxmlformats.org/officeDocument/2006/relationships" xmlns:p="http://schemas.openxmlformats.org/presentationml/2006/main">
   <p:cSld>
     <p:spTree>
@@ -10457,7 +11267,7 @@
 </p:sld>
 </file>
 
-<file path=ppt/slides/slide23.xml><?xml version="1.0" encoding="utf-8"?>
+<file path=ppt/slides/slide29.xml><?xml version="1.0" encoding="utf-8"?>
 <p:sld xmlns:a="http://schemas.openxmlformats.org/drawingml/2006/main" xmlns:r="http://schemas.openxmlformats.org/officeDocument/2006/relationships" xmlns:p="http://schemas.openxmlformats.org/presentationml/2006/main">
   <p:cSld>
     <p:spTree>
@@ -10962,7 +11772,506 @@
 </p:sld>
 </file>
 
-<file path=ppt/slides/slide24.xml><?xml version="1.0" encoding="utf-8"?>
+<file path=ppt/slides/slide3.xml><?xml version="1.0" encoding="utf-8"?>
+<p:sld xmlns:a="http://schemas.openxmlformats.org/drawingml/2006/main" xmlns:r="http://schemas.openxmlformats.org/officeDocument/2006/relationships" xmlns:p="http://schemas.openxmlformats.org/presentationml/2006/main">
+  <p:cSld>
+    <p:spTree>
+      <p:nvGrpSpPr>
+        <p:cNvPr id="1" name=""/>
+        <p:cNvGrpSpPr/>
+        <p:nvPr/>
+      </p:nvGrpSpPr>
+      <p:grpSpPr>
+        <a:xfrm>
+          <a:off x="0" y="0"/>
+          <a:ext cx="0" cy="0"/>
+          <a:chOff x="0" y="0"/>
+          <a:chExt cx="0" cy="0"/>
+        </a:xfrm>
+      </p:grpSpPr>
+      <p:sp>
+        <p:nvSpPr>
+          <p:cNvPr id="6" name="圆角矩形 13"/>
+          <p:cNvSpPr/>
+          <p:nvPr>
+            <p:custDataLst>
+              <p:tags r:id="rId1"/>
+            </p:custDataLst>
+          </p:nvPr>
+        </p:nvSpPr>
+        <p:spPr>
+          <a:xfrm>
+            <a:off x="1023631" y="2345197"/>
+            <a:ext cx="1731515" cy="1510884"/>
+          </a:xfrm>
+          <a:prstGeom prst="roundRect">
+            <a:avLst>
+              <a:gd name="adj" fmla="val 9533"/>
+            </a:avLst>
+          </a:prstGeom>
+          <a:solidFill>
+            <a:schemeClr val="accent1"/>
+          </a:solidFill>
+          <a:ln>
+            <a:noFill/>
+          </a:ln>
+        </p:spPr>
+        <p:style>
+          <a:lnRef idx="2">
+            <a:schemeClr val="accent1">
+              <a:shade val="50000"/>
+            </a:schemeClr>
+          </a:lnRef>
+          <a:fillRef idx="1">
+            <a:schemeClr val="accent1"/>
+          </a:fillRef>
+          <a:effectRef idx="0">
+            <a:schemeClr val="accent1"/>
+          </a:effectRef>
+          <a:fontRef idx="minor">
+            <a:schemeClr val="lt1"/>
+          </a:fontRef>
+        </p:style>
+        <p:txBody>
+          <a:bodyPr rtlCol="0" anchor="ctr"/>
+          <a:lstStyle/>
+          <a:p>
+            <a:pPr algn="ctr"/>
+            <a:endParaRPr lang="zh-CN" altLang="en-US" sz="1705">
+              <a:cs typeface="+mn-ea"/>
+              <a:sym typeface="+mn-lt"/>
+            </a:endParaRPr>
+          </a:p>
+        </p:txBody>
+      </p:sp>
+      <p:sp>
+        <p:nvSpPr>
+          <p:cNvPr id="7" name="标题 6"/>
+          <p:cNvSpPr>
+            <a:spLocks noGrp="1"/>
+          </p:cNvSpPr>
+          <p:nvPr>
+            <p:ph type="title"/>
+            <p:custDataLst>
+              <p:tags r:id="rId2"/>
+            </p:custDataLst>
+          </p:nvPr>
+        </p:nvSpPr>
+        <p:spPr>
+          <a:xfrm>
+            <a:off x="2808254" y="2448454"/>
+            <a:ext cx="6039836" cy="798023"/>
+          </a:xfrm>
+        </p:spPr>
+        <p:txBody>
+          <a:bodyPr lIns="90000" tIns="46800" rIns="90000" bIns="46800">
+            <a:normAutofit fontScale="90000"/>
+          </a:bodyPr>
+          <a:lstStyle/>
+          <a:p>
+            <a:r>
+              <a:rPr lang="zh-CN" altLang="en-US" sz="4000">
+                <a:sym typeface="+mn-lt"/>
+              </a:rPr>
+              <a:t>绪论</a:t>
+            </a:r>
+            <a:endParaRPr lang="zh-CN" altLang="en-US" sz="4000">
+              <a:sym typeface="+mn-lt"/>
+            </a:endParaRPr>
+          </a:p>
+        </p:txBody>
+      </p:sp>
+      <p:sp>
+        <p:nvSpPr>
+          <p:cNvPr id="9" name="文本占位符 8"/>
+          <p:cNvSpPr>
+            <a:spLocks noGrp="1"/>
+          </p:cNvSpPr>
+          <p:nvPr>
+            <p:ph type="body" idx="1"/>
+            <p:custDataLst>
+              <p:tags r:id="rId3"/>
+            </p:custDataLst>
+          </p:nvPr>
+        </p:nvSpPr>
+        <p:spPr/>
+        <p:txBody>
+          <a:bodyPr lIns="90000" tIns="46800" rIns="90000" bIns="46800"/>
+          <a:lstStyle/>
+          <a:p>
+            <a:r>
+              <a:rPr lang="zh-CN" altLang="en-US" dirty="0">
+                <a:sym typeface="+mn-lt"/>
+              </a:rPr>
+              <a:t>研究背景及原因</a:t>
+            </a:r>
+            <a:endParaRPr lang="zh-CN" altLang="en-US" dirty="0">
+              <a:sym typeface="+mn-lt"/>
+            </a:endParaRPr>
+          </a:p>
+        </p:txBody>
+      </p:sp>
+      <p:sp>
+        <p:nvSpPr>
+          <p:cNvPr id="4" name="文本框 2"/>
+          <p:cNvSpPr txBox="1">
+            <a:spLocks noChangeArrowheads="1"/>
+          </p:cNvSpPr>
+          <p:nvPr>
+            <p:custDataLst>
+              <p:tags r:id="rId4"/>
+            </p:custDataLst>
+          </p:nvPr>
+        </p:nvSpPr>
+        <p:spPr bwMode="auto">
+          <a:xfrm>
+            <a:off x="1016009" y="2253585"/>
+            <a:ext cx="1731516" cy="1230337"/>
+          </a:xfrm>
+          <a:prstGeom prst="rect">
+            <a:avLst/>
+          </a:prstGeom>
+          <a:noFill/>
+          <a:ln>
+            <a:noFill/>
+          </a:ln>
+          <a:extLst>
+            <a:ext uri="{909E8E84-426E-40DD-AFC4-6F175D3DCCD1}">
+              <a14:hiddenFill xmlns:a14="http://schemas.microsoft.com/office/drawing/2010/main">
+                <a:solidFill>
+                  <a:srgbClr val="FFFFFF"/>
+                </a:solidFill>
+              </a14:hiddenFill>
+            </a:ext>
+            <a:ext uri="{91240B29-F687-4F45-9708-019B960494DF}">
+              <a14:hiddenLine xmlns:a14="http://schemas.microsoft.com/office/drawing/2010/main" w="9525">
+                <a:solidFill>
+                  <a:srgbClr val="000000"/>
+                </a:solidFill>
+                <a:miter lim="800000"/>
+                <a:headEnd/>
+                <a:tailEnd/>
+              </a14:hiddenLine>
+            </a:ext>
+          </a:extLst>
+        </p:spPr>
+        <p:txBody>
+          <a:bodyPr wrap="square" lIns="90000" tIns="46800" rIns="90000" bIns="0" anchor="b">
+            <a:normAutofit lnSpcReduction="10000"/>
+          </a:bodyPr>
+          <a:lstStyle>
+            <a:lvl1pPr>
+              <a:defRPr>
+                <a:solidFill>
+                  <a:schemeClr val="tx1"/>
+                </a:solidFill>
+                <a:latin typeface="Calibri" panose="020F0502020204030204" charset="0"/>
+                <a:ea typeface="宋体" panose="02010600030101010101" pitchFamily="2" charset="-122"/>
+              </a:defRPr>
+            </a:lvl1pPr>
+            <a:lvl2pPr marL="742950" indent="-285750">
+              <a:defRPr>
+                <a:solidFill>
+                  <a:schemeClr val="tx1"/>
+                </a:solidFill>
+                <a:latin typeface="Calibri" panose="020F0502020204030204" charset="0"/>
+                <a:ea typeface="宋体" panose="02010600030101010101" pitchFamily="2" charset="-122"/>
+              </a:defRPr>
+            </a:lvl2pPr>
+            <a:lvl3pPr marL="1143000" indent="-228600">
+              <a:defRPr>
+                <a:solidFill>
+                  <a:schemeClr val="tx1"/>
+                </a:solidFill>
+                <a:latin typeface="Calibri" panose="020F0502020204030204" charset="0"/>
+                <a:ea typeface="宋体" panose="02010600030101010101" pitchFamily="2" charset="-122"/>
+              </a:defRPr>
+            </a:lvl3pPr>
+            <a:lvl4pPr marL="1600200" indent="-228600">
+              <a:defRPr>
+                <a:solidFill>
+                  <a:schemeClr val="tx1"/>
+                </a:solidFill>
+                <a:latin typeface="Calibri" panose="020F0502020204030204" charset="0"/>
+                <a:ea typeface="宋体" panose="02010600030101010101" pitchFamily="2" charset="-122"/>
+              </a:defRPr>
+            </a:lvl4pPr>
+            <a:lvl5pPr marL="2057400" indent="-228600">
+              <a:defRPr>
+                <a:solidFill>
+                  <a:schemeClr val="tx1"/>
+                </a:solidFill>
+                <a:latin typeface="Calibri" panose="020F0502020204030204" charset="0"/>
+                <a:ea typeface="宋体" panose="02010600030101010101" pitchFamily="2" charset="-122"/>
+              </a:defRPr>
+            </a:lvl5pPr>
+            <a:lvl6pPr marL="2514600" indent="-228600" eaLnBrk="0" fontAlgn="base" hangingPunct="0">
+              <a:spcBef>
+                <a:spcPct val="0"/>
+              </a:spcBef>
+              <a:spcAft>
+                <a:spcPct val="0"/>
+              </a:spcAft>
+              <a:defRPr>
+                <a:solidFill>
+                  <a:schemeClr val="tx1"/>
+                </a:solidFill>
+                <a:latin typeface="Calibri" panose="020F0502020204030204" charset="0"/>
+                <a:ea typeface="宋体" panose="02010600030101010101" pitchFamily="2" charset="-122"/>
+              </a:defRPr>
+            </a:lvl6pPr>
+            <a:lvl7pPr marL="2971800" indent="-228600" eaLnBrk="0" fontAlgn="base" hangingPunct="0">
+              <a:spcBef>
+                <a:spcPct val="0"/>
+              </a:spcBef>
+              <a:spcAft>
+                <a:spcPct val="0"/>
+              </a:spcAft>
+              <a:defRPr>
+                <a:solidFill>
+                  <a:schemeClr val="tx1"/>
+                </a:solidFill>
+                <a:latin typeface="Calibri" panose="020F0502020204030204" charset="0"/>
+                <a:ea typeface="宋体" panose="02010600030101010101" pitchFamily="2" charset="-122"/>
+              </a:defRPr>
+            </a:lvl7pPr>
+            <a:lvl8pPr marL="3429000" indent="-228600" eaLnBrk="0" fontAlgn="base" hangingPunct="0">
+              <a:spcBef>
+                <a:spcPct val="0"/>
+              </a:spcBef>
+              <a:spcAft>
+                <a:spcPct val="0"/>
+              </a:spcAft>
+              <a:defRPr>
+                <a:solidFill>
+                  <a:schemeClr val="tx1"/>
+                </a:solidFill>
+                <a:latin typeface="Calibri" panose="020F0502020204030204" charset="0"/>
+                <a:ea typeface="宋体" panose="02010600030101010101" pitchFamily="2" charset="-122"/>
+              </a:defRPr>
+            </a:lvl8pPr>
+            <a:lvl9pPr marL="3886200" indent="-228600" eaLnBrk="0" fontAlgn="base" hangingPunct="0">
+              <a:spcBef>
+                <a:spcPct val="0"/>
+              </a:spcBef>
+              <a:spcAft>
+                <a:spcPct val="0"/>
+              </a:spcAft>
+              <a:defRPr>
+                <a:solidFill>
+                  <a:schemeClr val="tx1"/>
+                </a:solidFill>
+                <a:latin typeface="Calibri" panose="020F0502020204030204" charset="0"/>
+                <a:ea typeface="宋体" panose="02010600030101010101" pitchFamily="2" charset="-122"/>
+              </a:defRPr>
+            </a:lvl9pPr>
+          </a:lstStyle>
+          <a:p>
+            <a:pPr algn="ctr" eaLnBrk="1" hangingPunct="1"/>
+            <a:r>
+              <a:rPr lang="en-US" altLang="zh-CN" sz="7995" b="1" dirty="0">
+                <a:solidFill>
+                  <a:schemeClr val="bg1"/>
+                </a:solidFill>
+                <a:latin typeface="+mn-lt"/>
+                <a:ea typeface="+mn-ea"/>
+                <a:cs typeface="+mn-ea"/>
+                <a:sym typeface="+mn-lt"/>
+              </a:rPr>
+              <a:t>01</a:t>
+            </a:r>
+            <a:endParaRPr lang="zh-CN" altLang="en-US" sz="7995" b="1" dirty="0">
+              <a:solidFill>
+                <a:schemeClr val="bg1"/>
+              </a:solidFill>
+              <a:latin typeface="+mn-lt"/>
+              <a:ea typeface="+mn-ea"/>
+              <a:cs typeface="+mn-ea"/>
+              <a:sym typeface="+mn-lt"/>
+            </a:endParaRPr>
+          </a:p>
+        </p:txBody>
+      </p:sp>
+      <p:sp>
+        <p:nvSpPr>
+          <p:cNvPr id="5" name="文本框 11"/>
+          <p:cNvSpPr txBox="1">
+            <a:spLocks noChangeArrowheads="1"/>
+          </p:cNvSpPr>
+          <p:nvPr>
+            <p:custDataLst>
+              <p:tags r:id="rId5"/>
+            </p:custDataLst>
+          </p:nvPr>
+        </p:nvSpPr>
+        <p:spPr bwMode="auto">
+          <a:xfrm>
+            <a:off x="1023631" y="3427338"/>
+            <a:ext cx="1731515" cy="481378"/>
+          </a:xfrm>
+          <a:prstGeom prst="rect">
+            <a:avLst/>
+          </a:prstGeom>
+          <a:noFill/>
+          <a:ln>
+            <a:noFill/>
+          </a:ln>
+        </p:spPr>
+        <p:txBody>
+          <a:bodyPr wrap="square" lIns="90000" tIns="0" rIns="90000" bIns="46800">
+            <a:normAutofit/>
+          </a:bodyPr>
+          <a:lstStyle>
+            <a:lvl1pPr>
+              <a:defRPr>
+                <a:solidFill>
+                  <a:schemeClr val="tx1"/>
+                </a:solidFill>
+                <a:latin typeface="Calibri" panose="020F0502020204030204" charset="0"/>
+                <a:ea typeface="宋体" panose="02010600030101010101" pitchFamily="2" charset="-122"/>
+              </a:defRPr>
+            </a:lvl1pPr>
+            <a:lvl2pPr marL="742950" indent="-285750">
+              <a:defRPr>
+                <a:solidFill>
+                  <a:schemeClr val="tx1"/>
+                </a:solidFill>
+                <a:latin typeface="Calibri" panose="020F0502020204030204" charset="0"/>
+                <a:ea typeface="宋体" panose="02010600030101010101" pitchFamily="2" charset="-122"/>
+              </a:defRPr>
+            </a:lvl2pPr>
+            <a:lvl3pPr marL="1143000" indent="-228600">
+              <a:defRPr>
+                <a:solidFill>
+                  <a:schemeClr val="tx1"/>
+                </a:solidFill>
+                <a:latin typeface="Calibri" panose="020F0502020204030204" charset="0"/>
+                <a:ea typeface="宋体" panose="02010600030101010101" pitchFamily="2" charset="-122"/>
+              </a:defRPr>
+            </a:lvl3pPr>
+            <a:lvl4pPr marL="1600200" indent="-228600">
+              <a:defRPr>
+                <a:solidFill>
+                  <a:schemeClr val="tx1"/>
+                </a:solidFill>
+                <a:latin typeface="Calibri" panose="020F0502020204030204" charset="0"/>
+                <a:ea typeface="宋体" panose="02010600030101010101" pitchFamily="2" charset="-122"/>
+              </a:defRPr>
+            </a:lvl4pPr>
+            <a:lvl5pPr marL="2057400" indent="-228600">
+              <a:defRPr>
+                <a:solidFill>
+                  <a:schemeClr val="tx1"/>
+                </a:solidFill>
+                <a:latin typeface="Calibri" panose="020F0502020204030204" charset="0"/>
+                <a:ea typeface="宋体" panose="02010600030101010101" pitchFamily="2" charset="-122"/>
+              </a:defRPr>
+            </a:lvl5pPr>
+            <a:lvl6pPr marL="2514600" indent="-228600" eaLnBrk="0" fontAlgn="base" hangingPunct="0">
+              <a:spcBef>
+                <a:spcPct val="0"/>
+              </a:spcBef>
+              <a:spcAft>
+                <a:spcPct val="0"/>
+              </a:spcAft>
+              <a:defRPr>
+                <a:solidFill>
+                  <a:schemeClr val="tx1"/>
+                </a:solidFill>
+                <a:latin typeface="Calibri" panose="020F0502020204030204" charset="0"/>
+                <a:ea typeface="宋体" panose="02010600030101010101" pitchFamily="2" charset="-122"/>
+              </a:defRPr>
+            </a:lvl6pPr>
+            <a:lvl7pPr marL="2971800" indent="-228600" eaLnBrk="0" fontAlgn="base" hangingPunct="0">
+              <a:spcBef>
+                <a:spcPct val="0"/>
+              </a:spcBef>
+              <a:spcAft>
+                <a:spcPct val="0"/>
+              </a:spcAft>
+              <a:defRPr>
+                <a:solidFill>
+                  <a:schemeClr val="tx1"/>
+                </a:solidFill>
+                <a:latin typeface="Calibri" panose="020F0502020204030204" charset="0"/>
+                <a:ea typeface="宋体" panose="02010600030101010101" pitchFamily="2" charset="-122"/>
+              </a:defRPr>
+            </a:lvl7pPr>
+            <a:lvl8pPr marL="3429000" indent="-228600" eaLnBrk="0" fontAlgn="base" hangingPunct="0">
+              <a:spcBef>
+                <a:spcPct val="0"/>
+              </a:spcBef>
+              <a:spcAft>
+                <a:spcPct val="0"/>
+              </a:spcAft>
+              <a:defRPr>
+                <a:solidFill>
+                  <a:schemeClr val="tx1"/>
+                </a:solidFill>
+                <a:latin typeface="Calibri" panose="020F0502020204030204" charset="0"/>
+                <a:ea typeface="宋体" panose="02010600030101010101" pitchFamily="2" charset="-122"/>
+              </a:defRPr>
+            </a:lvl8pPr>
+            <a:lvl9pPr marL="3886200" indent="-228600" eaLnBrk="0" fontAlgn="base" hangingPunct="0">
+              <a:spcBef>
+                <a:spcPct val="0"/>
+              </a:spcBef>
+              <a:spcAft>
+                <a:spcPct val="0"/>
+              </a:spcAft>
+              <a:defRPr>
+                <a:solidFill>
+                  <a:schemeClr val="tx1"/>
+                </a:solidFill>
+                <a:latin typeface="Calibri" panose="020F0502020204030204" charset="0"/>
+                <a:ea typeface="宋体" panose="02010600030101010101" pitchFamily="2" charset="-122"/>
+              </a:defRPr>
+            </a:lvl9pPr>
+          </a:lstStyle>
+          <a:p>
+            <a:pPr algn="ctr" eaLnBrk="1" hangingPunct="1"/>
+            <a:r>
+              <a:rPr lang="zh-CN" altLang="en-US" sz="2400" b="1">
+                <a:solidFill>
+                  <a:schemeClr val="bg1"/>
+                </a:solidFill>
+                <a:latin typeface="+mn-lt"/>
+                <a:ea typeface="+mn-ea"/>
+                <a:sym typeface="+mn-lt"/>
+              </a:rPr>
+              <a:t>章节 PART</a:t>
+            </a:r>
+            <a:endParaRPr lang="zh-CN" altLang="en-US" sz="2400" b="1">
+              <a:solidFill>
+                <a:schemeClr val="bg1"/>
+              </a:solidFill>
+              <a:latin typeface="+mn-lt"/>
+              <a:ea typeface="+mn-ea"/>
+              <a:sym typeface="+mn-lt"/>
+            </a:endParaRPr>
+          </a:p>
+        </p:txBody>
+      </p:sp>
+    </p:spTree>
+    <p:custDataLst>
+      <p:tags r:id="rId6"/>
+    </p:custDataLst>
+  </p:cSld>
+  <p:clrMapOvr>
+    <a:masterClrMapping/>
+  </p:clrMapOvr>
+  <mc:AlternateContent xmlns:mc="http://schemas.openxmlformats.org/markup-compatibility/2006">
+    <mc:Choice xmlns:p14="http://schemas.microsoft.com/office/powerpoint/2010/main" Requires="p14">
+      <p:transition p14:dur="10"/>
+    </mc:Choice>
+    <mc:Fallback>
+      <p:transition/>
+    </mc:Fallback>
+  </mc:AlternateContent>
+</p:sld>
+</file>
+
+<file path=ppt/slides/slide30.xml><?xml version="1.0" encoding="utf-8"?>
 <p:sld xmlns:a="http://schemas.openxmlformats.org/drawingml/2006/main" xmlns:r="http://schemas.openxmlformats.org/officeDocument/2006/relationships" xmlns:p="http://schemas.openxmlformats.org/presentationml/2006/main">
   <p:cSld>
     <p:spTree>
@@ -11300,7 +12609,7 @@
 </p:sld>
 </file>
 
-<file path=ppt/slides/slide25.xml><?xml version="1.0" encoding="utf-8"?>
+<file path=ppt/slides/slide31.xml><?xml version="1.0" encoding="utf-8"?>
 <p:sld xmlns:a="http://schemas.openxmlformats.org/drawingml/2006/main" xmlns:r="http://schemas.openxmlformats.org/officeDocument/2006/relationships" xmlns:p="http://schemas.openxmlformats.org/presentationml/2006/main">
   <p:cSld>
     <p:spTree>
@@ -11395,7 +12704,7 @@
 </p:sld>
 </file>
 
-<file path=ppt/slides/slide26.xml><?xml version="1.0" encoding="utf-8"?>
+<file path=ppt/slides/slide32.xml><?xml version="1.0" encoding="utf-8"?>
 <p:sld xmlns:a="http://schemas.openxmlformats.org/drawingml/2006/main" xmlns:r="http://schemas.openxmlformats.org/officeDocument/2006/relationships" xmlns:p="http://schemas.openxmlformats.org/presentationml/2006/main">
   <p:cSld>
     <p:spTree>
@@ -11894,7 +13203,7 @@
 </p:sld>
 </file>
 
-<file path=ppt/slides/slide27.xml><?xml version="1.0" encoding="utf-8"?>
+<file path=ppt/slides/slide33.xml><?xml version="1.0" encoding="utf-8"?>
 <p:sld xmlns:a="http://schemas.openxmlformats.org/drawingml/2006/main" xmlns:r="http://schemas.openxmlformats.org/officeDocument/2006/relationships" xmlns:p="http://schemas.openxmlformats.org/presentationml/2006/main">
   <p:cSld>
     <p:spTree>
@@ -13093,7 +14402,7 @@
 </p:sld>
 </file>
 
-<file path=ppt/slides/slide28.xml><?xml version="1.0" encoding="utf-8"?>
+<file path=ppt/slides/slide34.xml><?xml version="1.0" encoding="utf-8"?>
 <p:sld xmlns:a="http://schemas.openxmlformats.org/drawingml/2006/main" xmlns:r="http://schemas.openxmlformats.org/officeDocument/2006/relationships" xmlns:p="http://schemas.openxmlformats.org/presentationml/2006/main">
   <p:cSld>
     <p:spTree>
@@ -13181,7 +14490,131 @@
 </p:sld>
 </file>
 
-<file path=ppt/slides/slide3.xml><?xml version="1.0" encoding="utf-8"?>
+<file path=ppt/slides/slide4.xml><?xml version="1.0" encoding="utf-8"?>
+<p:sld xmlns:a="http://schemas.openxmlformats.org/drawingml/2006/main" xmlns:r="http://schemas.openxmlformats.org/officeDocument/2006/relationships" xmlns:p="http://schemas.openxmlformats.org/presentationml/2006/main">
+  <p:cSld>
+    <p:spTree>
+      <p:nvGrpSpPr>
+        <p:cNvPr id="1" name=""/>
+        <p:cNvGrpSpPr/>
+        <p:nvPr/>
+      </p:nvGrpSpPr>
+      <p:grpSpPr/>
+      <p:sp>
+        <p:nvSpPr>
+          <p:cNvPr id="2" name="标题 1"/>
+          <p:cNvSpPr>
+            <a:spLocks noGrp="1"/>
+          </p:cNvSpPr>
+          <p:nvPr>
+            <p:ph type="title"/>
+          </p:nvPr>
+        </p:nvSpPr>
+        <p:spPr/>
+        <p:txBody>
+          <a:bodyPr/>
+          <a:p>
+            <a:r>
+              <a:rPr lang="zh-CN" altLang="en-US"/>
+              <a:t>概述</a:t>
+            </a:r>
+            <a:endParaRPr lang="zh-CN" altLang="en-US"/>
+          </a:p>
+        </p:txBody>
+      </p:sp>
+      <p:sp>
+        <p:nvSpPr>
+          <p:cNvPr id="3" name="内容占位符 2"/>
+          <p:cNvSpPr>
+            <a:spLocks noGrp="1"/>
+          </p:cNvSpPr>
+          <p:nvPr>
+            <p:ph idx="1"/>
+          </p:nvPr>
+        </p:nvSpPr>
+        <p:spPr/>
+        <p:txBody>
+          <a:bodyPr/>
+          <a:p>
+            <a:r>
+              <a:rPr lang="zh-CN" altLang="en-US"/>
+              <a:t>背景</a:t>
+            </a:r>
+            <a:endParaRPr lang="zh-CN" altLang="en-US"/>
+          </a:p>
+          <a:p>
+            <a:r>
+              <a:rPr lang="zh-CN" altLang="en-US" sz="1600">
+                <a:sym typeface="+mn-ea"/>
+              </a:rPr>
+              <a:t>计算机图形学是游戏引擎技术、人工智能领域中所有与图像有关技术的基础。</a:t>
+            </a:r>
+            <a:endParaRPr lang="zh-CN" altLang="en-US" sz="1600"/>
+          </a:p>
+          <a:p>
+            <a:r>
+              <a:rPr lang="zh-CN" altLang="en-US" sz="1600"/>
+              <a:t>国外计算机图形技术蓬勃发展，而国内仍处于起步阶段，且发展速度缓慢。</a:t>
+            </a:r>
+            <a:endParaRPr lang="zh-CN" altLang="en-US" sz="1400"/>
+          </a:p>
+          <a:p>
+            <a:endParaRPr lang="zh-CN" altLang="en-US" sz="1200"/>
+          </a:p>
+          <a:p>
+            <a:endParaRPr lang="zh-CN" altLang="en-US" sz="1200"/>
+          </a:p>
+          <a:p>
+            <a:r>
+              <a:rPr lang="zh-CN" altLang="en-US"/>
+              <a:t>游戏引擎</a:t>
+            </a:r>
+            <a:endParaRPr lang="zh-CN" altLang="en-US"/>
+          </a:p>
+          <a:p>
+            <a:r>
+              <a:rPr lang="zh-CN" altLang="en-US" sz="1600"/>
+              <a:t>游戏引擎是一款游戏最核心最底层的代码，直接与操作系统交互，封装游戏开发中不变的部分。</a:t>
+            </a:r>
+            <a:endParaRPr lang="zh-CN" altLang="en-US" sz="1600"/>
+          </a:p>
+          <a:p>
+            <a:r>
+              <a:rPr lang="zh-CN" altLang="en-US" sz="1600"/>
+              <a:t>国外有着著名的游戏引擎</a:t>
+            </a:r>
+            <a:r>
+              <a:rPr lang="en-US" altLang="zh-CN" sz="1600"/>
+              <a:t>——Unreal Engine</a:t>
+            </a:r>
+            <a:r>
+              <a:rPr lang="zh-CN" altLang="en-US" sz="1600"/>
+              <a:t>、</a:t>
+            </a:r>
+            <a:r>
+              <a:rPr lang="en-US" altLang="zh-CN" sz="1600"/>
+              <a:t>Unity3D</a:t>
+            </a:r>
+            <a:r>
+              <a:rPr lang="zh-CN" altLang="en-US" sz="1600"/>
+              <a:t>等。但国内没有影响力巨大的游戏引擎，游戏开发多使用国外现有的底层技术。</a:t>
+            </a:r>
+            <a:endParaRPr lang="zh-CN" altLang="en-US" sz="1600"/>
+          </a:p>
+        </p:txBody>
+      </p:sp>
+    </p:spTree>
+    <p:custDataLst>
+      <p:tags r:id="rId1"/>
+    </p:custDataLst>
+  </p:cSld>
+  <p:clrMapOvr>
+    <a:masterClrMapping/>
+  </p:clrMapOvr>
+</p:sld>
+</file>
+
+<file path=ppt/slides/slide5.xml><?xml version="1.0" encoding="utf-8"?>
 <p:sld xmlns:a="http://schemas.openxmlformats.org/drawingml/2006/main" xmlns:r="http://schemas.openxmlformats.org/officeDocument/2006/relationships" xmlns:p="http://schemas.openxmlformats.org/presentationml/2006/main">
   <p:cSld>
     <p:spTree>
@@ -13282,7 +14715,7 @@
               <a:rPr lang="zh-CN" altLang="en-US" sz="4000">
                 <a:sym typeface="+mn-lt"/>
               </a:rPr>
-              <a:t>绪论</a:t>
+              <a:t>研究方法</a:t>
             </a:r>
             <a:endParaRPr lang="zh-CN" altLang="en-US" sz="4000">
               <a:sym typeface="+mn-lt"/>
@@ -13312,7 +14745,7 @@
               <a:rPr lang="zh-CN" altLang="en-US" dirty="0">
                 <a:sym typeface="+mn-lt"/>
               </a:rPr>
-              <a:t>研究背景及原因</a:t>
+              <a:t>将理论依据与技术手段结合</a:t>
             </a:r>
             <a:endParaRPr lang="zh-CN" altLang="en-US" dirty="0">
               <a:sym typeface="+mn-lt"/>
@@ -13487,7 +14920,7 @@
                 <a:cs typeface="+mn-ea"/>
                 <a:sym typeface="+mn-lt"/>
               </a:rPr>
-              <a:t>01</a:t>
+              <a:t>02</a:t>
             </a:r>
             <a:endParaRPr lang="zh-CN" altLang="en-US" sz="7995" b="1" dirty="0">
               <a:solidFill>
@@ -13680,7 +15113,7 @@
 </p:sld>
 </file>
 
-<file path=ppt/slides/slide4.xml><?xml version="1.0" encoding="utf-8"?>
+<file path=ppt/slides/slide6.xml><?xml version="1.0" encoding="utf-8"?>
 <p:sld xmlns:a="http://schemas.openxmlformats.org/drawingml/2006/main" xmlns:r="http://schemas.openxmlformats.org/officeDocument/2006/relationships" xmlns:p="http://schemas.openxmlformats.org/presentationml/2006/main">
   <p:cSld>
     <p:spTree>
@@ -13706,7 +15139,7 @@
           <a:p>
             <a:r>
               <a:rPr lang="zh-CN" altLang="en-US"/>
-              <a:t>概述</a:t>
+              <a:t>如何研究？</a:t>
             </a:r>
             <a:endParaRPr lang="zh-CN" altLang="en-US"/>
           </a:p>
@@ -13728,54 +15161,39 @@
           <a:p>
             <a:r>
               <a:rPr lang="zh-CN" altLang="en-US"/>
-              <a:t>背景</a:t>
+              <a:t>理论基础</a:t>
             </a:r>
             <a:endParaRPr lang="zh-CN" altLang="en-US"/>
           </a:p>
           <a:p>
             <a:r>
-              <a:rPr lang="zh-CN" altLang="en-US" sz="1400">
-                <a:sym typeface="+mn-ea"/>
-              </a:rPr>
-              <a:t>计算机图形学是游戏引擎技术、人工智能领域中所有与图像有关技术的基础。</a:t>
+              <a:rPr lang="zh-CN" altLang="en-US" sz="1400"/>
+              <a:t>计算机图形学、</a:t>
+            </a:r>
+            <a:r>
+              <a:rPr lang="en-US" altLang="zh-CN" sz="1400"/>
+              <a:t>3D</a:t>
+            </a:r>
+            <a:r>
+              <a:rPr lang="zh-CN" altLang="en-US" sz="1400"/>
+              <a:t>数学</a:t>
             </a:r>
             <a:endParaRPr lang="zh-CN" altLang="en-US" sz="1400"/>
           </a:p>
           <a:p>
-            <a:r>
-              <a:rPr lang="zh-CN" altLang="en-US" sz="1400"/>
-              <a:t>国外计算机图形技术蓬勃发展，而国内仍处于起步阶段，且发展速度缓慢。</a:t>
-            </a:r>
             <a:endParaRPr lang="zh-CN" altLang="en-US" sz="1400"/>
           </a:p>
           <a:p>
-            <a:endParaRPr lang="zh-CN" altLang="en-US" sz="1200"/>
-          </a:p>
-          <a:p>
-            <a:endParaRPr lang="zh-CN" altLang="en-US" sz="1200"/>
-          </a:p>
-          <a:p>
             <a:r>
               <a:rPr lang="zh-CN" altLang="en-US"/>
-              <a:t>游戏引擎</a:t>
+              <a:t>技术手段</a:t>
             </a:r>
             <a:endParaRPr lang="zh-CN" altLang="en-US"/>
           </a:p>
           <a:p>
             <a:r>
-              <a:rPr lang="zh-CN" altLang="en-US" sz="1400"/>
-              <a:t>游戏引擎是一款游戏最核心最底层的代码，直接与操作系统交互，封装游戏开发中不变的部分。</a:t>
-            </a:r>
-            <a:endParaRPr lang="zh-CN" altLang="en-US" sz="1400"/>
-          </a:p>
-          <a:p>
-            <a:r>
-              <a:rPr lang="zh-CN" altLang="en-US" sz="1400"/>
-              <a:t>国外有着著名的游戏引擎</a:t>
-            </a:r>
-            <a:r>
               <a:rPr lang="en-US" altLang="zh-CN" sz="1400"/>
-              <a:t>——Unreal Engine</a:t>
+              <a:t>OpenGL</a:t>
             </a:r>
             <a:r>
               <a:rPr lang="zh-CN" altLang="en-US" sz="1400"/>
@@ -13783,13 +15201,33 @@
             </a:r>
             <a:r>
               <a:rPr lang="en-US" altLang="zh-CN" sz="1400"/>
-              <a:t>Unity3D</a:t>
+              <a:t>C/C++</a:t>
+            </a:r>
+            <a:endParaRPr lang="en-US" altLang="zh-CN" sz="1400"/>
+          </a:p>
+          <a:p>
+            <a:endParaRPr lang="en-US" altLang="zh-CN" sz="1400"/>
+          </a:p>
+          <a:p>
+            <a:r>
+              <a:rPr lang="zh-CN" altLang="en-US"/>
+              <a:t>实现目标</a:t>
+            </a:r>
+            <a:endParaRPr lang="en-US" altLang="zh-CN" sz="1400"/>
+          </a:p>
+          <a:p>
+            <a:r>
+              <a:rPr lang="en-US" altLang="zh-CN" sz="1400"/>
+              <a:t>3D</a:t>
             </a:r>
             <a:r>
               <a:rPr lang="zh-CN" altLang="en-US" sz="1400"/>
-              <a:t>等。但国内没有影响力巨大的游戏引擎，游戏开发多使用国外现有的底层技术。</a:t>
-            </a:r>
-            <a:endParaRPr lang="zh-CN" altLang="en-US" sz="1400"/>
+              <a:t>场景渲染引擎</a:t>
+            </a:r>
+            <a:endParaRPr lang="zh-CN" altLang="en-US"/>
+          </a:p>
+          <a:p>
+            <a:endParaRPr lang="zh-CN" altLang="en-US"/>
           </a:p>
         </p:txBody>
       </p:sp>
@@ -13804,7 +15242,7 @@
 </p:sld>
 </file>
 
-<file path=ppt/slides/slide5.xml><?xml version="1.0" encoding="utf-8"?>
+<file path=ppt/slides/slide7.xml><?xml version="1.0" encoding="utf-8"?>
 <p:sld xmlns:a="http://schemas.openxmlformats.org/drawingml/2006/main" xmlns:r="http://schemas.openxmlformats.org/officeDocument/2006/relationships" xmlns:p="http://schemas.openxmlformats.org/presentationml/2006/main">
   <p:cSld>
     <p:spTree>
@@ -13905,7 +15343,7 @@
               <a:rPr lang="zh-CN" altLang="en-US" sz="4000">
                 <a:sym typeface="+mn-lt"/>
               </a:rPr>
-              <a:t>研究方法</a:t>
+              <a:t>技术实践</a:t>
             </a:r>
             <a:endParaRPr lang="zh-CN" altLang="en-US" sz="4000">
               <a:sym typeface="+mn-lt"/>
@@ -13935,7 +15373,7 @@
               <a:rPr lang="zh-CN" altLang="en-US" dirty="0">
                 <a:sym typeface="+mn-lt"/>
               </a:rPr>
-              <a:t>将理论依据与技术手段结合</a:t>
+              <a:t>对于软件架构、渲染技术的思考成果</a:t>
             </a:r>
             <a:endParaRPr lang="zh-CN" altLang="en-US" dirty="0">
               <a:sym typeface="+mn-lt"/>
@@ -14110,7 +15548,7 @@
                 <a:cs typeface="+mn-ea"/>
                 <a:sym typeface="+mn-lt"/>
               </a:rPr>
-              <a:t>02</a:t>
+              <a:t>03</a:t>
             </a:r>
             <a:endParaRPr lang="zh-CN" altLang="en-US" sz="7995" b="1" dirty="0">
               <a:solidFill>
@@ -14303,634 +15741,6 @@
 </p:sld>
 </file>
 
-<file path=ppt/slides/slide6.xml><?xml version="1.0" encoding="utf-8"?>
-<p:sld xmlns:a="http://schemas.openxmlformats.org/drawingml/2006/main" xmlns:r="http://schemas.openxmlformats.org/officeDocument/2006/relationships" xmlns:p="http://schemas.openxmlformats.org/presentationml/2006/main">
-  <p:cSld>
-    <p:spTree>
-      <p:nvGrpSpPr>
-        <p:cNvPr id="1" name=""/>
-        <p:cNvGrpSpPr/>
-        <p:nvPr/>
-      </p:nvGrpSpPr>
-      <p:grpSpPr/>
-      <p:sp>
-        <p:nvSpPr>
-          <p:cNvPr id="2" name="标题 1"/>
-          <p:cNvSpPr>
-            <a:spLocks noGrp="1"/>
-          </p:cNvSpPr>
-          <p:nvPr>
-            <p:ph type="title"/>
-          </p:nvPr>
-        </p:nvSpPr>
-        <p:spPr/>
-        <p:txBody>
-          <a:bodyPr/>
-          <a:p>
-            <a:r>
-              <a:rPr lang="zh-CN" altLang="en-US"/>
-              <a:t>如何研究？</a:t>
-            </a:r>
-            <a:endParaRPr lang="zh-CN" altLang="en-US"/>
-          </a:p>
-        </p:txBody>
-      </p:sp>
-      <p:sp>
-        <p:nvSpPr>
-          <p:cNvPr id="3" name="内容占位符 2"/>
-          <p:cNvSpPr>
-            <a:spLocks noGrp="1"/>
-          </p:cNvSpPr>
-          <p:nvPr>
-            <p:ph idx="1"/>
-          </p:nvPr>
-        </p:nvSpPr>
-        <p:spPr/>
-        <p:txBody>
-          <a:bodyPr/>
-          <a:p>
-            <a:r>
-              <a:rPr lang="zh-CN" altLang="en-US"/>
-              <a:t>理论基础</a:t>
-            </a:r>
-            <a:endParaRPr lang="zh-CN" altLang="en-US"/>
-          </a:p>
-          <a:p>
-            <a:r>
-              <a:rPr lang="zh-CN" altLang="en-US" sz="1400"/>
-              <a:t>计算机图形学、</a:t>
-            </a:r>
-            <a:r>
-              <a:rPr lang="en-US" altLang="zh-CN" sz="1400"/>
-              <a:t>3D</a:t>
-            </a:r>
-            <a:r>
-              <a:rPr lang="zh-CN" altLang="en-US" sz="1400"/>
-              <a:t>数学</a:t>
-            </a:r>
-            <a:endParaRPr lang="zh-CN" altLang="en-US" sz="1400"/>
-          </a:p>
-          <a:p>
-            <a:endParaRPr lang="zh-CN" altLang="en-US" sz="1400"/>
-          </a:p>
-          <a:p>
-            <a:r>
-              <a:rPr lang="zh-CN" altLang="en-US"/>
-              <a:t>技术手段</a:t>
-            </a:r>
-            <a:endParaRPr lang="zh-CN" altLang="en-US"/>
-          </a:p>
-          <a:p>
-            <a:r>
-              <a:rPr lang="en-US" altLang="zh-CN" sz="1400"/>
-              <a:t>OpenGL</a:t>
-            </a:r>
-            <a:r>
-              <a:rPr lang="zh-CN" altLang="en-US" sz="1400"/>
-              <a:t>、</a:t>
-            </a:r>
-            <a:r>
-              <a:rPr lang="en-US" altLang="zh-CN" sz="1400"/>
-              <a:t>C/C++</a:t>
-            </a:r>
-            <a:endParaRPr lang="en-US" altLang="zh-CN" sz="1400"/>
-          </a:p>
-          <a:p>
-            <a:endParaRPr lang="en-US" altLang="zh-CN" sz="1400"/>
-          </a:p>
-          <a:p>
-            <a:r>
-              <a:rPr lang="zh-CN" altLang="en-US"/>
-              <a:t>实现目标</a:t>
-            </a:r>
-            <a:endParaRPr lang="en-US" altLang="zh-CN" sz="1400"/>
-          </a:p>
-          <a:p>
-            <a:r>
-              <a:rPr lang="en-US" altLang="zh-CN" sz="1400"/>
-              <a:t>3D</a:t>
-            </a:r>
-            <a:r>
-              <a:rPr lang="zh-CN" altLang="en-US" sz="1400"/>
-              <a:t>场景渲染引擎</a:t>
-            </a:r>
-            <a:endParaRPr lang="zh-CN" altLang="en-US"/>
-          </a:p>
-          <a:p>
-            <a:endParaRPr lang="zh-CN" altLang="en-US"/>
-          </a:p>
-        </p:txBody>
-      </p:sp>
-    </p:spTree>
-    <p:custDataLst>
-      <p:tags r:id="rId1"/>
-    </p:custDataLst>
-  </p:cSld>
-  <p:clrMapOvr>
-    <a:masterClrMapping/>
-  </p:clrMapOvr>
-</p:sld>
-</file>
-
-<file path=ppt/slides/slide7.xml><?xml version="1.0" encoding="utf-8"?>
-<p:sld xmlns:a="http://schemas.openxmlformats.org/drawingml/2006/main" xmlns:r="http://schemas.openxmlformats.org/officeDocument/2006/relationships" xmlns:p="http://schemas.openxmlformats.org/presentationml/2006/main">
-  <p:cSld>
-    <p:spTree>
-      <p:nvGrpSpPr>
-        <p:cNvPr id="1" name=""/>
-        <p:cNvGrpSpPr/>
-        <p:nvPr/>
-      </p:nvGrpSpPr>
-      <p:grpSpPr>
-        <a:xfrm>
-          <a:off x="0" y="0"/>
-          <a:ext cx="0" cy="0"/>
-          <a:chOff x="0" y="0"/>
-          <a:chExt cx="0" cy="0"/>
-        </a:xfrm>
-      </p:grpSpPr>
-      <p:sp>
-        <p:nvSpPr>
-          <p:cNvPr id="6" name="圆角矩形 13"/>
-          <p:cNvSpPr/>
-          <p:nvPr>
-            <p:custDataLst>
-              <p:tags r:id="rId1"/>
-            </p:custDataLst>
-          </p:nvPr>
-        </p:nvSpPr>
-        <p:spPr>
-          <a:xfrm>
-            <a:off x="1023631" y="2345197"/>
-            <a:ext cx="1731515" cy="1510884"/>
-          </a:xfrm>
-          <a:prstGeom prst="roundRect">
-            <a:avLst>
-              <a:gd name="adj" fmla="val 9533"/>
-            </a:avLst>
-          </a:prstGeom>
-          <a:solidFill>
-            <a:schemeClr val="accent1"/>
-          </a:solidFill>
-          <a:ln>
-            <a:noFill/>
-          </a:ln>
-        </p:spPr>
-        <p:style>
-          <a:lnRef idx="2">
-            <a:schemeClr val="accent1">
-              <a:shade val="50000"/>
-            </a:schemeClr>
-          </a:lnRef>
-          <a:fillRef idx="1">
-            <a:schemeClr val="accent1"/>
-          </a:fillRef>
-          <a:effectRef idx="0">
-            <a:schemeClr val="accent1"/>
-          </a:effectRef>
-          <a:fontRef idx="minor">
-            <a:schemeClr val="lt1"/>
-          </a:fontRef>
-        </p:style>
-        <p:txBody>
-          <a:bodyPr rtlCol="0" anchor="ctr"/>
-          <a:lstStyle/>
-          <a:p>
-            <a:pPr algn="ctr"/>
-            <a:endParaRPr lang="zh-CN" altLang="en-US" sz="1705">
-              <a:cs typeface="+mn-ea"/>
-              <a:sym typeface="+mn-lt"/>
-            </a:endParaRPr>
-          </a:p>
-        </p:txBody>
-      </p:sp>
-      <p:sp>
-        <p:nvSpPr>
-          <p:cNvPr id="7" name="标题 6"/>
-          <p:cNvSpPr>
-            <a:spLocks noGrp="1"/>
-          </p:cNvSpPr>
-          <p:nvPr>
-            <p:ph type="title"/>
-            <p:custDataLst>
-              <p:tags r:id="rId2"/>
-            </p:custDataLst>
-          </p:nvPr>
-        </p:nvSpPr>
-        <p:spPr>
-          <a:xfrm>
-            <a:off x="2808254" y="2448454"/>
-            <a:ext cx="6039836" cy="798023"/>
-          </a:xfrm>
-        </p:spPr>
-        <p:txBody>
-          <a:bodyPr lIns="90000" tIns="46800" rIns="90000" bIns="46800">
-            <a:normAutofit fontScale="90000"/>
-          </a:bodyPr>
-          <a:lstStyle/>
-          <a:p>
-            <a:r>
-              <a:rPr lang="zh-CN" altLang="en-US" sz="4000">
-                <a:sym typeface="+mn-lt"/>
-              </a:rPr>
-              <a:t>技术实践</a:t>
-            </a:r>
-            <a:endParaRPr lang="zh-CN" altLang="en-US" sz="4000">
-              <a:sym typeface="+mn-lt"/>
-            </a:endParaRPr>
-          </a:p>
-        </p:txBody>
-      </p:sp>
-      <p:sp>
-        <p:nvSpPr>
-          <p:cNvPr id="9" name="文本占位符 8"/>
-          <p:cNvSpPr>
-            <a:spLocks noGrp="1"/>
-          </p:cNvSpPr>
-          <p:nvPr>
-            <p:ph type="body" idx="1"/>
-            <p:custDataLst>
-              <p:tags r:id="rId3"/>
-            </p:custDataLst>
-          </p:nvPr>
-        </p:nvSpPr>
-        <p:spPr/>
-        <p:txBody>
-          <a:bodyPr lIns="90000" tIns="46800" rIns="90000" bIns="46800"/>
-          <a:lstStyle/>
-          <a:p>
-            <a:r>
-              <a:rPr lang="zh-CN" altLang="en-US" dirty="0">
-                <a:sym typeface="+mn-lt"/>
-              </a:rPr>
-              <a:t>对于软件架构、渲染技术的思考成果</a:t>
-            </a:r>
-            <a:endParaRPr lang="zh-CN" altLang="en-US" dirty="0">
-              <a:sym typeface="+mn-lt"/>
-            </a:endParaRPr>
-          </a:p>
-        </p:txBody>
-      </p:sp>
-      <p:sp>
-        <p:nvSpPr>
-          <p:cNvPr id="4" name="文本框 2"/>
-          <p:cNvSpPr txBox="1">
-            <a:spLocks noChangeArrowheads="1"/>
-          </p:cNvSpPr>
-          <p:nvPr>
-            <p:custDataLst>
-              <p:tags r:id="rId4"/>
-            </p:custDataLst>
-          </p:nvPr>
-        </p:nvSpPr>
-        <p:spPr bwMode="auto">
-          <a:xfrm>
-            <a:off x="1016009" y="2253585"/>
-            <a:ext cx="1731516" cy="1230337"/>
-          </a:xfrm>
-          <a:prstGeom prst="rect">
-            <a:avLst/>
-          </a:prstGeom>
-          <a:noFill/>
-          <a:ln>
-            <a:noFill/>
-          </a:ln>
-          <a:extLst>
-            <a:ext uri="{909E8E84-426E-40DD-AFC4-6F175D3DCCD1}">
-              <a14:hiddenFill xmlns:a14="http://schemas.microsoft.com/office/drawing/2010/main">
-                <a:solidFill>
-                  <a:srgbClr val="FFFFFF"/>
-                </a:solidFill>
-              </a14:hiddenFill>
-            </a:ext>
-            <a:ext uri="{91240B29-F687-4F45-9708-019B960494DF}">
-              <a14:hiddenLine xmlns:a14="http://schemas.microsoft.com/office/drawing/2010/main" w="9525">
-                <a:solidFill>
-                  <a:srgbClr val="000000"/>
-                </a:solidFill>
-                <a:miter lim="800000"/>
-                <a:headEnd/>
-                <a:tailEnd/>
-              </a14:hiddenLine>
-            </a:ext>
-          </a:extLst>
-        </p:spPr>
-        <p:txBody>
-          <a:bodyPr wrap="square" lIns="90000" tIns="46800" rIns="90000" bIns="0" anchor="b">
-            <a:normAutofit lnSpcReduction="10000"/>
-          </a:bodyPr>
-          <a:lstStyle>
-            <a:lvl1pPr>
-              <a:defRPr>
-                <a:solidFill>
-                  <a:schemeClr val="tx1"/>
-                </a:solidFill>
-                <a:latin typeface="Calibri" panose="020F0502020204030204" charset="0"/>
-                <a:ea typeface="宋体" panose="02010600030101010101" pitchFamily="2" charset="-122"/>
-              </a:defRPr>
-            </a:lvl1pPr>
-            <a:lvl2pPr marL="742950" indent="-285750">
-              <a:defRPr>
-                <a:solidFill>
-                  <a:schemeClr val="tx1"/>
-                </a:solidFill>
-                <a:latin typeface="Calibri" panose="020F0502020204030204" charset="0"/>
-                <a:ea typeface="宋体" panose="02010600030101010101" pitchFamily="2" charset="-122"/>
-              </a:defRPr>
-            </a:lvl2pPr>
-            <a:lvl3pPr marL="1143000" indent="-228600">
-              <a:defRPr>
-                <a:solidFill>
-                  <a:schemeClr val="tx1"/>
-                </a:solidFill>
-                <a:latin typeface="Calibri" panose="020F0502020204030204" charset="0"/>
-                <a:ea typeface="宋体" panose="02010600030101010101" pitchFamily="2" charset="-122"/>
-              </a:defRPr>
-            </a:lvl3pPr>
-            <a:lvl4pPr marL="1600200" indent="-228600">
-              <a:defRPr>
-                <a:solidFill>
-                  <a:schemeClr val="tx1"/>
-                </a:solidFill>
-                <a:latin typeface="Calibri" panose="020F0502020204030204" charset="0"/>
-                <a:ea typeface="宋体" panose="02010600030101010101" pitchFamily="2" charset="-122"/>
-              </a:defRPr>
-            </a:lvl4pPr>
-            <a:lvl5pPr marL="2057400" indent="-228600">
-              <a:defRPr>
-                <a:solidFill>
-                  <a:schemeClr val="tx1"/>
-                </a:solidFill>
-                <a:latin typeface="Calibri" panose="020F0502020204030204" charset="0"/>
-                <a:ea typeface="宋体" panose="02010600030101010101" pitchFamily="2" charset="-122"/>
-              </a:defRPr>
-            </a:lvl5pPr>
-            <a:lvl6pPr marL="2514600" indent="-228600" eaLnBrk="0" fontAlgn="base" hangingPunct="0">
-              <a:spcBef>
-                <a:spcPct val="0"/>
-              </a:spcBef>
-              <a:spcAft>
-                <a:spcPct val="0"/>
-              </a:spcAft>
-              <a:defRPr>
-                <a:solidFill>
-                  <a:schemeClr val="tx1"/>
-                </a:solidFill>
-                <a:latin typeface="Calibri" panose="020F0502020204030204" charset="0"/>
-                <a:ea typeface="宋体" panose="02010600030101010101" pitchFamily="2" charset="-122"/>
-              </a:defRPr>
-            </a:lvl6pPr>
-            <a:lvl7pPr marL="2971800" indent="-228600" eaLnBrk="0" fontAlgn="base" hangingPunct="0">
-              <a:spcBef>
-                <a:spcPct val="0"/>
-              </a:spcBef>
-              <a:spcAft>
-                <a:spcPct val="0"/>
-              </a:spcAft>
-              <a:defRPr>
-                <a:solidFill>
-                  <a:schemeClr val="tx1"/>
-                </a:solidFill>
-                <a:latin typeface="Calibri" panose="020F0502020204030204" charset="0"/>
-                <a:ea typeface="宋体" panose="02010600030101010101" pitchFamily="2" charset="-122"/>
-              </a:defRPr>
-            </a:lvl7pPr>
-            <a:lvl8pPr marL="3429000" indent="-228600" eaLnBrk="0" fontAlgn="base" hangingPunct="0">
-              <a:spcBef>
-                <a:spcPct val="0"/>
-              </a:spcBef>
-              <a:spcAft>
-                <a:spcPct val="0"/>
-              </a:spcAft>
-              <a:defRPr>
-                <a:solidFill>
-                  <a:schemeClr val="tx1"/>
-                </a:solidFill>
-                <a:latin typeface="Calibri" panose="020F0502020204030204" charset="0"/>
-                <a:ea typeface="宋体" panose="02010600030101010101" pitchFamily="2" charset="-122"/>
-              </a:defRPr>
-            </a:lvl8pPr>
-            <a:lvl9pPr marL="3886200" indent="-228600" eaLnBrk="0" fontAlgn="base" hangingPunct="0">
-              <a:spcBef>
-                <a:spcPct val="0"/>
-              </a:spcBef>
-              <a:spcAft>
-                <a:spcPct val="0"/>
-              </a:spcAft>
-              <a:defRPr>
-                <a:solidFill>
-                  <a:schemeClr val="tx1"/>
-                </a:solidFill>
-                <a:latin typeface="Calibri" panose="020F0502020204030204" charset="0"/>
-                <a:ea typeface="宋体" panose="02010600030101010101" pitchFamily="2" charset="-122"/>
-              </a:defRPr>
-            </a:lvl9pPr>
-          </a:lstStyle>
-          <a:p>
-            <a:pPr algn="ctr" eaLnBrk="1" hangingPunct="1"/>
-            <a:r>
-              <a:rPr lang="en-US" altLang="zh-CN" sz="7995" b="1" dirty="0">
-                <a:solidFill>
-                  <a:schemeClr val="bg1"/>
-                </a:solidFill>
-                <a:latin typeface="+mn-lt"/>
-                <a:ea typeface="+mn-ea"/>
-                <a:cs typeface="+mn-ea"/>
-                <a:sym typeface="+mn-lt"/>
-              </a:rPr>
-              <a:t>03</a:t>
-            </a:r>
-            <a:endParaRPr lang="zh-CN" altLang="en-US" sz="7995" b="1" dirty="0">
-              <a:solidFill>
-                <a:schemeClr val="bg1"/>
-              </a:solidFill>
-              <a:latin typeface="+mn-lt"/>
-              <a:ea typeface="+mn-ea"/>
-              <a:cs typeface="+mn-ea"/>
-              <a:sym typeface="+mn-lt"/>
-            </a:endParaRPr>
-          </a:p>
-        </p:txBody>
-      </p:sp>
-      <p:sp>
-        <p:nvSpPr>
-          <p:cNvPr id="5" name="文本框 11"/>
-          <p:cNvSpPr txBox="1">
-            <a:spLocks noChangeArrowheads="1"/>
-          </p:cNvSpPr>
-          <p:nvPr>
-            <p:custDataLst>
-              <p:tags r:id="rId5"/>
-            </p:custDataLst>
-          </p:nvPr>
-        </p:nvSpPr>
-        <p:spPr bwMode="auto">
-          <a:xfrm>
-            <a:off x="1023631" y="3427338"/>
-            <a:ext cx="1731515" cy="481378"/>
-          </a:xfrm>
-          <a:prstGeom prst="rect">
-            <a:avLst/>
-          </a:prstGeom>
-          <a:noFill/>
-          <a:ln>
-            <a:noFill/>
-          </a:ln>
-        </p:spPr>
-        <p:txBody>
-          <a:bodyPr wrap="square" lIns="90000" tIns="0" rIns="90000" bIns="46800">
-            <a:normAutofit/>
-          </a:bodyPr>
-          <a:lstStyle>
-            <a:lvl1pPr>
-              <a:defRPr>
-                <a:solidFill>
-                  <a:schemeClr val="tx1"/>
-                </a:solidFill>
-                <a:latin typeface="Calibri" panose="020F0502020204030204" charset="0"/>
-                <a:ea typeface="宋体" panose="02010600030101010101" pitchFamily="2" charset="-122"/>
-              </a:defRPr>
-            </a:lvl1pPr>
-            <a:lvl2pPr marL="742950" indent="-285750">
-              <a:defRPr>
-                <a:solidFill>
-                  <a:schemeClr val="tx1"/>
-                </a:solidFill>
-                <a:latin typeface="Calibri" panose="020F0502020204030204" charset="0"/>
-                <a:ea typeface="宋体" panose="02010600030101010101" pitchFamily="2" charset="-122"/>
-              </a:defRPr>
-            </a:lvl2pPr>
-            <a:lvl3pPr marL="1143000" indent="-228600">
-              <a:defRPr>
-                <a:solidFill>
-                  <a:schemeClr val="tx1"/>
-                </a:solidFill>
-                <a:latin typeface="Calibri" panose="020F0502020204030204" charset="0"/>
-                <a:ea typeface="宋体" panose="02010600030101010101" pitchFamily="2" charset="-122"/>
-              </a:defRPr>
-            </a:lvl3pPr>
-            <a:lvl4pPr marL="1600200" indent="-228600">
-              <a:defRPr>
-                <a:solidFill>
-                  <a:schemeClr val="tx1"/>
-                </a:solidFill>
-                <a:latin typeface="Calibri" panose="020F0502020204030204" charset="0"/>
-                <a:ea typeface="宋体" panose="02010600030101010101" pitchFamily="2" charset="-122"/>
-              </a:defRPr>
-            </a:lvl4pPr>
-            <a:lvl5pPr marL="2057400" indent="-228600">
-              <a:defRPr>
-                <a:solidFill>
-                  <a:schemeClr val="tx1"/>
-                </a:solidFill>
-                <a:latin typeface="Calibri" panose="020F0502020204030204" charset="0"/>
-                <a:ea typeface="宋体" panose="02010600030101010101" pitchFamily="2" charset="-122"/>
-              </a:defRPr>
-            </a:lvl5pPr>
-            <a:lvl6pPr marL="2514600" indent="-228600" eaLnBrk="0" fontAlgn="base" hangingPunct="0">
-              <a:spcBef>
-                <a:spcPct val="0"/>
-              </a:spcBef>
-              <a:spcAft>
-                <a:spcPct val="0"/>
-              </a:spcAft>
-              <a:defRPr>
-                <a:solidFill>
-                  <a:schemeClr val="tx1"/>
-                </a:solidFill>
-                <a:latin typeface="Calibri" panose="020F0502020204030204" charset="0"/>
-                <a:ea typeface="宋体" panose="02010600030101010101" pitchFamily="2" charset="-122"/>
-              </a:defRPr>
-            </a:lvl6pPr>
-            <a:lvl7pPr marL="2971800" indent="-228600" eaLnBrk="0" fontAlgn="base" hangingPunct="0">
-              <a:spcBef>
-                <a:spcPct val="0"/>
-              </a:spcBef>
-              <a:spcAft>
-                <a:spcPct val="0"/>
-              </a:spcAft>
-              <a:defRPr>
-                <a:solidFill>
-                  <a:schemeClr val="tx1"/>
-                </a:solidFill>
-                <a:latin typeface="Calibri" panose="020F0502020204030204" charset="0"/>
-                <a:ea typeface="宋体" panose="02010600030101010101" pitchFamily="2" charset="-122"/>
-              </a:defRPr>
-            </a:lvl7pPr>
-            <a:lvl8pPr marL="3429000" indent="-228600" eaLnBrk="0" fontAlgn="base" hangingPunct="0">
-              <a:spcBef>
-                <a:spcPct val="0"/>
-              </a:spcBef>
-              <a:spcAft>
-                <a:spcPct val="0"/>
-              </a:spcAft>
-              <a:defRPr>
-                <a:solidFill>
-                  <a:schemeClr val="tx1"/>
-                </a:solidFill>
-                <a:latin typeface="Calibri" panose="020F0502020204030204" charset="0"/>
-                <a:ea typeface="宋体" panose="02010600030101010101" pitchFamily="2" charset="-122"/>
-              </a:defRPr>
-            </a:lvl8pPr>
-            <a:lvl9pPr marL="3886200" indent="-228600" eaLnBrk="0" fontAlgn="base" hangingPunct="0">
-              <a:spcBef>
-                <a:spcPct val="0"/>
-              </a:spcBef>
-              <a:spcAft>
-                <a:spcPct val="0"/>
-              </a:spcAft>
-              <a:defRPr>
-                <a:solidFill>
-                  <a:schemeClr val="tx1"/>
-                </a:solidFill>
-                <a:latin typeface="Calibri" panose="020F0502020204030204" charset="0"/>
-                <a:ea typeface="宋体" panose="02010600030101010101" pitchFamily="2" charset="-122"/>
-              </a:defRPr>
-            </a:lvl9pPr>
-          </a:lstStyle>
-          <a:p>
-            <a:pPr algn="ctr" eaLnBrk="1" hangingPunct="1"/>
-            <a:r>
-              <a:rPr lang="zh-CN" altLang="en-US" sz="2400" b="1">
-                <a:solidFill>
-                  <a:schemeClr val="bg1"/>
-                </a:solidFill>
-                <a:latin typeface="+mn-lt"/>
-                <a:ea typeface="+mn-ea"/>
-                <a:sym typeface="+mn-lt"/>
-              </a:rPr>
-              <a:t>章节 PART</a:t>
-            </a:r>
-            <a:endParaRPr lang="zh-CN" altLang="en-US" sz="2400" b="1">
-              <a:solidFill>
-                <a:schemeClr val="bg1"/>
-              </a:solidFill>
-              <a:latin typeface="+mn-lt"/>
-              <a:ea typeface="+mn-ea"/>
-              <a:sym typeface="+mn-lt"/>
-            </a:endParaRPr>
-          </a:p>
-        </p:txBody>
-      </p:sp>
-    </p:spTree>
-    <p:custDataLst>
-      <p:tags r:id="rId6"/>
-    </p:custDataLst>
-  </p:cSld>
-  <p:clrMapOvr>
-    <a:masterClrMapping/>
-  </p:clrMapOvr>
-  <mc:AlternateContent xmlns:mc="http://schemas.openxmlformats.org/markup-compatibility/2006">
-    <mc:Choice xmlns:p14="http://schemas.microsoft.com/office/powerpoint/2010/main" Requires="p14">
-      <p:transition p14:dur="10"/>
-    </mc:Choice>
-    <mc:Fallback>
-      <p:transition/>
-    </mc:Fallback>
-  </mc:AlternateContent>
-</p:sld>
-</file>
-
 <file path=ppt/slides/slide8.xml><?xml version="1.0" encoding="utf-8"?>
 <p:sld xmlns:a="http://schemas.openxmlformats.org/drawingml/2006/main" xmlns:r="http://schemas.openxmlformats.org/officeDocument/2006/relationships" xmlns:p="http://schemas.openxmlformats.org/presentationml/2006/main">
   <p:cSld>
@@ -14981,8 +15791,8 @@
         </p:blipFill>
         <p:spPr>
           <a:xfrm>
-            <a:off x="1192530" y="2103755"/>
-            <a:ext cx="9115425" cy="3514725"/>
+            <a:off x="769620" y="2114550"/>
+            <a:ext cx="10152380" cy="3914775"/>
           </a:xfrm>
           <a:prstGeom prst="rect">
             <a:avLst/>
@@ -15119,6 +15929,120 @@
 </file>
 
 <file path=ppt/tags/tag100.xml><?xml version="1.0" encoding="utf-8"?>
+<p:tagLst xmlns:p="http://schemas.openxmlformats.org/presentationml/2006/main">
+  <p:tag name="KSO_WM_TEMPLATE_CATEGORY" val="custom"/>
+  <p:tag name="KSO_WM_TEMPLATE_INDEX" val="20184567"/>
+  <p:tag name="KSO_WM_TAG_VERSION" val="1.0"/>
+  <p:tag name="KSO_WM_BEAUTIFY_FLAG" val="#wm#"/>
+  <p:tag name="KSO_WM_UNIT_CLEAR" val="1"/>
+  <p:tag name="KSO_WM_UNIT_TYPE" val="l_h_i"/>
+  <p:tag name="KSO_WM_UNIT_INDEX" val="1_1_2"/>
+  <p:tag name="KSO_WM_UNIT_ID" val="custom20184567_10*l_h_i*1_1_2"/>
+  <p:tag name="KSO_WM_UNIT_LAYERLEVEL" val="1_1_1"/>
+  <p:tag name="KSO_WM_DIAGRAM_GROUP_CODE" val="l1-2"/>
+  <p:tag name="KSO_WM_UNIT_LINE_FORE_SCHEMECOLOR_INDEX" val="14"/>
+  <p:tag name="KSO_WM_UNIT_LINE_FILL_TYPE" val="2"/>
+  <p:tag name="KSO_WM_UNIT_USESOURCEFORMAT_APPLY" val="1"/>
+</p:tagLst>
+</file>
+
+<file path=ppt/tags/tag101.xml><?xml version="1.0" encoding="utf-8"?>
+<p:tagLst xmlns:p="http://schemas.openxmlformats.org/presentationml/2006/main">
+  <p:tag name="KSO_WM_TEMPLATE_CATEGORY" val="custom"/>
+  <p:tag name="KSO_WM_TEMPLATE_INDEX" val="20184567"/>
+  <p:tag name="KSO_WM_TAG_VERSION" val="1.0"/>
+  <p:tag name="KSO_WM_BEAUTIFY_FLAG" val="#wm#"/>
+  <p:tag name="KSO_WM_UNIT_CLEAR" val="1"/>
+  <p:tag name="KSO_WM_UNIT_TYPE" val="l_h_i"/>
+  <p:tag name="KSO_WM_UNIT_INDEX" val="1_1_3"/>
+  <p:tag name="KSO_WM_UNIT_ID" val="custom20184567_10*l_h_i*1_1_3"/>
+  <p:tag name="KSO_WM_UNIT_LAYERLEVEL" val="1_1_1"/>
+  <p:tag name="KSO_WM_DIAGRAM_GROUP_CODE" val="l1-2"/>
+  <p:tag name="KSO_WM_UNIT_LINE_FORE_SCHEMECOLOR_INDEX" val="14"/>
+  <p:tag name="KSO_WM_UNIT_LINE_FILL_TYPE" val="2"/>
+  <p:tag name="KSO_WM_UNIT_TEXT_FILL_FORE_SCHEMECOLOR_INDEX" val="2"/>
+  <p:tag name="KSO_WM_UNIT_TEXT_FILL_TYPE" val="1"/>
+  <p:tag name="KSO_WM_UNIT_USESOURCEFORMAT_APPLY" val="1"/>
+</p:tagLst>
+</file>
+
+<file path=ppt/tags/tag102.xml><?xml version="1.0" encoding="utf-8"?>
+<p:tagLst xmlns:p="http://schemas.openxmlformats.org/presentationml/2006/main">
+  <p:tag name="KSO_WM_TEMPLATE_CATEGORY" val="custom"/>
+  <p:tag name="KSO_WM_TEMPLATE_INDEX" val="20184567"/>
+  <p:tag name="KSO_WM_TAG_VERSION" val="1.0"/>
+  <p:tag name="KSO_WM_BEAUTIFY_FLAG" val="#wm#"/>
+  <p:tag name="KSO_WM_UNIT_CLEAR" val="1"/>
+  <p:tag name="KSO_WM_UNIT_TYPE" val="l_h_i"/>
+  <p:tag name="KSO_WM_UNIT_INDEX" val="1_1_4"/>
+  <p:tag name="KSO_WM_UNIT_ID" val="custom20184567_10*l_h_i*1_1_4"/>
+  <p:tag name="KSO_WM_UNIT_LAYERLEVEL" val="1_1_1"/>
+  <p:tag name="KSO_WM_DIAGRAM_GROUP_CODE" val="l1-2"/>
+  <p:tag name="KSO_WM_UNIT_TEXT_FILL_FORE_SCHEMECOLOR_INDEX" val="5"/>
+  <p:tag name="KSO_WM_UNIT_TEXT_FILL_TYPE" val="1"/>
+  <p:tag name="KSO_WM_UNIT_USESOURCEFORMAT_APPLY" val="1"/>
+</p:tagLst>
+</file>
+
+<file path=ppt/tags/tag103.xml><?xml version="1.0" encoding="utf-8"?>
+<p:tagLst xmlns:p="http://schemas.openxmlformats.org/presentationml/2006/main">
+  <p:tag name="KSO_WM_TEMPLATE_CATEGORY" val="custom"/>
+  <p:tag name="KSO_WM_TEMPLATE_INDEX" val="20184567"/>
+  <p:tag name="KSO_WM_TAG_VERSION" val="1.0"/>
+  <p:tag name="KSO_WM_BEAUTIFY_FLAG" val="#wm#"/>
+  <p:tag name="KSO_WM_UNIT_TYPE" val="l_h_a"/>
+  <p:tag name="KSO_WM_UNIT_INDEX" val="1_1_1"/>
+  <p:tag name="KSO_WM_UNIT_CLEAR" val="1"/>
+  <p:tag name="KSO_WM_UNIT_LAYERLEVEL" val="1_1_1"/>
+  <p:tag name="KSO_WM_UNIT_VALUE" val="11"/>
+  <p:tag name="KSO_WM_UNIT_HIGHLIGHT" val="0"/>
+  <p:tag name="KSO_WM_UNIT_COMPATIBLE" val="0"/>
+  <p:tag name="KSO_WM_UNIT_ID" val="custom20184567_10*l_h_a*1_1_1"/>
+  <p:tag name="KSO_WM_DIAGRAM_GROUP_CODE" val="l1-2"/>
+  <p:tag name="KSO_WM_UNIT_PRESET_TEXT" val="EIUSMOD TEMPOR"/>
+  <p:tag name="KSO_WM_UNIT_TEXT_FILL_FORE_SCHEMECOLOR_INDEX" val="5"/>
+  <p:tag name="KSO_WM_UNIT_TEXT_FILL_TYPE" val="1"/>
+  <p:tag name="KSO_WM_UNIT_USESOURCEFORMAT_APPLY" val="1"/>
+</p:tagLst>
+</file>
+
+<file path=ppt/tags/tag104.xml><?xml version="1.0" encoding="utf-8"?>
+<p:tagLst xmlns:p="http://schemas.openxmlformats.org/presentationml/2006/main">
+  <p:tag name="KSO_WM_TEMPLATE_CATEGORY" val="custom"/>
+  <p:tag name="KSO_WM_TEMPLATE_INDEX" val="20184567"/>
+  <p:tag name="KSO_WM_TAG_VERSION" val="1.0"/>
+  <p:tag name="KSO_WM_BEAUTIFY_FLAG" val="#wm#"/>
+  <p:tag name="KSO_WM_UNIT_TYPE" val="l_h_f"/>
+  <p:tag name="KSO_WM_UNIT_INDEX" val="1_1_1"/>
+  <p:tag name="KSO_WM_UNIT_CLEAR" val="1"/>
+  <p:tag name="KSO_WM_UNIT_LAYERLEVEL" val="1_1_1"/>
+  <p:tag name="KSO_WM_UNIT_VALUE" val="22"/>
+  <p:tag name="KSO_WM_UNIT_HIGHLIGHT" val="0"/>
+  <p:tag name="KSO_WM_UNIT_COMPATIBLE" val="0"/>
+  <p:tag name="KSO_WM_UNIT_ID" val="custom20184567_10*l_h_f*1_1_1"/>
+  <p:tag name="KSO_WM_DIAGRAM_GROUP_CODE" val="l1-2"/>
+  <p:tag name="KSO_WM_UNIT_PRESET_TEXT" val="INCIDIDUNT LABORE ET DOLORE MAGNA"/>
+  <p:tag name="KSO_WM_UNIT_TEXT_FILL_FORE_SCHEMECOLOR_INDEX" val="13"/>
+  <p:tag name="KSO_WM_UNIT_TEXT_FILL_TYPE" val="1"/>
+  <p:tag name="KSO_WM_UNIT_USESOURCEFORMAT_APPLY" val="1"/>
+</p:tagLst>
+</file>
+
+<file path=ppt/tags/tag105.xml><?xml version="1.0" encoding="utf-8"?>
+<p:tagLst xmlns:p="http://schemas.openxmlformats.org/presentationml/2006/main">
+  <p:tag name="KSO_WM_DIAGRAM_GROUP_CODE" val="l1_1"/>
+  <p:tag name="KSO_WM_TAG_VERSION" val="1.0"/>
+  <p:tag name="KSO_WM_BEAUTIFY_FLAG" val="#wm#"/>
+  <p:tag name="KSO_WM_UNIT_TYPE" val="i"/>
+  <p:tag name="KSO_WM_UNIT_ID" val="custom20184567_10*i*13"/>
+  <p:tag name="KSO_WM_TEMPLATE_CATEGORY" val="custom"/>
+  <p:tag name="KSO_WM_TEMPLATE_INDEX" val="20184567"/>
+  <p:tag name="KSO_WM_UNIT_INDEX" val="13"/>
+  <p:tag name="KSO_WM_UNIT_USESOURCEFORMAT_APPLY" val="1"/>
+</p:tagLst>
+</file>
+
+<file path=ppt/tags/tag106.xml><?xml version="1.0" encoding="utf-8"?>
 <p:tagLst xmlns:p="http://schemas.openxmlformats.org/presentationml/2006/main">
   <p:tag name="KSO_WM_TEMPLATE_CATEGORY" val="custom"/>
   <p:tag name="KSO_WM_TEMPLATE_INDEX" val="20184567"/>
@@ -15138,7 +16062,7 @@
 </p:tagLst>
 </file>
 
-<file path=ppt/tags/tag101.xml><?xml version="1.0" encoding="utf-8"?>
+<file path=ppt/tags/tag107.xml><?xml version="1.0" encoding="utf-8"?>
 <p:tagLst xmlns:p="http://schemas.openxmlformats.org/presentationml/2006/main">
   <p:tag name="KSO_WM_TEMPLATE_CATEGORY" val="custom"/>
   <p:tag name="KSO_WM_TEMPLATE_INDEX" val="20184567"/>
@@ -15156,7 +16080,7 @@
 </p:tagLst>
 </file>
 
-<file path=ppt/tags/tag102.xml><?xml version="1.0" encoding="utf-8"?>
+<file path=ppt/tags/tag108.xml><?xml version="1.0" encoding="utf-8"?>
 <p:tagLst xmlns:p="http://schemas.openxmlformats.org/presentationml/2006/main">
   <p:tag name="KSO_WM_TEMPLATE_CATEGORY" val="custom"/>
   <p:tag name="KSO_WM_TEMPLATE_INDEX" val="20184567"/>
@@ -15176,7 +16100,7 @@
 </p:tagLst>
 </file>
 
-<file path=ppt/tags/tag103.xml><?xml version="1.0" encoding="utf-8"?>
+<file path=ppt/tags/tag109.xml><?xml version="1.0" encoding="utf-8"?>
 <p:tagLst xmlns:p="http://schemas.openxmlformats.org/presentationml/2006/main">
   <p:tag name="KSO_WM_TEMPLATE_CATEGORY" val="custom"/>
   <p:tag name="KSO_WM_TEMPLATE_INDEX" val="20184567"/>
@@ -15194,7 +16118,19 @@
 </p:tagLst>
 </file>
 
-<file path=ppt/tags/tag104.xml><?xml version="1.0" encoding="utf-8"?>
+<file path=ppt/tags/tag11.xml><?xml version="1.0" encoding="utf-8"?>
+<p:tagLst xmlns:p="http://schemas.openxmlformats.org/presentationml/2006/main">
+  <p:tag name="KSO_WM_TAG_VERSION" val="1.0"/>
+  <p:tag name="KSO_WM_BEAUTIFY_FLAG" val="#wm#"/>
+  <p:tag name="KSO_WM_UNIT_TYPE" val="i"/>
+  <p:tag name="KSO_WM_UNIT_ID" val="custom20181639_3*i*3"/>
+  <p:tag name="KSO_WM_TEMPLATE_CATEGORY" val="custom"/>
+  <p:tag name="KSO_WM_TEMPLATE_INDEX" val="20181639"/>
+  <p:tag name="KSO_WM_UNIT_INDEX" val="3"/>
+</p:tagLst>
+</file>
+
+<file path=ppt/tags/tag110.xml><?xml version="1.0" encoding="utf-8"?>
 <p:tagLst xmlns:p="http://schemas.openxmlformats.org/presentationml/2006/main">
   <p:tag name="KSO_WM_TEMPLATE_CATEGORY" val="custom"/>
   <p:tag name="KSO_WM_TEMPLATE_INDEX" val="20184567"/>
@@ -15216,7 +16152,7 @@
 </p:tagLst>
 </file>
 
-<file path=ppt/tags/tag105.xml><?xml version="1.0" encoding="utf-8"?>
+<file path=ppt/tags/tag111.xml><?xml version="1.0" encoding="utf-8"?>
 <p:tagLst xmlns:p="http://schemas.openxmlformats.org/presentationml/2006/main">
   <p:tag name="KSO_WM_TEMPLATE_CATEGORY" val="custom"/>
   <p:tag name="KSO_WM_TEMPLATE_INDEX" val="20184567"/>
@@ -15238,7 +16174,7 @@
 </p:tagLst>
 </file>
 
-<file path=ppt/tags/tag106.xml><?xml version="1.0" encoding="utf-8"?>
+<file path=ppt/tags/tag112.xml><?xml version="1.0" encoding="utf-8"?>
 <p:tagLst xmlns:p="http://schemas.openxmlformats.org/presentationml/2006/main">
   <p:tag name="KSO_WM_TEMPLATE_CATEGORY" val="custom"/>
   <p:tag name="KSO_WM_TEMPLATE_INDEX" val="20184567"/>
@@ -15256,7 +16192,7 @@
 </p:tagLst>
 </file>
 
-<file path=ppt/tags/tag107.xml><?xml version="1.0" encoding="utf-8"?>
+<file path=ppt/tags/tag113.xml><?xml version="1.0" encoding="utf-8"?>
 <p:tagLst xmlns:p="http://schemas.openxmlformats.org/presentationml/2006/main">
   <p:tag name="KSO_WM_DIAGRAM_GROUP_CODE" val="l1_1"/>
   <p:tag name="KSO_WM_TAG_VERSION" val="1.0"/>
@@ -15270,7 +16206,7 @@
 </p:tagLst>
 </file>
 
-<file path=ppt/tags/tag108.xml><?xml version="1.0" encoding="utf-8"?>
+<file path=ppt/tags/tag114.xml><?xml version="1.0" encoding="utf-8"?>
 <p:tagLst xmlns:p="http://schemas.openxmlformats.org/presentationml/2006/main">
   <p:tag name="KSO_WM_TEMPLATE_CATEGORY" val="custom"/>
   <p:tag name="KSO_WM_TEMPLATE_INDEX" val="20184567"/>
@@ -15290,7 +16226,7 @@
 </p:tagLst>
 </file>
 
-<file path=ppt/tags/tag109.xml><?xml version="1.0" encoding="utf-8"?>
+<file path=ppt/tags/tag115.xml><?xml version="1.0" encoding="utf-8"?>
 <p:tagLst xmlns:p="http://schemas.openxmlformats.org/presentationml/2006/main">
   <p:tag name="KSO_WM_TEMPLATE_CATEGORY" val="custom"/>
   <p:tag name="KSO_WM_TEMPLATE_INDEX" val="20184567"/>
@@ -15310,19 +16246,7 @@
 </p:tagLst>
 </file>
 
-<file path=ppt/tags/tag11.xml><?xml version="1.0" encoding="utf-8"?>
-<p:tagLst xmlns:p="http://schemas.openxmlformats.org/presentationml/2006/main">
-  <p:tag name="KSO_WM_TAG_VERSION" val="1.0"/>
-  <p:tag name="KSO_WM_BEAUTIFY_FLAG" val="#wm#"/>
-  <p:tag name="KSO_WM_UNIT_TYPE" val="i"/>
-  <p:tag name="KSO_WM_UNIT_ID" val="custom20181639_3*i*3"/>
-  <p:tag name="KSO_WM_TEMPLATE_CATEGORY" val="custom"/>
-  <p:tag name="KSO_WM_TEMPLATE_INDEX" val="20181639"/>
-  <p:tag name="KSO_WM_UNIT_INDEX" val="3"/>
-</p:tagLst>
-</file>
-
-<file path=ppt/tags/tag110.xml><?xml version="1.0" encoding="utf-8"?>
+<file path=ppt/tags/tag116.xml><?xml version="1.0" encoding="utf-8"?>
 <p:tagLst xmlns:p="http://schemas.openxmlformats.org/presentationml/2006/main">
   <p:tag name="KSO_WM_TEMPLATE_CATEGORY" val="custom"/>
   <p:tag name="KSO_WM_TEMPLATE_INDEX" val="20184567"/>
@@ -15340,7 +16264,7 @@
 </p:tagLst>
 </file>
 
-<file path=ppt/tags/tag111.xml><?xml version="1.0" encoding="utf-8"?>
+<file path=ppt/tags/tag117.xml><?xml version="1.0" encoding="utf-8"?>
 <p:tagLst xmlns:p="http://schemas.openxmlformats.org/presentationml/2006/main">
   <p:tag name="KSO_WM_TEMPLATE_CATEGORY" val="custom"/>
   <p:tag name="KSO_WM_TEMPLATE_INDEX" val="20184567"/>
@@ -15362,7 +16286,7 @@
 </p:tagLst>
 </file>
 
-<file path=ppt/tags/tag112.xml><?xml version="1.0" encoding="utf-8"?>
+<file path=ppt/tags/tag118.xml><?xml version="1.0" encoding="utf-8"?>
 <p:tagLst xmlns:p="http://schemas.openxmlformats.org/presentationml/2006/main">
   <p:tag name="KSO_WM_TEMPLATE_CATEGORY" val="custom"/>
   <p:tag name="KSO_WM_TEMPLATE_INDEX" val="20184567"/>
@@ -15384,7 +16308,7 @@
 </p:tagLst>
 </file>
 
-<file path=ppt/tags/tag113.xml><?xml version="1.0" encoding="utf-8"?>
+<file path=ppt/tags/tag119.xml><?xml version="1.0" encoding="utf-8"?>
 <p:tagLst xmlns:p="http://schemas.openxmlformats.org/presentationml/2006/main">
   <p:tag name="KSO_WM_TEMPLATE_CATEGORY" val="custom"/>
   <p:tag name="KSO_WM_TEMPLATE_INDEX" val="20184567"/>
@@ -15404,7 +16328,19 @@
 </p:tagLst>
 </file>
 
-<file path=ppt/tags/tag114.xml><?xml version="1.0" encoding="utf-8"?>
+<file path=ppt/tags/tag12.xml><?xml version="1.0" encoding="utf-8"?>
+<p:tagLst xmlns:p="http://schemas.openxmlformats.org/presentationml/2006/main">
+  <p:tag name="KSO_WM_TAG_VERSION" val="1.0"/>
+  <p:tag name="KSO_WM_BEAUTIFY_FLAG" val="#wm#"/>
+  <p:tag name="KSO_WM_UNIT_TYPE" val="i"/>
+  <p:tag name="KSO_WM_UNIT_ID" val="custom20184567_22*i*2"/>
+  <p:tag name="KSO_WM_TEMPLATE_CATEGORY" val="custom"/>
+  <p:tag name="KSO_WM_TEMPLATE_INDEX" val="20184567"/>
+  <p:tag name="KSO_WM_UNIT_INDEX" val="2"/>
+</p:tagLst>
+</file>
+
+<file path=ppt/tags/tag120.xml><?xml version="1.0" encoding="utf-8"?>
 <p:tagLst xmlns:p="http://schemas.openxmlformats.org/presentationml/2006/main">
   <p:tag name="KSO_WM_SLIDE_ITEM_CNT" val="3"/>
   <p:tag name="KSO_WM_SLIDE_LAYOUT" val="l_a"/>
@@ -15425,7 +16361,7 @@
 </p:tagLst>
 </file>
 
-<file path=ppt/tags/tag115.xml><?xml version="1.0" encoding="utf-8"?>
+<file path=ppt/tags/tag121.xml><?xml version="1.0" encoding="utf-8"?>
 <p:tagLst xmlns:p="http://schemas.openxmlformats.org/presentationml/2006/main">
   <p:tag name="KSO_WM_TEMPLATE_CATEGORY" val="custom"/>
   <p:tag name="KSO_WM_TEMPLATE_INDEX" val="20184567"/>
@@ -15444,7 +16380,7 @@
 </p:tagLst>
 </file>
 
-<file path=ppt/tags/tag116.xml><?xml version="1.0" encoding="utf-8"?>
+<file path=ppt/tags/tag122.xml><?xml version="1.0" encoding="utf-8"?>
 <p:tagLst xmlns:p="http://schemas.openxmlformats.org/presentationml/2006/main">
   <p:tag name="KSO_WM_TEMPLATE_CATEGORY" val="custom"/>
   <p:tag name="KSO_WM_TEMPLATE_INDEX" val="20184567"/>
@@ -15462,7 +16398,7 @@
 </p:tagLst>
 </file>
 
-<file path=ppt/tags/tag117.xml><?xml version="1.0" encoding="utf-8"?>
+<file path=ppt/tags/tag123.xml><?xml version="1.0" encoding="utf-8"?>
 <p:tagLst xmlns:p="http://schemas.openxmlformats.org/presentationml/2006/main">
   <p:tag name="KSO_WM_TAG_VERSION" val="1.0"/>
   <p:tag name="KSO_WM_SLIDE_ITEM_CNT" val="2"/>
@@ -15477,18 +16413,6 @@
   <p:tag name="KSO_WM_SLIDE_INDEX" val="17"/>
   <p:tag name="KSO_WM_TEMPLATE_SUBCATEGORY" val="combine"/>
   <p:tag name="KSO_WM_SLIDE_SUBTYPE" val="pureTxt"/>
-</p:tagLst>
-</file>
-
-<file path=ppt/tags/tag12.xml><?xml version="1.0" encoding="utf-8"?>
-<p:tagLst xmlns:p="http://schemas.openxmlformats.org/presentationml/2006/main">
-  <p:tag name="KSO_WM_TAG_VERSION" val="1.0"/>
-  <p:tag name="KSO_WM_BEAUTIFY_FLAG" val="#wm#"/>
-  <p:tag name="KSO_WM_UNIT_TYPE" val="i"/>
-  <p:tag name="KSO_WM_UNIT_ID" val="custom20184567_22*i*2"/>
-  <p:tag name="KSO_WM_TEMPLATE_CATEGORY" val="custom"/>
-  <p:tag name="KSO_WM_TEMPLATE_INDEX" val="20184567"/>
-  <p:tag name="KSO_WM_UNIT_INDEX" val="2"/>
 </p:tagLst>
 </file>
 
@@ -16493,6 +17417,71 @@
 
 <file path=ppt/tags/tag75.xml><?xml version="1.0" encoding="utf-8"?>
 <p:tagLst xmlns:p="http://schemas.openxmlformats.org/presentationml/2006/main">
+  <p:tag name="KSO_WM_BEAUTIFY_FLAG" val="#wm#"/>
+  <p:tag name="KSO_WM_TEMPLATE_CATEGORY" val="custom"/>
+  <p:tag name="KSO_WM_TEMPLATE_INDEX" val="20184567"/>
+</p:tagLst>
+</file>
+
+<file path=ppt/tags/tag76.xml><?xml version="1.0" encoding="utf-8"?>
+<p:tagLst xmlns:p="http://schemas.openxmlformats.org/presentationml/2006/main">
+  <p:tag name="KSO_WM_BEAUTIFY_FLAG" val="#wm#"/>
+  <p:tag name="KSO_WM_TEMPLATE_CATEGORY" val="custom"/>
+  <p:tag name="KSO_WM_TEMPLATE_INDEX" val="20184567"/>
+</p:tagLst>
+</file>
+
+<file path=ppt/tags/tag77.xml><?xml version="1.0" encoding="utf-8"?>
+<p:tagLst xmlns:p="http://schemas.openxmlformats.org/presentationml/2006/main">
+  <p:tag name="KSO_WM_BEAUTIFY_FLAG" val="#wm#"/>
+  <p:tag name="KSO_WM_TEMPLATE_CATEGORY" val="custom"/>
+  <p:tag name="KSO_WM_TEMPLATE_INDEX" val="20184567"/>
+</p:tagLst>
+</file>
+
+<file path=ppt/tags/tag78.xml><?xml version="1.0" encoding="utf-8"?>
+<p:tagLst xmlns:p="http://schemas.openxmlformats.org/presentationml/2006/main">
+  <p:tag name="KSO_WM_BEAUTIFY_FLAG" val="#wm#"/>
+  <p:tag name="KSO_WM_TEMPLATE_CATEGORY" val="custom"/>
+  <p:tag name="KSO_WM_TEMPLATE_INDEX" val="20184567"/>
+</p:tagLst>
+</file>
+
+<file path=ppt/tags/tag79.xml><?xml version="1.0" encoding="utf-8"?>
+<p:tagLst xmlns:p="http://schemas.openxmlformats.org/presentationml/2006/main">
+  <p:tag name="KSO_WM_BEAUTIFY_FLAG" val="#wm#"/>
+  <p:tag name="KSO_WM_TEMPLATE_CATEGORY" val="custom"/>
+  <p:tag name="KSO_WM_TEMPLATE_INDEX" val="20184567"/>
+</p:tagLst>
+</file>
+
+<file path=ppt/tags/tag8.xml><?xml version="1.0" encoding="utf-8"?>
+<p:tagLst xmlns:p="http://schemas.openxmlformats.org/presentationml/2006/main">
+  <p:tag name="KSO_WM_TAG_VERSION" val="1.0"/>
+  <p:tag name="KSO_WM_BEAUTIFY_FLAG" val="#wm#"/>
+  <p:tag name="KSO_WM_COMBINE_RELATE_SLIDE_ID" val="background20180962_1"/>
+  <p:tag name="KSO_WM_TEMPLATE_CATEGORY" val="custom"/>
+  <p:tag name="KSO_WM_TEMPLATE_INDEX" val="20184567"/>
+  <p:tag name="KSO_WM_TEMPLATE_SUBCATEGORY" val="combine"/>
+  <p:tag name="KSO_WM_TEMPLATE_THUMBS_INDEX" val="1"/>
+  <p:tag name="KSO_WM_TEMPLATE_TOPIC_ID" val="2869567"/>
+  <p:tag name="KSO_WM_TEMPLATE_OUTLINE_ID" val="15"/>
+  <p:tag name="KSO_WM_TEMPLATE_SCENE_ID" val="1"/>
+  <p:tag name="KSO_WM_TEMPLATE_JOB_ID" val="2"/>
+  <p:tag name="KSO_WM_TEMPLATE_TOPIC_DEFAULT" val="1"/>
+</p:tagLst>
+</file>
+
+<file path=ppt/tags/tag80.xml><?xml version="1.0" encoding="utf-8"?>
+<p:tagLst xmlns:p="http://schemas.openxmlformats.org/presentationml/2006/main">
+  <p:tag name="KSO_WM_BEAUTIFY_FLAG" val="#wm#"/>
+  <p:tag name="KSO_WM_TEMPLATE_CATEGORY" val="custom"/>
+  <p:tag name="KSO_WM_TEMPLATE_INDEX" val="20184567"/>
+</p:tagLst>
+</file>
+
+<file path=ppt/tags/tag81.xml><?xml version="1.0" encoding="utf-8"?>
+<p:tagLst xmlns:p="http://schemas.openxmlformats.org/presentationml/2006/main">
   <p:tag name="KSO_WM_TAG_VERSION" val="1.0"/>
   <p:tag name="KSO_WM_BEAUTIFY_FLAG" val="#wm#"/>
   <p:tag name="KSO_WM_UNIT_TYPE" val="i"/>
@@ -16503,7 +17492,7 @@
 </p:tagLst>
 </file>
 
-<file path=ppt/tags/tag76.xml><?xml version="1.0" encoding="utf-8"?>
+<file path=ppt/tags/tag82.xml><?xml version="1.0" encoding="utf-8"?>
 <p:tagLst xmlns:p="http://schemas.openxmlformats.org/presentationml/2006/main">
   <p:tag name="KSO_WM_TEMPLATE_CATEGORY" val="custom"/>
   <p:tag name="KSO_WM_TEMPLATE_INDEX" val="20184567"/>
@@ -16522,7 +17511,7 @@
 </p:tagLst>
 </file>
 
-<file path=ppt/tags/tag77.xml><?xml version="1.0" encoding="utf-8"?>
+<file path=ppt/tags/tag83.xml><?xml version="1.0" encoding="utf-8"?>
 <p:tagLst xmlns:p="http://schemas.openxmlformats.org/presentationml/2006/main">
   <p:tag name="KSO_WM_TEMPLATE_CATEGORY" val="custom"/>
   <p:tag name="KSO_WM_TEMPLATE_INDEX" val="20184567"/>
@@ -16542,7 +17531,7 @@
 </p:tagLst>
 </file>
 
-<file path=ppt/tags/tag78.xml><?xml version="1.0" encoding="utf-8"?>
+<file path=ppt/tags/tag84.xml><?xml version="1.0" encoding="utf-8"?>
 <p:tagLst xmlns:p="http://schemas.openxmlformats.org/presentationml/2006/main">
   <p:tag name="MH" val="20161022204031"/>
   <p:tag name="MH_LIBRARY" val="GRAPHIC"/>
@@ -16563,7 +17552,7 @@
 </p:tagLst>
 </file>
 
-<file path=ppt/tags/tag79.xml><?xml version="1.0" encoding="utf-8"?>
+<file path=ppt/tags/tag85.xml><?xml version="1.0" encoding="utf-8"?>
 <p:tagLst xmlns:p="http://schemas.openxmlformats.org/presentationml/2006/main">
   <p:tag name="KSO_WM_TEMPLATE_CATEGORY" val="custom"/>
   <p:tag name="KSO_WM_TEMPLATE_INDEX" val="20184567"/>
@@ -16584,24 +17573,7 @@
 </p:tagLst>
 </file>
 
-<file path=ppt/tags/tag8.xml><?xml version="1.0" encoding="utf-8"?>
-<p:tagLst xmlns:p="http://schemas.openxmlformats.org/presentationml/2006/main">
-  <p:tag name="KSO_WM_TAG_VERSION" val="1.0"/>
-  <p:tag name="KSO_WM_BEAUTIFY_FLAG" val="#wm#"/>
-  <p:tag name="KSO_WM_COMBINE_RELATE_SLIDE_ID" val="background20180962_1"/>
-  <p:tag name="KSO_WM_TEMPLATE_CATEGORY" val="custom"/>
-  <p:tag name="KSO_WM_TEMPLATE_INDEX" val="20184567"/>
-  <p:tag name="KSO_WM_TEMPLATE_SUBCATEGORY" val="combine"/>
-  <p:tag name="KSO_WM_TEMPLATE_THUMBS_INDEX" val="1"/>
-  <p:tag name="KSO_WM_TEMPLATE_TOPIC_ID" val="2869567"/>
-  <p:tag name="KSO_WM_TEMPLATE_OUTLINE_ID" val="15"/>
-  <p:tag name="KSO_WM_TEMPLATE_SCENE_ID" val="1"/>
-  <p:tag name="KSO_WM_TEMPLATE_JOB_ID" val="2"/>
-  <p:tag name="KSO_WM_TEMPLATE_TOPIC_DEFAULT" val="1"/>
-</p:tagLst>
-</file>
-
-<file path=ppt/tags/tag80.xml><?xml version="1.0" encoding="utf-8"?>
+<file path=ppt/tags/tag86.xml><?xml version="1.0" encoding="utf-8"?>
 <p:tagLst xmlns:p="http://schemas.openxmlformats.org/presentationml/2006/main">
   <p:tag name="MH" val="20161022204031"/>
   <p:tag name="MH_LIBRARY" val="GRAPHIC"/>
@@ -16621,7 +17593,7 @@
 </p:tagLst>
 </file>
 
-<file path=ppt/tags/tag81.xml><?xml version="1.0" encoding="utf-8"?>
+<file path=ppt/tags/tag87.xml><?xml version="1.0" encoding="utf-8"?>
 <p:tagLst xmlns:p="http://schemas.openxmlformats.org/presentationml/2006/main">
   <p:tag name="KSO_WM_TEMPLATE_CATEGORY" val="custom"/>
   <p:tag name="KSO_WM_TEMPLATE_INDEX" val="20184567"/>
@@ -16641,7 +17613,7 @@
 </p:tagLst>
 </file>
 
-<file path=ppt/tags/tag82.xml><?xml version="1.0" encoding="utf-8"?>
+<file path=ppt/tags/tag88.xml><?xml version="1.0" encoding="utf-8"?>
 <p:tagLst xmlns:p="http://schemas.openxmlformats.org/presentationml/2006/main">
   <p:tag name="KSO_WM_TEMPLATE_CATEGORY" val="custom"/>
   <p:tag name="KSO_WM_TEMPLATE_INDEX" val="20184567"/>
@@ -16660,7 +17632,7 @@
 </p:tagLst>
 </file>
 
-<file path=ppt/tags/tag83.xml><?xml version="1.0" encoding="utf-8"?>
+<file path=ppt/tags/tag89.xml><?xml version="1.0" encoding="utf-8"?>
 <p:tagLst xmlns:p="http://schemas.openxmlformats.org/presentationml/2006/main">
   <p:tag name="KSO_WM_TAG_VERSION" val="1.0"/>
   <p:tag name="KSO_WM_BEAUTIFY_FLAG" val="#wm#"/>
@@ -16672,7 +17644,19 @@
 </p:tagLst>
 </file>
 
-<file path=ppt/tags/tag84.xml><?xml version="1.0" encoding="utf-8"?>
+<file path=ppt/tags/tag9.xml><?xml version="1.0" encoding="utf-8"?>
+<p:tagLst xmlns:p="http://schemas.openxmlformats.org/presentationml/2006/main">
+  <p:tag name="KSO_WM_TAG_VERSION" val="1.0"/>
+  <p:tag name="KSO_WM_BEAUTIFY_FLAG" val="#wm#"/>
+  <p:tag name="KSO_WM_UNIT_TYPE" val="i"/>
+  <p:tag name="KSO_WM_UNIT_ID" val="custom20184567_1*i*3"/>
+  <p:tag name="KSO_WM_TEMPLATE_CATEGORY" val="custom"/>
+  <p:tag name="KSO_WM_TEMPLATE_INDEX" val="20184567"/>
+  <p:tag name="KSO_WM_UNIT_INDEX" val="3"/>
+</p:tagLst>
+</file>
+
+<file path=ppt/tags/tag90.xml><?xml version="1.0" encoding="utf-8"?>
 <p:tagLst xmlns:p="http://schemas.openxmlformats.org/presentationml/2006/main">
   <p:tag name="KSO_WM_SLIDE_SIZE" val="790*389"/>
   <p:tag name="KSO_WM_SLIDE_POSITION" val="84*125"/>
@@ -16692,7 +17676,7 @@
 </p:tagLst>
 </file>
 
-<file path=ppt/tags/tag85.xml><?xml version="1.0" encoding="utf-8"?>
+<file path=ppt/tags/tag91.xml><?xml version="1.0" encoding="utf-8"?>
 <p:tagLst xmlns:p="http://schemas.openxmlformats.org/presentationml/2006/main">
   <p:tag name="KSO_WM_BEAUTIFY_FLAG" val="#wm#"/>
   <p:tag name="KSO_WM_TEMPLATE_CATEGORY" val="custom"/>
@@ -16700,7 +17684,7 @@
 </p:tagLst>
 </file>
 
-<file path=ppt/tags/tag86.xml><?xml version="1.0" encoding="utf-8"?>
+<file path=ppt/tags/tag92.xml><?xml version="1.0" encoding="utf-8"?>
 <p:tagLst xmlns:p="http://schemas.openxmlformats.org/presentationml/2006/main">
   <p:tag name="KSO_WM_TAG_VERSION" val="1.0"/>
   <p:tag name="KSO_WM_BEAUTIFY_FLAG" val="#wm#"/>
@@ -16712,7 +17696,7 @@
 </p:tagLst>
 </file>
 
-<file path=ppt/tags/tag87.xml><?xml version="1.0" encoding="utf-8"?>
+<file path=ppt/tags/tag93.xml><?xml version="1.0" encoding="utf-8"?>
 <p:tagLst xmlns:p="http://schemas.openxmlformats.org/presentationml/2006/main">
   <p:tag name="KSO_WM_TEMPLATE_CATEGORY" val="custom"/>
   <p:tag name="KSO_WM_TEMPLATE_INDEX" val="20184567"/>
@@ -16731,7 +17715,7 @@
 </p:tagLst>
 </file>
 
-<file path=ppt/tags/tag88.xml><?xml version="1.0" encoding="utf-8"?>
+<file path=ppt/tags/tag94.xml><?xml version="1.0" encoding="utf-8"?>
 <p:tagLst xmlns:p="http://schemas.openxmlformats.org/presentationml/2006/main">
   <p:tag name="KSO_WM_TEMPLATE_CATEGORY" val="custom"/>
   <p:tag name="KSO_WM_TEMPLATE_INDEX" val="20184567"/>
@@ -16751,7 +17735,7 @@
 </p:tagLst>
 </file>
 
-<file path=ppt/tags/tag89.xml><?xml version="1.0" encoding="utf-8"?>
+<file path=ppt/tags/tag95.xml><?xml version="1.0" encoding="utf-8"?>
 <p:tagLst xmlns:p="http://schemas.openxmlformats.org/presentationml/2006/main">
   <p:tag name="MH" val="20161022204031"/>
   <p:tag name="MH_LIBRARY" val="GRAPHIC"/>
@@ -16772,19 +17756,7 @@
 </p:tagLst>
 </file>
 
-<file path=ppt/tags/tag9.xml><?xml version="1.0" encoding="utf-8"?>
-<p:tagLst xmlns:p="http://schemas.openxmlformats.org/presentationml/2006/main">
-  <p:tag name="KSO_WM_TAG_VERSION" val="1.0"/>
-  <p:tag name="KSO_WM_BEAUTIFY_FLAG" val="#wm#"/>
-  <p:tag name="KSO_WM_UNIT_TYPE" val="i"/>
-  <p:tag name="KSO_WM_UNIT_ID" val="custom20184567_1*i*3"/>
-  <p:tag name="KSO_WM_TEMPLATE_CATEGORY" val="custom"/>
-  <p:tag name="KSO_WM_TEMPLATE_INDEX" val="20184567"/>
-  <p:tag name="KSO_WM_UNIT_INDEX" val="3"/>
-</p:tagLst>
-</file>
-
-<file path=ppt/tags/tag90.xml><?xml version="1.0" encoding="utf-8"?>
+<file path=ppt/tags/tag96.xml><?xml version="1.0" encoding="utf-8"?>
 <p:tagLst xmlns:p="http://schemas.openxmlformats.org/presentationml/2006/main">
   <p:tag name="KSO_WM_TEMPLATE_CATEGORY" val="custom"/>
   <p:tag name="KSO_WM_TEMPLATE_INDEX" val="20184567"/>
@@ -16805,7 +17777,7 @@
 </p:tagLst>
 </file>
 
-<file path=ppt/tags/tag91.xml><?xml version="1.0" encoding="utf-8"?>
+<file path=ppt/tags/tag97.xml><?xml version="1.0" encoding="utf-8"?>
 <p:tagLst xmlns:p="http://schemas.openxmlformats.org/presentationml/2006/main">
   <p:tag name="MH" val="20161022204031"/>
   <p:tag name="MH_LIBRARY" val="GRAPHIC"/>
@@ -16825,7 +17797,7 @@
 </p:tagLst>
 </file>
 
-<file path=ppt/tags/tag92.xml><?xml version="1.0" encoding="utf-8"?>
+<file path=ppt/tags/tag98.xml><?xml version="1.0" encoding="utf-8"?>
 <p:tagLst xmlns:p="http://schemas.openxmlformats.org/presentationml/2006/main">
   <p:tag name="KSO_WM_DIAGRAM_GROUP_CODE" val="l1_1"/>
   <p:tag name="KSO_WM_TAG_VERSION" val="1.0"/>
@@ -16839,7 +17811,7 @@
 </p:tagLst>
 </file>
 
-<file path=ppt/tags/tag93.xml><?xml version="1.0" encoding="utf-8"?>
+<file path=ppt/tags/tag99.xml><?xml version="1.0" encoding="utf-8"?>
 <p:tagLst xmlns:p="http://schemas.openxmlformats.org/presentationml/2006/main">
   <p:tag name="KSO_WM_TEMPLATE_CATEGORY" val="custom"/>
   <p:tag name="KSO_WM_TEMPLATE_INDEX" val="20184567"/>
@@ -16855,120 +17827,6 @@
   <p:tag name="KSO_WM_UNIT_LINE_FILL_TYPE" val="2"/>
   <p:tag name="KSO_WM_UNIT_TEXT_FILL_FORE_SCHEMECOLOR_INDEX" val="2"/>
   <p:tag name="KSO_WM_UNIT_TEXT_FILL_TYPE" val="1"/>
-  <p:tag name="KSO_WM_UNIT_USESOURCEFORMAT_APPLY" val="1"/>
-</p:tagLst>
-</file>
-
-<file path=ppt/tags/tag94.xml><?xml version="1.0" encoding="utf-8"?>
-<p:tagLst xmlns:p="http://schemas.openxmlformats.org/presentationml/2006/main">
-  <p:tag name="KSO_WM_TEMPLATE_CATEGORY" val="custom"/>
-  <p:tag name="KSO_WM_TEMPLATE_INDEX" val="20184567"/>
-  <p:tag name="KSO_WM_TAG_VERSION" val="1.0"/>
-  <p:tag name="KSO_WM_BEAUTIFY_FLAG" val="#wm#"/>
-  <p:tag name="KSO_WM_UNIT_CLEAR" val="1"/>
-  <p:tag name="KSO_WM_UNIT_TYPE" val="l_h_i"/>
-  <p:tag name="KSO_WM_UNIT_INDEX" val="1_1_2"/>
-  <p:tag name="KSO_WM_UNIT_ID" val="custom20184567_10*l_h_i*1_1_2"/>
-  <p:tag name="KSO_WM_UNIT_LAYERLEVEL" val="1_1_1"/>
-  <p:tag name="KSO_WM_DIAGRAM_GROUP_CODE" val="l1-2"/>
-  <p:tag name="KSO_WM_UNIT_LINE_FORE_SCHEMECOLOR_INDEX" val="14"/>
-  <p:tag name="KSO_WM_UNIT_LINE_FILL_TYPE" val="2"/>
-  <p:tag name="KSO_WM_UNIT_USESOURCEFORMAT_APPLY" val="1"/>
-</p:tagLst>
-</file>
-
-<file path=ppt/tags/tag95.xml><?xml version="1.0" encoding="utf-8"?>
-<p:tagLst xmlns:p="http://schemas.openxmlformats.org/presentationml/2006/main">
-  <p:tag name="KSO_WM_TEMPLATE_CATEGORY" val="custom"/>
-  <p:tag name="KSO_WM_TEMPLATE_INDEX" val="20184567"/>
-  <p:tag name="KSO_WM_TAG_VERSION" val="1.0"/>
-  <p:tag name="KSO_WM_BEAUTIFY_FLAG" val="#wm#"/>
-  <p:tag name="KSO_WM_UNIT_CLEAR" val="1"/>
-  <p:tag name="KSO_WM_UNIT_TYPE" val="l_h_i"/>
-  <p:tag name="KSO_WM_UNIT_INDEX" val="1_1_3"/>
-  <p:tag name="KSO_WM_UNIT_ID" val="custom20184567_10*l_h_i*1_1_3"/>
-  <p:tag name="KSO_WM_UNIT_LAYERLEVEL" val="1_1_1"/>
-  <p:tag name="KSO_WM_DIAGRAM_GROUP_CODE" val="l1-2"/>
-  <p:tag name="KSO_WM_UNIT_LINE_FORE_SCHEMECOLOR_INDEX" val="14"/>
-  <p:tag name="KSO_WM_UNIT_LINE_FILL_TYPE" val="2"/>
-  <p:tag name="KSO_WM_UNIT_TEXT_FILL_FORE_SCHEMECOLOR_INDEX" val="2"/>
-  <p:tag name="KSO_WM_UNIT_TEXT_FILL_TYPE" val="1"/>
-  <p:tag name="KSO_WM_UNIT_USESOURCEFORMAT_APPLY" val="1"/>
-</p:tagLst>
-</file>
-
-<file path=ppt/tags/tag96.xml><?xml version="1.0" encoding="utf-8"?>
-<p:tagLst xmlns:p="http://schemas.openxmlformats.org/presentationml/2006/main">
-  <p:tag name="KSO_WM_TEMPLATE_CATEGORY" val="custom"/>
-  <p:tag name="KSO_WM_TEMPLATE_INDEX" val="20184567"/>
-  <p:tag name="KSO_WM_TAG_VERSION" val="1.0"/>
-  <p:tag name="KSO_WM_BEAUTIFY_FLAG" val="#wm#"/>
-  <p:tag name="KSO_WM_UNIT_CLEAR" val="1"/>
-  <p:tag name="KSO_WM_UNIT_TYPE" val="l_h_i"/>
-  <p:tag name="KSO_WM_UNIT_INDEX" val="1_1_4"/>
-  <p:tag name="KSO_WM_UNIT_ID" val="custom20184567_10*l_h_i*1_1_4"/>
-  <p:tag name="KSO_WM_UNIT_LAYERLEVEL" val="1_1_1"/>
-  <p:tag name="KSO_WM_DIAGRAM_GROUP_CODE" val="l1-2"/>
-  <p:tag name="KSO_WM_UNIT_TEXT_FILL_FORE_SCHEMECOLOR_INDEX" val="5"/>
-  <p:tag name="KSO_WM_UNIT_TEXT_FILL_TYPE" val="1"/>
-  <p:tag name="KSO_WM_UNIT_USESOURCEFORMAT_APPLY" val="1"/>
-</p:tagLst>
-</file>
-
-<file path=ppt/tags/tag97.xml><?xml version="1.0" encoding="utf-8"?>
-<p:tagLst xmlns:p="http://schemas.openxmlformats.org/presentationml/2006/main">
-  <p:tag name="KSO_WM_TEMPLATE_CATEGORY" val="custom"/>
-  <p:tag name="KSO_WM_TEMPLATE_INDEX" val="20184567"/>
-  <p:tag name="KSO_WM_TAG_VERSION" val="1.0"/>
-  <p:tag name="KSO_WM_BEAUTIFY_FLAG" val="#wm#"/>
-  <p:tag name="KSO_WM_UNIT_TYPE" val="l_h_a"/>
-  <p:tag name="KSO_WM_UNIT_INDEX" val="1_1_1"/>
-  <p:tag name="KSO_WM_UNIT_CLEAR" val="1"/>
-  <p:tag name="KSO_WM_UNIT_LAYERLEVEL" val="1_1_1"/>
-  <p:tag name="KSO_WM_UNIT_VALUE" val="11"/>
-  <p:tag name="KSO_WM_UNIT_HIGHLIGHT" val="0"/>
-  <p:tag name="KSO_WM_UNIT_COMPATIBLE" val="0"/>
-  <p:tag name="KSO_WM_UNIT_ID" val="custom20184567_10*l_h_a*1_1_1"/>
-  <p:tag name="KSO_WM_DIAGRAM_GROUP_CODE" val="l1-2"/>
-  <p:tag name="KSO_WM_UNIT_PRESET_TEXT" val="EIUSMOD TEMPOR"/>
-  <p:tag name="KSO_WM_UNIT_TEXT_FILL_FORE_SCHEMECOLOR_INDEX" val="5"/>
-  <p:tag name="KSO_WM_UNIT_TEXT_FILL_TYPE" val="1"/>
-  <p:tag name="KSO_WM_UNIT_USESOURCEFORMAT_APPLY" val="1"/>
-</p:tagLst>
-</file>
-
-<file path=ppt/tags/tag98.xml><?xml version="1.0" encoding="utf-8"?>
-<p:tagLst xmlns:p="http://schemas.openxmlformats.org/presentationml/2006/main">
-  <p:tag name="KSO_WM_TEMPLATE_CATEGORY" val="custom"/>
-  <p:tag name="KSO_WM_TEMPLATE_INDEX" val="20184567"/>
-  <p:tag name="KSO_WM_TAG_VERSION" val="1.0"/>
-  <p:tag name="KSO_WM_BEAUTIFY_FLAG" val="#wm#"/>
-  <p:tag name="KSO_WM_UNIT_TYPE" val="l_h_f"/>
-  <p:tag name="KSO_WM_UNIT_INDEX" val="1_1_1"/>
-  <p:tag name="KSO_WM_UNIT_CLEAR" val="1"/>
-  <p:tag name="KSO_WM_UNIT_LAYERLEVEL" val="1_1_1"/>
-  <p:tag name="KSO_WM_UNIT_VALUE" val="22"/>
-  <p:tag name="KSO_WM_UNIT_HIGHLIGHT" val="0"/>
-  <p:tag name="KSO_WM_UNIT_COMPATIBLE" val="0"/>
-  <p:tag name="KSO_WM_UNIT_ID" val="custom20184567_10*l_h_f*1_1_1"/>
-  <p:tag name="KSO_WM_DIAGRAM_GROUP_CODE" val="l1-2"/>
-  <p:tag name="KSO_WM_UNIT_PRESET_TEXT" val="INCIDIDUNT LABORE ET DOLORE MAGNA"/>
-  <p:tag name="KSO_WM_UNIT_TEXT_FILL_FORE_SCHEMECOLOR_INDEX" val="13"/>
-  <p:tag name="KSO_WM_UNIT_TEXT_FILL_TYPE" val="1"/>
-  <p:tag name="KSO_WM_UNIT_USESOURCEFORMAT_APPLY" val="1"/>
-</p:tagLst>
-</file>
-
-<file path=ppt/tags/tag99.xml><?xml version="1.0" encoding="utf-8"?>
-<p:tagLst xmlns:p="http://schemas.openxmlformats.org/presentationml/2006/main">
-  <p:tag name="KSO_WM_DIAGRAM_GROUP_CODE" val="l1_1"/>
-  <p:tag name="KSO_WM_TAG_VERSION" val="1.0"/>
-  <p:tag name="KSO_WM_BEAUTIFY_FLAG" val="#wm#"/>
-  <p:tag name="KSO_WM_UNIT_TYPE" val="i"/>
-  <p:tag name="KSO_WM_UNIT_ID" val="custom20184567_10*i*13"/>
-  <p:tag name="KSO_WM_TEMPLATE_CATEGORY" val="custom"/>
-  <p:tag name="KSO_WM_TEMPLATE_INDEX" val="20184567"/>
-  <p:tag name="KSO_WM_UNIT_INDEX" val="13"/>
   <p:tag name="KSO_WM_UNIT_USESOURCEFORMAT_APPLY" val="1"/>
 </p:tagLst>
 </file>

--- a/OpenGL/答辩PPT.pptx
+++ b/OpenGL/答辩PPT.pptx
@@ -9024,7 +9024,7 @@
         </p:blipFill>
         <p:spPr>
           <a:xfrm>
-            <a:off x="2162810" y="2252345"/>
+            <a:off x="2142490" y="2252345"/>
             <a:ext cx="1609725" cy="2352675"/>
           </a:xfrm>
           <a:prstGeom prst="rect">
@@ -15222,7 +15222,7 @@
             </a:r>
             <a:r>
               <a:rPr lang="zh-CN" altLang="en-US" sz="1400"/>
-              <a:t>场景渲染引擎</a:t>
+              <a:t>渲染引擎</a:t>
             </a:r>
             <a:endParaRPr lang="zh-CN" altLang="en-US"/>
           </a:p>

--- a/OpenGL/答辩PPT.pptx
+++ b/OpenGL/答辩PPT.pptx
@@ -13,36 +13,37 @@
     <p:sldId id="308" r:id="rId6"/>
     <p:sldId id="302" r:id="rId7"/>
     <p:sldId id="304" r:id="rId8"/>
-    <p:sldId id="306" r:id="rId9"/>
-    <p:sldId id="309" r:id="rId10"/>
-    <p:sldId id="310" r:id="rId11"/>
-    <p:sldId id="258" r:id="rId12"/>
-    <p:sldId id="269" r:id="rId13"/>
-    <p:sldId id="335" r:id="rId14"/>
-    <p:sldId id="271" r:id="rId15"/>
-    <p:sldId id="294" r:id="rId16"/>
-    <p:sldId id="340" r:id="rId17"/>
-    <p:sldId id="261" r:id="rId18"/>
-    <p:sldId id="262" r:id="rId19"/>
-    <p:sldId id="263" r:id="rId20"/>
-    <p:sldId id="264" r:id="rId21"/>
-    <p:sldId id="265" r:id="rId22"/>
-    <p:sldId id="275" r:id="rId23"/>
-    <p:sldId id="337" r:id="rId24"/>
-    <p:sldId id="292" r:id="rId25"/>
-    <p:sldId id="338" r:id="rId26"/>
-    <p:sldId id="296" r:id="rId27"/>
-    <p:sldId id="339" r:id="rId28"/>
-    <p:sldId id="297" r:id="rId29"/>
-    <p:sldId id="272" r:id="rId30"/>
-    <p:sldId id="341" r:id="rId31"/>
-    <p:sldId id="318" r:id="rId32"/>
-    <p:sldId id="311" r:id="rId33"/>
-    <p:sldId id="316" r:id="rId34"/>
-    <p:sldId id="317" r:id="rId35"/>
-    <p:sldId id="303" r:id="rId36"/>
-    <p:sldId id="314" r:id="rId37"/>
-    <p:sldId id="299" r:id="rId38"/>
+    <p:sldId id="362" r:id="rId9"/>
+    <p:sldId id="306" r:id="rId10"/>
+    <p:sldId id="309" r:id="rId11"/>
+    <p:sldId id="310" r:id="rId12"/>
+    <p:sldId id="258" r:id="rId13"/>
+    <p:sldId id="269" r:id="rId14"/>
+    <p:sldId id="335" r:id="rId15"/>
+    <p:sldId id="271" r:id="rId16"/>
+    <p:sldId id="294" r:id="rId17"/>
+    <p:sldId id="340" r:id="rId18"/>
+    <p:sldId id="261" r:id="rId19"/>
+    <p:sldId id="262" r:id="rId20"/>
+    <p:sldId id="263" r:id="rId21"/>
+    <p:sldId id="264" r:id="rId22"/>
+    <p:sldId id="265" r:id="rId23"/>
+    <p:sldId id="275" r:id="rId24"/>
+    <p:sldId id="337" r:id="rId25"/>
+    <p:sldId id="292" r:id="rId26"/>
+    <p:sldId id="338" r:id="rId27"/>
+    <p:sldId id="296" r:id="rId28"/>
+    <p:sldId id="339" r:id="rId29"/>
+    <p:sldId id="297" r:id="rId30"/>
+    <p:sldId id="272" r:id="rId31"/>
+    <p:sldId id="341" r:id="rId32"/>
+    <p:sldId id="318" r:id="rId33"/>
+    <p:sldId id="311" r:id="rId34"/>
+    <p:sldId id="316" r:id="rId35"/>
+    <p:sldId id="317" r:id="rId36"/>
+    <p:sldId id="303" r:id="rId37"/>
+    <p:sldId id="314" r:id="rId38"/>
+    <p:sldId id="299" r:id="rId39"/>
   </p:sldIdLst>
   <p:sldSz cx="12192000" cy="6858000"/>
   <p:notesSz cx="6858000" cy="9144000"/>
@@ -7532,18 +7533,62 @@
           <a:lstStyle/>
           <a:p>
             <a:r>
-              <a:rPr lang="zh-CN" altLang="en-US" dirty="0"/>
+              <a:rPr lang="zh-CN" altLang="en-US" dirty="0">
+                <a:solidFill>
+                  <a:schemeClr val="tx1"/>
+                </a:solidFill>
+                <a:effectLst>
+                  <a:outerShdw blurRad="38100" dist="19050" dir="2700000" algn="tl" rotWithShape="0">
+                    <a:schemeClr val="dk1">
+                      <a:alpha val="40000"/>
+                    </a:schemeClr>
+                  </a:outerShdw>
+                </a:effectLst>
+              </a:rPr>
               <a:t>基于</a:t>
             </a:r>
             <a:r>
-              <a:rPr lang="en-US" altLang="zh-CN" dirty="0"/>
+              <a:rPr lang="en-US" altLang="zh-CN" dirty="0">
+                <a:solidFill>
+                  <a:schemeClr val="tx1"/>
+                </a:solidFill>
+                <a:effectLst>
+                  <a:outerShdw blurRad="38100" dist="19050" dir="2700000" algn="tl" rotWithShape="0">
+                    <a:schemeClr val="dk1">
+                      <a:alpha val="40000"/>
+                    </a:schemeClr>
+                  </a:outerShdw>
+                </a:effectLst>
+              </a:rPr>
               <a:t>OpenGL</a:t>
             </a:r>
             <a:r>
-              <a:rPr lang="zh-CN" altLang="en-US" dirty="0"/>
+              <a:rPr lang="zh-CN" altLang="en-US" dirty="0">
+                <a:solidFill>
+                  <a:schemeClr val="tx1"/>
+                </a:solidFill>
+                <a:effectLst>
+                  <a:outerShdw blurRad="38100" dist="19050" dir="2700000" algn="tl" rotWithShape="0">
+                    <a:schemeClr val="dk1">
+                      <a:alpha val="40000"/>
+                    </a:schemeClr>
+                  </a:outerShdw>
+                </a:effectLst>
+              </a:rPr>
               <a:t>的图形图像渲染引擎</a:t>
             </a:r>
-            <a:endParaRPr lang="zh-CN" altLang="en-US" dirty="0"/>
+            <a:endParaRPr lang="zh-CN" altLang="en-US" dirty="0">
+              <a:solidFill>
+                <a:schemeClr val="tx1"/>
+              </a:solidFill>
+              <a:effectLst>
+                <a:outerShdw blurRad="38100" dist="19050" dir="2700000" algn="tl" rotWithShape="0">
+                  <a:schemeClr val="dk1">
+                    <a:alpha val="40000"/>
+                  </a:schemeClr>
+                </a:outerShdw>
+              </a:effectLst>
+            </a:endParaRPr>
           </a:p>
         </p:txBody>
       </p:sp>
@@ -7691,10 +7736,150 @@
           <a:bodyPr/>
           <a:p>
             <a:r>
+              <a:rPr lang="zh-CN" altLang="en-US">
+                <a:solidFill>
+                  <a:schemeClr val="tx1"/>
+                </a:solidFill>
+                <a:effectLst>
+                  <a:outerShdw blurRad="38100" dist="19050" dir="2700000" algn="tl" rotWithShape="0">
+                    <a:schemeClr val="dk1">
+                      <a:alpha val="40000"/>
+                    </a:schemeClr>
+                  </a:outerShdw>
+                </a:effectLst>
+              </a:rPr>
+              <a:t>场景管理模块</a:t>
+            </a:r>
+            <a:endParaRPr lang="zh-CN" altLang="en-US">
+              <a:solidFill>
+                <a:schemeClr val="tx1"/>
+              </a:solidFill>
+              <a:effectLst>
+                <a:outerShdw blurRad="38100" dist="19050" dir="2700000" algn="tl" rotWithShape="0">
+                  <a:schemeClr val="dk1">
+                    <a:alpha val="40000"/>
+                  </a:schemeClr>
+                </a:outerShdw>
+              </a:effectLst>
+            </a:endParaRPr>
+          </a:p>
+        </p:txBody>
+      </p:sp>
+      <p:sp>
+        <p:nvSpPr>
+          <p:cNvPr id="5" name="内容占位符 4"/>
+          <p:cNvSpPr/>
+          <p:nvPr>
+            <p:ph idx="1"/>
+          </p:nvPr>
+        </p:nvSpPr>
+        <p:spPr/>
+        <p:txBody>
+          <a:bodyPr/>
+          <a:p>
+            <a:r>
               <a:rPr lang="zh-CN" altLang="en-US"/>
+              <a:t>①执行当前场景的流程函数，维护</a:t>
+            </a:r>
+            <a:r>
+              <a:rPr lang="zh-CN" altLang="en-US">
+                <a:sym typeface="+mn-ea"/>
+              </a:rPr>
+              <a:t>场景内的渲染列表、摄像机。</a:t>
+            </a:r>
+            <a:endParaRPr lang="zh-CN" altLang="en-US">
+              <a:sym typeface="+mn-ea"/>
+            </a:endParaRPr>
+          </a:p>
+          <a:p>
+            <a:r>
+              <a:rPr lang="zh-CN" altLang="en-US"/>
+              <a:t>②提供场景注册、场景切换功能。</a:t>
+            </a:r>
+            <a:endParaRPr lang="zh-CN" altLang="en-US"/>
+          </a:p>
+          <a:p>
+            <a:r>
+              <a:rPr lang="zh-CN" altLang="en-US"/>
+              <a:t>③管理OpenGL状态机的全局状态。</a:t>
+            </a:r>
+            <a:endParaRPr lang="zh-CN" altLang="en-US"/>
+          </a:p>
+          <a:p>
+            <a:endParaRPr lang="zh-CN" altLang="en-US"/>
+          </a:p>
+          <a:p>
+            <a:endParaRPr lang="zh-CN" altLang="en-US"/>
+          </a:p>
+          <a:p>
+            <a:endParaRPr lang="zh-CN" altLang="en-US"/>
+          </a:p>
+        </p:txBody>
+      </p:sp>
+    </p:spTree>
+    <p:custDataLst>
+      <p:tags r:id="rId1"/>
+    </p:custDataLst>
+  </p:cSld>
+  <p:clrMapOvr>
+    <a:masterClrMapping/>
+  </p:clrMapOvr>
+</p:sld>
+</file>
+
+<file path=ppt/slides/slide11.xml><?xml version="1.0" encoding="utf-8"?>
+<p:sld xmlns:a="http://schemas.openxmlformats.org/drawingml/2006/main" xmlns:r="http://schemas.openxmlformats.org/officeDocument/2006/relationships" xmlns:p="http://schemas.openxmlformats.org/presentationml/2006/main">
+  <p:cSld>
+    <p:spTree>
+      <p:nvGrpSpPr>
+        <p:cNvPr id="1" name=""/>
+        <p:cNvGrpSpPr/>
+        <p:nvPr/>
+      </p:nvGrpSpPr>
+      <p:grpSpPr/>
+      <p:sp>
+        <p:nvSpPr>
+          <p:cNvPr id="2" name="标题 1"/>
+          <p:cNvSpPr>
+            <a:spLocks noGrp="1"/>
+          </p:cNvSpPr>
+          <p:nvPr>
+            <p:ph type="title"/>
+          </p:nvPr>
+        </p:nvSpPr>
+        <p:spPr/>
+        <p:txBody>
+          <a:bodyPr/>
+          <a:p>
+            <a:r>
+              <a:rPr lang="zh-CN" altLang="en-US">
+                <a:ln/>
+                <a:solidFill>
+                  <a:schemeClr val="tx1"/>
+                </a:solidFill>
+                <a:effectLst>
+                  <a:outerShdw blurRad="38100" dist="19050" dir="2700000" algn="tl" rotWithShape="0">
+                    <a:schemeClr val="dk1">
+                      <a:alpha val="40000"/>
+                    </a:schemeClr>
+                  </a:outerShdw>
+                </a:effectLst>
+              </a:rPr>
               <a:t>场景管理模块图解</a:t>
             </a:r>
-            <a:endParaRPr lang="zh-CN" altLang="en-US"/>
+            <a:endParaRPr lang="zh-CN" altLang="en-US">
+              <a:ln/>
+              <a:solidFill>
+                <a:schemeClr val="tx1"/>
+              </a:solidFill>
+              <a:effectLst>
+                <a:outerShdw blurRad="38100" dist="19050" dir="2700000" algn="tl" rotWithShape="0">
+                  <a:schemeClr val="dk1">
+                    <a:alpha val="40000"/>
+                  </a:schemeClr>
+                </a:outerShdw>
+              </a:effectLst>
+            </a:endParaRPr>
           </a:p>
         </p:txBody>
       </p:sp>
@@ -7733,7 +7918,7 @@
         <p:spPr>
           <a:xfrm>
             <a:off x="7897495" y="2577465"/>
-            <a:ext cx="2402205" cy="368300"/>
+            <a:ext cx="3009265" cy="460375"/>
           </a:xfrm>
           <a:prstGeom prst="rect">
             <a:avLst/>
@@ -7746,10 +7931,10 @@
           </a:bodyPr>
           <a:p>
             <a:r>
-              <a:rPr lang="zh-CN" altLang="en-US"/>
+              <a:rPr lang="zh-CN" altLang="en-US" sz="2400"/>
               <a:t>内部层次间的交互</a:t>
             </a:r>
-            <a:endParaRPr lang="zh-CN" altLang="en-US"/>
+            <a:endParaRPr lang="zh-CN" altLang="en-US" sz="2400"/>
           </a:p>
         </p:txBody>
       </p:sp>
@@ -7786,7 +7971,7 @@
         <p:spPr>
           <a:xfrm>
             <a:off x="7680325" y="4613275"/>
-            <a:ext cx="2836545" cy="368300"/>
+            <a:ext cx="3793490" cy="460375"/>
           </a:xfrm>
           <a:prstGeom prst="rect">
             <a:avLst/>
@@ -7799,10 +7984,10 @@
           </a:bodyPr>
           <a:p>
             <a:r>
-              <a:rPr lang="zh-CN" altLang="en-US"/>
+              <a:rPr lang="zh-CN" altLang="en-US" sz="2400"/>
               <a:t>对外和底层渲染器的交互</a:t>
             </a:r>
-            <a:endParaRPr lang="zh-CN" altLang="en-US"/>
+            <a:endParaRPr lang="zh-CN" altLang="en-US" sz="2400"/>
           </a:p>
         </p:txBody>
       </p:sp>
@@ -7817,7 +8002,7 @@
 </p:sld>
 </file>
 
-<file path=ppt/slides/slide11.xml><?xml version="1.0" encoding="utf-8"?>
+<file path=ppt/slides/slide12.xml><?xml version="1.0" encoding="utf-8"?>
 <p:sld xmlns:a="http://schemas.openxmlformats.org/drawingml/2006/main" xmlns:r="http://schemas.openxmlformats.org/officeDocument/2006/relationships" xmlns:p="http://schemas.openxmlformats.org/presentationml/2006/main">
   <p:cSld>
     <p:spTree>
@@ -7843,11 +8028,35 @@
           <a:p>
             <a:r>
               <a:rPr lang="zh-CN" altLang="en-US">
+                <a:ln/>
+                <a:solidFill>
+                  <a:schemeClr val="tx1"/>
+                </a:solidFill>
+                <a:effectLst>
+                  <a:outerShdw blurRad="38100" dist="19050" dir="2700000" algn="tl" rotWithShape="0">
+                    <a:schemeClr val="dk1">
+                      <a:alpha val="40000"/>
+                    </a:schemeClr>
+                  </a:outerShdw>
+                </a:effectLst>
                 <a:sym typeface="+mn-ea"/>
               </a:rPr>
               <a:t>场景管理模块展示</a:t>
             </a:r>
-            <a:endParaRPr lang="zh-CN" altLang="en-US"/>
+            <a:endParaRPr lang="zh-CN" altLang="en-US">
+              <a:ln/>
+              <a:solidFill>
+                <a:schemeClr val="tx1"/>
+              </a:solidFill>
+              <a:effectLst>
+                <a:outerShdw blurRad="38100" dist="19050" dir="2700000" algn="tl" rotWithShape="0">
+                  <a:schemeClr val="dk1">
+                    <a:alpha val="40000"/>
+                  </a:schemeClr>
+                </a:outerShdw>
+              </a:effectLst>
+              <a:sym typeface="+mn-ea"/>
+            </a:endParaRPr>
           </a:p>
         </p:txBody>
       </p:sp>
@@ -8236,8 +8445,8 @@
         </p:nvSpPr>
         <p:spPr>
           <a:xfrm>
-            <a:off x="5987415" y="2631440"/>
-            <a:ext cx="459740" cy="1325880"/>
+            <a:off x="5941695" y="2486025"/>
+            <a:ext cx="551815" cy="1325880"/>
           </a:xfrm>
           <a:prstGeom prst="rect">
             <a:avLst/>
@@ -8250,10 +8459,10 @@
           </a:bodyPr>
           <a:p>
             <a:r>
-              <a:rPr lang="zh-CN" altLang="en-US"/>
+              <a:rPr lang="zh-CN" altLang="en-US" sz="2400"/>
               <a:t>场景切换</a:t>
             </a:r>
-            <a:endParaRPr lang="zh-CN" altLang="en-US"/>
+            <a:endParaRPr lang="zh-CN" altLang="en-US" sz="2400"/>
           </a:p>
         </p:txBody>
       </p:sp>
@@ -8292,7 +8501,7 @@
 </p:sld>
 </file>
 
-<file path=ppt/slides/slide12.xml><?xml version="1.0" encoding="utf-8"?>
+<file path=ppt/slides/slide13.xml><?xml version="1.0" encoding="utf-8"?>
 <p:sld xmlns:a="http://schemas.openxmlformats.org/drawingml/2006/main" xmlns:r="http://schemas.openxmlformats.org/officeDocument/2006/relationships" xmlns:p="http://schemas.openxmlformats.org/presentationml/2006/main">
   <p:cSld>
     <p:spTree>
@@ -8317,10 +8526,32 @@
           <a:bodyPr/>
           <a:p>
             <a:r>
-              <a:rPr lang="zh-CN" altLang="en-US"/>
+              <a:rPr lang="zh-CN" altLang="en-US">
+                <a:solidFill>
+                  <a:schemeClr val="tx1"/>
+                </a:solidFill>
+                <a:effectLst>
+                  <a:outerShdw blurRad="38100" dist="19050" dir="2700000" algn="tl" rotWithShape="0">
+                    <a:schemeClr val="dk1">
+                      <a:alpha val="40000"/>
+                    </a:schemeClr>
+                  </a:outerShdw>
+                </a:effectLst>
+              </a:rPr>
               <a:t>底层渲染器</a:t>
             </a:r>
-            <a:endParaRPr lang="zh-CN" altLang="en-US"/>
+            <a:endParaRPr lang="zh-CN" altLang="en-US">
+              <a:solidFill>
+                <a:schemeClr val="tx1"/>
+              </a:solidFill>
+              <a:effectLst>
+                <a:outerShdw blurRad="38100" dist="19050" dir="2700000" algn="tl" rotWithShape="0">
+                  <a:schemeClr val="dk1">
+                    <a:alpha val="40000"/>
+                  </a:schemeClr>
+                </a:outerShdw>
+              </a:effectLst>
+            </a:endParaRPr>
           </a:p>
         </p:txBody>
       </p:sp>
@@ -8395,7 +8626,7 @@
 </p:sld>
 </file>
 
-<file path=ppt/slides/slide13.xml><?xml version="1.0" encoding="utf-8"?>
+<file path=ppt/slides/slide14.xml><?xml version="1.0" encoding="utf-8"?>
 <p:sld xmlns:a="http://schemas.openxmlformats.org/drawingml/2006/main" xmlns:r="http://schemas.openxmlformats.org/officeDocument/2006/relationships" xmlns:p="http://schemas.openxmlformats.org/presentationml/2006/main">
   <p:cSld>
     <p:spTree>
@@ -8420,10 +8651,32 @@
           <a:bodyPr/>
           <a:p>
             <a:r>
-              <a:rPr lang="zh-CN" altLang="en-US"/>
+              <a:rPr lang="zh-CN" altLang="en-US">
+                <a:solidFill>
+                  <a:schemeClr val="tx1"/>
+                </a:solidFill>
+                <a:effectLst>
+                  <a:outerShdw blurRad="38100" dist="19050" dir="2700000" algn="tl" rotWithShape="0">
+                    <a:schemeClr val="dk1">
+                      <a:alpha val="40000"/>
+                    </a:schemeClr>
+                  </a:outerShdw>
+                </a:effectLst>
+              </a:rPr>
               <a:t>底层渲染器图解</a:t>
             </a:r>
-            <a:endParaRPr lang="zh-CN" altLang="en-US"/>
+            <a:endParaRPr lang="zh-CN" altLang="en-US">
+              <a:solidFill>
+                <a:schemeClr val="tx1"/>
+              </a:solidFill>
+              <a:effectLst>
+                <a:outerShdw blurRad="38100" dist="19050" dir="2700000" algn="tl" rotWithShape="0">
+                  <a:schemeClr val="dk1">
+                    <a:alpha val="40000"/>
+                  </a:schemeClr>
+                </a:outerShdw>
+              </a:effectLst>
+            </a:endParaRPr>
           </a:p>
         </p:txBody>
       </p:sp>
@@ -8462,7 +8715,7 @@
         <p:spPr>
           <a:xfrm>
             <a:off x="5172075" y="2966720"/>
-            <a:ext cx="4660900" cy="645160"/>
+            <a:ext cx="4979670" cy="829945"/>
           </a:xfrm>
           <a:prstGeom prst="rect">
             <a:avLst/>
@@ -8475,17 +8728,17 @@
           </a:bodyPr>
           <a:p>
             <a:r>
-              <a:rPr lang="zh-CN" altLang="en-US"/>
+              <a:rPr lang="zh-CN" altLang="en-US" sz="2400"/>
               <a:t>提供接口给场景管理模块</a:t>
             </a:r>
-            <a:endParaRPr lang="zh-CN" altLang="en-US"/>
-          </a:p>
-          <a:p>
-            <a:r>
-              <a:rPr lang="zh-CN" altLang="en-US"/>
+            <a:endParaRPr lang="zh-CN" altLang="en-US" sz="2400"/>
+          </a:p>
+          <a:p>
+            <a:r>
+              <a:rPr lang="zh-CN" altLang="en-US" sz="2400"/>
               <a:t>并调用资源管理模块接口获取资源</a:t>
             </a:r>
-            <a:endParaRPr lang="zh-CN" altLang="en-US"/>
+            <a:endParaRPr lang="zh-CN" altLang="en-US" sz="2400"/>
           </a:p>
         </p:txBody>
       </p:sp>
@@ -8500,7 +8753,7 @@
 </p:sld>
 </file>
 
-<file path=ppt/slides/slide14.xml><?xml version="1.0" encoding="utf-8"?>
+<file path=ppt/slides/slide15.xml><?xml version="1.0" encoding="utf-8"?>
 <p:sld xmlns:a="http://schemas.openxmlformats.org/drawingml/2006/main" xmlns:r="http://schemas.openxmlformats.org/officeDocument/2006/relationships" xmlns:p="http://schemas.openxmlformats.org/presentationml/2006/main">
   <p:cSld>
     <p:spTree>
@@ -8525,10 +8778,32 @@
           <a:bodyPr/>
           <a:p>
             <a:r>
-              <a:rPr lang="zh-CN" altLang="en-US"/>
+              <a:rPr lang="zh-CN" altLang="en-US">
+                <a:solidFill>
+                  <a:schemeClr val="tx1"/>
+                </a:solidFill>
+                <a:effectLst>
+                  <a:outerShdw blurRad="38100" dist="19050" dir="2700000" algn="tl" rotWithShape="0">
+                    <a:schemeClr val="dk1">
+                      <a:alpha val="40000"/>
+                    </a:schemeClr>
+                  </a:outerShdw>
+                </a:effectLst>
+              </a:rPr>
               <a:t>底层渲染器展示</a:t>
             </a:r>
-            <a:endParaRPr lang="zh-CN" altLang="en-US"/>
+            <a:endParaRPr lang="zh-CN" altLang="en-US">
+              <a:solidFill>
+                <a:schemeClr val="tx1"/>
+              </a:solidFill>
+              <a:effectLst>
+                <a:outerShdw blurRad="38100" dist="19050" dir="2700000" algn="tl" rotWithShape="0">
+                  <a:schemeClr val="dk1">
+                    <a:alpha val="40000"/>
+                  </a:schemeClr>
+                </a:outerShdw>
+              </a:effectLst>
+            </a:endParaRPr>
           </a:p>
         </p:txBody>
       </p:sp>
@@ -8567,7 +8842,7 @@
         <p:spPr>
           <a:xfrm>
             <a:off x="1637665" y="6313805"/>
-            <a:ext cx="2905760" cy="368300"/>
+            <a:ext cx="2905760" cy="460375"/>
           </a:xfrm>
           <a:prstGeom prst="rect">
             <a:avLst/>
@@ -8581,10 +8856,10 @@
           <a:p>
             <a:pPr algn="ctr"/>
             <a:r>
-              <a:rPr lang="zh-CN" altLang="en-US"/>
+              <a:rPr lang="zh-CN" altLang="en-US" sz="2400"/>
               <a:t>模型渲染</a:t>
             </a:r>
-            <a:endParaRPr lang="zh-CN" altLang="en-US"/>
+            <a:endParaRPr lang="zh-CN" altLang="en-US" sz="2400"/>
           </a:p>
         </p:txBody>
       </p:sp>
@@ -8621,7 +8896,7 @@
         <p:spPr>
           <a:xfrm>
             <a:off x="6708775" y="6313805"/>
-            <a:ext cx="4330700" cy="368300"/>
+            <a:ext cx="4330700" cy="460375"/>
           </a:xfrm>
           <a:prstGeom prst="rect">
             <a:avLst/>
@@ -8635,10 +8910,10 @@
           <a:p>
             <a:pPr algn="ctr"/>
             <a:r>
-              <a:rPr lang="zh-CN" altLang="en-US"/>
-              <a:t>方向光从上方往下打在地球模型上</a:t>
-            </a:r>
-            <a:endParaRPr lang="zh-CN" altLang="en-US"/>
+              <a:rPr lang="zh-CN" altLang="en-US" sz="2400"/>
+              <a:t>方向光打在地球上</a:t>
+            </a:r>
+            <a:endParaRPr lang="zh-CN" altLang="en-US" sz="2400"/>
           </a:p>
         </p:txBody>
       </p:sp>
@@ -8653,7 +8928,7 @@
 </p:sld>
 </file>
 
-<file path=ppt/slides/slide15.xml><?xml version="1.0" encoding="utf-8"?>
+<file path=ppt/slides/slide16.xml><?xml version="1.0" encoding="utf-8"?>
 <p:sld xmlns:a="http://schemas.openxmlformats.org/drawingml/2006/main" xmlns:r="http://schemas.openxmlformats.org/officeDocument/2006/relationships" xmlns:p="http://schemas.openxmlformats.org/presentationml/2006/main">
   <p:cSld>
     <p:spTree>
@@ -8681,11 +8956,33 @@
           <a:p>
             <a:r>
               <a:rPr lang="zh-CN" altLang="en-US">
+                <a:solidFill>
+                  <a:schemeClr val="tx1"/>
+                </a:solidFill>
+                <a:effectLst>
+                  <a:outerShdw blurRad="38100" dist="19050" dir="2700000" algn="tl" rotWithShape="0">
+                    <a:schemeClr val="dk1">
+                      <a:alpha val="40000"/>
+                    </a:schemeClr>
+                  </a:outerShdw>
+                </a:effectLst>
                 <a:sym typeface="+mn-ea"/>
               </a:rPr>
               <a:t>底层渲染器展示</a:t>
             </a:r>
-            <a:endParaRPr lang="zh-CN" altLang="en-US"/>
+            <a:endParaRPr lang="zh-CN" altLang="en-US">
+              <a:solidFill>
+                <a:schemeClr val="tx1"/>
+              </a:solidFill>
+              <a:effectLst>
+                <a:outerShdw blurRad="38100" dist="19050" dir="2700000" algn="tl" rotWithShape="0">
+                  <a:schemeClr val="dk1">
+                    <a:alpha val="40000"/>
+                  </a:schemeClr>
+                </a:outerShdw>
+              </a:effectLst>
+              <a:sym typeface="+mn-ea"/>
+            </a:endParaRPr>
           </a:p>
         </p:txBody>
       </p:sp>
@@ -8723,8 +9020,8 @@
         </p:nvSpPr>
         <p:spPr>
           <a:xfrm>
-            <a:off x="7153275" y="5811520"/>
-            <a:ext cx="4009390" cy="368300"/>
+            <a:off x="7052945" y="5652135"/>
+            <a:ext cx="4308475" cy="460375"/>
           </a:xfrm>
           <a:prstGeom prst="rect">
             <a:avLst/>
@@ -8738,10 +9035,10 @@
           <a:p>
             <a:pPr algn="ctr"/>
             <a:r>
-              <a:rPr lang="zh-CN" altLang="en-US"/>
+              <a:rPr lang="zh-CN" altLang="en-US" sz="2400"/>
               <a:t>聚光灯打在地面上形成内外圈</a:t>
             </a:r>
-            <a:endParaRPr lang="zh-CN" altLang="en-US"/>
+            <a:endParaRPr lang="zh-CN" altLang="en-US" sz="2400"/>
           </a:p>
         </p:txBody>
       </p:sp>
@@ -8778,7 +9075,7 @@
         <p:spPr>
           <a:xfrm>
             <a:off x="1393190" y="5568315"/>
-            <a:ext cx="4347210" cy="368300"/>
+            <a:ext cx="4347210" cy="460375"/>
           </a:xfrm>
           <a:prstGeom prst="rect">
             <a:avLst/>
@@ -8792,10 +9089,10 @@
           <a:p>
             <a:pPr algn="ctr"/>
             <a:r>
-              <a:rPr lang="zh-CN" altLang="en-US"/>
+              <a:rPr lang="zh-CN" altLang="en-US" sz="2400"/>
               <a:t>点光源从左边照射在小球上</a:t>
             </a:r>
-            <a:endParaRPr lang="zh-CN" altLang="en-US"/>
+            <a:endParaRPr lang="zh-CN" altLang="en-US" sz="2400"/>
           </a:p>
         </p:txBody>
       </p:sp>
@@ -8810,7 +9107,7 @@
 </p:sld>
 </file>
 
-<file path=ppt/slides/slide16.xml><?xml version="1.0" encoding="utf-8"?>
+<file path=ppt/slides/slide17.xml><?xml version="1.0" encoding="utf-8"?>
 <p:sld xmlns:a="http://schemas.openxmlformats.org/drawingml/2006/main" xmlns:r="http://schemas.openxmlformats.org/officeDocument/2006/relationships" xmlns:p="http://schemas.openxmlformats.org/presentationml/2006/main">
   <p:cSld>
     <p:spTree>
@@ -8843,11 +9140,33 @@
           <a:p>
             <a:r>
               <a:rPr lang="zh-CN" altLang="en-US">
+                <a:solidFill>
+                  <a:schemeClr val="tx1"/>
+                </a:solidFill>
+                <a:effectLst>
+                  <a:outerShdw blurRad="38100" dist="19050" dir="2700000" algn="tl" rotWithShape="0">
+                    <a:schemeClr val="dk1">
+                      <a:alpha val="40000"/>
+                    </a:schemeClr>
+                  </a:outerShdw>
+                </a:effectLst>
                 <a:sym typeface="+mn-ea"/>
               </a:rPr>
               <a:t>底层渲染器展示</a:t>
             </a:r>
-            <a:endParaRPr lang="zh-CN" altLang="en-US"/>
+            <a:endParaRPr lang="zh-CN" altLang="en-US">
+              <a:solidFill>
+                <a:schemeClr val="tx1"/>
+              </a:solidFill>
+              <a:effectLst>
+                <a:outerShdw blurRad="38100" dist="19050" dir="2700000" algn="tl" rotWithShape="0">
+                  <a:schemeClr val="dk1">
+                    <a:alpha val="40000"/>
+                  </a:schemeClr>
+                </a:outerShdw>
+              </a:effectLst>
+              <a:sym typeface="+mn-ea"/>
+            </a:endParaRPr>
           </a:p>
         </p:txBody>
       </p:sp>
@@ -8886,7 +9205,7 @@
         <p:spPr>
           <a:xfrm>
             <a:off x="1574800" y="5877560"/>
-            <a:ext cx="2856865" cy="368300"/>
+            <a:ext cx="2856865" cy="460375"/>
           </a:xfrm>
           <a:prstGeom prst="rect">
             <a:avLst/>
@@ -8900,10 +9219,10 @@
           <a:p>
             <a:pPr algn="ctr"/>
             <a:r>
-              <a:rPr lang="zh-CN" altLang="en-US"/>
+              <a:rPr lang="zh-CN" altLang="en-US" sz="2400"/>
               <a:t>天空盒</a:t>
             </a:r>
-            <a:endParaRPr lang="zh-CN" altLang="en-US"/>
+            <a:endParaRPr lang="zh-CN" altLang="en-US" sz="2400"/>
           </a:p>
         </p:txBody>
       </p:sp>
@@ -8940,7 +9259,7 @@
         <p:spPr>
           <a:xfrm>
             <a:off x="7679690" y="5951855"/>
-            <a:ext cx="3079115" cy="368300"/>
+            <a:ext cx="3079115" cy="460375"/>
           </a:xfrm>
           <a:prstGeom prst="rect">
             <a:avLst/>
@@ -8954,10 +9273,10 @@
           <a:p>
             <a:pPr algn="ctr"/>
             <a:r>
-              <a:rPr lang="zh-CN" altLang="en-US"/>
+              <a:rPr lang="zh-CN" altLang="en-US" sz="2400"/>
               <a:t>地面绘制</a:t>
             </a:r>
-            <a:endParaRPr lang="zh-CN" altLang="en-US"/>
+            <a:endParaRPr lang="zh-CN" altLang="en-US" sz="2400"/>
           </a:p>
         </p:txBody>
       </p:sp>
@@ -8972,7 +9291,7 @@
 </p:sld>
 </file>
 
-<file path=ppt/slides/slide17.xml><?xml version="1.0" encoding="utf-8"?>
+<file path=ppt/slides/slide18.xml><?xml version="1.0" encoding="utf-8"?>
 <p:sld xmlns:a="http://schemas.openxmlformats.org/drawingml/2006/main" xmlns:r="http://schemas.openxmlformats.org/officeDocument/2006/relationships" xmlns:p="http://schemas.openxmlformats.org/presentationml/2006/main">
   <p:cSld>
     <p:spTree>
@@ -8998,11 +9317,33 @@
           <a:p>
             <a:r>
               <a:rPr lang="zh-CN" altLang="en-US">
+                <a:solidFill>
+                  <a:schemeClr val="tx1"/>
+                </a:solidFill>
+                <a:effectLst>
+                  <a:outerShdw blurRad="38100" dist="19050" dir="2700000" algn="tl" rotWithShape="0">
+                    <a:schemeClr val="dk1">
+                      <a:alpha val="40000"/>
+                    </a:schemeClr>
+                  </a:outerShdw>
+                </a:effectLst>
                 <a:sym typeface="+mn-ea"/>
               </a:rPr>
               <a:t>底层渲染器展示</a:t>
             </a:r>
-            <a:endParaRPr lang="zh-CN" altLang="en-US"/>
+            <a:endParaRPr lang="zh-CN" altLang="en-US">
+              <a:solidFill>
+                <a:schemeClr val="tx1"/>
+              </a:solidFill>
+              <a:effectLst>
+                <a:outerShdw blurRad="38100" dist="19050" dir="2700000" algn="tl" rotWithShape="0">
+                  <a:schemeClr val="dk1">
+                    <a:alpha val="40000"/>
+                  </a:schemeClr>
+                </a:outerShdw>
+              </a:effectLst>
+              <a:sym typeface="+mn-ea"/>
+            </a:endParaRPr>
           </a:p>
         </p:txBody>
       </p:sp>
@@ -9040,8 +9381,8 @@
         </p:nvSpPr>
         <p:spPr>
           <a:xfrm>
-            <a:off x="1670050" y="5021580"/>
-            <a:ext cx="2906395" cy="368300"/>
+            <a:off x="1075690" y="5003165"/>
+            <a:ext cx="3743325" cy="460375"/>
           </a:xfrm>
           <a:prstGeom prst="rect">
             <a:avLst/>
@@ -9054,18 +9395,18 @@
           </a:bodyPr>
           <a:p>
             <a:r>
-              <a:rPr lang="zh-CN" altLang="en-US"/>
+              <a:rPr lang="zh-CN" altLang="en-US" sz="2400"/>
               <a:t>粒子系统</a:t>
             </a:r>
             <a:r>
-              <a:rPr lang="en-US" altLang="zh-CN"/>
+              <a:rPr lang="en-US" altLang="zh-CN" sz="2400"/>
               <a:t>——</a:t>
             </a:r>
             <a:r>
-              <a:rPr lang="zh-CN" altLang="en-US"/>
+              <a:rPr lang="zh-CN" altLang="en-US" sz="2400"/>
               <a:t>旋涡状粒子</a:t>
             </a:r>
-            <a:endParaRPr lang="zh-CN" altLang="en-US"/>
+            <a:endParaRPr lang="zh-CN" altLang="en-US" sz="2400"/>
           </a:p>
         </p:txBody>
       </p:sp>
@@ -9101,8 +9442,8 @@
         </p:nvSpPr>
         <p:spPr>
           <a:xfrm>
-            <a:off x="6741795" y="5095240"/>
-            <a:ext cx="3828415" cy="368300"/>
+            <a:off x="6766560" y="5095240"/>
+            <a:ext cx="3828415" cy="460375"/>
           </a:xfrm>
           <a:prstGeom prst="rect">
             <a:avLst/>
@@ -9116,18 +9457,18 @@
           <a:p>
             <a:pPr algn="ctr"/>
             <a:r>
-              <a:rPr lang="zh-CN" altLang="en-US"/>
+              <a:rPr lang="zh-CN" altLang="en-US" sz="2400"/>
               <a:t>粒子系统</a:t>
             </a:r>
             <a:r>
-              <a:rPr lang="en-US" altLang="zh-CN"/>
+              <a:rPr lang="en-US" altLang="zh-CN" sz="2400"/>
               <a:t>——</a:t>
             </a:r>
             <a:r>
-              <a:rPr lang="zh-CN" altLang="en-US"/>
+              <a:rPr lang="zh-CN" altLang="en-US" sz="2400"/>
               <a:t>萤火虫</a:t>
             </a:r>
-            <a:endParaRPr lang="zh-CN" altLang="en-US"/>
+            <a:endParaRPr lang="zh-CN" altLang="en-US" sz="2400"/>
           </a:p>
         </p:txBody>
       </p:sp>
@@ -9142,7 +9483,7 @@
 </p:sld>
 </file>
 
-<file path=ppt/slides/slide18.xml><?xml version="1.0" encoding="utf-8"?>
+<file path=ppt/slides/slide19.xml><?xml version="1.0" encoding="utf-8"?>
 <p:sld xmlns:a="http://schemas.openxmlformats.org/drawingml/2006/main" xmlns:r="http://schemas.openxmlformats.org/officeDocument/2006/relationships" xmlns:p="http://schemas.openxmlformats.org/presentationml/2006/main">
   <p:cSld>
     <p:spTree>
@@ -9175,11 +9516,33 @@
           <a:p>
             <a:r>
               <a:rPr lang="zh-CN" altLang="en-US">
+                <a:solidFill>
+                  <a:schemeClr val="tx1"/>
+                </a:solidFill>
+                <a:effectLst>
+                  <a:outerShdw blurRad="38100" dist="19050" dir="2700000" algn="tl" rotWithShape="0">
+                    <a:schemeClr val="dk1">
+                      <a:alpha val="40000"/>
+                    </a:schemeClr>
+                  </a:outerShdw>
+                </a:effectLst>
                 <a:sym typeface="+mn-ea"/>
               </a:rPr>
               <a:t>底层渲染器展示</a:t>
             </a:r>
-            <a:endParaRPr lang="zh-CN" altLang="en-US"/>
+            <a:endParaRPr lang="zh-CN" altLang="en-US">
+              <a:solidFill>
+                <a:schemeClr val="tx1"/>
+              </a:solidFill>
+              <a:effectLst>
+                <a:outerShdw blurRad="38100" dist="19050" dir="2700000" algn="tl" rotWithShape="0">
+                  <a:schemeClr val="dk1">
+                    <a:alpha val="40000"/>
+                  </a:schemeClr>
+                </a:outerShdw>
+              </a:effectLst>
+              <a:sym typeface="+mn-ea"/>
+            </a:endParaRPr>
           </a:p>
         </p:txBody>
       </p:sp>
@@ -9218,7 +9581,7 @@
         <p:spPr>
           <a:xfrm>
             <a:off x="1546860" y="5383530"/>
-            <a:ext cx="2683510" cy="368300"/>
+            <a:ext cx="3011805" cy="460375"/>
           </a:xfrm>
           <a:prstGeom prst="rect">
             <a:avLst/>
@@ -9232,18 +9595,18 @@
           <a:p>
             <a:pPr algn="ctr"/>
             <a:r>
-              <a:rPr lang="zh-CN" altLang="en-US"/>
+              <a:rPr lang="zh-CN" altLang="en-US" sz="2400"/>
               <a:t>雾化</a:t>
             </a:r>
             <a:r>
-              <a:rPr lang="en-US" altLang="zh-CN"/>
+              <a:rPr lang="en-US" altLang="zh-CN" sz="2400"/>
               <a:t>Obj——</a:t>
             </a:r>
             <a:r>
-              <a:rPr lang="zh-CN" altLang="en-US"/>
+              <a:rPr lang="zh-CN" altLang="en-US" sz="2400"/>
               <a:t>远处时</a:t>
             </a:r>
-            <a:endParaRPr lang="zh-CN" altLang="en-US"/>
+            <a:endParaRPr lang="zh-CN" altLang="en-US" sz="2400"/>
           </a:p>
         </p:txBody>
       </p:sp>
@@ -9279,8 +9642,8 @@
         </p:nvSpPr>
         <p:spPr>
           <a:xfrm>
-            <a:off x="7331710" y="5177790"/>
-            <a:ext cx="3062605" cy="368300"/>
+            <a:off x="7381240" y="5383530"/>
+            <a:ext cx="3062605" cy="460375"/>
           </a:xfrm>
           <a:prstGeom prst="rect">
             <a:avLst/>
@@ -9294,172 +9657,24 @@
           <a:p>
             <a:pPr algn="ctr"/>
             <a:r>
-              <a:rPr lang="zh-CN" altLang="en-US"/>
+              <a:rPr lang="zh-CN" altLang="en-US" sz="2400"/>
               <a:t>雾化</a:t>
             </a:r>
             <a:r>
-              <a:rPr lang="en-US" altLang="zh-CN"/>
+              <a:rPr lang="en-US" altLang="zh-CN" sz="2400"/>
               <a:t>Obj——</a:t>
             </a:r>
             <a:r>
-              <a:rPr lang="zh-CN" altLang="en-US"/>
+              <a:rPr lang="zh-CN" altLang="en-US" sz="2400"/>
               <a:t>近处时</a:t>
             </a:r>
-            <a:endParaRPr lang="zh-CN" altLang="en-US"/>
+            <a:endParaRPr lang="zh-CN" altLang="en-US" sz="2400"/>
           </a:p>
         </p:txBody>
       </p:sp>
     </p:spTree>
     <p:custDataLst>
       <p:tags r:id="rId3"/>
-    </p:custDataLst>
-  </p:cSld>
-  <p:clrMapOvr>
-    <a:masterClrMapping/>
-  </p:clrMapOvr>
-</p:sld>
-</file>
-
-<file path=ppt/slides/slide19.xml><?xml version="1.0" encoding="utf-8"?>
-<p:sld xmlns:a="http://schemas.openxmlformats.org/drawingml/2006/main" xmlns:r="http://schemas.openxmlformats.org/officeDocument/2006/relationships" xmlns:p="http://schemas.openxmlformats.org/presentationml/2006/main">
-  <p:cSld>
-    <p:spTree>
-      <p:nvGrpSpPr>
-        <p:cNvPr id="1" name=""/>
-        <p:cNvGrpSpPr/>
-        <p:nvPr/>
-      </p:nvGrpSpPr>
-      <p:grpSpPr/>
-      <p:sp>
-        <p:nvSpPr>
-          <p:cNvPr id="2" name="标题 1"/>
-          <p:cNvSpPr>
-            <a:spLocks noGrp="1"/>
-          </p:cNvSpPr>
-          <p:nvPr>
-            <p:ph type="title"/>
-          </p:nvPr>
-        </p:nvSpPr>
-        <p:spPr>
-          <a:xfrm>
-            <a:off x="838200" y="392430"/>
-            <a:ext cx="10598150" cy="1433830"/>
-          </a:xfrm>
-        </p:spPr>
-        <p:txBody>
-          <a:bodyPr>
-            <a:normAutofit/>
-          </a:bodyPr>
-          <a:p>
-            <a:r>
-              <a:rPr lang="zh-CN" altLang="en-US">
-                <a:sym typeface="+mn-ea"/>
-              </a:rPr>
-              <a:t>底层渲染器</a:t>
-            </a:r>
-            <a:r>
-              <a:rPr lang="en-US" altLang="zh-CN">
-                <a:sym typeface="+mn-ea"/>
-              </a:rPr>
-              <a:t>/SDK</a:t>
-            </a:r>
-            <a:r>
-              <a:rPr lang="zh-CN" altLang="en-US">
-                <a:sym typeface="+mn-ea"/>
-              </a:rPr>
-              <a:t>相关部分</a:t>
-            </a:r>
-            <a:endParaRPr lang="zh-CN" altLang="en-US"/>
-          </a:p>
-        </p:txBody>
-      </p:sp>
-      <p:sp>
-        <p:nvSpPr>
-          <p:cNvPr id="3" name="内容占位符 2"/>
-          <p:cNvSpPr>
-            <a:spLocks noGrp="1"/>
-          </p:cNvSpPr>
-          <p:nvPr>
-            <p:ph idx="1"/>
-          </p:nvPr>
-        </p:nvSpPr>
-        <p:spPr/>
-        <p:txBody>
-          <a:bodyPr/>
-          <a:p>
-            <a:r>
-              <a:rPr lang="zh-CN" altLang="en-US"/>
-              <a:t>①在CPU抽象出GPU程序（</a:t>
-            </a:r>
-            <a:r>
-              <a:rPr lang="en-US" altLang="zh-CN"/>
-              <a:t>Shader</a:t>
-            </a:r>
-            <a:r>
-              <a:rPr lang="zh-CN" altLang="en-US"/>
-              <a:t>）类、显存类。</a:t>
-            </a:r>
-            <a:endParaRPr lang="zh-CN" altLang="en-US"/>
-          </a:p>
-          <a:p>
-            <a:r>
-              <a:rPr lang="zh-CN" altLang="en-US"/>
-              <a:t>②引擎内置</a:t>
-            </a:r>
-            <a:r>
-              <a:rPr lang="en-US" altLang="zh-CN"/>
-              <a:t>Shader</a:t>
-            </a:r>
-            <a:r>
-              <a:rPr lang="zh-CN" altLang="en-US"/>
-              <a:t>程序，并</a:t>
-            </a:r>
-            <a:r>
-              <a:rPr lang="zh-CN" altLang="en-US">
-                <a:sym typeface="+mn-ea"/>
-              </a:rPr>
-              <a:t>支持开发者自定义</a:t>
-            </a:r>
-            <a:r>
-              <a:rPr lang="en-US" altLang="zh-CN">
-                <a:sym typeface="+mn-ea"/>
-              </a:rPr>
-              <a:t>Shader</a:t>
-            </a:r>
-            <a:r>
-              <a:rPr lang="zh-CN" altLang="en-US">
-                <a:sym typeface="+mn-ea"/>
-              </a:rPr>
-              <a:t>程序。</a:t>
-            </a:r>
-            <a:endParaRPr lang="zh-CN" altLang="en-US"/>
-          </a:p>
-          <a:p>
-            <a:r>
-              <a:rPr lang="zh-CN" altLang="en-US"/>
-              <a:t>③业务逻辑与</a:t>
-            </a:r>
-            <a:r>
-              <a:rPr lang="en-US" altLang="zh-CN"/>
-              <a:t>SDK</a:t>
-            </a:r>
-            <a:r>
-              <a:rPr lang="zh-CN" altLang="en-US"/>
-              <a:t>解耦合。</a:t>
-            </a:r>
-            <a:endParaRPr lang="zh-CN" altLang="en-US"/>
-          </a:p>
-          <a:p>
-            <a:endParaRPr lang="zh-CN" altLang="en-US"/>
-          </a:p>
-          <a:p>
-            <a:endParaRPr lang="zh-CN" altLang="en-US"/>
-          </a:p>
-        </p:txBody>
-      </p:sp>
-    </p:spTree>
-    <p:custDataLst>
-      <p:tags r:id="rId1"/>
     </p:custDataLst>
   </p:cSld>
   <p:clrMapOvr>
@@ -9540,6 +9755,10 @@
         <p:txBody>
           <a:bodyPr wrap="square" lIns="0" tIns="0" rIns="0" bIns="0">
             <a:normAutofit/>
+            <a:scene3d>
+              <a:camera prst="orthographicFront"/>
+              <a:lightRig rig="threePt" dir="t"/>
+            </a:scene3d>
           </a:bodyPr>
           <a:lstStyle/>
           <a:p>
@@ -9547,16 +9766,30 @@
             <a:r>
               <a:rPr lang="zh-CN" altLang="en-US" sz="2400">
                 <a:solidFill>
-                  <a:srgbClr val="529BA0"/>
-                </a:solidFill>
+                  <a:schemeClr val="tx1"/>
+                </a:solidFill>
+                <a:effectLst>
+                  <a:outerShdw blurRad="38100" dist="19050" dir="2700000" algn="tl" rotWithShape="0">
+                    <a:schemeClr val="dk1">
+                      <a:alpha val="40000"/>
+                    </a:schemeClr>
+                  </a:outerShdw>
+                </a:effectLst>
                 <a:sym typeface="+mn-lt"/>
               </a:rPr>
               <a:t>绪论</a:t>
             </a:r>
             <a:endParaRPr lang="zh-CN" altLang="en-US" sz="2400">
               <a:solidFill>
-                <a:srgbClr val="529BA0"/>
+                <a:schemeClr val="tx1"/>
               </a:solidFill>
+              <a:effectLst>
+                <a:outerShdw blurRad="38100" dist="19050" dir="2700000" algn="tl" rotWithShape="0">
+                  <a:schemeClr val="dk1">
+                    <a:alpha val="40000"/>
+                  </a:schemeClr>
+                </a:outerShdw>
+              </a:effectLst>
               <a:sym typeface="+mn-lt"/>
             </a:endParaRPr>
           </a:p>
@@ -10052,16 +10285,30 @@
             <a:r>
               <a:rPr lang="zh-CN" altLang="en-US" sz="2400">
                 <a:solidFill>
-                  <a:schemeClr val="accent1"/>
-                </a:solidFill>
+                  <a:schemeClr val="tx1"/>
+                </a:solidFill>
+                <a:effectLst>
+                  <a:outerShdw blurRad="38100" dist="19050" dir="2700000" algn="tl" rotWithShape="0">
+                    <a:schemeClr val="dk1">
+                      <a:alpha val="40000"/>
+                    </a:schemeClr>
+                  </a:outerShdw>
+                </a:effectLst>
                 <a:sym typeface="+mn-lt"/>
               </a:rPr>
               <a:t>研究方法</a:t>
             </a:r>
             <a:endParaRPr lang="zh-CN" altLang="en-US" sz="2400">
               <a:solidFill>
-                <a:schemeClr val="accent1"/>
+                <a:schemeClr val="tx1"/>
               </a:solidFill>
+              <a:effectLst>
+                <a:outerShdw blurRad="38100" dist="19050" dir="2700000" algn="tl" rotWithShape="0">
+                  <a:schemeClr val="dk1">
+                    <a:alpha val="40000"/>
+                  </a:schemeClr>
+                </a:outerShdw>
+              </a:effectLst>
               <a:sym typeface="+mn-lt"/>
             </a:endParaRPr>
           </a:p>
@@ -10089,22 +10336,40 @@
         <p:txBody>
           <a:bodyPr wrap="square" lIns="0" tIns="0" rIns="0" bIns="0">
             <a:normAutofit/>
+            <a:scene3d>
+              <a:camera prst="orthographicFront"/>
+              <a:lightRig rig="threePt" dir="t"/>
+            </a:scene3d>
           </a:bodyPr>
           <a:lstStyle/>
           <a:p>
             <a:r>
               <a:rPr lang="zh-CN" altLang="en-US" sz="2400">
                 <a:solidFill>
-                  <a:schemeClr val="accent1"/>
-                </a:solidFill>
+                  <a:schemeClr val="tx1"/>
+                </a:solidFill>
+                <a:effectLst>
+                  <a:outerShdw blurRad="38100" dist="19050" dir="2700000" algn="tl" rotWithShape="0">
+                    <a:schemeClr val="dk1">
+                      <a:alpha val="40000"/>
+                    </a:schemeClr>
+                  </a:outerShdw>
+                </a:effectLst>
                 <a:sym typeface="+mn-lt"/>
               </a:rPr>
               <a:t>技术实践</a:t>
             </a:r>
             <a:endParaRPr lang="zh-CN" altLang="en-US" sz="2400">
               <a:solidFill>
-                <a:schemeClr val="accent1"/>
+                <a:schemeClr val="tx1"/>
               </a:solidFill>
+              <a:effectLst>
+                <a:outerShdw blurRad="38100" dist="19050" dir="2700000" algn="tl" rotWithShape="0">
+                  <a:schemeClr val="dk1">
+                    <a:alpha val="40000"/>
+                  </a:schemeClr>
+                </a:outerShdw>
+              </a:effectLst>
               <a:sym typeface="+mn-lt"/>
             </a:endParaRPr>
           </a:p>
@@ -10138,16 +10403,30 @@
             <a:r>
               <a:rPr lang="zh-CN" altLang="en-US" sz="2400">
                 <a:solidFill>
-                  <a:schemeClr val="accent1"/>
-                </a:solidFill>
+                  <a:schemeClr val="tx1"/>
+                </a:solidFill>
+                <a:effectLst>
+                  <a:outerShdw blurRad="38100" dist="19050" dir="2700000" algn="tl" rotWithShape="0">
+                    <a:schemeClr val="dk1">
+                      <a:alpha val="40000"/>
+                    </a:schemeClr>
+                  </a:outerShdw>
+                </a:effectLst>
                 <a:sym typeface="+mn-lt"/>
               </a:rPr>
               <a:t>成果展示</a:t>
             </a:r>
             <a:endParaRPr lang="zh-CN" altLang="en-US" sz="2400">
               <a:solidFill>
-                <a:schemeClr val="accent1"/>
+                <a:schemeClr val="tx1"/>
               </a:solidFill>
+              <a:effectLst>
+                <a:outerShdw blurRad="38100" dist="19050" dir="2700000" algn="tl" rotWithShape="0">
+                  <a:schemeClr val="dk1">
+                    <a:alpha val="40000"/>
+                  </a:schemeClr>
+                </a:outerShdw>
+              </a:effectLst>
               <a:sym typeface="+mn-lt"/>
             </a:endParaRPr>
           </a:p>
@@ -10175,22 +10454,40 @@
         <p:txBody>
           <a:bodyPr wrap="square" lIns="0" tIns="0" rIns="0" bIns="0">
             <a:normAutofit/>
+            <a:scene3d>
+              <a:camera prst="orthographicFront"/>
+              <a:lightRig rig="threePt" dir="t"/>
+            </a:scene3d>
           </a:bodyPr>
           <a:lstStyle/>
           <a:p>
             <a:r>
               <a:rPr lang="zh-CN" altLang="en-US" sz="2400">
                 <a:solidFill>
-                  <a:schemeClr val="accent1"/>
-                </a:solidFill>
+                  <a:schemeClr val="tx1"/>
+                </a:solidFill>
+                <a:effectLst>
+                  <a:outerShdw blurRad="38100" dist="19050" dir="2700000" algn="tl" rotWithShape="0">
+                    <a:schemeClr val="dk1">
+                      <a:alpha val="40000"/>
+                    </a:schemeClr>
+                  </a:outerShdw>
+                </a:effectLst>
                 <a:sym typeface="+mn-lt"/>
               </a:rPr>
               <a:t>总结展望</a:t>
             </a:r>
             <a:endParaRPr lang="zh-CN" altLang="en-US" sz="2400">
               <a:solidFill>
-                <a:schemeClr val="accent1"/>
+                <a:schemeClr val="tx1"/>
               </a:solidFill>
+              <a:effectLst>
+                <a:outerShdw blurRad="38100" dist="19050" dir="2700000" algn="tl" rotWithShape="0">
+                  <a:schemeClr val="dk1">
+                    <a:alpha val="40000"/>
+                  </a:schemeClr>
+                </a:outerShdw>
+              </a:effectLst>
               <a:sym typeface="+mn-lt"/>
             </a:endParaRPr>
           </a:p>
@@ -10227,29 +10524,265 @@
             <p:ph type="title"/>
           </p:nvPr>
         </p:nvSpPr>
+        <p:spPr>
+          <a:xfrm>
+            <a:off x="838200" y="392430"/>
+            <a:ext cx="10598150" cy="1433830"/>
+          </a:xfrm>
+        </p:spPr>
+        <p:txBody>
+          <a:bodyPr>
+            <a:normAutofit/>
+          </a:bodyPr>
+          <a:p>
+            <a:r>
+              <a:rPr lang="zh-CN" altLang="en-US">
+                <a:ln/>
+                <a:solidFill>
+                  <a:schemeClr val="tx1"/>
+                </a:solidFill>
+                <a:effectLst>
+                  <a:outerShdw blurRad="38100" dist="19050" dir="2700000" algn="tl" rotWithShape="0">
+                    <a:schemeClr val="dk1">
+                      <a:alpha val="40000"/>
+                    </a:schemeClr>
+                  </a:outerShdw>
+                </a:effectLst>
+                <a:sym typeface="+mn-ea"/>
+              </a:rPr>
+              <a:t>底层渲染器</a:t>
+            </a:r>
+            <a:r>
+              <a:rPr lang="en-US" altLang="zh-CN">
+                <a:ln/>
+                <a:solidFill>
+                  <a:schemeClr val="tx1"/>
+                </a:solidFill>
+                <a:effectLst>
+                  <a:outerShdw blurRad="38100" dist="19050" dir="2700000" algn="tl" rotWithShape="0">
+                    <a:schemeClr val="dk1">
+                      <a:alpha val="40000"/>
+                    </a:schemeClr>
+                  </a:outerShdw>
+                </a:effectLst>
+                <a:sym typeface="+mn-ea"/>
+              </a:rPr>
+              <a:t>/SDK</a:t>
+            </a:r>
+            <a:r>
+              <a:rPr lang="zh-CN" altLang="en-US">
+                <a:ln/>
+                <a:solidFill>
+                  <a:schemeClr val="tx1"/>
+                </a:solidFill>
+                <a:effectLst>
+                  <a:outerShdw blurRad="38100" dist="19050" dir="2700000" algn="tl" rotWithShape="0">
+                    <a:schemeClr val="dk1">
+                      <a:alpha val="40000"/>
+                    </a:schemeClr>
+                  </a:outerShdw>
+                </a:effectLst>
+                <a:sym typeface="+mn-ea"/>
+              </a:rPr>
+              <a:t>相关部分</a:t>
+            </a:r>
+            <a:endParaRPr lang="zh-CN" altLang="en-US">
+              <a:ln/>
+              <a:solidFill>
+                <a:schemeClr val="tx1"/>
+              </a:solidFill>
+              <a:effectLst>
+                <a:outerShdw blurRad="38100" dist="19050" dir="2700000" algn="tl" rotWithShape="0">
+                  <a:schemeClr val="dk1">
+                    <a:alpha val="40000"/>
+                  </a:schemeClr>
+                </a:outerShdw>
+              </a:effectLst>
+              <a:sym typeface="+mn-ea"/>
+            </a:endParaRPr>
+          </a:p>
+        </p:txBody>
+      </p:sp>
+      <p:sp>
+        <p:nvSpPr>
+          <p:cNvPr id="3" name="内容占位符 2"/>
+          <p:cNvSpPr>
+            <a:spLocks noGrp="1"/>
+          </p:cNvSpPr>
+          <p:nvPr>
+            <p:ph idx="1"/>
+          </p:nvPr>
+        </p:nvSpPr>
         <p:spPr/>
         <p:txBody>
           <a:bodyPr/>
           <a:p>
+            <a:r>
+              <a:rPr lang="zh-CN" altLang="en-US"/>
+              <a:t>①在CPU抽象出GPU程序（</a:t>
+            </a:r>
+            <a:r>
+              <a:rPr lang="en-US" altLang="zh-CN"/>
+              <a:t>Shader</a:t>
+            </a:r>
+            <a:r>
+              <a:rPr lang="zh-CN" altLang="en-US"/>
+              <a:t>）类、显存类。</a:t>
+            </a:r>
+            <a:endParaRPr lang="zh-CN" altLang="en-US"/>
+          </a:p>
+          <a:p>
+            <a:r>
+              <a:rPr lang="zh-CN" altLang="en-US"/>
+              <a:t>②引擎内置</a:t>
+            </a:r>
+            <a:r>
+              <a:rPr lang="en-US" altLang="zh-CN"/>
+              <a:t>Shader</a:t>
+            </a:r>
+            <a:r>
+              <a:rPr lang="zh-CN" altLang="en-US"/>
+              <a:t>程序，并</a:t>
+            </a:r>
             <a:r>
               <a:rPr lang="zh-CN" altLang="en-US">
                 <a:sym typeface="+mn-ea"/>
               </a:rPr>
-              <a:t>底层渲染器</a:t>
+              <a:t>支持开发者自定义</a:t>
             </a:r>
             <a:r>
               <a:rPr lang="en-US" altLang="zh-CN">
                 <a:sym typeface="+mn-ea"/>
               </a:rPr>
-              <a:t>/SDK</a:t>
+              <a:t>Shader</a:t>
             </a:r>
             <a:r>
               <a:rPr lang="zh-CN" altLang="en-US">
                 <a:sym typeface="+mn-ea"/>
               </a:rPr>
+              <a:t>程序。</a:t>
+            </a:r>
+            <a:endParaRPr lang="zh-CN" altLang="en-US"/>
+          </a:p>
+          <a:p>
+            <a:r>
+              <a:rPr lang="zh-CN" altLang="en-US"/>
+              <a:t>③业务逻辑与</a:t>
+            </a:r>
+            <a:r>
+              <a:rPr lang="en-US" altLang="zh-CN"/>
+              <a:t>SDK</a:t>
+            </a:r>
+            <a:r>
+              <a:rPr lang="zh-CN" altLang="en-US"/>
+              <a:t>解耦合。</a:t>
+            </a:r>
+            <a:endParaRPr lang="zh-CN" altLang="en-US"/>
+          </a:p>
+          <a:p>
+            <a:endParaRPr lang="zh-CN" altLang="en-US"/>
+          </a:p>
+          <a:p>
+            <a:endParaRPr lang="zh-CN" altLang="en-US"/>
+          </a:p>
+        </p:txBody>
+      </p:sp>
+    </p:spTree>
+    <p:custDataLst>
+      <p:tags r:id="rId1"/>
+    </p:custDataLst>
+  </p:cSld>
+  <p:clrMapOvr>
+    <a:masterClrMapping/>
+  </p:clrMapOvr>
+</p:sld>
+</file>
+
+<file path=ppt/slides/slide21.xml><?xml version="1.0" encoding="utf-8"?>
+<p:sld xmlns:a="http://schemas.openxmlformats.org/drawingml/2006/main" xmlns:r="http://schemas.openxmlformats.org/officeDocument/2006/relationships" xmlns:p="http://schemas.openxmlformats.org/presentationml/2006/main">
+  <p:cSld>
+    <p:spTree>
+      <p:nvGrpSpPr>
+        <p:cNvPr id="1" name=""/>
+        <p:cNvGrpSpPr/>
+        <p:nvPr/>
+      </p:nvGrpSpPr>
+      <p:grpSpPr/>
+      <p:sp>
+        <p:nvSpPr>
+          <p:cNvPr id="2" name="标题 1"/>
+          <p:cNvSpPr>
+            <a:spLocks noGrp="1"/>
+          </p:cNvSpPr>
+          <p:nvPr>
+            <p:ph type="title"/>
+          </p:nvPr>
+        </p:nvSpPr>
+        <p:spPr/>
+        <p:txBody>
+          <a:bodyPr/>
+          <a:p>
+            <a:r>
+              <a:rPr lang="zh-CN" altLang="en-US">
+                <a:solidFill>
+                  <a:schemeClr val="tx1"/>
+                </a:solidFill>
+                <a:effectLst>
+                  <a:outerShdw blurRad="38100" dist="19050" dir="2700000" algn="tl" rotWithShape="0">
+                    <a:schemeClr val="dk1">
+                      <a:alpha val="40000"/>
+                    </a:schemeClr>
+                  </a:outerShdw>
+                </a:effectLst>
+                <a:sym typeface="+mn-ea"/>
+              </a:rPr>
+              <a:t>底层渲染器</a:t>
+            </a:r>
+            <a:r>
+              <a:rPr lang="en-US" altLang="zh-CN">
+                <a:solidFill>
+                  <a:schemeClr val="tx1"/>
+                </a:solidFill>
+                <a:effectLst>
+                  <a:outerShdw blurRad="38100" dist="19050" dir="2700000" algn="tl" rotWithShape="0">
+                    <a:schemeClr val="dk1">
+                      <a:alpha val="40000"/>
+                    </a:schemeClr>
+                  </a:outerShdw>
+                </a:effectLst>
+                <a:sym typeface="+mn-ea"/>
+              </a:rPr>
+              <a:t>/SDK</a:t>
+            </a:r>
+            <a:r>
+              <a:rPr lang="zh-CN" altLang="en-US">
+                <a:solidFill>
+                  <a:schemeClr val="tx1"/>
+                </a:solidFill>
+                <a:effectLst>
+                  <a:outerShdw blurRad="38100" dist="19050" dir="2700000" algn="tl" rotWithShape="0">
+                    <a:schemeClr val="dk1">
+                      <a:alpha val="40000"/>
+                    </a:schemeClr>
+                  </a:outerShdw>
+                </a:effectLst>
+                <a:sym typeface="+mn-ea"/>
+              </a:rPr>
               <a:t>相关部分图解</a:t>
             </a:r>
-            <a:endParaRPr lang="zh-CN" altLang="en-US"/>
+            <a:endParaRPr lang="zh-CN" altLang="en-US">
+              <a:solidFill>
+                <a:schemeClr val="tx1"/>
+              </a:solidFill>
+              <a:effectLst>
+                <a:outerShdw blurRad="38100" dist="19050" dir="2700000" algn="tl" rotWithShape="0">
+                  <a:schemeClr val="dk1">
+                    <a:alpha val="40000"/>
+                  </a:schemeClr>
+                </a:outerShdw>
+              </a:effectLst>
+              <a:sym typeface="+mn-ea"/>
+            </a:endParaRPr>
           </a:p>
         </p:txBody>
       </p:sp>
@@ -10312,7 +10845,7 @@
         <p:spPr>
           <a:xfrm>
             <a:off x="6929755" y="2219960"/>
-            <a:ext cx="3247390" cy="368300"/>
+            <a:ext cx="4353560" cy="460375"/>
           </a:xfrm>
           <a:prstGeom prst="rect">
             <a:avLst/>
@@ -10325,10 +10858,10 @@
           </a:bodyPr>
           <a:p>
             <a:r>
-              <a:rPr lang="zh-CN" altLang="en-US"/>
+              <a:rPr lang="zh-CN" altLang="en-US" sz="2400"/>
               <a:t>顶点显存和资源管理模块交互</a:t>
             </a:r>
-            <a:endParaRPr lang="zh-CN" altLang="en-US"/>
+            <a:endParaRPr lang="zh-CN" altLang="en-US" sz="2400"/>
           </a:p>
         </p:txBody>
       </p:sp>
@@ -10341,7 +10874,7 @@
         <p:spPr>
           <a:xfrm>
             <a:off x="6929755" y="4478655"/>
-            <a:ext cx="3270885" cy="368300"/>
+            <a:ext cx="4354195" cy="460375"/>
           </a:xfrm>
           <a:prstGeom prst="rect">
             <a:avLst/>
@@ -10354,14 +10887,14 @@
           </a:bodyPr>
           <a:p>
             <a:r>
-              <a:rPr lang="en-US" altLang="zh-CN"/>
+              <a:rPr lang="en-US" altLang="zh-CN" sz="2400"/>
               <a:t>Shader</a:t>
             </a:r>
             <a:r>
-              <a:rPr lang="zh-CN" altLang="en-US"/>
+              <a:rPr lang="zh-CN" altLang="en-US" sz="2400"/>
               <a:t>与资源管理模块交互</a:t>
             </a:r>
-            <a:endParaRPr lang="zh-CN" altLang="en-US"/>
+            <a:endParaRPr lang="zh-CN" altLang="en-US" sz="2400"/>
           </a:p>
         </p:txBody>
       </p:sp>
@@ -10376,7 +10909,7 @@
 </p:sld>
 </file>
 
-<file path=ppt/slides/slide21.xml><?xml version="1.0" encoding="utf-8"?>
+<file path=ppt/slides/slide22.xml><?xml version="1.0" encoding="utf-8"?>
 <p:sld xmlns:a="http://schemas.openxmlformats.org/drawingml/2006/main" xmlns:r="http://schemas.openxmlformats.org/officeDocument/2006/relationships" xmlns:p="http://schemas.openxmlformats.org/presentationml/2006/main">
   <p:cSld>
     <p:spTree>
@@ -10401,18 +10934,62 @@
           <a:bodyPr/>
           <a:p>
             <a:r>
-              <a:rPr lang="zh-CN" altLang="en-US"/>
+              <a:rPr lang="zh-CN" altLang="en-US">
+                <a:solidFill>
+                  <a:schemeClr val="tx1"/>
+                </a:solidFill>
+                <a:effectLst>
+                  <a:outerShdw blurRad="38100" dist="19050" dir="2700000" algn="tl" rotWithShape="0">
+                    <a:schemeClr val="dk1">
+                      <a:alpha val="40000"/>
+                    </a:schemeClr>
+                  </a:outerShdw>
+                </a:effectLst>
+              </a:rPr>
               <a:t>底层渲染器</a:t>
             </a:r>
             <a:r>
-              <a:rPr lang="en-US" altLang="zh-CN"/>
+              <a:rPr lang="en-US" altLang="zh-CN">
+                <a:solidFill>
+                  <a:schemeClr val="tx1"/>
+                </a:solidFill>
+                <a:effectLst>
+                  <a:outerShdw blurRad="38100" dist="19050" dir="2700000" algn="tl" rotWithShape="0">
+                    <a:schemeClr val="dk1">
+                      <a:alpha val="40000"/>
+                    </a:schemeClr>
+                  </a:outerShdw>
+                </a:effectLst>
+              </a:rPr>
               <a:t>/SDK</a:t>
             </a:r>
             <a:r>
-              <a:rPr lang="zh-CN" altLang="en-US"/>
+              <a:rPr lang="zh-CN" altLang="en-US">
+                <a:solidFill>
+                  <a:schemeClr val="tx1"/>
+                </a:solidFill>
+                <a:effectLst>
+                  <a:outerShdw blurRad="38100" dist="19050" dir="2700000" algn="tl" rotWithShape="0">
+                    <a:schemeClr val="dk1">
+                      <a:alpha val="40000"/>
+                    </a:schemeClr>
+                  </a:outerShdw>
+                </a:effectLst>
+              </a:rPr>
               <a:t>无关部分</a:t>
             </a:r>
-            <a:endParaRPr lang="zh-CN" altLang="en-US"/>
+            <a:endParaRPr lang="zh-CN" altLang="en-US">
+              <a:solidFill>
+                <a:schemeClr val="tx1"/>
+              </a:solidFill>
+              <a:effectLst>
+                <a:outerShdw blurRad="38100" dist="19050" dir="2700000" algn="tl" rotWithShape="0">
+                  <a:schemeClr val="dk1">
+                    <a:alpha val="40000"/>
+                  </a:schemeClr>
+                </a:outerShdw>
+              </a:effectLst>
+            </a:endParaRPr>
           </a:p>
         </p:txBody>
       </p:sp>
@@ -10479,7 +11056,7 @@
 </p:sld>
 </file>
 
-<file path=ppt/slides/slide22.xml><?xml version="1.0" encoding="utf-8"?>
+<file path=ppt/slides/slide23.xml><?xml version="1.0" encoding="utf-8"?>
 <p:sld xmlns:a="http://schemas.openxmlformats.org/drawingml/2006/main" xmlns:r="http://schemas.openxmlformats.org/officeDocument/2006/relationships" xmlns:p="http://schemas.openxmlformats.org/presentationml/2006/main">
   <p:cSld>
     <p:spTree>
@@ -10507,23 +11084,65 @@
           <a:p>
             <a:r>
               <a:rPr lang="zh-CN" altLang="en-US">
+                <a:solidFill>
+                  <a:schemeClr val="tx1"/>
+                </a:solidFill>
+                <a:effectLst>
+                  <a:outerShdw blurRad="38100" dist="19050" dir="2700000" algn="tl" rotWithShape="0">
+                    <a:schemeClr val="dk1">
+                      <a:alpha val="40000"/>
+                    </a:schemeClr>
+                  </a:outerShdw>
+                </a:effectLst>
                 <a:sym typeface="+mn-ea"/>
               </a:rPr>
               <a:t>底层渲染器</a:t>
             </a:r>
             <a:r>
               <a:rPr lang="en-US" altLang="zh-CN">
+                <a:solidFill>
+                  <a:schemeClr val="tx1"/>
+                </a:solidFill>
+                <a:effectLst>
+                  <a:outerShdw blurRad="38100" dist="19050" dir="2700000" algn="tl" rotWithShape="0">
+                    <a:schemeClr val="dk1">
+                      <a:alpha val="40000"/>
+                    </a:schemeClr>
+                  </a:outerShdw>
+                </a:effectLst>
                 <a:sym typeface="+mn-ea"/>
               </a:rPr>
               <a:t>/SDK</a:t>
             </a:r>
             <a:r>
               <a:rPr lang="zh-CN" altLang="en-US">
+                <a:solidFill>
+                  <a:schemeClr val="tx1"/>
+                </a:solidFill>
+                <a:effectLst>
+                  <a:outerShdw blurRad="38100" dist="19050" dir="2700000" algn="tl" rotWithShape="0">
+                    <a:schemeClr val="dk1">
+                      <a:alpha val="40000"/>
+                    </a:schemeClr>
+                  </a:outerShdw>
+                </a:effectLst>
                 <a:sym typeface="+mn-ea"/>
               </a:rPr>
               <a:t>无关部分图解</a:t>
             </a:r>
-            <a:endParaRPr lang="zh-CN" altLang="en-US"/>
+            <a:endParaRPr lang="zh-CN" altLang="en-US">
+              <a:solidFill>
+                <a:schemeClr val="tx1"/>
+              </a:solidFill>
+              <a:effectLst>
+                <a:outerShdw blurRad="38100" dist="19050" dir="2700000" algn="tl" rotWithShape="0">
+                  <a:schemeClr val="dk1">
+                    <a:alpha val="40000"/>
+                  </a:schemeClr>
+                </a:outerShdw>
+              </a:effectLst>
+              <a:sym typeface="+mn-ea"/>
+            </a:endParaRPr>
           </a:p>
         </p:txBody>
       </p:sp>
@@ -10562,7 +11181,7 @@
         <p:spPr>
           <a:xfrm>
             <a:off x="6940550" y="2820670"/>
-            <a:ext cx="3048000" cy="368300"/>
+            <a:ext cx="3048000" cy="460375"/>
           </a:xfrm>
           <a:prstGeom prst="rect">
             <a:avLst/>
@@ -10575,18 +11194,18 @@
           </a:bodyPr>
           <a:p>
             <a:r>
-              <a:rPr lang="zh-CN" altLang="en-US"/>
+              <a:rPr lang="zh-CN" altLang="en-US" sz="2400"/>
               <a:t>与</a:t>
             </a:r>
             <a:r>
-              <a:rPr lang="en-US" altLang="zh-CN"/>
+              <a:rPr lang="en-US" altLang="zh-CN" sz="2400"/>
               <a:t>SDK</a:t>
             </a:r>
             <a:r>
-              <a:rPr lang="zh-CN" altLang="en-US"/>
+              <a:rPr lang="zh-CN" altLang="en-US" sz="2400"/>
               <a:t>相关层的协作</a:t>
             </a:r>
-            <a:endParaRPr lang="zh-CN" altLang="en-US"/>
+            <a:endParaRPr lang="zh-CN" altLang="en-US" sz="2400"/>
           </a:p>
         </p:txBody>
       </p:sp>
@@ -10601,7 +11220,7 @@
 </p:sld>
 </file>
 
-<file path=ppt/slides/slide23.xml><?xml version="1.0" encoding="utf-8"?>
+<file path=ppt/slides/slide24.xml><?xml version="1.0" encoding="utf-8"?>
 <p:sld xmlns:a="http://schemas.openxmlformats.org/drawingml/2006/main" xmlns:r="http://schemas.openxmlformats.org/officeDocument/2006/relationships" xmlns:p="http://schemas.openxmlformats.org/presentationml/2006/main">
   <p:cSld>
     <p:spTree>
@@ -10626,10 +11245,32 @@
           <a:bodyPr/>
           <a:p>
             <a:r>
-              <a:rPr lang="zh-CN" altLang="en-US"/>
+              <a:rPr lang="zh-CN" altLang="en-US">
+                <a:solidFill>
+                  <a:schemeClr val="tx1"/>
+                </a:solidFill>
+                <a:effectLst>
+                  <a:outerShdw blurRad="38100" dist="19050" dir="2700000" algn="tl" rotWithShape="0">
+                    <a:schemeClr val="dk1">
+                      <a:alpha val="40000"/>
+                    </a:schemeClr>
+                  </a:outerShdw>
+                </a:effectLst>
+              </a:rPr>
               <a:t>资源管理模块</a:t>
             </a:r>
-            <a:endParaRPr lang="zh-CN" altLang="en-US"/>
+            <a:endParaRPr lang="zh-CN" altLang="en-US">
+              <a:solidFill>
+                <a:schemeClr val="tx1"/>
+              </a:solidFill>
+              <a:effectLst>
+                <a:outerShdw blurRad="38100" dist="19050" dir="2700000" algn="tl" rotWithShape="0">
+                  <a:schemeClr val="dk1">
+                    <a:alpha val="40000"/>
+                  </a:schemeClr>
+                </a:outerShdw>
+              </a:effectLst>
+            </a:endParaRPr>
           </a:p>
         </p:txBody>
       </p:sp>
@@ -10680,7 +11321,7 @@
 </p:sld>
 </file>
 
-<file path=ppt/slides/slide24.xml><?xml version="1.0" encoding="utf-8"?>
+<file path=ppt/slides/slide25.xml><?xml version="1.0" encoding="utf-8"?>
 <p:sld xmlns:a="http://schemas.openxmlformats.org/drawingml/2006/main" xmlns:r="http://schemas.openxmlformats.org/officeDocument/2006/relationships" xmlns:p="http://schemas.openxmlformats.org/presentationml/2006/main">
   <p:cSld>
     <p:spTree>
@@ -10705,10 +11346,32 @@
           <a:bodyPr/>
           <a:p>
             <a:r>
-              <a:rPr lang="zh-CN" altLang="en-US"/>
+              <a:rPr lang="zh-CN" altLang="en-US">
+                <a:solidFill>
+                  <a:schemeClr val="tx1"/>
+                </a:solidFill>
+                <a:effectLst>
+                  <a:outerShdw blurRad="38100" dist="19050" dir="2700000" algn="tl" rotWithShape="0">
+                    <a:schemeClr val="dk1">
+                      <a:alpha val="40000"/>
+                    </a:schemeClr>
+                  </a:outerShdw>
+                </a:effectLst>
+              </a:rPr>
               <a:t>资源管理模块图解</a:t>
             </a:r>
-            <a:endParaRPr lang="zh-CN" altLang="en-US"/>
+            <a:endParaRPr lang="zh-CN" altLang="en-US">
+              <a:solidFill>
+                <a:schemeClr val="tx1"/>
+              </a:solidFill>
+              <a:effectLst>
+                <a:outerShdw blurRad="38100" dist="19050" dir="2700000" algn="tl" rotWithShape="0">
+                  <a:schemeClr val="dk1">
+                    <a:alpha val="40000"/>
+                  </a:schemeClr>
+                </a:outerShdw>
+              </a:effectLst>
+            </a:endParaRPr>
           </a:p>
         </p:txBody>
       </p:sp>
@@ -10785,7 +11448,7 @@
 </p:sld>
 </file>
 
-<file path=ppt/slides/slide25.xml><?xml version="1.0" encoding="utf-8"?>
+<file path=ppt/slides/slide26.xml><?xml version="1.0" encoding="utf-8"?>
 <p:sld xmlns:a="http://schemas.openxmlformats.org/drawingml/2006/main" xmlns:r="http://schemas.openxmlformats.org/officeDocument/2006/relationships" xmlns:p="http://schemas.openxmlformats.org/presentationml/2006/main">
   <p:cSld>
     <p:spTree>
@@ -10810,10 +11473,32 @@
           <a:bodyPr/>
           <a:p>
             <a:r>
-              <a:rPr lang="zh-CN" altLang="en-US"/>
+              <a:rPr lang="zh-CN" altLang="en-US">
+                <a:solidFill>
+                  <a:schemeClr val="tx1"/>
+                </a:solidFill>
+                <a:effectLst>
+                  <a:outerShdw blurRad="38100" dist="19050" dir="2700000" algn="tl" rotWithShape="0">
+                    <a:schemeClr val="dk1">
+                      <a:alpha val="40000"/>
+                    </a:schemeClr>
+                  </a:outerShdw>
+                </a:effectLst>
+              </a:rPr>
               <a:t>资源管理模块展示</a:t>
             </a:r>
-            <a:endParaRPr lang="zh-CN" altLang="en-US"/>
+            <a:endParaRPr lang="zh-CN" altLang="en-US">
+              <a:solidFill>
+                <a:schemeClr val="tx1"/>
+              </a:solidFill>
+              <a:effectLst>
+                <a:outerShdw blurRad="38100" dist="19050" dir="2700000" algn="tl" rotWithShape="0">
+                  <a:schemeClr val="dk1">
+                    <a:alpha val="40000"/>
+                  </a:schemeClr>
+                </a:outerShdw>
+              </a:effectLst>
+            </a:endParaRPr>
           </a:p>
         </p:txBody>
       </p:sp>
@@ -10852,7 +11537,7 @@
         <p:spPr>
           <a:xfrm>
             <a:off x="3935730" y="6263005"/>
-            <a:ext cx="3046095" cy="368300"/>
+            <a:ext cx="3046095" cy="460375"/>
           </a:xfrm>
           <a:prstGeom prst="rect">
             <a:avLst/>
@@ -10866,14 +11551,14 @@
           <a:p>
             <a:pPr algn="ctr"/>
             <a:r>
-              <a:rPr lang="zh-CN" altLang="en-US"/>
+              <a:rPr lang="zh-CN" altLang="en-US" sz="2400"/>
               <a:t>资源释放</a:t>
             </a:r>
             <a:r>
-              <a:rPr lang="en-US" altLang="zh-CN"/>
+              <a:rPr lang="en-US" altLang="zh-CN" sz="2400"/>
               <a:t>log</a:t>
             </a:r>
-            <a:endParaRPr lang="en-US" altLang="zh-CN"/>
+            <a:endParaRPr lang="en-US" altLang="zh-CN" sz="2400"/>
           </a:p>
         </p:txBody>
       </p:sp>
@@ -10910,7 +11595,7 @@
         <p:spPr>
           <a:xfrm>
             <a:off x="5009515" y="2226945"/>
-            <a:ext cx="4941570" cy="368300"/>
+            <a:ext cx="4941570" cy="460375"/>
           </a:xfrm>
           <a:prstGeom prst="rect">
             <a:avLst/>
@@ -10923,18 +11608,18 @@
           </a:bodyPr>
           <a:p>
             <a:r>
-              <a:rPr lang="zh-CN" altLang="en-US"/>
+              <a:rPr lang="zh-CN" altLang="en-US" sz="2400"/>
               <a:t>资源申请</a:t>
             </a:r>
             <a:r>
-              <a:rPr lang="en-US" altLang="zh-CN"/>
+              <a:rPr lang="en-US" altLang="zh-CN" sz="2400"/>
               <a:t>log</a:t>
             </a:r>
             <a:r>
-              <a:rPr lang="zh-CN" altLang="en-US"/>
+              <a:rPr lang="zh-CN" altLang="en-US" sz="2400"/>
               <a:t>（仅创建时记录）</a:t>
             </a:r>
-            <a:endParaRPr lang="zh-CN" altLang="en-US"/>
+            <a:endParaRPr lang="zh-CN" altLang="en-US" sz="2400"/>
           </a:p>
         </p:txBody>
       </p:sp>
@@ -10949,7 +11634,7 @@
 </p:sld>
 </file>
 
-<file path=ppt/slides/slide26.xml><?xml version="1.0" encoding="utf-8"?>
+<file path=ppt/slides/slide27.xml><?xml version="1.0" encoding="utf-8"?>
 <p:sld xmlns:a="http://schemas.openxmlformats.org/drawingml/2006/main" xmlns:r="http://schemas.openxmlformats.org/officeDocument/2006/relationships" xmlns:p="http://schemas.openxmlformats.org/presentationml/2006/main">
   <p:cSld>
     <p:spTree>
@@ -10981,7 +11666,18 @@
           </a:bodyPr>
           <a:p>
             <a:r>
-              <a:rPr lang="zh-CN" altLang="en-US"/>
+              <a:rPr lang="zh-CN" altLang="en-US">
+                <a:solidFill>
+                  <a:schemeClr val="tx1"/>
+                </a:solidFill>
+                <a:effectLst>
+                  <a:outerShdw blurRad="38100" dist="19050" dir="2700000" algn="tl" rotWithShape="0">
+                    <a:schemeClr val="dk1">
+                      <a:alpha val="40000"/>
+                    </a:schemeClr>
+                  </a:outerShdw>
+                </a:effectLst>
+              </a:rPr>
               <a:t>平台无关模块</a:t>
             </a:r>
             <a:br>
@@ -11045,7 +11741,7 @@
 </p:sld>
 </file>
 
-<file path=ppt/slides/slide27.xml><?xml version="1.0" encoding="utf-8"?>
+<file path=ppt/slides/slide28.xml><?xml version="1.0" encoding="utf-8"?>
 <p:sld xmlns:a="http://schemas.openxmlformats.org/drawingml/2006/main" xmlns:r="http://schemas.openxmlformats.org/officeDocument/2006/relationships" xmlns:p="http://schemas.openxmlformats.org/presentationml/2006/main">
   <p:cSld>
     <p:spTree>
@@ -11070,10 +11766,32 @@
           <a:bodyPr/>
           <a:p>
             <a:r>
-              <a:rPr lang="zh-CN" altLang="en-US"/>
+              <a:rPr lang="zh-CN" altLang="en-US">
+                <a:solidFill>
+                  <a:schemeClr val="tx1"/>
+                </a:solidFill>
+                <a:effectLst>
+                  <a:outerShdw blurRad="38100" dist="19050" dir="2700000" algn="tl" rotWithShape="0">
+                    <a:schemeClr val="dk1">
+                      <a:alpha val="40000"/>
+                    </a:schemeClr>
+                  </a:outerShdw>
+                </a:effectLst>
+              </a:rPr>
               <a:t>平台无关模块图解</a:t>
             </a:r>
-            <a:endParaRPr lang="zh-CN" altLang="en-US"/>
+            <a:endParaRPr lang="zh-CN" altLang="en-US">
+              <a:solidFill>
+                <a:schemeClr val="tx1"/>
+              </a:solidFill>
+              <a:effectLst>
+                <a:outerShdw blurRad="38100" dist="19050" dir="2700000" algn="tl" rotWithShape="0">
+                  <a:schemeClr val="dk1">
+                    <a:alpha val="40000"/>
+                  </a:schemeClr>
+                </a:outerShdw>
+              </a:effectLst>
+            </a:endParaRPr>
           </a:p>
         </p:txBody>
       </p:sp>
@@ -11085,8 +11803,8 @@
         </p:nvSpPr>
         <p:spPr>
           <a:xfrm>
-            <a:off x="7482205" y="2355850"/>
-            <a:ext cx="3871595" cy="368300"/>
+            <a:off x="7402830" y="2355850"/>
+            <a:ext cx="4787900" cy="460375"/>
           </a:xfrm>
           <a:prstGeom prst="rect">
             <a:avLst/>
@@ -11099,10 +11817,10 @@
           </a:bodyPr>
           <a:p>
             <a:r>
-              <a:rPr lang="zh-CN" altLang="en-US"/>
+              <a:rPr lang="zh-CN" altLang="en-US" sz="2400"/>
               <a:t>与操作系统交互，初始化绘图环境</a:t>
             </a:r>
-            <a:endParaRPr lang="zh-CN" altLang="en-US"/>
+            <a:endParaRPr lang="zh-CN" altLang="en-US" sz="2400"/>
           </a:p>
         </p:txBody>
       </p:sp>
@@ -11165,7 +11883,7 @@
         <p:spPr>
           <a:xfrm>
             <a:off x="7720965" y="4612005"/>
-            <a:ext cx="3393440" cy="368300"/>
+            <a:ext cx="3393440" cy="460375"/>
           </a:xfrm>
           <a:prstGeom prst="rect">
             <a:avLst/>
@@ -11178,12 +11896,12 @@
           </a:bodyPr>
           <a:p>
             <a:r>
-              <a:rPr lang="zh-CN" altLang="en-US">
+              <a:rPr lang="zh-CN" altLang="en-US" sz="2400">
                 <a:sym typeface="+mn-ea"/>
               </a:rPr>
               <a:t>调场景管理模块的接口</a:t>
             </a:r>
-            <a:endParaRPr lang="zh-CN" altLang="en-US"/>
+            <a:endParaRPr lang="zh-CN" altLang="en-US" sz="2400"/>
           </a:p>
         </p:txBody>
       </p:sp>
@@ -11198,7 +11916,7 @@
 </p:sld>
 </file>
 
-<file path=ppt/slides/slide28.xml><?xml version="1.0" encoding="utf-8"?>
+<file path=ppt/slides/slide29.xml><?xml version="1.0" encoding="utf-8"?>
 <p:sld xmlns:a="http://schemas.openxmlformats.org/drawingml/2006/main" xmlns:r="http://schemas.openxmlformats.org/officeDocument/2006/relationships" xmlns:p="http://schemas.openxmlformats.org/presentationml/2006/main">
   <p:cSld>
     <p:spTree>
@@ -11223,10 +11941,32 @@
           <a:bodyPr/>
           <a:p>
             <a:r>
-              <a:rPr lang="zh-CN" altLang="en-US"/>
+              <a:rPr lang="zh-CN" altLang="en-US">
+                <a:solidFill>
+                  <a:schemeClr val="tx1"/>
+                </a:solidFill>
+                <a:effectLst>
+                  <a:outerShdw blurRad="38100" dist="19050" dir="2700000" algn="tl" rotWithShape="0">
+                    <a:schemeClr val="dk1">
+                      <a:alpha val="40000"/>
+                    </a:schemeClr>
+                  </a:outerShdw>
+                </a:effectLst>
+              </a:rPr>
               <a:t>一帧的渲染过程</a:t>
             </a:r>
-            <a:endParaRPr lang="zh-CN" altLang="en-US"/>
+            <a:endParaRPr lang="zh-CN" altLang="en-US">
+              <a:solidFill>
+                <a:schemeClr val="tx1"/>
+              </a:solidFill>
+              <a:effectLst>
+                <a:outerShdw blurRad="38100" dist="19050" dir="2700000" algn="tl" rotWithShape="0">
+                  <a:schemeClr val="dk1">
+                    <a:alpha val="40000"/>
+                  </a:schemeClr>
+                </a:outerShdw>
+              </a:effectLst>
+            </a:endParaRPr>
           </a:p>
         </p:txBody>
       </p:sp>
@@ -11267,7 +12007,7 @@
 </p:sld>
 </file>
 
-<file path=ppt/slides/slide29.xml><?xml version="1.0" encoding="utf-8"?>
+<file path=ppt/slides/slide3.xml><?xml version="1.0" encoding="utf-8"?>
 <p:sld xmlns:a="http://schemas.openxmlformats.org/drawingml/2006/main" xmlns:r="http://schemas.openxmlformats.org/officeDocument/2006/relationships" xmlns:p="http://schemas.openxmlformats.org/presentationml/2006/main">
   <p:cSld>
     <p:spTree>
@@ -11366,11 +12106,31 @@
           <a:p>
             <a:r>
               <a:rPr lang="zh-CN" altLang="en-US" sz="4000">
+                <a:solidFill>
+                  <a:schemeClr val="tx1"/>
+                </a:solidFill>
+                <a:effectLst>
+                  <a:outerShdw blurRad="38100" dist="19050" dir="2700000" algn="tl" rotWithShape="0">
+                    <a:schemeClr val="dk1">
+                      <a:alpha val="40000"/>
+                    </a:schemeClr>
+                  </a:outerShdw>
+                </a:effectLst>
                 <a:sym typeface="+mn-lt"/>
               </a:rPr>
-              <a:t>成果展示</a:t>
-            </a:r>
-            <a:endParaRPr lang="en-US" altLang="zh-CN" sz="4000">
+              <a:t>绪论</a:t>
+            </a:r>
+            <a:endParaRPr lang="zh-CN" altLang="en-US" sz="4000">
+              <a:solidFill>
+                <a:schemeClr val="tx1"/>
+              </a:solidFill>
+              <a:effectLst>
+                <a:outerShdw blurRad="38100" dist="19050" dir="2700000" algn="tl" rotWithShape="0">
+                  <a:schemeClr val="dk1">
+                    <a:alpha val="40000"/>
+                  </a:schemeClr>
+                </a:outerShdw>
+              </a:effectLst>
               <a:sym typeface="+mn-lt"/>
             </a:endParaRPr>
           </a:p>
@@ -11398,15 +12158,9 @@
               <a:rPr lang="zh-CN" altLang="en-US" dirty="0">
                 <a:sym typeface="+mn-lt"/>
               </a:rPr>
-              <a:t>通过可执行程序展示引擎</a:t>
-            </a:r>
-            <a:r>
-              <a:rPr lang="en-US" altLang="zh-CN" dirty="0">
-                <a:sym typeface="+mn-lt"/>
-              </a:rPr>
-              <a:t>demo</a:t>
-            </a:r>
-            <a:endParaRPr lang="en-US" altLang="zh-CN" dirty="0">
+              <a:t>研究背景及原因</a:t>
+            </a:r>
+            <a:endParaRPr lang="zh-CN" altLang="en-US" dirty="0">
               <a:sym typeface="+mn-lt"/>
             </a:endParaRPr>
           </a:p>
@@ -11579,7 +12333,7 @@
                 <a:cs typeface="+mn-ea"/>
                 <a:sym typeface="+mn-lt"/>
               </a:rPr>
-              <a:t>04</a:t>
+              <a:t>01</a:t>
             </a:r>
             <a:endParaRPr lang="zh-CN" altLang="en-US" sz="7995" b="1" dirty="0">
               <a:solidFill>
@@ -11772,7 +12526,7 @@
 </p:sld>
 </file>
 
-<file path=ppt/slides/slide3.xml><?xml version="1.0" encoding="utf-8"?>
+<file path=ppt/slides/slide30.xml><?xml version="1.0" encoding="utf-8"?>
 <p:sld xmlns:a="http://schemas.openxmlformats.org/drawingml/2006/main" xmlns:r="http://schemas.openxmlformats.org/officeDocument/2006/relationships" xmlns:p="http://schemas.openxmlformats.org/presentationml/2006/main">
   <p:cSld>
     <p:spTree>
@@ -11871,11 +12625,31 @@
           <a:p>
             <a:r>
               <a:rPr lang="zh-CN" altLang="en-US" sz="4000">
+                <a:solidFill>
+                  <a:schemeClr val="tx1"/>
+                </a:solidFill>
+                <a:effectLst>
+                  <a:outerShdw blurRad="38100" dist="19050" dir="2700000" algn="tl" rotWithShape="0">
+                    <a:schemeClr val="dk1">
+                      <a:alpha val="40000"/>
+                    </a:schemeClr>
+                  </a:outerShdw>
+                </a:effectLst>
                 <a:sym typeface="+mn-lt"/>
               </a:rPr>
-              <a:t>绪论</a:t>
+              <a:t>成果展示</a:t>
             </a:r>
             <a:endParaRPr lang="zh-CN" altLang="en-US" sz="4000">
+              <a:solidFill>
+                <a:schemeClr val="tx1"/>
+              </a:solidFill>
+              <a:effectLst>
+                <a:outerShdw blurRad="38100" dist="19050" dir="2700000" algn="tl" rotWithShape="0">
+                  <a:schemeClr val="dk1">
+                    <a:alpha val="40000"/>
+                  </a:schemeClr>
+                </a:outerShdw>
+              </a:effectLst>
               <a:sym typeface="+mn-lt"/>
             </a:endParaRPr>
           </a:p>
@@ -11903,9 +12677,15 @@
               <a:rPr lang="zh-CN" altLang="en-US" dirty="0">
                 <a:sym typeface="+mn-lt"/>
               </a:rPr>
-              <a:t>研究背景及原因</a:t>
-            </a:r>
-            <a:endParaRPr lang="zh-CN" altLang="en-US" dirty="0">
+              <a:t>通过可执行程序展示引擎</a:t>
+            </a:r>
+            <a:r>
+              <a:rPr lang="en-US" altLang="zh-CN" dirty="0">
+                <a:sym typeface="+mn-lt"/>
+              </a:rPr>
+              <a:t>demo</a:t>
+            </a:r>
+            <a:endParaRPr lang="en-US" altLang="zh-CN" dirty="0">
               <a:sym typeface="+mn-lt"/>
             </a:endParaRPr>
           </a:p>
@@ -12078,7 +12858,7 @@
                 <a:cs typeface="+mn-ea"/>
                 <a:sym typeface="+mn-lt"/>
               </a:rPr>
-              <a:t>01</a:t>
+              <a:t>04</a:t>
             </a:r>
             <a:endParaRPr lang="zh-CN" altLang="en-US" sz="7995" b="1" dirty="0">
               <a:solidFill>
@@ -12271,7 +13051,7 @@
 </p:sld>
 </file>
 
-<file path=ppt/slides/slide30.xml><?xml version="1.0" encoding="utf-8"?>
+<file path=ppt/slides/slide31.xml><?xml version="1.0" encoding="utf-8"?>
 <p:sld xmlns:a="http://schemas.openxmlformats.org/drawingml/2006/main" xmlns:r="http://schemas.openxmlformats.org/officeDocument/2006/relationships" xmlns:p="http://schemas.openxmlformats.org/presentationml/2006/main">
   <p:cSld>
     <p:spTree>
@@ -12333,11 +13113,31 @@
           <a:p>
             <a:r>
               <a:rPr lang="zh-CN" altLang="en-US" dirty="0">
+                <a:solidFill>
+                  <a:schemeClr val="tx1"/>
+                </a:solidFill>
+                <a:effectLst>
+                  <a:outerShdw blurRad="38100" dist="19050" dir="2700000" algn="tl" rotWithShape="0">
+                    <a:schemeClr val="dk1">
+                      <a:alpha val="40000"/>
+                    </a:schemeClr>
+                  </a:outerShdw>
+                </a:effectLst>
                 <a:sym typeface="+mn-lt"/>
               </a:rPr>
               <a:t>成果展示</a:t>
             </a:r>
             <a:endParaRPr lang="zh-CN" altLang="en-US" dirty="0">
+              <a:solidFill>
+                <a:schemeClr val="tx1"/>
+              </a:solidFill>
+              <a:effectLst>
+                <a:outerShdw blurRad="38100" dist="19050" dir="2700000" algn="tl" rotWithShape="0">
+                  <a:schemeClr val="dk1">
+                    <a:alpha val="40000"/>
+                  </a:schemeClr>
+                </a:outerShdw>
+              </a:effectLst>
               <a:sym typeface="+mn-lt"/>
             </a:endParaRPr>
           </a:p>
@@ -12355,7 +13155,7 @@
         </p:nvSpPr>
         <p:spPr>
           <a:xfrm>
-            <a:off x="1075863" y="2587788"/>
+            <a:off x="866313" y="2597948"/>
             <a:ext cx="10040274" cy="891609"/>
           </a:xfrm>
           <a:prstGeom prst="rect">
@@ -12609,7 +13409,7 @@
 </p:sld>
 </file>
 
-<file path=ppt/slides/slide31.xml><?xml version="1.0" encoding="utf-8"?>
+<file path=ppt/slides/slide32.xml><?xml version="1.0" encoding="utf-8"?>
 <p:sld xmlns:a="http://schemas.openxmlformats.org/drawingml/2006/main" xmlns:r="http://schemas.openxmlformats.org/officeDocument/2006/relationships" xmlns:p="http://schemas.openxmlformats.org/presentationml/2006/main">
   <p:cSld>
     <p:spTree>
@@ -12634,10 +13434,32 @@
           <a:bodyPr/>
           <a:p>
             <a:r>
-              <a:rPr lang="zh-CN" altLang="en-US"/>
+              <a:rPr lang="zh-CN" altLang="en-US">
+                <a:solidFill>
+                  <a:schemeClr val="tx1"/>
+                </a:solidFill>
+                <a:effectLst>
+                  <a:outerShdw blurRad="38100" dist="19050" dir="2700000" algn="tl" rotWithShape="0">
+                    <a:schemeClr val="dk1">
+                      <a:alpha val="40000"/>
+                    </a:schemeClr>
+                  </a:outerShdw>
+                </a:effectLst>
+              </a:rPr>
               <a:t>后期维护方向</a:t>
             </a:r>
-            <a:endParaRPr lang="zh-CN" altLang="en-US"/>
+            <a:endParaRPr lang="zh-CN" altLang="en-US">
+              <a:solidFill>
+                <a:schemeClr val="tx1"/>
+              </a:solidFill>
+              <a:effectLst>
+                <a:outerShdw blurRad="38100" dist="19050" dir="2700000" algn="tl" rotWithShape="0">
+                  <a:schemeClr val="dk1">
+                    <a:alpha val="40000"/>
+                  </a:schemeClr>
+                </a:outerShdw>
+              </a:effectLst>
+            </a:endParaRPr>
           </a:p>
         </p:txBody>
       </p:sp>
@@ -12704,7 +13526,7 @@
 </p:sld>
 </file>
 
-<file path=ppt/slides/slide32.xml><?xml version="1.0" encoding="utf-8"?>
+<file path=ppt/slides/slide33.xml><?xml version="1.0" encoding="utf-8"?>
 <p:sld xmlns:a="http://schemas.openxmlformats.org/drawingml/2006/main" xmlns:r="http://schemas.openxmlformats.org/officeDocument/2006/relationships" xmlns:p="http://schemas.openxmlformats.org/presentationml/2006/main">
   <p:cSld>
     <p:spTree>
@@ -12803,11 +13625,31 @@
           <a:p>
             <a:r>
               <a:rPr lang="zh-CN" altLang="en-US" sz="4000">
+                <a:solidFill>
+                  <a:schemeClr val="tx1"/>
+                </a:solidFill>
+                <a:effectLst>
+                  <a:outerShdw blurRad="38100" dist="19050" dir="2700000" algn="tl" rotWithShape="0">
+                    <a:schemeClr val="dk1">
+                      <a:alpha val="40000"/>
+                    </a:schemeClr>
+                  </a:outerShdw>
+                </a:effectLst>
                 <a:sym typeface="+mn-lt"/>
               </a:rPr>
               <a:t>总结展望</a:t>
             </a:r>
             <a:endParaRPr lang="zh-CN" altLang="en-US" sz="4000">
+              <a:solidFill>
+                <a:schemeClr val="tx1"/>
+              </a:solidFill>
+              <a:effectLst>
+                <a:outerShdw blurRad="38100" dist="19050" dir="2700000" algn="tl" rotWithShape="0">
+                  <a:schemeClr val="dk1">
+                    <a:alpha val="40000"/>
+                  </a:schemeClr>
+                </a:outerShdw>
+              </a:effectLst>
               <a:sym typeface="+mn-lt"/>
             </a:endParaRPr>
           </a:p>
@@ -13203,7 +14045,7 @@
 </p:sld>
 </file>
 
-<file path=ppt/slides/slide33.xml><?xml version="1.0" encoding="utf-8"?>
+<file path=ppt/slides/slide34.xml><?xml version="1.0" encoding="utf-8"?>
 <p:sld xmlns:a="http://schemas.openxmlformats.org/drawingml/2006/main" xmlns:r="http://schemas.openxmlformats.org/officeDocument/2006/relationships" xmlns:p="http://schemas.openxmlformats.org/presentationml/2006/main">
   <p:cSld>
     <p:spTree>
@@ -13232,10 +14074,10 @@
         </p:nvGrpSpPr>
         <p:grpSpPr>
           <a:xfrm>
-            <a:off x="1422948" y="1569401"/>
-            <a:ext cx="3066509" cy="5292954"/>
+            <a:off x="1412788" y="1569401"/>
+            <a:ext cx="3019519" cy="5292954"/>
             <a:chOff x="801194" y="2377440"/>
-            <a:chExt cx="2598365" cy="4484914"/>
+            <a:chExt cx="2558549" cy="4484914"/>
           </a:xfrm>
         </p:grpSpPr>
         <p:sp>
@@ -13434,7 +14276,7 @@
           </p:nvSpPr>
           <p:spPr>
             <a:xfrm>
-              <a:off x="1652867" y="4663118"/>
+              <a:off x="1652867" y="5321702"/>
               <a:ext cx="853440" cy="755435"/>
             </a:xfrm>
             <a:prstGeom prst="rect">
@@ -13488,8 +14330,8 @@
           </p:nvSpPr>
           <p:spPr>
             <a:xfrm>
-              <a:off x="1037959" y="3148712"/>
-              <a:ext cx="2361600" cy="382022"/>
+              <a:off x="998143" y="2784446"/>
+              <a:ext cx="2361600" cy="483715"/>
             </a:xfrm>
             <a:prstGeom prst="rect">
               <a:avLst/>
@@ -13514,9 +14356,9 @@
             <a:p>
               <a:pPr algn="ctr"/>
               <a:r>
-                <a:rPr lang="zh-CN" altLang="en-US" sz="1800">
+                <a:rPr lang="zh-CN" altLang="en-US" sz="2400">
                   <a:solidFill>
-                    <a:schemeClr val="accent1"/>
+                    <a:schemeClr val="tx1"/>
                   </a:solidFill>
                   <a:latin typeface="+mj-lt"/>
                   <a:ea typeface="+mj-ea"/>
@@ -13525,9 +14367,9 @@
                 </a:rPr>
                 <a:t>背景</a:t>
               </a:r>
-              <a:endParaRPr lang="zh-CN" altLang="en-US" sz="1800">
-                <a:solidFill>
-                  <a:schemeClr val="accent1"/>
+              <a:endParaRPr lang="zh-CN" altLang="en-US" sz="2400">
+                <a:solidFill>
+                  <a:schemeClr val="tx1"/>
                 </a:solidFill>
                 <a:latin typeface="+mj-lt"/>
                 <a:ea typeface="+mj-ea"/>
@@ -13550,7 +14392,7 @@
           <p:spPr>
             <a:xfrm>
               <a:off x="997955" y="3537317"/>
-              <a:ext cx="2361600" cy="686563"/>
+              <a:ext cx="2361600" cy="1296184"/>
             </a:xfrm>
             <a:prstGeom prst="rect">
               <a:avLst/>
@@ -13575,12 +14417,12 @@
             <a:p>
               <a:pPr algn="ctr"/>
               <a:r>
-                <a:rPr lang="zh-CN" altLang="fr-FR" sz="1800">
+                <a:rPr lang="zh-CN" altLang="fr-FR" sz="2400">
                   <a:sym typeface="+mn-lt"/>
                 </a:rPr>
                 <a:t>国内在该领域技术水平仍需开发者不断努力</a:t>
               </a:r>
-              <a:endParaRPr lang="zh-CN" altLang="fr-FR" sz="1800">
+              <a:endParaRPr lang="zh-CN" altLang="fr-FR" sz="2400">
                 <a:sym typeface="+mn-lt"/>
               </a:endParaRPr>
             </a:p>
@@ -13801,7 +14643,7 @@
           </p:nvSpPr>
           <p:spPr>
             <a:xfrm>
-              <a:off x="4313334" y="4663118"/>
+              <a:off x="4412337" y="5321702"/>
               <a:ext cx="853440" cy="755435"/>
             </a:xfrm>
             <a:prstGeom prst="rect">
@@ -13855,8 +14697,8 @@
           </p:nvSpPr>
           <p:spPr>
             <a:xfrm>
-              <a:off x="3698426" y="3148712"/>
-              <a:ext cx="2361600" cy="382022"/>
+              <a:off x="3658610" y="2784446"/>
+              <a:ext cx="2361600" cy="483715"/>
             </a:xfrm>
             <a:prstGeom prst="rect">
               <a:avLst/>
@@ -13881,9 +14723,9 @@
             <a:p>
               <a:pPr algn="ctr"/>
               <a:r>
-                <a:rPr lang="zh-CN" altLang="en-US" sz="1800">
+                <a:rPr lang="zh-CN" altLang="en-US" sz="2400">
                   <a:solidFill>
-                    <a:schemeClr val="accent1"/>
+                    <a:schemeClr val="tx1"/>
                   </a:solidFill>
                   <a:latin typeface="+mj-lt"/>
                   <a:ea typeface="+mj-ea"/>
@@ -13892,9 +14734,9 @@
                 </a:rPr>
                 <a:t>设计与实现</a:t>
               </a:r>
-              <a:endParaRPr lang="zh-CN" altLang="en-US" sz="1800">
-                <a:solidFill>
-                  <a:schemeClr val="accent1"/>
+              <a:endParaRPr lang="zh-CN" altLang="en-US" sz="2400">
+                <a:solidFill>
+                  <a:schemeClr val="tx1"/>
                 </a:solidFill>
                 <a:latin typeface="+mj-lt"/>
                 <a:ea typeface="+mj-ea"/>
@@ -13917,7 +14759,7 @@
           <p:spPr>
             <a:xfrm>
               <a:off x="3658422" y="3537317"/>
-              <a:ext cx="2361600" cy="686563"/>
+              <a:ext cx="2361600" cy="1296184"/>
             </a:xfrm>
             <a:prstGeom prst="rect">
               <a:avLst/>
@@ -13942,24 +14784,24 @@
             <a:p>
               <a:pPr algn="ctr"/>
               <a:r>
-                <a:rPr lang="zh-CN" altLang="fr-FR" sz="1800">
+                <a:rPr lang="zh-CN" altLang="fr-FR" sz="2400">
                   <a:sym typeface="+mn-lt"/>
                 </a:rPr>
                 <a:t>实现了一款基于</a:t>
               </a:r>
               <a:r>
-                <a:rPr lang="en-US" altLang="zh-CN" sz="1800">
+                <a:rPr lang="en-US" altLang="zh-CN" sz="2400">
                   <a:sym typeface="+mn-lt"/>
                 </a:rPr>
                 <a:t>OpenGL</a:t>
               </a:r>
               <a:r>
-                <a:rPr lang="zh-CN" altLang="en-US" sz="1800">
+                <a:rPr lang="zh-CN" altLang="en-US" sz="2400">
                   <a:sym typeface="+mn-lt"/>
                 </a:rPr>
                 <a:t>的图形图像渲染引擎</a:t>
               </a:r>
-              <a:endParaRPr lang="zh-CN" altLang="en-US" sz="1800">
+              <a:endParaRPr lang="zh-CN" altLang="en-US" sz="2400">
                 <a:sym typeface="+mn-lt"/>
               </a:endParaRPr>
             </a:p>
@@ -14021,9 +14863,9 @@
         <p:grpSpPr>
           <a:xfrm>
             <a:off x="7805319" y="1569401"/>
-            <a:ext cx="2963734" cy="5292954"/>
+            <a:ext cx="2916744" cy="5292954"/>
             <a:chOff x="6209212" y="2377440"/>
-            <a:chExt cx="2511280" cy="4484914"/>
+            <a:chExt cx="2471464" cy="4484914"/>
           </a:xfrm>
         </p:grpSpPr>
         <p:sp>
@@ -14180,7 +15022,7 @@
           </p:nvSpPr>
           <p:spPr>
             <a:xfrm>
-              <a:off x="6973800" y="4663118"/>
+              <a:off x="7175034" y="5321702"/>
               <a:ext cx="853440" cy="755435"/>
             </a:xfrm>
             <a:prstGeom prst="rect">
@@ -14234,8 +15076,8 @@
           </p:nvSpPr>
           <p:spPr>
             <a:xfrm>
-              <a:off x="6358892" y="3148712"/>
-              <a:ext cx="2361600" cy="382022"/>
+              <a:off x="6319076" y="2784446"/>
+              <a:ext cx="2361600" cy="483715"/>
             </a:xfrm>
             <a:prstGeom prst="rect">
               <a:avLst/>
@@ -14260,9 +15102,9 @@
             <a:p>
               <a:pPr algn="ctr"/>
               <a:r>
-                <a:rPr lang="zh-CN" altLang="en-US" sz="1800">
+                <a:rPr lang="zh-CN" altLang="en-US" sz="2400">
                   <a:solidFill>
-                    <a:schemeClr val="accent1"/>
+                    <a:schemeClr val="tx1"/>
                   </a:solidFill>
                   <a:latin typeface="+mj-lt"/>
                   <a:ea typeface="+mj-ea"/>
@@ -14271,9 +15113,9 @@
                 </a:rPr>
                 <a:t>分析</a:t>
               </a:r>
-              <a:endParaRPr lang="zh-CN" altLang="en-US" sz="1800">
-                <a:solidFill>
-                  <a:schemeClr val="accent1"/>
+              <a:endParaRPr lang="zh-CN" altLang="en-US" sz="2400">
+                <a:solidFill>
+                  <a:schemeClr val="tx1"/>
                 </a:solidFill>
                 <a:latin typeface="+mj-lt"/>
                 <a:ea typeface="+mj-ea"/>
@@ -14296,7 +15138,7 @@
           <p:spPr>
             <a:xfrm>
               <a:off x="6318888" y="3537317"/>
-              <a:ext cx="2361600" cy="382022"/>
+              <a:ext cx="2361600" cy="889949"/>
             </a:xfrm>
             <a:prstGeom prst="rect">
               <a:avLst/>
@@ -14321,12 +15163,24 @@
             <a:p>
               <a:pPr algn="ctr"/>
               <a:r>
-                <a:rPr lang="zh-CN" altLang="fr-FR" sz="1800">
+                <a:rPr lang="zh-CN" altLang="fr-FR" sz="2400">
                   <a:sym typeface="+mn-lt"/>
                 </a:rPr>
-                <a:t>为后期维护指明方向</a:t>
+                <a:t>为后期维护指明</a:t>
               </a:r>
-              <a:endParaRPr lang="zh-CN" altLang="fr-FR" sz="1800">
+              <a:endParaRPr lang="zh-CN" altLang="fr-FR" sz="2400">
+                <a:sym typeface="+mn-lt"/>
+              </a:endParaRPr>
+            </a:p>
+            <a:p>
+              <a:pPr algn="ctr"/>
+              <a:r>
+                <a:rPr lang="zh-CN" altLang="fr-FR" sz="2400">
+                  <a:sym typeface="+mn-lt"/>
+                </a:rPr>
+                <a:t>方向</a:t>
+              </a:r>
+              <a:endParaRPr lang="zh-CN" altLang="fr-FR" sz="2400">
                 <a:sym typeface="+mn-lt"/>
               </a:endParaRPr>
             </a:p>
@@ -14381,11 +15235,31 @@
           <a:p>
             <a:r>
               <a:rPr lang="zh-CN" altLang="en-US" dirty="0">
+                <a:solidFill>
+                  <a:schemeClr val="tx1"/>
+                </a:solidFill>
+                <a:effectLst>
+                  <a:outerShdw blurRad="38100" dist="19050" dir="2700000" algn="tl" rotWithShape="0">
+                    <a:schemeClr val="dk1">
+                      <a:alpha val="40000"/>
+                    </a:schemeClr>
+                  </a:outerShdw>
+                </a:effectLst>
                 <a:sym typeface="+mn-lt"/>
               </a:rPr>
               <a:t>论文总结</a:t>
             </a:r>
             <a:endParaRPr lang="zh-CN" altLang="en-US" dirty="0">
+              <a:solidFill>
+                <a:schemeClr val="tx1"/>
+              </a:solidFill>
+              <a:effectLst>
+                <a:outerShdw blurRad="38100" dist="19050" dir="2700000" algn="tl" rotWithShape="0">
+                  <a:schemeClr val="dk1">
+                    <a:alpha val="40000"/>
+                  </a:schemeClr>
+                </a:outerShdw>
+              </a:effectLst>
               <a:sym typeface="+mn-lt"/>
             </a:endParaRPr>
           </a:p>
@@ -14402,7 +15276,7 @@
 </p:sld>
 </file>
 
-<file path=ppt/slides/slide34.xml><?xml version="1.0" encoding="utf-8"?>
+<file path=ppt/slides/slide35.xml><?xml version="1.0" encoding="utf-8"?>
 <p:sld xmlns:a="http://schemas.openxmlformats.org/drawingml/2006/main" xmlns:r="http://schemas.openxmlformats.org/officeDocument/2006/relationships" xmlns:p="http://schemas.openxmlformats.org/presentationml/2006/main">
   <p:cSld>
     <p:spTree>
@@ -14515,45 +15389,69 @@
           <a:bodyPr/>
           <a:p>
             <a:r>
-              <a:rPr lang="zh-CN" altLang="en-US"/>
+              <a:rPr lang="zh-CN" altLang="en-US">
+                <a:solidFill>
+                  <a:schemeClr val="tx1"/>
+                </a:solidFill>
+                <a:effectLst>
+                  <a:outerShdw blurRad="38100" dist="19050" dir="2700000" algn="tl" rotWithShape="0">
+                    <a:schemeClr val="dk1">
+                      <a:alpha val="40000"/>
+                    </a:schemeClr>
+                  </a:outerShdw>
+                </a:effectLst>
+              </a:rPr>
               <a:t>概述</a:t>
             </a:r>
+            <a:endParaRPr lang="zh-CN" altLang="en-US">
+              <a:solidFill>
+                <a:schemeClr val="tx1"/>
+              </a:solidFill>
+              <a:effectLst>
+                <a:outerShdw blurRad="38100" dist="19050" dir="2700000" algn="tl" rotWithShape="0">
+                  <a:schemeClr val="dk1">
+                    <a:alpha val="40000"/>
+                  </a:schemeClr>
+                </a:outerShdw>
+              </a:effectLst>
+            </a:endParaRPr>
+          </a:p>
+        </p:txBody>
+      </p:sp>
+      <p:sp>
+        <p:nvSpPr>
+          <p:cNvPr id="3" name="内容占位符 2"/>
+          <p:cNvSpPr>
+            <a:spLocks noGrp="1"/>
+          </p:cNvSpPr>
+          <p:nvPr>
+            <p:ph idx="1"/>
+          </p:nvPr>
+        </p:nvSpPr>
+        <p:spPr/>
+        <p:txBody>
+          <a:bodyPr>
+            <a:normAutofit lnSpcReduction="20000"/>
+          </a:bodyPr>
+          <a:p>
+            <a:r>
+              <a:rPr lang="zh-CN" altLang="en-US" sz="3200"/>
+              <a:t>背景</a:t>
+            </a:r>
             <a:endParaRPr lang="zh-CN" altLang="en-US"/>
           </a:p>
-        </p:txBody>
-      </p:sp>
-      <p:sp>
-        <p:nvSpPr>
-          <p:cNvPr id="3" name="内容占位符 2"/>
-          <p:cNvSpPr>
-            <a:spLocks noGrp="1"/>
-          </p:cNvSpPr>
-          <p:nvPr>
-            <p:ph idx="1"/>
-          </p:nvPr>
-        </p:nvSpPr>
-        <p:spPr/>
-        <p:txBody>
-          <a:bodyPr/>
-          <a:p>
-            <a:r>
-              <a:rPr lang="zh-CN" altLang="en-US"/>
-              <a:t>背景</a:t>
-            </a:r>
-            <a:endParaRPr lang="zh-CN" altLang="en-US"/>
-          </a:p>
-          <a:p>
-            <a:r>
-              <a:rPr lang="zh-CN" altLang="en-US" sz="1600">
+          <a:p>
+            <a:r>
+              <a:rPr lang="zh-CN" altLang="en-US">
                 <a:sym typeface="+mn-ea"/>
               </a:rPr>
               <a:t>计算机图形学是游戏引擎技术、人工智能领域中所有与图像有关技术的基础。</a:t>
             </a:r>
-            <a:endParaRPr lang="zh-CN" altLang="en-US" sz="1600"/>
-          </a:p>
-          <a:p>
-            <a:r>
-              <a:rPr lang="zh-CN" altLang="en-US" sz="1600"/>
+            <a:endParaRPr lang="zh-CN" altLang="en-US"/>
+          </a:p>
+          <a:p>
+            <a:r>
+              <a:rPr lang="zh-CN" altLang="en-US"/>
               <a:t>国外计算机图形技术蓬勃发展，而国内仍处于起步阶段，且发展速度缓慢。</a:t>
             </a:r>
             <a:endParaRPr lang="zh-CN" altLang="en-US" sz="1400"/>
@@ -14565,41 +15463,7 @@
             <a:endParaRPr lang="zh-CN" altLang="en-US" sz="1200"/>
           </a:p>
           <a:p>
-            <a:r>
-              <a:rPr lang="zh-CN" altLang="en-US"/>
-              <a:t>游戏引擎</a:t>
-            </a:r>
             <a:endParaRPr lang="zh-CN" altLang="en-US"/>
-          </a:p>
-          <a:p>
-            <a:r>
-              <a:rPr lang="zh-CN" altLang="en-US" sz="1600"/>
-              <a:t>游戏引擎是一款游戏最核心最底层的代码，直接与操作系统交互，封装游戏开发中不变的部分。</a:t>
-            </a:r>
-            <a:endParaRPr lang="zh-CN" altLang="en-US" sz="1600"/>
-          </a:p>
-          <a:p>
-            <a:r>
-              <a:rPr lang="zh-CN" altLang="en-US" sz="1600"/>
-              <a:t>国外有着著名的游戏引擎</a:t>
-            </a:r>
-            <a:r>
-              <a:rPr lang="en-US" altLang="zh-CN" sz="1600"/>
-              <a:t>——Unreal Engine</a:t>
-            </a:r>
-            <a:r>
-              <a:rPr lang="zh-CN" altLang="en-US" sz="1600"/>
-              <a:t>、</a:t>
-            </a:r>
-            <a:r>
-              <a:rPr lang="en-US" altLang="zh-CN" sz="1600"/>
-              <a:t>Unity3D</a:t>
-            </a:r>
-            <a:r>
-              <a:rPr lang="zh-CN" altLang="en-US" sz="1600"/>
-              <a:t>等。但国内没有影响力巨大的游戏引擎，游戏开发多使用国外现有的底层技术。</a:t>
-            </a:r>
-            <a:endParaRPr lang="zh-CN" altLang="en-US" sz="1600"/>
           </a:p>
         </p:txBody>
       </p:sp>
@@ -14615,6 +15479,144 @@
 </file>
 
 <file path=ppt/slides/slide5.xml><?xml version="1.0" encoding="utf-8"?>
+<p:sld xmlns:a="http://schemas.openxmlformats.org/drawingml/2006/main" xmlns:r="http://schemas.openxmlformats.org/officeDocument/2006/relationships" xmlns:p="http://schemas.openxmlformats.org/presentationml/2006/main">
+  <p:cSld>
+    <p:spTree>
+      <p:nvGrpSpPr>
+        <p:cNvPr id="1" name=""/>
+        <p:cNvGrpSpPr/>
+        <p:nvPr/>
+      </p:nvGrpSpPr>
+      <p:grpSpPr/>
+      <p:sp>
+        <p:nvSpPr>
+          <p:cNvPr id="2" name="标题 1"/>
+          <p:cNvSpPr>
+            <a:spLocks noGrp="1"/>
+          </p:cNvSpPr>
+          <p:nvPr>
+            <p:ph type="title"/>
+          </p:nvPr>
+        </p:nvSpPr>
+        <p:spPr/>
+        <p:txBody>
+          <a:bodyPr>
+            <a:normAutofit/>
+          </a:bodyPr>
+          <a:p>
+            <a:r>
+              <a:rPr lang="zh-CN" altLang="en-US">
+                <a:solidFill>
+                  <a:schemeClr val="tx1"/>
+                </a:solidFill>
+                <a:effectLst>
+                  <a:outerShdw blurRad="38100" dist="19050" dir="2700000" algn="tl" rotWithShape="0">
+                    <a:schemeClr val="dk1">
+                      <a:alpha val="40000"/>
+                    </a:schemeClr>
+                  </a:outerShdw>
+                </a:effectLst>
+                <a:sym typeface="+mn-ea"/>
+              </a:rPr>
+              <a:t>概述</a:t>
+            </a:r>
+            <a:endParaRPr lang="zh-CN" altLang="en-US">
+              <a:solidFill>
+                <a:schemeClr val="tx1"/>
+              </a:solidFill>
+              <a:effectLst>
+                <a:outerShdw blurRad="38100" dist="19050" dir="2700000" algn="tl" rotWithShape="0">
+                  <a:schemeClr val="dk1">
+                    <a:alpha val="40000"/>
+                  </a:schemeClr>
+                </a:outerShdw>
+              </a:effectLst>
+              <a:sym typeface="+mn-ea"/>
+            </a:endParaRPr>
+          </a:p>
+        </p:txBody>
+      </p:sp>
+      <p:sp>
+        <p:nvSpPr>
+          <p:cNvPr id="3" name="内容占位符 2"/>
+          <p:cNvSpPr>
+            <a:spLocks noGrp="1"/>
+          </p:cNvSpPr>
+          <p:nvPr>
+            <p:ph idx="1"/>
+          </p:nvPr>
+        </p:nvSpPr>
+        <p:spPr/>
+        <p:txBody>
+          <a:bodyPr/>
+          <a:p>
+            <a:r>
+              <a:rPr lang="zh-CN" altLang="en-US" sz="3200">
+                <a:sym typeface="+mn-ea"/>
+              </a:rPr>
+              <a:t>游戏引擎</a:t>
+            </a:r>
+            <a:endParaRPr lang="zh-CN" altLang="en-US"/>
+          </a:p>
+          <a:p>
+            <a:r>
+              <a:rPr lang="zh-CN" altLang="en-US">
+                <a:sym typeface="+mn-ea"/>
+              </a:rPr>
+              <a:t>游戏引擎是一款游戏最核心最底层的代码，直接与操作系统交互，封装游戏开发中不变的部分。</a:t>
+            </a:r>
+            <a:endParaRPr lang="zh-CN" altLang="en-US"/>
+          </a:p>
+          <a:p>
+            <a:r>
+              <a:rPr lang="zh-CN" altLang="en-US">
+                <a:sym typeface="+mn-ea"/>
+              </a:rPr>
+              <a:t>国外有着著名的游戏引擎</a:t>
+            </a:r>
+            <a:r>
+              <a:rPr lang="en-US" altLang="zh-CN">
+                <a:sym typeface="+mn-ea"/>
+              </a:rPr>
+              <a:t>——Unreal Engine</a:t>
+            </a:r>
+            <a:r>
+              <a:rPr lang="zh-CN" altLang="en-US">
+                <a:sym typeface="+mn-ea"/>
+              </a:rPr>
+              <a:t>、</a:t>
+            </a:r>
+            <a:r>
+              <a:rPr lang="en-US" altLang="zh-CN">
+                <a:sym typeface="+mn-ea"/>
+              </a:rPr>
+              <a:t>Unity3D</a:t>
+            </a:r>
+            <a:r>
+              <a:rPr lang="zh-CN" altLang="en-US">
+                <a:sym typeface="+mn-ea"/>
+              </a:rPr>
+              <a:t>等。但国内没有影响力巨大的游戏引擎，游戏开发多使用国外现有的底层技术。</a:t>
+            </a:r>
+            <a:endParaRPr lang="zh-CN" altLang="en-US"/>
+          </a:p>
+          <a:p>
+            <a:endParaRPr lang="zh-CN" altLang="en-US"/>
+          </a:p>
+        </p:txBody>
+      </p:sp>
+    </p:spTree>
+    <p:custDataLst>
+      <p:tags r:id="rId1"/>
+    </p:custDataLst>
+  </p:cSld>
+  <p:clrMapOvr>
+    <a:masterClrMapping/>
+  </p:clrMapOvr>
+</p:sld>
+</file>
+
+<file path=ppt/slides/slide6.xml><?xml version="1.0" encoding="utf-8"?>
 <p:sld xmlns:a="http://schemas.openxmlformats.org/drawingml/2006/main" xmlns:r="http://schemas.openxmlformats.org/officeDocument/2006/relationships" xmlns:p="http://schemas.openxmlformats.org/presentationml/2006/main">
   <p:cSld>
     <p:spTree>
@@ -14713,11 +15715,31 @@
           <a:p>
             <a:r>
               <a:rPr lang="zh-CN" altLang="en-US" sz="4000">
+                <a:solidFill>
+                  <a:schemeClr val="tx1"/>
+                </a:solidFill>
+                <a:effectLst>
+                  <a:outerShdw blurRad="38100" dist="19050" dir="2700000" algn="tl" rotWithShape="0">
+                    <a:schemeClr val="dk1">
+                      <a:alpha val="40000"/>
+                    </a:schemeClr>
+                  </a:outerShdw>
+                </a:effectLst>
                 <a:sym typeface="+mn-lt"/>
               </a:rPr>
               <a:t>研究方法</a:t>
             </a:r>
             <a:endParaRPr lang="zh-CN" altLang="en-US" sz="4000">
+              <a:solidFill>
+                <a:schemeClr val="tx1"/>
+              </a:solidFill>
+              <a:effectLst>
+                <a:outerShdw blurRad="38100" dist="19050" dir="2700000" algn="tl" rotWithShape="0">
+                  <a:schemeClr val="dk1">
+                    <a:alpha val="40000"/>
+                  </a:schemeClr>
+                </a:outerShdw>
+              </a:effectLst>
               <a:sym typeface="+mn-lt"/>
             </a:endParaRPr>
           </a:p>
@@ -15113,7 +16135,7 @@
 </p:sld>
 </file>
 
-<file path=ppt/slides/slide6.xml><?xml version="1.0" encoding="utf-8"?>
+<file path=ppt/slides/slide7.xml><?xml version="1.0" encoding="utf-8"?>
 <p:sld xmlns:a="http://schemas.openxmlformats.org/drawingml/2006/main" xmlns:r="http://schemas.openxmlformats.org/officeDocument/2006/relationships" xmlns:p="http://schemas.openxmlformats.org/presentationml/2006/main">
   <p:cSld>
     <p:spTree>
@@ -15138,90 +16160,119 @@
           <a:bodyPr/>
           <a:p>
             <a:r>
+              <a:rPr lang="zh-CN" altLang="en-US">
+                <a:solidFill>
+                  <a:schemeClr val="tx1"/>
+                </a:solidFill>
+                <a:effectLst>
+                  <a:outerShdw blurRad="38100" dist="19050" dir="2700000" algn="tl" rotWithShape="0">
+                    <a:schemeClr val="dk1">
+                      <a:alpha val="40000"/>
+                    </a:schemeClr>
+                  </a:outerShdw>
+                </a:effectLst>
+              </a:rPr>
+              <a:t>如何研究？</a:t>
+            </a:r>
+            <a:endParaRPr lang="zh-CN" altLang="en-US">
+              <a:solidFill>
+                <a:schemeClr val="tx1"/>
+              </a:solidFill>
+              <a:effectLst>
+                <a:outerShdw blurRad="38100" dist="19050" dir="2700000" algn="tl" rotWithShape="0">
+                  <a:schemeClr val="dk1">
+                    <a:alpha val="40000"/>
+                  </a:schemeClr>
+                </a:outerShdw>
+              </a:effectLst>
+            </a:endParaRPr>
+          </a:p>
+        </p:txBody>
+      </p:sp>
+      <p:sp>
+        <p:nvSpPr>
+          <p:cNvPr id="3" name="内容占位符 2"/>
+          <p:cNvSpPr>
+            <a:spLocks noGrp="1"/>
+          </p:cNvSpPr>
+          <p:nvPr>
+            <p:ph idx="1"/>
+          </p:nvPr>
+        </p:nvSpPr>
+        <p:spPr>
+          <a:xfrm>
+            <a:off x="838200" y="1825625"/>
+            <a:ext cx="10854690" cy="4669790"/>
+          </a:xfrm>
+        </p:spPr>
+        <p:txBody>
+          <a:bodyPr>
+            <a:normAutofit lnSpcReduction="10000"/>
+          </a:bodyPr>
+          <a:p>
+            <a:r>
+              <a:rPr lang="zh-CN" altLang="en-US" sz="3200"/>
+              <a:t>理论基础</a:t>
+            </a:r>
+            <a:endParaRPr lang="zh-CN" altLang="en-US"/>
+          </a:p>
+          <a:p>
+            <a:r>
               <a:rPr lang="zh-CN" altLang="en-US"/>
-              <a:t>如何研究？</a:t>
+              <a:t>计算机图形学、</a:t>
+            </a:r>
+            <a:r>
+              <a:rPr lang="en-US" altLang="zh-CN"/>
+              <a:t>3D</a:t>
+            </a:r>
+            <a:r>
+              <a:rPr lang="zh-CN" altLang="en-US"/>
+              <a:t>数学</a:t>
+            </a:r>
+            <a:endParaRPr lang="zh-CN" altLang="en-US" sz="1400"/>
+          </a:p>
+          <a:p>
+            <a:endParaRPr lang="zh-CN" altLang="en-US" sz="1400"/>
+          </a:p>
+          <a:p>
+            <a:r>
+              <a:rPr lang="zh-CN" altLang="en-US" sz="3200"/>
+              <a:t>技术手段</a:t>
             </a:r>
             <a:endParaRPr lang="zh-CN" altLang="en-US"/>
           </a:p>
-        </p:txBody>
-      </p:sp>
-      <p:sp>
-        <p:nvSpPr>
-          <p:cNvPr id="3" name="内容占位符 2"/>
-          <p:cNvSpPr>
-            <a:spLocks noGrp="1"/>
-          </p:cNvSpPr>
-          <p:nvPr>
-            <p:ph idx="1"/>
-          </p:nvPr>
-        </p:nvSpPr>
-        <p:spPr/>
-        <p:txBody>
-          <a:bodyPr/>
-          <a:p>
+          <a:p>
+            <a:r>
+              <a:rPr lang="en-US" altLang="zh-CN"/>
+              <a:t>OpenGL</a:t>
+            </a:r>
             <a:r>
               <a:rPr lang="zh-CN" altLang="en-US"/>
-              <a:t>理论基础</a:t>
-            </a:r>
-            <a:endParaRPr lang="zh-CN" altLang="en-US"/>
-          </a:p>
-          <a:p>
-            <a:r>
-              <a:rPr lang="zh-CN" altLang="en-US" sz="1400"/>
-              <a:t>计算机图形学、</a:t>
-            </a:r>
-            <a:r>
-              <a:rPr lang="en-US" altLang="zh-CN" sz="1400"/>
+              <a:t>、</a:t>
+            </a:r>
+            <a:r>
+              <a:rPr lang="en-US" altLang="zh-CN"/>
+              <a:t>C/C++</a:t>
+            </a:r>
+            <a:endParaRPr lang="en-US" altLang="zh-CN" sz="1400"/>
+          </a:p>
+          <a:p>
+            <a:endParaRPr lang="en-US" altLang="zh-CN" sz="1400"/>
+          </a:p>
+          <a:p>
+            <a:r>
+              <a:rPr lang="zh-CN" altLang="en-US" sz="3200"/>
+              <a:t>实现目标</a:t>
+            </a:r>
+            <a:endParaRPr lang="en-US" altLang="zh-CN" sz="1400"/>
+          </a:p>
+          <a:p>
+            <a:r>
+              <a:rPr lang="en-US" altLang="zh-CN"/>
               <a:t>3D</a:t>
             </a:r>
             <a:r>
-              <a:rPr lang="zh-CN" altLang="en-US" sz="1400"/>
-              <a:t>数学</a:t>
-            </a:r>
-            <a:endParaRPr lang="zh-CN" altLang="en-US" sz="1400"/>
-          </a:p>
-          <a:p>
-            <a:endParaRPr lang="zh-CN" altLang="en-US" sz="1400"/>
-          </a:p>
-          <a:p>
-            <a:r>
               <a:rPr lang="zh-CN" altLang="en-US"/>
-              <a:t>技术手段</a:t>
-            </a:r>
-            <a:endParaRPr lang="zh-CN" altLang="en-US"/>
-          </a:p>
-          <a:p>
-            <a:r>
-              <a:rPr lang="en-US" altLang="zh-CN" sz="1400"/>
-              <a:t>OpenGL</a:t>
-            </a:r>
-            <a:r>
-              <a:rPr lang="zh-CN" altLang="en-US" sz="1400"/>
-              <a:t>、</a:t>
-            </a:r>
-            <a:r>
-              <a:rPr lang="en-US" altLang="zh-CN" sz="1400"/>
-              <a:t>C/C++</a:t>
-            </a:r>
-            <a:endParaRPr lang="en-US" altLang="zh-CN" sz="1400"/>
-          </a:p>
-          <a:p>
-            <a:endParaRPr lang="en-US" altLang="zh-CN" sz="1400"/>
-          </a:p>
-          <a:p>
-            <a:r>
-              <a:rPr lang="zh-CN" altLang="en-US"/>
-              <a:t>实现目标</a:t>
-            </a:r>
-            <a:endParaRPr lang="en-US" altLang="zh-CN" sz="1400"/>
-          </a:p>
-          <a:p>
-            <a:r>
-              <a:rPr lang="en-US" altLang="zh-CN" sz="1400"/>
-              <a:t>3D</a:t>
-            </a:r>
-            <a:r>
-              <a:rPr lang="zh-CN" altLang="en-US" sz="1400"/>
               <a:t>渲染引擎</a:t>
             </a:r>
             <a:endParaRPr lang="zh-CN" altLang="en-US"/>
@@ -15242,7 +16293,7 @@
 </p:sld>
 </file>
 
-<file path=ppt/slides/slide7.xml><?xml version="1.0" encoding="utf-8"?>
+<file path=ppt/slides/slide8.xml><?xml version="1.0" encoding="utf-8"?>
 <p:sld xmlns:a="http://schemas.openxmlformats.org/drawingml/2006/main" xmlns:r="http://schemas.openxmlformats.org/officeDocument/2006/relationships" xmlns:p="http://schemas.openxmlformats.org/presentationml/2006/main">
   <p:cSld>
     <p:spTree>
@@ -15341,11 +16392,31 @@
           <a:p>
             <a:r>
               <a:rPr lang="zh-CN" altLang="en-US" sz="4000">
+                <a:solidFill>
+                  <a:schemeClr val="tx1"/>
+                </a:solidFill>
+                <a:effectLst>
+                  <a:outerShdw blurRad="38100" dist="19050" dir="2700000" algn="tl" rotWithShape="0">
+                    <a:schemeClr val="dk1">
+                      <a:alpha val="40000"/>
+                    </a:schemeClr>
+                  </a:outerShdw>
+                </a:effectLst>
                 <a:sym typeface="+mn-lt"/>
               </a:rPr>
               <a:t>技术实践</a:t>
             </a:r>
             <a:endParaRPr lang="zh-CN" altLang="en-US" sz="4000">
+              <a:solidFill>
+                <a:schemeClr val="tx1"/>
+              </a:solidFill>
+              <a:effectLst>
+                <a:outerShdw blurRad="38100" dist="19050" dir="2700000" algn="tl" rotWithShape="0">
+                  <a:schemeClr val="dk1">
+                    <a:alpha val="40000"/>
+                  </a:schemeClr>
+                </a:outerShdw>
+              </a:effectLst>
               <a:sym typeface="+mn-lt"/>
             </a:endParaRPr>
           </a:p>
@@ -15741,7 +16812,7 @@
 </p:sld>
 </file>
 
-<file path=ppt/slides/slide8.xml><?xml version="1.0" encoding="utf-8"?>
+<file path=ppt/slides/slide9.xml><?xml version="1.0" encoding="utf-8"?>
 <p:sld xmlns:a="http://schemas.openxmlformats.org/drawingml/2006/main" xmlns:r="http://schemas.openxmlformats.org/officeDocument/2006/relationships" xmlns:p="http://schemas.openxmlformats.org/presentationml/2006/main">
   <p:cSld>
     <p:spTree>
@@ -15766,10 +16837,34 @@
           <a:bodyPr/>
           <a:p>
             <a:r>
-              <a:rPr lang="zh-CN" altLang="en-US"/>
+              <a:rPr lang="zh-CN" altLang="en-US">
+                <a:ln/>
+                <a:solidFill>
+                  <a:schemeClr val="tx1"/>
+                </a:solidFill>
+                <a:effectLst>
+                  <a:outerShdw blurRad="38100" dist="19050" dir="2700000" algn="tl" rotWithShape="0">
+                    <a:schemeClr val="dk1">
+                      <a:alpha val="40000"/>
+                    </a:schemeClr>
+                  </a:outerShdw>
+                </a:effectLst>
+              </a:rPr>
               <a:t>软件层次与职能</a:t>
             </a:r>
-            <a:endParaRPr lang="zh-CN" altLang="en-US"/>
+            <a:endParaRPr lang="zh-CN" altLang="en-US">
+              <a:ln/>
+              <a:solidFill>
+                <a:schemeClr val="tx1"/>
+              </a:solidFill>
+              <a:effectLst>
+                <a:outerShdw blurRad="38100" dist="19050" dir="2700000" algn="tl" rotWithShape="0">
+                  <a:schemeClr val="dk1">
+                    <a:alpha val="40000"/>
+                  </a:schemeClr>
+                </a:outerShdw>
+              </a:effectLst>
+            </a:endParaRPr>
           </a:p>
         </p:txBody>
       </p:sp>
@@ -15791,8 +16886,8 @@
         </p:blipFill>
         <p:spPr>
           <a:xfrm>
-            <a:off x="769620" y="2114550"/>
-            <a:ext cx="10152380" cy="3914775"/>
+            <a:off x="-13970" y="2124710"/>
+            <a:ext cx="12188190" cy="4700270"/>
           </a:xfrm>
           <a:prstGeom prst="rect">
             <a:avLst/>
@@ -15810,100 +16905,6 @@
 </p:sld>
 </file>
 
-<file path=ppt/slides/slide9.xml><?xml version="1.0" encoding="utf-8"?>
-<p:sld xmlns:a="http://schemas.openxmlformats.org/drawingml/2006/main" xmlns:r="http://schemas.openxmlformats.org/officeDocument/2006/relationships" xmlns:p="http://schemas.openxmlformats.org/presentationml/2006/main">
-  <p:cSld>
-    <p:spTree>
-      <p:nvGrpSpPr>
-        <p:cNvPr id="1" name=""/>
-        <p:cNvGrpSpPr/>
-        <p:nvPr/>
-      </p:nvGrpSpPr>
-      <p:grpSpPr/>
-      <p:sp>
-        <p:nvSpPr>
-          <p:cNvPr id="2" name="标题 1"/>
-          <p:cNvSpPr>
-            <a:spLocks noGrp="1"/>
-          </p:cNvSpPr>
-          <p:nvPr>
-            <p:ph type="title"/>
-          </p:nvPr>
-        </p:nvSpPr>
-        <p:spPr/>
-        <p:txBody>
-          <a:bodyPr/>
-          <a:p>
-            <a:r>
-              <a:rPr lang="zh-CN" altLang="en-US"/>
-              <a:t>场景管理模块</a:t>
-            </a:r>
-            <a:endParaRPr lang="zh-CN" altLang="en-US"/>
-          </a:p>
-        </p:txBody>
-      </p:sp>
-      <p:sp>
-        <p:nvSpPr>
-          <p:cNvPr id="5" name="内容占位符 4"/>
-          <p:cNvSpPr/>
-          <p:nvPr>
-            <p:ph idx="1"/>
-          </p:nvPr>
-        </p:nvSpPr>
-        <p:spPr/>
-        <p:txBody>
-          <a:bodyPr/>
-          <a:p>
-            <a:r>
-              <a:rPr lang="zh-CN" altLang="en-US"/>
-              <a:t>①执行当前场景的流程函数，维护</a:t>
-            </a:r>
-            <a:r>
-              <a:rPr lang="zh-CN" altLang="en-US">
-                <a:sym typeface="+mn-ea"/>
-              </a:rPr>
-              <a:t>场景内的渲染列表、摄像机。</a:t>
-            </a:r>
-            <a:endParaRPr lang="zh-CN" altLang="en-US">
-              <a:sym typeface="+mn-ea"/>
-            </a:endParaRPr>
-          </a:p>
-          <a:p>
-            <a:r>
-              <a:rPr lang="zh-CN" altLang="en-US"/>
-              <a:t>②提供场景注册、场景切换功能。</a:t>
-            </a:r>
-            <a:endParaRPr lang="zh-CN" altLang="en-US"/>
-          </a:p>
-          <a:p>
-            <a:r>
-              <a:rPr lang="zh-CN" altLang="en-US"/>
-              <a:t>③管理OpenGL状态机的全局状态。</a:t>
-            </a:r>
-            <a:endParaRPr lang="zh-CN" altLang="en-US"/>
-          </a:p>
-          <a:p>
-            <a:endParaRPr lang="zh-CN" altLang="en-US"/>
-          </a:p>
-          <a:p>
-            <a:endParaRPr lang="zh-CN" altLang="en-US"/>
-          </a:p>
-          <a:p>
-            <a:endParaRPr lang="zh-CN" altLang="en-US"/>
-          </a:p>
-        </p:txBody>
-      </p:sp>
-    </p:spTree>
-    <p:custDataLst>
-      <p:tags r:id="rId1"/>
-    </p:custDataLst>
-  </p:cSld>
-  <p:clrMapOvr>
-    <a:masterClrMapping/>
-  </p:clrMapOvr>
-</p:sld>
-</file>
-
 <file path=ppt/tags/tag1.xml><?xml version="1.0" encoding="utf-8"?>
 <p:tagLst xmlns:p="http://schemas.openxmlformats.org/presentationml/2006/main">
   <p:tag name="KSO_WM_TAG_VERSION" val="1.0"/>
@@ -15929,6 +16930,26 @@
 </file>
 
 <file path=ppt/tags/tag100.xml><?xml version="1.0" encoding="utf-8"?>
+<p:tagLst xmlns:p="http://schemas.openxmlformats.org/presentationml/2006/main">
+  <p:tag name="KSO_WM_TEMPLATE_CATEGORY" val="custom"/>
+  <p:tag name="KSO_WM_TEMPLATE_INDEX" val="20184567"/>
+  <p:tag name="KSO_WM_TAG_VERSION" val="1.0"/>
+  <p:tag name="KSO_WM_BEAUTIFY_FLAG" val="#wm#"/>
+  <p:tag name="KSO_WM_UNIT_CLEAR" val="1"/>
+  <p:tag name="KSO_WM_UNIT_TYPE" val="l_h_i"/>
+  <p:tag name="KSO_WM_UNIT_INDEX" val="1_1_1"/>
+  <p:tag name="KSO_WM_UNIT_ID" val="custom20184567_10*l_h_i*1_1_1"/>
+  <p:tag name="KSO_WM_UNIT_LAYERLEVEL" val="1_1_1"/>
+  <p:tag name="KSO_WM_DIAGRAM_GROUP_CODE" val="l1-2"/>
+  <p:tag name="KSO_WM_UNIT_LINE_FORE_SCHEMECOLOR_INDEX" val="14"/>
+  <p:tag name="KSO_WM_UNIT_LINE_FILL_TYPE" val="2"/>
+  <p:tag name="KSO_WM_UNIT_TEXT_FILL_FORE_SCHEMECOLOR_INDEX" val="2"/>
+  <p:tag name="KSO_WM_UNIT_TEXT_FILL_TYPE" val="1"/>
+  <p:tag name="KSO_WM_UNIT_USESOURCEFORMAT_APPLY" val="1"/>
+</p:tagLst>
+</file>
+
+<file path=ppt/tags/tag101.xml><?xml version="1.0" encoding="utf-8"?>
 <p:tagLst xmlns:p="http://schemas.openxmlformats.org/presentationml/2006/main">
   <p:tag name="KSO_WM_TEMPLATE_CATEGORY" val="custom"/>
   <p:tag name="KSO_WM_TEMPLATE_INDEX" val="20184567"/>
@@ -15946,7 +16967,7 @@
 </p:tagLst>
 </file>
 
-<file path=ppt/tags/tag101.xml><?xml version="1.0" encoding="utf-8"?>
+<file path=ppt/tags/tag102.xml><?xml version="1.0" encoding="utf-8"?>
 <p:tagLst xmlns:p="http://schemas.openxmlformats.org/presentationml/2006/main">
   <p:tag name="KSO_WM_TEMPLATE_CATEGORY" val="custom"/>
   <p:tag name="KSO_WM_TEMPLATE_INDEX" val="20184567"/>
@@ -15966,7 +16987,7 @@
 </p:tagLst>
 </file>
 
-<file path=ppt/tags/tag102.xml><?xml version="1.0" encoding="utf-8"?>
+<file path=ppt/tags/tag103.xml><?xml version="1.0" encoding="utf-8"?>
 <p:tagLst xmlns:p="http://schemas.openxmlformats.org/presentationml/2006/main">
   <p:tag name="KSO_WM_TEMPLATE_CATEGORY" val="custom"/>
   <p:tag name="KSO_WM_TEMPLATE_INDEX" val="20184567"/>
@@ -15984,7 +17005,7 @@
 </p:tagLst>
 </file>
 
-<file path=ppt/tags/tag103.xml><?xml version="1.0" encoding="utf-8"?>
+<file path=ppt/tags/tag104.xml><?xml version="1.0" encoding="utf-8"?>
 <p:tagLst xmlns:p="http://schemas.openxmlformats.org/presentationml/2006/main">
   <p:tag name="KSO_WM_TEMPLATE_CATEGORY" val="custom"/>
   <p:tag name="KSO_WM_TEMPLATE_INDEX" val="20184567"/>
@@ -16006,7 +17027,7 @@
 </p:tagLst>
 </file>
 
-<file path=ppt/tags/tag104.xml><?xml version="1.0" encoding="utf-8"?>
+<file path=ppt/tags/tag105.xml><?xml version="1.0" encoding="utf-8"?>
 <p:tagLst xmlns:p="http://schemas.openxmlformats.org/presentationml/2006/main">
   <p:tag name="KSO_WM_TEMPLATE_CATEGORY" val="custom"/>
   <p:tag name="KSO_WM_TEMPLATE_INDEX" val="20184567"/>
@@ -16028,7 +17049,7 @@
 </p:tagLst>
 </file>
 
-<file path=ppt/tags/tag105.xml><?xml version="1.0" encoding="utf-8"?>
+<file path=ppt/tags/tag106.xml><?xml version="1.0" encoding="utf-8"?>
 <p:tagLst xmlns:p="http://schemas.openxmlformats.org/presentationml/2006/main">
   <p:tag name="KSO_WM_DIAGRAM_GROUP_CODE" val="l1_1"/>
   <p:tag name="KSO_WM_TAG_VERSION" val="1.0"/>
@@ -16042,7 +17063,7 @@
 </p:tagLst>
 </file>
 
-<file path=ppt/tags/tag106.xml><?xml version="1.0" encoding="utf-8"?>
+<file path=ppt/tags/tag107.xml><?xml version="1.0" encoding="utf-8"?>
 <p:tagLst xmlns:p="http://schemas.openxmlformats.org/presentationml/2006/main">
   <p:tag name="KSO_WM_TEMPLATE_CATEGORY" val="custom"/>
   <p:tag name="KSO_WM_TEMPLATE_INDEX" val="20184567"/>
@@ -16062,7 +17083,7 @@
 </p:tagLst>
 </file>
 
-<file path=ppt/tags/tag107.xml><?xml version="1.0" encoding="utf-8"?>
+<file path=ppt/tags/tag108.xml><?xml version="1.0" encoding="utf-8"?>
 <p:tagLst xmlns:p="http://schemas.openxmlformats.org/presentationml/2006/main">
   <p:tag name="KSO_WM_TEMPLATE_CATEGORY" val="custom"/>
   <p:tag name="KSO_WM_TEMPLATE_INDEX" val="20184567"/>
@@ -16080,7 +17101,7 @@
 </p:tagLst>
 </file>
 
-<file path=ppt/tags/tag108.xml><?xml version="1.0" encoding="utf-8"?>
+<file path=ppt/tags/tag109.xml><?xml version="1.0" encoding="utf-8"?>
 <p:tagLst xmlns:p="http://schemas.openxmlformats.org/presentationml/2006/main">
   <p:tag name="KSO_WM_TEMPLATE_CATEGORY" val="custom"/>
   <p:tag name="KSO_WM_TEMPLATE_INDEX" val="20184567"/>
@@ -16100,7 +17121,19 @@
 </p:tagLst>
 </file>
 
-<file path=ppt/tags/tag109.xml><?xml version="1.0" encoding="utf-8"?>
+<file path=ppt/tags/tag11.xml><?xml version="1.0" encoding="utf-8"?>
+<p:tagLst xmlns:p="http://schemas.openxmlformats.org/presentationml/2006/main">
+  <p:tag name="KSO_WM_TAG_VERSION" val="1.0"/>
+  <p:tag name="KSO_WM_BEAUTIFY_FLAG" val="#wm#"/>
+  <p:tag name="KSO_WM_UNIT_TYPE" val="i"/>
+  <p:tag name="KSO_WM_UNIT_ID" val="custom20181639_3*i*3"/>
+  <p:tag name="KSO_WM_TEMPLATE_CATEGORY" val="custom"/>
+  <p:tag name="KSO_WM_TEMPLATE_INDEX" val="20181639"/>
+  <p:tag name="KSO_WM_UNIT_INDEX" val="3"/>
+</p:tagLst>
+</file>
+
+<file path=ppt/tags/tag110.xml><?xml version="1.0" encoding="utf-8"?>
 <p:tagLst xmlns:p="http://schemas.openxmlformats.org/presentationml/2006/main">
   <p:tag name="KSO_WM_TEMPLATE_CATEGORY" val="custom"/>
   <p:tag name="KSO_WM_TEMPLATE_INDEX" val="20184567"/>
@@ -16118,19 +17151,7 @@
 </p:tagLst>
 </file>
 
-<file path=ppt/tags/tag11.xml><?xml version="1.0" encoding="utf-8"?>
-<p:tagLst xmlns:p="http://schemas.openxmlformats.org/presentationml/2006/main">
-  <p:tag name="KSO_WM_TAG_VERSION" val="1.0"/>
-  <p:tag name="KSO_WM_BEAUTIFY_FLAG" val="#wm#"/>
-  <p:tag name="KSO_WM_UNIT_TYPE" val="i"/>
-  <p:tag name="KSO_WM_UNIT_ID" val="custom20181639_3*i*3"/>
-  <p:tag name="KSO_WM_TEMPLATE_CATEGORY" val="custom"/>
-  <p:tag name="KSO_WM_TEMPLATE_INDEX" val="20181639"/>
-  <p:tag name="KSO_WM_UNIT_INDEX" val="3"/>
-</p:tagLst>
-</file>
-
-<file path=ppt/tags/tag110.xml><?xml version="1.0" encoding="utf-8"?>
+<file path=ppt/tags/tag111.xml><?xml version="1.0" encoding="utf-8"?>
 <p:tagLst xmlns:p="http://schemas.openxmlformats.org/presentationml/2006/main">
   <p:tag name="KSO_WM_TEMPLATE_CATEGORY" val="custom"/>
   <p:tag name="KSO_WM_TEMPLATE_INDEX" val="20184567"/>
@@ -16152,7 +17173,7 @@
 </p:tagLst>
 </file>
 
-<file path=ppt/tags/tag111.xml><?xml version="1.0" encoding="utf-8"?>
+<file path=ppt/tags/tag112.xml><?xml version="1.0" encoding="utf-8"?>
 <p:tagLst xmlns:p="http://schemas.openxmlformats.org/presentationml/2006/main">
   <p:tag name="KSO_WM_TEMPLATE_CATEGORY" val="custom"/>
   <p:tag name="KSO_WM_TEMPLATE_INDEX" val="20184567"/>
@@ -16174,7 +17195,7 @@
 </p:tagLst>
 </file>
 
-<file path=ppt/tags/tag112.xml><?xml version="1.0" encoding="utf-8"?>
+<file path=ppt/tags/tag113.xml><?xml version="1.0" encoding="utf-8"?>
 <p:tagLst xmlns:p="http://schemas.openxmlformats.org/presentationml/2006/main">
   <p:tag name="KSO_WM_TEMPLATE_CATEGORY" val="custom"/>
   <p:tag name="KSO_WM_TEMPLATE_INDEX" val="20184567"/>
@@ -16192,7 +17213,7 @@
 </p:tagLst>
 </file>
 
-<file path=ppt/tags/tag113.xml><?xml version="1.0" encoding="utf-8"?>
+<file path=ppt/tags/tag114.xml><?xml version="1.0" encoding="utf-8"?>
 <p:tagLst xmlns:p="http://schemas.openxmlformats.org/presentationml/2006/main">
   <p:tag name="KSO_WM_DIAGRAM_GROUP_CODE" val="l1_1"/>
   <p:tag name="KSO_WM_TAG_VERSION" val="1.0"/>
@@ -16206,7 +17227,7 @@
 </p:tagLst>
 </file>
 
-<file path=ppt/tags/tag114.xml><?xml version="1.0" encoding="utf-8"?>
+<file path=ppt/tags/tag115.xml><?xml version="1.0" encoding="utf-8"?>
 <p:tagLst xmlns:p="http://schemas.openxmlformats.org/presentationml/2006/main">
   <p:tag name="KSO_WM_TEMPLATE_CATEGORY" val="custom"/>
   <p:tag name="KSO_WM_TEMPLATE_INDEX" val="20184567"/>
@@ -16226,7 +17247,7 @@
 </p:tagLst>
 </file>
 
-<file path=ppt/tags/tag115.xml><?xml version="1.0" encoding="utf-8"?>
+<file path=ppt/tags/tag116.xml><?xml version="1.0" encoding="utf-8"?>
 <p:tagLst xmlns:p="http://schemas.openxmlformats.org/presentationml/2006/main">
   <p:tag name="KSO_WM_TEMPLATE_CATEGORY" val="custom"/>
   <p:tag name="KSO_WM_TEMPLATE_INDEX" val="20184567"/>
@@ -16246,7 +17267,7 @@
 </p:tagLst>
 </file>
 
-<file path=ppt/tags/tag116.xml><?xml version="1.0" encoding="utf-8"?>
+<file path=ppt/tags/tag117.xml><?xml version="1.0" encoding="utf-8"?>
 <p:tagLst xmlns:p="http://schemas.openxmlformats.org/presentationml/2006/main">
   <p:tag name="KSO_WM_TEMPLATE_CATEGORY" val="custom"/>
   <p:tag name="KSO_WM_TEMPLATE_INDEX" val="20184567"/>
@@ -16264,7 +17285,7 @@
 </p:tagLst>
 </file>
 
-<file path=ppt/tags/tag117.xml><?xml version="1.0" encoding="utf-8"?>
+<file path=ppt/tags/tag118.xml><?xml version="1.0" encoding="utf-8"?>
 <p:tagLst xmlns:p="http://schemas.openxmlformats.org/presentationml/2006/main">
   <p:tag name="KSO_WM_TEMPLATE_CATEGORY" val="custom"/>
   <p:tag name="KSO_WM_TEMPLATE_INDEX" val="20184567"/>
@@ -16286,7 +17307,7 @@
 </p:tagLst>
 </file>
 
-<file path=ppt/tags/tag118.xml><?xml version="1.0" encoding="utf-8"?>
+<file path=ppt/tags/tag119.xml><?xml version="1.0" encoding="utf-8"?>
 <p:tagLst xmlns:p="http://schemas.openxmlformats.org/presentationml/2006/main">
   <p:tag name="KSO_WM_TEMPLATE_CATEGORY" val="custom"/>
   <p:tag name="KSO_WM_TEMPLATE_INDEX" val="20184567"/>
@@ -16308,7 +17329,19 @@
 </p:tagLst>
 </file>
 
-<file path=ppt/tags/tag119.xml><?xml version="1.0" encoding="utf-8"?>
+<file path=ppt/tags/tag12.xml><?xml version="1.0" encoding="utf-8"?>
+<p:tagLst xmlns:p="http://schemas.openxmlformats.org/presentationml/2006/main">
+  <p:tag name="KSO_WM_TAG_VERSION" val="1.0"/>
+  <p:tag name="KSO_WM_BEAUTIFY_FLAG" val="#wm#"/>
+  <p:tag name="KSO_WM_UNIT_TYPE" val="i"/>
+  <p:tag name="KSO_WM_UNIT_ID" val="custom20184567_22*i*2"/>
+  <p:tag name="KSO_WM_TEMPLATE_CATEGORY" val="custom"/>
+  <p:tag name="KSO_WM_TEMPLATE_INDEX" val="20184567"/>
+  <p:tag name="KSO_WM_UNIT_INDEX" val="2"/>
+</p:tagLst>
+</file>
+
+<file path=ppt/tags/tag120.xml><?xml version="1.0" encoding="utf-8"?>
 <p:tagLst xmlns:p="http://schemas.openxmlformats.org/presentationml/2006/main">
   <p:tag name="KSO_WM_TEMPLATE_CATEGORY" val="custom"/>
   <p:tag name="KSO_WM_TEMPLATE_INDEX" val="20184567"/>
@@ -16328,19 +17361,7 @@
 </p:tagLst>
 </file>
 
-<file path=ppt/tags/tag12.xml><?xml version="1.0" encoding="utf-8"?>
-<p:tagLst xmlns:p="http://schemas.openxmlformats.org/presentationml/2006/main">
-  <p:tag name="KSO_WM_TAG_VERSION" val="1.0"/>
-  <p:tag name="KSO_WM_BEAUTIFY_FLAG" val="#wm#"/>
-  <p:tag name="KSO_WM_UNIT_TYPE" val="i"/>
-  <p:tag name="KSO_WM_UNIT_ID" val="custom20184567_22*i*2"/>
-  <p:tag name="KSO_WM_TEMPLATE_CATEGORY" val="custom"/>
-  <p:tag name="KSO_WM_TEMPLATE_INDEX" val="20184567"/>
-  <p:tag name="KSO_WM_UNIT_INDEX" val="2"/>
-</p:tagLst>
-</file>
-
-<file path=ppt/tags/tag120.xml><?xml version="1.0" encoding="utf-8"?>
+<file path=ppt/tags/tag121.xml><?xml version="1.0" encoding="utf-8"?>
 <p:tagLst xmlns:p="http://schemas.openxmlformats.org/presentationml/2006/main">
   <p:tag name="KSO_WM_SLIDE_ITEM_CNT" val="3"/>
   <p:tag name="KSO_WM_SLIDE_LAYOUT" val="l_a"/>
@@ -16361,7 +17382,7 @@
 </p:tagLst>
 </file>
 
-<file path=ppt/tags/tag121.xml><?xml version="1.0" encoding="utf-8"?>
+<file path=ppt/tags/tag122.xml><?xml version="1.0" encoding="utf-8"?>
 <p:tagLst xmlns:p="http://schemas.openxmlformats.org/presentationml/2006/main">
   <p:tag name="KSO_WM_TEMPLATE_CATEGORY" val="custom"/>
   <p:tag name="KSO_WM_TEMPLATE_INDEX" val="20184567"/>
@@ -16380,7 +17401,7 @@
 </p:tagLst>
 </file>
 
-<file path=ppt/tags/tag122.xml><?xml version="1.0" encoding="utf-8"?>
+<file path=ppt/tags/tag123.xml><?xml version="1.0" encoding="utf-8"?>
 <p:tagLst xmlns:p="http://schemas.openxmlformats.org/presentationml/2006/main">
   <p:tag name="KSO_WM_TEMPLATE_CATEGORY" val="custom"/>
   <p:tag name="KSO_WM_TEMPLATE_INDEX" val="20184567"/>
@@ -16398,7 +17419,7 @@
 </p:tagLst>
 </file>
 
-<file path=ppt/tags/tag123.xml><?xml version="1.0" encoding="utf-8"?>
+<file path=ppt/tags/tag124.xml><?xml version="1.0" encoding="utf-8"?>
 <p:tagLst xmlns:p="http://schemas.openxmlformats.org/presentationml/2006/main">
   <p:tag name="KSO_WM_TAG_VERSION" val="1.0"/>
   <p:tag name="KSO_WM_SLIDE_ITEM_CNT" val="2"/>
@@ -17035,6 +18056,14 @@
 
 <file path=ppt/tags/tag47.xml><?xml version="1.0" encoding="utf-8"?>
 <p:tagLst xmlns:p="http://schemas.openxmlformats.org/presentationml/2006/main">
+  <p:tag name="KSO_WM_BEAUTIFY_FLAG" val="#wm#"/>
+  <p:tag name="KSO_WM_TEMPLATE_CATEGORY" val="custom"/>
+  <p:tag name="KSO_WM_TEMPLATE_INDEX" val="20184567"/>
+</p:tagLst>
+</file>
+
+<file path=ppt/tags/tag48.xml><?xml version="1.0" encoding="utf-8"?>
+<p:tagLst xmlns:p="http://schemas.openxmlformats.org/presentationml/2006/main">
   <p:tag name="KSO_WM_TAG_VERSION" val="1.0"/>
   <p:tag name="KSO_WM_BEAUTIFY_FLAG" val="#wm#"/>
   <p:tag name="KSO_WM_UNIT_TYPE" val="i"/>
@@ -17045,7 +18074,7 @@
 </p:tagLst>
 </file>
 
-<file path=ppt/tags/tag48.xml><?xml version="1.0" encoding="utf-8"?>
+<file path=ppt/tags/tag49.xml><?xml version="1.0" encoding="utf-8"?>
 <p:tagLst xmlns:p="http://schemas.openxmlformats.org/presentationml/2006/main">
   <p:tag name="KSO_WM_TEMPLATE_CATEGORY" val="custom"/>
   <p:tag name="KSO_WM_TEMPLATE_INDEX" val="20184567"/>
@@ -17064,7 +18093,19 @@
 </p:tagLst>
 </file>
 
-<file path=ppt/tags/tag49.xml><?xml version="1.0" encoding="utf-8"?>
+<file path=ppt/tags/tag5.xml><?xml version="1.0" encoding="utf-8"?>
+<p:tagLst xmlns:p="http://schemas.openxmlformats.org/presentationml/2006/main">
+  <p:tag name="KSO_WM_TAG_VERSION" val="1.0"/>
+  <p:tag name="KSO_WM_BEAUTIFY_FLAG" val="#wm#"/>
+  <p:tag name="KSO_WM_UNIT_TYPE" val="i"/>
+  <p:tag name="KSO_WM_UNIT_ID" val="custom20184567_22*i*3"/>
+  <p:tag name="KSO_WM_TEMPLATE_CATEGORY" val="custom"/>
+  <p:tag name="KSO_WM_TEMPLATE_INDEX" val="20184567"/>
+  <p:tag name="KSO_WM_UNIT_INDEX" val="3"/>
+</p:tagLst>
+</file>
+
+<file path=ppt/tags/tag50.xml><?xml version="1.0" encoding="utf-8"?>
 <p:tagLst xmlns:p="http://schemas.openxmlformats.org/presentationml/2006/main">
   <p:tag name="KSO_WM_TEMPLATE_CATEGORY" val="custom"/>
   <p:tag name="KSO_WM_TEMPLATE_INDEX" val="20184567"/>
@@ -17084,19 +18125,7 @@
 </p:tagLst>
 </file>
 
-<file path=ppt/tags/tag5.xml><?xml version="1.0" encoding="utf-8"?>
-<p:tagLst xmlns:p="http://schemas.openxmlformats.org/presentationml/2006/main">
-  <p:tag name="KSO_WM_TAG_VERSION" val="1.0"/>
-  <p:tag name="KSO_WM_BEAUTIFY_FLAG" val="#wm#"/>
-  <p:tag name="KSO_WM_UNIT_TYPE" val="i"/>
-  <p:tag name="KSO_WM_UNIT_ID" val="custom20184567_22*i*3"/>
-  <p:tag name="KSO_WM_TEMPLATE_CATEGORY" val="custom"/>
-  <p:tag name="KSO_WM_TEMPLATE_INDEX" val="20184567"/>
-  <p:tag name="KSO_WM_UNIT_INDEX" val="3"/>
-</p:tagLst>
-</file>
-
-<file path=ppt/tags/tag50.xml><?xml version="1.0" encoding="utf-8"?>
+<file path=ppt/tags/tag51.xml><?xml version="1.0" encoding="utf-8"?>
 <p:tagLst xmlns:p="http://schemas.openxmlformats.org/presentationml/2006/main">
   <p:tag name="MH" val="20161022204031"/>
   <p:tag name="MH_LIBRARY" val="GRAPHIC"/>
@@ -17117,7 +18146,7 @@
 </p:tagLst>
 </file>
 
-<file path=ppt/tags/tag51.xml><?xml version="1.0" encoding="utf-8"?>
+<file path=ppt/tags/tag52.xml><?xml version="1.0" encoding="utf-8"?>
 <p:tagLst xmlns:p="http://schemas.openxmlformats.org/presentationml/2006/main">
   <p:tag name="KSO_WM_TEMPLATE_CATEGORY" val="custom"/>
   <p:tag name="KSO_WM_TEMPLATE_INDEX" val="20184567"/>
@@ -17138,7 +18167,7 @@
 </p:tagLst>
 </file>
 
-<file path=ppt/tags/tag52.xml><?xml version="1.0" encoding="utf-8"?>
+<file path=ppt/tags/tag53.xml><?xml version="1.0" encoding="utf-8"?>
 <p:tagLst xmlns:p="http://schemas.openxmlformats.org/presentationml/2006/main">
   <p:tag name="MH" val="20161022204031"/>
   <p:tag name="MH_LIBRARY" val="GRAPHIC"/>
@@ -17158,7 +18187,7 @@
 </p:tagLst>
 </file>
 
-<file path=ppt/tags/tag53.xml><?xml version="1.0" encoding="utf-8"?>
+<file path=ppt/tags/tag54.xml><?xml version="1.0" encoding="utf-8"?>
 <p:tagLst xmlns:p="http://schemas.openxmlformats.org/presentationml/2006/main">
   <p:tag name="KSO_WM_BEAUTIFY_FLAG" val="#wm#"/>
   <p:tag name="KSO_WM_TEMPLATE_CATEGORY" val="custom"/>
@@ -17166,7 +18195,7 @@
 </p:tagLst>
 </file>
 
-<file path=ppt/tags/tag54.xml><?xml version="1.0" encoding="utf-8"?>
+<file path=ppt/tags/tag55.xml><?xml version="1.0" encoding="utf-8"?>
 <p:tagLst xmlns:p="http://schemas.openxmlformats.org/presentationml/2006/main">
   <p:tag name="KSO_WM_TAG_VERSION" val="1.0"/>
   <p:tag name="KSO_WM_BEAUTIFY_FLAG" val="#wm#"/>
@@ -17178,7 +18207,7 @@
 </p:tagLst>
 </file>
 
-<file path=ppt/tags/tag55.xml><?xml version="1.0" encoding="utf-8"?>
+<file path=ppt/tags/tag56.xml><?xml version="1.0" encoding="utf-8"?>
 <p:tagLst xmlns:p="http://schemas.openxmlformats.org/presentationml/2006/main">
   <p:tag name="KSO_WM_TEMPLATE_CATEGORY" val="custom"/>
   <p:tag name="KSO_WM_TEMPLATE_INDEX" val="20184567"/>
@@ -17197,7 +18226,7 @@
 </p:tagLst>
 </file>
 
-<file path=ppt/tags/tag56.xml><?xml version="1.0" encoding="utf-8"?>
+<file path=ppt/tags/tag57.xml><?xml version="1.0" encoding="utf-8"?>
 <p:tagLst xmlns:p="http://schemas.openxmlformats.org/presentationml/2006/main">
   <p:tag name="KSO_WM_TEMPLATE_CATEGORY" val="custom"/>
   <p:tag name="KSO_WM_TEMPLATE_INDEX" val="20184567"/>
@@ -17217,7 +18246,7 @@
 </p:tagLst>
 </file>
 
-<file path=ppt/tags/tag57.xml><?xml version="1.0" encoding="utf-8"?>
+<file path=ppt/tags/tag58.xml><?xml version="1.0" encoding="utf-8"?>
 <p:tagLst xmlns:p="http://schemas.openxmlformats.org/presentationml/2006/main">
   <p:tag name="MH" val="20161022204031"/>
   <p:tag name="MH_LIBRARY" val="GRAPHIC"/>
@@ -17238,7 +18267,7 @@
 </p:tagLst>
 </file>
 
-<file path=ppt/tags/tag58.xml><?xml version="1.0" encoding="utf-8"?>
+<file path=ppt/tags/tag59.xml><?xml version="1.0" encoding="utf-8"?>
 <p:tagLst xmlns:p="http://schemas.openxmlformats.org/presentationml/2006/main">
   <p:tag name="KSO_WM_TEMPLATE_CATEGORY" val="custom"/>
   <p:tag name="KSO_WM_TEMPLATE_INDEX" val="20184567"/>
@@ -17259,7 +18288,15 @@
 </p:tagLst>
 </file>
 
-<file path=ppt/tags/tag59.xml><?xml version="1.0" encoding="utf-8"?>
+<file path=ppt/tags/tag6.xml><?xml version="1.0" encoding="utf-8"?>
+<p:tagLst xmlns:p="http://schemas.openxmlformats.org/presentationml/2006/main">
+  <p:tag name="KSO_WM_TAG_VERSION" val="1.0"/>
+  <p:tag name="KSO_WM_TEMPLATE_CATEGORY" val="custom"/>
+  <p:tag name="KSO_WM_TEMPLATE_INDEX" val="20184567"/>
+</p:tagLst>
+</file>
+
+<file path=ppt/tags/tag60.xml><?xml version="1.0" encoding="utf-8"?>
 <p:tagLst xmlns:p="http://schemas.openxmlformats.org/presentationml/2006/main">
   <p:tag name="MH" val="20161022204031"/>
   <p:tag name="MH_LIBRARY" val="GRAPHIC"/>
@@ -17279,22 +18316,6 @@
 </p:tagLst>
 </file>
 
-<file path=ppt/tags/tag6.xml><?xml version="1.0" encoding="utf-8"?>
-<p:tagLst xmlns:p="http://schemas.openxmlformats.org/presentationml/2006/main">
-  <p:tag name="KSO_WM_TAG_VERSION" val="1.0"/>
-  <p:tag name="KSO_WM_TEMPLATE_CATEGORY" val="custom"/>
-  <p:tag name="KSO_WM_TEMPLATE_INDEX" val="20184567"/>
-</p:tagLst>
-</file>
-
-<file path=ppt/tags/tag60.xml><?xml version="1.0" encoding="utf-8"?>
-<p:tagLst xmlns:p="http://schemas.openxmlformats.org/presentationml/2006/main">
-  <p:tag name="KSO_WM_BEAUTIFY_FLAG" val="#wm#"/>
-  <p:tag name="KSO_WM_TEMPLATE_CATEGORY" val="custom"/>
-  <p:tag name="KSO_WM_TEMPLATE_INDEX" val="20184567"/>
-</p:tagLst>
-</file>
-
 <file path=ppt/tags/tag61.xml><?xml version="1.0" encoding="utf-8"?>
 <p:tagLst xmlns:p="http://schemas.openxmlformats.org/presentationml/2006/main">
   <p:tag name="KSO_WM_BEAUTIFY_FLAG" val="#wm#"/>
@@ -17482,6 +18503,14 @@
 
 <file path=ppt/tags/tag81.xml><?xml version="1.0" encoding="utf-8"?>
 <p:tagLst xmlns:p="http://schemas.openxmlformats.org/presentationml/2006/main">
+  <p:tag name="KSO_WM_BEAUTIFY_FLAG" val="#wm#"/>
+  <p:tag name="KSO_WM_TEMPLATE_CATEGORY" val="custom"/>
+  <p:tag name="KSO_WM_TEMPLATE_INDEX" val="20184567"/>
+</p:tagLst>
+</file>
+
+<file path=ppt/tags/tag82.xml><?xml version="1.0" encoding="utf-8"?>
+<p:tagLst xmlns:p="http://schemas.openxmlformats.org/presentationml/2006/main">
   <p:tag name="KSO_WM_TAG_VERSION" val="1.0"/>
   <p:tag name="KSO_WM_BEAUTIFY_FLAG" val="#wm#"/>
   <p:tag name="KSO_WM_UNIT_TYPE" val="i"/>
@@ -17492,7 +18521,7 @@
 </p:tagLst>
 </file>
 
-<file path=ppt/tags/tag82.xml><?xml version="1.0" encoding="utf-8"?>
+<file path=ppt/tags/tag83.xml><?xml version="1.0" encoding="utf-8"?>
 <p:tagLst xmlns:p="http://schemas.openxmlformats.org/presentationml/2006/main">
   <p:tag name="KSO_WM_TEMPLATE_CATEGORY" val="custom"/>
   <p:tag name="KSO_WM_TEMPLATE_INDEX" val="20184567"/>
@@ -17511,7 +18540,7 @@
 </p:tagLst>
 </file>
 
-<file path=ppt/tags/tag83.xml><?xml version="1.0" encoding="utf-8"?>
+<file path=ppt/tags/tag84.xml><?xml version="1.0" encoding="utf-8"?>
 <p:tagLst xmlns:p="http://schemas.openxmlformats.org/presentationml/2006/main">
   <p:tag name="KSO_WM_TEMPLATE_CATEGORY" val="custom"/>
   <p:tag name="KSO_WM_TEMPLATE_INDEX" val="20184567"/>
@@ -17531,7 +18560,7 @@
 </p:tagLst>
 </file>
 
-<file path=ppt/tags/tag84.xml><?xml version="1.0" encoding="utf-8"?>
+<file path=ppt/tags/tag85.xml><?xml version="1.0" encoding="utf-8"?>
 <p:tagLst xmlns:p="http://schemas.openxmlformats.org/presentationml/2006/main">
   <p:tag name="MH" val="20161022204031"/>
   <p:tag name="MH_LIBRARY" val="GRAPHIC"/>
@@ -17552,7 +18581,7 @@
 </p:tagLst>
 </file>
 
-<file path=ppt/tags/tag85.xml><?xml version="1.0" encoding="utf-8"?>
+<file path=ppt/tags/tag86.xml><?xml version="1.0" encoding="utf-8"?>
 <p:tagLst xmlns:p="http://schemas.openxmlformats.org/presentationml/2006/main">
   <p:tag name="KSO_WM_TEMPLATE_CATEGORY" val="custom"/>
   <p:tag name="KSO_WM_TEMPLATE_INDEX" val="20184567"/>
@@ -17573,7 +18602,7 @@
 </p:tagLst>
 </file>
 
-<file path=ppt/tags/tag86.xml><?xml version="1.0" encoding="utf-8"?>
+<file path=ppt/tags/tag87.xml><?xml version="1.0" encoding="utf-8"?>
 <p:tagLst xmlns:p="http://schemas.openxmlformats.org/presentationml/2006/main">
   <p:tag name="MH" val="20161022204031"/>
   <p:tag name="MH_LIBRARY" val="GRAPHIC"/>
@@ -17593,7 +18622,7 @@
 </p:tagLst>
 </file>
 
-<file path=ppt/tags/tag87.xml><?xml version="1.0" encoding="utf-8"?>
+<file path=ppt/tags/tag88.xml><?xml version="1.0" encoding="utf-8"?>
 <p:tagLst xmlns:p="http://schemas.openxmlformats.org/presentationml/2006/main">
   <p:tag name="KSO_WM_TEMPLATE_CATEGORY" val="custom"/>
   <p:tag name="KSO_WM_TEMPLATE_INDEX" val="20184567"/>
@@ -17613,7 +18642,7 @@
 </p:tagLst>
 </file>
 
-<file path=ppt/tags/tag88.xml><?xml version="1.0" encoding="utf-8"?>
+<file path=ppt/tags/tag89.xml><?xml version="1.0" encoding="utf-8"?>
 <p:tagLst xmlns:p="http://schemas.openxmlformats.org/presentationml/2006/main">
   <p:tag name="KSO_WM_TEMPLATE_CATEGORY" val="custom"/>
   <p:tag name="KSO_WM_TEMPLATE_INDEX" val="20184567"/>
@@ -17632,18 +18661,6 @@
 </p:tagLst>
 </file>
 
-<file path=ppt/tags/tag89.xml><?xml version="1.0" encoding="utf-8"?>
-<p:tagLst xmlns:p="http://schemas.openxmlformats.org/presentationml/2006/main">
-  <p:tag name="KSO_WM_TAG_VERSION" val="1.0"/>
-  <p:tag name="KSO_WM_BEAUTIFY_FLAG" val="#wm#"/>
-  <p:tag name="KSO_WM_UNIT_TYPE" val="i"/>
-  <p:tag name="KSO_WM_UNIT_ID" val="custom20184567_7*i*2"/>
-  <p:tag name="KSO_WM_TEMPLATE_CATEGORY" val="custom"/>
-  <p:tag name="KSO_WM_TEMPLATE_INDEX" val="20184567"/>
-  <p:tag name="KSO_WM_UNIT_INDEX" val="2"/>
-</p:tagLst>
-</file>
-
 <file path=ppt/tags/tag9.xml><?xml version="1.0" encoding="utf-8"?>
 <p:tagLst xmlns:p="http://schemas.openxmlformats.org/presentationml/2006/main">
   <p:tag name="KSO_WM_TAG_VERSION" val="1.0"/>
@@ -17657,6 +18674,18 @@
 </file>
 
 <file path=ppt/tags/tag90.xml><?xml version="1.0" encoding="utf-8"?>
+<p:tagLst xmlns:p="http://schemas.openxmlformats.org/presentationml/2006/main">
+  <p:tag name="KSO_WM_TAG_VERSION" val="1.0"/>
+  <p:tag name="KSO_WM_BEAUTIFY_FLAG" val="#wm#"/>
+  <p:tag name="KSO_WM_UNIT_TYPE" val="i"/>
+  <p:tag name="KSO_WM_UNIT_ID" val="custom20184567_7*i*2"/>
+  <p:tag name="KSO_WM_TEMPLATE_CATEGORY" val="custom"/>
+  <p:tag name="KSO_WM_TEMPLATE_INDEX" val="20184567"/>
+  <p:tag name="KSO_WM_UNIT_INDEX" val="2"/>
+</p:tagLst>
+</file>
+
+<file path=ppt/tags/tag91.xml><?xml version="1.0" encoding="utf-8"?>
 <p:tagLst xmlns:p="http://schemas.openxmlformats.org/presentationml/2006/main">
   <p:tag name="KSO_WM_SLIDE_SIZE" val="790*389"/>
   <p:tag name="KSO_WM_SLIDE_POSITION" val="84*125"/>
@@ -17676,7 +18705,7 @@
 </p:tagLst>
 </file>
 
-<file path=ppt/tags/tag91.xml><?xml version="1.0" encoding="utf-8"?>
+<file path=ppt/tags/tag92.xml><?xml version="1.0" encoding="utf-8"?>
 <p:tagLst xmlns:p="http://schemas.openxmlformats.org/presentationml/2006/main">
   <p:tag name="KSO_WM_BEAUTIFY_FLAG" val="#wm#"/>
   <p:tag name="KSO_WM_TEMPLATE_CATEGORY" val="custom"/>
@@ -17684,7 +18713,7 @@
 </p:tagLst>
 </file>
 
-<file path=ppt/tags/tag92.xml><?xml version="1.0" encoding="utf-8"?>
+<file path=ppt/tags/tag93.xml><?xml version="1.0" encoding="utf-8"?>
 <p:tagLst xmlns:p="http://schemas.openxmlformats.org/presentationml/2006/main">
   <p:tag name="KSO_WM_TAG_VERSION" val="1.0"/>
   <p:tag name="KSO_WM_BEAUTIFY_FLAG" val="#wm#"/>
@@ -17696,7 +18725,7 @@
 </p:tagLst>
 </file>
 
-<file path=ppt/tags/tag93.xml><?xml version="1.0" encoding="utf-8"?>
+<file path=ppt/tags/tag94.xml><?xml version="1.0" encoding="utf-8"?>
 <p:tagLst xmlns:p="http://schemas.openxmlformats.org/presentationml/2006/main">
   <p:tag name="KSO_WM_TEMPLATE_CATEGORY" val="custom"/>
   <p:tag name="KSO_WM_TEMPLATE_INDEX" val="20184567"/>
@@ -17715,7 +18744,7 @@
 </p:tagLst>
 </file>
 
-<file path=ppt/tags/tag94.xml><?xml version="1.0" encoding="utf-8"?>
+<file path=ppt/tags/tag95.xml><?xml version="1.0" encoding="utf-8"?>
 <p:tagLst xmlns:p="http://schemas.openxmlformats.org/presentationml/2006/main">
   <p:tag name="KSO_WM_TEMPLATE_CATEGORY" val="custom"/>
   <p:tag name="KSO_WM_TEMPLATE_INDEX" val="20184567"/>
@@ -17735,7 +18764,7 @@
 </p:tagLst>
 </file>
 
-<file path=ppt/tags/tag95.xml><?xml version="1.0" encoding="utf-8"?>
+<file path=ppt/tags/tag96.xml><?xml version="1.0" encoding="utf-8"?>
 <p:tagLst xmlns:p="http://schemas.openxmlformats.org/presentationml/2006/main">
   <p:tag name="MH" val="20161022204031"/>
   <p:tag name="MH_LIBRARY" val="GRAPHIC"/>
@@ -17756,7 +18785,7 @@
 </p:tagLst>
 </file>
 
-<file path=ppt/tags/tag96.xml><?xml version="1.0" encoding="utf-8"?>
+<file path=ppt/tags/tag97.xml><?xml version="1.0" encoding="utf-8"?>
 <p:tagLst xmlns:p="http://schemas.openxmlformats.org/presentationml/2006/main">
   <p:tag name="KSO_WM_TEMPLATE_CATEGORY" val="custom"/>
   <p:tag name="KSO_WM_TEMPLATE_INDEX" val="20184567"/>
@@ -17777,7 +18806,7 @@
 </p:tagLst>
 </file>
 
-<file path=ppt/tags/tag97.xml><?xml version="1.0" encoding="utf-8"?>
+<file path=ppt/tags/tag98.xml><?xml version="1.0" encoding="utf-8"?>
 <p:tagLst xmlns:p="http://schemas.openxmlformats.org/presentationml/2006/main">
   <p:tag name="MH" val="20161022204031"/>
   <p:tag name="MH_LIBRARY" val="GRAPHIC"/>
@@ -17797,7 +18826,7 @@
 </p:tagLst>
 </file>
 
-<file path=ppt/tags/tag98.xml><?xml version="1.0" encoding="utf-8"?>
+<file path=ppt/tags/tag99.xml><?xml version="1.0" encoding="utf-8"?>
 <p:tagLst xmlns:p="http://schemas.openxmlformats.org/presentationml/2006/main">
   <p:tag name="KSO_WM_DIAGRAM_GROUP_CODE" val="l1_1"/>
   <p:tag name="KSO_WM_TAG_VERSION" val="1.0"/>
@@ -17807,26 +18836,6 @@
   <p:tag name="KSO_WM_TEMPLATE_CATEGORY" val="custom"/>
   <p:tag name="KSO_WM_TEMPLATE_INDEX" val="20184567"/>
   <p:tag name="KSO_WM_UNIT_INDEX" val="0"/>
-  <p:tag name="KSO_WM_UNIT_USESOURCEFORMAT_APPLY" val="1"/>
-</p:tagLst>
-</file>
-
-<file path=ppt/tags/tag99.xml><?xml version="1.0" encoding="utf-8"?>
-<p:tagLst xmlns:p="http://schemas.openxmlformats.org/presentationml/2006/main">
-  <p:tag name="KSO_WM_TEMPLATE_CATEGORY" val="custom"/>
-  <p:tag name="KSO_WM_TEMPLATE_INDEX" val="20184567"/>
-  <p:tag name="KSO_WM_TAG_VERSION" val="1.0"/>
-  <p:tag name="KSO_WM_BEAUTIFY_FLAG" val="#wm#"/>
-  <p:tag name="KSO_WM_UNIT_CLEAR" val="1"/>
-  <p:tag name="KSO_WM_UNIT_TYPE" val="l_h_i"/>
-  <p:tag name="KSO_WM_UNIT_INDEX" val="1_1_1"/>
-  <p:tag name="KSO_WM_UNIT_ID" val="custom20184567_10*l_h_i*1_1_1"/>
-  <p:tag name="KSO_WM_UNIT_LAYERLEVEL" val="1_1_1"/>
-  <p:tag name="KSO_WM_DIAGRAM_GROUP_CODE" val="l1-2"/>
-  <p:tag name="KSO_WM_UNIT_LINE_FORE_SCHEMECOLOR_INDEX" val="14"/>
-  <p:tag name="KSO_WM_UNIT_LINE_FILL_TYPE" val="2"/>
-  <p:tag name="KSO_WM_UNIT_TEXT_FILL_FORE_SCHEMECOLOR_INDEX" val="2"/>
-  <p:tag name="KSO_WM_UNIT_TEXT_FILL_TYPE" val="1"/>
   <p:tag name="KSO_WM_UNIT_USESOURCEFORMAT_APPLY" val="1"/>
 </p:tagLst>
 </file>

--- a/OpenGL/答辩PPT.pptx
+++ b/OpenGL/答辩PPT.pptx
@@ -7853,7 +7853,6 @@
           <a:p>
             <a:r>
               <a:rPr lang="zh-CN" altLang="en-US">
-                <a:ln/>
                 <a:solidFill>
                   <a:schemeClr val="tx1"/>
                 </a:solidFill>
@@ -7868,7 +7867,6 @@
               <a:t>场景管理模块图解</a:t>
             </a:r>
             <a:endParaRPr lang="zh-CN" altLang="en-US">
-              <a:ln/>
               <a:solidFill>
                 <a:schemeClr val="tx1"/>
               </a:solidFill>
@@ -8028,7 +8026,6 @@
           <a:p>
             <a:r>
               <a:rPr lang="zh-CN" altLang="en-US">
-                <a:ln/>
                 <a:solidFill>
                   <a:schemeClr val="tx1"/>
                 </a:solidFill>
@@ -8044,7 +8041,6 @@
               <a:t>场景管理模块展示</a:t>
             </a:r>
             <a:endParaRPr lang="zh-CN" altLang="en-US">
-              <a:ln/>
               <a:solidFill>
                 <a:schemeClr val="tx1"/>
               </a:solidFill>
@@ -10537,7 +10533,6 @@
           <a:p>
             <a:r>
               <a:rPr lang="zh-CN" altLang="en-US">
-                <a:ln/>
                 <a:solidFill>
                   <a:schemeClr val="tx1"/>
                 </a:solidFill>
@@ -10554,7 +10549,6 @@
             </a:r>
             <a:r>
               <a:rPr lang="en-US" altLang="zh-CN">
-                <a:ln/>
                 <a:solidFill>
                   <a:schemeClr val="tx1"/>
                 </a:solidFill>
@@ -10571,7 +10565,6 @@
             </a:r>
             <a:r>
               <a:rPr lang="zh-CN" altLang="en-US">
-                <a:ln/>
                 <a:solidFill>
                   <a:schemeClr val="tx1"/>
                 </a:solidFill>
@@ -10587,7 +10580,6 @@
               <a:t>相关部分</a:t>
             </a:r>
             <a:endParaRPr lang="zh-CN" altLang="en-US">
-              <a:ln/>
               <a:solidFill>
                 <a:schemeClr val="tx1"/>
               </a:solidFill>
@@ -11410,7 +11402,7 @@
         <p:spPr>
           <a:xfrm>
             <a:off x="5716905" y="3022600"/>
-            <a:ext cx="4427220" cy="645160"/>
+            <a:ext cx="4427220" cy="829945"/>
           </a:xfrm>
           <a:prstGeom prst="rect">
             <a:avLst/>
@@ -11423,17 +11415,17 @@
           </a:bodyPr>
           <a:p>
             <a:r>
-              <a:rPr lang="zh-CN" altLang="en-US"/>
+              <a:rPr lang="zh-CN" altLang="en-US" sz="2400"/>
               <a:t>向下向操作系统申请资源</a:t>
             </a:r>
-            <a:endParaRPr lang="zh-CN" altLang="en-US"/>
-          </a:p>
-          <a:p>
-            <a:r>
-              <a:rPr lang="zh-CN" altLang="en-US"/>
+            <a:endParaRPr lang="zh-CN" altLang="en-US" sz="2400"/>
+          </a:p>
+          <a:p>
+            <a:r>
+              <a:rPr lang="zh-CN" altLang="en-US" sz="2400"/>
               <a:t>向上为底层渲染模块提供资源</a:t>
             </a:r>
-            <a:endParaRPr lang="zh-CN" altLang="en-US"/>
+            <a:endParaRPr lang="zh-CN" altLang="en-US" sz="2400"/>
           </a:p>
         </p:txBody>
       </p:sp>
@@ -11988,8 +11980,8 @@
         </p:blipFill>
         <p:spPr>
           <a:xfrm>
-            <a:off x="489585" y="2352675"/>
-            <a:ext cx="10693400" cy="3228975"/>
+            <a:off x="2540" y="2352675"/>
+            <a:ext cx="12125325" cy="3661410"/>
           </a:xfrm>
           <a:prstGeom prst="rect">
             <a:avLst/>
@@ -16838,7 +16830,6 @@
           <a:p>
             <a:r>
               <a:rPr lang="zh-CN" altLang="en-US">
-                <a:ln/>
                 <a:solidFill>
                   <a:schemeClr val="tx1"/>
                 </a:solidFill>
@@ -16853,7 +16844,6 @@
               <a:t>软件层次与职能</a:t>
             </a:r>
             <a:endParaRPr lang="zh-CN" altLang="en-US">
-              <a:ln/>
               <a:solidFill>
                 <a:schemeClr val="tx1"/>
               </a:solidFill>

--- a/OpenGL/答辩PPT.pptx
+++ b/OpenGL/答辩PPT.pptx
@@ -40,10 +40,9 @@
     <p:sldId id="318" r:id="rId33"/>
     <p:sldId id="311" r:id="rId34"/>
     <p:sldId id="316" r:id="rId35"/>
-    <p:sldId id="317" r:id="rId36"/>
-    <p:sldId id="303" r:id="rId37"/>
-    <p:sldId id="314" r:id="rId38"/>
-    <p:sldId id="299" r:id="rId39"/>
+    <p:sldId id="303" r:id="rId36"/>
+    <p:sldId id="314" r:id="rId37"/>
+    <p:sldId id="299" r:id="rId38"/>
   </p:sldIdLst>
   <p:sldSz cx="12192000" cy="6858000"/>
   <p:notesSz cx="6858000" cy="9144000"/>
@@ -633,6 +632,84 @@
           <a:bodyPr/>
           <a:lstStyle/>
           <a:p>
+            <a:fld id="{AD3AF948-CD41-4BF0-9128-4DF09BEA7B71}" type="slidenum">
+              <a:rPr lang="zh-CN" altLang="en-US" smtClean="0"/>
+            </a:fld>
+            <a:endParaRPr lang="zh-CN" altLang="en-US"/>
+          </a:p>
+        </p:txBody>
+      </p:sp>
+    </p:spTree>
+  </p:cSld>
+  <p:clrMapOvr>
+    <a:masterClrMapping/>
+  </p:clrMapOvr>
+</p:notes>
+</file>
+
+<file path=ppt/notesSlides/notesSlide11.xml><?xml version="1.0" encoding="utf-8"?>
+<p:notes xmlns:a="http://schemas.openxmlformats.org/drawingml/2006/main" xmlns:r="http://schemas.openxmlformats.org/officeDocument/2006/relationships" xmlns:p="http://schemas.openxmlformats.org/presentationml/2006/main">
+  <p:cSld>
+    <p:spTree>
+      <p:nvGrpSpPr>
+        <p:cNvPr id="1" name=""/>
+        <p:cNvGrpSpPr/>
+        <p:nvPr/>
+      </p:nvGrpSpPr>
+      <p:grpSpPr>
+        <a:xfrm>
+          <a:off x="0" y="0"/>
+          <a:ext cx="0" cy="0"/>
+          <a:chOff x="0" y="0"/>
+          <a:chExt cx="0" cy="0"/>
+        </a:xfrm>
+      </p:grpSpPr>
+      <p:sp>
+        <p:nvSpPr>
+          <p:cNvPr id="2" name="幻灯片图像占位符 1"/>
+          <p:cNvSpPr>
+            <a:spLocks noGrp="1" noRot="1" noChangeAspect="1"/>
+          </p:cNvSpPr>
+          <p:nvPr>
+            <p:ph type="sldImg"/>
+          </p:nvPr>
+        </p:nvSpPr>
+        <p:spPr/>
+      </p:sp>
+      <p:sp>
+        <p:nvSpPr>
+          <p:cNvPr id="3" name="备注占位符 2"/>
+          <p:cNvSpPr>
+            <a:spLocks noGrp="1"/>
+          </p:cNvSpPr>
+          <p:nvPr>
+            <p:ph type="body" idx="1"/>
+          </p:nvPr>
+        </p:nvSpPr>
+        <p:spPr/>
+        <p:txBody>
+          <a:bodyPr/>
+          <a:lstStyle/>
+          <a:p>
+            <a:endParaRPr lang="zh-CN" altLang="en-US"/>
+          </a:p>
+        </p:txBody>
+      </p:sp>
+      <p:sp>
+        <p:nvSpPr>
+          <p:cNvPr id="4" name="灯片编号占位符 3"/>
+          <p:cNvSpPr>
+            <a:spLocks noGrp="1"/>
+          </p:cNvSpPr>
+          <p:nvPr>
+            <p:ph type="sldNum" sz="quarter" idx="10"/>
+          </p:nvPr>
+        </p:nvSpPr>
+        <p:spPr/>
+        <p:txBody>
+          <a:bodyPr/>
+          <a:lstStyle/>
+          <a:p>
             <a:fld id="{D281195B-83DD-40CD-B552-C649BE2EA051}" type="slidenum">
               <a:rPr lang="zh-CN" altLang="en-US" smtClean="0"/>
             </a:fld>
@@ -969,63 +1046,29 @@
         <p:cNvGrpSpPr/>
         <p:nvPr/>
       </p:nvGrpSpPr>
-      <p:grpSpPr>
-        <a:xfrm>
-          <a:off x="0" y="0"/>
-          <a:ext cx="0" cy="0"/>
-          <a:chOff x="0" y="0"/>
-          <a:chExt cx="0" cy="0"/>
-        </a:xfrm>
-      </p:grpSpPr>
+      <p:grpSpPr/>
       <p:sp>
         <p:nvSpPr>
           <p:cNvPr id="2" name="幻灯片图像占位符 1"/>
-          <p:cNvSpPr>
-            <a:spLocks noGrp="1" noRot="1" noChangeAspect="1"/>
-          </p:cNvSpPr>
-          <p:nvPr>
-            <p:ph type="sldImg"/>
+          <p:cNvSpPr/>
+          <p:nvPr>
+            <p:ph type="sldImg" idx="2"/>
           </p:nvPr>
         </p:nvSpPr>
         <p:spPr/>
       </p:sp>
       <p:sp>
         <p:nvSpPr>
-          <p:cNvPr id="3" name="备注占位符 2"/>
-          <p:cNvSpPr>
-            <a:spLocks noGrp="1"/>
-          </p:cNvSpPr>
-          <p:nvPr>
-            <p:ph type="body" idx="1"/>
+          <p:cNvPr id="3" name="文本占位符 2"/>
+          <p:cNvSpPr/>
+          <p:nvPr>
+            <p:ph type="body" idx="3"/>
           </p:nvPr>
         </p:nvSpPr>
         <p:spPr/>
         <p:txBody>
           <a:bodyPr/>
-          <a:lstStyle/>
-          <a:p>
-            <a:endParaRPr lang="zh-CN" altLang="en-US"/>
-          </a:p>
-        </p:txBody>
-      </p:sp>
-      <p:sp>
-        <p:nvSpPr>
-          <p:cNvPr id="4" name="灯片编号占位符 3"/>
-          <p:cNvSpPr>
-            <a:spLocks noGrp="1"/>
-          </p:cNvSpPr>
-          <p:nvPr>
-            <p:ph type="sldNum" sz="quarter" idx="10"/>
-          </p:nvPr>
-        </p:nvSpPr>
-        <p:spPr/>
-        <p:txBody>
-          <a:bodyPr/>
-          <a:lstStyle/>
-          <a:p>
-            <a:fld id="{63EF2083-0386-4B43-BE3F-5071C6BB4FA7}" type="slidenum">
-              <a:rPr lang="zh-CN" altLang="en-US" smtClean="0"/>
-            </a:fld>
+          <a:p>
             <a:endParaRPr lang="zh-CN" altLang="en-US"/>
           </a:p>
         </p:txBody>
@@ -1101,50 +1144,10 @@
           <a:bodyPr/>
           <a:lstStyle/>
           <a:p>
-            <a:pPr marL="0" marR="0" lvl="0" indent="0" algn="r" defTabSz="914400" eaLnBrk="0" fontAlgn="base" latinLnBrk="0" hangingPunct="0">
-              <a:lnSpc>
-                <a:spcPct val="100000"/>
-              </a:lnSpc>
-              <a:spcBef>
-                <a:spcPct val="0"/>
-              </a:spcBef>
-              <a:spcAft>
-                <a:spcPct val="0"/>
-              </a:spcAft>
-              <a:buClrTx/>
-              <a:buSzTx/>
-              <a:buFontTx/>
-              <a:buNone/>
-              <a:defRPr/>
-            </a:pPr>
-            <a:fld id="{39AD698A-D66C-4FA1-BBD8-F72AE9E6E751}" type="slidenum">
-              <a:rPr kumimoji="0" lang="zh-CN" altLang="en-US" sz="1200" b="0" i="0" u="none" strike="noStrike" kern="1200" cap="none" spc="0" normalizeH="0" baseline="0" noProof="0" smtClean="0">
-                <a:ln>
-                  <a:noFill/>
-                </a:ln>
-                <a:solidFill>
-                  <a:prstClr val="black"/>
-                </a:solidFill>
-                <a:effectLst/>
-                <a:uLnTx/>
-                <a:uFillTx/>
-                <a:latin typeface="Calibri" panose="020F0502020204030204" charset="0"/>
-                <a:ea typeface="微软雅黑" panose="020B0503020204020204" charset="-122"/>
-              </a:rPr>
+            <a:fld id="{63EF2083-0386-4B43-BE3F-5071C6BB4FA7}" type="slidenum">
+              <a:rPr lang="zh-CN" altLang="en-US" smtClean="0"/>
             </a:fld>
-            <a:endParaRPr kumimoji="0" lang="zh-CN" altLang="en-US" sz="1200" b="0" i="0" u="none" strike="noStrike" kern="1200" cap="none" spc="0" normalizeH="0" baseline="0" noProof="0">
-              <a:ln>
-                <a:noFill/>
-              </a:ln>
-              <a:solidFill>
-                <a:prstClr val="black"/>
-              </a:solidFill>
-              <a:effectLst/>
-              <a:uLnTx/>
-              <a:uFillTx/>
-              <a:latin typeface="Calibri" panose="020F0502020204030204" charset="0"/>
-              <a:ea typeface="微软雅黑" panose="020B0503020204020204" charset="-122"/>
-            </a:endParaRPr>
+            <a:endParaRPr lang="zh-CN" altLang="en-US"/>
           </a:p>
         </p:txBody>
       </p:sp>
@@ -1219,10 +1222,50 @@
           <a:bodyPr/>
           <a:lstStyle/>
           <a:p>
-            <a:fld id="{63EF2083-0386-4B43-BE3F-5071C6BB4FA7}" type="slidenum">
-              <a:rPr lang="zh-CN" altLang="en-US" smtClean="0"/>
+            <a:pPr marL="0" marR="0" lvl="0" indent="0" algn="r" defTabSz="914400" eaLnBrk="0" fontAlgn="base" latinLnBrk="0" hangingPunct="0">
+              <a:lnSpc>
+                <a:spcPct val="100000"/>
+              </a:lnSpc>
+              <a:spcBef>
+                <a:spcPct val="0"/>
+              </a:spcBef>
+              <a:spcAft>
+                <a:spcPct val="0"/>
+              </a:spcAft>
+              <a:buClrTx/>
+              <a:buSzTx/>
+              <a:buFontTx/>
+              <a:buNone/>
+              <a:defRPr/>
+            </a:pPr>
+            <a:fld id="{39AD698A-D66C-4FA1-BBD8-F72AE9E6E751}" type="slidenum">
+              <a:rPr kumimoji="0" lang="zh-CN" altLang="en-US" sz="1200" b="0" i="0" u="none" strike="noStrike" kern="1200" cap="none" spc="0" normalizeH="0" baseline="0" noProof="0" smtClean="0">
+                <a:ln>
+                  <a:noFill/>
+                </a:ln>
+                <a:solidFill>
+                  <a:prstClr val="black"/>
+                </a:solidFill>
+                <a:effectLst/>
+                <a:uLnTx/>
+                <a:uFillTx/>
+                <a:latin typeface="Calibri" panose="020F0502020204030204" charset="0"/>
+                <a:ea typeface="微软雅黑" panose="020B0503020204020204" charset="-122"/>
+              </a:rPr>
             </a:fld>
-            <a:endParaRPr lang="zh-CN" altLang="en-US"/>
+            <a:endParaRPr kumimoji="0" lang="zh-CN" altLang="en-US" sz="1200" b="0" i="0" u="none" strike="noStrike" kern="1200" cap="none" spc="0" normalizeH="0" baseline="0" noProof="0">
+              <a:ln>
+                <a:noFill/>
+              </a:ln>
+              <a:solidFill>
+                <a:prstClr val="black"/>
+              </a:solidFill>
+              <a:effectLst/>
+              <a:uLnTx/>
+              <a:uFillTx/>
+              <a:latin typeface="Calibri" panose="020F0502020204030204" charset="0"/>
+              <a:ea typeface="微软雅黑" panose="020B0503020204020204" charset="-122"/>
+            </a:endParaRPr>
           </a:p>
         </p:txBody>
       </p:sp>
@@ -1297,7 +1340,7 @@
           <a:bodyPr/>
           <a:lstStyle/>
           <a:p>
-            <a:fld id="{AD3AF948-CD41-4BF0-9128-4DF09BEA7B71}" type="slidenum">
+            <a:fld id="{63EF2083-0386-4B43-BE3F-5071C6BB4FA7}" type="slidenum">
               <a:rPr lang="zh-CN" altLang="en-US" smtClean="0"/>
             </a:fld>
             <a:endParaRPr lang="zh-CN" altLang="en-US"/>
@@ -7525,7 +7568,12 @@
             </p:custDataLst>
           </p:nvPr>
         </p:nvSpPr>
-        <p:spPr/>
+        <p:spPr>
+          <a:xfrm>
+            <a:off x="1523366" y="1861343"/>
+            <a:ext cx="9144000" cy="886397"/>
+          </a:xfrm>
+        </p:spPr>
         <p:txBody>
           <a:bodyPr lIns="90000" tIns="0" rIns="90000" bIns="0">
             <a:normAutofit fontScale="90000"/>
@@ -7533,7 +7581,7 @@
           <a:lstStyle/>
           <a:p>
             <a:r>
-              <a:rPr lang="zh-CN" altLang="en-US" dirty="0">
+              <a:rPr lang="zh-CN" altLang="en-US" b="1" dirty="0">
                 <a:solidFill>
                   <a:schemeClr val="tx1"/>
                 </a:solidFill>
@@ -7548,7 +7596,7 @@
               <a:t>基于</a:t>
             </a:r>
             <a:r>
-              <a:rPr lang="en-US" altLang="zh-CN" dirty="0">
+              <a:rPr lang="en-US" altLang="zh-CN" b="1" dirty="0">
                 <a:solidFill>
                   <a:schemeClr val="tx1"/>
                 </a:solidFill>
@@ -7563,7 +7611,7 @@
               <a:t>OpenGL</a:t>
             </a:r>
             <a:r>
-              <a:rPr lang="zh-CN" altLang="en-US" dirty="0">
+              <a:rPr lang="zh-CN" altLang="en-US" b="1" dirty="0">
                 <a:solidFill>
                   <a:schemeClr val="tx1"/>
                 </a:solidFill>
@@ -7577,7 +7625,7 @@
               </a:rPr>
               <a:t>的图形图像渲染引擎</a:t>
             </a:r>
-            <a:endParaRPr lang="zh-CN" altLang="en-US" dirty="0">
+            <a:endParaRPr lang="zh-CN" altLang="en-US" b="1" dirty="0">
               <a:solidFill>
                 <a:schemeClr val="tx1"/>
               </a:solidFill>
@@ -7605,7 +7653,12 @@
             </p:custDataLst>
           </p:nvPr>
         </p:nvSpPr>
-        <p:spPr/>
+        <p:spPr>
+          <a:xfrm>
+            <a:off x="1453516" y="4050662"/>
+            <a:ext cx="9144000" cy="965389"/>
+          </a:xfrm>
+        </p:spPr>
         <p:txBody>
           <a:bodyPr lIns="90000" tIns="0" rIns="90000" bIns="46800"/>
           <a:lstStyle/>
@@ -7773,35 +7826,172 @@
             <p:ph idx="1"/>
           </p:nvPr>
         </p:nvSpPr>
-        <p:spPr/>
+        <p:spPr>
+          <a:xfrm>
+            <a:off x="776605" y="2091055"/>
+            <a:ext cx="10515600" cy="4351338"/>
+          </a:xfrm>
+        </p:spPr>
         <p:txBody>
           <a:bodyPr/>
           <a:p>
+            <a:pPr fontAlgn="auto">
+              <a:lnSpc>
+                <a:spcPct val="200000"/>
+              </a:lnSpc>
+            </a:pPr>
             <a:r>
               <a:rPr lang="zh-CN" altLang="en-US"/>
-              <a:t>①执行当前场景的流程函数，维护</a:t>
+              <a:t>执行</a:t>
+            </a:r>
+            <a:r>
+              <a:rPr lang="zh-CN" altLang="en-US" b="1">
+                <a:solidFill>
+                  <a:srgbClr val="FF0000"/>
+                </a:solidFill>
+              </a:rPr>
+              <a:t>当前场景</a:t>
+            </a:r>
+            <a:r>
+              <a:rPr lang="zh-CN" altLang="en-US"/>
+              <a:t>的</a:t>
+            </a:r>
+            <a:r>
+              <a:rPr lang="zh-CN" altLang="en-US" b="1">
+                <a:solidFill>
+                  <a:srgbClr val="FF0000"/>
+                </a:solidFill>
+              </a:rPr>
+              <a:t>流程</a:t>
+            </a:r>
+            <a:r>
+              <a:rPr lang="zh-CN" altLang="en-US"/>
+              <a:t>函数，维护</a:t>
+            </a:r>
+            <a:r>
+              <a:rPr lang="zh-CN" altLang="en-US">
+                <a:solidFill>
+                  <a:schemeClr val="tx1"/>
+                </a:solidFill>
+                <a:sym typeface="+mn-ea"/>
+              </a:rPr>
+              <a:t>场景内</a:t>
             </a:r>
             <a:r>
               <a:rPr lang="zh-CN" altLang="en-US">
                 <a:sym typeface="+mn-ea"/>
               </a:rPr>
-              <a:t>场景内的渲染列表、摄像机。</a:t>
+              <a:t>的</a:t>
+            </a:r>
+            <a:r>
+              <a:rPr lang="zh-CN" altLang="en-US" b="1">
+                <a:solidFill>
+                  <a:srgbClr val="FF0000"/>
+                </a:solidFill>
+                <a:sym typeface="+mn-ea"/>
+              </a:rPr>
+              <a:t>渲染列表</a:t>
+            </a:r>
+            <a:r>
+              <a:rPr lang="zh-CN" altLang="en-US">
+                <a:sym typeface="+mn-ea"/>
+              </a:rPr>
+              <a:t>、</a:t>
+            </a:r>
+            <a:r>
+              <a:rPr lang="zh-CN" altLang="en-US" b="1">
+                <a:solidFill>
+                  <a:srgbClr val="FF0000"/>
+                </a:solidFill>
+                <a:sym typeface="+mn-ea"/>
+              </a:rPr>
+              <a:t>摄像机</a:t>
+            </a:r>
+            <a:r>
+              <a:rPr lang="zh-CN" altLang="en-US">
+                <a:solidFill>
+                  <a:schemeClr val="tx1"/>
+                </a:solidFill>
+                <a:sym typeface="+mn-ea"/>
+              </a:rPr>
+              <a:t>、</a:t>
+            </a:r>
+            <a:r>
+              <a:rPr lang="zh-CN" altLang="en-US" b="1">
+                <a:solidFill>
+                  <a:srgbClr val="FF0000"/>
+                </a:solidFill>
+                <a:sym typeface="+mn-ea"/>
+              </a:rPr>
+              <a:t>所有游戏物体</a:t>
+            </a:r>
+            <a:r>
+              <a:rPr lang="zh-CN" altLang="en-US">
+                <a:sym typeface="+mn-ea"/>
+              </a:rPr>
+              <a:t>。</a:t>
             </a:r>
             <a:endParaRPr lang="zh-CN" altLang="en-US">
               <a:sym typeface="+mn-ea"/>
             </a:endParaRPr>
           </a:p>
           <a:p>
+            <a:pPr fontAlgn="auto">
+              <a:lnSpc>
+                <a:spcPct val="200000"/>
+              </a:lnSpc>
+            </a:pPr>
             <a:r>
               <a:rPr lang="zh-CN" altLang="en-US"/>
-              <a:t>②提供场景注册、场景切换功能。</a:t>
+              <a:t>提供场景</a:t>
+            </a:r>
+            <a:r>
+              <a:rPr lang="zh-CN" altLang="en-US" b="1">
+                <a:solidFill>
+                  <a:srgbClr val="FF0000"/>
+                </a:solidFill>
+              </a:rPr>
+              <a:t>注册</a:t>
+            </a:r>
+            <a:r>
+              <a:rPr lang="zh-CN" altLang="en-US"/>
+              <a:t>、场景</a:t>
+            </a:r>
+            <a:r>
+              <a:rPr lang="zh-CN" altLang="en-US" b="1">
+                <a:solidFill>
+                  <a:srgbClr val="FF0000"/>
+                </a:solidFill>
+              </a:rPr>
+              <a:t>切换</a:t>
+            </a:r>
+            <a:r>
+              <a:rPr lang="zh-CN" altLang="en-US"/>
+              <a:t>功能。</a:t>
             </a:r>
             <a:endParaRPr lang="zh-CN" altLang="en-US"/>
           </a:p>
           <a:p>
+            <a:pPr fontAlgn="auto">
+              <a:lnSpc>
+                <a:spcPct val="200000"/>
+              </a:lnSpc>
+            </a:pPr>
             <a:r>
               <a:rPr lang="zh-CN" altLang="en-US"/>
-              <a:t>③管理OpenGL状态机的全局状态。</a:t>
+              <a:t>管理OpenGL状态机的</a:t>
+            </a:r>
+            <a:r>
+              <a:rPr lang="zh-CN" altLang="en-US" b="1">
+                <a:solidFill>
+                  <a:srgbClr val="FF0000"/>
+                </a:solidFill>
+              </a:rPr>
+              <a:t>全局状态</a:t>
+            </a:r>
+            <a:r>
+              <a:rPr lang="zh-CN" altLang="en-US"/>
+              <a:t>。</a:t>
             </a:r>
             <a:endParaRPr lang="zh-CN" altLang="en-US"/>
           </a:p>
@@ -7881,32 +8071,6 @@
           </a:p>
         </p:txBody>
       </p:sp>
-      <p:pic>
-        <p:nvPicPr>
-          <p:cNvPr id="13" name="内容占位符 12"/>
-          <p:cNvPicPr>
-            <a:picLocks noChangeAspect="1"/>
-          </p:cNvPicPr>
-          <p:nvPr>
-            <p:ph idx="1"/>
-          </p:nvPr>
-        </p:nvPicPr>
-        <p:blipFill>
-          <a:blip r:embed="rId1"/>
-          <a:stretch>
-            <a:fillRect/>
-          </a:stretch>
-        </p:blipFill>
-        <p:spPr>
-          <a:xfrm>
-            <a:off x="838200" y="1851660"/>
-            <a:ext cx="6072505" cy="1661795"/>
-          </a:xfrm>
-          <a:prstGeom prst="rect">
-            <a:avLst/>
-          </a:prstGeom>
-        </p:spPr>
-      </p:pic>
       <p:sp>
         <p:nvSpPr>
           <p:cNvPr id="14" name="文本框 13"/>
@@ -7915,7 +8079,7 @@
         </p:nvSpPr>
         <p:spPr>
           <a:xfrm>
-            <a:off x="7897495" y="2577465"/>
+            <a:off x="8668385" y="2445385"/>
             <a:ext cx="3009265" cy="460375"/>
           </a:xfrm>
           <a:prstGeom prst="rect">
@@ -7928,38 +8092,15 @@
             <a:spAutoFit/>
           </a:bodyPr>
           <a:p>
+            <a:pPr algn="ctr"/>
             <a:r>
               <a:rPr lang="zh-CN" altLang="en-US" sz="2400"/>
-              <a:t>内部层次间的交互</a:t>
+              <a:t>模块内部交互</a:t>
             </a:r>
             <a:endParaRPr lang="zh-CN" altLang="en-US" sz="2400"/>
           </a:p>
         </p:txBody>
       </p:sp>
-      <p:pic>
-        <p:nvPicPr>
-          <p:cNvPr id="15" name="图片 14"/>
-          <p:cNvPicPr>
-            <a:picLocks noChangeAspect="1"/>
-          </p:cNvPicPr>
-          <p:nvPr/>
-        </p:nvPicPr>
-        <p:blipFill>
-          <a:blip r:embed="rId2"/>
-          <a:stretch>
-            <a:fillRect/>
-          </a:stretch>
-        </p:blipFill>
-        <p:spPr>
-          <a:xfrm>
-            <a:off x="838200" y="4041140"/>
-            <a:ext cx="6072505" cy="1678305"/>
-          </a:xfrm>
-          <a:prstGeom prst="rect">
-            <a:avLst/>
-          </a:prstGeom>
-        </p:spPr>
-      </p:pic>
       <p:sp>
         <p:nvSpPr>
           <p:cNvPr id="16" name="文本框 15"/>
@@ -7968,8 +8109,8 @@
         </p:nvSpPr>
         <p:spPr>
           <a:xfrm>
-            <a:off x="7680325" y="4613275"/>
-            <a:ext cx="3793490" cy="460375"/>
+            <a:off x="9144000" y="5174615"/>
+            <a:ext cx="3007360" cy="460375"/>
           </a:xfrm>
           <a:prstGeom prst="rect">
             <a:avLst/>
@@ -7981,17 +8122,360 @@
             <a:spAutoFit/>
           </a:bodyPr>
           <a:p>
+            <a:pPr algn="ctr"/>
             <a:r>
               <a:rPr lang="zh-CN" altLang="en-US" sz="2400"/>
-              <a:t>对外和底层渲染器的交互</a:t>
+              <a:t>和底层渲染器的交互</a:t>
             </a:r>
             <a:endParaRPr lang="zh-CN" altLang="en-US" sz="2400"/>
+          </a:p>
+        </p:txBody>
+      </p:sp>
+      <p:sp>
+        <p:nvSpPr>
+          <p:cNvPr id="4" name="矩形 3"/>
+          <p:cNvSpPr/>
+          <p:nvPr/>
+        </p:nvSpPr>
+        <p:spPr>
+          <a:xfrm>
+            <a:off x="5591175" y="1718310"/>
+            <a:ext cx="3552190" cy="1817370"/>
+          </a:xfrm>
+          <a:prstGeom prst="rect">
+            <a:avLst/>
+          </a:prstGeom>
+        </p:spPr>
+        <p:style>
+          <a:lnRef idx="3">
+            <a:schemeClr val="lt1"/>
+          </a:lnRef>
+          <a:fillRef idx="1">
+            <a:schemeClr val="accent2"/>
+          </a:fillRef>
+          <a:effectRef idx="1">
+            <a:schemeClr val="accent2"/>
+          </a:effectRef>
+          <a:fontRef idx="minor">
+            <a:schemeClr val="lt1"/>
+          </a:fontRef>
+        </p:style>
+        <p:txBody>
+          <a:bodyPr rtlCol="0" anchor="ctr"/>
+          <a:p>
+            <a:pPr algn="ctr"/>
+            <a:r>
+              <a:rPr lang="en-US" altLang="zh-CN" sz="3200" b="1">
+                <a:solidFill>
+                  <a:schemeClr val="tx1"/>
+                </a:solidFill>
+              </a:rPr>
+              <a:t>SceneManager</a:t>
+            </a:r>
+            <a:endParaRPr lang="en-US" altLang="zh-CN" sz="3200" b="1">
+              <a:solidFill>
+                <a:schemeClr val="tx1"/>
+              </a:solidFill>
+            </a:endParaRPr>
+          </a:p>
+        </p:txBody>
+      </p:sp>
+      <p:sp>
+        <p:nvSpPr>
+          <p:cNvPr id="6" name="矩形 5"/>
+          <p:cNvSpPr/>
+          <p:nvPr/>
+        </p:nvSpPr>
+        <p:spPr>
+          <a:xfrm>
+            <a:off x="269240" y="1718310"/>
+            <a:ext cx="3114675" cy="1817370"/>
+          </a:xfrm>
+          <a:prstGeom prst="rect">
+            <a:avLst/>
+          </a:prstGeom>
+        </p:spPr>
+        <p:style>
+          <a:lnRef idx="2">
+            <a:schemeClr val="accent6">
+              <a:shade val="50000"/>
+            </a:schemeClr>
+          </a:lnRef>
+          <a:fillRef idx="1">
+            <a:schemeClr val="accent6"/>
+          </a:fillRef>
+          <a:effectRef idx="0">
+            <a:schemeClr val="accent6"/>
+          </a:effectRef>
+          <a:fontRef idx="minor">
+            <a:schemeClr val="lt1"/>
+          </a:fontRef>
+        </p:style>
+        <p:txBody>
+          <a:bodyPr rtlCol="0" anchor="ctr"/>
+          <a:p>
+            <a:pPr algn="ctr"/>
+            <a:r>
+              <a:rPr lang="en-US" altLang="zh-CN" sz="3200" b="1">
+                <a:solidFill>
+                  <a:schemeClr val="tx1"/>
+                </a:solidFill>
+              </a:rPr>
+              <a:t>Scene</a:t>
+            </a:r>
+            <a:endParaRPr lang="en-US" altLang="zh-CN" sz="3200" b="1">
+              <a:solidFill>
+                <a:schemeClr val="tx1"/>
+              </a:solidFill>
+            </a:endParaRPr>
+          </a:p>
+        </p:txBody>
+      </p:sp>
+      <p:sp>
+        <p:nvSpPr>
+          <p:cNvPr id="8" name="文本框 7"/>
+          <p:cNvSpPr txBox="1"/>
+          <p:nvPr/>
+        </p:nvSpPr>
+        <p:spPr>
+          <a:xfrm>
+            <a:off x="3691890" y="2095500"/>
+            <a:ext cx="1438910" cy="460375"/>
+          </a:xfrm>
+          <a:prstGeom prst="rect">
+            <a:avLst/>
+          </a:prstGeom>
+          <a:noFill/>
+        </p:spPr>
+        <p:txBody>
+          <a:bodyPr wrap="square" rtlCol="0">
+            <a:spAutoFit/>
+          </a:bodyPr>
+          <a:p>
+            <a:r>
+              <a:rPr lang="zh-CN" altLang="en-US" sz="2400"/>
+              <a:t>流程函数</a:t>
+            </a:r>
+            <a:endParaRPr lang="zh-CN" altLang="en-US" sz="2400"/>
+          </a:p>
+        </p:txBody>
+      </p:sp>
+      <p:sp>
+        <p:nvSpPr>
+          <p:cNvPr id="10" name="右箭头 9"/>
+          <p:cNvSpPr/>
+          <p:nvPr/>
+        </p:nvSpPr>
+        <p:spPr>
+          <a:xfrm>
+            <a:off x="3528060" y="2555875"/>
+            <a:ext cx="1766570" cy="459740"/>
+          </a:xfrm>
+          <a:prstGeom prst="rightArrow">
+            <a:avLst/>
+          </a:prstGeom>
+          <a:solidFill>
+            <a:schemeClr val="bg1"/>
+          </a:solidFill>
+        </p:spPr>
+        <p:style>
+          <a:lnRef idx="2">
+            <a:schemeClr val="accent1">
+              <a:shade val="50000"/>
+            </a:schemeClr>
+          </a:lnRef>
+          <a:fillRef idx="1">
+            <a:schemeClr val="accent1"/>
+          </a:fillRef>
+          <a:effectRef idx="0">
+            <a:schemeClr val="accent1"/>
+          </a:effectRef>
+          <a:fontRef idx="minor">
+            <a:schemeClr val="lt1"/>
+          </a:fontRef>
+        </p:style>
+        <p:txBody>
+          <a:bodyPr rtlCol="0" anchor="ctr"/>
+          <a:p>
+            <a:pPr algn="ctr"/>
+            <a:endParaRPr lang="zh-CN" altLang="en-US"/>
+          </a:p>
+        </p:txBody>
+      </p:sp>
+      <p:sp>
+        <p:nvSpPr>
+          <p:cNvPr id="11" name="矩形 10"/>
+          <p:cNvSpPr/>
+          <p:nvPr/>
+        </p:nvSpPr>
+        <p:spPr>
+          <a:xfrm>
+            <a:off x="5590540" y="4491355"/>
+            <a:ext cx="3553460" cy="1826895"/>
+          </a:xfrm>
+          <a:prstGeom prst="rect">
+            <a:avLst/>
+          </a:prstGeom>
+        </p:spPr>
+        <p:style>
+          <a:lnRef idx="2">
+            <a:schemeClr val="accent6">
+              <a:shade val="50000"/>
+            </a:schemeClr>
+          </a:lnRef>
+          <a:fillRef idx="1">
+            <a:schemeClr val="accent6"/>
+          </a:fillRef>
+          <a:effectRef idx="0">
+            <a:schemeClr val="accent6"/>
+          </a:effectRef>
+          <a:fontRef idx="minor">
+            <a:schemeClr val="lt1"/>
+          </a:fontRef>
+        </p:style>
+        <p:txBody>
+          <a:bodyPr rtlCol="0" anchor="ctr"/>
+          <a:p>
+            <a:pPr algn="ctr"/>
+            <a:r>
+              <a:rPr lang="en-US" altLang="zh-CN" sz="3200" b="1">
+                <a:solidFill>
+                  <a:schemeClr val="tx1"/>
+                </a:solidFill>
+              </a:rPr>
+              <a:t>Scene</a:t>
+            </a:r>
+            <a:endParaRPr lang="en-US" altLang="zh-CN" sz="3200" b="1">
+              <a:solidFill>
+                <a:schemeClr val="tx1"/>
+              </a:solidFill>
+            </a:endParaRPr>
+          </a:p>
+        </p:txBody>
+      </p:sp>
+      <p:sp>
+        <p:nvSpPr>
+          <p:cNvPr id="19" name="文本框 18"/>
+          <p:cNvSpPr txBox="1"/>
+          <p:nvPr/>
+        </p:nvSpPr>
+        <p:spPr>
+          <a:xfrm>
+            <a:off x="3649345" y="5030470"/>
+            <a:ext cx="1524000" cy="460375"/>
+          </a:xfrm>
+          <a:prstGeom prst="rect">
+            <a:avLst/>
+          </a:prstGeom>
+          <a:noFill/>
+        </p:spPr>
+        <p:txBody>
+          <a:bodyPr wrap="square" rtlCol="0">
+            <a:spAutoFit/>
+          </a:bodyPr>
+          <a:p>
+            <a:r>
+              <a:rPr lang="zh-CN" altLang="en-US" sz="2400"/>
+              <a:t>流程函数</a:t>
+            </a:r>
+            <a:endParaRPr lang="zh-CN" altLang="en-US" sz="2400"/>
+          </a:p>
+        </p:txBody>
+      </p:sp>
+      <p:sp>
+        <p:nvSpPr>
+          <p:cNvPr id="21" name="矩形 20"/>
+          <p:cNvSpPr/>
+          <p:nvPr/>
+        </p:nvSpPr>
+        <p:spPr>
+          <a:xfrm>
+            <a:off x="269240" y="4321810"/>
+            <a:ext cx="3124835" cy="1996440"/>
+          </a:xfrm>
+          <a:prstGeom prst="rect">
+            <a:avLst/>
+          </a:prstGeom>
+        </p:spPr>
+        <p:style>
+          <a:lnRef idx="3">
+            <a:schemeClr val="lt1"/>
+          </a:lnRef>
+          <a:fillRef idx="1">
+            <a:schemeClr val="accent1"/>
+          </a:fillRef>
+          <a:effectRef idx="1">
+            <a:schemeClr val="accent1"/>
+          </a:effectRef>
+          <a:fontRef idx="minor">
+            <a:schemeClr val="lt1"/>
+          </a:fontRef>
+        </p:style>
+        <p:txBody>
+          <a:bodyPr rtlCol="0" anchor="ctr"/>
+          <a:p>
+            <a:pPr algn="ctr"/>
+            <a:r>
+              <a:rPr lang="zh-CN" altLang="en-US" sz="3200" b="1">
+                <a:solidFill>
+                  <a:schemeClr val="tx1"/>
+                </a:solidFill>
+              </a:rPr>
+              <a:t>游戏物体</a:t>
+            </a:r>
+            <a:endParaRPr lang="zh-CN" altLang="en-US" sz="3200" b="1">
+              <a:solidFill>
+                <a:schemeClr val="tx1"/>
+              </a:solidFill>
+            </a:endParaRPr>
+          </a:p>
+        </p:txBody>
+      </p:sp>
+      <p:sp>
+        <p:nvSpPr>
+          <p:cNvPr id="22" name="右箭头 21"/>
+          <p:cNvSpPr/>
+          <p:nvPr/>
+        </p:nvSpPr>
+        <p:spPr>
+          <a:xfrm>
+            <a:off x="3528060" y="5572760"/>
+            <a:ext cx="1766570" cy="459740"/>
+          </a:xfrm>
+          <a:prstGeom prst="rightArrow">
+            <a:avLst/>
+          </a:prstGeom>
+          <a:solidFill>
+            <a:schemeClr val="bg1"/>
+          </a:solidFill>
+        </p:spPr>
+        <p:style>
+          <a:lnRef idx="2">
+            <a:schemeClr val="accent1">
+              <a:shade val="50000"/>
+            </a:schemeClr>
+          </a:lnRef>
+          <a:fillRef idx="1">
+            <a:schemeClr val="accent1"/>
+          </a:fillRef>
+          <a:effectRef idx="0">
+            <a:schemeClr val="accent1"/>
+          </a:effectRef>
+          <a:fontRef idx="minor">
+            <a:schemeClr val="lt1"/>
+          </a:fontRef>
+        </p:style>
+        <p:txBody>
+          <a:bodyPr rtlCol="0" anchor="ctr"/>
+          <a:p>
+            <a:pPr algn="ctr"/>
+            <a:endParaRPr lang="zh-CN" altLang="en-US"/>
           </a:p>
         </p:txBody>
       </p:sp>
     </p:spTree>
     <p:custDataLst>
-      <p:tags r:id="rId3"/>
+      <p:tags r:id="rId1"/>
     </p:custDataLst>
   </p:cSld>
   <p:clrMapOvr>
@@ -8561,46 +9045,145 @@
             <p:ph idx="1"/>
           </p:nvPr>
         </p:nvSpPr>
-        <p:spPr/>
+        <p:spPr>
+          <a:xfrm>
+            <a:off x="838200" y="2232025"/>
+            <a:ext cx="10515600" cy="4351338"/>
+          </a:xfrm>
+        </p:spPr>
         <p:txBody>
           <a:bodyPr/>
           <a:p>
+            <a:pPr fontAlgn="auto">
+              <a:lnSpc>
+                <a:spcPct val="200000"/>
+              </a:lnSpc>
+            </a:pPr>
             <a:r>
               <a:rPr lang="zh-CN" altLang="en-US"/>
-              <a:t>①从场景管理器获取美术资源，提供一系列抽象接口给场景管理器调用。</a:t>
+              <a:t>从</a:t>
+            </a:r>
+            <a:r>
+              <a:rPr lang="zh-CN" altLang="en-US">
+                <a:solidFill>
+                  <a:schemeClr val="tx1"/>
+                </a:solidFill>
+              </a:rPr>
+              <a:t>资源管理类</a:t>
+            </a:r>
+            <a:r>
+              <a:rPr lang="zh-CN" altLang="en-US" b="1">
+                <a:solidFill>
+                  <a:srgbClr val="FF0000"/>
+                </a:solidFill>
+              </a:rPr>
+              <a:t>获取美术资源</a:t>
+            </a:r>
+            <a:r>
+              <a:rPr lang="zh-CN" altLang="en-US"/>
+              <a:t>，用来</a:t>
+            </a:r>
+            <a:r>
+              <a:rPr lang="zh-CN" altLang="en-US" b="1">
+                <a:solidFill>
+                  <a:srgbClr val="FF0000"/>
+                </a:solidFill>
+                <a:sym typeface="+mn-ea"/>
+              </a:rPr>
+              <a:t>绘制游戏物体</a:t>
+            </a:r>
+            <a:r>
+              <a:rPr lang="zh-CN" altLang="en-US">
+                <a:sym typeface="+mn-ea"/>
+              </a:rPr>
+              <a:t>。</a:t>
             </a:r>
             <a:endParaRPr lang="zh-CN" altLang="en-US"/>
           </a:p>
           <a:p>
+            <a:pPr fontAlgn="auto">
+              <a:lnSpc>
+                <a:spcPct val="200000"/>
+              </a:lnSpc>
+            </a:pPr>
             <a:r>
               <a:rPr lang="zh-CN" altLang="en-US"/>
-              <a:t>②定义绘制一个游戏物体所需的业务逻辑。</a:t>
+              <a:t>提供一系列</a:t>
+            </a:r>
+            <a:r>
+              <a:rPr lang="zh-CN" altLang="en-US">
+                <a:solidFill>
+                  <a:schemeClr val="tx1"/>
+                </a:solidFill>
+              </a:rPr>
+              <a:t>渲染</a:t>
+            </a:r>
+            <a:r>
+              <a:rPr lang="zh-CN" altLang="en-US" b="1">
+                <a:solidFill>
+                  <a:srgbClr val="FF0000"/>
+                </a:solidFill>
+              </a:rPr>
+              <a:t>接口给场景管理器</a:t>
+            </a:r>
+            <a:r>
+              <a:rPr lang="zh-CN" altLang="en-US"/>
+              <a:t>调用。</a:t>
             </a:r>
             <a:endParaRPr lang="zh-CN" altLang="en-US"/>
           </a:p>
           <a:p>
+            <a:pPr fontAlgn="auto">
+              <a:lnSpc>
+                <a:spcPct val="200000"/>
+              </a:lnSpc>
+            </a:pPr>
             <a:r>
               <a:rPr lang="zh-CN" altLang="en-US"/>
-              <a:t>③将能在</a:t>
-            </a:r>
-            <a:r>
-              <a:rPr lang="en-US" altLang="zh-CN"/>
+              <a:t>将</a:t>
+            </a:r>
+            <a:r>
+              <a:rPr lang="zh-CN" altLang="en-US" b="1">
+                <a:solidFill>
+                  <a:srgbClr val="FF0000"/>
+                </a:solidFill>
+              </a:rPr>
+              <a:t>逻辑复杂</a:t>
+            </a:r>
+            <a:r>
+              <a:rPr lang="zh-CN" altLang="en-US"/>
+              <a:t>部分放在</a:t>
+            </a:r>
+            <a:r>
+              <a:rPr lang="en-US" altLang="zh-CN" b="1">
+                <a:solidFill>
+                  <a:srgbClr val="FF0000"/>
+                </a:solidFill>
+              </a:rPr>
               <a:t>CPU</a:t>
             </a:r>
             <a:r>
               <a:rPr lang="zh-CN" altLang="en-US"/>
-              <a:t>处理的逻辑计算放在</a:t>
-            </a:r>
-            <a:r>
-              <a:rPr lang="en-US" altLang="zh-CN"/>
-              <a:t>CPU</a:t>
+              <a:t>部分，将</a:t>
+            </a:r>
+            <a:r>
+              <a:rPr lang="zh-CN" altLang="en-US" b="1">
+                <a:solidFill>
+                  <a:srgbClr val="FF0000"/>
+                </a:solidFill>
+              </a:rPr>
+              <a:t>大并发量</a:t>
             </a:r>
             <a:r>
               <a:rPr lang="zh-CN" altLang="en-US"/>
-              <a:t>部分，将并发量大的计算放在</a:t>
-            </a:r>
-            <a:r>
-              <a:rPr lang="en-US" altLang="zh-CN"/>
+              <a:t>的部分放在</a:t>
+            </a:r>
+            <a:r>
+              <a:rPr lang="en-US" altLang="zh-CN" b="1">
+                <a:solidFill>
+                  <a:srgbClr val="FF0000"/>
+                </a:solidFill>
+              </a:rPr>
               <a:t>GPU</a:t>
             </a:r>
             <a:r>
@@ -8676,42 +9259,256 @@
           </a:p>
         </p:txBody>
       </p:sp>
-      <p:pic>
-        <p:nvPicPr>
-          <p:cNvPr id="4" name="内容占位符 3"/>
-          <p:cNvPicPr>
-            <a:picLocks noChangeAspect="1"/>
-          </p:cNvPicPr>
-          <p:nvPr>
-            <p:ph idx="1"/>
-          </p:nvPr>
-        </p:nvPicPr>
-        <p:blipFill>
-          <a:blip r:embed="rId1"/>
-          <a:stretch>
-            <a:fillRect/>
-          </a:stretch>
-        </p:blipFill>
+      <p:sp>
+        <p:nvSpPr>
+          <p:cNvPr id="3" name="矩形 2"/>
+          <p:cNvSpPr/>
+          <p:nvPr/>
+        </p:nvSpPr>
         <p:spPr>
           <a:xfrm>
-            <a:off x="929005" y="1553210"/>
-            <a:ext cx="3676015" cy="4505960"/>
+            <a:off x="295910" y="1718310"/>
+            <a:ext cx="3410585" cy="2046605"/>
           </a:xfrm>
           <a:prstGeom prst="rect">
             <a:avLst/>
           </a:prstGeom>
         </p:spPr>
-      </p:pic>
-      <p:sp>
-        <p:nvSpPr>
-          <p:cNvPr id="5" name="文本框 4"/>
+        <p:style>
+          <a:lnRef idx="2">
+            <a:schemeClr val="accent6">
+              <a:shade val="50000"/>
+            </a:schemeClr>
+          </a:lnRef>
+          <a:fillRef idx="1">
+            <a:schemeClr val="accent6"/>
+          </a:fillRef>
+          <a:effectRef idx="0">
+            <a:schemeClr val="accent6"/>
+          </a:effectRef>
+          <a:fontRef idx="minor">
+            <a:schemeClr val="lt1"/>
+          </a:fontRef>
+        </p:style>
+        <p:txBody>
+          <a:bodyPr rtlCol="0" anchor="ctr"/>
+          <a:p>
+            <a:pPr algn="ctr"/>
+            <a:r>
+              <a:rPr lang="en-US" altLang="zh-CN" sz="3200" b="1">
+                <a:solidFill>
+                  <a:schemeClr val="tx1"/>
+                </a:solidFill>
+              </a:rPr>
+              <a:t>Scene</a:t>
+            </a:r>
+            <a:endParaRPr lang="en-US" altLang="zh-CN" sz="3200" b="1">
+              <a:solidFill>
+                <a:schemeClr val="tx1"/>
+              </a:solidFill>
+            </a:endParaRPr>
+          </a:p>
+        </p:txBody>
+      </p:sp>
+      <p:sp>
+        <p:nvSpPr>
+          <p:cNvPr id="6" name="矩形 5"/>
+          <p:cNvSpPr/>
+          <p:nvPr/>
+        </p:nvSpPr>
+        <p:spPr>
+          <a:xfrm>
+            <a:off x="6109970" y="1718310"/>
+            <a:ext cx="3410585" cy="2047240"/>
+          </a:xfrm>
+          <a:prstGeom prst="rect">
+            <a:avLst/>
+          </a:prstGeom>
+        </p:spPr>
+        <p:style>
+          <a:lnRef idx="3">
+            <a:schemeClr val="lt1"/>
+          </a:lnRef>
+          <a:fillRef idx="1">
+            <a:schemeClr val="accent2"/>
+          </a:fillRef>
+          <a:effectRef idx="1">
+            <a:schemeClr val="accent2"/>
+          </a:effectRef>
+          <a:fontRef idx="minor">
+            <a:schemeClr val="lt1"/>
+          </a:fontRef>
+        </p:style>
+        <p:txBody>
+          <a:bodyPr rtlCol="0" anchor="ctr"/>
+          <a:p>
+            <a:pPr algn="ctr"/>
+            <a:r>
+              <a:rPr lang="zh-CN" altLang="en-US" sz="3200" b="1">
+                <a:solidFill>
+                  <a:schemeClr val="tx1"/>
+                </a:solidFill>
+              </a:rPr>
+              <a:t>游戏物体</a:t>
+            </a:r>
+            <a:endParaRPr lang="zh-CN" altLang="en-US" sz="3200" b="1">
+              <a:solidFill>
+                <a:schemeClr val="tx1"/>
+              </a:solidFill>
+            </a:endParaRPr>
+          </a:p>
+        </p:txBody>
+      </p:sp>
+      <p:sp>
+        <p:nvSpPr>
+          <p:cNvPr id="10" name="右箭头 9"/>
+          <p:cNvSpPr/>
+          <p:nvPr/>
+        </p:nvSpPr>
+        <p:spPr>
+          <a:xfrm>
+            <a:off x="3939540" y="2607310"/>
+            <a:ext cx="1766570" cy="459740"/>
+          </a:xfrm>
+          <a:prstGeom prst="rightArrow">
+            <a:avLst/>
+          </a:prstGeom>
+          <a:solidFill>
+            <a:schemeClr val="bg1"/>
+          </a:solidFill>
+        </p:spPr>
+        <p:style>
+          <a:lnRef idx="2">
+            <a:schemeClr val="accent1">
+              <a:shade val="50000"/>
+            </a:schemeClr>
+          </a:lnRef>
+          <a:fillRef idx="1">
+            <a:schemeClr val="accent1"/>
+          </a:fillRef>
+          <a:effectRef idx="0">
+            <a:schemeClr val="accent1"/>
+          </a:effectRef>
+          <a:fontRef idx="minor">
+            <a:schemeClr val="lt1"/>
+          </a:fontRef>
+        </p:style>
+        <p:txBody>
+          <a:bodyPr rtlCol="0" anchor="ctr"/>
+          <a:p>
+            <a:pPr algn="ctr"/>
+            <a:endParaRPr lang="zh-CN" altLang="en-US"/>
+          </a:p>
+        </p:txBody>
+      </p:sp>
+      <p:sp>
+        <p:nvSpPr>
+          <p:cNvPr id="7" name="矩形 6"/>
+          <p:cNvSpPr/>
+          <p:nvPr/>
+        </p:nvSpPr>
+        <p:spPr>
+          <a:xfrm>
+            <a:off x="296545" y="4255135"/>
+            <a:ext cx="3308350" cy="2047875"/>
+          </a:xfrm>
+          <a:prstGeom prst="rect">
+            <a:avLst/>
+          </a:prstGeom>
+        </p:spPr>
+        <p:style>
+          <a:lnRef idx="3">
+            <a:schemeClr val="lt1"/>
+          </a:lnRef>
+          <a:fillRef idx="1">
+            <a:schemeClr val="accent2"/>
+          </a:fillRef>
+          <a:effectRef idx="1">
+            <a:schemeClr val="accent2"/>
+          </a:effectRef>
+          <a:fontRef idx="minor">
+            <a:schemeClr val="lt1"/>
+          </a:fontRef>
+        </p:style>
+        <p:txBody>
+          <a:bodyPr rtlCol="0" anchor="ctr"/>
+          <a:p>
+            <a:pPr algn="ctr"/>
+            <a:r>
+              <a:rPr lang="zh-CN" altLang="en-US" sz="3200" b="1">
+                <a:solidFill>
+                  <a:schemeClr val="tx1"/>
+                </a:solidFill>
+              </a:rPr>
+              <a:t>底层渲染模块</a:t>
+            </a:r>
+            <a:endParaRPr lang="zh-CN" altLang="en-US" sz="3200" b="1">
+              <a:solidFill>
+                <a:schemeClr val="tx1"/>
+              </a:solidFill>
+            </a:endParaRPr>
+          </a:p>
+        </p:txBody>
+      </p:sp>
+      <p:sp>
+        <p:nvSpPr>
+          <p:cNvPr id="11" name="矩形 10"/>
+          <p:cNvSpPr/>
+          <p:nvPr/>
+        </p:nvSpPr>
+        <p:spPr>
+          <a:xfrm>
+            <a:off x="6109970" y="4261485"/>
+            <a:ext cx="3410585" cy="2046605"/>
+          </a:xfrm>
+          <a:prstGeom prst="rect">
+            <a:avLst/>
+          </a:prstGeom>
+        </p:spPr>
+        <p:style>
+          <a:lnRef idx="3">
+            <a:schemeClr val="lt1"/>
+          </a:lnRef>
+          <a:fillRef idx="1">
+            <a:schemeClr val="accent1"/>
+          </a:fillRef>
+          <a:effectRef idx="1">
+            <a:schemeClr val="accent1"/>
+          </a:effectRef>
+          <a:fontRef idx="minor">
+            <a:schemeClr val="lt1"/>
+          </a:fontRef>
+        </p:style>
+        <p:txBody>
+          <a:bodyPr rtlCol="0" anchor="ctr"/>
+          <a:p>
+            <a:pPr algn="ctr"/>
+            <a:r>
+              <a:rPr lang="zh-CN" altLang="en-US" sz="3200" b="1">
+                <a:solidFill>
+                  <a:schemeClr val="tx1"/>
+                </a:solidFill>
+              </a:rPr>
+              <a:t>资源管理模块</a:t>
+            </a:r>
+            <a:endParaRPr lang="zh-CN" altLang="en-US" sz="3200" b="1">
+              <a:solidFill>
+                <a:schemeClr val="tx1"/>
+              </a:solidFill>
+            </a:endParaRPr>
+          </a:p>
+        </p:txBody>
+      </p:sp>
+      <p:sp>
+        <p:nvSpPr>
+          <p:cNvPr id="12" name="文本框 11"/>
           <p:cNvSpPr txBox="1"/>
           <p:nvPr/>
         </p:nvSpPr>
         <p:spPr>
           <a:xfrm>
-            <a:off x="5172075" y="2966720"/>
-            <a:ext cx="4979670" cy="829945"/>
+            <a:off x="4246245" y="2228850"/>
+            <a:ext cx="948690" cy="460375"/>
           </a:xfrm>
           <a:prstGeom prst="rect">
             <a:avLst/>
@@ -8725,14 +9522,144 @@
           <a:p>
             <a:r>
               <a:rPr lang="zh-CN" altLang="en-US" sz="2400"/>
-              <a:t>提供接口给场景管理模块</a:t>
+              <a:t>管理</a:t>
             </a:r>
             <a:endParaRPr lang="zh-CN" altLang="en-US" sz="2400"/>
           </a:p>
+        </p:txBody>
+      </p:sp>
+      <p:sp>
+        <p:nvSpPr>
+          <p:cNvPr id="13" name="文本框 12"/>
+          <p:cNvSpPr txBox="1"/>
+          <p:nvPr/>
+        </p:nvSpPr>
+        <p:spPr>
+          <a:xfrm>
+            <a:off x="4187825" y="4594225"/>
+            <a:ext cx="1465580" cy="460375"/>
+          </a:xfrm>
+          <a:prstGeom prst="rect">
+            <a:avLst/>
+          </a:prstGeom>
+          <a:noFill/>
+        </p:spPr>
+        <p:txBody>
+          <a:bodyPr wrap="square" rtlCol="0">
+            <a:spAutoFit/>
+          </a:bodyPr>
           <a:p>
             <a:r>
               <a:rPr lang="zh-CN" altLang="en-US" sz="2400"/>
-              <a:t>并调用资源管理模块接口获取资源</a:t>
+              <a:t>获取资源</a:t>
+            </a:r>
+            <a:endParaRPr lang="zh-CN" altLang="en-US" sz="2400"/>
+          </a:p>
+        </p:txBody>
+      </p:sp>
+      <p:sp>
+        <p:nvSpPr>
+          <p:cNvPr id="14" name="左箭头 13"/>
+          <p:cNvSpPr/>
+          <p:nvPr/>
+        </p:nvSpPr>
+        <p:spPr>
+          <a:xfrm>
+            <a:off x="3837305" y="5054600"/>
+            <a:ext cx="1868805" cy="520700"/>
+          </a:xfrm>
+          <a:prstGeom prst="leftArrow">
+            <a:avLst/>
+          </a:prstGeom>
+          <a:solidFill>
+            <a:schemeClr val="bg1"/>
+          </a:solidFill>
+        </p:spPr>
+        <p:style>
+          <a:lnRef idx="2">
+            <a:schemeClr val="accent1">
+              <a:shade val="50000"/>
+            </a:schemeClr>
+          </a:lnRef>
+          <a:fillRef idx="1">
+            <a:schemeClr val="accent1"/>
+          </a:fillRef>
+          <a:effectRef idx="0">
+            <a:schemeClr val="accent1"/>
+          </a:effectRef>
+          <a:fontRef idx="minor">
+            <a:schemeClr val="lt1"/>
+          </a:fontRef>
+        </p:style>
+        <p:txBody>
+          <a:bodyPr rtlCol="0" anchor="ctr"/>
+          <a:p>
+            <a:pPr algn="ctr"/>
+            <a:endParaRPr lang="zh-CN" altLang="en-US"/>
+          </a:p>
+        </p:txBody>
+      </p:sp>
+      <p:sp>
+        <p:nvSpPr>
+          <p:cNvPr id="16" name="文本框 15"/>
+          <p:cNvSpPr txBox="1"/>
+          <p:nvPr/>
+        </p:nvSpPr>
+        <p:spPr>
+          <a:xfrm>
+            <a:off x="9679305" y="2411730"/>
+            <a:ext cx="2419985" cy="460375"/>
+          </a:xfrm>
+          <a:prstGeom prst="rect">
+            <a:avLst/>
+          </a:prstGeom>
+          <a:noFill/>
+        </p:spPr>
+        <p:txBody>
+          <a:bodyPr wrap="square" rtlCol="0">
+            <a:spAutoFit/>
+          </a:bodyPr>
+          <a:p>
+            <a:r>
+              <a:rPr lang="zh-CN" altLang="en-US" sz="2400"/>
+              <a:t>被</a:t>
+            </a:r>
+            <a:r>
+              <a:rPr lang="en-US" altLang="zh-CN" sz="2400"/>
+              <a:t>Scene</a:t>
+            </a:r>
+            <a:r>
+              <a:rPr lang="zh-CN" altLang="en-US" sz="2400"/>
+              <a:t>管理</a:t>
+            </a:r>
+            <a:endParaRPr lang="zh-CN" altLang="en-US" sz="2400"/>
+          </a:p>
+        </p:txBody>
+      </p:sp>
+      <p:sp>
+        <p:nvSpPr>
+          <p:cNvPr id="17" name="文本框 16"/>
+          <p:cNvSpPr txBox="1"/>
+          <p:nvPr/>
+        </p:nvSpPr>
+        <p:spPr>
+          <a:xfrm>
+            <a:off x="9679305" y="4899660"/>
+            <a:ext cx="2419985" cy="460375"/>
+          </a:xfrm>
+          <a:prstGeom prst="rect">
+            <a:avLst/>
+          </a:prstGeom>
+          <a:noFill/>
+        </p:spPr>
+        <p:txBody>
+          <a:bodyPr wrap="square" rtlCol="0">
+            <a:spAutoFit/>
+          </a:bodyPr>
+          <a:p>
+            <a:r>
+              <a:rPr lang="zh-CN" altLang="en-US" sz="2400"/>
+              <a:t>获取渲染资源</a:t>
             </a:r>
             <a:endParaRPr lang="zh-CN" altLang="en-US" sz="2400"/>
           </a:p>
@@ -8740,7 +9667,7 @@
       </p:sp>
     </p:spTree>
     <p:custDataLst>
-      <p:tags r:id="rId2"/>
+      <p:tags r:id="rId1"/>
     </p:custDataLst>
   </p:cSld>
   <p:clrMapOvr>
@@ -10609,9 +11536,58 @@
         <p:txBody>
           <a:bodyPr/>
           <a:p>
+            <a:pPr fontAlgn="auto">
+              <a:lnSpc>
+                <a:spcPct val="200000"/>
+              </a:lnSpc>
+            </a:pPr>
             <a:r>
               <a:rPr lang="zh-CN" altLang="en-US"/>
-              <a:t>①在CPU抽象出GPU程序（</a:t>
+              <a:t>在CPU抽象出</a:t>
+            </a:r>
+            <a:r>
+              <a:rPr lang="en-US" altLang="zh-CN" b="1">
+                <a:solidFill>
+                  <a:srgbClr val="FF0000"/>
+                </a:solidFill>
+              </a:rPr>
+              <a:t>Shader</a:t>
+            </a:r>
+            <a:r>
+              <a:rPr lang="zh-CN" altLang="en-US"/>
+              <a:t>类、</a:t>
+            </a:r>
+            <a:r>
+              <a:rPr lang="zh-CN" altLang="en-US" b="1">
+                <a:solidFill>
+                  <a:srgbClr val="FF0000"/>
+                </a:solidFill>
+              </a:rPr>
+              <a:t>显存</a:t>
+            </a:r>
+            <a:r>
+              <a:rPr lang="zh-CN" altLang="en-US"/>
+              <a:t>类。</a:t>
+            </a:r>
+            <a:endParaRPr lang="zh-CN" altLang="en-US"/>
+          </a:p>
+          <a:p>
+            <a:pPr fontAlgn="auto">
+              <a:lnSpc>
+                <a:spcPct val="200000"/>
+              </a:lnSpc>
+            </a:pPr>
+            <a:r>
+              <a:rPr lang="zh-CN" altLang="en-US"/>
+              <a:t>引擎</a:t>
+            </a:r>
+            <a:r>
+              <a:rPr lang="zh-CN" altLang="en-US" b="1">
+                <a:solidFill>
+                  <a:srgbClr val="FF0000"/>
+                </a:solidFill>
+              </a:rPr>
+              <a:t>内置</a:t>
             </a:r>
             <a:r>
               <a:rPr lang="en-US" altLang="zh-CN"/>
@@ -10619,28 +11595,34 @@
             </a:r>
             <a:r>
               <a:rPr lang="zh-CN" altLang="en-US"/>
-              <a:t>）类、显存类。</a:t>
-            </a:r>
-            <a:endParaRPr lang="zh-CN" altLang="en-US"/>
-          </a:p>
-          <a:p>
-            <a:r>
-              <a:rPr lang="zh-CN" altLang="en-US"/>
-              <a:t>②引擎内置</a:t>
-            </a:r>
-            <a:r>
-              <a:rPr lang="en-US" altLang="zh-CN"/>
-              <a:t>Shader</a:t>
-            </a:r>
-            <a:r>
-              <a:rPr lang="zh-CN" altLang="en-US"/>
               <a:t>程序，并</a:t>
             </a:r>
             <a:r>
               <a:rPr lang="zh-CN" altLang="en-US">
+                <a:solidFill>
+                  <a:schemeClr val="tx1"/>
+                </a:solidFill>
                 <a:sym typeface="+mn-ea"/>
               </a:rPr>
-              <a:t>支持开发者自定义</a:t>
+              <a:t>支持</a:t>
+            </a:r>
+            <a:r>
+              <a:rPr lang="zh-CN" altLang="en-US">
+                <a:solidFill>
+                  <a:schemeClr val="tx1"/>
+                </a:solidFill>
+                <a:sym typeface="+mn-ea"/>
+              </a:rPr>
+              <a:t>开发者</a:t>
+            </a:r>
+            <a:r>
+              <a:rPr lang="zh-CN" altLang="en-US" b="1">
+                <a:solidFill>
+                  <a:srgbClr val="FF0000"/>
+                </a:solidFill>
+                <a:sym typeface="+mn-ea"/>
+              </a:rPr>
+              <a:t>自定义</a:t>
             </a:r>
             <a:r>
               <a:rPr lang="en-US" altLang="zh-CN">
@@ -10657,17 +11639,30 @@
             <a:endParaRPr lang="zh-CN" altLang="en-US"/>
           </a:p>
           <a:p>
+            <a:pPr fontAlgn="auto">
+              <a:lnSpc>
+                <a:spcPct val="200000"/>
+              </a:lnSpc>
+            </a:pPr>
             <a:r>
               <a:rPr lang="zh-CN" altLang="en-US"/>
-              <a:t>③业务逻辑与</a:t>
+              <a:t>业务逻辑与</a:t>
             </a:r>
             <a:r>
               <a:rPr lang="en-US" altLang="zh-CN"/>
               <a:t>SDK</a:t>
             </a:r>
             <a:r>
+              <a:rPr lang="zh-CN" altLang="en-US" b="1">
+                <a:solidFill>
+                  <a:srgbClr val="FF0000"/>
+                </a:solidFill>
+              </a:rPr>
+              <a:t>解耦合</a:t>
+            </a:r>
+            <a:r>
               <a:rPr lang="zh-CN" altLang="en-US"/>
-              <a:t>解耦合。</a:t>
+              <a:t>。</a:t>
             </a:r>
             <a:endParaRPr lang="zh-CN" altLang="en-US"/>
           </a:p>
@@ -10778,56 +11773,6 @@
           </a:p>
         </p:txBody>
       </p:sp>
-      <p:pic>
-        <p:nvPicPr>
-          <p:cNvPr id="4" name="内容占位符 3"/>
-          <p:cNvPicPr>
-            <a:picLocks noChangeAspect="1"/>
-          </p:cNvPicPr>
-          <p:nvPr>
-            <p:ph idx="1"/>
-          </p:nvPr>
-        </p:nvPicPr>
-        <p:blipFill>
-          <a:blip r:embed="rId1"/>
-          <a:stretch>
-            <a:fillRect/>
-          </a:stretch>
-        </p:blipFill>
-        <p:spPr>
-          <a:xfrm>
-            <a:off x="838200" y="1718310"/>
-            <a:ext cx="5372100" cy="1371600"/>
-          </a:xfrm>
-          <a:prstGeom prst="rect">
-            <a:avLst/>
-          </a:prstGeom>
-        </p:spPr>
-      </p:pic>
-      <p:pic>
-        <p:nvPicPr>
-          <p:cNvPr id="5" name="图片 4"/>
-          <p:cNvPicPr>
-            <a:picLocks noChangeAspect="1"/>
-          </p:cNvPicPr>
-          <p:nvPr/>
-        </p:nvPicPr>
-        <p:blipFill>
-          <a:blip r:embed="rId2"/>
-          <a:stretch>
-            <a:fillRect/>
-          </a:stretch>
-        </p:blipFill>
-        <p:spPr>
-          <a:xfrm>
-            <a:off x="838200" y="3924935"/>
-            <a:ext cx="5390515" cy="1476375"/>
-          </a:xfrm>
-          <a:prstGeom prst="rect">
-            <a:avLst/>
-          </a:prstGeom>
-        </p:spPr>
-      </p:pic>
       <p:sp>
         <p:nvSpPr>
           <p:cNvPr id="6" name="文本框 5"/>
@@ -10836,8 +11781,8 @@
         </p:nvSpPr>
         <p:spPr>
           <a:xfrm>
-            <a:off x="6929755" y="2219960"/>
-            <a:ext cx="4353560" cy="460375"/>
+            <a:off x="9396730" y="2326640"/>
+            <a:ext cx="2366645" cy="829945"/>
           </a:xfrm>
           <a:prstGeom prst="rect">
             <a:avLst/>
@@ -10851,7 +11796,14 @@
           <a:p>
             <a:r>
               <a:rPr lang="zh-CN" altLang="en-US" sz="2400"/>
-              <a:t>顶点显存和资源管理模块交互</a:t>
+              <a:t>缓冲区和资源</a:t>
+            </a:r>
+            <a:endParaRPr lang="zh-CN" altLang="en-US" sz="2400"/>
+          </a:p>
+          <a:p>
+            <a:r>
+              <a:rPr lang="zh-CN" altLang="en-US" sz="2400"/>
+              <a:t>管理模块交互</a:t>
             </a:r>
             <a:endParaRPr lang="zh-CN" altLang="en-US" sz="2400"/>
           </a:p>
@@ -10865,8 +11817,8 @@
         </p:nvSpPr>
         <p:spPr>
           <a:xfrm>
-            <a:off x="6929755" y="4478655"/>
-            <a:ext cx="4354195" cy="460375"/>
+            <a:off x="9604375" y="5026025"/>
+            <a:ext cx="2159000" cy="829945"/>
           </a:xfrm>
           <a:prstGeom prst="rect">
             <a:avLst/>
@@ -10884,7 +11836,354 @@
             </a:r>
             <a:r>
               <a:rPr lang="zh-CN" altLang="en-US" sz="2400"/>
-              <a:t>与资源管理模块交互</a:t>
+              <a:t>与资源</a:t>
+            </a:r>
+            <a:endParaRPr lang="zh-CN" altLang="en-US" sz="2400"/>
+          </a:p>
+          <a:p>
+            <a:r>
+              <a:rPr lang="zh-CN" altLang="en-US" sz="2400"/>
+              <a:t>管理模块交互</a:t>
+            </a:r>
+            <a:endParaRPr lang="zh-CN" altLang="en-US" sz="2400"/>
+          </a:p>
+        </p:txBody>
+      </p:sp>
+      <p:sp>
+        <p:nvSpPr>
+          <p:cNvPr id="3" name="矩形 2"/>
+          <p:cNvSpPr/>
+          <p:nvPr/>
+        </p:nvSpPr>
+        <p:spPr>
+          <a:xfrm>
+            <a:off x="295910" y="1718310"/>
+            <a:ext cx="3410585" cy="2046605"/>
+          </a:xfrm>
+          <a:prstGeom prst="rect">
+            <a:avLst/>
+          </a:prstGeom>
+        </p:spPr>
+        <p:style>
+          <a:lnRef idx="2">
+            <a:schemeClr val="accent6">
+              <a:shade val="50000"/>
+            </a:schemeClr>
+          </a:lnRef>
+          <a:fillRef idx="1">
+            <a:schemeClr val="accent6"/>
+          </a:fillRef>
+          <a:effectRef idx="0">
+            <a:schemeClr val="accent6"/>
+          </a:effectRef>
+          <a:fontRef idx="minor">
+            <a:schemeClr val="lt1"/>
+          </a:fontRef>
+        </p:style>
+        <p:txBody>
+          <a:bodyPr rtlCol="0" anchor="ctr"/>
+          <a:p>
+            <a:pPr algn="ctr"/>
+            <a:r>
+              <a:rPr lang="en-US" altLang="zh-CN" sz="3200" b="1">
+                <a:solidFill>
+                  <a:schemeClr val="tx1"/>
+                </a:solidFill>
+              </a:rPr>
+              <a:t>Buffer</a:t>
+            </a:r>
+            <a:endParaRPr lang="en-US" altLang="zh-CN" sz="3200" b="1">
+              <a:solidFill>
+                <a:schemeClr val="tx1"/>
+              </a:solidFill>
+            </a:endParaRPr>
+          </a:p>
+        </p:txBody>
+      </p:sp>
+      <p:sp>
+        <p:nvSpPr>
+          <p:cNvPr id="14" name="左箭头 13"/>
+          <p:cNvSpPr/>
+          <p:nvPr/>
+        </p:nvSpPr>
+        <p:spPr>
+          <a:xfrm>
+            <a:off x="3830955" y="2529840"/>
+            <a:ext cx="1868805" cy="520700"/>
+          </a:xfrm>
+          <a:prstGeom prst="leftArrow">
+            <a:avLst/>
+          </a:prstGeom>
+          <a:solidFill>
+            <a:schemeClr val="bg1"/>
+          </a:solidFill>
+        </p:spPr>
+        <p:style>
+          <a:lnRef idx="2">
+            <a:schemeClr val="accent1">
+              <a:shade val="50000"/>
+            </a:schemeClr>
+          </a:lnRef>
+          <a:fillRef idx="1">
+            <a:schemeClr val="accent1"/>
+          </a:fillRef>
+          <a:effectRef idx="0">
+            <a:schemeClr val="accent1"/>
+          </a:effectRef>
+          <a:fontRef idx="minor">
+            <a:schemeClr val="lt1"/>
+          </a:fontRef>
+        </p:style>
+        <p:txBody>
+          <a:bodyPr rtlCol="0" anchor="ctr"/>
+          <a:p>
+            <a:pPr algn="ctr"/>
+            <a:endParaRPr lang="zh-CN" altLang="en-US"/>
+          </a:p>
+        </p:txBody>
+      </p:sp>
+      <p:sp>
+        <p:nvSpPr>
+          <p:cNvPr id="8" name="矩形 7"/>
+          <p:cNvSpPr/>
+          <p:nvPr/>
+        </p:nvSpPr>
+        <p:spPr>
+          <a:xfrm>
+            <a:off x="5885815" y="1767205"/>
+            <a:ext cx="3410585" cy="2046605"/>
+          </a:xfrm>
+          <a:prstGeom prst="rect">
+            <a:avLst/>
+          </a:prstGeom>
+        </p:spPr>
+        <p:style>
+          <a:lnRef idx="3">
+            <a:schemeClr val="lt1"/>
+          </a:lnRef>
+          <a:fillRef idx="1">
+            <a:schemeClr val="accent2"/>
+          </a:fillRef>
+          <a:effectRef idx="1">
+            <a:schemeClr val="accent2"/>
+          </a:effectRef>
+          <a:fontRef idx="minor">
+            <a:schemeClr val="lt1"/>
+          </a:fontRef>
+        </p:style>
+        <p:txBody>
+          <a:bodyPr rtlCol="0" anchor="ctr"/>
+          <a:p>
+            <a:pPr algn="ctr"/>
+            <a:r>
+              <a:rPr lang="zh-CN" altLang="en-US" sz="3200" b="1">
+                <a:solidFill>
+                  <a:schemeClr val="tx1"/>
+                </a:solidFill>
+              </a:rPr>
+              <a:t>资源管理</a:t>
+            </a:r>
+            <a:endParaRPr lang="zh-CN" altLang="en-US" sz="3200" b="1">
+              <a:solidFill>
+                <a:schemeClr val="tx1"/>
+              </a:solidFill>
+            </a:endParaRPr>
+          </a:p>
+        </p:txBody>
+      </p:sp>
+      <p:sp>
+        <p:nvSpPr>
+          <p:cNvPr id="13" name="文本框 12"/>
+          <p:cNvSpPr txBox="1"/>
+          <p:nvPr/>
+        </p:nvSpPr>
+        <p:spPr>
+          <a:xfrm>
+            <a:off x="4032885" y="2069465"/>
+            <a:ext cx="1465580" cy="460375"/>
+          </a:xfrm>
+          <a:prstGeom prst="rect">
+            <a:avLst/>
+          </a:prstGeom>
+          <a:noFill/>
+        </p:spPr>
+        <p:txBody>
+          <a:bodyPr wrap="square" rtlCol="0">
+            <a:spAutoFit/>
+          </a:bodyPr>
+          <a:p>
+            <a:r>
+              <a:rPr lang="zh-CN" altLang="en-US" sz="2400"/>
+              <a:t>获取资源</a:t>
+            </a:r>
+            <a:endParaRPr lang="zh-CN" altLang="en-US" sz="2400"/>
+          </a:p>
+        </p:txBody>
+      </p:sp>
+      <p:sp>
+        <p:nvSpPr>
+          <p:cNvPr id="11" name="矩形 10"/>
+          <p:cNvSpPr/>
+          <p:nvPr/>
+        </p:nvSpPr>
+        <p:spPr>
+          <a:xfrm>
+            <a:off x="295910" y="4357370"/>
+            <a:ext cx="3410585" cy="2046605"/>
+          </a:xfrm>
+          <a:prstGeom prst="rect">
+            <a:avLst/>
+          </a:prstGeom>
+        </p:spPr>
+        <p:style>
+          <a:lnRef idx="3">
+            <a:schemeClr val="lt1"/>
+          </a:lnRef>
+          <a:fillRef idx="1">
+            <a:schemeClr val="accent1"/>
+          </a:fillRef>
+          <a:effectRef idx="1">
+            <a:schemeClr val="accent1"/>
+          </a:effectRef>
+          <a:fontRef idx="minor">
+            <a:schemeClr val="lt1"/>
+          </a:fontRef>
+        </p:style>
+        <p:txBody>
+          <a:bodyPr rtlCol="0" anchor="ctr"/>
+          <a:p>
+            <a:pPr algn="ctr"/>
+            <a:r>
+              <a:rPr lang="en-US" altLang="zh-CN" sz="3200" b="1">
+                <a:solidFill>
+                  <a:schemeClr val="tx1"/>
+                </a:solidFill>
+              </a:rPr>
+              <a:t>Shader</a:t>
+            </a:r>
+            <a:endParaRPr lang="en-US" altLang="zh-CN" sz="3200" b="1">
+              <a:solidFill>
+                <a:schemeClr val="tx1"/>
+              </a:solidFill>
+            </a:endParaRPr>
+          </a:p>
+        </p:txBody>
+      </p:sp>
+      <p:sp>
+        <p:nvSpPr>
+          <p:cNvPr id="12" name="矩形 11"/>
+          <p:cNvSpPr/>
+          <p:nvPr/>
+        </p:nvSpPr>
+        <p:spPr>
+          <a:xfrm>
+            <a:off x="5885815" y="4417695"/>
+            <a:ext cx="3410585" cy="2046605"/>
+          </a:xfrm>
+          <a:prstGeom prst="rect">
+            <a:avLst/>
+          </a:prstGeom>
+        </p:spPr>
+        <p:style>
+          <a:lnRef idx="3">
+            <a:schemeClr val="lt1"/>
+          </a:lnRef>
+          <a:fillRef idx="1">
+            <a:schemeClr val="accent2"/>
+          </a:fillRef>
+          <a:effectRef idx="1">
+            <a:schemeClr val="accent2"/>
+          </a:effectRef>
+          <a:fontRef idx="minor">
+            <a:schemeClr val="lt1"/>
+          </a:fontRef>
+        </p:style>
+        <p:txBody>
+          <a:bodyPr rtlCol="0" anchor="ctr"/>
+          <a:p>
+            <a:pPr algn="ctr"/>
+            <a:r>
+              <a:rPr lang="zh-CN" altLang="en-US" sz="3200" b="1">
+                <a:solidFill>
+                  <a:schemeClr val="tx1"/>
+                </a:solidFill>
+              </a:rPr>
+              <a:t>资源管理</a:t>
+            </a:r>
+            <a:endParaRPr lang="zh-CN" altLang="en-US" sz="3200" b="1">
+              <a:solidFill>
+                <a:schemeClr val="tx1"/>
+              </a:solidFill>
+            </a:endParaRPr>
+          </a:p>
+        </p:txBody>
+      </p:sp>
+      <p:sp>
+        <p:nvSpPr>
+          <p:cNvPr id="15" name="左箭头 14"/>
+          <p:cNvSpPr/>
+          <p:nvPr/>
+        </p:nvSpPr>
+        <p:spPr>
+          <a:xfrm>
+            <a:off x="3896995" y="5106670"/>
+            <a:ext cx="1868805" cy="520700"/>
+          </a:xfrm>
+          <a:prstGeom prst="leftArrow">
+            <a:avLst/>
+          </a:prstGeom>
+          <a:solidFill>
+            <a:schemeClr val="bg1"/>
+          </a:solidFill>
+        </p:spPr>
+        <p:style>
+          <a:lnRef idx="2">
+            <a:schemeClr val="accent1">
+              <a:shade val="50000"/>
+            </a:schemeClr>
+          </a:lnRef>
+          <a:fillRef idx="1">
+            <a:schemeClr val="accent1"/>
+          </a:fillRef>
+          <a:effectRef idx="0">
+            <a:schemeClr val="accent1"/>
+          </a:effectRef>
+          <a:fontRef idx="minor">
+            <a:schemeClr val="lt1"/>
+          </a:fontRef>
+        </p:style>
+        <p:txBody>
+          <a:bodyPr rtlCol="0" anchor="ctr"/>
+          <a:p>
+            <a:pPr algn="ctr"/>
+            <a:endParaRPr lang="zh-CN" altLang="en-US"/>
+          </a:p>
+        </p:txBody>
+      </p:sp>
+      <p:sp>
+        <p:nvSpPr>
+          <p:cNvPr id="16" name="文本框 15"/>
+          <p:cNvSpPr txBox="1"/>
+          <p:nvPr/>
+        </p:nvSpPr>
+        <p:spPr>
+          <a:xfrm>
+            <a:off x="4098925" y="4565650"/>
+            <a:ext cx="1465580" cy="460375"/>
+          </a:xfrm>
+          <a:prstGeom prst="rect">
+            <a:avLst/>
+          </a:prstGeom>
+          <a:noFill/>
+        </p:spPr>
+        <p:txBody>
+          <a:bodyPr wrap="square" rtlCol="0">
+            <a:spAutoFit/>
+          </a:bodyPr>
+          <a:p>
+            <a:r>
+              <a:rPr lang="zh-CN" altLang="en-US" sz="2400"/>
+              <a:t>获取资源</a:t>
             </a:r>
             <a:endParaRPr lang="zh-CN" altLang="en-US" sz="2400"/>
           </a:p>
@@ -10892,7 +12191,7 @@
       </p:sp>
     </p:spTree>
     <p:custDataLst>
-      <p:tags r:id="rId3"/>
+      <p:tags r:id="rId1"/>
     </p:custDataLst>
   </p:cSld>
   <p:clrMapOvr>
@@ -10999,23 +12298,62 @@
         <p:txBody>
           <a:bodyPr/>
           <a:p>
+            <a:pPr fontAlgn="auto">
+              <a:lnSpc>
+                <a:spcPct val="200000"/>
+              </a:lnSpc>
+            </a:pPr>
             <a:r>
               <a:rPr lang="zh-CN" altLang="en-US"/>
-              <a:t>①引擎内置游戏物体，例如地面、模型、天空盒等。</a:t>
+              <a:t>引擎</a:t>
+            </a:r>
+            <a:r>
+              <a:rPr lang="zh-CN" altLang="en-US" b="1">
+                <a:solidFill>
+                  <a:srgbClr val="FF0000"/>
+                </a:solidFill>
+              </a:rPr>
+              <a:t>内置</a:t>
+            </a:r>
+            <a:r>
+              <a:rPr lang="zh-CN" altLang="en-US"/>
+              <a:t>游戏物体，例如地面、模型、天空盒等。</a:t>
             </a:r>
             <a:endParaRPr lang="zh-CN" altLang="en-US"/>
           </a:p>
           <a:p>
+            <a:pPr fontAlgn="auto">
+              <a:lnSpc>
+                <a:spcPct val="200000"/>
+              </a:lnSpc>
+            </a:pPr>
             <a:r>
               <a:rPr lang="zh-CN" altLang="en-US"/>
-              <a:t>②开发者可以自定义游戏物体。</a:t>
+              <a:t>开发者可以</a:t>
+            </a:r>
+            <a:r>
+              <a:rPr lang="zh-CN" altLang="en-US" b="1">
+                <a:solidFill>
+                  <a:srgbClr val="FF0000"/>
+                </a:solidFill>
+              </a:rPr>
+              <a:t>自定义</a:t>
+            </a:r>
+            <a:r>
+              <a:rPr lang="zh-CN" altLang="en-US"/>
+              <a:t>游戏物体。</a:t>
             </a:r>
             <a:endParaRPr lang="zh-CN" altLang="en-US"/>
           </a:p>
           <a:p>
+            <a:pPr fontAlgn="auto">
+              <a:lnSpc>
+                <a:spcPct val="200000"/>
+              </a:lnSpc>
+            </a:pPr>
             <a:r>
               <a:rPr lang="zh-CN" altLang="en-US"/>
-              <a:t>③使用</a:t>
+              <a:t>组合</a:t>
             </a:r>
             <a:r>
               <a:rPr lang="en-US" altLang="zh-CN"/>
@@ -11023,15 +12361,35 @@
             </a:r>
             <a:r>
               <a:rPr lang="zh-CN" altLang="en-US"/>
-              <a:t>相关层接口存储顶点数据，实现与</a:t>
+              <a:t>相关层接口与</a:t>
             </a:r>
             <a:r>
               <a:rPr lang="en-US" altLang="zh-CN"/>
-              <a:t>SDK</a:t>
+              <a:t>OpenGL</a:t>
             </a:r>
             <a:r>
               <a:rPr lang="zh-CN" altLang="en-US"/>
-              <a:t>的解耦合。</a:t>
+              <a:t>交互，实现与</a:t>
+            </a:r>
+            <a:r>
+              <a:rPr lang="en-US" altLang="zh-CN"/>
+              <a:t>OpenGL SDK</a:t>
+            </a:r>
+            <a:r>
+              <a:rPr lang="zh-CN" altLang="en-US"/>
+              <a:t>的</a:t>
+            </a:r>
+            <a:r>
+              <a:rPr lang="zh-CN" altLang="en-US" b="1">
+                <a:solidFill>
+                  <a:srgbClr val="FF0000"/>
+                </a:solidFill>
+              </a:rPr>
+              <a:t>解耦合</a:t>
+            </a:r>
+            <a:r>
+              <a:rPr lang="zh-CN" altLang="en-US"/>
+              <a:t>。</a:t>
             </a:r>
             <a:endParaRPr lang="zh-CN" altLang="en-US"/>
           </a:p>
@@ -11156,8 +12514,8 @@
         </p:blipFill>
         <p:spPr>
           <a:xfrm>
-            <a:off x="838200" y="1718310"/>
-            <a:ext cx="5415280" cy="2573020"/>
+            <a:off x="635" y="1881505"/>
+            <a:ext cx="9719945" cy="4618990"/>
           </a:xfrm>
           <a:prstGeom prst="rect">
             <a:avLst/>
@@ -11172,8 +12530,8 @@
         </p:nvSpPr>
         <p:spPr>
           <a:xfrm>
-            <a:off x="6940550" y="2820670"/>
-            <a:ext cx="3048000" cy="460375"/>
+            <a:off x="10085070" y="3676015"/>
+            <a:ext cx="1779270" cy="1198880"/>
           </a:xfrm>
           <a:prstGeom prst="rect">
             <a:avLst/>
@@ -11187,17 +12545,21 @@
           <a:p>
             <a:r>
               <a:rPr lang="zh-CN" altLang="en-US" sz="2400"/>
-              <a:t>与</a:t>
+              <a:t>渲染基类组合</a:t>
             </a:r>
             <a:r>
               <a:rPr lang="en-US" altLang="zh-CN" sz="2400"/>
-              <a:t>SDK</a:t>
+              <a:t>Shader</a:t>
             </a:r>
             <a:r>
               <a:rPr lang="zh-CN" altLang="en-US" sz="2400"/>
-              <a:t>相关层的协作</a:t>
-            </a:r>
-            <a:endParaRPr lang="zh-CN" altLang="en-US" sz="2400"/>
+              <a:t>和</a:t>
+            </a:r>
+            <a:r>
+              <a:rPr lang="en-US" altLang="zh-CN" sz="2400"/>
+              <a:t>Buffer</a:t>
+            </a:r>
+            <a:endParaRPr lang="en-US" altLang="zh-CN" sz="2400"/>
           </a:p>
         </p:txBody>
       </p:sp>
@@ -11280,23 +12642,106 @@
         <p:txBody>
           <a:bodyPr/>
           <a:p>
+            <a:pPr fontAlgn="auto">
+              <a:lnSpc>
+                <a:spcPct val="200000"/>
+              </a:lnSpc>
+            </a:pPr>
             <a:r>
               <a:rPr lang="zh-CN" altLang="en-US"/>
-              <a:t>①提供不同接口申请、析构各类型资源。</a:t>
+              <a:t>提供接口</a:t>
+            </a:r>
+            <a:r>
+              <a:rPr lang="zh-CN" altLang="en-US" b="1">
+                <a:solidFill>
+                  <a:srgbClr val="FF0000"/>
+                </a:solidFill>
+              </a:rPr>
+              <a:t>申请</a:t>
+            </a:r>
+            <a:r>
+              <a:rPr lang="zh-CN" altLang="en-US"/>
+              <a:t>、</a:t>
+            </a:r>
+            <a:r>
+              <a:rPr lang="zh-CN" altLang="en-US" b="1">
+                <a:solidFill>
+                  <a:srgbClr val="FF0000"/>
+                </a:solidFill>
+              </a:rPr>
+              <a:t>析构</a:t>
+            </a:r>
+            <a:r>
+              <a:rPr lang="zh-CN" altLang="en-US"/>
+              <a:t>各类型资源。</a:t>
             </a:r>
             <a:endParaRPr lang="zh-CN" altLang="en-US"/>
           </a:p>
           <a:p>
+            <a:pPr fontAlgn="auto">
+              <a:lnSpc>
+                <a:spcPct val="200000"/>
+              </a:lnSpc>
+            </a:pPr>
             <a:r>
               <a:rPr lang="zh-CN" altLang="en-US"/>
-              <a:t>②将资源转化为底层渲染器需要的内存模型返回。</a:t>
+              <a:t>将资源</a:t>
+            </a:r>
+            <a:r>
+              <a:rPr lang="zh-CN" altLang="en-US" b="1">
+                <a:solidFill>
+                  <a:srgbClr val="FF0000"/>
+                </a:solidFill>
+              </a:rPr>
+              <a:t>转化为</a:t>
+            </a:r>
+            <a:r>
+              <a:rPr lang="zh-CN" altLang="en-US"/>
+              <a:t>底层渲染器需要的</a:t>
+            </a:r>
+            <a:r>
+              <a:rPr lang="zh-CN" altLang="en-US" b="1">
+                <a:solidFill>
+                  <a:srgbClr val="FF0000"/>
+                </a:solidFill>
+              </a:rPr>
+              <a:t>内存模型</a:t>
+            </a:r>
+            <a:r>
+              <a:rPr lang="zh-CN" altLang="en-US"/>
+              <a:t>返回。</a:t>
             </a:r>
             <a:endParaRPr lang="zh-CN" altLang="en-US"/>
           </a:p>
           <a:p>
+            <a:pPr fontAlgn="auto">
+              <a:lnSpc>
+                <a:spcPct val="200000"/>
+              </a:lnSpc>
+            </a:pPr>
             <a:r>
               <a:rPr lang="zh-CN" altLang="en-US"/>
-              <a:t>③内部会将资源缓存，使用引用计数方式管理资源。</a:t>
+              <a:t>内部会将资源缓存，使用</a:t>
+            </a:r>
+            <a:r>
+              <a:rPr lang="zh-CN" altLang="en-US" b="1">
+                <a:solidFill>
+                  <a:srgbClr val="FF0000"/>
+                </a:solidFill>
+              </a:rPr>
+              <a:t>引用计数</a:t>
+            </a:r>
+            <a:r>
+              <a:rPr lang="zh-CN" altLang="en-US">
+                <a:solidFill>
+                  <a:schemeClr val="tx1"/>
+                </a:solidFill>
+              </a:rPr>
+              <a:t>方式</a:t>
+            </a:r>
+            <a:r>
+              <a:rPr lang="zh-CN" altLang="en-US"/>
+              <a:t>管理资源。</a:t>
             </a:r>
             <a:endParaRPr lang="zh-CN" altLang="en-US"/>
           </a:p>
@@ -11367,42 +12812,158 @@
           </a:p>
         </p:txBody>
       </p:sp>
-      <p:pic>
-        <p:nvPicPr>
-          <p:cNvPr id="6" name="内容占位符 5"/>
-          <p:cNvPicPr>
-            <a:picLocks noChangeAspect="1"/>
-          </p:cNvPicPr>
-          <p:nvPr>
-            <p:ph idx="1"/>
-          </p:nvPr>
-        </p:nvPicPr>
-        <p:blipFill>
-          <a:blip r:embed="rId1"/>
-          <a:stretch>
-            <a:fillRect/>
-          </a:stretch>
-        </p:blipFill>
+      <p:sp>
+        <p:nvSpPr>
+          <p:cNvPr id="3" name="矩形 2"/>
+          <p:cNvSpPr/>
+          <p:nvPr/>
+        </p:nvSpPr>
         <p:spPr>
           <a:xfrm>
-            <a:off x="838200" y="1963420"/>
-            <a:ext cx="4250055" cy="3796665"/>
+            <a:off x="5891530" y="1718310"/>
+            <a:ext cx="3410585" cy="2046605"/>
           </a:xfrm>
           <a:prstGeom prst="rect">
             <a:avLst/>
           </a:prstGeom>
         </p:spPr>
-      </p:pic>
-      <p:sp>
-        <p:nvSpPr>
-          <p:cNvPr id="8" name="文本框 7"/>
+        <p:style>
+          <a:lnRef idx="3">
+            <a:schemeClr val="lt1"/>
+          </a:lnRef>
+          <a:fillRef idx="1">
+            <a:schemeClr val="accent2"/>
+          </a:fillRef>
+          <a:effectRef idx="1">
+            <a:schemeClr val="accent2"/>
+          </a:effectRef>
+          <a:fontRef idx="minor">
+            <a:schemeClr val="lt1"/>
+          </a:fontRef>
+        </p:style>
+        <p:txBody>
+          <a:bodyPr rtlCol="0" anchor="ctr"/>
+          <a:p>
+            <a:pPr algn="ctr"/>
+            <a:r>
+              <a:rPr lang="zh-CN" altLang="en-US" sz="3200" b="1">
+                <a:solidFill>
+                  <a:schemeClr val="tx1"/>
+                </a:solidFill>
+              </a:rPr>
+              <a:t>底层渲染</a:t>
+            </a:r>
+            <a:endParaRPr lang="zh-CN" altLang="en-US" sz="3200" b="1">
+              <a:solidFill>
+                <a:schemeClr val="tx1"/>
+              </a:solidFill>
+            </a:endParaRPr>
+          </a:p>
+        </p:txBody>
+      </p:sp>
+      <p:sp>
+        <p:nvSpPr>
+          <p:cNvPr id="4" name="矩形 3"/>
+          <p:cNvSpPr/>
+          <p:nvPr/>
+        </p:nvSpPr>
+        <p:spPr>
+          <a:xfrm>
+            <a:off x="157480" y="1718310"/>
+            <a:ext cx="3410585" cy="2046605"/>
+          </a:xfrm>
+          <a:prstGeom prst="rect">
+            <a:avLst/>
+          </a:prstGeom>
+        </p:spPr>
+        <p:style>
+          <a:lnRef idx="2">
+            <a:schemeClr val="accent6">
+              <a:shade val="50000"/>
+            </a:schemeClr>
+          </a:lnRef>
+          <a:fillRef idx="1">
+            <a:schemeClr val="accent6"/>
+          </a:fillRef>
+          <a:effectRef idx="0">
+            <a:schemeClr val="accent6"/>
+          </a:effectRef>
+          <a:fontRef idx="minor">
+            <a:schemeClr val="lt1"/>
+          </a:fontRef>
+        </p:style>
+        <p:txBody>
+          <a:bodyPr rtlCol="0" anchor="ctr"/>
+          <a:p>
+            <a:pPr algn="ctr"/>
+            <a:r>
+              <a:rPr lang="zh-CN" altLang="en-US" sz="3200" b="1">
+                <a:solidFill>
+                  <a:schemeClr val="tx1"/>
+                </a:solidFill>
+              </a:rPr>
+              <a:t>资源管理</a:t>
+            </a:r>
+            <a:endParaRPr lang="zh-CN" altLang="en-US" sz="3200" b="1">
+              <a:solidFill>
+                <a:schemeClr val="tx1"/>
+              </a:solidFill>
+            </a:endParaRPr>
+          </a:p>
+        </p:txBody>
+      </p:sp>
+      <p:sp>
+        <p:nvSpPr>
+          <p:cNvPr id="10" name="右箭头 9"/>
+          <p:cNvSpPr/>
+          <p:nvPr/>
+        </p:nvSpPr>
+        <p:spPr>
+          <a:xfrm>
+            <a:off x="3846830" y="2607945"/>
+            <a:ext cx="1766570" cy="459740"/>
+          </a:xfrm>
+          <a:prstGeom prst="rightArrow">
+            <a:avLst/>
+          </a:prstGeom>
+          <a:solidFill>
+            <a:schemeClr val="bg1"/>
+          </a:solidFill>
+        </p:spPr>
+        <p:style>
+          <a:lnRef idx="2">
+            <a:schemeClr val="accent1">
+              <a:shade val="50000"/>
+            </a:schemeClr>
+          </a:lnRef>
+          <a:fillRef idx="1">
+            <a:schemeClr val="accent1"/>
+          </a:fillRef>
+          <a:effectRef idx="0">
+            <a:schemeClr val="accent1"/>
+          </a:effectRef>
+          <a:fontRef idx="minor">
+            <a:schemeClr val="lt1"/>
+          </a:fontRef>
+        </p:style>
+        <p:txBody>
+          <a:bodyPr rtlCol="0" anchor="ctr"/>
+          <a:p>
+            <a:pPr algn="ctr"/>
+            <a:endParaRPr lang="zh-CN" altLang="en-US"/>
+          </a:p>
+        </p:txBody>
+      </p:sp>
+      <p:sp>
+        <p:nvSpPr>
+          <p:cNvPr id="7" name="文本框 6"/>
           <p:cNvSpPr txBox="1"/>
           <p:nvPr/>
         </p:nvSpPr>
         <p:spPr>
           <a:xfrm>
-            <a:off x="5716905" y="3022600"/>
-            <a:ext cx="4427220" cy="829945"/>
+            <a:off x="3996055" y="2147570"/>
+            <a:ext cx="1468755" cy="460375"/>
           </a:xfrm>
           <a:prstGeom prst="rect">
             <a:avLst/>
@@ -11416,14 +12977,236 @@
           <a:p>
             <a:r>
               <a:rPr lang="zh-CN" altLang="en-US" sz="2400"/>
-              <a:t>向下向操作系统申请资源</a:t>
+              <a:t>提供资源</a:t>
             </a:r>
             <a:endParaRPr lang="zh-CN" altLang="en-US" sz="2400"/>
           </a:p>
+        </p:txBody>
+      </p:sp>
+      <p:sp>
+        <p:nvSpPr>
+          <p:cNvPr id="9" name="矩形 8"/>
+          <p:cNvSpPr/>
+          <p:nvPr/>
+        </p:nvSpPr>
+        <p:spPr>
+          <a:xfrm>
+            <a:off x="157480" y="4337050"/>
+            <a:ext cx="3410585" cy="2046605"/>
+          </a:xfrm>
+          <a:prstGeom prst="rect">
+            <a:avLst/>
+          </a:prstGeom>
+        </p:spPr>
+        <p:style>
+          <a:lnRef idx="2">
+            <a:schemeClr val="accent6">
+              <a:shade val="50000"/>
+            </a:schemeClr>
+          </a:lnRef>
+          <a:fillRef idx="1">
+            <a:schemeClr val="accent6"/>
+          </a:fillRef>
+          <a:effectRef idx="0">
+            <a:schemeClr val="accent6"/>
+          </a:effectRef>
+          <a:fontRef idx="minor">
+            <a:schemeClr val="lt1"/>
+          </a:fontRef>
+        </p:style>
+        <p:txBody>
+          <a:bodyPr rtlCol="0" anchor="ctr"/>
+          <a:p>
+            <a:pPr algn="ctr"/>
+            <a:r>
+              <a:rPr lang="zh-CN" altLang="en-US" sz="3200" b="1">
+                <a:solidFill>
+                  <a:schemeClr val="tx1"/>
+                </a:solidFill>
+              </a:rPr>
+              <a:t>资源管理</a:t>
+            </a:r>
+            <a:endParaRPr lang="zh-CN" altLang="en-US" sz="3200" b="1">
+              <a:solidFill>
+                <a:schemeClr val="tx1"/>
+              </a:solidFill>
+            </a:endParaRPr>
+          </a:p>
+        </p:txBody>
+      </p:sp>
+      <p:sp>
+        <p:nvSpPr>
+          <p:cNvPr id="15" name="左箭头 14"/>
+          <p:cNvSpPr/>
+          <p:nvPr/>
+        </p:nvSpPr>
+        <p:spPr>
+          <a:xfrm>
+            <a:off x="3846830" y="5100320"/>
+            <a:ext cx="1868805" cy="520700"/>
+          </a:xfrm>
+          <a:prstGeom prst="leftArrow">
+            <a:avLst/>
+          </a:prstGeom>
+          <a:solidFill>
+            <a:schemeClr val="bg1"/>
+          </a:solidFill>
+        </p:spPr>
+        <p:style>
+          <a:lnRef idx="2">
+            <a:schemeClr val="accent1">
+              <a:shade val="50000"/>
+            </a:schemeClr>
+          </a:lnRef>
+          <a:fillRef idx="1">
+            <a:schemeClr val="accent1"/>
+          </a:fillRef>
+          <a:effectRef idx="0">
+            <a:schemeClr val="accent1"/>
+          </a:effectRef>
+          <a:fontRef idx="minor">
+            <a:schemeClr val="lt1"/>
+          </a:fontRef>
+        </p:style>
+        <p:txBody>
+          <a:bodyPr rtlCol="0" anchor="ctr"/>
+          <a:p>
+            <a:pPr algn="ctr"/>
+            <a:endParaRPr lang="zh-CN" altLang="en-US"/>
+          </a:p>
+        </p:txBody>
+      </p:sp>
+      <p:sp>
+        <p:nvSpPr>
+          <p:cNvPr id="12" name="文本框 11"/>
+          <p:cNvSpPr txBox="1"/>
+          <p:nvPr/>
+        </p:nvSpPr>
+        <p:spPr>
+          <a:xfrm>
+            <a:off x="3996055" y="4582160"/>
+            <a:ext cx="1468755" cy="460375"/>
+          </a:xfrm>
+          <a:prstGeom prst="rect">
+            <a:avLst/>
+          </a:prstGeom>
+          <a:noFill/>
+        </p:spPr>
+        <p:txBody>
+          <a:bodyPr wrap="square" rtlCol="0">
+            <a:spAutoFit/>
+          </a:bodyPr>
           <a:p>
             <a:r>
               <a:rPr lang="zh-CN" altLang="en-US" sz="2400"/>
-              <a:t>向上为底层渲染模块提供资源</a:t>
+              <a:t>加载资源</a:t>
+            </a:r>
+            <a:endParaRPr lang="zh-CN" altLang="en-US" sz="2400"/>
+          </a:p>
+        </p:txBody>
+      </p:sp>
+      <p:sp>
+        <p:nvSpPr>
+          <p:cNvPr id="14" name="矩形 13"/>
+          <p:cNvSpPr/>
+          <p:nvPr/>
+        </p:nvSpPr>
+        <p:spPr>
+          <a:xfrm>
+            <a:off x="5891530" y="4224020"/>
+            <a:ext cx="3410585" cy="2046605"/>
+          </a:xfrm>
+          <a:prstGeom prst="rect">
+            <a:avLst/>
+          </a:prstGeom>
+        </p:spPr>
+        <p:style>
+          <a:lnRef idx="3">
+            <a:schemeClr val="lt1"/>
+          </a:lnRef>
+          <a:fillRef idx="1">
+            <a:schemeClr val="accent1"/>
+          </a:fillRef>
+          <a:effectRef idx="1">
+            <a:schemeClr val="accent1"/>
+          </a:effectRef>
+          <a:fontRef idx="minor">
+            <a:schemeClr val="lt1"/>
+          </a:fontRef>
+        </p:style>
+        <p:txBody>
+          <a:bodyPr rtlCol="0" anchor="ctr"/>
+          <a:p>
+            <a:pPr algn="ctr"/>
+            <a:r>
+              <a:rPr lang="zh-CN" altLang="en-US" sz="3200" b="1">
+                <a:solidFill>
+                  <a:schemeClr val="tx1"/>
+                </a:solidFill>
+              </a:rPr>
+              <a:t>操作系统</a:t>
+            </a:r>
+            <a:endParaRPr lang="zh-CN" altLang="en-US" sz="3200" b="1">
+              <a:solidFill>
+                <a:schemeClr val="tx1"/>
+              </a:solidFill>
+            </a:endParaRPr>
+          </a:p>
+        </p:txBody>
+      </p:sp>
+      <p:sp>
+        <p:nvSpPr>
+          <p:cNvPr id="16" name="文本框 15"/>
+          <p:cNvSpPr txBox="1"/>
+          <p:nvPr/>
+        </p:nvSpPr>
+        <p:spPr>
+          <a:xfrm>
+            <a:off x="9587230" y="2237740"/>
+            <a:ext cx="2419985" cy="829945"/>
+          </a:xfrm>
+          <a:prstGeom prst="rect">
+            <a:avLst/>
+          </a:prstGeom>
+          <a:noFill/>
+        </p:spPr>
+        <p:txBody>
+          <a:bodyPr wrap="square" rtlCol="0">
+            <a:spAutoFit/>
+          </a:bodyPr>
+          <a:p>
+            <a:r>
+              <a:rPr lang="zh-CN" altLang="en-US" sz="2400"/>
+              <a:t>将资源适配为通用内存模型返回</a:t>
+            </a:r>
+            <a:endParaRPr lang="zh-CN" altLang="en-US" sz="2400"/>
+          </a:p>
+        </p:txBody>
+      </p:sp>
+      <p:sp>
+        <p:nvSpPr>
+          <p:cNvPr id="18" name="文本框 17"/>
+          <p:cNvSpPr txBox="1"/>
+          <p:nvPr/>
+        </p:nvSpPr>
+        <p:spPr>
+          <a:xfrm>
+            <a:off x="9690100" y="4832350"/>
+            <a:ext cx="2317115" cy="829945"/>
+          </a:xfrm>
+          <a:prstGeom prst="rect">
+            <a:avLst/>
+          </a:prstGeom>
+          <a:noFill/>
+        </p:spPr>
+        <p:txBody>
+          <a:bodyPr wrap="square" rtlCol="0">
+            <a:spAutoFit/>
+          </a:bodyPr>
+          <a:p>
+            <a:r>
+              <a:rPr lang="zh-CN" altLang="en-US" sz="2400"/>
+              <a:t>加载资源原文件进行解析并缓存</a:t>
             </a:r>
             <a:endParaRPr lang="zh-CN" altLang="en-US" sz="2400"/>
           </a:p>
@@ -11431,7 +13214,7 @@
       </p:sp>
     </p:spTree>
     <p:custDataLst>
-      <p:tags r:id="rId2"/>
+      <p:tags r:id="rId1"/>
     </p:custDataLst>
   </p:cSld>
   <p:clrMapOvr>
@@ -11571,7 +13354,7 @@
         <p:spPr>
           <a:xfrm>
             <a:off x="1144270" y="1597025"/>
-            <a:ext cx="3495040" cy="1714500"/>
+            <a:ext cx="3995420" cy="1960245"/>
           </a:xfrm>
           <a:prstGeom prst="rect">
             <a:avLst/>
@@ -11586,7 +13369,7 @@
         </p:nvSpPr>
         <p:spPr>
           <a:xfrm>
-            <a:off x="5009515" y="2226945"/>
+            <a:off x="5639435" y="2226945"/>
             <a:ext cx="4941570" cy="460375"/>
           </a:xfrm>
           <a:prstGeom prst="rect">
@@ -11693,30 +13476,97 @@
         <p:txBody>
           <a:bodyPr/>
           <a:p>
+            <a:pPr>
+              <a:buFont typeface="Wingdings" panose="05000000000000000000" charset="0"/>
+              <a:buChar char="u"/>
+            </a:pPr>
+            <a:r>
+              <a:rPr lang="zh-CN" altLang="en-US" b="1"/>
+              <a:t>平台无关层的功能相当于main函数，其具体职能如下：</a:t>
+            </a:r>
+            <a:endParaRPr lang="zh-CN" altLang="en-US"/>
+          </a:p>
+          <a:p>
+            <a:pPr fontAlgn="auto">
+              <a:lnSpc>
+                <a:spcPct val="200000"/>
+              </a:lnSpc>
+            </a:pPr>
             <a:r>
               <a:rPr lang="zh-CN" altLang="en-US"/>
-              <a:t>平台无关层的功能相当于main函数，其具体职能如下：</a:t>
+              <a:t>在任意操作系统上</a:t>
+            </a:r>
+            <a:r>
+              <a:rPr lang="zh-CN" altLang="en-US" b="1">
+                <a:solidFill>
+                  <a:srgbClr val="FF0000"/>
+                </a:solidFill>
+              </a:rPr>
+              <a:t>弹出可渲染窗口</a:t>
+            </a:r>
+            <a:r>
+              <a:rPr lang="zh-CN" altLang="en-US"/>
+              <a:t>。</a:t>
             </a:r>
             <a:endParaRPr lang="zh-CN" altLang="en-US"/>
           </a:p>
           <a:p>
+            <a:pPr fontAlgn="auto">
+              <a:lnSpc>
+                <a:spcPct val="200000"/>
+              </a:lnSpc>
+            </a:pPr>
             <a:r>
               <a:rPr lang="zh-CN" altLang="en-US"/>
-              <a:t>①在任意操作系统上弹出窗口。</a:t>
+              <a:t>提供全局</a:t>
+            </a:r>
+            <a:r>
+              <a:rPr lang="zh-CN" altLang="en-US" b="1">
+                <a:solidFill>
+                  <a:srgbClr val="FF0000"/>
+                </a:solidFill>
+              </a:rPr>
+              <a:t>事件监听</a:t>
+            </a:r>
+            <a:r>
+              <a:rPr lang="zh-CN" altLang="en-US"/>
+              <a:t>功能。</a:t>
             </a:r>
             <a:endParaRPr lang="zh-CN" altLang="en-US"/>
           </a:p>
           <a:p>
+            <a:pPr fontAlgn="auto">
+              <a:lnSpc>
+                <a:spcPct val="200000"/>
+              </a:lnSpc>
+            </a:pPr>
             <a:r>
               <a:rPr lang="zh-CN" altLang="en-US"/>
-              <a:t>②提供全局事件的监听功能。</a:t>
-            </a:r>
-            <a:endParaRPr lang="zh-CN" altLang="en-US"/>
-          </a:p>
-          <a:p>
+              <a:t>调用</a:t>
+            </a:r>
+            <a:r>
+              <a:rPr lang="zh-CN" altLang="en-US" b="1">
+                <a:solidFill>
+                  <a:srgbClr val="FF0000"/>
+                </a:solidFill>
+              </a:rPr>
+              <a:t>场景管理模块</a:t>
+            </a:r>
             <a:r>
               <a:rPr lang="zh-CN" altLang="en-US"/>
-              <a:t>③调用场景管理模块的流程函数。</a:t>
+              <a:t>的</a:t>
+            </a:r>
+            <a:r>
+              <a:rPr lang="zh-CN" altLang="en-US" b="1">
+                <a:solidFill>
+                  <a:srgbClr val="FF0000"/>
+                </a:solidFill>
+              </a:rPr>
+              <a:t>流程</a:t>
+            </a:r>
+            <a:r>
+              <a:rPr lang="zh-CN" altLang="en-US"/>
+              <a:t>函数。</a:t>
             </a:r>
             <a:endParaRPr lang="zh-CN" altLang="en-US"/>
           </a:p>
@@ -11795,8 +13645,8 @@
         </p:nvSpPr>
         <p:spPr>
           <a:xfrm>
-            <a:off x="7402830" y="2355850"/>
-            <a:ext cx="4787900" cy="460375"/>
+            <a:off x="9493885" y="2326640"/>
+            <a:ext cx="2378710" cy="829945"/>
           </a:xfrm>
           <a:prstGeom prst="rect">
             <a:avLst/>
@@ -11810,62 +13660,19 @@
           <a:p>
             <a:r>
               <a:rPr lang="zh-CN" altLang="en-US" sz="2400"/>
-              <a:t>与操作系统交互，初始化绘图环境</a:t>
+              <a:t>与操作系统交互，</a:t>
             </a:r>
             <a:endParaRPr lang="zh-CN" altLang="en-US" sz="2400"/>
           </a:p>
-        </p:txBody>
-      </p:sp>
-      <p:pic>
-        <p:nvPicPr>
-          <p:cNvPr id="9" name="内容占位符 8"/>
-          <p:cNvPicPr>
-            <a:picLocks noChangeAspect="1"/>
-          </p:cNvPicPr>
-          <p:nvPr>
-            <p:ph idx="1"/>
-          </p:nvPr>
-        </p:nvPicPr>
-        <p:blipFill>
-          <a:blip r:embed="rId1"/>
-          <a:stretch>
-            <a:fillRect/>
-          </a:stretch>
-        </p:blipFill>
-        <p:spPr>
-          <a:xfrm>
-            <a:off x="838200" y="1718310"/>
-            <a:ext cx="6436995" cy="1643380"/>
-          </a:xfrm>
-          <a:prstGeom prst="rect">
-            <a:avLst/>
-          </a:prstGeom>
-        </p:spPr>
-      </p:pic>
-      <p:pic>
-        <p:nvPicPr>
-          <p:cNvPr id="10" name="图片 9"/>
-          <p:cNvPicPr>
-            <a:picLocks noChangeAspect="1"/>
-          </p:cNvPicPr>
-          <p:nvPr/>
-        </p:nvPicPr>
-        <p:blipFill>
-          <a:blip r:embed="rId2"/>
-          <a:stretch>
-            <a:fillRect/>
-          </a:stretch>
-        </p:blipFill>
-        <p:spPr>
-          <a:xfrm>
-            <a:off x="838200" y="3894455"/>
-            <a:ext cx="6426200" cy="1804035"/>
-          </a:xfrm>
-          <a:prstGeom prst="rect">
-            <a:avLst/>
-          </a:prstGeom>
-        </p:spPr>
-      </p:pic>
+          <a:p>
+            <a:r>
+              <a:rPr lang="zh-CN" altLang="en-US" sz="2400"/>
+              <a:t>初始化绘图环境</a:t>
+            </a:r>
+            <a:endParaRPr lang="zh-CN" altLang="en-US" sz="2400"/>
+          </a:p>
+        </p:txBody>
+      </p:sp>
       <p:sp>
         <p:nvSpPr>
           <p:cNvPr id="11" name="文本框 10"/>
@@ -11874,8 +13681,8 @@
         </p:nvSpPr>
         <p:spPr>
           <a:xfrm>
-            <a:off x="7720965" y="4612005"/>
-            <a:ext cx="3393440" cy="460375"/>
+            <a:off x="9802495" y="5046980"/>
+            <a:ext cx="1761490" cy="829945"/>
           </a:xfrm>
           <a:prstGeom prst="rect">
             <a:avLst/>
@@ -11891,15 +13698,368 @@
               <a:rPr lang="zh-CN" altLang="en-US" sz="2400">
                 <a:sym typeface="+mn-ea"/>
               </a:rPr>
-              <a:t>调场景管理模块的接口</a:t>
+              <a:t>调场景管理</a:t>
+            </a:r>
+            <a:endParaRPr lang="zh-CN" altLang="en-US" sz="2400">
+              <a:sym typeface="+mn-ea"/>
+            </a:endParaRPr>
+          </a:p>
+          <a:p>
+            <a:r>
+              <a:rPr lang="zh-CN" altLang="en-US" sz="2400">
+                <a:sym typeface="+mn-ea"/>
+              </a:rPr>
+              <a:t>模块的接口</a:t>
             </a:r>
             <a:endParaRPr lang="zh-CN" altLang="en-US" sz="2400"/>
+          </a:p>
+        </p:txBody>
+      </p:sp>
+      <p:sp>
+        <p:nvSpPr>
+          <p:cNvPr id="4" name="矩形 3"/>
+          <p:cNvSpPr/>
+          <p:nvPr/>
+        </p:nvSpPr>
+        <p:spPr>
+          <a:xfrm>
+            <a:off x="157480" y="1718310"/>
+            <a:ext cx="3410585" cy="2046605"/>
+          </a:xfrm>
+          <a:prstGeom prst="rect">
+            <a:avLst/>
+          </a:prstGeom>
+        </p:spPr>
+        <p:style>
+          <a:lnRef idx="2">
+            <a:schemeClr val="accent6">
+              <a:shade val="50000"/>
+            </a:schemeClr>
+          </a:lnRef>
+          <a:fillRef idx="1">
+            <a:schemeClr val="accent6"/>
+          </a:fillRef>
+          <a:effectRef idx="0">
+            <a:schemeClr val="accent6"/>
+          </a:effectRef>
+          <a:fontRef idx="minor">
+            <a:schemeClr val="lt1"/>
+          </a:fontRef>
+        </p:style>
+        <p:txBody>
+          <a:bodyPr rtlCol="0" anchor="ctr"/>
+          <a:p>
+            <a:pPr algn="ctr"/>
+            <a:r>
+              <a:rPr lang="zh-CN" altLang="en-US" sz="3200" b="1">
+                <a:solidFill>
+                  <a:schemeClr val="tx1"/>
+                </a:solidFill>
+              </a:rPr>
+              <a:t>平台无关</a:t>
+            </a:r>
+            <a:endParaRPr lang="zh-CN" altLang="en-US" sz="3200" b="1">
+              <a:solidFill>
+                <a:schemeClr val="tx1"/>
+              </a:solidFill>
+            </a:endParaRPr>
+          </a:p>
+        </p:txBody>
+      </p:sp>
+      <p:sp>
+        <p:nvSpPr>
+          <p:cNvPr id="6" name="矩形 5"/>
+          <p:cNvSpPr/>
+          <p:nvPr/>
+        </p:nvSpPr>
+        <p:spPr>
+          <a:xfrm>
+            <a:off x="5942330" y="1718310"/>
+            <a:ext cx="3410585" cy="2046605"/>
+          </a:xfrm>
+          <a:prstGeom prst="rect">
+            <a:avLst/>
+          </a:prstGeom>
+        </p:spPr>
+        <p:style>
+          <a:lnRef idx="3">
+            <a:schemeClr val="lt1"/>
+          </a:lnRef>
+          <a:fillRef idx="1">
+            <a:schemeClr val="accent1"/>
+          </a:fillRef>
+          <a:effectRef idx="1">
+            <a:schemeClr val="accent1"/>
+          </a:effectRef>
+          <a:fontRef idx="minor">
+            <a:schemeClr val="lt1"/>
+          </a:fontRef>
+        </p:style>
+        <p:txBody>
+          <a:bodyPr rtlCol="0" anchor="ctr"/>
+          <a:p>
+            <a:pPr algn="ctr"/>
+            <a:r>
+              <a:rPr lang="zh-CN" altLang="en-US" sz="3200" b="1">
+                <a:solidFill>
+                  <a:schemeClr val="tx1"/>
+                </a:solidFill>
+              </a:rPr>
+              <a:t>操作系统</a:t>
+            </a:r>
+            <a:endParaRPr lang="zh-CN" altLang="en-US" sz="3200" b="1">
+              <a:solidFill>
+                <a:schemeClr val="tx1"/>
+              </a:solidFill>
+            </a:endParaRPr>
+          </a:p>
+        </p:txBody>
+      </p:sp>
+      <p:sp>
+        <p:nvSpPr>
+          <p:cNvPr id="15" name="左箭头 14"/>
+          <p:cNvSpPr/>
+          <p:nvPr/>
+        </p:nvSpPr>
+        <p:spPr>
+          <a:xfrm>
+            <a:off x="3820795" y="2588260"/>
+            <a:ext cx="1868805" cy="520700"/>
+          </a:xfrm>
+          <a:prstGeom prst="leftArrow">
+            <a:avLst/>
+          </a:prstGeom>
+          <a:solidFill>
+            <a:schemeClr val="bg1"/>
+          </a:solidFill>
+        </p:spPr>
+        <p:style>
+          <a:lnRef idx="2">
+            <a:schemeClr val="accent1">
+              <a:shade val="50000"/>
+            </a:schemeClr>
+          </a:lnRef>
+          <a:fillRef idx="1">
+            <a:schemeClr val="accent1"/>
+          </a:fillRef>
+          <a:effectRef idx="0">
+            <a:schemeClr val="accent1"/>
+          </a:effectRef>
+          <a:fontRef idx="minor">
+            <a:schemeClr val="lt1"/>
+          </a:fontRef>
+        </p:style>
+        <p:txBody>
+          <a:bodyPr rtlCol="0" anchor="ctr"/>
+          <a:p>
+            <a:pPr algn="ctr"/>
+            <a:endParaRPr lang="zh-CN" altLang="en-US"/>
+          </a:p>
+        </p:txBody>
+      </p:sp>
+      <p:sp>
+        <p:nvSpPr>
+          <p:cNvPr id="7" name="文本框 6"/>
+          <p:cNvSpPr txBox="1"/>
+          <p:nvPr/>
+        </p:nvSpPr>
+        <p:spPr>
+          <a:xfrm>
+            <a:off x="4392930" y="2127885"/>
+            <a:ext cx="1031240" cy="460375"/>
+          </a:xfrm>
+          <a:prstGeom prst="rect">
+            <a:avLst/>
+          </a:prstGeom>
+          <a:noFill/>
+        </p:spPr>
+        <p:txBody>
+          <a:bodyPr wrap="square" rtlCol="0">
+            <a:spAutoFit/>
+          </a:bodyPr>
+          <a:p>
+            <a:r>
+              <a:rPr lang="zh-CN" altLang="en-US" sz="2400"/>
+              <a:t>命令</a:t>
+            </a:r>
+            <a:endParaRPr lang="zh-CN" altLang="en-US" sz="2400"/>
+          </a:p>
+        </p:txBody>
+      </p:sp>
+      <p:sp>
+        <p:nvSpPr>
+          <p:cNvPr id="8" name="矩形 7"/>
+          <p:cNvSpPr/>
+          <p:nvPr/>
+        </p:nvSpPr>
+        <p:spPr>
+          <a:xfrm>
+            <a:off x="157480" y="4438650"/>
+            <a:ext cx="3410585" cy="2046605"/>
+          </a:xfrm>
+          <a:prstGeom prst="rect">
+            <a:avLst/>
+          </a:prstGeom>
+        </p:spPr>
+        <p:style>
+          <a:lnRef idx="2">
+            <a:schemeClr val="accent6">
+              <a:shade val="50000"/>
+            </a:schemeClr>
+          </a:lnRef>
+          <a:fillRef idx="1">
+            <a:schemeClr val="accent6"/>
+          </a:fillRef>
+          <a:effectRef idx="0">
+            <a:schemeClr val="accent6"/>
+          </a:effectRef>
+          <a:fontRef idx="minor">
+            <a:schemeClr val="lt1"/>
+          </a:fontRef>
+        </p:style>
+        <p:txBody>
+          <a:bodyPr rtlCol="0" anchor="ctr"/>
+          <a:p>
+            <a:pPr algn="ctr"/>
+            <a:r>
+              <a:rPr lang="zh-CN" altLang="en-US" sz="3200" b="1">
+                <a:solidFill>
+                  <a:schemeClr val="tx1"/>
+                </a:solidFill>
+              </a:rPr>
+              <a:t>平台无关</a:t>
+            </a:r>
+            <a:endParaRPr lang="zh-CN" altLang="en-US" sz="3200" b="1">
+              <a:solidFill>
+                <a:schemeClr val="tx1"/>
+              </a:solidFill>
+            </a:endParaRPr>
+          </a:p>
+        </p:txBody>
+      </p:sp>
+      <p:sp>
+        <p:nvSpPr>
+          <p:cNvPr id="12" name="左箭头 11"/>
+          <p:cNvSpPr/>
+          <p:nvPr/>
+        </p:nvSpPr>
+        <p:spPr>
+          <a:xfrm>
+            <a:off x="3820795" y="5356225"/>
+            <a:ext cx="1868805" cy="520700"/>
+          </a:xfrm>
+          <a:prstGeom prst="leftArrow">
+            <a:avLst/>
+          </a:prstGeom>
+          <a:solidFill>
+            <a:schemeClr val="bg1"/>
+          </a:solidFill>
+        </p:spPr>
+        <p:style>
+          <a:lnRef idx="2">
+            <a:schemeClr val="accent1">
+              <a:shade val="50000"/>
+            </a:schemeClr>
+          </a:lnRef>
+          <a:fillRef idx="1">
+            <a:schemeClr val="accent1"/>
+          </a:fillRef>
+          <a:effectRef idx="0">
+            <a:schemeClr val="accent1"/>
+          </a:effectRef>
+          <a:fontRef idx="minor">
+            <a:schemeClr val="lt1"/>
+          </a:fontRef>
+        </p:style>
+        <p:txBody>
+          <a:bodyPr rtlCol="0" anchor="ctr"/>
+          <a:p>
+            <a:pPr algn="ctr"/>
+            <a:endParaRPr lang="zh-CN" altLang="en-US"/>
+          </a:p>
+        </p:txBody>
+      </p:sp>
+      <p:sp>
+        <p:nvSpPr>
+          <p:cNvPr id="13" name="文本框 12"/>
+          <p:cNvSpPr txBox="1"/>
+          <p:nvPr/>
+        </p:nvSpPr>
+        <p:spPr>
+          <a:xfrm>
+            <a:off x="4183380" y="4831080"/>
+            <a:ext cx="1449705" cy="460375"/>
+          </a:xfrm>
+          <a:prstGeom prst="rect">
+            <a:avLst/>
+          </a:prstGeom>
+          <a:noFill/>
+        </p:spPr>
+        <p:txBody>
+          <a:bodyPr wrap="square" rtlCol="0">
+            <a:spAutoFit/>
+          </a:bodyPr>
+          <a:p>
+            <a:r>
+              <a:rPr lang="zh-CN" altLang="en-US" sz="2400"/>
+              <a:t>流程函数</a:t>
+            </a:r>
+            <a:endParaRPr lang="zh-CN" altLang="en-US" sz="2400"/>
+          </a:p>
+        </p:txBody>
+      </p:sp>
+      <p:sp>
+        <p:nvSpPr>
+          <p:cNvPr id="14" name="矩形 13"/>
+          <p:cNvSpPr/>
+          <p:nvPr/>
+        </p:nvSpPr>
+        <p:spPr>
+          <a:xfrm>
+            <a:off x="5942330" y="4438650"/>
+            <a:ext cx="3410585" cy="2046605"/>
+          </a:xfrm>
+          <a:prstGeom prst="rect">
+            <a:avLst/>
+          </a:prstGeom>
+        </p:spPr>
+        <p:style>
+          <a:lnRef idx="3">
+            <a:schemeClr val="lt1"/>
+          </a:lnRef>
+          <a:fillRef idx="1">
+            <a:schemeClr val="accent2"/>
+          </a:fillRef>
+          <a:effectRef idx="1">
+            <a:schemeClr val="accent2"/>
+          </a:effectRef>
+          <a:fontRef idx="minor">
+            <a:schemeClr val="lt1"/>
+          </a:fontRef>
+        </p:style>
+        <p:txBody>
+          <a:bodyPr rtlCol="0" anchor="ctr"/>
+          <a:p>
+            <a:pPr algn="ctr"/>
+            <a:r>
+              <a:rPr lang="zh-CN" altLang="en-US" sz="3200" b="1">
+                <a:solidFill>
+                  <a:schemeClr val="tx1"/>
+                </a:solidFill>
+              </a:rPr>
+              <a:t>场景管理</a:t>
+            </a:r>
+            <a:endParaRPr lang="zh-CN" altLang="en-US" sz="3200" b="1">
+              <a:solidFill>
+                <a:schemeClr val="tx1"/>
+              </a:solidFill>
+            </a:endParaRPr>
           </a:p>
         </p:txBody>
       </p:sp>
     </p:spTree>
     <p:custDataLst>
-      <p:tags r:id="rId3"/>
+      <p:tags r:id="rId1"/>
     </p:custDataLst>
   </p:cSld>
   <p:clrMapOvr>
@@ -11928,7 +14088,12 @@
             <p:ph type="title"/>
           </p:nvPr>
         </p:nvSpPr>
-        <p:spPr/>
+        <p:spPr>
+          <a:xfrm>
+            <a:off x="838200" y="-36195"/>
+            <a:ext cx="10515600" cy="1223645"/>
+          </a:xfrm>
+        </p:spPr>
         <p:txBody>
           <a:bodyPr/>
           <a:p>
@@ -11962,35 +14127,620 @@
           </a:p>
         </p:txBody>
       </p:sp>
-      <p:pic>
-        <p:nvPicPr>
-          <p:cNvPr id="4" name="内容占位符 3"/>
-          <p:cNvPicPr>
-            <a:picLocks noChangeAspect="1"/>
-          </p:cNvPicPr>
-          <p:nvPr>
-            <p:ph idx="1"/>
-          </p:nvPr>
-        </p:nvPicPr>
-        <p:blipFill>
-          <a:blip r:embed="rId1"/>
-          <a:stretch>
-            <a:fillRect/>
-          </a:stretch>
-        </p:blipFill>
+      <p:sp>
+        <p:nvSpPr>
+          <p:cNvPr id="5" name="矩形 4"/>
+          <p:cNvSpPr/>
+          <p:nvPr/>
+        </p:nvSpPr>
         <p:spPr>
           <a:xfrm>
-            <a:off x="2540" y="2352675"/>
-            <a:ext cx="12125325" cy="3661410"/>
+            <a:off x="157480" y="1493520"/>
+            <a:ext cx="2193290" cy="1381760"/>
           </a:xfrm>
           <a:prstGeom prst="rect">
             <a:avLst/>
           </a:prstGeom>
         </p:spPr>
-      </p:pic>
+        <p:style>
+          <a:lnRef idx="2">
+            <a:schemeClr val="accent6">
+              <a:shade val="50000"/>
+            </a:schemeClr>
+          </a:lnRef>
+          <a:fillRef idx="1">
+            <a:schemeClr val="accent6"/>
+          </a:fillRef>
+          <a:effectRef idx="0">
+            <a:schemeClr val="accent6"/>
+          </a:effectRef>
+          <a:fontRef idx="minor">
+            <a:schemeClr val="lt1"/>
+          </a:fontRef>
+        </p:style>
+        <p:txBody>
+          <a:bodyPr rtlCol="0" anchor="ctr"/>
+          <a:p>
+            <a:pPr algn="ctr"/>
+            <a:r>
+              <a:rPr lang="zh-CN" altLang="en-US" sz="3200" b="1">
+                <a:solidFill>
+                  <a:schemeClr val="tx1"/>
+                </a:solidFill>
+              </a:rPr>
+              <a:t>物体</a:t>
+            </a:r>
+            <a:r>
+              <a:rPr lang="en-US" altLang="zh-CN" sz="3200" b="1">
+                <a:solidFill>
+                  <a:schemeClr val="tx1"/>
+                </a:solidFill>
+              </a:rPr>
+              <a:t>A</a:t>
+            </a:r>
+            <a:r>
+              <a:rPr lang="zh-CN" altLang="en-US" sz="3200" b="1">
+                <a:solidFill>
+                  <a:schemeClr val="tx1"/>
+                </a:solidFill>
+              </a:rPr>
+              <a:t>的</a:t>
+            </a:r>
+            <a:endParaRPr lang="zh-CN" altLang="en-US" sz="3200" b="1">
+              <a:solidFill>
+                <a:schemeClr val="tx1"/>
+              </a:solidFill>
+            </a:endParaRPr>
+          </a:p>
+          <a:p>
+            <a:pPr algn="ctr"/>
+            <a:r>
+              <a:rPr lang="zh-CN" altLang="en-US" sz="3200" b="1">
+                <a:solidFill>
+                  <a:schemeClr val="tx1"/>
+                </a:solidFill>
+              </a:rPr>
+              <a:t>渲染数据</a:t>
+            </a:r>
+            <a:endParaRPr lang="zh-CN" altLang="en-US" sz="3200" b="1">
+              <a:solidFill>
+                <a:schemeClr val="tx1"/>
+              </a:solidFill>
+            </a:endParaRPr>
+          </a:p>
+        </p:txBody>
+      </p:sp>
+      <p:sp>
+        <p:nvSpPr>
+          <p:cNvPr id="6" name="矩形 5"/>
+          <p:cNvSpPr/>
+          <p:nvPr/>
+        </p:nvSpPr>
+        <p:spPr>
+          <a:xfrm>
+            <a:off x="157480" y="3060065"/>
+            <a:ext cx="2193290" cy="1381760"/>
+          </a:xfrm>
+          <a:prstGeom prst="rect">
+            <a:avLst/>
+          </a:prstGeom>
+        </p:spPr>
+        <p:style>
+          <a:lnRef idx="2">
+            <a:schemeClr val="accent6">
+              <a:shade val="50000"/>
+            </a:schemeClr>
+          </a:lnRef>
+          <a:fillRef idx="1">
+            <a:schemeClr val="accent6"/>
+          </a:fillRef>
+          <a:effectRef idx="0">
+            <a:schemeClr val="accent6"/>
+          </a:effectRef>
+          <a:fontRef idx="minor">
+            <a:schemeClr val="lt1"/>
+          </a:fontRef>
+        </p:style>
+        <p:txBody>
+          <a:bodyPr rtlCol="0" anchor="ctr"/>
+          <a:p>
+            <a:pPr algn="ctr"/>
+            <a:r>
+              <a:rPr lang="zh-CN" altLang="en-US" sz="3200" b="1">
+                <a:solidFill>
+                  <a:schemeClr val="tx1"/>
+                </a:solidFill>
+              </a:rPr>
+              <a:t>物体</a:t>
+            </a:r>
+            <a:r>
+              <a:rPr lang="en-US" altLang="zh-CN" sz="3200" b="1">
+                <a:solidFill>
+                  <a:schemeClr val="tx1"/>
+                </a:solidFill>
+              </a:rPr>
+              <a:t>B</a:t>
+            </a:r>
+            <a:r>
+              <a:rPr lang="zh-CN" altLang="en-US" sz="3200" b="1">
+                <a:solidFill>
+                  <a:schemeClr val="tx1"/>
+                </a:solidFill>
+              </a:rPr>
+              <a:t>的</a:t>
+            </a:r>
+            <a:endParaRPr lang="zh-CN" altLang="en-US" sz="3200" b="1">
+              <a:solidFill>
+                <a:schemeClr val="tx1"/>
+              </a:solidFill>
+            </a:endParaRPr>
+          </a:p>
+          <a:p>
+            <a:pPr algn="ctr"/>
+            <a:r>
+              <a:rPr lang="zh-CN" altLang="en-US" sz="3200" b="1">
+                <a:solidFill>
+                  <a:schemeClr val="tx1"/>
+                </a:solidFill>
+              </a:rPr>
+              <a:t>渲染数据</a:t>
+            </a:r>
+            <a:endParaRPr lang="zh-CN" altLang="en-US" sz="3200" b="1">
+              <a:solidFill>
+                <a:schemeClr val="tx1"/>
+              </a:solidFill>
+            </a:endParaRPr>
+          </a:p>
+        </p:txBody>
+      </p:sp>
+      <p:sp>
+        <p:nvSpPr>
+          <p:cNvPr id="7" name="矩形 6"/>
+          <p:cNvSpPr/>
+          <p:nvPr/>
+        </p:nvSpPr>
+        <p:spPr>
+          <a:xfrm>
+            <a:off x="157480" y="4794885"/>
+            <a:ext cx="2193290" cy="1381760"/>
+          </a:xfrm>
+          <a:prstGeom prst="rect">
+            <a:avLst/>
+          </a:prstGeom>
+        </p:spPr>
+        <p:style>
+          <a:lnRef idx="2">
+            <a:schemeClr val="accent6">
+              <a:shade val="50000"/>
+            </a:schemeClr>
+          </a:lnRef>
+          <a:fillRef idx="1">
+            <a:schemeClr val="accent6"/>
+          </a:fillRef>
+          <a:effectRef idx="0">
+            <a:schemeClr val="accent6"/>
+          </a:effectRef>
+          <a:fontRef idx="minor">
+            <a:schemeClr val="lt1"/>
+          </a:fontRef>
+        </p:style>
+        <p:txBody>
+          <a:bodyPr rtlCol="0" anchor="ctr"/>
+          <a:p>
+            <a:pPr algn="ctr"/>
+            <a:r>
+              <a:rPr lang="zh-CN" altLang="en-US" sz="3200" b="1">
+                <a:solidFill>
+                  <a:schemeClr val="tx1"/>
+                </a:solidFill>
+              </a:rPr>
+              <a:t>物体</a:t>
+            </a:r>
+            <a:r>
+              <a:rPr lang="en-US" altLang="zh-CN" sz="3200" b="1">
+                <a:solidFill>
+                  <a:schemeClr val="tx1"/>
+                </a:solidFill>
+              </a:rPr>
+              <a:t>C</a:t>
+            </a:r>
+            <a:r>
+              <a:rPr lang="zh-CN" altLang="en-US" sz="3200" b="1">
+                <a:solidFill>
+                  <a:schemeClr val="tx1"/>
+                </a:solidFill>
+              </a:rPr>
+              <a:t>的</a:t>
+            </a:r>
+            <a:endParaRPr lang="zh-CN" altLang="en-US" sz="3200" b="1">
+              <a:solidFill>
+                <a:schemeClr val="tx1"/>
+              </a:solidFill>
+            </a:endParaRPr>
+          </a:p>
+          <a:p>
+            <a:pPr algn="ctr"/>
+            <a:r>
+              <a:rPr lang="zh-CN" altLang="en-US" sz="3200" b="1">
+                <a:solidFill>
+                  <a:schemeClr val="tx1"/>
+                </a:solidFill>
+              </a:rPr>
+              <a:t>渲染数据</a:t>
+            </a:r>
+            <a:endParaRPr lang="zh-CN" altLang="en-US" sz="3200" b="1">
+              <a:solidFill>
+                <a:schemeClr val="tx1"/>
+              </a:solidFill>
+            </a:endParaRPr>
+          </a:p>
+        </p:txBody>
+      </p:sp>
+      <p:sp>
+        <p:nvSpPr>
+          <p:cNvPr id="12" name="椭圆 11"/>
+          <p:cNvSpPr/>
+          <p:nvPr/>
+        </p:nvSpPr>
+        <p:spPr>
+          <a:xfrm>
+            <a:off x="3440430" y="2703195"/>
+            <a:ext cx="2348230" cy="2091690"/>
+          </a:xfrm>
+          <a:prstGeom prst="ellipse">
+            <a:avLst/>
+          </a:prstGeom>
+        </p:spPr>
+        <p:style>
+          <a:lnRef idx="2">
+            <a:schemeClr val="accent2">
+              <a:shade val="50000"/>
+            </a:schemeClr>
+          </a:lnRef>
+          <a:fillRef idx="1">
+            <a:schemeClr val="accent2"/>
+          </a:fillRef>
+          <a:effectRef idx="0">
+            <a:schemeClr val="accent2"/>
+          </a:effectRef>
+          <a:fontRef idx="minor">
+            <a:schemeClr val="lt1"/>
+          </a:fontRef>
+        </p:style>
+        <p:txBody>
+          <a:bodyPr rtlCol="0" anchor="ctr"/>
+          <a:p>
+            <a:pPr algn="ctr"/>
+            <a:r>
+              <a:rPr lang="zh-CN" altLang="en-US" sz="3200" b="1">
+                <a:solidFill>
+                  <a:schemeClr val="tx1"/>
+                </a:solidFill>
+              </a:rPr>
+              <a:t>进入渲染列表</a:t>
+            </a:r>
+            <a:endParaRPr lang="zh-CN" altLang="en-US" sz="3200" b="1">
+              <a:solidFill>
+                <a:schemeClr val="tx1"/>
+              </a:solidFill>
+            </a:endParaRPr>
+          </a:p>
+        </p:txBody>
+      </p:sp>
+      <p:cxnSp>
+        <p:nvCxnSpPr>
+          <p:cNvPr id="13" name="肘形连接符 12"/>
+          <p:cNvCxnSpPr>
+            <a:stCxn id="5" idx="3"/>
+            <a:endCxn id="12" idx="1"/>
+          </p:cNvCxnSpPr>
+          <p:nvPr/>
+        </p:nvCxnSpPr>
+        <p:spPr>
+          <a:xfrm>
+            <a:off x="2350770" y="2184400"/>
+            <a:ext cx="1433830" cy="824865"/>
+          </a:xfrm>
+          <a:prstGeom prst="bentConnector2">
+            <a:avLst/>
+          </a:prstGeom>
+          <a:ln>
+            <a:tailEnd type="arrow" w="med" len="med"/>
+          </a:ln>
+        </p:spPr>
+        <p:style>
+          <a:lnRef idx="1">
+            <a:schemeClr val="dk1"/>
+          </a:lnRef>
+          <a:fillRef idx="0">
+            <a:schemeClr val="dk1"/>
+          </a:fillRef>
+          <a:effectRef idx="0">
+            <a:schemeClr val="dk1"/>
+          </a:effectRef>
+          <a:fontRef idx="minor">
+            <a:schemeClr val="tx1"/>
+          </a:fontRef>
+        </p:style>
+      </p:cxnSp>
+      <p:cxnSp>
+        <p:nvCxnSpPr>
+          <p:cNvPr id="15" name="肘形连接符 14"/>
+          <p:cNvCxnSpPr>
+            <a:stCxn id="7" idx="3"/>
+            <a:endCxn id="12" idx="3"/>
+          </p:cNvCxnSpPr>
+          <p:nvPr/>
+        </p:nvCxnSpPr>
+        <p:spPr>
+          <a:xfrm flipV="1">
+            <a:off x="2350770" y="4488815"/>
+            <a:ext cx="1433830" cy="996950"/>
+          </a:xfrm>
+          <a:prstGeom prst="bentConnector2">
+            <a:avLst/>
+          </a:prstGeom>
+          <a:ln>
+            <a:tailEnd type="arrow" w="med" len="med"/>
+          </a:ln>
+        </p:spPr>
+        <p:style>
+          <a:lnRef idx="1">
+            <a:schemeClr val="dk1"/>
+          </a:lnRef>
+          <a:fillRef idx="0">
+            <a:schemeClr val="dk1"/>
+          </a:fillRef>
+          <a:effectRef idx="0">
+            <a:schemeClr val="dk1"/>
+          </a:effectRef>
+          <a:fontRef idx="minor">
+            <a:schemeClr val="tx1"/>
+          </a:fontRef>
+        </p:style>
+      </p:cxnSp>
+      <p:cxnSp>
+        <p:nvCxnSpPr>
+          <p:cNvPr id="16" name="直接箭头连接符 15"/>
+          <p:cNvCxnSpPr>
+            <a:stCxn id="6" idx="3"/>
+            <a:endCxn id="12" idx="2"/>
+          </p:cNvCxnSpPr>
+          <p:nvPr/>
+        </p:nvCxnSpPr>
+        <p:spPr>
+          <a:xfrm flipV="1">
+            <a:off x="2350770" y="3749040"/>
+            <a:ext cx="1089660" cy="1905"/>
+          </a:xfrm>
+          <a:prstGeom prst="straightConnector1">
+            <a:avLst/>
+          </a:prstGeom>
+          <a:ln>
+            <a:tailEnd type="arrow" w="med" len="med"/>
+          </a:ln>
+        </p:spPr>
+        <p:style>
+          <a:lnRef idx="1">
+            <a:schemeClr val="dk1"/>
+          </a:lnRef>
+          <a:fillRef idx="0">
+            <a:schemeClr val="dk1"/>
+          </a:fillRef>
+          <a:effectRef idx="0">
+            <a:schemeClr val="dk1"/>
+          </a:effectRef>
+          <a:fontRef idx="minor">
+            <a:schemeClr val="tx1"/>
+          </a:fontRef>
+        </p:style>
+      </p:cxnSp>
+      <p:sp>
+        <p:nvSpPr>
+          <p:cNvPr id="17" name="椭圆 16"/>
+          <p:cNvSpPr/>
+          <p:nvPr/>
+        </p:nvSpPr>
+        <p:spPr>
+          <a:xfrm>
+            <a:off x="6263005" y="2703195"/>
+            <a:ext cx="2682875" cy="2091690"/>
+          </a:xfrm>
+          <a:prstGeom prst="ellipse">
+            <a:avLst/>
+          </a:prstGeom>
+        </p:spPr>
+        <p:style>
+          <a:lnRef idx="2">
+            <a:schemeClr val="accent2">
+              <a:shade val="50000"/>
+            </a:schemeClr>
+          </a:lnRef>
+          <a:fillRef idx="1">
+            <a:schemeClr val="accent2"/>
+          </a:fillRef>
+          <a:effectRef idx="0">
+            <a:schemeClr val="accent2"/>
+          </a:effectRef>
+          <a:fontRef idx="minor">
+            <a:schemeClr val="lt1"/>
+          </a:fontRef>
+        </p:style>
+        <p:txBody>
+          <a:bodyPr rtlCol="0" anchor="ctr"/>
+          <a:p>
+            <a:pPr algn="ctr"/>
+            <a:r>
+              <a:rPr lang="zh-CN" altLang="en-US" sz="3200" b="1">
+                <a:solidFill>
+                  <a:schemeClr val="tx1"/>
+                </a:solidFill>
+              </a:rPr>
+              <a:t>渲染列表批处理</a:t>
+            </a:r>
+            <a:endParaRPr lang="zh-CN" altLang="en-US" sz="3200" b="1">
+              <a:solidFill>
+                <a:schemeClr val="tx1"/>
+              </a:solidFill>
+            </a:endParaRPr>
+          </a:p>
+        </p:txBody>
+      </p:sp>
+      <p:cxnSp>
+        <p:nvCxnSpPr>
+          <p:cNvPr id="18" name="肘形连接符 17"/>
+          <p:cNvCxnSpPr>
+            <a:stCxn id="12" idx="6"/>
+            <a:endCxn id="17" idx="2"/>
+          </p:cNvCxnSpPr>
+          <p:nvPr/>
+        </p:nvCxnSpPr>
+        <p:spPr>
+          <a:xfrm>
+            <a:off x="5788660" y="3749040"/>
+            <a:ext cx="474345" cy="3175"/>
+          </a:xfrm>
+          <a:prstGeom prst="bentConnector2">
+            <a:avLst/>
+          </a:prstGeom>
+          <a:ln>
+            <a:tailEnd type="arrow" w="med" len="med"/>
+          </a:ln>
+        </p:spPr>
+        <p:style>
+          <a:lnRef idx="1">
+            <a:schemeClr val="dk1"/>
+          </a:lnRef>
+          <a:fillRef idx="0">
+            <a:schemeClr val="dk1"/>
+          </a:fillRef>
+          <a:effectRef idx="0">
+            <a:schemeClr val="dk1"/>
+          </a:effectRef>
+          <a:fontRef idx="minor">
+            <a:schemeClr val="tx1"/>
+          </a:fontRef>
+        </p:style>
+      </p:cxnSp>
+      <p:sp>
+        <p:nvSpPr>
+          <p:cNvPr id="19" name="矩形 18"/>
+          <p:cNvSpPr/>
+          <p:nvPr/>
+        </p:nvSpPr>
+        <p:spPr>
+          <a:xfrm>
+            <a:off x="9883140" y="3058160"/>
+            <a:ext cx="2193290" cy="1381760"/>
+          </a:xfrm>
+          <a:prstGeom prst="rect">
+            <a:avLst/>
+          </a:prstGeom>
+        </p:spPr>
+        <p:style>
+          <a:lnRef idx="2">
+            <a:schemeClr val="accent6">
+              <a:shade val="50000"/>
+            </a:schemeClr>
+          </a:lnRef>
+          <a:fillRef idx="1">
+            <a:schemeClr val="accent6"/>
+          </a:fillRef>
+          <a:effectRef idx="0">
+            <a:schemeClr val="accent6"/>
+          </a:effectRef>
+          <a:fontRef idx="minor">
+            <a:schemeClr val="lt1"/>
+          </a:fontRef>
+        </p:style>
+        <p:txBody>
+          <a:bodyPr rtlCol="0" anchor="ctr"/>
+          <a:p>
+            <a:pPr algn="ctr"/>
+            <a:r>
+              <a:rPr lang="en-US" altLang="zh-CN" sz="3200" b="1">
+                <a:solidFill>
+                  <a:schemeClr val="tx1"/>
+                </a:solidFill>
+              </a:rPr>
+              <a:t>GPU</a:t>
+            </a:r>
+            <a:endParaRPr lang="en-US" altLang="zh-CN" sz="3200" b="1">
+              <a:solidFill>
+                <a:schemeClr val="tx1"/>
+              </a:solidFill>
+            </a:endParaRPr>
+          </a:p>
+        </p:txBody>
+      </p:sp>
+      <p:cxnSp>
+        <p:nvCxnSpPr>
+          <p:cNvPr id="20" name="肘形连接符 19"/>
+          <p:cNvCxnSpPr>
+            <a:stCxn id="17" idx="6"/>
+            <a:endCxn id="19" idx="1"/>
+          </p:cNvCxnSpPr>
+          <p:nvPr/>
+        </p:nvCxnSpPr>
+        <p:spPr>
+          <a:xfrm>
+            <a:off x="8945880" y="3749040"/>
+            <a:ext cx="937260" cy="3175"/>
+          </a:xfrm>
+          <a:prstGeom prst="bentConnector2">
+            <a:avLst/>
+          </a:prstGeom>
+          <a:ln>
+            <a:tailEnd type="arrow" w="med" len="med"/>
+          </a:ln>
+        </p:spPr>
+        <p:style>
+          <a:lnRef idx="1">
+            <a:schemeClr val="dk1"/>
+          </a:lnRef>
+          <a:fillRef idx="0">
+            <a:schemeClr val="dk1"/>
+          </a:fillRef>
+          <a:effectRef idx="0">
+            <a:schemeClr val="dk1"/>
+          </a:effectRef>
+          <a:fontRef idx="minor">
+            <a:schemeClr val="tx1"/>
+          </a:fontRef>
+        </p:style>
+      </p:cxnSp>
+      <p:sp>
+        <p:nvSpPr>
+          <p:cNvPr id="22" name="文本框 21"/>
+          <p:cNvSpPr txBox="1"/>
+          <p:nvPr/>
+        </p:nvSpPr>
+        <p:spPr>
+          <a:xfrm>
+            <a:off x="8964295" y="3291840"/>
+            <a:ext cx="918845" cy="460375"/>
+          </a:xfrm>
+          <a:prstGeom prst="rect">
+            <a:avLst/>
+          </a:prstGeom>
+          <a:noFill/>
+        </p:spPr>
+        <p:txBody>
+          <a:bodyPr wrap="square" rtlCol="0">
+            <a:spAutoFit/>
+          </a:bodyPr>
+          <a:p>
+            <a:r>
+              <a:rPr lang="zh-CN" altLang="en-US" sz="2400"/>
+              <a:t>提交</a:t>
+            </a:r>
+            <a:endParaRPr lang="zh-CN" altLang="en-US" sz="2400"/>
+          </a:p>
+        </p:txBody>
+      </p:sp>
     </p:spTree>
     <p:custDataLst>
-      <p:tags r:id="rId2"/>
+      <p:tags r:id="rId1"/>
     </p:custDataLst>
   </p:cSld>
   <p:clrMapOvr>
@@ -13410,123 +16160,6 @@
         <p:cNvGrpSpPr/>
         <p:nvPr/>
       </p:nvGrpSpPr>
-      <p:grpSpPr/>
-      <p:sp>
-        <p:nvSpPr>
-          <p:cNvPr id="2" name="标题 1"/>
-          <p:cNvSpPr>
-            <a:spLocks noGrp="1"/>
-          </p:cNvSpPr>
-          <p:nvPr>
-            <p:ph type="title"/>
-          </p:nvPr>
-        </p:nvSpPr>
-        <p:spPr/>
-        <p:txBody>
-          <a:bodyPr/>
-          <a:p>
-            <a:r>
-              <a:rPr lang="zh-CN" altLang="en-US">
-                <a:solidFill>
-                  <a:schemeClr val="tx1"/>
-                </a:solidFill>
-                <a:effectLst>
-                  <a:outerShdw blurRad="38100" dist="19050" dir="2700000" algn="tl" rotWithShape="0">
-                    <a:schemeClr val="dk1">
-                      <a:alpha val="40000"/>
-                    </a:schemeClr>
-                  </a:outerShdw>
-                </a:effectLst>
-              </a:rPr>
-              <a:t>后期维护方向</a:t>
-            </a:r>
-            <a:endParaRPr lang="zh-CN" altLang="en-US">
-              <a:solidFill>
-                <a:schemeClr val="tx1"/>
-              </a:solidFill>
-              <a:effectLst>
-                <a:outerShdw blurRad="38100" dist="19050" dir="2700000" algn="tl" rotWithShape="0">
-                  <a:schemeClr val="dk1">
-                    <a:alpha val="40000"/>
-                  </a:schemeClr>
-                </a:outerShdw>
-              </a:effectLst>
-            </a:endParaRPr>
-          </a:p>
-        </p:txBody>
-      </p:sp>
-      <p:sp>
-        <p:nvSpPr>
-          <p:cNvPr id="3" name="内容占位符 2"/>
-          <p:cNvSpPr>
-            <a:spLocks noGrp="1"/>
-          </p:cNvSpPr>
-          <p:nvPr>
-            <p:ph idx="1"/>
-          </p:nvPr>
-        </p:nvSpPr>
-        <p:spPr/>
-        <p:txBody>
-          <a:bodyPr/>
-          <a:p>
-            <a:r>
-              <a:rPr lang="zh-CN" altLang="en-US"/>
-              <a:t>角色动画</a:t>
-            </a:r>
-            <a:endParaRPr lang="zh-CN" altLang="en-US"/>
-          </a:p>
-          <a:p>
-            <a:endParaRPr lang="en-US" altLang="zh-CN"/>
-          </a:p>
-          <a:p>
-            <a:r>
-              <a:rPr lang="en-US" altLang="zh-CN"/>
-              <a:t>UI</a:t>
-            </a:r>
-            <a:r>
-              <a:rPr lang="zh-CN" altLang="en-US"/>
-              <a:t>渲染</a:t>
-            </a:r>
-            <a:endParaRPr lang="zh-CN" altLang="en-US"/>
-          </a:p>
-          <a:p>
-            <a:endParaRPr lang="zh-CN" altLang="en-US"/>
-          </a:p>
-          <a:p>
-            <a:r>
-              <a:rPr lang="zh-CN" altLang="en-US"/>
-              <a:t>粒子系统编辑器</a:t>
-            </a:r>
-            <a:endParaRPr lang="zh-CN" altLang="en-US"/>
-          </a:p>
-          <a:p>
-            <a:endParaRPr lang="zh-CN" altLang="en-US"/>
-          </a:p>
-          <a:p>
-            <a:endParaRPr lang="zh-CN" altLang="en-US"/>
-          </a:p>
-        </p:txBody>
-      </p:sp>
-    </p:spTree>
-    <p:custDataLst>
-      <p:tags r:id="rId1"/>
-    </p:custDataLst>
-  </p:cSld>
-  <p:clrMapOvr>
-    <a:masterClrMapping/>
-  </p:clrMapOvr>
-</p:sld>
-</file>
-
-<file path=ppt/slides/slide33.xml><?xml version="1.0" encoding="utf-8"?>
-<p:sld xmlns:a="http://schemas.openxmlformats.org/drawingml/2006/main" xmlns:r="http://schemas.openxmlformats.org/officeDocument/2006/relationships" xmlns:p="http://schemas.openxmlformats.org/presentationml/2006/main">
-  <p:cSld>
-    <p:spTree>
-      <p:nvGrpSpPr>
-        <p:cNvPr id="1" name=""/>
-        <p:cNvGrpSpPr/>
-        <p:nvPr/>
-      </p:nvGrpSpPr>
       <p:grpSpPr>
         <a:xfrm>
           <a:off x="0" y="0"/>
@@ -14037,7 +16670,7 @@
 </p:sld>
 </file>
 
-<file path=ppt/slides/slide34.xml><?xml version="1.0" encoding="utf-8"?>
+<file path=ppt/slides/slide33.xml><?xml version="1.0" encoding="utf-8"?>
 <p:sld xmlns:a="http://schemas.openxmlformats.org/drawingml/2006/main" xmlns:r="http://schemas.openxmlformats.org/officeDocument/2006/relationships" xmlns:p="http://schemas.openxmlformats.org/presentationml/2006/main">
   <p:cSld>
     <p:spTree>
@@ -14268,8 +16901,8 @@
           </p:nvSpPr>
           <p:spPr>
             <a:xfrm>
-              <a:off x="1652867" y="5321702"/>
-              <a:ext cx="853440" cy="755435"/>
+              <a:off x="1795527" y="5322236"/>
+              <a:ext cx="766734" cy="755435"/>
             </a:xfrm>
             <a:prstGeom prst="rect">
               <a:avLst/>
@@ -14323,7 +16956,7 @@
           <p:spPr>
             <a:xfrm>
               <a:off x="998143" y="2784446"/>
-              <a:ext cx="2361600" cy="483715"/>
+              <a:ext cx="2361600" cy="1026078"/>
             </a:xfrm>
             <a:prstGeom prst="rect">
               <a:avLst/>
@@ -14348,17 +16981,26 @@
             <a:p>
               <a:pPr algn="ctr"/>
               <a:r>
-                <a:rPr lang="zh-CN" altLang="en-US" sz="2400">
-                  <a:solidFill>
-                    <a:schemeClr val="tx1"/>
-                  </a:solidFill>
+                <a:rPr lang="zh-CN" altLang="en-US" sz="3200" b="1">
                   <a:latin typeface="+mj-lt"/>
                   <a:ea typeface="+mj-ea"/>
                   <a:cs typeface="+mj-cs"/>
                   <a:sym typeface="+mn-lt"/>
                 </a:rPr>
-                <a:t>背景</a:t>
+                <a:t>设计与实现</a:t>
               </a:r>
+              <a:endParaRPr lang="zh-CN" altLang="en-US" sz="2400">
+                <a:solidFill>
+                  <a:schemeClr val="tx1"/>
+                </a:solidFill>
+                <a:latin typeface="+mj-lt"/>
+                <a:ea typeface="+mj-ea"/>
+                <a:cs typeface="+mj-cs"/>
+                <a:sym typeface="+mn-lt"/>
+              </a:endParaRPr>
+            </a:p>
+            <a:p>
+              <a:pPr algn="ctr"/>
               <a:endParaRPr lang="zh-CN" altLang="en-US" sz="2400">
                 <a:solidFill>
                   <a:schemeClr val="tx1"/>
@@ -14384,7 +17026,7 @@
           <p:spPr>
             <a:xfrm>
               <a:off x="997955" y="3537317"/>
-              <a:ext cx="2361600" cy="1296184"/>
+              <a:ext cx="2361600" cy="1485580"/>
             </a:xfrm>
             <a:prstGeom prst="rect">
               <a:avLst/>
@@ -14407,12 +17049,48 @@
               </a:lvl1pPr>
             </a:lstStyle>
             <a:p>
-              <a:pPr algn="ctr"/>
+              <a:pPr algn="ctr" fontAlgn="auto">
+                <a:lnSpc>
+                  <a:spcPct val="150000"/>
+                </a:lnSpc>
+              </a:pPr>
               <a:r>
                 <a:rPr lang="zh-CN" altLang="fr-FR" sz="2400">
                   <a:sym typeface="+mn-lt"/>
                 </a:rPr>
-                <a:t>国内在该领域技术水平仍需开发者不断努力</a:t>
+                <a:t>整体架构</a:t>
+              </a:r>
+              <a:endParaRPr lang="zh-CN" altLang="fr-FR" sz="2400">
+                <a:sym typeface="+mn-lt"/>
+              </a:endParaRPr>
+            </a:p>
+            <a:p>
+              <a:pPr algn="ctr" fontAlgn="auto">
+                <a:lnSpc>
+                  <a:spcPct val="150000"/>
+                </a:lnSpc>
+              </a:pPr>
+              <a:r>
+                <a:rPr lang="zh-CN" altLang="fr-FR" sz="2400">
+                  <a:sym typeface="+mn-lt"/>
+                </a:rPr>
+                <a:t>渲染效率</a:t>
+              </a:r>
+              <a:endParaRPr lang="zh-CN" altLang="fr-FR" sz="2400">
+                <a:sym typeface="+mn-lt"/>
+              </a:endParaRPr>
+            </a:p>
+            <a:p>
+              <a:pPr algn="ctr" fontAlgn="auto">
+                <a:lnSpc>
+                  <a:spcPct val="150000"/>
+                </a:lnSpc>
+              </a:pPr>
+              <a:r>
+                <a:rPr lang="zh-CN" altLang="fr-FR" sz="2400">
+                  <a:sym typeface="+mn-lt"/>
+                </a:rPr>
+                <a:t>易用性</a:t>
               </a:r>
               <a:endParaRPr lang="zh-CN" altLang="fr-FR" sz="2400">
                 <a:sym typeface="+mn-lt"/>
@@ -14690,7 +17368,7 @@
           <p:spPr>
             <a:xfrm>
               <a:off x="3658610" y="2784446"/>
-              <a:ext cx="2361600" cy="483715"/>
+              <a:ext cx="2361600" cy="619306"/>
             </a:xfrm>
             <a:prstGeom prst="rect">
               <a:avLst/>
@@ -14715,7 +17393,7 @@
             <a:p>
               <a:pPr algn="ctr"/>
               <a:r>
-                <a:rPr lang="zh-CN" altLang="en-US" sz="2400">
+                <a:rPr lang="zh-CN" altLang="en-US" sz="3200" b="1">
                   <a:solidFill>
                     <a:schemeClr val="tx1"/>
                   </a:solidFill>
@@ -14724,9 +17402,9 @@
                   <a:cs typeface="+mj-cs"/>
                   <a:sym typeface="+mn-lt"/>
                 </a:rPr>
-                <a:t>设计与实现</a:t>
+                <a:t>缺点与不足</a:t>
               </a:r>
-              <a:endParaRPr lang="zh-CN" altLang="en-US" sz="2400">
+              <a:endParaRPr lang="zh-CN" altLang="en-US" sz="3200" b="1">
                 <a:solidFill>
                   <a:schemeClr val="tx1"/>
                 </a:solidFill>
@@ -14751,7 +17429,7 @@
           <p:spPr>
             <a:xfrm>
               <a:off x="3658422" y="3537317"/>
-              <a:ext cx="2361600" cy="1296184"/>
+              <a:ext cx="2361600" cy="1015855"/>
             </a:xfrm>
             <a:prstGeom prst="rect">
               <a:avLst/>
@@ -14774,24 +17452,32 @@
               </a:lvl1pPr>
             </a:lstStyle>
             <a:p>
-              <a:pPr algn="ctr"/>
-              <a:r>
-                <a:rPr lang="zh-CN" altLang="fr-FR" sz="2400">
-                  <a:sym typeface="+mn-lt"/>
-                </a:rPr>
-                <a:t>实现了一款基于</a:t>
-              </a:r>
-              <a:r>
-                <a:rPr lang="en-US" altLang="zh-CN" sz="2400">
-                  <a:sym typeface="+mn-lt"/>
-                </a:rPr>
-                <a:t>OpenGL</a:t>
-              </a:r>
+              <a:pPr algn="ctr" fontAlgn="auto">
+                <a:lnSpc>
+                  <a:spcPct val="150000"/>
+                </a:lnSpc>
+              </a:pPr>
               <a:r>
                 <a:rPr lang="zh-CN" altLang="en-US" sz="2400">
                   <a:sym typeface="+mn-lt"/>
                 </a:rPr>
-                <a:t>的图形图像渲染引擎</a:t>
+                <a:t>资源管理模块庞大</a:t>
+              </a:r>
+              <a:endParaRPr lang="zh-CN" altLang="en-US" sz="2400">
+                <a:sym typeface="+mn-lt"/>
+              </a:endParaRPr>
+            </a:p>
+            <a:p>
+              <a:pPr algn="ctr" fontAlgn="auto">
+                <a:lnSpc>
+                  <a:spcPct val="150000"/>
+                </a:lnSpc>
+              </a:pPr>
+              <a:r>
+                <a:rPr lang="zh-CN" altLang="en-US" sz="2400">
+                  <a:sym typeface="+mn-lt"/>
+                </a:rPr>
+                <a:t>全局状态需要分离</a:t>
               </a:r>
               <a:endParaRPr lang="zh-CN" altLang="en-US" sz="2400">
                 <a:sym typeface="+mn-lt"/>
@@ -15069,7 +17755,7 @@
           <p:spPr>
             <a:xfrm>
               <a:off x="6319076" y="2784446"/>
-              <a:ext cx="2361600" cy="483715"/>
+              <a:ext cx="2361600" cy="619306"/>
             </a:xfrm>
             <a:prstGeom prst="rect">
               <a:avLst/>
@@ -15094,7 +17780,7 @@
             <a:p>
               <a:pPr algn="ctr"/>
               <a:r>
-                <a:rPr lang="zh-CN" altLang="en-US" sz="2400">
+                <a:rPr lang="zh-CN" altLang="en-US" sz="3200" b="1">
                   <a:solidFill>
                     <a:schemeClr val="tx1"/>
                   </a:solidFill>
@@ -15103,9 +17789,9 @@
                   <a:cs typeface="+mj-cs"/>
                   <a:sym typeface="+mn-lt"/>
                 </a:rPr>
-                <a:t>分析</a:t>
+                <a:t>后期维护</a:t>
               </a:r>
-              <a:endParaRPr lang="zh-CN" altLang="en-US" sz="2400">
+              <a:endParaRPr lang="zh-CN" altLang="en-US" sz="3200" b="1">
                 <a:solidFill>
                   <a:schemeClr val="tx1"/>
                 </a:solidFill>
@@ -15130,7 +17816,7 @@
           <p:spPr>
             <a:xfrm>
               <a:off x="6318888" y="3537317"/>
-              <a:ext cx="2361600" cy="889949"/>
+              <a:ext cx="2361600" cy="1485580"/>
             </a:xfrm>
             <a:prstGeom prst="rect">
               <a:avLst/>
@@ -15153,26 +17839,56 @@
               </a:lvl1pPr>
             </a:lstStyle>
             <a:p>
-              <a:pPr algn="ctr"/>
+              <a:pPr algn="ctr" fontAlgn="auto">
+                <a:lnSpc>
+                  <a:spcPct val="150000"/>
+                </a:lnSpc>
+              </a:pPr>
               <a:r>
                 <a:rPr lang="zh-CN" altLang="fr-FR" sz="2400">
                   <a:sym typeface="+mn-lt"/>
                 </a:rPr>
-                <a:t>为后期维护指明</a:t>
+                <a:t>优化</a:t>
               </a:r>
               <a:endParaRPr lang="zh-CN" altLang="fr-FR" sz="2400">
                 <a:sym typeface="+mn-lt"/>
               </a:endParaRPr>
             </a:p>
             <a:p>
-              <a:pPr algn="ctr"/>
+              <a:pPr algn="ctr" fontAlgn="auto">
+                <a:lnSpc>
+                  <a:spcPct val="150000"/>
+                </a:lnSpc>
+              </a:pPr>
               <a:r>
-                <a:rPr lang="zh-CN" altLang="fr-FR" sz="2400">
+                <a:rPr lang="en-US" altLang="zh-CN" sz="2400">
                   <a:sym typeface="+mn-lt"/>
                 </a:rPr>
-                <a:t>方向</a:t>
+                <a:t>UI</a:t>
               </a:r>
-              <a:endParaRPr lang="zh-CN" altLang="fr-FR" sz="2400">
+              <a:r>
+                <a:rPr lang="zh-CN" altLang="en-US" sz="2400">
+                  <a:sym typeface="+mn-lt"/>
+                </a:rPr>
+                <a:t>渲染</a:t>
+              </a:r>
+              <a:endParaRPr lang="zh-CN" altLang="en-US" sz="2400">
+                <a:sym typeface="+mn-lt"/>
+              </a:endParaRPr>
+            </a:p>
+            <a:p>
+              <a:pPr algn="ctr" fontAlgn="auto">
+                <a:lnSpc>
+                  <a:spcPct val="150000"/>
+                </a:lnSpc>
+              </a:pPr>
+              <a:r>
+                <a:rPr lang="zh-CN" altLang="en-US" sz="2400">
+                  <a:sym typeface="+mn-lt"/>
+                </a:rPr>
+                <a:t>动画系统</a:t>
+              </a:r>
+              <a:endParaRPr lang="zh-CN" altLang="en-US" sz="2400">
                 <a:sym typeface="+mn-lt"/>
               </a:endParaRPr>
             </a:p>
@@ -15191,8 +17907,8 @@
         </p:nvSpPr>
         <p:spPr>
           <a:xfrm>
-            <a:off x="838197" y="661458"/>
-            <a:ext cx="10515600" cy="786341"/>
+            <a:off x="467360" y="264160"/>
+            <a:ext cx="10885805" cy="1071245"/>
           </a:xfrm>
           <a:prstGeom prst="rect">
             <a:avLst/>
@@ -15226,7 +17942,7 @@
           </a:lstStyle>
           <a:p>
             <a:r>
-              <a:rPr lang="zh-CN" altLang="en-US" dirty="0">
+              <a:rPr lang="zh-CN" altLang="en-US" sz="4400" dirty="0">
                 <a:solidFill>
                   <a:schemeClr val="tx1"/>
                 </a:solidFill>
@@ -15241,7 +17957,7 @@
               </a:rPr>
               <a:t>论文总结</a:t>
             </a:r>
-            <a:endParaRPr lang="zh-CN" altLang="en-US" dirty="0">
+            <a:endParaRPr lang="zh-CN" altLang="en-US" sz="4400" dirty="0">
               <a:solidFill>
                 <a:schemeClr val="tx1"/>
               </a:solidFill>
@@ -15268,7 +17984,7 @@
 </p:sld>
 </file>
 
-<file path=ppt/slides/slide35.xml><?xml version="1.0" encoding="utf-8"?>
+<file path=ppt/slides/slide34.xml><?xml version="1.0" encoding="utf-8"?>
 <p:sld xmlns:a="http://schemas.openxmlformats.org/drawingml/2006/main" xmlns:r="http://schemas.openxmlformats.org/officeDocument/2006/relationships" xmlns:p="http://schemas.openxmlformats.org/presentationml/2006/main">
   <p:cSld>
     <p:spTree>
@@ -15426,25 +18142,109 @@
             <a:normAutofit lnSpcReduction="20000"/>
           </a:bodyPr>
           <a:p>
-            <a:r>
-              <a:rPr lang="zh-CN" altLang="en-US" sz="3200"/>
+            <a:pPr fontAlgn="auto">
+              <a:lnSpc>
+                <a:spcPct val="200000"/>
+              </a:lnSpc>
+              <a:buFont typeface="Wingdings" panose="05000000000000000000" charset="0"/>
+              <a:buChar char="u"/>
+            </a:pPr>
+            <a:r>
+              <a:rPr lang="zh-CN" altLang="en-US" sz="3200" b="1"/>
               <a:t>背景</a:t>
             </a:r>
             <a:endParaRPr lang="zh-CN" altLang="en-US"/>
           </a:p>
           <a:p>
+            <a:pPr fontAlgn="auto">
+              <a:lnSpc>
+                <a:spcPct val="200000"/>
+              </a:lnSpc>
+            </a:pPr>
             <a:r>
               <a:rPr lang="zh-CN" altLang="en-US">
                 <a:sym typeface="+mn-ea"/>
               </a:rPr>
-              <a:t>计算机图形学是游戏引擎技术、人工智能领域中所有与图像有关技术的基础。</a:t>
+              <a:t>计算机图形学是游戏引擎技术、人工智能领域中所有</a:t>
+            </a:r>
+            <a:r>
+              <a:rPr lang="zh-CN" altLang="en-US" b="1">
+                <a:solidFill>
+                  <a:srgbClr val="FF0000"/>
+                </a:solidFill>
+                <a:sym typeface="+mn-ea"/>
+              </a:rPr>
+              <a:t>与图像有关技术的基础</a:t>
+            </a:r>
+            <a:r>
+              <a:rPr lang="zh-CN" altLang="en-US">
+                <a:sym typeface="+mn-ea"/>
+              </a:rPr>
+              <a:t>。</a:t>
             </a:r>
             <a:endParaRPr lang="zh-CN" altLang="en-US"/>
           </a:p>
           <a:p>
+            <a:pPr fontAlgn="auto">
+              <a:lnSpc>
+                <a:spcPct val="200000"/>
+              </a:lnSpc>
+            </a:pPr>
             <a:r>
               <a:rPr lang="zh-CN" altLang="en-US"/>
-              <a:t>国外计算机图形技术蓬勃发展，而国内仍处于起步阶段，且发展速度缓慢。</a:t>
+              <a:t>国外计算机图形技术蓬勃发展，而</a:t>
+            </a:r>
+            <a:r>
+              <a:rPr lang="zh-CN" altLang="en-US" b="1">
+                <a:solidFill>
+                  <a:srgbClr val="FF0000"/>
+                </a:solidFill>
+              </a:rPr>
+              <a:t>国内</a:t>
+            </a:r>
+            <a:r>
+              <a:rPr lang="zh-CN" altLang="en-US">
+                <a:solidFill>
+                  <a:schemeClr val="tx1"/>
+                </a:solidFill>
+              </a:rPr>
+              <a:t>仍处于</a:t>
+            </a:r>
+            <a:r>
+              <a:rPr lang="zh-CN" altLang="en-US" b="1">
+                <a:solidFill>
+                  <a:srgbClr val="FF0000"/>
+                </a:solidFill>
+              </a:rPr>
+              <a:t>起步阶段</a:t>
+            </a:r>
+            <a:r>
+              <a:rPr lang="zh-CN" altLang="en-US"/>
+              <a:t>，且</a:t>
+            </a:r>
+            <a:r>
+              <a:rPr lang="zh-CN" altLang="en-US" b="1">
+                <a:solidFill>
+                  <a:srgbClr val="FF0000"/>
+                </a:solidFill>
+              </a:rPr>
+              <a:t>发展</a:t>
+            </a:r>
+            <a:r>
+              <a:rPr lang="zh-CN" altLang="en-US"/>
+              <a:t>速度</a:t>
+            </a:r>
+            <a:r>
+              <a:rPr lang="zh-CN" altLang="en-US" b="1">
+                <a:solidFill>
+                  <a:srgbClr val="FF0000"/>
+                </a:solidFill>
+              </a:rPr>
+              <a:t>缓慢</a:t>
+            </a:r>
+            <a:r>
+              <a:rPr lang="zh-CN" altLang="en-US"/>
+              <a:t>。</a:t>
             </a:r>
             <a:endParaRPr lang="zh-CN" altLang="en-US" sz="1400"/>
           </a:p>
@@ -15540,26 +18340,66 @@
         </p:nvSpPr>
         <p:spPr/>
         <p:txBody>
-          <a:bodyPr/>
-          <a:p>
-            <a:r>
-              <a:rPr lang="zh-CN" altLang="en-US" sz="3200">
+          <a:bodyPr>
+            <a:normAutofit lnSpcReduction="10000"/>
+          </a:bodyPr>
+          <a:p>
+            <a:pPr>
+              <a:buFont typeface="Wingdings" panose="05000000000000000000" charset="0"/>
+              <a:buChar char="u"/>
+            </a:pPr>
+            <a:r>
+              <a:rPr lang="zh-CN" altLang="en-US" sz="3200" b="1">
                 <a:sym typeface="+mn-ea"/>
               </a:rPr>
               <a:t>游戏引擎</a:t>
             </a:r>
+            <a:endParaRPr lang="zh-CN" altLang="en-US" sz="3200" b="1">
+              <a:sym typeface="+mn-ea"/>
+            </a:endParaRPr>
+          </a:p>
+          <a:p>
+            <a:pPr>
+              <a:buFont typeface="Wingdings" panose="05000000000000000000" charset="0"/>
+              <a:buChar char="u"/>
+            </a:pPr>
             <a:endParaRPr lang="zh-CN" altLang="en-US"/>
           </a:p>
           <a:p>
+            <a:pPr fontAlgn="auto">
+              <a:lnSpc>
+                <a:spcPct val="200000"/>
+              </a:lnSpc>
+            </a:pPr>
             <a:r>
               <a:rPr lang="zh-CN" altLang="en-US">
                 <a:sym typeface="+mn-ea"/>
               </a:rPr>
-              <a:t>游戏引擎是一款游戏最核心最底层的代码，直接与操作系统交互，封装游戏开发中不变的部分。</a:t>
+              <a:t>游戏引擎是一款游戏</a:t>
+            </a:r>
+            <a:r>
+              <a:rPr lang="zh-CN" altLang="en-US" b="1">
+                <a:solidFill>
+                  <a:srgbClr val="FF0000"/>
+                </a:solidFill>
+                <a:sym typeface="+mn-ea"/>
+              </a:rPr>
+              <a:t>最核心最底层</a:t>
+            </a:r>
+            <a:r>
+              <a:rPr lang="zh-CN" altLang="en-US">
+                <a:sym typeface="+mn-ea"/>
+              </a:rPr>
+              <a:t>的代码，直接与操作系统交互，封装游戏开发中不变的部分。</a:t>
             </a:r>
             <a:endParaRPr lang="zh-CN" altLang="en-US"/>
           </a:p>
           <a:p>
+            <a:pPr fontAlgn="auto">
+              <a:lnSpc>
+                <a:spcPct val="200000"/>
+              </a:lnSpc>
+            </a:pPr>
             <a:r>
               <a:rPr lang="zh-CN" altLang="en-US">
                 <a:sym typeface="+mn-ea"/>
@@ -15588,7 +18428,37 @@
               <a:rPr lang="zh-CN" altLang="en-US">
                 <a:sym typeface="+mn-ea"/>
               </a:rPr>
-              <a:t>等。但国内没有影响力巨大的游戏引擎，游戏开发多使用国外现有的底层技术。</a:t>
+              <a:t>等。但</a:t>
+            </a:r>
+            <a:r>
+              <a:rPr lang="zh-CN" altLang="en-US" b="1">
+                <a:solidFill>
+                  <a:srgbClr val="FF0000"/>
+                </a:solidFill>
+                <a:sym typeface="+mn-ea"/>
+              </a:rPr>
+              <a:t>国内没有</a:t>
+            </a:r>
+            <a:r>
+              <a:rPr lang="zh-CN" altLang="en-US">
+                <a:sym typeface="+mn-ea"/>
+              </a:rPr>
+              <a:t>影响力巨大的游戏引擎，游戏开发</a:t>
+            </a:r>
+            <a:r>
+              <a:rPr lang="zh-CN" altLang="en-US" b="1">
+                <a:solidFill>
+                  <a:srgbClr val="FF0000"/>
+                </a:solidFill>
+                <a:sym typeface="+mn-ea"/>
+              </a:rPr>
+              <a:t>多使用国外</a:t>
+            </a:r>
+            <a:r>
+              <a:rPr lang="zh-CN" altLang="en-US">
+                <a:sym typeface="+mn-ea"/>
+              </a:rPr>
+              <a:t>现有的底层技术。</a:t>
             </a:r>
             <a:endParaRPr lang="zh-CN" altLang="en-US"/>
           </a:p>
@@ -16202,8 +19072,16 @@
             <a:normAutofit lnSpcReduction="10000"/>
           </a:bodyPr>
           <a:p>
-            <a:r>
-              <a:rPr lang="zh-CN" altLang="en-US" sz="3200"/>
+            <a:pPr>
+              <a:buFont typeface="Wingdings" panose="05000000000000000000" charset="0"/>
+              <a:buChar char="u"/>
+            </a:pPr>
+            <a:r>
+              <a:rPr lang="zh-CN" altLang="en-US" sz="3200" b="1">
+                <a:solidFill>
+                  <a:srgbClr val="002060"/>
+                </a:solidFill>
+              </a:rPr>
               <a:t>理论基础</a:t>
             </a:r>
             <a:endParaRPr lang="zh-CN" altLang="en-US"/>
@@ -16227,8 +19105,16 @@
             <a:endParaRPr lang="zh-CN" altLang="en-US" sz="1400"/>
           </a:p>
           <a:p>
-            <a:r>
-              <a:rPr lang="zh-CN" altLang="en-US" sz="3200"/>
+            <a:pPr>
+              <a:buFont typeface="Wingdings" panose="05000000000000000000" charset="0"/>
+              <a:buChar char="u"/>
+            </a:pPr>
+            <a:r>
+              <a:rPr lang="zh-CN" altLang="en-US" sz="3200" b="1">
+                <a:solidFill>
+                  <a:srgbClr val="002060"/>
+                </a:solidFill>
+              </a:rPr>
               <a:t>技术手段</a:t>
             </a:r>
             <a:endParaRPr lang="zh-CN" altLang="en-US"/>
@@ -16252,8 +19138,16 @@
             <a:endParaRPr lang="en-US" altLang="zh-CN" sz="1400"/>
           </a:p>
           <a:p>
-            <a:r>
-              <a:rPr lang="zh-CN" altLang="en-US" sz="3200"/>
+            <a:pPr>
+              <a:buFont typeface="Wingdings" panose="05000000000000000000" charset="0"/>
+              <a:buChar char="u"/>
+            </a:pPr>
+            <a:r>
+              <a:rPr lang="zh-CN" altLang="en-US" sz="3200" b="1">
+                <a:solidFill>
+                  <a:srgbClr val="002060"/>
+                </a:solidFill>
+              </a:rPr>
               <a:t>实现目标</a:t>
             </a:r>
             <a:endParaRPr lang="en-US" altLang="zh-CN" sz="1400"/>
@@ -16876,8 +19770,8 @@
         </p:blipFill>
         <p:spPr>
           <a:xfrm>
-            <a:off x="-13970" y="2124710"/>
-            <a:ext cx="12188190" cy="4700270"/>
+            <a:off x="-13970" y="2115820"/>
+            <a:ext cx="12211050" cy="4709160"/>
           </a:xfrm>
           <a:prstGeom prst="rect">
             <a:avLst/>
@@ -16927,26 +19821,6 @@
   <p:tag name="KSO_WM_BEAUTIFY_FLAG" val="#wm#"/>
   <p:tag name="KSO_WM_UNIT_CLEAR" val="1"/>
   <p:tag name="KSO_WM_UNIT_TYPE" val="l_h_i"/>
-  <p:tag name="KSO_WM_UNIT_INDEX" val="1_1_1"/>
-  <p:tag name="KSO_WM_UNIT_ID" val="custom20184567_10*l_h_i*1_1_1"/>
-  <p:tag name="KSO_WM_UNIT_LAYERLEVEL" val="1_1_1"/>
-  <p:tag name="KSO_WM_DIAGRAM_GROUP_CODE" val="l1-2"/>
-  <p:tag name="KSO_WM_UNIT_LINE_FORE_SCHEMECOLOR_INDEX" val="14"/>
-  <p:tag name="KSO_WM_UNIT_LINE_FILL_TYPE" val="2"/>
-  <p:tag name="KSO_WM_UNIT_TEXT_FILL_FORE_SCHEMECOLOR_INDEX" val="2"/>
-  <p:tag name="KSO_WM_UNIT_TEXT_FILL_TYPE" val="1"/>
-  <p:tag name="KSO_WM_UNIT_USESOURCEFORMAT_APPLY" val="1"/>
-</p:tagLst>
-</file>
-
-<file path=ppt/tags/tag101.xml><?xml version="1.0" encoding="utf-8"?>
-<p:tagLst xmlns:p="http://schemas.openxmlformats.org/presentationml/2006/main">
-  <p:tag name="KSO_WM_TEMPLATE_CATEGORY" val="custom"/>
-  <p:tag name="KSO_WM_TEMPLATE_INDEX" val="20184567"/>
-  <p:tag name="KSO_WM_TAG_VERSION" val="1.0"/>
-  <p:tag name="KSO_WM_BEAUTIFY_FLAG" val="#wm#"/>
-  <p:tag name="KSO_WM_UNIT_CLEAR" val="1"/>
-  <p:tag name="KSO_WM_UNIT_TYPE" val="l_h_i"/>
   <p:tag name="KSO_WM_UNIT_INDEX" val="1_1_2"/>
   <p:tag name="KSO_WM_UNIT_ID" val="custom20184567_10*l_h_i*1_1_2"/>
   <p:tag name="KSO_WM_UNIT_LAYERLEVEL" val="1_1_1"/>
@@ -16957,7 +19831,7 @@
 </p:tagLst>
 </file>
 
-<file path=ppt/tags/tag102.xml><?xml version="1.0" encoding="utf-8"?>
+<file path=ppt/tags/tag101.xml><?xml version="1.0" encoding="utf-8"?>
 <p:tagLst xmlns:p="http://schemas.openxmlformats.org/presentationml/2006/main">
   <p:tag name="KSO_WM_TEMPLATE_CATEGORY" val="custom"/>
   <p:tag name="KSO_WM_TEMPLATE_INDEX" val="20184567"/>
@@ -16977,7 +19851,7 @@
 </p:tagLst>
 </file>
 
-<file path=ppt/tags/tag103.xml><?xml version="1.0" encoding="utf-8"?>
+<file path=ppt/tags/tag102.xml><?xml version="1.0" encoding="utf-8"?>
 <p:tagLst xmlns:p="http://schemas.openxmlformats.org/presentationml/2006/main">
   <p:tag name="KSO_WM_TEMPLATE_CATEGORY" val="custom"/>
   <p:tag name="KSO_WM_TEMPLATE_INDEX" val="20184567"/>
@@ -16995,7 +19869,7 @@
 </p:tagLst>
 </file>
 
-<file path=ppt/tags/tag104.xml><?xml version="1.0" encoding="utf-8"?>
+<file path=ppt/tags/tag103.xml><?xml version="1.0" encoding="utf-8"?>
 <p:tagLst xmlns:p="http://schemas.openxmlformats.org/presentationml/2006/main">
   <p:tag name="KSO_WM_TEMPLATE_CATEGORY" val="custom"/>
   <p:tag name="KSO_WM_TEMPLATE_INDEX" val="20184567"/>
@@ -17017,7 +19891,7 @@
 </p:tagLst>
 </file>
 
-<file path=ppt/tags/tag105.xml><?xml version="1.0" encoding="utf-8"?>
+<file path=ppt/tags/tag104.xml><?xml version="1.0" encoding="utf-8"?>
 <p:tagLst xmlns:p="http://schemas.openxmlformats.org/presentationml/2006/main">
   <p:tag name="KSO_WM_TEMPLATE_CATEGORY" val="custom"/>
   <p:tag name="KSO_WM_TEMPLATE_INDEX" val="20184567"/>
@@ -17039,7 +19913,7 @@
 </p:tagLst>
 </file>
 
-<file path=ppt/tags/tag106.xml><?xml version="1.0" encoding="utf-8"?>
+<file path=ppt/tags/tag105.xml><?xml version="1.0" encoding="utf-8"?>
 <p:tagLst xmlns:p="http://schemas.openxmlformats.org/presentationml/2006/main">
   <p:tag name="KSO_WM_DIAGRAM_GROUP_CODE" val="l1_1"/>
   <p:tag name="KSO_WM_TAG_VERSION" val="1.0"/>
@@ -17053,7 +19927,7 @@
 </p:tagLst>
 </file>
 
-<file path=ppt/tags/tag107.xml><?xml version="1.0" encoding="utf-8"?>
+<file path=ppt/tags/tag106.xml><?xml version="1.0" encoding="utf-8"?>
 <p:tagLst xmlns:p="http://schemas.openxmlformats.org/presentationml/2006/main">
   <p:tag name="KSO_WM_TEMPLATE_CATEGORY" val="custom"/>
   <p:tag name="KSO_WM_TEMPLATE_INDEX" val="20184567"/>
@@ -17073,7 +19947,7 @@
 </p:tagLst>
 </file>
 
-<file path=ppt/tags/tag108.xml><?xml version="1.0" encoding="utf-8"?>
+<file path=ppt/tags/tag107.xml><?xml version="1.0" encoding="utf-8"?>
 <p:tagLst xmlns:p="http://schemas.openxmlformats.org/presentationml/2006/main">
   <p:tag name="KSO_WM_TEMPLATE_CATEGORY" val="custom"/>
   <p:tag name="KSO_WM_TEMPLATE_INDEX" val="20184567"/>
@@ -17091,7 +19965,7 @@
 </p:tagLst>
 </file>
 
-<file path=ppt/tags/tag109.xml><?xml version="1.0" encoding="utf-8"?>
+<file path=ppt/tags/tag108.xml><?xml version="1.0" encoding="utf-8"?>
 <p:tagLst xmlns:p="http://schemas.openxmlformats.org/presentationml/2006/main">
   <p:tag name="KSO_WM_TEMPLATE_CATEGORY" val="custom"/>
   <p:tag name="KSO_WM_TEMPLATE_INDEX" val="20184567"/>
@@ -17106,6 +19980,24 @@
   <p:tag name="KSO_WM_UNIT_LINE_FORE_SCHEMECOLOR_INDEX" val="14"/>
   <p:tag name="KSO_WM_UNIT_LINE_FILL_TYPE" val="2"/>
   <p:tag name="KSO_WM_UNIT_TEXT_FILL_FORE_SCHEMECOLOR_INDEX" val="2"/>
+  <p:tag name="KSO_WM_UNIT_TEXT_FILL_TYPE" val="1"/>
+  <p:tag name="KSO_WM_UNIT_USESOURCEFORMAT_APPLY" val="1"/>
+</p:tagLst>
+</file>
+
+<file path=ppt/tags/tag109.xml><?xml version="1.0" encoding="utf-8"?>
+<p:tagLst xmlns:p="http://schemas.openxmlformats.org/presentationml/2006/main">
+  <p:tag name="KSO_WM_TEMPLATE_CATEGORY" val="custom"/>
+  <p:tag name="KSO_WM_TEMPLATE_INDEX" val="20184567"/>
+  <p:tag name="KSO_WM_TAG_VERSION" val="1.0"/>
+  <p:tag name="KSO_WM_BEAUTIFY_FLAG" val="#wm#"/>
+  <p:tag name="KSO_WM_UNIT_CLEAR" val="1"/>
+  <p:tag name="KSO_WM_UNIT_TYPE" val="l_h_i"/>
+  <p:tag name="KSO_WM_UNIT_INDEX" val="1_2_4"/>
+  <p:tag name="KSO_WM_UNIT_ID" val="custom20184567_10*l_h_i*1_2_4"/>
+  <p:tag name="KSO_WM_UNIT_LAYERLEVEL" val="1_1_1"/>
+  <p:tag name="KSO_WM_DIAGRAM_GROUP_CODE" val="l1-2"/>
+  <p:tag name="KSO_WM_UNIT_TEXT_FILL_FORE_SCHEMECOLOR_INDEX" val="5"/>
   <p:tag name="KSO_WM_UNIT_TEXT_FILL_TYPE" val="1"/>
   <p:tag name="KSO_WM_UNIT_USESOURCEFORMAT_APPLY" val="1"/>
 </p:tagLst>
@@ -17129,24 +20021,6 @@
   <p:tag name="KSO_WM_TEMPLATE_INDEX" val="20184567"/>
   <p:tag name="KSO_WM_TAG_VERSION" val="1.0"/>
   <p:tag name="KSO_WM_BEAUTIFY_FLAG" val="#wm#"/>
-  <p:tag name="KSO_WM_UNIT_CLEAR" val="1"/>
-  <p:tag name="KSO_WM_UNIT_TYPE" val="l_h_i"/>
-  <p:tag name="KSO_WM_UNIT_INDEX" val="1_2_4"/>
-  <p:tag name="KSO_WM_UNIT_ID" val="custom20184567_10*l_h_i*1_2_4"/>
-  <p:tag name="KSO_WM_UNIT_LAYERLEVEL" val="1_1_1"/>
-  <p:tag name="KSO_WM_DIAGRAM_GROUP_CODE" val="l1-2"/>
-  <p:tag name="KSO_WM_UNIT_TEXT_FILL_FORE_SCHEMECOLOR_INDEX" val="5"/>
-  <p:tag name="KSO_WM_UNIT_TEXT_FILL_TYPE" val="1"/>
-  <p:tag name="KSO_WM_UNIT_USESOURCEFORMAT_APPLY" val="1"/>
-</p:tagLst>
-</file>
-
-<file path=ppt/tags/tag111.xml><?xml version="1.0" encoding="utf-8"?>
-<p:tagLst xmlns:p="http://schemas.openxmlformats.org/presentationml/2006/main">
-  <p:tag name="KSO_WM_TEMPLATE_CATEGORY" val="custom"/>
-  <p:tag name="KSO_WM_TEMPLATE_INDEX" val="20184567"/>
-  <p:tag name="KSO_WM_TAG_VERSION" val="1.0"/>
-  <p:tag name="KSO_WM_BEAUTIFY_FLAG" val="#wm#"/>
   <p:tag name="KSO_WM_UNIT_TYPE" val="l_h_a"/>
   <p:tag name="KSO_WM_UNIT_INDEX" val="1_2_1"/>
   <p:tag name="KSO_WM_UNIT_CLEAR" val="1"/>
@@ -17163,7 +20037,7 @@
 </p:tagLst>
 </file>
 
-<file path=ppt/tags/tag112.xml><?xml version="1.0" encoding="utf-8"?>
+<file path=ppt/tags/tag111.xml><?xml version="1.0" encoding="utf-8"?>
 <p:tagLst xmlns:p="http://schemas.openxmlformats.org/presentationml/2006/main">
   <p:tag name="KSO_WM_TEMPLATE_CATEGORY" val="custom"/>
   <p:tag name="KSO_WM_TEMPLATE_INDEX" val="20184567"/>
@@ -17185,7 +20059,7 @@
 </p:tagLst>
 </file>
 
-<file path=ppt/tags/tag113.xml><?xml version="1.0" encoding="utf-8"?>
+<file path=ppt/tags/tag112.xml><?xml version="1.0" encoding="utf-8"?>
 <p:tagLst xmlns:p="http://schemas.openxmlformats.org/presentationml/2006/main">
   <p:tag name="KSO_WM_TEMPLATE_CATEGORY" val="custom"/>
   <p:tag name="KSO_WM_TEMPLATE_INDEX" val="20184567"/>
@@ -17203,7 +20077,7 @@
 </p:tagLst>
 </file>
 
-<file path=ppt/tags/tag114.xml><?xml version="1.0" encoding="utf-8"?>
+<file path=ppt/tags/tag113.xml><?xml version="1.0" encoding="utf-8"?>
 <p:tagLst xmlns:p="http://schemas.openxmlformats.org/presentationml/2006/main">
   <p:tag name="KSO_WM_DIAGRAM_GROUP_CODE" val="l1_1"/>
   <p:tag name="KSO_WM_TAG_VERSION" val="1.0"/>
@@ -17217,7 +20091,7 @@
 </p:tagLst>
 </file>
 
-<file path=ppt/tags/tag115.xml><?xml version="1.0" encoding="utf-8"?>
+<file path=ppt/tags/tag114.xml><?xml version="1.0" encoding="utf-8"?>
 <p:tagLst xmlns:p="http://schemas.openxmlformats.org/presentationml/2006/main">
   <p:tag name="KSO_WM_TEMPLATE_CATEGORY" val="custom"/>
   <p:tag name="KSO_WM_TEMPLATE_INDEX" val="20184567"/>
@@ -17237,7 +20111,7 @@
 </p:tagLst>
 </file>
 
-<file path=ppt/tags/tag116.xml><?xml version="1.0" encoding="utf-8"?>
+<file path=ppt/tags/tag115.xml><?xml version="1.0" encoding="utf-8"?>
 <p:tagLst xmlns:p="http://schemas.openxmlformats.org/presentationml/2006/main">
   <p:tag name="KSO_WM_TEMPLATE_CATEGORY" val="custom"/>
   <p:tag name="KSO_WM_TEMPLATE_INDEX" val="20184567"/>
@@ -17257,7 +20131,7 @@
 </p:tagLst>
 </file>
 
-<file path=ppt/tags/tag117.xml><?xml version="1.0" encoding="utf-8"?>
+<file path=ppt/tags/tag116.xml><?xml version="1.0" encoding="utf-8"?>
 <p:tagLst xmlns:p="http://schemas.openxmlformats.org/presentationml/2006/main">
   <p:tag name="KSO_WM_TEMPLATE_CATEGORY" val="custom"/>
   <p:tag name="KSO_WM_TEMPLATE_INDEX" val="20184567"/>
@@ -17275,7 +20149,7 @@
 </p:tagLst>
 </file>
 
-<file path=ppt/tags/tag118.xml><?xml version="1.0" encoding="utf-8"?>
+<file path=ppt/tags/tag117.xml><?xml version="1.0" encoding="utf-8"?>
 <p:tagLst xmlns:p="http://schemas.openxmlformats.org/presentationml/2006/main">
   <p:tag name="KSO_WM_TEMPLATE_CATEGORY" val="custom"/>
   <p:tag name="KSO_WM_TEMPLATE_INDEX" val="20184567"/>
@@ -17297,7 +20171,7 @@
 </p:tagLst>
 </file>
 
-<file path=ppt/tags/tag119.xml><?xml version="1.0" encoding="utf-8"?>
+<file path=ppt/tags/tag118.xml><?xml version="1.0" encoding="utf-8"?>
 <p:tagLst xmlns:p="http://schemas.openxmlformats.org/presentationml/2006/main">
   <p:tag name="KSO_WM_TEMPLATE_CATEGORY" val="custom"/>
   <p:tag name="KSO_WM_TEMPLATE_INDEX" val="20184567"/>
@@ -17319,19 +20193,7 @@
 </p:tagLst>
 </file>
 
-<file path=ppt/tags/tag12.xml><?xml version="1.0" encoding="utf-8"?>
-<p:tagLst xmlns:p="http://schemas.openxmlformats.org/presentationml/2006/main">
-  <p:tag name="KSO_WM_TAG_VERSION" val="1.0"/>
-  <p:tag name="KSO_WM_BEAUTIFY_FLAG" val="#wm#"/>
-  <p:tag name="KSO_WM_UNIT_TYPE" val="i"/>
-  <p:tag name="KSO_WM_UNIT_ID" val="custom20184567_22*i*2"/>
-  <p:tag name="KSO_WM_TEMPLATE_CATEGORY" val="custom"/>
-  <p:tag name="KSO_WM_TEMPLATE_INDEX" val="20184567"/>
-  <p:tag name="KSO_WM_UNIT_INDEX" val="2"/>
-</p:tagLst>
-</file>
-
-<file path=ppt/tags/tag120.xml><?xml version="1.0" encoding="utf-8"?>
+<file path=ppt/tags/tag119.xml><?xml version="1.0" encoding="utf-8"?>
 <p:tagLst xmlns:p="http://schemas.openxmlformats.org/presentationml/2006/main">
   <p:tag name="KSO_WM_TEMPLATE_CATEGORY" val="custom"/>
   <p:tag name="KSO_WM_TEMPLATE_INDEX" val="20184567"/>
@@ -17351,7 +20213,19 @@
 </p:tagLst>
 </file>
 
-<file path=ppt/tags/tag121.xml><?xml version="1.0" encoding="utf-8"?>
+<file path=ppt/tags/tag12.xml><?xml version="1.0" encoding="utf-8"?>
+<p:tagLst xmlns:p="http://schemas.openxmlformats.org/presentationml/2006/main">
+  <p:tag name="KSO_WM_TAG_VERSION" val="1.0"/>
+  <p:tag name="KSO_WM_BEAUTIFY_FLAG" val="#wm#"/>
+  <p:tag name="KSO_WM_UNIT_TYPE" val="i"/>
+  <p:tag name="KSO_WM_UNIT_ID" val="custom20184567_22*i*2"/>
+  <p:tag name="KSO_WM_TEMPLATE_CATEGORY" val="custom"/>
+  <p:tag name="KSO_WM_TEMPLATE_INDEX" val="20184567"/>
+  <p:tag name="KSO_WM_UNIT_INDEX" val="2"/>
+</p:tagLst>
+</file>
+
+<file path=ppt/tags/tag120.xml><?xml version="1.0" encoding="utf-8"?>
 <p:tagLst xmlns:p="http://schemas.openxmlformats.org/presentationml/2006/main">
   <p:tag name="KSO_WM_SLIDE_ITEM_CNT" val="3"/>
   <p:tag name="KSO_WM_SLIDE_LAYOUT" val="l_a"/>
@@ -17372,7 +20246,7 @@
 </p:tagLst>
 </file>
 
-<file path=ppt/tags/tag122.xml><?xml version="1.0" encoding="utf-8"?>
+<file path=ppt/tags/tag121.xml><?xml version="1.0" encoding="utf-8"?>
 <p:tagLst xmlns:p="http://schemas.openxmlformats.org/presentationml/2006/main">
   <p:tag name="KSO_WM_TEMPLATE_CATEGORY" val="custom"/>
   <p:tag name="KSO_WM_TEMPLATE_INDEX" val="20184567"/>
@@ -17391,7 +20265,7 @@
 </p:tagLst>
 </file>
 
-<file path=ppt/tags/tag123.xml><?xml version="1.0" encoding="utf-8"?>
+<file path=ppt/tags/tag122.xml><?xml version="1.0" encoding="utf-8"?>
 <p:tagLst xmlns:p="http://schemas.openxmlformats.org/presentationml/2006/main">
   <p:tag name="KSO_WM_TEMPLATE_CATEGORY" val="custom"/>
   <p:tag name="KSO_WM_TEMPLATE_INDEX" val="20184567"/>
@@ -17409,7 +20283,7 @@
 </p:tagLst>
 </file>
 
-<file path=ppt/tags/tag124.xml><?xml version="1.0" encoding="utf-8"?>
+<file path=ppt/tags/tag123.xml><?xml version="1.0" encoding="utf-8"?>
 <p:tagLst xmlns:p="http://schemas.openxmlformats.org/presentationml/2006/main">
   <p:tag name="KSO_WM_TAG_VERSION" val="1.0"/>
   <p:tag name="KSO_WM_SLIDE_ITEM_CNT" val="2"/>
@@ -18697,14 +21571,6 @@
 
 <file path=ppt/tags/tag92.xml><?xml version="1.0" encoding="utf-8"?>
 <p:tagLst xmlns:p="http://schemas.openxmlformats.org/presentationml/2006/main">
-  <p:tag name="KSO_WM_BEAUTIFY_FLAG" val="#wm#"/>
-  <p:tag name="KSO_WM_TEMPLATE_CATEGORY" val="custom"/>
-  <p:tag name="KSO_WM_TEMPLATE_INDEX" val="20184567"/>
-</p:tagLst>
-</file>
-
-<file path=ppt/tags/tag93.xml><?xml version="1.0" encoding="utf-8"?>
-<p:tagLst xmlns:p="http://schemas.openxmlformats.org/presentationml/2006/main">
   <p:tag name="KSO_WM_TAG_VERSION" val="1.0"/>
   <p:tag name="KSO_WM_BEAUTIFY_FLAG" val="#wm#"/>
   <p:tag name="KSO_WM_UNIT_TYPE" val="i"/>
@@ -18715,7 +21581,7 @@
 </p:tagLst>
 </file>
 
-<file path=ppt/tags/tag94.xml><?xml version="1.0" encoding="utf-8"?>
+<file path=ppt/tags/tag93.xml><?xml version="1.0" encoding="utf-8"?>
 <p:tagLst xmlns:p="http://schemas.openxmlformats.org/presentationml/2006/main">
   <p:tag name="KSO_WM_TEMPLATE_CATEGORY" val="custom"/>
   <p:tag name="KSO_WM_TEMPLATE_INDEX" val="20184567"/>
@@ -18734,7 +21600,7 @@
 </p:tagLst>
 </file>
 
-<file path=ppt/tags/tag95.xml><?xml version="1.0" encoding="utf-8"?>
+<file path=ppt/tags/tag94.xml><?xml version="1.0" encoding="utf-8"?>
 <p:tagLst xmlns:p="http://schemas.openxmlformats.org/presentationml/2006/main">
   <p:tag name="KSO_WM_TEMPLATE_CATEGORY" val="custom"/>
   <p:tag name="KSO_WM_TEMPLATE_INDEX" val="20184567"/>
@@ -18754,7 +21620,7 @@
 </p:tagLst>
 </file>
 
-<file path=ppt/tags/tag96.xml><?xml version="1.0" encoding="utf-8"?>
+<file path=ppt/tags/tag95.xml><?xml version="1.0" encoding="utf-8"?>
 <p:tagLst xmlns:p="http://schemas.openxmlformats.org/presentationml/2006/main">
   <p:tag name="MH" val="20161022204031"/>
   <p:tag name="MH_LIBRARY" val="GRAPHIC"/>
@@ -18775,7 +21641,7 @@
 </p:tagLst>
 </file>
 
-<file path=ppt/tags/tag97.xml><?xml version="1.0" encoding="utf-8"?>
+<file path=ppt/tags/tag96.xml><?xml version="1.0" encoding="utf-8"?>
 <p:tagLst xmlns:p="http://schemas.openxmlformats.org/presentationml/2006/main">
   <p:tag name="KSO_WM_TEMPLATE_CATEGORY" val="custom"/>
   <p:tag name="KSO_WM_TEMPLATE_INDEX" val="20184567"/>
@@ -18796,7 +21662,7 @@
 </p:tagLst>
 </file>
 
-<file path=ppt/tags/tag98.xml><?xml version="1.0" encoding="utf-8"?>
+<file path=ppt/tags/tag97.xml><?xml version="1.0" encoding="utf-8"?>
 <p:tagLst xmlns:p="http://schemas.openxmlformats.org/presentationml/2006/main">
   <p:tag name="MH" val="20161022204031"/>
   <p:tag name="MH_LIBRARY" val="GRAPHIC"/>
@@ -18816,7 +21682,7 @@
 </p:tagLst>
 </file>
 
-<file path=ppt/tags/tag99.xml><?xml version="1.0" encoding="utf-8"?>
+<file path=ppt/tags/tag98.xml><?xml version="1.0" encoding="utf-8"?>
 <p:tagLst xmlns:p="http://schemas.openxmlformats.org/presentationml/2006/main">
   <p:tag name="KSO_WM_DIAGRAM_GROUP_CODE" val="l1_1"/>
   <p:tag name="KSO_WM_TAG_VERSION" val="1.0"/>
@@ -18826,6 +21692,26 @@
   <p:tag name="KSO_WM_TEMPLATE_CATEGORY" val="custom"/>
   <p:tag name="KSO_WM_TEMPLATE_INDEX" val="20184567"/>
   <p:tag name="KSO_WM_UNIT_INDEX" val="0"/>
+  <p:tag name="KSO_WM_UNIT_USESOURCEFORMAT_APPLY" val="1"/>
+</p:tagLst>
+</file>
+
+<file path=ppt/tags/tag99.xml><?xml version="1.0" encoding="utf-8"?>
+<p:tagLst xmlns:p="http://schemas.openxmlformats.org/presentationml/2006/main">
+  <p:tag name="KSO_WM_TEMPLATE_CATEGORY" val="custom"/>
+  <p:tag name="KSO_WM_TEMPLATE_INDEX" val="20184567"/>
+  <p:tag name="KSO_WM_TAG_VERSION" val="1.0"/>
+  <p:tag name="KSO_WM_BEAUTIFY_FLAG" val="#wm#"/>
+  <p:tag name="KSO_WM_UNIT_CLEAR" val="1"/>
+  <p:tag name="KSO_WM_UNIT_TYPE" val="l_h_i"/>
+  <p:tag name="KSO_WM_UNIT_INDEX" val="1_1_1"/>
+  <p:tag name="KSO_WM_UNIT_ID" val="custom20184567_10*l_h_i*1_1_1"/>
+  <p:tag name="KSO_WM_UNIT_LAYERLEVEL" val="1_1_1"/>
+  <p:tag name="KSO_WM_DIAGRAM_GROUP_CODE" val="l1-2"/>
+  <p:tag name="KSO_WM_UNIT_LINE_FORE_SCHEMECOLOR_INDEX" val="14"/>
+  <p:tag name="KSO_WM_UNIT_LINE_FILL_TYPE" val="2"/>
+  <p:tag name="KSO_WM_UNIT_TEXT_FILL_FORE_SCHEMECOLOR_INDEX" val="2"/>
+  <p:tag name="KSO_WM_UNIT_TEXT_FILL_TYPE" val="1"/>
   <p:tag name="KSO_WM_UNIT_USESOURCEFORMAT_APPLY" val="1"/>
 </p:tagLst>
 </file>

--- a/OpenGL/答辩PPT.pptx
+++ b/OpenGL/答辩PPT.pptx
@@ -20,24 +20,24 @@
     <p:sldId id="258" r:id="rId13"/>
     <p:sldId id="269" r:id="rId14"/>
     <p:sldId id="335" r:id="rId15"/>
-    <p:sldId id="271" r:id="rId16"/>
-    <p:sldId id="294" r:id="rId17"/>
-    <p:sldId id="340" r:id="rId18"/>
-    <p:sldId id="261" r:id="rId19"/>
-    <p:sldId id="262" r:id="rId20"/>
-    <p:sldId id="263" r:id="rId21"/>
-    <p:sldId id="264" r:id="rId22"/>
-    <p:sldId id="265" r:id="rId23"/>
-    <p:sldId id="275" r:id="rId24"/>
-    <p:sldId id="337" r:id="rId25"/>
-    <p:sldId id="292" r:id="rId26"/>
-    <p:sldId id="338" r:id="rId27"/>
-    <p:sldId id="296" r:id="rId28"/>
-    <p:sldId id="339" r:id="rId29"/>
-    <p:sldId id="297" r:id="rId30"/>
-    <p:sldId id="272" r:id="rId31"/>
-    <p:sldId id="341" r:id="rId32"/>
-    <p:sldId id="318" r:id="rId33"/>
+    <p:sldId id="392" r:id="rId16"/>
+    <p:sldId id="271" r:id="rId17"/>
+    <p:sldId id="294" r:id="rId18"/>
+    <p:sldId id="340" r:id="rId19"/>
+    <p:sldId id="261" r:id="rId20"/>
+    <p:sldId id="262" r:id="rId21"/>
+    <p:sldId id="263" r:id="rId22"/>
+    <p:sldId id="264" r:id="rId23"/>
+    <p:sldId id="265" r:id="rId24"/>
+    <p:sldId id="275" r:id="rId25"/>
+    <p:sldId id="337" r:id="rId26"/>
+    <p:sldId id="393" r:id="rId27"/>
+    <p:sldId id="292" r:id="rId28"/>
+    <p:sldId id="296" r:id="rId29"/>
+    <p:sldId id="339" r:id="rId30"/>
+    <p:sldId id="297" r:id="rId31"/>
+    <p:sldId id="272" r:id="rId32"/>
+    <p:sldId id="341" r:id="rId33"/>
     <p:sldId id="311" r:id="rId34"/>
     <p:sldId id="316" r:id="rId35"/>
     <p:sldId id="303" r:id="rId36"/>
@@ -8504,6 +8504,687 @@
             <p:ph type="title"/>
           </p:nvPr>
         </p:nvSpPr>
+        <p:spPr>
+          <a:xfrm>
+            <a:off x="838200" y="-36195"/>
+            <a:ext cx="10515600" cy="1223645"/>
+          </a:xfrm>
+        </p:spPr>
+        <p:txBody>
+          <a:bodyPr/>
+          <a:p>
+            <a:r>
+              <a:rPr lang="zh-CN" altLang="en-US">
+                <a:solidFill>
+                  <a:schemeClr val="tx1"/>
+                </a:solidFill>
+                <a:effectLst>
+                  <a:outerShdw blurRad="38100" dist="19050" dir="2700000" algn="tl" rotWithShape="0">
+                    <a:schemeClr val="dk1">
+                      <a:alpha val="40000"/>
+                    </a:schemeClr>
+                  </a:outerShdw>
+                </a:effectLst>
+              </a:rPr>
+              <a:t>一帧的渲染过程</a:t>
+            </a:r>
+            <a:endParaRPr lang="zh-CN" altLang="en-US">
+              <a:solidFill>
+                <a:schemeClr val="tx1"/>
+              </a:solidFill>
+              <a:effectLst>
+                <a:outerShdw blurRad="38100" dist="19050" dir="2700000" algn="tl" rotWithShape="0">
+                  <a:schemeClr val="dk1">
+                    <a:alpha val="40000"/>
+                  </a:schemeClr>
+                </a:outerShdw>
+              </a:effectLst>
+            </a:endParaRPr>
+          </a:p>
+        </p:txBody>
+      </p:sp>
+      <p:sp>
+        <p:nvSpPr>
+          <p:cNvPr id="5" name="矩形 4"/>
+          <p:cNvSpPr/>
+          <p:nvPr/>
+        </p:nvSpPr>
+        <p:spPr>
+          <a:xfrm>
+            <a:off x="157480" y="1493520"/>
+            <a:ext cx="2193290" cy="1381760"/>
+          </a:xfrm>
+          <a:prstGeom prst="rect">
+            <a:avLst/>
+          </a:prstGeom>
+        </p:spPr>
+        <p:style>
+          <a:lnRef idx="2">
+            <a:schemeClr val="accent6">
+              <a:shade val="50000"/>
+            </a:schemeClr>
+          </a:lnRef>
+          <a:fillRef idx="1">
+            <a:schemeClr val="accent6"/>
+          </a:fillRef>
+          <a:effectRef idx="0">
+            <a:schemeClr val="accent6"/>
+          </a:effectRef>
+          <a:fontRef idx="minor">
+            <a:schemeClr val="lt1"/>
+          </a:fontRef>
+        </p:style>
+        <p:txBody>
+          <a:bodyPr rtlCol="0" anchor="ctr"/>
+          <a:p>
+            <a:pPr algn="ctr"/>
+            <a:r>
+              <a:rPr lang="zh-CN" altLang="en-US" sz="3200" b="1">
+                <a:solidFill>
+                  <a:schemeClr val="tx1"/>
+                </a:solidFill>
+              </a:rPr>
+              <a:t>物体</a:t>
+            </a:r>
+            <a:r>
+              <a:rPr lang="en-US" altLang="zh-CN" sz="3200" b="1">
+                <a:solidFill>
+                  <a:schemeClr val="tx1"/>
+                </a:solidFill>
+              </a:rPr>
+              <a:t>A</a:t>
+            </a:r>
+            <a:r>
+              <a:rPr lang="zh-CN" altLang="en-US" sz="3200" b="1">
+                <a:solidFill>
+                  <a:schemeClr val="tx1"/>
+                </a:solidFill>
+              </a:rPr>
+              <a:t>的</a:t>
+            </a:r>
+            <a:endParaRPr lang="zh-CN" altLang="en-US" sz="3200" b="1">
+              <a:solidFill>
+                <a:schemeClr val="tx1"/>
+              </a:solidFill>
+            </a:endParaRPr>
+          </a:p>
+          <a:p>
+            <a:pPr algn="ctr"/>
+            <a:r>
+              <a:rPr lang="zh-CN" altLang="en-US" sz="3200" b="1">
+                <a:solidFill>
+                  <a:schemeClr val="tx1"/>
+                </a:solidFill>
+              </a:rPr>
+              <a:t>渲染数据</a:t>
+            </a:r>
+            <a:endParaRPr lang="zh-CN" altLang="en-US" sz="3200" b="1">
+              <a:solidFill>
+                <a:schemeClr val="tx1"/>
+              </a:solidFill>
+            </a:endParaRPr>
+          </a:p>
+        </p:txBody>
+      </p:sp>
+      <p:sp>
+        <p:nvSpPr>
+          <p:cNvPr id="6" name="矩形 5"/>
+          <p:cNvSpPr/>
+          <p:nvPr/>
+        </p:nvSpPr>
+        <p:spPr>
+          <a:xfrm>
+            <a:off x="157480" y="3060065"/>
+            <a:ext cx="2193290" cy="1381760"/>
+          </a:xfrm>
+          <a:prstGeom prst="rect">
+            <a:avLst/>
+          </a:prstGeom>
+        </p:spPr>
+        <p:style>
+          <a:lnRef idx="2">
+            <a:schemeClr val="accent6">
+              <a:shade val="50000"/>
+            </a:schemeClr>
+          </a:lnRef>
+          <a:fillRef idx="1">
+            <a:schemeClr val="accent6"/>
+          </a:fillRef>
+          <a:effectRef idx="0">
+            <a:schemeClr val="accent6"/>
+          </a:effectRef>
+          <a:fontRef idx="minor">
+            <a:schemeClr val="lt1"/>
+          </a:fontRef>
+        </p:style>
+        <p:txBody>
+          <a:bodyPr rtlCol="0" anchor="ctr"/>
+          <a:p>
+            <a:pPr algn="ctr"/>
+            <a:r>
+              <a:rPr lang="zh-CN" altLang="en-US" sz="3200" b="1">
+                <a:solidFill>
+                  <a:schemeClr val="tx1"/>
+                </a:solidFill>
+              </a:rPr>
+              <a:t>物体</a:t>
+            </a:r>
+            <a:r>
+              <a:rPr lang="en-US" altLang="zh-CN" sz="3200" b="1">
+                <a:solidFill>
+                  <a:schemeClr val="tx1"/>
+                </a:solidFill>
+              </a:rPr>
+              <a:t>B</a:t>
+            </a:r>
+            <a:r>
+              <a:rPr lang="zh-CN" altLang="en-US" sz="3200" b="1">
+                <a:solidFill>
+                  <a:schemeClr val="tx1"/>
+                </a:solidFill>
+              </a:rPr>
+              <a:t>的</a:t>
+            </a:r>
+            <a:endParaRPr lang="zh-CN" altLang="en-US" sz="3200" b="1">
+              <a:solidFill>
+                <a:schemeClr val="tx1"/>
+              </a:solidFill>
+            </a:endParaRPr>
+          </a:p>
+          <a:p>
+            <a:pPr algn="ctr"/>
+            <a:r>
+              <a:rPr lang="zh-CN" altLang="en-US" sz="3200" b="1">
+                <a:solidFill>
+                  <a:schemeClr val="tx1"/>
+                </a:solidFill>
+              </a:rPr>
+              <a:t>渲染数据</a:t>
+            </a:r>
+            <a:endParaRPr lang="zh-CN" altLang="en-US" sz="3200" b="1">
+              <a:solidFill>
+                <a:schemeClr val="tx1"/>
+              </a:solidFill>
+            </a:endParaRPr>
+          </a:p>
+        </p:txBody>
+      </p:sp>
+      <p:sp>
+        <p:nvSpPr>
+          <p:cNvPr id="7" name="矩形 6"/>
+          <p:cNvSpPr/>
+          <p:nvPr/>
+        </p:nvSpPr>
+        <p:spPr>
+          <a:xfrm>
+            <a:off x="157480" y="4794885"/>
+            <a:ext cx="2193290" cy="1381760"/>
+          </a:xfrm>
+          <a:prstGeom prst="rect">
+            <a:avLst/>
+          </a:prstGeom>
+        </p:spPr>
+        <p:style>
+          <a:lnRef idx="2">
+            <a:schemeClr val="accent6">
+              <a:shade val="50000"/>
+            </a:schemeClr>
+          </a:lnRef>
+          <a:fillRef idx="1">
+            <a:schemeClr val="accent6"/>
+          </a:fillRef>
+          <a:effectRef idx="0">
+            <a:schemeClr val="accent6"/>
+          </a:effectRef>
+          <a:fontRef idx="minor">
+            <a:schemeClr val="lt1"/>
+          </a:fontRef>
+        </p:style>
+        <p:txBody>
+          <a:bodyPr rtlCol="0" anchor="ctr"/>
+          <a:p>
+            <a:pPr algn="ctr"/>
+            <a:r>
+              <a:rPr lang="zh-CN" altLang="en-US" sz="3200" b="1">
+                <a:solidFill>
+                  <a:schemeClr val="tx1"/>
+                </a:solidFill>
+              </a:rPr>
+              <a:t>物体</a:t>
+            </a:r>
+            <a:r>
+              <a:rPr lang="en-US" altLang="zh-CN" sz="3200" b="1">
+                <a:solidFill>
+                  <a:schemeClr val="tx1"/>
+                </a:solidFill>
+              </a:rPr>
+              <a:t>C</a:t>
+            </a:r>
+            <a:r>
+              <a:rPr lang="zh-CN" altLang="en-US" sz="3200" b="1">
+                <a:solidFill>
+                  <a:schemeClr val="tx1"/>
+                </a:solidFill>
+              </a:rPr>
+              <a:t>的</a:t>
+            </a:r>
+            <a:endParaRPr lang="zh-CN" altLang="en-US" sz="3200" b="1">
+              <a:solidFill>
+                <a:schemeClr val="tx1"/>
+              </a:solidFill>
+            </a:endParaRPr>
+          </a:p>
+          <a:p>
+            <a:pPr algn="ctr"/>
+            <a:r>
+              <a:rPr lang="zh-CN" altLang="en-US" sz="3200" b="1">
+                <a:solidFill>
+                  <a:schemeClr val="tx1"/>
+                </a:solidFill>
+              </a:rPr>
+              <a:t>渲染数据</a:t>
+            </a:r>
+            <a:endParaRPr lang="zh-CN" altLang="en-US" sz="3200" b="1">
+              <a:solidFill>
+                <a:schemeClr val="tx1"/>
+              </a:solidFill>
+            </a:endParaRPr>
+          </a:p>
+        </p:txBody>
+      </p:sp>
+      <p:sp>
+        <p:nvSpPr>
+          <p:cNvPr id="12" name="椭圆 11"/>
+          <p:cNvSpPr/>
+          <p:nvPr/>
+        </p:nvSpPr>
+        <p:spPr>
+          <a:xfrm>
+            <a:off x="3440430" y="2703195"/>
+            <a:ext cx="2348230" cy="2091690"/>
+          </a:xfrm>
+          <a:prstGeom prst="ellipse">
+            <a:avLst/>
+          </a:prstGeom>
+        </p:spPr>
+        <p:style>
+          <a:lnRef idx="2">
+            <a:schemeClr val="accent2">
+              <a:shade val="50000"/>
+            </a:schemeClr>
+          </a:lnRef>
+          <a:fillRef idx="1">
+            <a:schemeClr val="accent2"/>
+          </a:fillRef>
+          <a:effectRef idx="0">
+            <a:schemeClr val="accent2"/>
+          </a:effectRef>
+          <a:fontRef idx="minor">
+            <a:schemeClr val="lt1"/>
+          </a:fontRef>
+        </p:style>
+        <p:txBody>
+          <a:bodyPr rtlCol="0" anchor="ctr"/>
+          <a:p>
+            <a:pPr algn="ctr"/>
+            <a:r>
+              <a:rPr lang="zh-CN" altLang="en-US" sz="3200" b="1">
+                <a:solidFill>
+                  <a:schemeClr val="tx1"/>
+                </a:solidFill>
+              </a:rPr>
+              <a:t>进入渲染列表</a:t>
+            </a:r>
+            <a:endParaRPr lang="zh-CN" altLang="en-US" sz="3200" b="1">
+              <a:solidFill>
+                <a:schemeClr val="tx1"/>
+              </a:solidFill>
+            </a:endParaRPr>
+          </a:p>
+        </p:txBody>
+      </p:sp>
+      <p:cxnSp>
+        <p:nvCxnSpPr>
+          <p:cNvPr id="13" name="肘形连接符 12"/>
+          <p:cNvCxnSpPr>
+            <a:stCxn id="5" idx="3"/>
+            <a:endCxn id="12" idx="1"/>
+          </p:cNvCxnSpPr>
+          <p:nvPr/>
+        </p:nvCxnSpPr>
+        <p:spPr>
+          <a:xfrm>
+            <a:off x="2350770" y="2184400"/>
+            <a:ext cx="1433830" cy="824865"/>
+          </a:xfrm>
+          <a:prstGeom prst="bentConnector2">
+            <a:avLst/>
+          </a:prstGeom>
+          <a:ln>
+            <a:tailEnd type="arrow" w="med" len="med"/>
+          </a:ln>
+        </p:spPr>
+        <p:style>
+          <a:lnRef idx="1">
+            <a:schemeClr val="dk1"/>
+          </a:lnRef>
+          <a:fillRef idx="0">
+            <a:schemeClr val="dk1"/>
+          </a:fillRef>
+          <a:effectRef idx="0">
+            <a:schemeClr val="dk1"/>
+          </a:effectRef>
+          <a:fontRef idx="minor">
+            <a:schemeClr val="tx1"/>
+          </a:fontRef>
+        </p:style>
+      </p:cxnSp>
+      <p:cxnSp>
+        <p:nvCxnSpPr>
+          <p:cNvPr id="15" name="肘形连接符 14"/>
+          <p:cNvCxnSpPr>
+            <a:stCxn id="7" idx="3"/>
+            <a:endCxn id="12" idx="3"/>
+          </p:cNvCxnSpPr>
+          <p:nvPr/>
+        </p:nvCxnSpPr>
+        <p:spPr>
+          <a:xfrm flipV="1">
+            <a:off x="2350770" y="4488815"/>
+            <a:ext cx="1433830" cy="996950"/>
+          </a:xfrm>
+          <a:prstGeom prst="bentConnector2">
+            <a:avLst/>
+          </a:prstGeom>
+          <a:ln>
+            <a:tailEnd type="arrow" w="med" len="med"/>
+          </a:ln>
+        </p:spPr>
+        <p:style>
+          <a:lnRef idx="1">
+            <a:schemeClr val="dk1"/>
+          </a:lnRef>
+          <a:fillRef idx="0">
+            <a:schemeClr val="dk1"/>
+          </a:fillRef>
+          <a:effectRef idx="0">
+            <a:schemeClr val="dk1"/>
+          </a:effectRef>
+          <a:fontRef idx="minor">
+            <a:schemeClr val="tx1"/>
+          </a:fontRef>
+        </p:style>
+      </p:cxnSp>
+      <p:cxnSp>
+        <p:nvCxnSpPr>
+          <p:cNvPr id="16" name="直接箭头连接符 15"/>
+          <p:cNvCxnSpPr>
+            <a:stCxn id="6" idx="3"/>
+            <a:endCxn id="12" idx="2"/>
+          </p:cNvCxnSpPr>
+          <p:nvPr/>
+        </p:nvCxnSpPr>
+        <p:spPr>
+          <a:xfrm flipV="1">
+            <a:off x="2350770" y="3749040"/>
+            <a:ext cx="1089660" cy="1905"/>
+          </a:xfrm>
+          <a:prstGeom prst="straightConnector1">
+            <a:avLst/>
+          </a:prstGeom>
+          <a:ln>
+            <a:tailEnd type="arrow" w="med" len="med"/>
+          </a:ln>
+        </p:spPr>
+        <p:style>
+          <a:lnRef idx="1">
+            <a:schemeClr val="dk1"/>
+          </a:lnRef>
+          <a:fillRef idx="0">
+            <a:schemeClr val="dk1"/>
+          </a:fillRef>
+          <a:effectRef idx="0">
+            <a:schemeClr val="dk1"/>
+          </a:effectRef>
+          <a:fontRef idx="minor">
+            <a:schemeClr val="tx1"/>
+          </a:fontRef>
+        </p:style>
+      </p:cxnSp>
+      <p:sp>
+        <p:nvSpPr>
+          <p:cNvPr id="17" name="椭圆 16"/>
+          <p:cNvSpPr/>
+          <p:nvPr/>
+        </p:nvSpPr>
+        <p:spPr>
+          <a:xfrm>
+            <a:off x="6263005" y="2703195"/>
+            <a:ext cx="2682875" cy="2091690"/>
+          </a:xfrm>
+          <a:prstGeom prst="ellipse">
+            <a:avLst/>
+          </a:prstGeom>
+        </p:spPr>
+        <p:style>
+          <a:lnRef idx="2">
+            <a:schemeClr val="accent2">
+              <a:shade val="50000"/>
+            </a:schemeClr>
+          </a:lnRef>
+          <a:fillRef idx="1">
+            <a:schemeClr val="accent2"/>
+          </a:fillRef>
+          <a:effectRef idx="0">
+            <a:schemeClr val="accent2"/>
+          </a:effectRef>
+          <a:fontRef idx="minor">
+            <a:schemeClr val="lt1"/>
+          </a:fontRef>
+        </p:style>
+        <p:txBody>
+          <a:bodyPr rtlCol="0" anchor="ctr"/>
+          <a:p>
+            <a:pPr algn="ctr"/>
+            <a:r>
+              <a:rPr lang="zh-CN" altLang="en-US" sz="3200" b="1">
+                <a:solidFill>
+                  <a:schemeClr val="tx1"/>
+                </a:solidFill>
+              </a:rPr>
+              <a:t>渲染列表批处理</a:t>
+            </a:r>
+            <a:endParaRPr lang="zh-CN" altLang="en-US" sz="3200" b="1">
+              <a:solidFill>
+                <a:schemeClr val="tx1"/>
+              </a:solidFill>
+            </a:endParaRPr>
+          </a:p>
+        </p:txBody>
+      </p:sp>
+      <p:cxnSp>
+        <p:nvCxnSpPr>
+          <p:cNvPr id="18" name="肘形连接符 17"/>
+          <p:cNvCxnSpPr>
+            <a:stCxn id="12" idx="6"/>
+            <a:endCxn id="17" idx="2"/>
+          </p:cNvCxnSpPr>
+          <p:nvPr/>
+        </p:nvCxnSpPr>
+        <p:spPr>
+          <a:xfrm>
+            <a:off x="5788660" y="3749040"/>
+            <a:ext cx="474345" cy="3175"/>
+          </a:xfrm>
+          <a:prstGeom prst="bentConnector2">
+            <a:avLst/>
+          </a:prstGeom>
+          <a:ln>
+            <a:tailEnd type="arrow" w="med" len="med"/>
+          </a:ln>
+        </p:spPr>
+        <p:style>
+          <a:lnRef idx="1">
+            <a:schemeClr val="dk1"/>
+          </a:lnRef>
+          <a:fillRef idx="0">
+            <a:schemeClr val="dk1"/>
+          </a:fillRef>
+          <a:effectRef idx="0">
+            <a:schemeClr val="dk1"/>
+          </a:effectRef>
+          <a:fontRef idx="minor">
+            <a:schemeClr val="tx1"/>
+          </a:fontRef>
+        </p:style>
+      </p:cxnSp>
+      <p:sp>
+        <p:nvSpPr>
+          <p:cNvPr id="19" name="矩形 18"/>
+          <p:cNvSpPr/>
+          <p:nvPr/>
+        </p:nvSpPr>
+        <p:spPr>
+          <a:xfrm>
+            <a:off x="9883140" y="3058160"/>
+            <a:ext cx="2193290" cy="1381760"/>
+          </a:xfrm>
+          <a:prstGeom prst="rect">
+            <a:avLst/>
+          </a:prstGeom>
+        </p:spPr>
+        <p:style>
+          <a:lnRef idx="2">
+            <a:schemeClr val="accent6">
+              <a:shade val="50000"/>
+            </a:schemeClr>
+          </a:lnRef>
+          <a:fillRef idx="1">
+            <a:schemeClr val="accent6"/>
+          </a:fillRef>
+          <a:effectRef idx="0">
+            <a:schemeClr val="accent6"/>
+          </a:effectRef>
+          <a:fontRef idx="minor">
+            <a:schemeClr val="lt1"/>
+          </a:fontRef>
+        </p:style>
+        <p:txBody>
+          <a:bodyPr rtlCol="0" anchor="ctr"/>
+          <a:p>
+            <a:pPr algn="ctr"/>
+            <a:r>
+              <a:rPr lang="en-US" altLang="zh-CN" sz="3200" b="1">
+                <a:solidFill>
+                  <a:schemeClr val="tx1"/>
+                </a:solidFill>
+              </a:rPr>
+              <a:t>GPU</a:t>
+            </a:r>
+            <a:endParaRPr lang="en-US" altLang="zh-CN" sz="3200" b="1">
+              <a:solidFill>
+                <a:schemeClr val="tx1"/>
+              </a:solidFill>
+            </a:endParaRPr>
+          </a:p>
+        </p:txBody>
+      </p:sp>
+      <p:cxnSp>
+        <p:nvCxnSpPr>
+          <p:cNvPr id="20" name="肘形连接符 19"/>
+          <p:cNvCxnSpPr>
+            <a:stCxn id="17" idx="6"/>
+            <a:endCxn id="19" idx="1"/>
+          </p:cNvCxnSpPr>
+          <p:nvPr/>
+        </p:nvCxnSpPr>
+        <p:spPr>
+          <a:xfrm>
+            <a:off x="8945880" y="3749040"/>
+            <a:ext cx="937260" cy="3175"/>
+          </a:xfrm>
+          <a:prstGeom prst="bentConnector2">
+            <a:avLst/>
+          </a:prstGeom>
+          <a:ln>
+            <a:tailEnd type="arrow" w="med" len="med"/>
+          </a:ln>
+        </p:spPr>
+        <p:style>
+          <a:lnRef idx="1">
+            <a:schemeClr val="dk1"/>
+          </a:lnRef>
+          <a:fillRef idx="0">
+            <a:schemeClr val="dk1"/>
+          </a:fillRef>
+          <a:effectRef idx="0">
+            <a:schemeClr val="dk1"/>
+          </a:effectRef>
+          <a:fontRef idx="minor">
+            <a:schemeClr val="tx1"/>
+          </a:fontRef>
+        </p:style>
+      </p:cxnSp>
+      <p:sp>
+        <p:nvSpPr>
+          <p:cNvPr id="22" name="文本框 21"/>
+          <p:cNvSpPr txBox="1"/>
+          <p:nvPr/>
+        </p:nvSpPr>
+        <p:spPr>
+          <a:xfrm>
+            <a:off x="8964295" y="3291840"/>
+            <a:ext cx="918845" cy="460375"/>
+          </a:xfrm>
+          <a:prstGeom prst="rect">
+            <a:avLst/>
+          </a:prstGeom>
+          <a:noFill/>
+        </p:spPr>
+        <p:txBody>
+          <a:bodyPr wrap="square" rtlCol="0">
+            <a:spAutoFit/>
+          </a:bodyPr>
+          <a:p>
+            <a:r>
+              <a:rPr lang="zh-CN" altLang="en-US" sz="2400"/>
+              <a:t>提交</a:t>
+            </a:r>
+            <a:endParaRPr lang="zh-CN" altLang="en-US" sz="2400"/>
+          </a:p>
+        </p:txBody>
+      </p:sp>
+    </p:spTree>
+    <p:custDataLst>
+      <p:tags r:id="rId1"/>
+    </p:custDataLst>
+  </p:cSld>
+  <p:clrMapOvr>
+    <a:masterClrMapping/>
+  </p:clrMapOvr>
+</p:sld>
+</file>
+
+<file path=ppt/slides/slide13.xml><?xml version="1.0" encoding="utf-8"?>
+<p:sld xmlns:a="http://schemas.openxmlformats.org/drawingml/2006/main" xmlns:r="http://schemas.openxmlformats.org/officeDocument/2006/relationships" xmlns:p="http://schemas.openxmlformats.org/presentationml/2006/main">
+  <p:cSld>
+    <p:spTree>
+      <p:nvGrpSpPr>
+        <p:cNvPr id="1" name=""/>
+        <p:cNvGrpSpPr/>
+        <p:nvPr/>
+      </p:nvGrpSpPr>
+      <p:grpSpPr/>
+      <p:sp>
+        <p:nvSpPr>
+          <p:cNvPr id="2" name="标题 1"/>
+          <p:cNvSpPr>
+            <a:spLocks noGrp="1"/>
+          </p:cNvSpPr>
+          <p:nvPr>
+            <p:ph type="title"/>
+          </p:nvPr>
+        </p:nvSpPr>
         <p:spPr/>
         <p:txBody>
           <a:bodyPr/>
@@ -8981,7 +9662,7 @@
 </p:sld>
 </file>
 
-<file path=ppt/slides/slide13.xml><?xml version="1.0" encoding="utf-8"?>
+<file path=ppt/slides/slide14.xml><?xml version="1.0" encoding="utf-8"?>
 <p:sld xmlns:a="http://schemas.openxmlformats.org/drawingml/2006/main" xmlns:r="http://schemas.openxmlformats.org/officeDocument/2006/relationships" xmlns:p="http://schemas.openxmlformats.org/presentationml/2006/main">
   <p:cSld>
     <p:spTree>
@@ -9191,477 +9872,6 @@
               <a:t>，提升渲染引擎的性能。</a:t>
             </a:r>
             <a:endParaRPr lang="zh-CN" altLang="en-US"/>
-          </a:p>
-        </p:txBody>
-      </p:sp>
-    </p:spTree>
-    <p:custDataLst>
-      <p:tags r:id="rId1"/>
-    </p:custDataLst>
-  </p:cSld>
-  <p:clrMapOvr>
-    <a:masterClrMapping/>
-  </p:clrMapOvr>
-</p:sld>
-</file>
-
-<file path=ppt/slides/slide14.xml><?xml version="1.0" encoding="utf-8"?>
-<p:sld xmlns:a="http://schemas.openxmlformats.org/drawingml/2006/main" xmlns:r="http://schemas.openxmlformats.org/officeDocument/2006/relationships" xmlns:p="http://schemas.openxmlformats.org/presentationml/2006/main">
-  <p:cSld>
-    <p:spTree>
-      <p:nvGrpSpPr>
-        <p:cNvPr id="1" name=""/>
-        <p:cNvGrpSpPr/>
-        <p:nvPr/>
-      </p:nvGrpSpPr>
-      <p:grpSpPr/>
-      <p:sp>
-        <p:nvSpPr>
-          <p:cNvPr id="2" name="标题 1"/>
-          <p:cNvSpPr>
-            <a:spLocks noGrp="1"/>
-          </p:cNvSpPr>
-          <p:nvPr>
-            <p:ph type="title"/>
-          </p:nvPr>
-        </p:nvSpPr>
-        <p:spPr/>
-        <p:txBody>
-          <a:bodyPr/>
-          <a:p>
-            <a:r>
-              <a:rPr lang="zh-CN" altLang="en-US">
-                <a:solidFill>
-                  <a:schemeClr val="tx1"/>
-                </a:solidFill>
-                <a:effectLst>
-                  <a:outerShdw blurRad="38100" dist="19050" dir="2700000" algn="tl" rotWithShape="0">
-                    <a:schemeClr val="dk1">
-                      <a:alpha val="40000"/>
-                    </a:schemeClr>
-                  </a:outerShdw>
-                </a:effectLst>
-              </a:rPr>
-              <a:t>底层渲染器图解</a:t>
-            </a:r>
-            <a:endParaRPr lang="zh-CN" altLang="en-US">
-              <a:solidFill>
-                <a:schemeClr val="tx1"/>
-              </a:solidFill>
-              <a:effectLst>
-                <a:outerShdw blurRad="38100" dist="19050" dir="2700000" algn="tl" rotWithShape="0">
-                  <a:schemeClr val="dk1">
-                    <a:alpha val="40000"/>
-                  </a:schemeClr>
-                </a:outerShdw>
-              </a:effectLst>
-            </a:endParaRPr>
-          </a:p>
-        </p:txBody>
-      </p:sp>
-      <p:sp>
-        <p:nvSpPr>
-          <p:cNvPr id="3" name="矩形 2"/>
-          <p:cNvSpPr/>
-          <p:nvPr/>
-        </p:nvSpPr>
-        <p:spPr>
-          <a:xfrm>
-            <a:off x="295910" y="1718310"/>
-            <a:ext cx="3410585" cy="2046605"/>
-          </a:xfrm>
-          <a:prstGeom prst="rect">
-            <a:avLst/>
-          </a:prstGeom>
-        </p:spPr>
-        <p:style>
-          <a:lnRef idx="2">
-            <a:schemeClr val="accent6">
-              <a:shade val="50000"/>
-            </a:schemeClr>
-          </a:lnRef>
-          <a:fillRef idx="1">
-            <a:schemeClr val="accent6"/>
-          </a:fillRef>
-          <a:effectRef idx="0">
-            <a:schemeClr val="accent6"/>
-          </a:effectRef>
-          <a:fontRef idx="minor">
-            <a:schemeClr val="lt1"/>
-          </a:fontRef>
-        </p:style>
-        <p:txBody>
-          <a:bodyPr rtlCol="0" anchor="ctr"/>
-          <a:p>
-            <a:pPr algn="ctr"/>
-            <a:r>
-              <a:rPr lang="en-US" altLang="zh-CN" sz="3200" b="1">
-                <a:solidFill>
-                  <a:schemeClr val="tx1"/>
-                </a:solidFill>
-              </a:rPr>
-              <a:t>Scene</a:t>
-            </a:r>
-            <a:endParaRPr lang="en-US" altLang="zh-CN" sz="3200" b="1">
-              <a:solidFill>
-                <a:schemeClr val="tx1"/>
-              </a:solidFill>
-            </a:endParaRPr>
-          </a:p>
-        </p:txBody>
-      </p:sp>
-      <p:sp>
-        <p:nvSpPr>
-          <p:cNvPr id="6" name="矩形 5"/>
-          <p:cNvSpPr/>
-          <p:nvPr/>
-        </p:nvSpPr>
-        <p:spPr>
-          <a:xfrm>
-            <a:off x="6109970" y="1718310"/>
-            <a:ext cx="3410585" cy="2047240"/>
-          </a:xfrm>
-          <a:prstGeom prst="rect">
-            <a:avLst/>
-          </a:prstGeom>
-        </p:spPr>
-        <p:style>
-          <a:lnRef idx="3">
-            <a:schemeClr val="lt1"/>
-          </a:lnRef>
-          <a:fillRef idx="1">
-            <a:schemeClr val="accent2"/>
-          </a:fillRef>
-          <a:effectRef idx="1">
-            <a:schemeClr val="accent2"/>
-          </a:effectRef>
-          <a:fontRef idx="minor">
-            <a:schemeClr val="lt1"/>
-          </a:fontRef>
-        </p:style>
-        <p:txBody>
-          <a:bodyPr rtlCol="0" anchor="ctr"/>
-          <a:p>
-            <a:pPr algn="ctr"/>
-            <a:r>
-              <a:rPr lang="zh-CN" altLang="en-US" sz="3200" b="1">
-                <a:solidFill>
-                  <a:schemeClr val="tx1"/>
-                </a:solidFill>
-              </a:rPr>
-              <a:t>游戏物体</a:t>
-            </a:r>
-            <a:endParaRPr lang="zh-CN" altLang="en-US" sz="3200" b="1">
-              <a:solidFill>
-                <a:schemeClr val="tx1"/>
-              </a:solidFill>
-            </a:endParaRPr>
-          </a:p>
-        </p:txBody>
-      </p:sp>
-      <p:sp>
-        <p:nvSpPr>
-          <p:cNvPr id="10" name="右箭头 9"/>
-          <p:cNvSpPr/>
-          <p:nvPr/>
-        </p:nvSpPr>
-        <p:spPr>
-          <a:xfrm>
-            <a:off x="3939540" y="2607310"/>
-            <a:ext cx="1766570" cy="459740"/>
-          </a:xfrm>
-          <a:prstGeom prst="rightArrow">
-            <a:avLst/>
-          </a:prstGeom>
-          <a:solidFill>
-            <a:schemeClr val="bg1"/>
-          </a:solidFill>
-        </p:spPr>
-        <p:style>
-          <a:lnRef idx="2">
-            <a:schemeClr val="accent1">
-              <a:shade val="50000"/>
-            </a:schemeClr>
-          </a:lnRef>
-          <a:fillRef idx="1">
-            <a:schemeClr val="accent1"/>
-          </a:fillRef>
-          <a:effectRef idx="0">
-            <a:schemeClr val="accent1"/>
-          </a:effectRef>
-          <a:fontRef idx="minor">
-            <a:schemeClr val="lt1"/>
-          </a:fontRef>
-        </p:style>
-        <p:txBody>
-          <a:bodyPr rtlCol="0" anchor="ctr"/>
-          <a:p>
-            <a:pPr algn="ctr"/>
-            <a:endParaRPr lang="zh-CN" altLang="en-US"/>
-          </a:p>
-        </p:txBody>
-      </p:sp>
-      <p:sp>
-        <p:nvSpPr>
-          <p:cNvPr id="7" name="矩形 6"/>
-          <p:cNvSpPr/>
-          <p:nvPr/>
-        </p:nvSpPr>
-        <p:spPr>
-          <a:xfrm>
-            <a:off x="296545" y="4255135"/>
-            <a:ext cx="3308350" cy="2047875"/>
-          </a:xfrm>
-          <a:prstGeom prst="rect">
-            <a:avLst/>
-          </a:prstGeom>
-        </p:spPr>
-        <p:style>
-          <a:lnRef idx="3">
-            <a:schemeClr val="lt1"/>
-          </a:lnRef>
-          <a:fillRef idx="1">
-            <a:schemeClr val="accent2"/>
-          </a:fillRef>
-          <a:effectRef idx="1">
-            <a:schemeClr val="accent2"/>
-          </a:effectRef>
-          <a:fontRef idx="minor">
-            <a:schemeClr val="lt1"/>
-          </a:fontRef>
-        </p:style>
-        <p:txBody>
-          <a:bodyPr rtlCol="0" anchor="ctr"/>
-          <a:p>
-            <a:pPr algn="ctr"/>
-            <a:r>
-              <a:rPr lang="zh-CN" altLang="en-US" sz="3200" b="1">
-                <a:solidFill>
-                  <a:schemeClr val="tx1"/>
-                </a:solidFill>
-              </a:rPr>
-              <a:t>底层渲染模块</a:t>
-            </a:r>
-            <a:endParaRPr lang="zh-CN" altLang="en-US" sz="3200" b="1">
-              <a:solidFill>
-                <a:schemeClr val="tx1"/>
-              </a:solidFill>
-            </a:endParaRPr>
-          </a:p>
-        </p:txBody>
-      </p:sp>
-      <p:sp>
-        <p:nvSpPr>
-          <p:cNvPr id="11" name="矩形 10"/>
-          <p:cNvSpPr/>
-          <p:nvPr/>
-        </p:nvSpPr>
-        <p:spPr>
-          <a:xfrm>
-            <a:off x="6109970" y="4261485"/>
-            <a:ext cx="3410585" cy="2046605"/>
-          </a:xfrm>
-          <a:prstGeom prst="rect">
-            <a:avLst/>
-          </a:prstGeom>
-        </p:spPr>
-        <p:style>
-          <a:lnRef idx="3">
-            <a:schemeClr val="lt1"/>
-          </a:lnRef>
-          <a:fillRef idx="1">
-            <a:schemeClr val="accent1"/>
-          </a:fillRef>
-          <a:effectRef idx="1">
-            <a:schemeClr val="accent1"/>
-          </a:effectRef>
-          <a:fontRef idx="minor">
-            <a:schemeClr val="lt1"/>
-          </a:fontRef>
-        </p:style>
-        <p:txBody>
-          <a:bodyPr rtlCol="0" anchor="ctr"/>
-          <a:p>
-            <a:pPr algn="ctr"/>
-            <a:r>
-              <a:rPr lang="zh-CN" altLang="en-US" sz="3200" b="1">
-                <a:solidFill>
-                  <a:schemeClr val="tx1"/>
-                </a:solidFill>
-              </a:rPr>
-              <a:t>资源管理模块</a:t>
-            </a:r>
-            <a:endParaRPr lang="zh-CN" altLang="en-US" sz="3200" b="1">
-              <a:solidFill>
-                <a:schemeClr val="tx1"/>
-              </a:solidFill>
-            </a:endParaRPr>
-          </a:p>
-        </p:txBody>
-      </p:sp>
-      <p:sp>
-        <p:nvSpPr>
-          <p:cNvPr id="12" name="文本框 11"/>
-          <p:cNvSpPr txBox="1"/>
-          <p:nvPr/>
-        </p:nvSpPr>
-        <p:spPr>
-          <a:xfrm>
-            <a:off x="4246245" y="2228850"/>
-            <a:ext cx="948690" cy="460375"/>
-          </a:xfrm>
-          <a:prstGeom prst="rect">
-            <a:avLst/>
-          </a:prstGeom>
-          <a:noFill/>
-        </p:spPr>
-        <p:txBody>
-          <a:bodyPr wrap="square" rtlCol="0">
-            <a:spAutoFit/>
-          </a:bodyPr>
-          <a:p>
-            <a:r>
-              <a:rPr lang="zh-CN" altLang="en-US" sz="2400"/>
-              <a:t>管理</a:t>
-            </a:r>
-            <a:endParaRPr lang="zh-CN" altLang="en-US" sz="2400"/>
-          </a:p>
-        </p:txBody>
-      </p:sp>
-      <p:sp>
-        <p:nvSpPr>
-          <p:cNvPr id="13" name="文本框 12"/>
-          <p:cNvSpPr txBox="1"/>
-          <p:nvPr/>
-        </p:nvSpPr>
-        <p:spPr>
-          <a:xfrm>
-            <a:off x="4187825" y="4594225"/>
-            <a:ext cx="1465580" cy="460375"/>
-          </a:xfrm>
-          <a:prstGeom prst="rect">
-            <a:avLst/>
-          </a:prstGeom>
-          <a:noFill/>
-        </p:spPr>
-        <p:txBody>
-          <a:bodyPr wrap="square" rtlCol="0">
-            <a:spAutoFit/>
-          </a:bodyPr>
-          <a:p>
-            <a:r>
-              <a:rPr lang="zh-CN" altLang="en-US" sz="2400"/>
-              <a:t>获取资源</a:t>
-            </a:r>
-            <a:endParaRPr lang="zh-CN" altLang="en-US" sz="2400"/>
-          </a:p>
-        </p:txBody>
-      </p:sp>
-      <p:sp>
-        <p:nvSpPr>
-          <p:cNvPr id="14" name="左箭头 13"/>
-          <p:cNvSpPr/>
-          <p:nvPr/>
-        </p:nvSpPr>
-        <p:spPr>
-          <a:xfrm>
-            <a:off x="3837305" y="5054600"/>
-            <a:ext cx="1868805" cy="520700"/>
-          </a:xfrm>
-          <a:prstGeom prst="leftArrow">
-            <a:avLst/>
-          </a:prstGeom>
-          <a:solidFill>
-            <a:schemeClr val="bg1"/>
-          </a:solidFill>
-        </p:spPr>
-        <p:style>
-          <a:lnRef idx="2">
-            <a:schemeClr val="accent1">
-              <a:shade val="50000"/>
-            </a:schemeClr>
-          </a:lnRef>
-          <a:fillRef idx="1">
-            <a:schemeClr val="accent1"/>
-          </a:fillRef>
-          <a:effectRef idx="0">
-            <a:schemeClr val="accent1"/>
-          </a:effectRef>
-          <a:fontRef idx="minor">
-            <a:schemeClr val="lt1"/>
-          </a:fontRef>
-        </p:style>
-        <p:txBody>
-          <a:bodyPr rtlCol="0" anchor="ctr"/>
-          <a:p>
-            <a:pPr algn="ctr"/>
-            <a:endParaRPr lang="zh-CN" altLang="en-US"/>
-          </a:p>
-        </p:txBody>
-      </p:sp>
-      <p:sp>
-        <p:nvSpPr>
-          <p:cNvPr id="16" name="文本框 15"/>
-          <p:cNvSpPr txBox="1"/>
-          <p:nvPr/>
-        </p:nvSpPr>
-        <p:spPr>
-          <a:xfrm>
-            <a:off x="9679305" y="2411730"/>
-            <a:ext cx="2419985" cy="460375"/>
-          </a:xfrm>
-          <a:prstGeom prst="rect">
-            <a:avLst/>
-          </a:prstGeom>
-          <a:noFill/>
-        </p:spPr>
-        <p:txBody>
-          <a:bodyPr wrap="square" rtlCol="0">
-            <a:spAutoFit/>
-          </a:bodyPr>
-          <a:p>
-            <a:r>
-              <a:rPr lang="zh-CN" altLang="en-US" sz="2400"/>
-              <a:t>被</a:t>
-            </a:r>
-            <a:r>
-              <a:rPr lang="en-US" altLang="zh-CN" sz="2400"/>
-              <a:t>Scene</a:t>
-            </a:r>
-            <a:r>
-              <a:rPr lang="zh-CN" altLang="en-US" sz="2400"/>
-              <a:t>管理</a:t>
-            </a:r>
-            <a:endParaRPr lang="zh-CN" altLang="en-US" sz="2400"/>
-          </a:p>
-        </p:txBody>
-      </p:sp>
-      <p:sp>
-        <p:nvSpPr>
-          <p:cNvPr id="17" name="文本框 16"/>
-          <p:cNvSpPr txBox="1"/>
-          <p:nvPr/>
-        </p:nvSpPr>
-        <p:spPr>
-          <a:xfrm>
-            <a:off x="9679305" y="4899660"/>
-            <a:ext cx="2419985" cy="460375"/>
-          </a:xfrm>
-          <a:prstGeom prst="rect">
-            <a:avLst/>
-          </a:prstGeom>
-          <a:noFill/>
-        </p:spPr>
-        <p:txBody>
-          <a:bodyPr wrap="square" rtlCol="0">
-            <a:spAutoFit/>
-          </a:bodyPr>
-          <a:p>
-            <a:r>
-              <a:rPr lang="zh-CN" altLang="en-US" sz="2400"/>
-              <a:t>获取渲染资源</a:t>
-            </a:r>
-            <a:endParaRPr lang="zh-CN" altLang="en-US" sz="2400"/>
           </a:p>
         </p:txBody>
       </p:sp>
@@ -9713,7 +9923,7 @@
                   </a:outerShdw>
                 </a:effectLst>
               </a:rPr>
-              <a:t>底层渲染器展示</a:t>
+              <a:t>底层渲染器图解</a:t>
             </a:r>
             <a:endParaRPr lang="zh-CN" altLang="en-US">
               <a:solidFill>
@@ -9730,42 +9940,256 @@
           </a:p>
         </p:txBody>
       </p:sp>
-      <p:pic>
-        <p:nvPicPr>
-          <p:cNvPr id="4" name="内容占位符 3"/>
-          <p:cNvPicPr>
-            <a:picLocks noChangeAspect="1"/>
-          </p:cNvPicPr>
-          <p:nvPr>
-            <p:ph idx="1"/>
-          </p:nvPr>
-        </p:nvPicPr>
-        <p:blipFill>
-          <a:blip r:embed="rId1"/>
-          <a:stretch>
-            <a:fillRect/>
-          </a:stretch>
-        </p:blipFill>
+      <p:sp>
+        <p:nvSpPr>
+          <p:cNvPr id="3" name="矩形 2"/>
+          <p:cNvSpPr/>
+          <p:nvPr/>
+        </p:nvSpPr>
         <p:spPr>
           <a:xfrm>
-            <a:off x="971550" y="1904365"/>
-            <a:ext cx="4238625" cy="4210050"/>
+            <a:off x="295910" y="1718310"/>
+            <a:ext cx="3410585" cy="2046605"/>
           </a:xfrm>
           <a:prstGeom prst="rect">
             <a:avLst/>
           </a:prstGeom>
         </p:spPr>
-      </p:pic>
-      <p:sp>
-        <p:nvSpPr>
-          <p:cNvPr id="5" name="文本框 4"/>
+        <p:style>
+          <a:lnRef idx="2">
+            <a:schemeClr val="accent6">
+              <a:shade val="50000"/>
+            </a:schemeClr>
+          </a:lnRef>
+          <a:fillRef idx="1">
+            <a:schemeClr val="accent6"/>
+          </a:fillRef>
+          <a:effectRef idx="0">
+            <a:schemeClr val="accent6"/>
+          </a:effectRef>
+          <a:fontRef idx="minor">
+            <a:schemeClr val="lt1"/>
+          </a:fontRef>
+        </p:style>
+        <p:txBody>
+          <a:bodyPr rtlCol="0" anchor="ctr"/>
+          <a:p>
+            <a:pPr algn="ctr"/>
+            <a:r>
+              <a:rPr lang="en-US" altLang="zh-CN" sz="3200" b="1">
+                <a:solidFill>
+                  <a:schemeClr val="tx1"/>
+                </a:solidFill>
+              </a:rPr>
+              <a:t>Scene</a:t>
+            </a:r>
+            <a:endParaRPr lang="en-US" altLang="zh-CN" sz="3200" b="1">
+              <a:solidFill>
+                <a:schemeClr val="tx1"/>
+              </a:solidFill>
+            </a:endParaRPr>
+          </a:p>
+        </p:txBody>
+      </p:sp>
+      <p:sp>
+        <p:nvSpPr>
+          <p:cNvPr id="6" name="矩形 5"/>
+          <p:cNvSpPr/>
+          <p:nvPr/>
+        </p:nvSpPr>
+        <p:spPr>
+          <a:xfrm>
+            <a:off x="6109970" y="1718310"/>
+            <a:ext cx="3410585" cy="2047240"/>
+          </a:xfrm>
+          <a:prstGeom prst="rect">
+            <a:avLst/>
+          </a:prstGeom>
+        </p:spPr>
+        <p:style>
+          <a:lnRef idx="3">
+            <a:schemeClr val="lt1"/>
+          </a:lnRef>
+          <a:fillRef idx="1">
+            <a:schemeClr val="accent2"/>
+          </a:fillRef>
+          <a:effectRef idx="1">
+            <a:schemeClr val="accent2"/>
+          </a:effectRef>
+          <a:fontRef idx="minor">
+            <a:schemeClr val="lt1"/>
+          </a:fontRef>
+        </p:style>
+        <p:txBody>
+          <a:bodyPr rtlCol="0" anchor="ctr"/>
+          <a:p>
+            <a:pPr algn="ctr"/>
+            <a:r>
+              <a:rPr lang="zh-CN" altLang="en-US" sz="3200" b="1">
+                <a:solidFill>
+                  <a:schemeClr val="tx1"/>
+                </a:solidFill>
+              </a:rPr>
+              <a:t>游戏物体</a:t>
+            </a:r>
+            <a:endParaRPr lang="zh-CN" altLang="en-US" sz="3200" b="1">
+              <a:solidFill>
+                <a:schemeClr val="tx1"/>
+              </a:solidFill>
+            </a:endParaRPr>
+          </a:p>
+        </p:txBody>
+      </p:sp>
+      <p:sp>
+        <p:nvSpPr>
+          <p:cNvPr id="10" name="右箭头 9"/>
+          <p:cNvSpPr/>
+          <p:nvPr/>
+        </p:nvSpPr>
+        <p:spPr>
+          <a:xfrm>
+            <a:off x="3939540" y="2607310"/>
+            <a:ext cx="1766570" cy="459740"/>
+          </a:xfrm>
+          <a:prstGeom prst="rightArrow">
+            <a:avLst/>
+          </a:prstGeom>
+          <a:solidFill>
+            <a:schemeClr val="bg1"/>
+          </a:solidFill>
+        </p:spPr>
+        <p:style>
+          <a:lnRef idx="2">
+            <a:schemeClr val="accent1">
+              <a:shade val="50000"/>
+            </a:schemeClr>
+          </a:lnRef>
+          <a:fillRef idx="1">
+            <a:schemeClr val="accent1"/>
+          </a:fillRef>
+          <a:effectRef idx="0">
+            <a:schemeClr val="accent1"/>
+          </a:effectRef>
+          <a:fontRef idx="minor">
+            <a:schemeClr val="lt1"/>
+          </a:fontRef>
+        </p:style>
+        <p:txBody>
+          <a:bodyPr rtlCol="0" anchor="ctr"/>
+          <a:p>
+            <a:pPr algn="ctr"/>
+            <a:endParaRPr lang="zh-CN" altLang="en-US"/>
+          </a:p>
+        </p:txBody>
+      </p:sp>
+      <p:sp>
+        <p:nvSpPr>
+          <p:cNvPr id="7" name="矩形 6"/>
+          <p:cNvSpPr/>
+          <p:nvPr/>
+        </p:nvSpPr>
+        <p:spPr>
+          <a:xfrm>
+            <a:off x="296545" y="4255135"/>
+            <a:ext cx="3308350" cy="2047875"/>
+          </a:xfrm>
+          <a:prstGeom prst="rect">
+            <a:avLst/>
+          </a:prstGeom>
+        </p:spPr>
+        <p:style>
+          <a:lnRef idx="3">
+            <a:schemeClr val="lt1"/>
+          </a:lnRef>
+          <a:fillRef idx="1">
+            <a:schemeClr val="accent2"/>
+          </a:fillRef>
+          <a:effectRef idx="1">
+            <a:schemeClr val="accent2"/>
+          </a:effectRef>
+          <a:fontRef idx="minor">
+            <a:schemeClr val="lt1"/>
+          </a:fontRef>
+        </p:style>
+        <p:txBody>
+          <a:bodyPr rtlCol="0" anchor="ctr"/>
+          <a:p>
+            <a:pPr algn="ctr"/>
+            <a:r>
+              <a:rPr lang="zh-CN" altLang="en-US" sz="3200" b="1">
+                <a:solidFill>
+                  <a:schemeClr val="tx1"/>
+                </a:solidFill>
+              </a:rPr>
+              <a:t>底层渲染模块</a:t>
+            </a:r>
+            <a:endParaRPr lang="zh-CN" altLang="en-US" sz="3200" b="1">
+              <a:solidFill>
+                <a:schemeClr val="tx1"/>
+              </a:solidFill>
+            </a:endParaRPr>
+          </a:p>
+        </p:txBody>
+      </p:sp>
+      <p:sp>
+        <p:nvSpPr>
+          <p:cNvPr id="11" name="矩形 10"/>
+          <p:cNvSpPr/>
+          <p:nvPr/>
+        </p:nvSpPr>
+        <p:spPr>
+          <a:xfrm>
+            <a:off x="6109970" y="4261485"/>
+            <a:ext cx="3410585" cy="2046605"/>
+          </a:xfrm>
+          <a:prstGeom prst="rect">
+            <a:avLst/>
+          </a:prstGeom>
+        </p:spPr>
+        <p:style>
+          <a:lnRef idx="3">
+            <a:schemeClr val="lt1"/>
+          </a:lnRef>
+          <a:fillRef idx="1">
+            <a:schemeClr val="accent1"/>
+          </a:fillRef>
+          <a:effectRef idx="1">
+            <a:schemeClr val="accent1"/>
+          </a:effectRef>
+          <a:fontRef idx="minor">
+            <a:schemeClr val="lt1"/>
+          </a:fontRef>
+        </p:style>
+        <p:txBody>
+          <a:bodyPr rtlCol="0" anchor="ctr"/>
+          <a:p>
+            <a:pPr algn="ctr"/>
+            <a:r>
+              <a:rPr lang="zh-CN" altLang="en-US" sz="3200" b="1">
+                <a:solidFill>
+                  <a:schemeClr val="tx1"/>
+                </a:solidFill>
+              </a:rPr>
+              <a:t>资源管理模块</a:t>
+            </a:r>
+            <a:endParaRPr lang="zh-CN" altLang="en-US" sz="3200" b="1">
+              <a:solidFill>
+                <a:schemeClr val="tx1"/>
+              </a:solidFill>
+            </a:endParaRPr>
+          </a:p>
+        </p:txBody>
+      </p:sp>
+      <p:sp>
+        <p:nvSpPr>
+          <p:cNvPr id="12" name="文本框 11"/>
           <p:cNvSpPr txBox="1"/>
           <p:nvPr/>
         </p:nvSpPr>
         <p:spPr>
           <a:xfrm>
-            <a:off x="1637665" y="6313805"/>
-            <a:ext cx="2905760" cy="460375"/>
+            <a:off x="4246245" y="2228850"/>
+            <a:ext cx="948690" cy="460375"/>
           </a:xfrm>
           <a:prstGeom prst="rect">
             <a:avLst/>
@@ -9777,49 +10201,24 @@
             <a:spAutoFit/>
           </a:bodyPr>
           <a:p>
-            <a:pPr algn="ctr"/>
             <a:r>
               <a:rPr lang="zh-CN" altLang="en-US" sz="2400"/>
-              <a:t>模型渲染</a:t>
+              <a:t>管理</a:t>
             </a:r>
             <a:endParaRPr lang="zh-CN" altLang="en-US" sz="2400"/>
           </a:p>
         </p:txBody>
       </p:sp>
-      <p:pic>
-        <p:nvPicPr>
-          <p:cNvPr id="6" name="图片 5"/>
-          <p:cNvPicPr>
-            <a:picLocks noChangeAspect="1"/>
-          </p:cNvPicPr>
-          <p:nvPr/>
-        </p:nvPicPr>
-        <p:blipFill>
-          <a:blip r:embed="rId2"/>
-          <a:stretch>
-            <a:fillRect/>
-          </a:stretch>
-        </p:blipFill>
-        <p:spPr>
-          <a:xfrm>
-            <a:off x="5960745" y="1903730"/>
-            <a:ext cx="5594350" cy="4210685"/>
-          </a:xfrm>
-          <a:prstGeom prst="rect">
-            <a:avLst/>
-          </a:prstGeom>
-        </p:spPr>
-      </p:pic>
-      <p:sp>
-        <p:nvSpPr>
-          <p:cNvPr id="7" name="文本框 6"/>
+      <p:sp>
+        <p:nvSpPr>
+          <p:cNvPr id="13" name="文本框 12"/>
           <p:cNvSpPr txBox="1"/>
           <p:nvPr/>
         </p:nvSpPr>
         <p:spPr>
           <a:xfrm>
-            <a:off x="6708775" y="6313805"/>
-            <a:ext cx="4330700" cy="460375"/>
+            <a:off x="4187825" y="4594225"/>
+            <a:ext cx="1465580" cy="460375"/>
           </a:xfrm>
           <a:prstGeom prst="rect">
             <a:avLst/>
@@ -9831,10 +10230,117 @@
             <a:spAutoFit/>
           </a:bodyPr>
           <a:p>
+            <a:r>
+              <a:rPr lang="zh-CN" altLang="en-US" sz="2400"/>
+              <a:t>获取资源</a:t>
+            </a:r>
+            <a:endParaRPr lang="zh-CN" altLang="en-US" sz="2400"/>
+          </a:p>
+        </p:txBody>
+      </p:sp>
+      <p:sp>
+        <p:nvSpPr>
+          <p:cNvPr id="14" name="左箭头 13"/>
+          <p:cNvSpPr/>
+          <p:nvPr/>
+        </p:nvSpPr>
+        <p:spPr>
+          <a:xfrm>
+            <a:off x="3837305" y="5054600"/>
+            <a:ext cx="1868805" cy="520700"/>
+          </a:xfrm>
+          <a:prstGeom prst="leftArrow">
+            <a:avLst/>
+          </a:prstGeom>
+          <a:solidFill>
+            <a:schemeClr val="bg1"/>
+          </a:solidFill>
+        </p:spPr>
+        <p:style>
+          <a:lnRef idx="2">
+            <a:schemeClr val="accent1">
+              <a:shade val="50000"/>
+            </a:schemeClr>
+          </a:lnRef>
+          <a:fillRef idx="1">
+            <a:schemeClr val="accent1"/>
+          </a:fillRef>
+          <a:effectRef idx="0">
+            <a:schemeClr val="accent1"/>
+          </a:effectRef>
+          <a:fontRef idx="minor">
+            <a:schemeClr val="lt1"/>
+          </a:fontRef>
+        </p:style>
+        <p:txBody>
+          <a:bodyPr rtlCol="0" anchor="ctr"/>
+          <a:p>
             <a:pPr algn="ctr"/>
+            <a:endParaRPr lang="zh-CN" altLang="en-US"/>
+          </a:p>
+        </p:txBody>
+      </p:sp>
+      <p:sp>
+        <p:nvSpPr>
+          <p:cNvPr id="16" name="文本框 15"/>
+          <p:cNvSpPr txBox="1"/>
+          <p:nvPr/>
+        </p:nvSpPr>
+        <p:spPr>
+          <a:xfrm>
+            <a:off x="9679305" y="2411730"/>
+            <a:ext cx="2419985" cy="460375"/>
+          </a:xfrm>
+          <a:prstGeom prst="rect">
+            <a:avLst/>
+          </a:prstGeom>
+          <a:noFill/>
+        </p:spPr>
+        <p:txBody>
+          <a:bodyPr wrap="square" rtlCol="0">
+            <a:spAutoFit/>
+          </a:bodyPr>
+          <a:p>
             <a:r>
               <a:rPr lang="zh-CN" altLang="en-US" sz="2400"/>
-              <a:t>方向光打在地球上</a:t>
+              <a:t>被</a:t>
+            </a:r>
+            <a:r>
+              <a:rPr lang="en-US" altLang="zh-CN" sz="2400"/>
+              <a:t>Scene</a:t>
+            </a:r>
+            <a:r>
+              <a:rPr lang="zh-CN" altLang="en-US" sz="2400"/>
+              <a:t>管理</a:t>
+            </a:r>
+            <a:endParaRPr lang="zh-CN" altLang="en-US" sz="2400"/>
+          </a:p>
+        </p:txBody>
+      </p:sp>
+      <p:sp>
+        <p:nvSpPr>
+          <p:cNvPr id="17" name="文本框 16"/>
+          <p:cNvSpPr txBox="1"/>
+          <p:nvPr/>
+        </p:nvSpPr>
+        <p:spPr>
+          <a:xfrm>
+            <a:off x="9679305" y="4899660"/>
+            <a:ext cx="2419985" cy="460375"/>
+          </a:xfrm>
+          <a:prstGeom prst="rect">
+            <a:avLst/>
+          </a:prstGeom>
+          <a:noFill/>
+        </p:spPr>
+        <p:txBody>
+          <a:bodyPr wrap="square" rtlCol="0">
+            <a:spAutoFit/>
+          </a:bodyPr>
+          <a:p>
+            <a:r>
+              <a:rPr lang="zh-CN" altLang="en-US" sz="2400"/>
+              <a:t>获取渲染资源</a:t>
             </a:r>
             <a:endParaRPr lang="zh-CN" altLang="en-US" sz="2400"/>
           </a:p>
@@ -9842,7 +10348,7 @@
       </p:sp>
     </p:spTree>
     <p:custDataLst>
-      <p:tags r:id="rId3"/>
+      <p:tags r:id="rId1"/>
     </p:custDataLst>
   </p:cSld>
   <p:clrMapOvr>
@@ -9873,9 +10379,7 @@
         </p:nvSpPr>
         <p:spPr/>
         <p:txBody>
-          <a:bodyPr>
-            <a:normAutofit/>
-          </a:bodyPr>
+          <a:bodyPr/>
           <a:p>
             <a:r>
               <a:rPr lang="zh-CN" altLang="en-US">
@@ -9889,7 +10393,6 @@
                     </a:schemeClr>
                   </a:outerShdw>
                 </a:effectLst>
-                <a:sym typeface="+mn-ea"/>
               </a:rPr>
               <a:t>底层渲染器展示</a:t>
             </a:r>
@@ -9904,7 +10407,6 @@
                   </a:schemeClr>
                 </a:outerShdw>
               </a:effectLst>
-              <a:sym typeface="+mn-ea"/>
             </a:endParaRPr>
           </a:p>
         </p:txBody>
@@ -9927,8 +10429,8 @@
         </p:blipFill>
         <p:spPr>
           <a:xfrm>
-            <a:off x="6610985" y="1561465"/>
-            <a:ext cx="5192395" cy="3735070"/>
+            <a:off x="971550" y="1904365"/>
+            <a:ext cx="4238625" cy="4210050"/>
           </a:xfrm>
           <a:prstGeom prst="rect">
             <a:avLst/>
@@ -9943,8 +10445,8 @@
         </p:nvSpPr>
         <p:spPr>
           <a:xfrm>
-            <a:off x="7052945" y="5652135"/>
-            <a:ext cx="4308475" cy="460375"/>
+            <a:off x="1637665" y="6313805"/>
+            <a:ext cx="2905760" cy="460375"/>
           </a:xfrm>
           <a:prstGeom prst="rect">
             <a:avLst/>
@@ -9959,7 +10461,7 @@
             <a:pPr algn="ctr"/>
             <a:r>
               <a:rPr lang="zh-CN" altLang="en-US" sz="2400"/>
-              <a:t>聚光灯打在地面上形成内外圈</a:t>
+              <a:t>模型渲染</a:t>
             </a:r>
             <a:endParaRPr lang="zh-CN" altLang="en-US" sz="2400"/>
           </a:p>
@@ -9981,8 +10483,8 @@
         </p:blipFill>
         <p:spPr>
           <a:xfrm>
-            <a:off x="896620" y="1613535"/>
-            <a:ext cx="5102860" cy="3630930"/>
+            <a:off x="5960745" y="1903730"/>
+            <a:ext cx="5594350" cy="4210685"/>
           </a:xfrm>
           <a:prstGeom prst="rect">
             <a:avLst/>
@@ -9997,8 +10499,8 @@
         </p:nvSpPr>
         <p:spPr>
           <a:xfrm>
-            <a:off x="1393190" y="5568315"/>
-            <a:ext cx="4347210" cy="460375"/>
+            <a:off x="6708775" y="6313805"/>
+            <a:ext cx="4330700" cy="460375"/>
           </a:xfrm>
           <a:prstGeom prst="rect">
             <a:avLst/>
@@ -10013,7 +10515,7 @@
             <a:pPr algn="ctr"/>
             <a:r>
               <a:rPr lang="zh-CN" altLang="en-US" sz="2400"/>
-              <a:t>点光源从左边照射在小球上</a:t>
+              <a:t>方向光打在地球上</a:t>
             </a:r>
             <a:endParaRPr lang="zh-CN" altLang="en-US" sz="2400"/>
           </a:p>
@@ -10050,12 +10552,7 @@
             <p:ph type="title"/>
           </p:nvPr>
         </p:nvSpPr>
-        <p:spPr>
-          <a:xfrm>
-            <a:off x="838200" y="392430"/>
-            <a:ext cx="10786745" cy="1515110"/>
-          </a:xfrm>
-        </p:spPr>
+        <p:spPr/>
         <p:txBody>
           <a:bodyPr>
             <a:normAutofit/>
@@ -10111,8 +10608,8 @@
         </p:blipFill>
         <p:spPr>
           <a:xfrm>
-            <a:off x="548005" y="2007870"/>
-            <a:ext cx="4910455" cy="3462655"/>
+            <a:off x="6610985" y="1561465"/>
+            <a:ext cx="5192395" cy="3735070"/>
           </a:xfrm>
           <a:prstGeom prst="rect">
             <a:avLst/>
@@ -10127,8 +10624,8 @@
         </p:nvSpPr>
         <p:spPr>
           <a:xfrm>
-            <a:off x="1574800" y="5877560"/>
-            <a:ext cx="2856865" cy="460375"/>
+            <a:off x="7052945" y="5652135"/>
+            <a:ext cx="4308475" cy="460375"/>
           </a:xfrm>
           <a:prstGeom prst="rect">
             <a:avLst/>
@@ -10143,7 +10640,7 @@
             <a:pPr algn="ctr"/>
             <a:r>
               <a:rPr lang="zh-CN" altLang="en-US" sz="2400"/>
-              <a:t>天空盒</a:t>
+              <a:t>聚光灯打在地面上形成内外圈</a:t>
             </a:r>
             <a:endParaRPr lang="zh-CN" altLang="en-US" sz="2400"/>
           </a:p>
@@ -10151,7 +10648,7 @@
       </p:sp>
       <p:pic>
         <p:nvPicPr>
-          <p:cNvPr id="7" name="图片 6"/>
+          <p:cNvPr id="6" name="图片 5"/>
           <p:cNvPicPr>
             <a:picLocks noChangeAspect="1"/>
           </p:cNvPicPr>
@@ -10165,8 +10662,8 @@
         </p:blipFill>
         <p:spPr>
           <a:xfrm>
-            <a:off x="6638290" y="1783080"/>
-            <a:ext cx="4879340" cy="3753485"/>
+            <a:off x="896620" y="1613535"/>
+            <a:ext cx="5102860" cy="3630930"/>
           </a:xfrm>
           <a:prstGeom prst="rect">
             <a:avLst/>
@@ -10175,14 +10672,14 @@
       </p:pic>
       <p:sp>
         <p:nvSpPr>
-          <p:cNvPr id="8" name="文本框 7"/>
+          <p:cNvPr id="7" name="文本框 6"/>
           <p:cNvSpPr txBox="1"/>
           <p:nvPr/>
         </p:nvSpPr>
         <p:spPr>
           <a:xfrm>
-            <a:off x="7679690" y="5951855"/>
-            <a:ext cx="3079115" cy="460375"/>
+            <a:off x="1393190" y="5568315"/>
+            <a:ext cx="4347210" cy="460375"/>
           </a:xfrm>
           <a:prstGeom prst="rect">
             <a:avLst/>
@@ -10197,7 +10694,7 @@
             <a:pPr algn="ctr"/>
             <a:r>
               <a:rPr lang="zh-CN" altLang="en-US" sz="2400"/>
-              <a:t>地面绘制</a:t>
+              <a:t>点光源从左边照射在小球上</a:t>
             </a:r>
             <a:endParaRPr lang="zh-CN" altLang="en-US" sz="2400"/>
           </a:p>
@@ -10234,9 +10731,16 @@
             <p:ph type="title"/>
           </p:nvPr>
         </p:nvSpPr>
-        <p:spPr/>
-        <p:txBody>
-          <a:bodyPr/>
+        <p:spPr>
+          <a:xfrm>
+            <a:off x="838200" y="392430"/>
+            <a:ext cx="10786745" cy="1515110"/>
+          </a:xfrm>
+        </p:spPr>
+        <p:txBody>
+          <a:bodyPr>
+            <a:normAutofit/>
+          </a:bodyPr>
           <a:p>
             <a:r>
               <a:rPr lang="zh-CN" altLang="en-US">
@@ -10272,7 +10776,7 @@
       </p:sp>
       <p:pic>
         <p:nvPicPr>
-          <p:cNvPr id="6" name="内容占位符 5"/>
+          <p:cNvPr id="4" name="内容占位符 3"/>
           <p:cNvPicPr>
             <a:picLocks noChangeAspect="1"/>
           </p:cNvPicPr>
@@ -10288,8 +10792,8 @@
         </p:blipFill>
         <p:spPr>
           <a:xfrm>
-            <a:off x="2142490" y="2252345"/>
-            <a:ext cx="1609725" cy="2352675"/>
+            <a:off x="548005" y="2007870"/>
+            <a:ext cx="4910455" cy="3462655"/>
           </a:xfrm>
           <a:prstGeom prst="rect">
             <a:avLst/>
@@ -10298,14 +10802,14 @@
       </p:pic>
       <p:sp>
         <p:nvSpPr>
-          <p:cNvPr id="7" name="文本框 6"/>
+          <p:cNvPr id="5" name="文本框 4"/>
           <p:cNvSpPr txBox="1"/>
           <p:nvPr/>
         </p:nvSpPr>
         <p:spPr>
           <a:xfrm>
-            <a:off x="1075690" y="5003165"/>
-            <a:ext cx="3743325" cy="460375"/>
+            <a:off x="1574800" y="5877560"/>
+            <a:ext cx="2856865" cy="460375"/>
           </a:xfrm>
           <a:prstGeom prst="rect">
             <a:avLst/>
@@ -10317,17 +10821,10 @@
             <a:spAutoFit/>
           </a:bodyPr>
           <a:p>
+            <a:pPr algn="ctr"/>
             <a:r>
               <a:rPr lang="zh-CN" altLang="en-US" sz="2400"/>
-              <a:t>粒子系统</a:t>
-            </a:r>
-            <a:r>
-              <a:rPr lang="en-US" altLang="zh-CN" sz="2400"/>
-              <a:t>——</a:t>
-            </a:r>
-            <a:r>
-              <a:rPr lang="zh-CN" altLang="en-US" sz="2400"/>
-              <a:t>旋涡状粒子</a:t>
+              <a:t>天空盒</a:t>
             </a:r>
             <a:endParaRPr lang="zh-CN" altLang="en-US" sz="2400"/>
           </a:p>
@@ -10335,7 +10832,7 @@
       </p:sp>
       <p:pic>
         <p:nvPicPr>
-          <p:cNvPr id="8" name="图片 7"/>
+          <p:cNvPr id="7" name="图片 6"/>
           <p:cNvPicPr>
             <a:picLocks noChangeAspect="1"/>
           </p:cNvPicPr>
@@ -10349,8 +10846,8 @@
         </p:blipFill>
         <p:spPr>
           <a:xfrm>
-            <a:off x="7771130" y="2007235"/>
-            <a:ext cx="1819275" cy="2694940"/>
+            <a:off x="6638290" y="1783080"/>
+            <a:ext cx="4879340" cy="3753485"/>
           </a:xfrm>
           <a:prstGeom prst="rect">
             <a:avLst/>
@@ -10359,14 +10856,14 @@
       </p:pic>
       <p:sp>
         <p:nvSpPr>
-          <p:cNvPr id="9" name="文本框 8"/>
+          <p:cNvPr id="8" name="文本框 7"/>
           <p:cNvSpPr txBox="1"/>
           <p:nvPr/>
         </p:nvSpPr>
         <p:spPr>
           <a:xfrm>
-            <a:off x="6766560" y="5095240"/>
-            <a:ext cx="3828415" cy="460375"/>
+            <a:off x="7679690" y="5951855"/>
+            <a:ext cx="3079115" cy="460375"/>
           </a:xfrm>
           <a:prstGeom prst="rect">
             <a:avLst/>
@@ -10381,15 +10878,7 @@
             <a:pPr algn="ctr"/>
             <a:r>
               <a:rPr lang="zh-CN" altLang="en-US" sz="2400"/>
-              <a:t>粒子系统</a:t>
-            </a:r>
-            <a:r>
-              <a:rPr lang="en-US" altLang="zh-CN" sz="2400"/>
-              <a:t>——</a:t>
-            </a:r>
-            <a:r>
-              <a:rPr lang="zh-CN" altLang="en-US" sz="2400"/>
-              <a:t>萤火虫</a:t>
+              <a:t>地面绘制</a:t>
             </a:r>
             <a:endParaRPr lang="zh-CN" altLang="en-US" sz="2400"/>
           </a:p>
@@ -10426,16 +10915,9 @@
             <p:ph type="title"/>
           </p:nvPr>
         </p:nvSpPr>
-        <p:spPr>
-          <a:xfrm>
-            <a:off x="838200" y="63470"/>
-            <a:ext cx="10515600" cy="1325563"/>
-          </a:xfrm>
-        </p:spPr>
-        <p:txBody>
-          <a:bodyPr>
-            <a:normAutofit/>
-          </a:bodyPr>
+        <p:spPr/>
+        <p:txBody>
+          <a:bodyPr/>
           <a:p>
             <a:r>
               <a:rPr lang="zh-CN" altLang="en-US">
@@ -10471,7 +10953,7 @@
       </p:sp>
       <p:pic>
         <p:nvPicPr>
-          <p:cNvPr id="4" name="内容占位符 3"/>
+          <p:cNvPr id="6" name="内容占位符 5"/>
           <p:cNvPicPr>
             <a:picLocks noChangeAspect="1"/>
           </p:cNvPicPr>
@@ -10487,8 +10969,8 @@
         </p:blipFill>
         <p:spPr>
           <a:xfrm>
-            <a:off x="354965" y="1389380"/>
-            <a:ext cx="5259705" cy="3626485"/>
+            <a:off x="2142490" y="2252345"/>
+            <a:ext cx="1609725" cy="2352675"/>
           </a:xfrm>
           <a:prstGeom prst="rect">
             <a:avLst/>
@@ -10497,14 +10979,14 @@
       </p:pic>
       <p:sp>
         <p:nvSpPr>
-          <p:cNvPr id="5" name="文本框 4"/>
+          <p:cNvPr id="7" name="文本框 6"/>
           <p:cNvSpPr txBox="1"/>
           <p:nvPr/>
         </p:nvSpPr>
         <p:spPr>
           <a:xfrm>
-            <a:off x="1546860" y="5383530"/>
-            <a:ext cx="3011805" cy="460375"/>
+            <a:off x="1075690" y="5003165"/>
+            <a:ext cx="3743325" cy="460375"/>
           </a:xfrm>
           <a:prstGeom prst="rect">
             <a:avLst/>
@@ -10516,18 +10998,17 @@
             <a:spAutoFit/>
           </a:bodyPr>
           <a:p>
-            <a:pPr algn="ctr"/>
             <a:r>
               <a:rPr lang="zh-CN" altLang="en-US" sz="2400"/>
-              <a:t>雾化</a:t>
+              <a:t>粒子系统</a:t>
             </a:r>
             <a:r>
               <a:rPr lang="en-US" altLang="zh-CN" sz="2400"/>
-              <a:t>Obj——</a:t>
+              <a:t>——</a:t>
             </a:r>
             <a:r>
               <a:rPr lang="zh-CN" altLang="en-US" sz="2400"/>
-              <a:t>远处时</a:t>
+              <a:t>旋涡状粒子</a:t>
             </a:r>
             <a:endParaRPr lang="zh-CN" altLang="en-US" sz="2400"/>
           </a:p>
@@ -10535,7 +11016,7 @@
       </p:sp>
       <p:pic>
         <p:nvPicPr>
-          <p:cNvPr id="6" name="图片 5"/>
+          <p:cNvPr id="8" name="图片 7"/>
           <p:cNvPicPr>
             <a:picLocks noChangeAspect="1"/>
           </p:cNvPicPr>
@@ -10549,8 +11030,8 @@
         </p:blipFill>
         <p:spPr>
           <a:xfrm>
-            <a:off x="6224270" y="1254125"/>
-            <a:ext cx="5375910" cy="3761740"/>
+            <a:off x="7771130" y="2007235"/>
+            <a:ext cx="1819275" cy="2694940"/>
           </a:xfrm>
           <a:prstGeom prst="rect">
             <a:avLst/>
@@ -10559,14 +11040,14 @@
       </p:pic>
       <p:sp>
         <p:nvSpPr>
-          <p:cNvPr id="7" name="文本框 6"/>
+          <p:cNvPr id="9" name="文本框 8"/>
           <p:cNvSpPr txBox="1"/>
           <p:nvPr/>
         </p:nvSpPr>
         <p:spPr>
           <a:xfrm>
-            <a:off x="7381240" y="5383530"/>
-            <a:ext cx="3062605" cy="460375"/>
+            <a:off x="6766560" y="5095240"/>
+            <a:ext cx="3828415" cy="460375"/>
           </a:xfrm>
           <a:prstGeom prst="rect">
             <a:avLst/>
@@ -10581,15 +11062,15 @@
             <a:pPr algn="ctr"/>
             <a:r>
               <a:rPr lang="zh-CN" altLang="en-US" sz="2400"/>
-              <a:t>雾化</a:t>
+              <a:t>粒子系统</a:t>
             </a:r>
             <a:r>
               <a:rPr lang="en-US" altLang="zh-CN" sz="2400"/>
-              <a:t>Obj——</a:t>
+              <a:t>——</a:t>
             </a:r>
             <a:r>
               <a:rPr lang="zh-CN" altLang="en-US" sz="2400"/>
-              <a:t>近处时</a:t>
+              <a:t>萤火虫</a:t>
             </a:r>
             <a:endParaRPr lang="zh-CN" altLang="en-US" sz="2400"/>
           </a:p>
@@ -11449,8 +11930,8 @@
         </p:nvSpPr>
         <p:spPr>
           <a:xfrm>
-            <a:off x="838200" y="392430"/>
-            <a:ext cx="10598150" cy="1433830"/>
+            <a:off x="838200" y="63470"/>
+            <a:ext cx="10515600" cy="1325563"/>
           </a:xfrm>
         </p:spPr>
         <p:txBody>
@@ -11472,39 +11953,7 @@
                 </a:effectLst>
                 <a:sym typeface="+mn-ea"/>
               </a:rPr>
-              <a:t>底层渲染器</a:t>
-            </a:r>
-            <a:r>
-              <a:rPr lang="en-US" altLang="zh-CN">
-                <a:solidFill>
-                  <a:schemeClr val="tx1"/>
-                </a:solidFill>
-                <a:effectLst>
-                  <a:outerShdw blurRad="38100" dist="19050" dir="2700000" algn="tl" rotWithShape="0">
-                    <a:schemeClr val="dk1">
-                      <a:alpha val="40000"/>
-                    </a:schemeClr>
-                  </a:outerShdw>
-                </a:effectLst>
-                <a:sym typeface="+mn-ea"/>
-              </a:rPr>
-              <a:t>/SDK</a:t>
-            </a:r>
-            <a:r>
-              <a:rPr lang="zh-CN" altLang="en-US">
-                <a:solidFill>
-                  <a:schemeClr val="tx1"/>
-                </a:solidFill>
-                <a:effectLst>
-                  <a:outerShdw blurRad="38100" dist="19050" dir="2700000" algn="tl" rotWithShape="0">
-                    <a:schemeClr val="dk1">
-                      <a:alpha val="40000"/>
-                    </a:schemeClr>
-                  </a:outerShdw>
-                </a:effectLst>
-                <a:sym typeface="+mn-ea"/>
-              </a:rPr>
-              <a:t>相关部分</a:t>
+              <a:t>底层渲染器展示</a:t>
             </a:r>
             <a:endParaRPr lang="zh-CN" altLang="en-US">
               <a:solidFill>
@@ -11522,161 +11971,135 @@
           </a:p>
         </p:txBody>
       </p:sp>
-      <p:sp>
-        <p:nvSpPr>
-          <p:cNvPr id="3" name="内容占位符 2"/>
-          <p:cNvSpPr>
-            <a:spLocks noGrp="1"/>
-          </p:cNvSpPr>
+      <p:pic>
+        <p:nvPicPr>
+          <p:cNvPr id="4" name="内容占位符 3"/>
+          <p:cNvPicPr>
+            <a:picLocks noChangeAspect="1"/>
+          </p:cNvPicPr>
           <p:nvPr>
             <p:ph idx="1"/>
           </p:nvPr>
-        </p:nvSpPr>
-        <p:spPr/>
-        <p:txBody>
-          <a:bodyPr/>
-          <a:p>
-            <a:pPr fontAlgn="auto">
-              <a:lnSpc>
-                <a:spcPct val="200000"/>
-              </a:lnSpc>
-            </a:pPr>
-            <a:r>
-              <a:rPr lang="zh-CN" altLang="en-US"/>
-              <a:t>在CPU抽象出</a:t>
-            </a:r>
-            <a:r>
-              <a:rPr lang="en-US" altLang="zh-CN" b="1">
-                <a:solidFill>
-                  <a:srgbClr val="FF0000"/>
-                </a:solidFill>
-              </a:rPr>
-              <a:t>Shader</a:t>
-            </a:r>
-            <a:r>
-              <a:rPr lang="zh-CN" altLang="en-US"/>
-              <a:t>类、</a:t>
-            </a:r>
-            <a:r>
-              <a:rPr lang="zh-CN" altLang="en-US" b="1">
-                <a:solidFill>
-                  <a:srgbClr val="FF0000"/>
-                </a:solidFill>
-              </a:rPr>
-              <a:t>显存</a:t>
-            </a:r>
-            <a:r>
-              <a:rPr lang="zh-CN" altLang="en-US"/>
-              <a:t>类。</a:t>
-            </a:r>
-            <a:endParaRPr lang="zh-CN" altLang="en-US"/>
-          </a:p>
-          <a:p>
-            <a:pPr fontAlgn="auto">
-              <a:lnSpc>
-                <a:spcPct val="200000"/>
-              </a:lnSpc>
-            </a:pPr>
-            <a:r>
-              <a:rPr lang="zh-CN" altLang="en-US"/>
-              <a:t>引擎</a:t>
-            </a:r>
-            <a:r>
-              <a:rPr lang="zh-CN" altLang="en-US" b="1">
-                <a:solidFill>
-                  <a:srgbClr val="FF0000"/>
-                </a:solidFill>
-              </a:rPr>
-              <a:t>内置</a:t>
-            </a:r>
-            <a:r>
-              <a:rPr lang="en-US" altLang="zh-CN"/>
-              <a:t>Shader</a:t>
-            </a:r>
-            <a:r>
-              <a:rPr lang="zh-CN" altLang="en-US"/>
-              <a:t>程序，并</a:t>
-            </a:r>
-            <a:r>
-              <a:rPr lang="zh-CN" altLang="en-US">
-                <a:solidFill>
-                  <a:schemeClr val="tx1"/>
-                </a:solidFill>
-                <a:sym typeface="+mn-ea"/>
-              </a:rPr>
-              <a:t>支持</a:t>
-            </a:r>
-            <a:r>
-              <a:rPr lang="zh-CN" altLang="en-US">
-                <a:solidFill>
-                  <a:schemeClr val="tx1"/>
-                </a:solidFill>
-                <a:sym typeface="+mn-ea"/>
-              </a:rPr>
-              <a:t>开发者</a:t>
-            </a:r>
-            <a:r>
-              <a:rPr lang="zh-CN" altLang="en-US" b="1">
-                <a:solidFill>
-                  <a:srgbClr val="FF0000"/>
-                </a:solidFill>
-                <a:sym typeface="+mn-ea"/>
-              </a:rPr>
-              <a:t>自定义</a:t>
-            </a:r>
-            <a:r>
-              <a:rPr lang="en-US" altLang="zh-CN">
-                <a:sym typeface="+mn-ea"/>
-              </a:rPr>
-              <a:t>Shader</a:t>
-            </a:r>
-            <a:r>
-              <a:rPr lang="zh-CN" altLang="en-US">
-                <a:sym typeface="+mn-ea"/>
-              </a:rPr>
-              <a:t>程序。</a:t>
-            </a:r>
-            <a:endParaRPr lang="zh-CN" altLang="en-US"/>
-          </a:p>
-          <a:p>
-            <a:pPr fontAlgn="auto">
-              <a:lnSpc>
-                <a:spcPct val="200000"/>
-              </a:lnSpc>
-            </a:pPr>
-            <a:r>
-              <a:rPr lang="zh-CN" altLang="en-US"/>
-              <a:t>业务逻辑与</a:t>
-            </a:r>
-            <a:r>
-              <a:rPr lang="en-US" altLang="zh-CN"/>
-              <a:t>SDK</a:t>
-            </a:r>
-            <a:r>
-              <a:rPr lang="zh-CN" altLang="en-US" b="1">
-                <a:solidFill>
-                  <a:srgbClr val="FF0000"/>
-                </a:solidFill>
-              </a:rPr>
-              <a:t>解耦合</a:t>
-            </a:r>
-            <a:r>
-              <a:rPr lang="zh-CN" altLang="en-US"/>
-              <a:t>。</a:t>
-            </a:r>
-            <a:endParaRPr lang="zh-CN" altLang="en-US"/>
-          </a:p>
-          <a:p>
-            <a:endParaRPr lang="zh-CN" altLang="en-US"/>
-          </a:p>
-          <a:p>
-            <a:endParaRPr lang="zh-CN" altLang="en-US"/>
+        </p:nvPicPr>
+        <p:blipFill>
+          <a:blip r:embed="rId1"/>
+          <a:stretch>
+            <a:fillRect/>
+          </a:stretch>
+        </p:blipFill>
+        <p:spPr>
+          <a:xfrm>
+            <a:off x="354965" y="1389380"/>
+            <a:ext cx="5259705" cy="3626485"/>
+          </a:xfrm>
+          <a:prstGeom prst="rect">
+            <a:avLst/>
+          </a:prstGeom>
+        </p:spPr>
+      </p:pic>
+      <p:sp>
+        <p:nvSpPr>
+          <p:cNvPr id="5" name="文本框 4"/>
+          <p:cNvSpPr txBox="1"/>
+          <p:nvPr/>
+        </p:nvSpPr>
+        <p:spPr>
+          <a:xfrm>
+            <a:off x="1546860" y="5383530"/>
+            <a:ext cx="3011805" cy="460375"/>
+          </a:xfrm>
+          <a:prstGeom prst="rect">
+            <a:avLst/>
+          </a:prstGeom>
+          <a:noFill/>
+        </p:spPr>
+        <p:txBody>
+          <a:bodyPr wrap="square" rtlCol="0">
+            <a:spAutoFit/>
+          </a:bodyPr>
+          <a:p>
+            <a:pPr algn="ctr"/>
+            <a:r>
+              <a:rPr lang="zh-CN" altLang="en-US" sz="2400"/>
+              <a:t>雾化</a:t>
+            </a:r>
+            <a:r>
+              <a:rPr lang="en-US" altLang="zh-CN" sz="2400"/>
+              <a:t>Obj——</a:t>
+            </a:r>
+            <a:r>
+              <a:rPr lang="zh-CN" altLang="en-US" sz="2400"/>
+              <a:t>远处时</a:t>
+            </a:r>
+            <a:endParaRPr lang="zh-CN" altLang="en-US" sz="2400"/>
+          </a:p>
+        </p:txBody>
+      </p:sp>
+      <p:pic>
+        <p:nvPicPr>
+          <p:cNvPr id="6" name="图片 5"/>
+          <p:cNvPicPr>
+            <a:picLocks noChangeAspect="1"/>
+          </p:cNvPicPr>
+          <p:nvPr/>
+        </p:nvPicPr>
+        <p:blipFill>
+          <a:blip r:embed="rId2"/>
+          <a:stretch>
+            <a:fillRect/>
+          </a:stretch>
+        </p:blipFill>
+        <p:spPr>
+          <a:xfrm>
+            <a:off x="6224270" y="1254125"/>
+            <a:ext cx="5375910" cy="3761740"/>
+          </a:xfrm>
+          <a:prstGeom prst="rect">
+            <a:avLst/>
+          </a:prstGeom>
+        </p:spPr>
+      </p:pic>
+      <p:sp>
+        <p:nvSpPr>
+          <p:cNvPr id="7" name="文本框 6"/>
+          <p:cNvSpPr txBox="1"/>
+          <p:nvPr/>
+        </p:nvSpPr>
+        <p:spPr>
+          <a:xfrm>
+            <a:off x="7381240" y="5383530"/>
+            <a:ext cx="3062605" cy="460375"/>
+          </a:xfrm>
+          <a:prstGeom prst="rect">
+            <a:avLst/>
+          </a:prstGeom>
+          <a:noFill/>
+        </p:spPr>
+        <p:txBody>
+          <a:bodyPr wrap="square" rtlCol="0">
+            <a:spAutoFit/>
+          </a:bodyPr>
+          <a:p>
+            <a:pPr algn="ctr"/>
+            <a:r>
+              <a:rPr lang="zh-CN" altLang="en-US" sz="2400"/>
+              <a:t>雾化</a:t>
+            </a:r>
+            <a:r>
+              <a:rPr lang="en-US" altLang="zh-CN" sz="2400"/>
+              <a:t>Obj——</a:t>
+            </a:r>
+            <a:r>
+              <a:rPr lang="zh-CN" altLang="en-US" sz="2400"/>
+              <a:t>近处时</a:t>
+            </a:r>
+            <a:endParaRPr lang="zh-CN" altLang="en-US" sz="2400"/>
           </a:p>
         </p:txBody>
       </p:sp>
     </p:spTree>
     <p:custDataLst>
-      <p:tags r:id="rId1"/>
+      <p:tags r:id="rId3"/>
     </p:custDataLst>
   </p:cSld>
   <p:clrMapOvr>
@@ -11705,9 +12128,16 @@
             <p:ph type="title"/>
           </p:nvPr>
         </p:nvSpPr>
-        <p:spPr/>
-        <p:txBody>
-          <a:bodyPr/>
+        <p:spPr>
+          <a:xfrm>
+            <a:off x="838200" y="392430"/>
+            <a:ext cx="10598150" cy="1433830"/>
+          </a:xfrm>
+        </p:spPr>
+        <p:txBody>
+          <a:bodyPr>
+            <a:normAutofit/>
+          </a:bodyPr>
           <a:p>
             <a:r>
               <a:rPr lang="zh-CN" altLang="en-US">
@@ -11755,7 +12185,7 @@
                 </a:effectLst>
                 <a:sym typeface="+mn-ea"/>
               </a:rPr>
-              <a:t>相关部分图解</a:t>
+              <a:t>相关部分</a:t>
             </a:r>
             <a:endParaRPr lang="zh-CN" altLang="en-US">
               <a:solidFill>
@@ -11775,417 +12205,144 @@
       </p:sp>
       <p:sp>
         <p:nvSpPr>
-          <p:cNvPr id="6" name="文本框 5"/>
-          <p:cNvSpPr txBox="1"/>
-          <p:nvPr/>
-        </p:nvSpPr>
-        <p:spPr>
-          <a:xfrm>
-            <a:off x="9396730" y="2326640"/>
-            <a:ext cx="2366645" cy="829945"/>
-          </a:xfrm>
-          <a:prstGeom prst="rect">
-            <a:avLst/>
-          </a:prstGeom>
-          <a:noFill/>
-        </p:spPr>
-        <p:txBody>
-          <a:bodyPr wrap="square" rtlCol="0">
-            <a:spAutoFit/>
-          </a:bodyPr>
-          <a:p>
-            <a:r>
-              <a:rPr lang="zh-CN" altLang="en-US" sz="2400"/>
-              <a:t>缓冲区和资源</a:t>
-            </a:r>
-            <a:endParaRPr lang="zh-CN" altLang="en-US" sz="2400"/>
-          </a:p>
-          <a:p>
-            <a:r>
-              <a:rPr lang="zh-CN" altLang="en-US" sz="2400"/>
-              <a:t>管理模块交互</a:t>
-            </a:r>
-            <a:endParaRPr lang="zh-CN" altLang="en-US" sz="2400"/>
-          </a:p>
-        </p:txBody>
-      </p:sp>
-      <p:sp>
-        <p:nvSpPr>
-          <p:cNvPr id="7" name="文本框 6"/>
-          <p:cNvSpPr txBox="1"/>
-          <p:nvPr/>
-        </p:nvSpPr>
-        <p:spPr>
-          <a:xfrm>
-            <a:off x="9604375" y="5026025"/>
-            <a:ext cx="2159000" cy="829945"/>
-          </a:xfrm>
-          <a:prstGeom prst="rect">
-            <a:avLst/>
-          </a:prstGeom>
-          <a:noFill/>
-        </p:spPr>
-        <p:txBody>
-          <a:bodyPr wrap="square" rtlCol="0">
-            <a:spAutoFit/>
-          </a:bodyPr>
-          <a:p>
-            <a:r>
-              <a:rPr lang="en-US" altLang="zh-CN" sz="2400"/>
-              <a:t>Shader</a:t>
-            </a:r>
-            <a:r>
-              <a:rPr lang="zh-CN" altLang="en-US" sz="2400"/>
-              <a:t>与资源</a:t>
-            </a:r>
-            <a:endParaRPr lang="zh-CN" altLang="en-US" sz="2400"/>
-          </a:p>
-          <a:p>
-            <a:r>
-              <a:rPr lang="zh-CN" altLang="en-US" sz="2400"/>
-              <a:t>管理模块交互</a:t>
-            </a:r>
-            <a:endParaRPr lang="zh-CN" altLang="en-US" sz="2400"/>
-          </a:p>
-        </p:txBody>
-      </p:sp>
-      <p:sp>
-        <p:nvSpPr>
-          <p:cNvPr id="3" name="矩形 2"/>
-          <p:cNvSpPr/>
-          <p:nvPr/>
-        </p:nvSpPr>
-        <p:spPr>
-          <a:xfrm>
-            <a:off x="295910" y="1718310"/>
-            <a:ext cx="3410585" cy="2046605"/>
-          </a:xfrm>
-          <a:prstGeom prst="rect">
-            <a:avLst/>
-          </a:prstGeom>
-        </p:spPr>
-        <p:style>
-          <a:lnRef idx="2">
-            <a:schemeClr val="accent6">
-              <a:shade val="50000"/>
-            </a:schemeClr>
-          </a:lnRef>
-          <a:fillRef idx="1">
-            <a:schemeClr val="accent6"/>
-          </a:fillRef>
-          <a:effectRef idx="0">
-            <a:schemeClr val="accent6"/>
-          </a:effectRef>
-          <a:fontRef idx="minor">
-            <a:schemeClr val="lt1"/>
-          </a:fontRef>
-        </p:style>
-        <p:txBody>
-          <a:bodyPr rtlCol="0" anchor="ctr"/>
-          <a:p>
-            <a:pPr algn="ctr"/>
-            <a:r>
-              <a:rPr lang="en-US" altLang="zh-CN" sz="3200" b="1">
-                <a:solidFill>
-                  <a:schemeClr val="tx1"/>
-                </a:solidFill>
-              </a:rPr>
-              <a:t>Buffer</a:t>
-            </a:r>
-            <a:endParaRPr lang="en-US" altLang="zh-CN" sz="3200" b="1">
-              <a:solidFill>
-                <a:schemeClr val="tx1"/>
-              </a:solidFill>
-            </a:endParaRPr>
-          </a:p>
-        </p:txBody>
-      </p:sp>
-      <p:sp>
-        <p:nvSpPr>
-          <p:cNvPr id="14" name="左箭头 13"/>
-          <p:cNvSpPr/>
-          <p:nvPr/>
-        </p:nvSpPr>
-        <p:spPr>
-          <a:xfrm>
-            <a:off x="3830955" y="2529840"/>
-            <a:ext cx="1868805" cy="520700"/>
-          </a:xfrm>
-          <a:prstGeom prst="leftArrow">
-            <a:avLst/>
-          </a:prstGeom>
-          <a:solidFill>
-            <a:schemeClr val="bg1"/>
-          </a:solidFill>
-        </p:spPr>
-        <p:style>
-          <a:lnRef idx="2">
-            <a:schemeClr val="accent1">
-              <a:shade val="50000"/>
-            </a:schemeClr>
-          </a:lnRef>
-          <a:fillRef idx="1">
-            <a:schemeClr val="accent1"/>
-          </a:fillRef>
-          <a:effectRef idx="0">
-            <a:schemeClr val="accent1"/>
-          </a:effectRef>
-          <a:fontRef idx="minor">
-            <a:schemeClr val="lt1"/>
-          </a:fontRef>
-        </p:style>
-        <p:txBody>
-          <a:bodyPr rtlCol="0" anchor="ctr"/>
-          <a:p>
-            <a:pPr algn="ctr"/>
-            <a:endParaRPr lang="zh-CN" altLang="en-US"/>
-          </a:p>
-        </p:txBody>
-      </p:sp>
-      <p:sp>
-        <p:nvSpPr>
-          <p:cNvPr id="8" name="矩形 7"/>
-          <p:cNvSpPr/>
-          <p:nvPr/>
-        </p:nvSpPr>
-        <p:spPr>
-          <a:xfrm>
-            <a:off x="5885815" y="1767205"/>
-            <a:ext cx="3410585" cy="2046605"/>
-          </a:xfrm>
-          <a:prstGeom prst="rect">
-            <a:avLst/>
-          </a:prstGeom>
-        </p:spPr>
-        <p:style>
-          <a:lnRef idx="3">
-            <a:schemeClr val="lt1"/>
-          </a:lnRef>
-          <a:fillRef idx="1">
-            <a:schemeClr val="accent2"/>
-          </a:fillRef>
-          <a:effectRef idx="1">
-            <a:schemeClr val="accent2"/>
-          </a:effectRef>
-          <a:fontRef idx="minor">
-            <a:schemeClr val="lt1"/>
-          </a:fontRef>
-        </p:style>
-        <p:txBody>
-          <a:bodyPr rtlCol="0" anchor="ctr"/>
-          <a:p>
-            <a:pPr algn="ctr"/>
-            <a:r>
-              <a:rPr lang="zh-CN" altLang="en-US" sz="3200" b="1">
-                <a:solidFill>
-                  <a:schemeClr val="tx1"/>
-                </a:solidFill>
-              </a:rPr>
-              <a:t>资源管理</a:t>
-            </a:r>
-            <a:endParaRPr lang="zh-CN" altLang="en-US" sz="3200" b="1">
-              <a:solidFill>
-                <a:schemeClr val="tx1"/>
-              </a:solidFill>
-            </a:endParaRPr>
-          </a:p>
-        </p:txBody>
-      </p:sp>
-      <p:sp>
-        <p:nvSpPr>
-          <p:cNvPr id="13" name="文本框 12"/>
-          <p:cNvSpPr txBox="1"/>
-          <p:nvPr/>
-        </p:nvSpPr>
-        <p:spPr>
-          <a:xfrm>
-            <a:off x="4032885" y="2069465"/>
-            <a:ext cx="1465580" cy="460375"/>
-          </a:xfrm>
-          <a:prstGeom prst="rect">
-            <a:avLst/>
-          </a:prstGeom>
-          <a:noFill/>
-        </p:spPr>
-        <p:txBody>
-          <a:bodyPr wrap="square" rtlCol="0">
-            <a:spAutoFit/>
-          </a:bodyPr>
-          <a:p>
-            <a:r>
-              <a:rPr lang="zh-CN" altLang="en-US" sz="2400"/>
-              <a:t>获取资源</a:t>
-            </a:r>
-            <a:endParaRPr lang="zh-CN" altLang="en-US" sz="2400"/>
-          </a:p>
-        </p:txBody>
-      </p:sp>
-      <p:sp>
-        <p:nvSpPr>
-          <p:cNvPr id="11" name="矩形 10"/>
-          <p:cNvSpPr/>
-          <p:nvPr/>
-        </p:nvSpPr>
-        <p:spPr>
-          <a:xfrm>
-            <a:off x="295910" y="4357370"/>
-            <a:ext cx="3410585" cy="2046605"/>
-          </a:xfrm>
-          <a:prstGeom prst="rect">
-            <a:avLst/>
-          </a:prstGeom>
-        </p:spPr>
-        <p:style>
-          <a:lnRef idx="3">
-            <a:schemeClr val="lt1"/>
-          </a:lnRef>
-          <a:fillRef idx="1">
-            <a:schemeClr val="accent1"/>
-          </a:fillRef>
-          <a:effectRef idx="1">
-            <a:schemeClr val="accent1"/>
-          </a:effectRef>
-          <a:fontRef idx="minor">
-            <a:schemeClr val="lt1"/>
-          </a:fontRef>
-        </p:style>
-        <p:txBody>
-          <a:bodyPr rtlCol="0" anchor="ctr"/>
-          <a:p>
-            <a:pPr algn="ctr"/>
-            <a:r>
-              <a:rPr lang="en-US" altLang="zh-CN" sz="3200" b="1">
-                <a:solidFill>
-                  <a:schemeClr val="tx1"/>
+          <p:cNvPr id="3" name="内容占位符 2"/>
+          <p:cNvSpPr>
+            <a:spLocks noGrp="1"/>
+          </p:cNvSpPr>
+          <p:nvPr>
+            <p:ph idx="1"/>
+          </p:nvPr>
+        </p:nvSpPr>
+        <p:spPr/>
+        <p:txBody>
+          <a:bodyPr/>
+          <a:p>
+            <a:pPr fontAlgn="auto">
+              <a:lnSpc>
+                <a:spcPct val="200000"/>
+              </a:lnSpc>
+            </a:pPr>
+            <a:r>
+              <a:rPr lang="zh-CN" altLang="en-US"/>
+              <a:t>在CPU抽象出</a:t>
+            </a:r>
+            <a:r>
+              <a:rPr lang="en-US" altLang="zh-CN" b="1">
+                <a:solidFill>
+                  <a:srgbClr val="FF0000"/>
                 </a:solidFill>
               </a:rPr>
               <a:t>Shader</a:t>
             </a:r>
-            <a:endParaRPr lang="en-US" altLang="zh-CN" sz="3200" b="1">
-              <a:solidFill>
-                <a:schemeClr val="tx1"/>
-              </a:solidFill>
-            </a:endParaRPr>
-          </a:p>
-        </p:txBody>
-      </p:sp>
-      <p:sp>
-        <p:nvSpPr>
-          <p:cNvPr id="12" name="矩形 11"/>
-          <p:cNvSpPr/>
-          <p:nvPr/>
-        </p:nvSpPr>
-        <p:spPr>
-          <a:xfrm>
-            <a:off x="5885815" y="4417695"/>
-            <a:ext cx="3410585" cy="2046605"/>
-          </a:xfrm>
-          <a:prstGeom prst="rect">
-            <a:avLst/>
-          </a:prstGeom>
-        </p:spPr>
-        <p:style>
-          <a:lnRef idx="3">
-            <a:schemeClr val="lt1"/>
-          </a:lnRef>
-          <a:fillRef idx="1">
-            <a:schemeClr val="accent2"/>
-          </a:fillRef>
-          <a:effectRef idx="1">
-            <a:schemeClr val="accent2"/>
-          </a:effectRef>
-          <a:fontRef idx="minor">
-            <a:schemeClr val="lt1"/>
-          </a:fontRef>
-        </p:style>
-        <p:txBody>
-          <a:bodyPr rtlCol="0" anchor="ctr"/>
-          <a:p>
-            <a:pPr algn="ctr"/>
-            <a:r>
-              <a:rPr lang="zh-CN" altLang="en-US" sz="3200" b="1">
+            <a:r>
+              <a:rPr lang="zh-CN" altLang="en-US"/>
+              <a:t>类、</a:t>
+            </a:r>
+            <a:r>
+              <a:rPr lang="zh-CN" altLang="en-US" b="1">
+                <a:solidFill>
+                  <a:srgbClr val="FF0000"/>
+                </a:solidFill>
+              </a:rPr>
+              <a:t>显存</a:t>
+            </a:r>
+            <a:r>
+              <a:rPr lang="zh-CN" altLang="en-US"/>
+              <a:t>类。</a:t>
+            </a:r>
+            <a:endParaRPr lang="zh-CN" altLang="en-US"/>
+          </a:p>
+          <a:p>
+            <a:pPr fontAlgn="auto">
+              <a:lnSpc>
+                <a:spcPct val="200000"/>
+              </a:lnSpc>
+            </a:pPr>
+            <a:r>
+              <a:rPr lang="zh-CN" altLang="en-US"/>
+              <a:t>引擎</a:t>
+            </a:r>
+            <a:r>
+              <a:rPr lang="zh-CN" altLang="en-US" b="1">
+                <a:solidFill>
+                  <a:srgbClr val="FF0000"/>
+                </a:solidFill>
+              </a:rPr>
+              <a:t>内置</a:t>
+            </a:r>
+            <a:r>
+              <a:rPr lang="en-US" altLang="zh-CN"/>
+              <a:t>Shader</a:t>
+            </a:r>
+            <a:r>
+              <a:rPr lang="zh-CN" altLang="en-US"/>
+              <a:t>程序，并</a:t>
+            </a:r>
+            <a:r>
+              <a:rPr lang="zh-CN" altLang="en-US">
                 <a:solidFill>
                   <a:schemeClr val="tx1"/>
                 </a:solidFill>
+                <a:sym typeface="+mn-ea"/>
               </a:rPr>
-              <a:t>资源管理</a:t>
-            </a:r>
-            <a:endParaRPr lang="zh-CN" altLang="en-US" sz="3200" b="1">
-              <a:solidFill>
-                <a:schemeClr val="tx1"/>
-              </a:solidFill>
-            </a:endParaRPr>
-          </a:p>
-        </p:txBody>
-      </p:sp>
-      <p:sp>
-        <p:nvSpPr>
-          <p:cNvPr id="15" name="左箭头 14"/>
-          <p:cNvSpPr/>
-          <p:nvPr/>
-        </p:nvSpPr>
-        <p:spPr>
-          <a:xfrm>
-            <a:off x="3896995" y="5106670"/>
-            <a:ext cx="1868805" cy="520700"/>
-          </a:xfrm>
-          <a:prstGeom prst="leftArrow">
-            <a:avLst/>
-          </a:prstGeom>
-          <a:solidFill>
-            <a:schemeClr val="bg1"/>
-          </a:solidFill>
-        </p:spPr>
-        <p:style>
-          <a:lnRef idx="2">
-            <a:schemeClr val="accent1">
-              <a:shade val="50000"/>
-            </a:schemeClr>
-          </a:lnRef>
-          <a:fillRef idx="1">
-            <a:schemeClr val="accent1"/>
-          </a:fillRef>
-          <a:effectRef idx="0">
-            <a:schemeClr val="accent1"/>
-          </a:effectRef>
-          <a:fontRef idx="minor">
-            <a:schemeClr val="lt1"/>
-          </a:fontRef>
-        </p:style>
-        <p:txBody>
-          <a:bodyPr rtlCol="0" anchor="ctr"/>
-          <a:p>
-            <a:pPr algn="ctr"/>
+              <a:t>支持开发者</a:t>
+            </a:r>
+            <a:r>
+              <a:rPr lang="zh-CN" altLang="en-US" b="1">
+                <a:solidFill>
+                  <a:srgbClr val="FF0000"/>
+                </a:solidFill>
+                <a:sym typeface="+mn-ea"/>
+              </a:rPr>
+              <a:t>自定义</a:t>
+            </a:r>
+            <a:r>
+              <a:rPr lang="en-US" altLang="zh-CN">
+                <a:sym typeface="+mn-ea"/>
+              </a:rPr>
+              <a:t>Shader</a:t>
+            </a:r>
+            <a:r>
+              <a:rPr lang="zh-CN" altLang="en-US">
+                <a:sym typeface="+mn-ea"/>
+              </a:rPr>
+              <a:t>程序。</a:t>
+            </a:r>
             <a:endParaRPr lang="zh-CN" altLang="en-US"/>
           </a:p>
-        </p:txBody>
-      </p:sp>
-      <p:sp>
-        <p:nvSpPr>
-          <p:cNvPr id="16" name="文本框 15"/>
-          <p:cNvSpPr txBox="1"/>
-          <p:nvPr/>
-        </p:nvSpPr>
-        <p:spPr>
-          <a:xfrm>
-            <a:off x="4098925" y="4565650"/>
-            <a:ext cx="1465580" cy="460375"/>
-          </a:xfrm>
-          <a:prstGeom prst="rect">
-            <a:avLst/>
-          </a:prstGeom>
-          <a:noFill/>
-        </p:spPr>
-        <p:txBody>
-          <a:bodyPr wrap="square" rtlCol="0">
-            <a:spAutoFit/>
-          </a:bodyPr>
-          <a:p>
-            <a:r>
-              <a:rPr lang="zh-CN" altLang="en-US" sz="2400"/>
-              <a:t>获取资源</a:t>
-            </a:r>
-            <a:endParaRPr lang="zh-CN" altLang="en-US" sz="2400"/>
+          <a:p>
+            <a:pPr fontAlgn="auto">
+              <a:lnSpc>
+                <a:spcPct val="200000"/>
+              </a:lnSpc>
+            </a:pPr>
+            <a:r>
+              <a:rPr lang="zh-CN" altLang="en-US"/>
+              <a:t>业务逻辑与</a:t>
+            </a:r>
+            <a:r>
+              <a:rPr lang="en-US" altLang="zh-CN"/>
+              <a:t>SDK</a:t>
+            </a:r>
+            <a:r>
+              <a:rPr lang="zh-CN" altLang="en-US" b="1">
+                <a:solidFill>
+                  <a:srgbClr val="FF0000"/>
+                </a:solidFill>
+              </a:rPr>
+              <a:t>解耦合</a:t>
+            </a:r>
+            <a:r>
+              <a:rPr lang="zh-CN" altLang="en-US"/>
+              <a:t>。</a:t>
+            </a:r>
+            <a:endParaRPr lang="zh-CN" altLang="en-US"/>
+          </a:p>
+          <a:p>
+            <a:endParaRPr lang="zh-CN" altLang="en-US"/>
+          </a:p>
+          <a:p>
+            <a:endParaRPr lang="zh-CN" altLang="en-US"/>
           </a:p>
         </p:txBody>
       </p:sp>
@@ -12236,6 +12393,7 @@
                     </a:schemeClr>
                   </a:outerShdw>
                 </a:effectLst>
+                <a:sym typeface="+mn-ea"/>
               </a:rPr>
               <a:t>底层渲染器</a:t>
             </a:r>
@@ -12251,6 +12409,7 @@
                     </a:schemeClr>
                   </a:outerShdw>
                 </a:effectLst>
+                <a:sym typeface="+mn-ea"/>
               </a:rPr>
               <a:t>/SDK</a:t>
             </a:r>
@@ -12266,8 +12425,9 @@
                     </a:schemeClr>
                   </a:outerShdw>
                 </a:effectLst>
+                <a:sym typeface="+mn-ea"/>
               </a:rPr>
-              <a:t>无关部分</a:t>
+              <a:t>相关部分图解</a:t>
             </a:r>
             <a:endParaRPr lang="zh-CN" altLang="en-US">
               <a:solidFill>
@@ -12280,118 +12440,424 @@
                   </a:schemeClr>
                 </a:outerShdw>
               </a:effectLst>
+              <a:sym typeface="+mn-ea"/>
             </a:endParaRPr>
           </a:p>
         </p:txBody>
       </p:sp>
       <p:sp>
         <p:nvSpPr>
-          <p:cNvPr id="3" name="内容占位符 2"/>
-          <p:cNvSpPr>
-            <a:spLocks noGrp="1"/>
-          </p:cNvSpPr>
-          <p:nvPr>
-            <p:ph idx="1"/>
-          </p:nvPr>
-        </p:nvSpPr>
-        <p:spPr/>
-        <p:txBody>
-          <a:bodyPr/>
-          <a:p>
-            <a:pPr fontAlgn="auto">
-              <a:lnSpc>
-                <a:spcPct val="200000"/>
-              </a:lnSpc>
-            </a:pPr>
-            <a:r>
-              <a:rPr lang="zh-CN" altLang="en-US"/>
-              <a:t>引擎</a:t>
-            </a:r>
-            <a:r>
-              <a:rPr lang="zh-CN" altLang="en-US" b="1">
-                <a:solidFill>
-                  <a:srgbClr val="FF0000"/>
+          <p:cNvPr id="6" name="文本框 5"/>
+          <p:cNvSpPr txBox="1"/>
+          <p:nvPr/>
+        </p:nvSpPr>
+        <p:spPr>
+          <a:xfrm>
+            <a:off x="9396730" y="2326640"/>
+            <a:ext cx="2366645" cy="829945"/>
+          </a:xfrm>
+          <a:prstGeom prst="rect">
+            <a:avLst/>
+          </a:prstGeom>
+          <a:noFill/>
+        </p:spPr>
+        <p:txBody>
+          <a:bodyPr wrap="square" rtlCol="0">
+            <a:spAutoFit/>
+          </a:bodyPr>
+          <a:p>
+            <a:r>
+              <a:rPr lang="zh-CN" altLang="en-US" sz="2400"/>
+              <a:t>缓冲区和资源</a:t>
+            </a:r>
+            <a:endParaRPr lang="zh-CN" altLang="en-US" sz="2400"/>
+          </a:p>
+          <a:p>
+            <a:r>
+              <a:rPr lang="zh-CN" altLang="en-US" sz="2400"/>
+              <a:t>管理模块交互</a:t>
+            </a:r>
+            <a:endParaRPr lang="zh-CN" altLang="en-US" sz="2400"/>
+          </a:p>
+        </p:txBody>
+      </p:sp>
+      <p:sp>
+        <p:nvSpPr>
+          <p:cNvPr id="7" name="文本框 6"/>
+          <p:cNvSpPr txBox="1"/>
+          <p:nvPr/>
+        </p:nvSpPr>
+        <p:spPr>
+          <a:xfrm>
+            <a:off x="9604375" y="5026025"/>
+            <a:ext cx="2159000" cy="829945"/>
+          </a:xfrm>
+          <a:prstGeom prst="rect">
+            <a:avLst/>
+          </a:prstGeom>
+          <a:noFill/>
+        </p:spPr>
+        <p:txBody>
+          <a:bodyPr wrap="square" rtlCol="0">
+            <a:spAutoFit/>
+          </a:bodyPr>
+          <a:p>
+            <a:r>
+              <a:rPr lang="en-US" altLang="zh-CN" sz="2400"/>
+              <a:t>Shader</a:t>
+            </a:r>
+            <a:r>
+              <a:rPr lang="zh-CN" altLang="en-US" sz="2400"/>
+              <a:t>与资源</a:t>
+            </a:r>
+            <a:endParaRPr lang="zh-CN" altLang="en-US" sz="2400"/>
+          </a:p>
+          <a:p>
+            <a:r>
+              <a:rPr lang="zh-CN" altLang="en-US" sz="2400"/>
+              <a:t>管理模块交互</a:t>
+            </a:r>
+            <a:endParaRPr lang="zh-CN" altLang="en-US" sz="2400"/>
+          </a:p>
+        </p:txBody>
+      </p:sp>
+      <p:sp>
+        <p:nvSpPr>
+          <p:cNvPr id="3" name="矩形 2"/>
+          <p:cNvSpPr/>
+          <p:nvPr/>
+        </p:nvSpPr>
+        <p:spPr>
+          <a:xfrm>
+            <a:off x="295910" y="1718310"/>
+            <a:ext cx="3410585" cy="2046605"/>
+          </a:xfrm>
+          <a:prstGeom prst="rect">
+            <a:avLst/>
+          </a:prstGeom>
+        </p:spPr>
+        <p:style>
+          <a:lnRef idx="2">
+            <a:schemeClr val="accent6">
+              <a:shade val="50000"/>
+            </a:schemeClr>
+          </a:lnRef>
+          <a:fillRef idx="1">
+            <a:schemeClr val="accent6"/>
+          </a:fillRef>
+          <a:effectRef idx="0">
+            <a:schemeClr val="accent6"/>
+          </a:effectRef>
+          <a:fontRef idx="minor">
+            <a:schemeClr val="lt1"/>
+          </a:fontRef>
+        </p:style>
+        <p:txBody>
+          <a:bodyPr rtlCol="0" anchor="ctr"/>
+          <a:p>
+            <a:pPr algn="ctr"/>
+            <a:r>
+              <a:rPr lang="en-US" altLang="zh-CN" sz="3200" b="1">
+                <a:solidFill>
+                  <a:schemeClr val="tx1"/>
                 </a:solidFill>
               </a:rPr>
-              <a:t>内置</a:t>
-            </a:r>
-            <a:r>
-              <a:rPr lang="zh-CN" altLang="en-US"/>
-              <a:t>游戏物体，例如地面、模型、天空盒等。</a:t>
-            </a:r>
+              <a:t>Buffer</a:t>
+            </a:r>
+            <a:endParaRPr lang="en-US" altLang="zh-CN" sz="3200" b="1">
+              <a:solidFill>
+                <a:schemeClr val="tx1"/>
+              </a:solidFill>
+            </a:endParaRPr>
+          </a:p>
+        </p:txBody>
+      </p:sp>
+      <p:sp>
+        <p:nvSpPr>
+          <p:cNvPr id="14" name="左箭头 13"/>
+          <p:cNvSpPr/>
+          <p:nvPr/>
+        </p:nvSpPr>
+        <p:spPr>
+          <a:xfrm>
+            <a:off x="3830955" y="2529840"/>
+            <a:ext cx="1868805" cy="520700"/>
+          </a:xfrm>
+          <a:prstGeom prst="leftArrow">
+            <a:avLst/>
+          </a:prstGeom>
+          <a:solidFill>
+            <a:schemeClr val="bg1"/>
+          </a:solidFill>
+        </p:spPr>
+        <p:style>
+          <a:lnRef idx="2">
+            <a:schemeClr val="accent1">
+              <a:shade val="50000"/>
+            </a:schemeClr>
+          </a:lnRef>
+          <a:fillRef idx="1">
+            <a:schemeClr val="accent1"/>
+          </a:fillRef>
+          <a:effectRef idx="0">
+            <a:schemeClr val="accent1"/>
+          </a:effectRef>
+          <a:fontRef idx="minor">
+            <a:schemeClr val="lt1"/>
+          </a:fontRef>
+        </p:style>
+        <p:txBody>
+          <a:bodyPr rtlCol="0" anchor="ctr"/>
+          <a:p>
+            <a:pPr algn="ctr"/>
             <a:endParaRPr lang="zh-CN" altLang="en-US"/>
           </a:p>
-          <a:p>
-            <a:pPr fontAlgn="auto">
-              <a:lnSpc>
-                <a:spcPct val="200000"/>
-              </a:lnSpc>
-            </a:pPr>
-            <a:r>
-              <a:rPr lang="zh-CN" altLang="en-US"/>
-              <a:t>开发者可以</a:t>
-            </a:r>
-            <a:r>
-              <a:rPr lang="zh-CN" altLang="en-US" b="1">
-                <a:solidFill>
-                  <a:srgbClr val="FF0000"/>
+        </p:txBody>
+      </p:sp>
+      <p:sp>
+        <p:nvSpPr>
+          <p:cNvPr id="8" name="矩形 7"/>
+          <p:cNvSpPr/>
+          <p:nvPr/>
+        </p:nvSpPr>
+        <p:spPr>
+          <a:xfrm>
+            <a:off x="5885815" y="1767205"/>
+            <a:ext cx="3410585" cy="2046605"/>
+          </a:xfrm>
+          <a:prstGeom prst="rect">
+            <a:avLst/>
+          </a:prstGeom>
+        </p:spPr>
+        <p:style>
+          <a:lnRef idx="3">
+            <a:schemeClr val="lt1"/>
+          </a:lnRef>
+          <a:fillRef idx="1">
+            <a:schemeClr val="accent2"/>
+          </a:fillRef>
+          <a:effectRef idx="1">
+            <a:schemeClr val="accent2"/>
+          </a:effectRef>
+          <a:fontRef idx="minor">
+            <a:schemeClr val="lt1"/>
+          </a:fontRef>
+        </p:style>
+        <p:txBody>
+          <a:bodyPr rtlCol="0" anchor="ctr"/>
+          <a:p>
+            <a:pPr algn="ctr"/>
+            <a:r>
+              <a:rPr lang="zh-CN" altLang="en-US" sz="3200" b="1">
+                <a:solidFill>
+                  <a:schemeClr val="tx1"/>
                 </a:solidFill>
               </a:rPr>
-              <a:t>自定义</a:t>
-            </a:r>
-            <a:r>
-              <a:rPr lang="zh-CN" altLang="en-US"/>
-              <a:t>游戏物体。</a:t>
-            </a:r>
+              <a:t>资源管理</a:t>
+            </a:r>
+            <a:endParaRPr lang="zh-CN" altLang="en-US" sz="3200" b="1">
+              <a:solidFill>
+                <a:schemeClr val="tx1"/>
+              </a:solidFill>
+            </a:endParaRPr>
+          </a:p>
+        </p:txBody>
+      </p:sp>
+      <p:sp>
+        <p:nvSpPr>
+          <p:cNvPr id="13" name="文本框 12"/>
+          <p:cNvSpPr txBox="1"/>
+          <p:nvPr/>
+        </p:nvSpPr>
+        <p:spPr>
+          <a:xfrm>
+            <a:off x="4032885" y="2069465"/>
+            <a:ext cx="1465580" cy="460375"/>
+          </a:xfrm>
+          <a:prstGeom prst="rect">
+            <a:avLst/>
+          </a:prstGeom>
+          <a:noFill/>
+        </p:spPr>
+        <p:txBody>
+          <a:bodyPr wrap="square" rtlCol="0">
+            <a:spAutoFit/>
+          </a:bodyPr>
+          <a:p>
+            <a:r>
+              <a:rPr lang="zh-CN" altLang="en-US" sz="2400"/>
+              <a:t>获取资源</a:t>
+            </a:r>
+            <a:endParaRPr lang="zh-CN" altLang="en-US" sz="2400"/>
+          </a:p>
+        </p:txBody>
+      </p:sp>
+      <p:sp>
+        <p:nvSpPr>
+          <p:cNvPr id="11" name="矩形 10"/>
+          <p:cNvSpPr/>
+          <p:nvPr/>
+        </p:nvSpPr>
+        <p:spPr>
+          <a:xfrm>
+            <a:off x="295910" y="4357370"/>
+            <a:ext cx="3410585" cy="2046605"/>
+          </a:xfrm>
+          <a:prstGeom prst="rect">
+            <a:avLst/>
+          </a:prstGeom>
+        </p:spPr>
+        <p:style>
+          <a:lnRef idx="3">
+            <a:schemeClr val="lt1"/>
+          </a:lnRef>
+          <a:fillRef idx="1">
+            <a:schemeClr val="accent1"/>
+          </a:fillRef>
+          <a:effectRef idx="1">
+            <a:schemeClr val="accent1"/>
+          </a:effectRef>
+          <a:fontRef idx="minor">
+            <a:schemeClr val="lt1"/>
+          </a:fontRef>
+        </p:style>
+        <p:txBody>
+          <a:bodyPr rtlCol="0" anchor="ctr"/>
+          <a:p>
+            <a:pPr algn="ctr"/>
+            <a:r>
+              <a:rPr lang="en-US" altLang="zh-CN" sz="3200" b="1">
+                <a:solidFill>
+                  <a:schemeClr val="tx1"/>
+                </a:solidFill>
+              </a:rPr>
+              <a:t>Shader</a:t>
+            </a:r>
+            <a:endParaRPr lang="en-US" altLang="zh-CN" sz="3200" b="1">
+              <a:solidFill>
+                <a:schemeClr val="tx1"/>
+              </a:solidFill>
+            </a:endParaRPr>
+          </a:p>
+        </p:txBody>
+      </p:sp>
+      <p:sp>
+        <p:nvSpPr>
+          <p:cNvPr id="12" name="矩形 11"/>
+          <p:cNvSpPr/>
+          <p:nvPr/>
+        </p:nvSpPr>
+        <p:spPr>
+          <a:xfrm>
+            <a:off x="5885815" y="4417695"/>
+            <a:ext cx="3410585" cy="2046605"/>
+          </a:xfrm>
+          <a:prstGeom prst="rect">
+            <a:avLst/>
+          </a:prstGeom>
+        </p:spPr>
+        <p:style>
+          <a:lnRef idx="3">
+            <a:schemeClr val="lt1"/>
+          </a:lnRef>
+          <a:fillRef idx="1">
+            <a:schemeClr val="accent2"/>
+          </a:fillRef>
+          <a:effectRef idx="1">
+            <a:schemeClr val="accent2"/>
+          </a:effectRef>
+          <a:fontRef idx="minor">
+            <a:schemeClr val="lt1"/>
+          </a:fontRef>
+        </p:style>
+        <p:txBody>
+          <a:bodyPr rtlCol="0" anchor="ctr"/>
+          <a:p>
+            <a:pPr algn="ctr"/>
+            <a:r>
+              <a:rPr lang="zh-CN" altLang="en-US" sz="3200" b="1">
+                <a:solidFill>
+                  <a:schemeClr val="tx1"/>
+                </a:solidFill>
+              </a:rPr>
+              <a:t>资源管理</a:t>
+            </a:r>
+            <a:endParaRPr lang="zh-CN" altLang="en-US" sz="3200" b="1">
+              <a:solidFill>
+                <a:schemeClr val="tx1"/>
+              </a:solidFill>
+            </a:endParaRPr>
+          </a:p>
+        </p:txBody>
+      </p:sp>
+      <p:sp>
+        <p:nvSpPr>
+          <p:cNvPr id="15" name="左箭头 14"/>
+          <p:cNvSpPr/>
+          <p:nvPr/>
+        </p:nvSpPr>
+        <p:spPr>
+          <a:xfrm>
+            <a:off x="3896995" y="5106670"/>
+            <a:ext cx="1868805" cy="520700"/>
+          </a:xfrm>
+          <a:prstGeom prst="leftArrow">
+            <a:avLst/>
+          </a:prstGeom>
+          <a:solidFill>
+            <a:schemeClr val="bg1"/>
+          </a:solidFill>
+        </p:spPr>
+        <p:style>
+          <a:lnRef idx="2">
+            <a:schemeClr val="accent1">
+              <a:shade val="50000"/>
+            </a:schemeClr>
+          </a:lnRef>
+          <a:fillRef idx="1">
+            <a:schemeClr val="accent1"/>
+          </a:fillRef>
+          <a:effectRef idx="0">
+            <a:schemeClr val="accent1"/>
+          </a:effectRef>
+          <a:fontRef idx="minor">
+            <a:schemeClr val="lt1"/>
+          </a:fontRef>
+        </p:style>
+        <p:txBody>
+          <a:bodyPr rtlCol="0" anchor="ctr"/>
+          <a:p>
+            <a:pPr algn="ctr"/>
             <a:endParaRPr lang="zh-CN" altLang="en-US"/>
           </a:p>
-          <a:p>
-            <a:pPr fontAlgn="auto">
-              <a:lnSpc>
-                <a:spcPct val="200000"/>
-              </a:lnSpc>
-            </a:pPr>
-            <a:r>
-              <a:rPr lang="zh-CN" altLang="en-US"/>
-              <a:t>组合</a:t>
-            </a:r>
-            <a:r>
-              <a:rPr lang="en-US" altLang="zh-CN"/>
-              <a:t>SDK</a:t>
-            </a:r>
-            <a:r>
-              <a:rPr lang="zh-CN" altLang="en-US"/>
-              <a:t>相关层接口与</a:t>
-            </a:r>
-            <a:r>
-              <a:rPr lang="en-US" altLang="zh-CN"/>
-              <a:t>OpenGL</a:t>
-            </a:r>
-            <a:r>
-              <a:rPr lang="zh-CN" altLang="en-US"/>
-              <a:t>交互，实现与</a:t>
-            </a:r>
-            <a:r>
-              <a:rPr lang="en-US" altLang="zh-CN"/>
-              <a:t>OpenGL SDK</a:t>
-            </a:r>
-            <a:r>
-              <a:rPr lang="zh-CN" altLang="en-US"/>
-              <a:t>的</a:t>
-            </a:r>
-            <a:r>
-              <a:rPr lang="zh-CN" altLang="en-US" b="1">
-                <a:solidFill>
-                  <a:srgbClr val="FF0000"/>
-                </a:solidFill>
-              </a:rPr>
-              <a:t>解耦合</a:t>
-            </a:r>
-            <a:r>
-              <a:rPr lang="zh-CN" altLang="en-US"/>
-              <a:t>。</a:t>
-            </a:r>
-            <a:endParaRPr lang="zh-CN" altLang="en-US"/>
+        </p:txBody>
+      </p:sp>
+      <p:sp>
+        <p:nvSpPr>
+          <p:cNvPr id="16" name="文本框 15"/>
+          <p:cNvSpPr txBox="1"/>
+          <p:nvPr/>
+        </p:nvSpPr>
+        <p:spPr>
+          <a:xfrm>
+            <a:off x="4098925" y="4565650"/>
+            <a:ext cx="1465580" cy="460375"/>
+          </a:xfrm>
+          <a:prstGeom prst="rect">
+            <a:avLst/>
+          </a:prstGeom>
+          <a:noFill/>
+        </p:spPr>
+        <p:txBody>
+          <a:bodyPr wrap="square" rtlCol="0">
+            <a:spAutoFit/>
+          </a:bodyPr>
+          <a:p>
+            <a:r>
+              <a:rPr lang="zh-CN" altLang="en-US" sz="2400"/>
+              <a:t>获取资源</a:t>
+            </a:r>
+            <a:endParaRPr lang="zh-CN" altLang="en-US" sz="2400"/>
           </a:p>
         </p:txBody>
       </p:sp>
@@ -12428,12 +12894,11 @@
         </p:nvSpPr>
         <p:spPr/>
         <p:txBody>
-          <a:bodyPr>
-            <a:normAutofit/>
-          </a:bodyPr>
+          <a:bodyPr/>
           <a:p>
             <a:r>
               <a:rPr lang="zh-CN" altLang="en-US">
+                <a:ln/>
                 <a:solidFill>
                   <a:schemeClr val="tx1"/>
                 </a:solidFill>
@@ -12444,43 +12909,11 @@
                     </a:schemeClr>
                   </a:outerShdw>
                 </a:effectLst>
-                <a:sym typeface="+mn-ea"/>
               </a:rPr>
-              <a:t>底层渲染器</a:t>
-            </a:r>
-            <a:r>
-              <a:rPr lang="en-US" altLang="zh-CN">
-                <a:solidFill>
-                  <a:schemeClr val="tx1"/>
-                </a:solidFill>
-                <a:effectLst>
-                  <a:outerShdw blurRad="38100" dist="19050" dir="2700000" algn="tl" rotWithShape="0">
-                    <a:schemeClr val="dk1">
-                      <a:alpha val="40000"/>
-                    </a:schemeClr>
-                  </a:outerShdw>
-                </a:effectLst>
-                <a:sym typeface="+mn-ea"/>
-              </a:rPr>
-              <a:t>/SDK</a:t>
-            </a:r>
-            <a:r>
-              <a:rPr lang="zh-CN" altLang="en-US">
-                <a:solidFill>
-                  <a:schemeClr val="tx1"/>
-                </a:solidFill>
-                <a:effectLst>
-                  <a:outerShdw blurRad="38100" dist="19050" dir="2700000" algn="tl" rotWithShape="0">
-                    <a:schemeClr val="dk1">
-                      <a:alpha val="40000"/>
-                    </a:schemeClr>
-                  </a:outerShdw>
-                </a:effectLst>
-                <a:sym typeface="+mn-ea"/>
-              </a:rPr>
-              <a:t>无关部分图解</a:t>
+              <a:t>底层渲染器类的继承关系</a:t>
             </a:r>
             <a:endParaRPr lang="zh-CN" altLang="en-US">
+              <a:ln/>
               <a:solidFill>
                 <a:schemeClr val="tx1"/>
               </a:solidFill>
@@ -12491,20 +12924,17 @@
                   </a:schemeClr>
                 </a:outerShdw>
               </a:effectLst>
-              <a:sym typeface="+mn-ea"/>
             </a:endParaRPr>
           </a:p>
         </p:txBody>
       </p:sp>
       <p:pic>
         <p:nvPicPr>
-          <p:cNvPr id="4" name="内容占位符 3"/>
+          <p:cNvPr id="4" name="图片 3"/>
           <p:cNvPicPr>
             <a:picLocks noChangeAspect="1"/>
           </p:cNvPicPr>
-          <p:nvPr>
-            <p:ph idx="1"/>
-          </p:nvPr>
+          <p:nvPr/>
         </p:nvPicPr>
         <p:blipFill>
           <a:blip r:embed="rId1"/>
@@ -12514,8 +12944,8 @@
         </p:blipFill>
         <p:spPr>
           <a:xfrm>
-            <a:off x="635" y="1881505"/>
-            <a:ext cx="9719945" cy="4618990"/>
+            <a:off x="543560" y="1629410"/>
+            <a:ext cx="5007610" cy="5223510"/>
           </a:xfrm>
           <a:prstGeom prst="rect">
             <a:avLst/>
@@ -12530,8 +12960,8 @@
         </p:nvSpPr>
         <p:spPr>
           <a:xfrm>
-            <a:off x="10085070" y="3676015"/>
-            <a:ext cx="1779270" cy="1198880"/>
+            <a:off x="5962650" y="2212975"/>
+            <a:ext cx="3676650" cy="583565"/>
           </a:xfrm>
           <a:prstGeom prst="rect">
             <a:avLst/>
@@ -12544,22 +12974,84 @@
           </a:bodyPr>
           <a:p>
             <a:r>
-              <a:rPr lang="zh-CN" altLang="en-US" sz="2400"/>
-              <a:t>渲染基类组合</a:t>
-            </a:r>
-            <a:r>
-              <a:rPr lang="en-US" altLang="zh-CN" sz="2400"/>
+              <a:rPr lang="zh-CN" altLang="en-US" sz="3200"/>
+              <a:t>定义物体位置信息</a:t>
+            </a:r>
+            <a:endParaRPr lang="zh-CN" altLang="en-US" sz="3200"/>
+          </a:p>
+        </p:txBody>
+      </p:sp>
+      <p:sp>
+        <p:nvSpPr>
+          <p:cNvPr id="6" name="文本框 5"/>
+          <p:cNvSpPr txBox="1"/>
+          <p:nvPr/>
+        </p:nvSpPr>
+        <p:spPr>
+          <a:xfrm>
+            <a:off x="5962650" y="3702685"/>
+            <a:ext cx="3870325" cy="1076325"/>
+          </a:xfrm>
+          <a:prstGeom prst="rect">
+            <a:avLst/>
+          </a:prstGeom>
+          <a:noFill/>
+        </p:spPr>
+        <p:txBody>
+          <a:bodyPr wrap="square" rtlCol="0">
+            <a:spAutoFit/>
+          </a:bodyPr>
+          <a:p>
+            <a:r>
+              <a:rPr lang="zh-CN" altLang="en-US" sz="3200"/>
+              <a:t>组合</a:t>
+            </a:r>
+            <a:r>
+              <a:rPr lang="en-US" altLang="zh-CN" sz="3200"/>
               <a:t>Shader</a:t>
             </a:r>
             <a:r>
-              <a:rPr lang="zh-CN" altLang="en-US" sz="2400"/>
-              <a:t>和</a:t>
-            </a:r>
-            <a:r>
-              <a:rPr lang="en-US" altLang="zh-CN" sz="2400"/>
+              <a:rPr lang="zh-CN" altLang="en-US" sz="3200"/>
+              <a:t>、</a:t>
+            </a:r>
+            <a:r>
+              <a:rPr lang="en-US" altLang="zh-CN" sz="3200"/>
               <a:t>Buffer</a:t>
             </a:r>
-            <a:endParaRPr lang="en-US" altLang="zh-CN" sz="2400"/>
+            <a:r>
+              <a:rPr lang="zh-CN" altLang="en-US" sz="3200"/>
+              <a:t>，具有被渲染条件</a:t>
+            </a:r>
+            <a:endParaRPr lang="zh-CN" altLang="en-US" sz="3200"/>
+          </a:p>
+        </p:txBody>
+      </p:sp>
+      <p:sp>
+        <p:nvSpPr>
+          <p:cNvPr id="7" name="文本框 6"/>
+          <p:cNvSpPr txBox="1"/>
+          <p:nvPr/>
+        </p:nvSpPr>
+        <p:spPr>
+          <a:xfrm>
+            <a:off x="5962650" y="5554980"/>
+            <a:ext cx="3870325" cy="1076325"/>
+          </a:xfrm>
+          <a:prstGeom prst="rect">
+            <a:avLst/>
+          </a:prstGeom>
+          <a:noFill/>
+        </p:spPr>
+        <p:txBody>
+          <a:bodyPr wrap="square" rtlCol="0">
+            <a:spAutoFit/>
+          </a:bodyPr>
+          <a:p>
+            <a:r>
+              <a:rPr lang="zh-CN" altLang="en-US" sz="3200"/>
+              <a:t>在可渲染的基础上加上受光支持</a:t>
+            </a:r>
+            <a:endParaRPr lang="zh-CN" altLang="en-US" sz="3200"/>
           </a:p>
         </p:txBody>
       </p:sp>
@@ -12611,7 +13103,37 @@
                   </a:outerShdw>
                 </a:effectLst>
               </a:rPr>
-              <a:t>资源管理模块</a:t>
+              <a:t>底层渲染器</a:t>
+            </a:r>
+            <a:r>
+              <a:rPr lang="en-US" altLang="zh-CN">
+                <a:solidFill>
+                  <a:schemeClr val="tx1"/>
+                </a:solidFill>
+                <a:effectLst>
+                  <a:outerShdw blurRad="38100" dist="19050" dir="2700000" algn="tl" rotWithShape="0">
+                    <a:schemeClr val="dk1">
+                      <a:alpha val="40000"/>
+                    </a:schemeClr>
+                  </a:outerShdw>
+                </a:effectLst>
+              </a:rPr>
+              <a:t>/SDK</a:t>
+            </a:r>
+            <a:r>
+              <a:rPr lang="zh-CN" altLang="en-US">
+                <a:solidFill>
+                  <a:schemeClr val="tx1"/>
+                </a:solidFill>
+                <a:effectLst>
+                  <a:outerShdw blurRad="38100" dist="19050" dir="2700000" algn="tl" rotWithShape="0">
+                    <a:schemeClr val="dk1">
+                      <a:alpha val="40000"/>
+                    </a:schemeClr>
+                  </a:outerShdw>
+                </a:effectLst>
+              </a:rPr>
+              <a:t>无关部分</a:t>
             </a:r>
             <a:endParaRPr lang="zh-CN" altLang="en-US">
               <a:solidFill>
@@ -12649,7 +13171,7 @@
             </a:pPr>
             <a:r>
               <a:rPr lang="zh-CN" altLang="en-US"/>
-              <a:t>提供接口</a:t>
+              <a:t>引擎</a:t>
             </a:r>
             <a:r>
               <a:rPr lang="zh-CN" altLang="en-US" b="1">
@@ -12657,23 +13179,11 @@
                   <a:srgbClr val="FF0000"/>
                 </a:solidFill>
               </a:rPr>
-              <a:t>申请</a:t>
+              <a:t>内置</a:t>
             </a:r>
             <a:r>
               <a:rPr lang="zh-CN" altLang="en-US"/>
-              <a:t>、</a:t>
-            </a:r>
-            <a:r>
-              <a:rPr lang="zh-CN" altLang="en-US" b="1">
-                <a:solidFill>
-                  <a:srgbClr val="FF0000"/>
-                </a:solidFill>
-              </a:rPr>
-              <a:t>析构</a:t>
-            </a:r>
-            <a:r>
-              <a:rPr lang="zh-CN" altLang="en-US"/>
-              <a:t>各类型资源。</a:t>
+              <a:t>游戏物体，例如地面、模型、天空盒等。</a:t>
             </a:r>
             <a:endParaRPr lang="zh-CN" altLang="en-US"/>
           </a:p>
@@ -12685,7 +13195,7 @@
             </a:pPr>
             <a:r>
               <a:rPr lang="zh-CN" altLang="en-US"/>
-              <a:t>将资源</a:t>
+              <a:t>开发者可以</a:t>
             </a:r>
             <a:r>
               <a:rPr lang="zh-CN" altLang="en-US" b="1">
@@ -12693,23 +13203,11 @@
                   <a:srgbClr val="FF0000"/>
                 </a:solidFill>
               </a:rPr>
-              <a:t>转化为</a:t>
+              <a:t>自定义</a:t>
             </a:r>
             <a:r>
               <a:rPr lang="zh-CN" altLang="en-US"/>
-              <a:t>底层渲染器需要的</a:t>
-            </a:r>
-            <a:r>
-              <a:rPr lang="zh-CN" altLang="en-US" b="1">
-                <a:solidFill>
-                  <a:srgbClr val="FF0000"/>
-                </a:solidFill>
-              </a:rPr>
-              <a:t>内存模型</a:t>
-            </a:r>
-            <a:r>
-              <a:rPr lang="zh-CN" altLang="en-US"/>
-              <a:t>返回。</a:t>
+              <a:t>游戏物体。</a:t>
             </a:r>
             <a:endParaRPr lang="zh-CN" altLang="en-US"/>
           </a:p>
@@ -12721,7 +13219,31 @@
             </a:pPr>
             <a:r>
               <a:rPr lang="zh-CN" altLang="en-US"/>
-              <a:t>内部会将资源缓存，使用</a:t>
+              <a:t>组合</a:t>
+            </a:r>
+            <a:r>
+              <a:rPr lang="en-US" altLang="zh-CN"/>
+              <a:t>SDK</a:t>
+            </a:r>
+            <a:r>
+              <a:rPr lang="zh-CN" altLang="en-US"/>
+              <a:t>相关层接口与</a:t>
+            </a:r>
+            <a:r>
+              <a:rPr lang="en-US" altLang="zh-CN"/>
+              <a:t>OpenGL</a:t>
+            </a:r>
+            <a:r>
+              <a:rPr lang="zh-CN" altLang="en-US"/>
+              <a:t>交互，实现与</a:t>
+            </a:r>
+            <a:r>
+              <a:rPr lang="en-US" altLang="zh-CN"/>
+              <a:t>OpenGL SDK</a:t>
+            </a:r>
+            <a:r>
+              <a:rPr lang="zh-CN" altLang="en-US"/>
+              <a:t>的</a:t>
             </a:r>
             <a:r>
               <a:rPr lang="zh-CN" altLang="en-US" b="1">
@@ -12729,19 +13251,11 @@
                   <a:srgbClr val="FF0000"/>
                 </a:solidFill>
               </a:rPr>
-              <a:t>引用计数</a:t>
-            </a:r>
-            <a:r>
-              <a:rPr lang="zh-CN" altLang="en-US">
-                <a:solidFill>
-                  <a:schemeClr val="tx1"/>
-                </a:solidFill>
-              </a:rPr>
-              <a:t>方式</a:t>
+              <a:t>解耦合</a:t>
             </a:r>
             <a:r>
               <a:rPr lang="zh-CN" altLang="en-US"/>
-              <a:t>管理资源。</a:t>
+              <a:t>。</a:t>
             </a:r>
             <a:endParaRPr lang="zh-CN" altLang="en-US"/>
           </a:p>
@@ -12795,7 +13309,7 @@
                   </a:outerShdw>
                 </a:effectLst>
               </a:rPr>
-              <a:t>资源管理模块图解</a:t>
+              <a:t>资源管理模块</a:t>
             </a:r>
             <a:endParaRPr lang="zh-CN" altLang="en-US">
               <a:solidFill>
@@ -12814,401 +13328,120 @@
       </p:sp>
       <p:sp>
         <p:nvSpPr>
-          <p:cNvPr id="3" name="矩形 2"/>
-          <p:cNvSpPr/>
-          <p:nvPr/>
-        </p:nvSpPr>
-        <p:spPr>
-          <a:xfrm>
-            <a:off x="5891530" y="1718310"/>
-            <a:ext cx="3410585" cy="2046605"/>
-          </a:xfrm>
-          <a:prstGeom prst="rect">
-            <a:avLst/>
-          </a:prstGeom>
-        </p:spPr>
-        <p:style>
-          <a:lnRef idx="3">
-            <a:schemeClr val="lt1"/>
-          </a:lnRef>
-          <a:fillRef idx="1">
-            <a:schemeClr val="accent2"/>
-          </a:fillRef>
-          <a:effectRef idx="1">
-            <a:schemeClr val="accent2"/>
-          </a:effectRef>
-          <a:fontRef idx="minor">
-            <a:schemeClr val="lt1"/>
-          </a:fontRef>
-        </p:style>
-        <p:txBody>
-          <a:bodyPr rtlCol="0" anchor="ctr"/>
-          <a:p>
-            <a:pPr algn="ctr"/>
-            <a:r>
-              <a:rPr lang="zh-CN" altLang="en-US" sz="3200" b="1">
+          <p:cNvPr id="3" name="内容占位符 2"/>
+          <p:cNvSpPr>
+            <a:spLocks noGrp="1"/>
+          </p:cNvSpPr>
+          <p:nvPr>
+            <p:ph idx="1"/>
+          </p:nvPr>
+        </p:nvSpPr>
+        <p:spPr/>
+        <p:txBody>
+          <a:bodyPr/>
+          <a:p>
+            <a:pPr fontAlgn="auto">
+              <a:lnSpc>
+                <a:spcPct val="200000"/>
+              </a:lnSpc>
+            </a:pPr>
+            <a:r>
+              <a:rPr lang="zh-CN" altLang="en-US"/>
+              <a:t>提供接口</a:t>
+            </a:r>
+            <a:r>
+              <a:rPr lang="zh-CN" altLang="en-US" b="1">
+                <a:solidFill>
+                  <a:srgbClr val="FF0000"/>
+                </a:solidFill>
+              </a:rPr>
+              <a:t>申请</a:t>
+            </a:r>
+            <a:r>
+              <a:rPr lang="zh-CN" altLang="en-US"/>
+              <a:t>、</a:t>
+            </a:r>
+            <a:r>
+              <a:rPr lang="zh-CN" altLang="en-US" b="1">
+                <a:solidFill>
+                  <a:srgbClr val="FF0000"/>
+                </a:solidFill>
+              </a:rPr>
+              <a:t>析构</a:t>
+            </a:r>
+            <a:r>
+              <a:rPr lang="zh-CN" altLang="en-US"/>
+              <a:t>各类型资源。</a:t>
+            </a:r>
+            <a:endParaRPr lang="zh-CN" altLang="en-US"/>
+          </a:p>
+          <a:p>
+            <a:pPr fontAlgn="auto">
+              <a:lnSpc>
+                <a:spcPct val="200000"/>
+              </a:lnSpc>
+            </a:pPr>
+            <a:r>
+              <a:rPr lang="zh-CN" altLang="en-US"/>
+              <a:t>将资源</a:t>
+            </a:r>
+            <a:r>
+              <a:rPr lang="zh-CN" altLang="en-US" b="1">
+                <a:solidFill>
+                  <a:srgbClr val="FF0000"/>
+                </a:solidFill>
+              </a:rPr>
+              <a:t>转化为</a:t>
+            </a:r>
+            <a:r>
+              <a:rPr lang="zh-CN" altLang="en-US"/>
+              <a:t>底层渲染器需要的</a:t>
+            </a:r>
+            <a:r>
+              <a:rPr lang="zh-CN" altLang="en-US" b="1">
+                <a:solidFill>
+                  <a:srgbClr val="FF0000"/>
+                </a:solidFill>
+              </a:rPr>
+              <a:t>内存模型</a:t>
+            </a:r>
+            <a:r>
+              <a:rPr lang="zh-CN" altLang="en-US"/>
+              <a:t>返回。</a:t>
+            </a:r>
+            <a:endParaRPr lang="zh-CN" altLang="en-US"/>
+          </a:p>
+          <a:p>
+            <a:pPr fontAlgn="auto">
+              <a:lnSpc>
+                <a:spcPct val="200000"/>
+              </a:lnSpc>
+            </a:pPr>
+            <a:r>
+              <a:rPr lang="zh-CN" altLang="en-US"/>
+              <a:t>内部会将资源缓存，使用</a:t>
+            </a:r>
+            <a:r>
+              <a:rPr lang="zh-CN" altLang="en-US" b="1">
+                <a:solidFill>
+                  <a:srgbClr val="FF0000"/>
+                </a:solidFill>
+              </a:rPr>
+              <a:t>引用计数</a:t>
+            </a:r>
+            <a:r>
+              <a:rPr lang="zh-CN" altLang="en-US">
                 <a:solidFill>
                   <a:schemeClr val="tx1"/>
                 </a:solidFill>
               </a:rPr>
-              <a:t>底层渲染</a:t>
-            </a:r>
-            <a:endParaRPr lang="zh-CN" altLang="en-US" sz="3200" b="1">
-              <a:solidFill>
-                <a:schemeClr val="tx1"/>
-              </a:solidFill>
-            </a:endParaRPr>
-          </a:p>
-        </p:txBody>
-      </p:sp>
-      <p:sp>
-        <p:nvSpPr>
-          <p:cNvPr id="4" name="矩形 3"/>
-          <p:cNvSpPr/>
-          <p:nvPr/>
-        </p:nvSpPr>
-        <p:spPr>
-          <a:xfrm>
-            <a:off x="157480" y="1718310"/>
-            <a:ext cx="3410585" cy="2046605"/>
-          </a:xfrm>
-          <a:prstGeom prst="rect">
-            <a:avLst/>
-          </a:prstGeom>
-        </p:spPr>
-        <p:style>
-          <a:lnRef idx="2">
-            <a:schemeClr val="accent6">
-              <a:shade val="50000"/>
-            </a:schemeClr>
-          </a:lnRef>
-          <a:fillRef idx="1">
-            <a:schemeClr val="accent6"/>
-          </a:fillRef>
-          <a:effectRef idx="0">
-            <a:schemeClr val="accent6"/>
-          </a:effectRef>
-          <a:fontRef idx="minor">
-            <a:schemeClr val="lt1"/>
-          </a:fontRef>
-        </p:style>
-        <p:txBody>
-          <a:bodyPr rtlCol="0" anchor="ctr"/>
-          <a:p>
-            <a:pPr algn="ctr"/>
-            <a:r>
-              <a:rPr lang="zh-CN" altLang="en-US" sz="3200" b="1">
-                <a:solidFill>
-                  <a:schemeClr val="tx1"/>
-                </a:solidFill>
-              </a:rPr>
-              <a:t>资源管理</a:t>
-            </a:r>
-            <a:endParaRPr lang="zh-CN" altLang="en-US" sz="3200" b="1">
-              <a:solidFill>
-                <a:schemeClr val="tx1"/>
-              </a:solidFill>
-            </a:endParaRPr>
-          </a:p>
-        </p:txBody>
-      </p:sp>
-      <p:sp>
-        <p:nvSpPr>
-          <p:cNvPr id="10" name="右箭头 9"/>
-          <p:cNvSpPr/>
-          <p:nvPr/>
-        </p:nvSpPr>
-        <p:spPr>
-          <a:xfrm>
-            <a:off x="3846830" y="2607945"/>
-            <a:ext cx="1766570" cy="459740"/>
-          </a:xfrm>
-          <a:prstGeom prst="rightArrow">
-            <a:avLst/>
-          </a:prstGeom>
-          <a:solidFill>
-            <a:schemeClr val="bg1"/>
-          </a:solidFill>
-        </p:spPr>
-        <p:style>
-          <a:lnRef idx="2">
-            <a:schemeClr val="accent1">
-              <a:shade val="50000"/>
-            </a:schemeClr>
-          </a:lnRef>
-          <a:fillRef idx="1">
-            <a:schemeClr val="accent1"/>
-          </a:fillRef>
-          <a:effectRef idx="0">
-            <a:schemeClr val="accent1"/>
-          </a:effectRef>
-          <a:fontRef idx="minor">
-            <a:schemeClr val="lt1"/>
-          </a:fontRef>
-        </p:style>
-        <p:txBody>
-          <a:bodyPr rtlCol="0" anchor="ctr"/>
-          <a:p>
-            <a:pPr algn="ctr"/>
+              <a:t>方式</a:t>
+            </a:r>
+            <a:r>
+              <a:rPr lang="zh-CN" altLang="en-US"/>
+              <a:t>管理资源。</a:t>
+            </a:r>
             <a:endParaRPr lang="zh-CN" altLang="en-US"/>
-          </a:p>
-        </p:txBody>
-      </p:sp>
-      <p:sp>
-        <p:nvSpPr>
-          <p:cNvPr id="7" name="文本框 6"/>
-          <p:cNvSpPr txBox="1"/>
-          <p:nvPr/>
-        </p:nvSpPr>
-        <p:spPr>
-          <a:xfrm>
-            <a:off x="3996055" y="2147570"/>
-            <a:ext cx="1468755" cy="460375"/>
-          </a:xfrm>
-          <a:prstGeom prst="rect">
-            <a:avLst/>
-          </a:prstGeom>
-          <a:noFill/>
-        </p:spPr>
-        <p:txBody>
-          <a:bodyPr wrap="square" rtlCol="0">
-            <a:spAutoFit/>
-          </a:bodyPr>
-          <a:p>
-            <a:r>
-              <a:rPr lang="zh-CN" altLang="en-US" sz="2400"/>
-              <a:t>提供资源</a:t>
-            </a:r>
-            <a:endParaRPr lang="zh-CN" altLang="en-US" sz="2400"/>
-          </a:p>
-        </p:txBody>
-      </p:sp>
-      <p:sp>
-        <p:nvSpPr>
-          <p:cNvPr id="9" name="矩形 8"/>
-          <p:cNvSpPr/>
-          <p:nvPr/>
-        </p:nvSpPr>
-        <p:spPr>
-          <a:xfrm>
-            <a:off x="157480" y="4337050"/>
-            <a:ext cx="3410585" cy="2046605"/>
-          </a:xfrm>
-          <a:prstGeom prst="rect">
-            <a:avLst/>
-          </a:prstGeom>
-        </p:spPr>
-        <p:style>
-          <a:lnRef idx="2">
-            <a:schemeClr val="accent6">
-              <a:shade val="50000"/>
-            </a:schemeClr>
-          </a:lnRef>
-          <a:fillRef idx="1">
-            <a:schemeClr val="accent6"/>
-          </a:fillRef>
-          <a:effectRef idx="0">
-            <a:schemeClr val="accent6"/>
-          </a:effectRef>
-          <a:fontRef idx="minor">
-            <a:schemeClr val="lt1"/>
-          </a:fontRef>
-        </p:style>
-        <p:txBody>
-          <a:bodyPr rtlCol="0" anchor="ctr"/>
-          <a:p>
-            <a:pPr algn="ctr"/>
-            <a:r>
-              <a:rPr lang="zh-CN" altLang="en-US" sz="3200" b="1">
-                <a:solidFill>
-                  <a:schemeClr val="tx1"/>
-                </a:solidFill>
-              </a:rPr>
-              <a:t>资源管理</a:t>
-            </a:r>
-            <a:endParaRPr lang="zh-CN" altLang="en-US" sz="3200" b="1">
-              <a:solidFill>
-                <a:schemeClr val="tx1"/>
-              </a:solidFill>
-            </a:endParaRPr>
-          </a:p>
-        </p:txBody>
-      </p:sp>
-      <p:sp>
-        <p:nvSpPr>
-          <p:cNvPr id="15" name="左箭头 14"/>
-          <p:cNvSpPr/>
-          <p:nvPr/>
-        </p:nvSpPr>
-        <p:spPr>
-          <a:xfrm>
-            <a:off x="3846830" y="5100320"/>
-            <a:ext cx="1868805" cy="520700"/>
-          </a:xfrm>
-          <a:prstGeom prst="leftArrow">
-            <a:avLst/>
-          </a:prstGeom>
-          <a:solidFill>
-            <a:schemeClr val="bg1"/>
-          </a:solidFill>
-        </p:spPr>
-        <p:style>
-          <a:lnRef idx="2">
-            <a:schemeClr val="accent1">
-              <a:shade val="50000"/>
-            </a:schemeClr>
-          </a:lnRef>
-          <a:fillRef idx="1">
-            <a:schemeClr val="accent1"/>
-          </a:fillRef>
-          <a:effectRef idx="0">
-            <a:schemeClr val="accent1"/>
-          </a:effectRef>
-          <a:fontRef idx="minor">
-            <a:schemeClr val="lt1"/>
-          </a:fontRef>
-        </p:style>
-        <p:txBody>
-          <a:bodyPr rtlCol="0" anchor="ctr"/>
-          <a:p>
-            <a:pPr algn="ctr"/>
-            <a:endParaRPr lang="zh-CN" altLang="en-US"/>
-          </a:p>
-        </p:txBody>
-      </p:sp>
-      <p:sp>
-        <p:nvSpPr>
-          <p:cNvPr id="12" name="文本框 11"/>
-          <p:cNvSpPr txBox="1"/>
-          <p:nvPr/>
-        </p:nvSpPr>
-        <p:spPr>
-          <a:xfrm>
-            <a:off x="3996055" y="4582160"/>
-            <a:ext cx="1468755" cy="460375"/>
-          </a:xfrm>
-          <a:prstGeom prst="rect">
-            <a:avLst/>
-          </a:prstGeom>
-          <a:noFill/>
-        </p:spPr>
-        <p:txBody>
-          <a:bodyPr wrap="square" rtlCol="0">
-            <a:spAutoFit/>
-          </a:bodyPr>
-          <a:p>
-            <a:r>
-              <a:rPr lang="zh-CN" altLang="en-US" sz="2400"/>
-              <a:t>加载资源</a:t>
-            </a:r>
-            <a:endParaRPr lang="zh-CN" altLang="en-US" sz="2400"/>
-          </a:p>
-        </p:txBody>
-      </p:sp>
-      <p:sp>
-        <p:nvSpPr>
-          <p:cNvPr id="14" name="矩形 13"/>
-          <p:cNvSpPr/>
-          <p:nvPr/>
-        </p:nvSpPr>
-        <p:spPr>
-          <a:xfrm>
-            <a:off x="5891530" y="4224020"/>
-            <a:ext cx="3410585" cy="2046605"/>
-          </a:xfrm>
-          <a:prstGeom prst="rect">
-            <a:avLst/>
-          </a:prstGeom>
-        </p:spPr>
-        <p:style>
-          <a:lnRef idx="3">
-            <a:schemeClr val="lt1"/>
-          </a:lnRef>
-          <a:fillRef idx="1">
-            <a:schemeClr val="accent1"/>
-          </a:fillRef>
-          <a:effectRef idx="1">
-            <a:schemeClr val="accent1"/>
-          </a:effectRef>
-          <a:fontRef idx="minor">
-            <a:schemeClr val="lt1"/>
-          </a:fontRef>
-        </p:style>
-        <p:txBody>
-          <a:bodyPr rtlCol="0" anchor="ctr"/>
-          <a:p>
-            <a:pPr algn="ctr"/>
-            <a:r>
-              <a:rPr lang="zh-CN" altLang="en-US" sz="3200" b="1">
-                <a:solidFill>
-                  <a:schemeClr val="tx1"/>
-                </a:solidFill>
-              </a:rPr>
-              <a:t>操作系统</a:t>
-            </a:r>
-            <a:endParaRPr lang="zh-CN" altLang="en-US" sz="3200" b="1">
-              <a:solidFill>
-                <a:schemeClr val="tx1"/>
-              </a:solidFill>
-            </a:endParaRPr>
-          </a:p>
-        </p:txBody>
-      </p:sp>
-      <p:sp>
-        <p:nvSpPr>
-          <p:cNvPr id="16" name="文本框 15"/>
-          <p:cNvSpPr txBox="1"/>
-          <p:nvPr/>
-        </p:nvSpPr>
-        <p:spPr>
-          <a:xfrm>
-            <a:off x="9587230" y="2237740"/>
-            <a:ext cx="2419985" cy="829945"/>
-          </a:xfrm>
-          <a:prstGeom prst="rect">
-            <a:avLst/>
-          </a:prstGeom>
-          <a:noFill/>
-        </p:spPr>
-        <p:txBody>
-          <a:bodyPr wrap="square" rtlCol="0">
-            <a:spAutoFit/>
-          </a:bodyPr>
-          <a:p>
-            <a:r>
-              <a:rPr lang="zh-CN" altLang="en-US" sz="2400"/>
-              <a:t>将资源适配为通用内存模型返回</a:t>
-            </a:r>
-            <a:endParaRPr lang="zh-CN" altLang="en-US" sz="2400"/>
-          </a:p>
-        </p:txBody>
-      </p:sp>
-      <p:sp>
-        <p:nvSpPr>
-          <p:cNvPr id="18" name="文本框 17"/>
-          <p:cNvSpPr txBox="1"/>
-          <p:nvPr/>
-        </p:nvSpPr>
-        <p:spPr>
-          <a:xfrm>
-            <a:off x="9690100" y="4832350"/>
-            <a:ext cx="2317115" cy="829945"/>
-          </a:xfrm>
-          <a:prstGeom prst="rect">
-            <a:avLst/>
-          </a:prstGeom>
-          <a:noFill/>
-        </p:spPr>
-        <p:txBody>
-          <a:bodyPr wrap="square" rtlCol="0">
-            <a:spAutoFit/>
-          </a:bodyPr>
-          <a:p>
-            <a:r>
-              <a:rPr lang="zh-CN" altLang="en-US" sz="2400"/>
-              <a:t>加载资源原文件进行解析并缓存</a:t>
-            </a:r>
-            <a:endParaRPr lang="zh-CN" altLang="en-US" sz="2400"/>
           </a:p>
         </p:txBody>
       </p:sp>
@@ -13260,7 +13493,7 @@
                   </a:outerShdw>
                 </a:effectLst>
               </a:rPr>
-              <a:t>资源管理模块展示</a:t>
+              <a:t>资源管理模块图解</a:t>
             </a:r>
             <a:endParaRPr lang="zh-CN" altLang="en-US">
               <a:solidFill>
@@ -13277,42 +13510,158 @@
           </a:p>
         </p:txBody>
       </p:sp>
-      <p:pic>
-        <p:nvPicPr>
-          <p:cNvPr id="4" name="内容占位符 3"/>
-          <p:cNvPicPr>
-            <a:picLocks noChangeAspect="1"/>
-          </p:cNvPicPr>
-          <p:nvPr>
-            <p:ph idx="1"/>
-          </p:nvPr>
-        </p:nvPicPr>
-        <p:blipFill>
-          <a:blip r:embed="rId1"/>
-          <a:stretch>
-            <a:fillRect/>
-          </a:stretch>
-        </p:blipFill>
+      <p:sp>
+        <p:nvSpPr>
+          <p:cNvPr id="3" name="矩形 2"/>
+          <p:cNvSpPr/>
+          <p:nvPr/>
+        </p:nvSpPr>
         <p:spPr>
           <a:xfrm>
-            <a:off x="1144270" y="3910330"/>
-            <a:ext cx="8629650" cy="2257425"/>
+            <a:off x="5891530" y="1718310"/>
+            <a:ext cx="3410585" cy="2046605"/>
           </a:xfrm>
           <a:prstGeom prst="rect">
             <a:avLst/>
           </a:prstGeom>
         </p:spPr>
-      </p:pic>
-      <p:sp>
-        <p:nvSpPr>
-          <p:cNvPr id="5" name="文本框 4"/>
+        <p:style>
+          <a:lnRef idx="3">
+            <a:schemeClr val="lt1"/>
+          </a:lnRef>
+          <a:fillRef idx="1">
+            <a:schemeClr val="accent2"/>
+          </a:fillRef>
+          <a:effectRef idx="1">
+            <a:schemeClr val="accent2"/>
+          </a:effectRef>
+          <a:fontRef idx="minor">
+            <a:schemeClr val="lt1"/>
+          </a:fontRef>
+        </p:style>
+        <p:txBody>
+          <a:bodyPr rtlCol="0" anchor="ctr"/>
+          <a:p>
+            <a:pPr algn="ctr"/>
+            <a:r>
+              <a:rPr lang="zh-CN" altLang="en-US" sz="3200" b="1">
+                <a:solidFill>
+                  <a:schemeClr val="tx1"/>
+                </a:solidFill>
+              </a:rPr>
+              <a:t>底层渲染</a:t>
+            </a:r>
+            <a:endParaRPr lang="zh-CN" altLang="en-US" sz="3200" b="1">
+              <a:solidFill>
+                <a:schemeClr val="tx1"/>
+              </a:solidFill>
+            </a:endParaRPr>
+          </a:p>
+        </p:txBody>
+      </p:sp>
+      <p:sp>
+        <p:nvSpPr>
+          <p:cNvPr id="4" name="矩形 3"/>
+          <p:cNvSpPr/>
+          <p:nvPr/>
+        </p:nvSpPr>
+        <p:spPr>
+          <a:xfrm>
+            <a:off x="157480" y="1718310"/>
+            <a:ext cx="3410585" cy="2046605"/>
+          </a:xfrm>
+          <a:prstGeom prst="rect">
+            <a:avLst/>
+          </a:prstGeom>
+        </p:spPr>
+        <p:style>
+          <a:lnRef idx="2">
+            <a:schemeClr val="accent6">
+              <a:shade val="50000"/>
+            </a:schemeClr>
+          </a:lnRef>
+          <a:fillRef idx="1">
+            <a:schemeClr val="accent6"/>
+          </a:fillRef>
+          <a:effectRef idx="0">
+            <a:schemeClr val="accent6"/>
+          </a:effectRef>
+          <a:fontRef idx="minor">
+            <a:schemeClr val="lt1"/>
+          </a:fontRef>
+        </p:style>
+        <p:txBody>
+          <a:bodyPr rtlCol="0" anchor="ctr"/>
+          <a:p>
+            <a:pPr algn="ctr"/>
+            <a:r>
+              <a:rPr lang="zh-CN" altLang="en-US" sz="3200" b="1">
+                <a:solidFill>
+                  <a:schemeClr val="tx1"/>
+                </a:solidFill>
+              </a:rPr>
+              <a:t>资源管理</a:t>
+            </a:r>
+            <a:endParaRPr lang="zh-CN" altLang="en-US" sz="3200" b="1">
+              <a:solidFill>
+                <a:schemeClr val="tx1"/>
+              </a:solidFill>
+            </a:endParaRPr>
+          </a:p>
+        </p:txBody>
+      </p:sp>
+      <p:sp>
+        <p:nvSpPr>
+          <p:cNvPr id="10" name="右箭头 9"/>
+          <p:cNvSpPr/>
+          <p:nvPr/>
+        </p:nvSpPr>
+        <p:spPr>
+          <a:xfrm>
+            <a:off x="3846830" y="2607945"/>
+            <a:ext cx="1766570" cy="459740"/>
+          </a:xfrm>
+          <a:prstGeom prst="rightArrow">
+            <a:avLst/>
+          </a:prstGeom>
+          <a:solidFill>
+            <a:schemeClr val="bg1"/>
+          </a:solidFill>
+        </p:spPr>
+        <p:style>
+          <a:lnRef idx="2">
+            <a:schemeClr val="accent1">
+              <a:shade val="50000"/>
+            </a:schemeClr>
+          </a:lnRef>
+          <a:fillRef idx="1">
+            <a:schemeClr val="accent1"/>
+          </a:fillRef>
+          <a:effectRef idx="0">
+            <a:schemeClr val="accent1"/>
+          </a:effectRef>
+          <a:fontRef idx="minor">
+            <a:schemeClr val="lt1"/>
+          </a:fontRef>
+        </p:style>
+        <p:txBody>
+          <a:bodyPr rtlCol="0" anchor="ctr"/>
+          <a:p>
+            <a:pPr algn="ctr"/>
+            <a:endParaRPr lang="zh-CN" altLang="en-US"/>
+          </a:p>
+        </p:txBody>
+      </p:sp>
+      <p:sp>
+        <p:nvSpPr>
+          <p:cNvPr id="7" name="文本框 6"/>
           <p:cNvSpPr txBox="1"/>
           <p:nvPr/>
         </p:nvSpPr>
         <p:spPr>
           <a:xfrm>
-            <a:off x="3935730" y="6263005"/>
-            <a:ext cx="3046095" cy="460375"/>
+            <a:off x="3996055" y="2147570"/>
+            <a:ext cx="1468755" cy="460375"/>
           </a:xfrm>
           <a:prstGeom prst="rect">
             <a:avLst/>
@@ -13324,53 +13673,117 @@
             <a:spAutoFit/>
           </a:bodyPr>
           <a:p>
-            <a:pPr algn="ctr"/>
             <a:r>
               <a:rPr lang="zh-CN" altLang="en-US" sz="2400"/>
-              <a:t>资源释放</a:t>
-            </a:r>
-            <a:r>
-              <a:rPr lang="en-US" altLang="zh-CN" sz="2400"/>
-              <a:t>log</a:t>
-            </a:r>
-            <a:endParaRPr lang="en-US" altLang="zh-CN" sz="2400"/>
-          </a:p>
-        </p:txBody>
-      </p:sp>
-      <p:pic>
-        <p:nvPicPr>
-          <p:cNvPr id="6" name="图片 5"/>
-          <p:cNvPicPr>
-            <a:picLocks noChangeAspect="1"/>
-          </p:cNvPicPr>
+              <a:t>提供资源</a:t>
+            </a:r>
+            <a:endParaRPr lang="zh-CN" altLang="en-US" sz="2400"/>
+          </a:p>
+        </p:txBody>
+      </p:sp>
+      <p:sp>
+        <p:nvSpPr>
+          <p:cNvPr id="9" name="矩形 8"/>
+          <p:cNvSpPr/>
           <p:nvPr/>
-        </p:nvPicPr>
-        <p:blipFill>
-          <a:blip r:embed="rId2"/>
-          <a:stretch>
-            <a:fillRect/>
-          </a:stretch>
-        </p:blipFill>
+        </p:nvSpPr>
         <p:spPr>
           <a:xfrm>
-            <a:off x="1144270" y="1597025"/>
-            <a:ext cx="3995420" cy="1960245"/>
+            <a:off x="157480" y="4337050"/>
+            <a:ext cx="3410585" cy="2046605"/>
           </a:xfrm>
           <a:prstGeom prst="rect">
             <a:avLst/>
           </a:prstGeom>
         </p:spPr>
-      </p:pic>
-      <p:sp>
-        <p:nvSpPr>
-          <p:cNvPr id="7" name="文本框 6"/>
+        <p:style>
+          <a:lnRef idx="2">
+            <a:schemeClr val="accent6">
+              <a:shade val="50000"/>
+            </a:schemeClr>
+          </a:lnRef>
+          <a:fillRef idx="1">
+            <a:schemeClr val="accent6"/>
+          </a:fillRef>
+          <a:effectRef idx="0">
+            <a:schemeClr val="accent6"/>
+          </a:effectRef>
+          <a:fontRef idx="minor">
+            <a:schemeClr val="lt1"/>
+          </a:fontRef>
+        </p:style>
+        <p:txBody>
+          <a:bodyPr rtlCol="0" anchor="ctr"/>
+          <a:p>
+            <a:pPr algn="ctr"/>
+            <a:r>
+              <a:rPr lang="zh-CN" altLang="en-US" sz="3200" b="1">
+                <a:solidFill>
+                  <a:schemeClr val="tx1"/>
+                </a:solidFill>
+              </a:rPr>
+              <a:t>资源管理</a:t>
+            </a:r>
+            <a:endParaRPr lang="zh-CN" altLang="en-US" sz="3200" b="1">
+              <a:solidFill>
+                <a:schemeClr val="tx1"/>
+              </a:solidFill>
+            </a:endParaRPr>
+          </a:p>
+        </p:txBody>
+      </p:sp>
+      <p:sp>
+        <p:nvSpPr>
+          <p:cNvPr id="15" name="左箭头 14"/>
+          <p:cNvSpPr/>
+          <p:nvPr/>
+        </p:nvSpPr>
+        <p:spPr>
+          <a:xfrm>
+            <a:off x="3846830" y="5100320"/>
+            <a:ext cx="1868805" cy="520700"/>
+          </a:xfrm>
+          <a:prstGeom prst="leftArrow">
+            <a:avLst/>
+          </a:prstGeom>
+          <a:solidFill>
+            <a:schemeClr val="bg1"/>
+          </a:solidFill>
+        </p:spPr>
+        <p:style>
+          <a:lnRef idx="2">
+            <a:schemeClr val="accent1">
+              <a:shade val="50000"/>
+            </a:schemeClr>
+          </a:lnRef>
+          <a:fillRef idx="1">
+            <a:schemeClr val="accent1"/>
+          </a:fillRef>
+          <a:effectRef idx="0">
+            <a:schemeClr val="accent1"/>
+          </a:effectRef>
+          <a:fontRef idx="minor">
+            <a:schemeClr val="lt1"/>
+          </a:fontRef>
+        </p:style>
+        <p:txBody>
+          <a:bodyPr rtlCol="0" anchor="ctr"/>
+          <a:p>
+            <a:pPr algn="ctr"/>
+            <a:endParaRPr lang="zh-CN" altLang="en-US"/>
+          </a:p>
+        </p:txBody>
+      </p:sp>
+      <p:sp>
+        <p:nvSpPr>
+          <p:cNvPr id="12" name="文本框 11"/>
           <p:cNvSpPr txBox="1"/>
           <p:nvPr/>
         </p:nvSpPr>
         <p:spPr>
           <a:xfrm>
-            <a:off x="5639435" y="2226945"/>
-            <a:ext cx="4941570" cy="460375"/>
+            <a:off x="3996055" y="4582160"/>
+            <a:ext cx="1468755" cy="460375"/>
           </a:xfrm>
           <a:prstGeom prst="rect">
             <a:avLst/>
@@ -13384,15 +13797,114 @@
           <a:p>
             <a:r>
               <a:rPr lang="zh-CN" altLang="en-US" sz="2400"/>
-              <a:t>资源申请</a:t>
-            </a:r>
-            <a:r>
-              <a:rPr lang="en-US" altLang="zh-CN" sz="2400"/>
-              <a:t>log</a:t>
-            </a:r>
+              <a:t>加载资源</a:t>
+            </a:r>
+            <a:endParaRPr lang="zh-CN" altLang="en-US" sz="2400"/>
+          </a:p>
+        </p:txBody>
+      </p:sp>
+      <p:sp>
+        <p:nvSpPr>
+          <p:cNvPr id="14" name="矩形 13"/>
+          <p:cNvSpPr/>
+          <p:nvPr/>
+        </p:nvSpPr>
+        <p:spPr>
+          <a:xfrm>
+            <a:off x="5891530" y="4224020"/>
+            <a:ext cx="3410585" cy="2046605"/>
+          </a:xfrm>
+          <a:prstGeom prst="rect">
+            <a:avLst/>
+          </a:prstGeom>
+        </p:spPr>
+        <p:style>
+          <a:lnRef idx="3">
+            <a:schemeClr val="lt1"/>
+          </a:lnRef>
+          <a:fillRef idx="1">
+            <a:schemeClr val="accent1"/>
+          </a:fillRef>
+          <a:effectRef idx="1">
+            <a:schemeClr val="accent1"/>
+          </a:effectRef>
+          <a:fontRef idx="minor">
+            <a:schemeClr val="lt1"/>
+          </a:fontRef>
+        </p:style>
+        <p:txBody>
+          <a:bodyPr rtlCol="0" anchor="ctr"/>
+          <a:p>
+            <a:pPr algn="ctr"/>
+            <a:r>
+              <a:rPr lang="zh-CN" altLang="en-US" sz="3200" b="1">
+                <a:solidFill>
+                  <a:schemeClr val="tx1"/>
+                </a:solidFill>
+              </a:rPr>
+              <a:t>操作系统</a:t>
+            </a:r>
+            <a:endParaRPr lang="zh-CN" altLang="en-US" sz="3200" b="1">
+              <a:solidFill>
+                <a:schemeClr val="tx1"/>
+              </a:solidFill>
+            </a:endParaRPr>
+          </a:p>
+        </p:txBody>
+      </p:sp>
+      <p:sp>
+        <p:nvSpPr>
+          <p:cNvPr id="16" name="文本框 15"/>
+          <p:cNvSpPr txBox="1"/>
+          <p:nvPr/>
+        </p:nvSpPr>
+        <p:spPr>
+          <a:xfrm>
+            <a:off x="9587230" y="2237740"/>
+            <a:ext cx="2419985" cy="829945"/>
+          </a:xfrm>
+          <a:prstGeom prst="rect">
+            <a:avLst/>
+          </a:prstGeom>
+          <a:noFill/>
+        </p:spPr>
+        <p:txBody>
+          <a:bodyPr wrap="square" rtlCol="0">
+            <a:spAutoFit/>
+          </a:bodyPr>
+          <a:p>
             <a:r>
               <a:rPr lang="zh-CN" altLang="en-US" sz="2400"/>
-              <a:t>（仅创建时记录）</a:t>
+              <a:t>将资源适配为通用内存模型返回</a:t>
+            </a:r>
+            <a:endParaRPr lang="zh-CN" altLang="en-US" sz="2400"/>
+          </a:p>
+        </p:txBody>
+      </p:sp>
+      <p:sp>
+        <p:nvSpPr>
+          <p:cNvPr id="18" name="文本框 17"/>
+          <p:cNvSpPr txBox="1"/>
+          <p:nvPr/>
+        </p:nvSpPr>
+        <p:spPr>
+          <a:xfrm>
+            <a:off x="9690100" y="4832350"/>
+            <a:ext cx="2317115" cy="829945"/>
+          </a:xfrm>
+          <a:prstGeom prst="rect">
+            <a:avLst/>
+          </a:prstGeom>
+          <a:noFill/>
+        </p:spPr>
+        <p:txBody>
+          <a:bodyPr wrap="square" rtlCol="0">
+            <a:spAutoFit/>
+          </a:bodyPr>
+          <a:p>
+            <a:r>
+              <a:rPr lang="zh-CN" altLang="en-US" sz="2400"/>
+              <a:t>加载资源原文件进行解析并缓存</a:t>
             </a:r>
             <a:endParaRPr lang="zh-CN" altLang="en-US" sz="2400"/>
           </a:p>
@@ -13400,7 +13912,7 @@
       </p:sp>
     </p:spTree>
     <p:custDataLst>
-      <p:tags r:id="rId3"/>
+      <p:tags r:id="rId1"/>
     </p:custDataLst>
   </p:cSld>
   <p:clrMapOvr>
@@ -13429,16 +13941,9 @@
             <p:ph type="title"/>
           </p:nvPr>
         </p:nvSpPr>
-        <p:spPr>
-          <a:xfrm>
-            <a:off x="838200" y="483235"/>
-            <a:ext cx="10779125" cy="1433195"/>
-          </a:xfrm>
-        </p:spPr>
-        <p:txBody>
-          <a:bodyPr>
-            <a:normAutofit/>
-          </a:bodyPr>
+        <p:spPr/>
+        <p:txBody>
+          <a:bodyPr/>
           <a:p>
             <a:r>
               <a:rPr lang="zh-CN" altLang="en-US">
@@ -13453,128 +13958,147 @@
                   </a:outerShdw>
                 </a:effectLst>
               </a:rPr>
-              <a:t>平台无关模块</a:t>
-            </a:r>
-            <a:br>
-              <a:rPr lang="zh-CN" altLang="en-US"/>
-            </a:br>
-            <a:endParaRPr lang="zh-CN" altLang="en-US"/>
-          </a:p>
-        </p:txBody>
-      </p:sp>
-      <p:sp>
-        <p:nvSpPr>
-          <p:cNvPr id="3" name="内容占位符 2"/>
-          <p:cNvSpPr>
-            <a:spLocks noGrp="1"/>
-          </p:cNvSpPr>
+              <a:t>资源管理模块展示</a:t>
+            </a:r>
+            <a:endParaRPr lang="zh-CN" altLang="en-US">
+              <a:solidFill>
+                <a:schemeClr val="tx1"/>
+              </a:solidFill>
+              <a:effectLst>
+                <a:outerShdw blurRad="38100" dist="19050" dir="2700000" algn="tl" rotWithShape="0">
+                  <a:schemeClr val="dk1">
+                    <a:alpha val="40000"/>
+                  </a:schemeClr>
+                </a:outerShdw>
+              </a:effectLst>
+            </a:endParaRPr>
+          </a:p>
+        </p:txBody>
+      </p:sp>
+      <p:pic>
+        <p:nvPicPr>
+          <p:cNvPr id="4" name="内容占位符 3"/>
+          <p:cNvPicPr>
+            <a:picLocks noChangeAspect="1"/>
+          </p:cNvPicPr>
           <p:nvPr>
             <p:ph idx="1"/>
           </p:nvPr>
-        </p:nvSpPr>
-        <p:spPr/>
-        <p:txBody>
-          <a:bodyPr/>
-          <a:p>
-            <a:pPr>
-              <a:buFont typeface="Wingdings" panose="05000000000000000000" charset="0"/>
-              <a:buChar char="u"/>
-            </a:pPr>
-            <a:r>
-              <a:rPr lang="zh-CN" altLang="en-US" b="1"/>
-              <a:t>平台无关层的功能相当于main函数，其具体职能如下：</a:t>
-            </a:r>
-            <a:endParaRPr lang="zh-CN" altLang="en-US"/>
-          </a:p>
-          <a:p>
-            <a:pPr fontAlgn="auto">
-              <a:lnSpc>
-                <a:spcPct val="200000"/>
-              </a:lnSpc>
-            </a:pPr>
-            <a:r>
-              <a:rPr lang="zh-CN" altLang="en-US"/>
-              <a:t>在任意操作系统上</a:t>
-            </a:r>
-            <a:r>
-              <a:rPr lang="zh-CN" altLang="en-US" b="1">
-                <a:solidFill>
-                  <a:srgbClr val="FF0000"/>
-                </a:solidFill>
-              </a:rPr>
-              <a:t>弹出可渲染窗口</a:t>
-            </a:r>
-            <a:r>
-              <a:rPr lang="zh-CN" altLang="en-US"/>
-              <a:t>。</a:t>
-            </a:r>
-            <a:endParaRPr lang="zh-CN" altLang="en-US"/>
-          </a:p>
-          <a:p>
-            <a:pPr fontAlgn="auto">
-              <a:lnSpc>
-                <a:spcPct val="200000"/>
-              </a:lnSpc>
-            </a:pPr>
-            <a:r>
-              <a:rPr lang="zh-CN" altLang="en-US"/>
-              <a:t>提供全局</a:t>
-            </a:r>
-            <a:r>
-              <a:rPr lang="zh-CN" altLang="en-US" b="1">
-                <a:solidFill>
-                  <a:srgbClr val="FF0000"/>
-                </a:solidFill>
-              </a:rPr>
-              <a:t>事件监听</a:t>
-            </a:r>
-            <a:r>
-              <a:rPr lang="zh-CN" altLang="en-US"/>
-              <a:t>功能。</a:t>
-            </a:r>
-            <a:endParaRPr lang="zh-CN" altLang="en-US"/>
-          </a:p>
-          <a:p>
-            <a:pPr fontAlgn="auto">
-              <a:lnSpc>
-                <a:spcPct val="200000"/>
-              </a:lnSpc>
-            </a:pPr>
-            <a:r>
-              <a:rPr lang="zh-CN" altLang="en-US"/>
-              <a:t>调用</a:t>
-            </a:r>
-            <a:r>
-              <a:rPr lang="zh-CN" altLang="en-US" b="1">
-                <a:solidFill>
-                  <a:srgbClr val="FF0000"/>
-                </a:solidFill>
-              </a:rPr>
-              <a:t>场景管理模块</a:t>
-            </a:r>
-            <a:r>
-              <a:rPr lang="zh-CN" altLang="en-US"/>
-              <a:t>的</a:t>
-            </a:r>
-            <a:r>
-              <a:rPr lang="zh-CN" altLang="en-US" b="1">
-                <a:solidFill>
-                  <a:srgbClr val="FF0000"/>
-                </a:solidFill>
-              </a:rPr>
-              <a:t>流程</a:t>
-            </a:r>
-            <a:r>
-              <a:rPr lang="zh-CN" altLang="en-US"/>
-              <a:t>函数。</a:t>
-            </a:r>
-            <a:endParaRPr lang="zh-CN" altLang="en-US"/>
+        </p:nvPicPr>
+        <p:blipFill>
+          <a:blip r:embed="rId1"/>
+          <a:stretch>
+            <a:fillRect/>
+          </a:stretch>
+        </p:blipFill>
+        <p:spPr>
+          <a:xfrm>
+            <a:off x="1144270" y="3910330"/>
+            <a:ext cx="8629650" cy="2257425"/>
+          </a:xfrm>
+          <a:prstGeom prst="rect">
+            <a:avLst/>
+          </a:prstGeom>
+        </p:spPr>
+      </p:pic>
+      <p:sp>
+        <p:nvSpPr>
+          <p:cNvPr id="5" name="文本框 4"/>
+          <p:cNvSpPr txBox="1"/>
+          <p:nvPr/>
+        </p:nvSpPr>
+        <p:spPr>
+          <a:xfrm>
+            <a:off x="3935730" y="6263005"/>
+            <a:ext cx="3046095" cy="460375"/>
+          </a:xfrm>
+          <a:prstGeom prst="rect">
+            <a:avLst/>
+          </a:prstGeom>
+          <a:noFill/>
+        </p:spPr>
+        <p:txBody>
+          <a:bodyPr wrap="square" rtlCol="0">
+            <a:spAutoFit/>
+          </a:bodyPr>
+          <a:p>
+            <a:pPr algn="ctr"/>
+            <a:r>
+              <a:rPr lang="zh-CN" altLang="en-US" sz="2400"/>
+              <a:t>资源释放</a:t>
+            </a:r>
+            <a:r>
+              <a:rPr lang="en-US" altLang="zh-CN" sz="2400"/>
+              <a:t>log</a:t>
+            </a:r>
+            <a:endParaRPr lang="en-US" altLang="zh-CN" sz="2400"/>
+          </a:p>
+        </p:txBody>
+      </p:sp>
+      <p:pic>
+        <p:nvPicPr>
+          <p:cNvPr id="6" name="图片 5"/>
+          <p:cNvPicPr>
+            <a:picLocks noChangeAspect="1"/>
+          </p:cNvPicPr>
+          <p:nvPr/>
+        </p:nvPicPr>
+        <p:blipFill>
+          <a:blip r:embed="rId2"/>
+          <a:stretch>
+            <a:fillRect/>
+          </a:stretch>
+        </p:blipFill>
+        <p:spPr>
+          <a:xfrm>
+            <a:off x="1144270" y="1597025"/>
+            <a:ext cx="3995420" cy="1960245"/>
+          </a:xfrm>
+          <a:prstGeom prst="rect">
+            <a:avLst/>
+          </a:prstGeom>
+        </p:spPr>
+      </p:pic>
+      <p:sp>
+        <p:nvSpPr>
+          <p:cNvPr id="7" name="文本框 6"/>
+          <p:cNvSpPr txBox="1"/>
+          <p:nvPr/>
+        </p:nvSpPr>
+        <p:spPr>
+          <a:xfrm>
+            <a:off x="5639435" y="2226945"/>
+            <a:ext cx="4941570" cy="460375"/>
+          </a:xfrm>
+          <a:prstGeom prst="rect">
+            <a:avLst/>
+          </a:prstGeom>
+          <a:noFill/>
+        </p:spPr>
+        <p:txBody>
+          <a:bodyPr wrap="square" rtlCol="0">
+            <a:spAutoFit/>
+          </a:bodyPr>
+          <a:p>
+            <a:r>
+              <a:rPr lang="zh-CN" altLang="en-US" sz="2400"/>
+              <a:t>资源申请</a:t>
+            </a:r>
+            <a:r>
+              <a:rPr lang="en-US" altLang="zh-CN" sz="2400"/>
+              <a:t>log</a:t>
+            </a:r>
+            <a:r>
+              <a:rPr lang="zh-CN" altLang="en-US" sz="2400"/>
+              <a:t>（仅创建时记录）</a:t>
+            </a:r>
+            <a:endParaRPr lang="zh-CN" altLang="en-US" sz="2400"/>
           </a:p>
         </p:txBody>
       </p:sp>
     </p:spTree>
     <p:custDataLst>
-      <p:tags r:id="rId1"/>
+      <p:tags r:id="rId3"/>
     </p:custDataLst>
   </p:cSld>
   <p:clrMapOvr>
@@ -13603,9 +14127,16 @@
             <p:ph type="title"/>
           </p:nvPr>
         </p:nvSpPr>
-        <p:spPr/>
-        <p:txBody>
-          <a:bodyPr/>
+        <p:spPr>
+          <a:xfrm>
+            <a:off x="838200" y="483235"/>
+            <a:ext cx="10779125" cy="1433195"/>
+          </a:xfrm>
+        </p:spPr>
+        <p:txBody>
+          <a:bodyPr>
+            <a:normAutofit/>
+          </a:bodyPr>
           <a:p>
             <a:r>
               <a:rPr lang="zh-CN" altLang="en-US">
@@ -13620,440 +14151,122 @@
                   </a:outerShdw>
                 </a:effectLst>
               </a:rPr>
-              <a:t>平台无关模块图解</a:t>
-            </a:r>
-            <a:endParaRPr lang="zh-CN" altLang="en-US">
-              <a:solidFill>
-                <a:schemeClr val="tx1"/>
-              </a:solidFill>
-              <a:effectLst>
-                <a:outerShdw blurRad="38100" dist="19050" dir="2700000" algn="tl" rotWithShape="0">
-                  <a:schemeClr val="dk1">
-                    <a:alpha val="40000"/>
-                  </a:schemeClr>
-                </a:outerShdw>
-              </a:effectLst>
-            </a:endParaRPr>
-          </a:p>
-        </p:txBody>
-      </p:sp>
-      <p:sp>
-        <p:nvSpPr>
-          <p:cNvPr id="5" name="文本框 4"/>
-          <p:cNvSpPr txBox="1"/>
-          <p:nvPr/>
-        </p:nvSpPr>
-        <p:spPr>
-          <a:xfrm>
-            <a:off x="9493885" y="2326640"/>
-            <a:ext cx="2378710" cy="829945"/>
-          </a:xfrm>
-          <a:prstGeom prst="rect">
-            <a:avLst/>
-          </a:prstGeom>
-          <a:noFill/>
-        </p:spPr>
-        <p:txBody>
-          <a:bodyPr wrap="square" rtlCol="0">
-            <a:spAutoFit/>
-          </a:bodyPr>
-          <a:p>
-            <a:r>
-              <a:rPr lang="zh-CN" altLang="en-US" sz="2400"/>
-              <a:t>与操作系统交互，</a:t>
-            </a:r>
-            <a:endParaRPr lang="zh-CN" altLang="en-US" sz="2400"/>
-          </a:p>
-          <a:p>
-            <a:r>
-              <a:rPr lang="zh-CN" altLang="en-US" sz="2400"/>
-              <a:t>初始化绘图环境</a:t>
-            </a:r>
-            <a:endParaRPr lang="zh-CN" altLang="en-US" sz="2400"/>
-          </a:p>
-        </p:txBody>
-      </p:sp>
-      <p:sp>
-        <p:nvSpPr>
-          <p:cNvPr id="11" name="文本框 10"/>
-          <p:cNvSpPr txBox="1"/>
-          <p:nvPr/>
-        </p:nvSpPr>
-        <p:spPr>
-          <a:xfrm>
-            <a:off x="9802495" y="5046980"/>
-            <a:ext cx="1761490" cy="829945"/>
-          </a:xfrm>
-          <a:prstGeom prst="rect">
-            <a:avLst/>
-          </a:prstGeom>
-          <a:noFill/>
-        </p:spPr>
-        <p:txBody>
-          <a:bodyPr wrap="square" rtlCol="0">
-            <a:spAutoFit/>
-          </a:bodyPr>
-          <a:p>
-            <a:r>
-              <a:rPr lang="zh-CN" altLang="en-US" sz="2400">
-                <a:sym typeface="+mn-ea"/>
+              <a:t>平台无关模块</a:t>
+            </a:r>
+            <a:br>
+              <a:rPr lang="zh-CN" altLang="en-US"/>
+            </a:br>
+            <a:endParaRPr lang="zh-CN" altLang="en-US"/>
+          </a:p>
+        </p:txBody>
+      </p:sp>
+      <p:sp>
+        <p:nvSpPr>
+          <p:cNvPr id="3" name="内容占位符 2"/>
+          <p:cNvSpPr>
+            <a:spLocks noGrp="1"/>
+          </p:cNvSpPr>
+          <p:nvPr>
+            <p:ph idx="1"/>
+          </p:nvPr>
+        </p:nvSpPr>
+        <p:spPr/>
+        <p:txBody>
+          <a:bodyPr/>
+          <a:p>
+            <a:pPr>
+              <a:buFont typeface="Wingdings" panose="05000000000000000000" charset="0"/>
+              <a:buChar char="u"/>
+            </a:pPr>
+            <a:r>
+              <a:rPr lang="zh-CN" altLang="en-US" b="1"/>
+              <a:t>平台无关层的功能相当于main函数，其具体职能如下：</a:t>
+            </a:r>
+            <a:endParaRPr lang="zh-CN" altLang="en-US"/>
+          </a:p>
+          <a:p>
+            <a:pPr fontAlgn="auto">
+              <a:lnSpc>
+                <a:spcPct val="200000"/>
+              </a:lnSpc>
+            </a:pPr>
+            <a:r>
+              <a:rPr lang="zh-CN" altLang="en-US"/>
+              <a:t>在任意操作系统上</a:t>
+            </a:r>
+            <a:r>
+              <a:rPr lang="zh-CN" altLang="en-US" b="1">
+                <a:solidFill>
+                  <a:srgbClr val="FF0000"/>
+                </a:solidFill>
               </a:rPr>
-              <a:t>调场景管理</a:t>
-            </a:r>
-            <a:endParaRPr lang="zh-CN" altLang="en-US" sz="2400">
-              <a:sym typeface="+mn-ea"/>
-            </a:endParaRPr>
-          </a:p>
-          <a:p>
-            <a:r>
-              <a:rPr lang="zh-CN" altLang="en-US" sz="2400">
-                <a:sym typeface="+mn-ea"/>
+              <a:t>弹出可渲染窗口</a:t>
+            </a:r>
+            <a:r>
+              <a:rPr lang="zh-CN" altLang="en-US"/>
+              <a:t>。</a:t>
+            </a:r>
+            <a:endParaRPr lang="zh-CN" altLang="en-US"/>
+          </a:p>
+          <a:p>
+            <a:pPr fontAlgn="auto">
+              <a:lnSpc>
+                <a:spcPct val="200000"/>
+              </a:lnSpc>
+            </a:pPr>
+            <a:r>
+              <a:rPr lang="zh-CN" altLang="en-US"/>
+              <a:t>提供全局</a:t>
+            </a:r>
+            <a:r>
+              <a:rPr lang="zh-CN" altLang="en-US" b="1">
+                <a:solidFill>
+                  <a:srgbClr val="FF0000"/>
+                </a:solidFill>
               </a:rPr>
-              <a:t>模块的接口</a:t>
-            </a:r>
-            <a:endParaRPr lang="zh-CN" altLang="en-US" sz="2400"/>
-          </a:p>
-        </p:txBody>
-      </p:sp>
-      <p:sp>
-        <p:nvSpPr>
-          <p:cNvPr id="4" name="矩形 3"/>
-          <p:cNvSpPr/>
-          <p:nvPr/>
-        </p:nvSpPr>
-        <p:spPr>
-          <a:xfrm>
-            <a:off x="157480" y="1718310"/>
-            <a:ext cx="3410585" cy="2046605"/>
-          </a:xfrm>
-          <a:prstGeom prst="rect">
-            <a:avLst/>
-          </a:prstGeom>
-        </p:spPr>
-        <p:style>
-          <a:lnRef idx="2">
-            <a:schemeClr val="accent6">
-              <a:shade val="50000"/>
-            </a:schemeClr>
-          </a:lnRef>
-          <a:fillRef idx="1">
-            <a:schemeClr val="accent6"/>
-          </a:fillRef>
-          <a:effectRef idx="0">
-            <a:schemeClr val="accent6"/>
-          </a:effectRef>
-          <a:fontRef idx="minor">
-            <a:schemeClr val="lt1"/>
-          </a:fontRef>
-        </p:style>
-        <p:txBody>
-          <a:bodyPr rtlCol="0" anchor="ctr"/>
-          <a:p>
-            <a:pPr algn="ctr"/>
-            <a:r>
-              <a:rPr lang="zh-CN" altLang="en-US" sz="3200" b="1">
-                <a:solidFill>
-                  <a:schemeClr val="tx1"/>
+              <a:t>事件监听</a:t>
+            </a:r>
+            <a:r>
+              <a:rPr lang="zh-CN" altLang="en-US"/>
+              <a:t>功能。</a:t>
+            </a:r>
+            <a:endParaRPr lang="zh-CN" altLang="en-US"/>
+          </a:p>
+          <a:p>
+            <a:pPr fontAlgn="auto">
+              <a:lnSpc>
+                <a:spcPct val="200000"/>
+              </a:lnSpc>
+            </a:pPr>
+            <a:r>
+              <a:rPr lang="zh-CN" altLang="en-US"/>
+              <a:t>调用</a:t>
+            </a:r>
+            <a:r>
+              <a:rPr lang="zh-CN" altLang="en-US" b="1">
+                <a:solidFill>
+                  <a:srgbClr val="FF0000"/>
                 </a:solidFill>
               </a:rPr>
-              <a:t>平台无关</a:t>
-            </a:r>
-            <a:endParaRPr lang="zh-CN" altLang="en-US" sz="3200" b="1">
-              <a:solidFill>
-                <a:schemeClr val="tx1"/>
-              </a:solidFill>
-            </a:endParaRPr>
-          </a:p>
-        </p:txBody>
-      </p:sp>
-      <p:sp>
-        <p:nvSpPr>
-          <p:cNvPr id="6" name="矩形 5"/>
-          <p:cNvSpPr/>
-          <p:nvPr/>
-        </p:nvSpPr>
-        <p:spPr>
-          <a:xfrm>
-            <a:off x="5942330" y="1718310"/>
-            <a:ext cx="3410585" cy="2046605"/>
-          </a:xfrm>
-          <a:prstGeom prst="rect">
-            <a:avLst/>
-          </a:prstGeom>
-        </p:spPr>
-        <p:style>
-          <a:lnRef idx="3">
-            <a:schemeClr val="lt1"/>
-          </a:lnRef>
-          <a:fillRef idx="1">
-            <a:schemeClr val="accent1"/>
-          </a:fillRef>
-          <a:effectRef idx="1">
-            <a:schemeClr val="accent1"/>
-          </a:effectRef>
-          <a:fontRef idx="minor">
-            <a:schemeClr val="lt1"/>
-          </a:fontRef>
-        </p:style>
-        <p:txBody>
-          <a:bodyPr rtlCol="0" anchor="ctr"/>
-          <a:p>
-            <a:pPr algn="ctr"/>
-            <a:r>
-              <a:rPr lang="zh-CN" altLang="en-US" sz="3200" b="1">
-                <a:solidFill>
-                  <a:schemeClr val="tx1"/>
+              <a:t>场景管理模块</a:t>
+            </a:r>
+            <a:r>
+              <a:rPr lang="zh-CN" altLang="en-US"/>
+              <a:t>的</a:t>
+            </a:r>
+            <a:r>
+              <a:rPr lang="zh-CN" altLang="en-US" b="1">
+                <a:solidFill>
+                  <a:srgbClr val="FF0000"/>
                 </a:solidFill>
               </a:rPr>
-              <a:t>操作系统</a:t>
-            </a:r>
-            <a:endParaRPr lang="zh-CN" altLang="en-US" sz="3200" b="1">
-              <a:solidFill>
-                <a:schemeClr val="tx1"/>
-              </a:solidFill>
-            </a:endParaRPr>
-          </a:p>
-        </p:txBody>
-      </p:sp>
-      <p:sp>
-        <p:nvSpPr>
-          <p:cNvPr id="15" name="左箭头 14"/>
-          <p:cNvSpPr/>
-          <p:nvPr/>
-        </p:nvSpPr>
-        <p:spPr>
-          <a:xfrm>
-            <a:off x="3820795" y="2588260"/>
-            <a:ext cx="1868805" cy="520700"/>
-          </a:xfrm>
-          <a:prstGeom prst="leftArrow">
-            <a:avLst/>
-          </a:prstGeom>
-          <a:solidFill>
-            <a:schemeClr val="bg1"/>
-          </a:solidFill>
-        </p:spPr>
-        <p:style>
-          <a:lnRef idx="2">
-            <a:schemeClr val="accent1">
-              <a:shade val="50000"/>
-            </a:schemeClr>
-          </a:lnRef>
-          <a:fillRef idx="1">
-            <a:schemeClr val="accent1"/>
-          </a:fillRef>
-          <a:effectRef idx="0">
-            <a:schemeClr val="accent1"/>
-          </a:effectRef>
-          <a:fontRef idx="minor">
-            <a:schemeClr val="lt1"/>
-          </a:fontRef>
-        </p:style>
-        <p:txBody>
-          <a:bodyPr rtlCol="0" anchor="ctr"/>
-          <a:p>
-            <a:pPr algn="ctr"/>
+              <a:t>流程</a:t>
+            </a:r>
+            <a:r>
+              <a:rPr lang="zh-CN" altLang="en-US"/>
+              <a:t>函数。</a:t>
+            </a:r>
             <a:endParaRPr lang="zh-CN" altLang="en-US"/>
-          </a:p>
-        </p:txBody>
-      </p:sp>
-      <p:sp>
-        <p:nvSpPr>
-          <p:cNvPr id="7" name="文本框 6"/>
-          <p:cNvSpPr txBox="1"/>
-          <p:nvPr/>
-        </p:nvSpPr>
-        <p:spPr>
-          <a:xfrm>
-            <a:off x="4392930" y="2127885"/>
-            <a:ext cx="1031240" cy="460375"/>
-          </a:xfrm>
-          <a:prstGeom prst="rect">
-            <a:avLst/>
-          </a:prstGeom>
-          <a:noFill/>
-        </p:spPr>
-        <p:txBody>
-          <a:bodyPr wrap="square" rtlCol="0">
-            <a:spAutoFit/>
-          </a:bodyPr>
-          <a:p>
-            <a:r>
-              <a:rPr lang="zh-CN" altLang="en-US" sz="2400"/>
-              <a:t>命令</a:t>
-            </a:r>
-            <a:endParaRPr lang="zh-CN" altLang="en-US" sz="2400"/>
-          </a:p>
-        </p:txBody>
-      </p:sp>
-      <p:sp>
-        <p:nvSpPr>
-          <p:cNvPr id="8" name="矩形 7"/>
-          <p:cNvSpPr/>
-          <p:nvPr/>
-        </p:nvSpPr>
-        <p:spPr>
-          <a:xfrm>
-            <a:off x="157480" y="4438650"/>
-            <a:ext cx="3410585" cy="2046605"/>
-          </a:xfrm>
-          <a:prstGeom prst="rect">
-            <a:avLst/>
-          </a:prstGeom>
-        </p:spPr>
-        <p:style>
-          <a:lnRef idx="2">
-            <a:schemeClr val="accent6">
-              <a:shade val="50000"/>
-            </a:schemeClr>
-          </a:lnRef>
-          <a:fillRef idx="1">
-            <a:schemeClr val="accent6"/>
-          </a:fillRef>
-          <a:effectRef idx="0">
-            <a:schemeClr val="accent6"/>
-          </a:effectRef>
-          <a:fontRef idx="minor">
-            <a:schemeClr val="lt1"/>
-          </a:fontRef>
-        </p:style>
-        <p:txBody>
-          <a:bodyPr rtlCol="0" anchor="ctr"/>
-          <a:p>
-            <a:pPr algn="ctr"/>
-            <a:r>
-              <a:rPr lang="zh-CN" altLang="en-US" sz="3200" b="1">
-                <a:solidFill>
-                  <a:schemeClr val="tx1"/>
-                </a:solidFill>
-              </a:rPr>
-              <a:t>平台无关</a:t>
-            </a:r>
-            <a:endParaRPr lang="zh-CN" altLang="en-US" sz="3200" b="1">
-              <a:solidFill>
-                <a:schemeClr val="tx1"/>
-              </a:solidFill>
-            </a:endParaRPr>
-          </a:p>
-        </p:txBody>
-      </p:sp>
-      <p:sp>
-        <p:nvSpPr>
-          <p:cNvPr id="12" name="左箭头 11"/>
-          <p:cNvSpPr/>
-          <p:nvPr/>
-        </p:nvSpPr>
-        <p:spPr>
-          <a:xfrm>
-            <a:off x="3820795" y="5356225"/>
-            <a:ext cx="1868805" cy="520700"/>
-          </a:xfrm>
-          <a:prstGeom prst="leftArrow">
-            <a:avLst/>
-          </a:prstGeom>
-          <a:solidFill>
-            <a:schemeClr val="bg1"/>
-          </a:solidFill>
-        </p:spPr>
-        <p:style>
-          <a:lnRef idx="2">
-            <a:schemeClr val="accent1">
-              <a:shade val="50000"/>
-            </a:schemeClr>
-          </a:lnRef>
-          <a:fillRef idx="1">
-            <a:schemeClr val="accent1"/>
-          </a:fillRef>
-          <a:effectRef idx="0">
-            <a:schemeClr val="accent1"/>
-          </a:effectRef>
-          <a:fontRef idx="minor">
-            <a:schemeClr val="lt1"/>
-          </a:fontRef>
-        </p:style>
-        <p:txBody>
-          <a:bodyPr rtlCol="0" anchor="ctr"/>
-          <a:p>
-            <a:pPr algn="ctr"/>
-            <a:endParaRPr lang="zh-CN" altLang="en-US"/>
-          </a:p>
-        </p:txBody>
-      </p:sp>
-      <p:sp>
-        <p:nvSpPr>
-          <p:cNvPr id="13" name="文本框 12"/>
-          <p:cNvSpPr txBox="1"/>
-          <p:nvPr/>
-        </p:nvSpPr>
-        <p:spPr>
-          <a:xfrm>
-            <a:off x="4183380" y="4831080"/>
-            <a:ext cx="1449705" cy="460375"/>
-          </a:xfrm>
-          <a:prstGeom prst="rect">
-            <a:avLst/>
-          </a:prstGeom>
-          <a:noFill/>
-        </p:spPr>
-        <p:txBody>
-          <a:bodyPr wrap="square" rtlCol="0">
-            <a:spAutoFit/>
-          </a:bodyPr>
-          <a:p>
-            <a:r>
-              <a:rPr lang="zh-CN" altLang="en-US" sz="2400"/>
-              <a:t>流程函数</a:t>
-            </a:r>
-            <a:endParaRPr lang="zh-CN" altLang="en-US" sz="2400"/>
-          </a:p>
-        </p:txBody>
-      </p:sp>
-      <p:sp>
-        <p:nvSpPr>
-          <p:cNvPr id="14" name="矩形 13"/>
-          <p:cNvSpPr/>
-          <p:nvPr/>
-        </p:nvSpPr>
-        <p:spPr>
-          <a:xfrm>
-            <a:off x="5942330" y="4438650"/>
-            <a:ext cx="3410585" cy="2046605"/>
-          </a:xfrm>
-          <a:prstGeom prst="rect">
-            <a:avLst/>
-          </a:prstGeom>
-        </p:spPr>
-        <p:style>
-          <a:lnRef idx="3">
-            <a:schemeClr val="lt1"/>
-          </a:lnRef>
-          <a:fillRef idx="1">
-            <a:schemeClr val="accent2"/>
-          </a:fillRef>
-          <a:effectRef idx="1">
-            <a:schemeClr val="accent2"/>
-          </a:effectRef>
-          <a:fontRef idx="minor">
-            <a:schemeClr val="lt1"/>
-          </a:fontRef>
-        </p:style>
-        <p:txBody>
-          <a:bodyPr rtlCol="0" anchor="ctr"/>
-          <a:p>
-            <a:pPr algn="ctr"/>
-            <a:r>
-              <a:rPr lang="zh-CN" altLang="en-US" sz="3200" b="1">
-                <a:solidFill>
-                  <a:schemeClr val="tx1"/>
-                </a:solidFill>
-              </a:rPr>
-              <a:t>场景管理</a:t>
-            </a:r>
-            <a:endParaRPr lang="zh-CN" altLang="en-US" sz="3200" b="1">
-              <a:solidFill>
-                <a:schemeClr val="tx1"/>
-              </a:solidFill>
-            </a:endParaRPr>
           </a:p>
         </p:txBody>
       </p:sp>
@@ -14088,12 +14301,7 @@
             <p:ph type="title"/>
           </p:nvPr>
         </p:nvSpPr>
-        <p:spPr>
-          <a:xfrm>
-            <a:off x="838200" y="-36195"/>
-            <a:ext cx="10515600" cy="1223645"/>
-          </a:xfrm>
-        </p:spPr>
+        <p:spPr/>
         <p:txBody>
           <a:bodyPr/>
           <a:p>
@@ -14110,7 +14318,7 @@
                   </a:outerShdw>
                 </a:effectLst>
               </a:rPr>
-              <a:t>一帧的渲染过程</a:t>
+              <a:t>平台无关模块图解</a:t>
             </a:r>
             <a:endParaRPr lang="zh-CN" altLang="en-US">
               <a:solidFill>
@@ -14129,14 +14337,92 @@
       </p:sp>
       <p:sp>
         <p:nvSpPr>
-          <p:cNvPr id="5" name="矩形 4"/>
+          <p:cNvPr id="5" name="文本框 4"/>
+          <p:cNvSpPr txBox="1"/>
+          <p:nvPr/>
+        </p:nvSpPr>
+        <p:spPr>
+          <a:xfrm>
+            <a:off x="9493885" y="2326640"/>
+            <a:ext cx="2378710" cy="829945"/>
+          </a:xfrm>
+          <a:prstGeom prst="rect">
+            <a:avLst/>
+          </a:prstGeom>
+          <a:noFill/>
+        </p:spPr>
+        <p:txBody>
+          <a:bodyPr wrap="square" rtlCol="0">
+            <a:spAutoFit/>
+          </a:bodyPr>
+          <a:p>
+            <a:r>
+              <a:rPr lang="zh-CN" altLang="en-US" sz="2400"/>
+              <a:t>与操作系统交互，</a:t>
+            </a:r>
+            <a:endParaRPr lang="zh-CN" altLang="en-US" sz="2400"/>
+          </a:p>
+          <a:p>
+            <a:r>
+              <a:rPr lang="zh-CN" altLang="en-US" sz="2400"/>
+              <a:t>初始化绘图环境</a:t>
+            </a:r>
+            <a:endParaRPr lang="zh-CN" altLang="en-US" sz="2400"/>
+          </a:p>
+        </p:txBody>
+      </p:sp>
+      <p:sp>
+        <p:nvSpPr>
+          <p:cNvPr id="11" name="文本框 10"/>
+          <p:cNvSpPr txBox="1"/>
+          <p:nvPr/>
+        </p:nvSpPr>
+        <p:spPr>
+          <a:xfrm>
+            <a:off x="9802495" y="5046980"/>
+            <a:ext cx="1761490" cy="829945"/>
+          </a:xfrm>
+          <a:prstGeom prst="rect">
+            <a:avLst/>
+          </a:prstGeom>
+          <a:noFill/>
+        </p:spPr>
+        <p:txBody>
+          <a:bodyPr wrap="square" rtlCol="0">
+            <a:spAutoFit/>
+          </a:bodyPr>
+          <a:p>
+            <a:r>
+              <a:rPr lang="zh-CN" altLang="en-US" sz="2400">
+                <a:sym typeface="+mn-ea"/>
+              </a:rPr>
+              <a:t>调场景管理</a:t>
+            </a:r>
+            <a:endParaRPr lang="zh-CN" altLang="en-US" sz="2400">
+              <a:sym typeface="+mn-ea"/>
+            </a:endParaRPr>
+          </a:p>
+          <a:p>
+            <a:r>
+              <a:rPr lang="zh-CN" altLang="en-US" sz="2400">
+                <a:sym typeface="+mn-ea"/>
+              </a:rPr>
+              <a:t>模块的接口</a:t>
+            </a:r>
+            <a:endParaRPr lang="zh-CN" altLang="en-US" sz="2400"/>
+          </a:p>
+        </p:txBody>
+      </p:sp>
+      <p:sp>
+        <p:nvSpPr>
+          <p:cNvPr id="4" name="矩形 3"/>
           <p:cNvSpPr/>
           <p:nvPr/>
         </p:nvSpPr>
         <p:spPr>
           <a:xfrm>
-            <a:off x="157480" y="1493520"/>
-            <a:ext cx="2193290" cy="1381760"/>
+            <a:off x="157480" y="1718310"/>
+            <a:ext cx="3410585" cy="2046605"/>
           </a:xfrm>
           <a:prstGeom prst="rect">
             <a:avLst/>
@@ -14168,23 +14454,7 @@
                   <a:schemeClr val="tx1"/>
                 </a:solidFill>
               </a:rPr>
-              <a:t>物体</a:t>
-            </a:r>
-            <a:r>
-              <a:rPr lang="en-US" altLang="zh-CN" sz="3200" b="1">
-                <a:solidFill>
-                  <a:schemeClr val="tx1"/>
-                </a:solidFill>
-              </a:rPr>
-              <a:t>A</a:t>
-            </a:r>
-            <a:r>
-              <a:rPr lang="zh-CN" altLang="en-US" sz="3200" b="1">
-                <a:solidFill>
-                  <a:schemeClr val="tx1"/>
-                </a:solidFill>
-              </a:rPr>
-              <a:t>的</a:t>
+              <a:t>平台无关</a:t>
             </a:r>
             <a:endParaRPr lang="zh-CN" altLang="en-US" sz="3200" b="1">
               <a:solidFill>
@@ -14192,6 +14462,39 @@
               </a:solidFill>
             </a:endParaRPr>
           </a:p>
+        </p:txBody>
+      </p:sp>
+      <p:sp>
+        <p:nvSpPr>
+          <p:cNvPr id="6" name="矩形 5"/>
+          <p:cNvSpPr/>
+          <p:nvPr/>
+        </p:nvSpPr>
+        <p:spPr>
+          <a:xfrm>
+            <a:off x="5942330" y="1718310"/>
+            <a:ext cx="3410585" cy="2046605"/>
+          </a:xfrm>
+          <a:prstGeom prst="rect">
+            <a:avLst/>
+          </a:prstGeom>
+        </p:spPr>
+        <p:style>
+          <a:lnRef idx="3">
+            <a:schemeClr val="lt1"/>
+          </a:lnRef>
+          <a:fillRef idx="1">
+            <a:schemeClr val="accent1"/>
+          </a:fillRef>
+          <a:effectRef idx="1">
+            <a:schemeClr val="accent1"/>
+          </a:effectRef>
+          <a:fontRef idx="minor">
+            <a:schemeClr val="lt1"/>
+          </a:fontRef>
+        </p:style>
+        <p:txBody>
+          <a:bodyPr rtlCol="0" anchor="ctr"/>
           <a:p>
             <a:pPr algn="ctr"/>
             <a:r>
@@ -14200,7 +14503,7 @@
                   <a:schemeClr val="tx1"/>
                 </a:solidFill>
               </a:rPr>
-              <a:t>渲染数据</a:t>
+              <a:t>操作系统</a:t>
             </a:r>
             <a:endParaRPr lang="zh-CN" altLang="en-US" sz="3200" b="1">
               <a:solidFill>
@@ -14212,14 +14515,85 @@
       </p:sp>
       <p:sp>
         <p:nvSpPr>
-          <p:cNvPr id="6" name="矩形 5"/>
+          <p:cNvPr id="15" name="左箭头 14"/>
           <p:cNvSpPr/>
           <p:nvPr/>
         </p:nvSpPr>
         <p:spPr>
           <a:xfrm>
-            <a:off x="157480" y="3060065"/>
-            <a:ext cx="2193290" cy="1381760"/>
+            <a:off x="3820795" y="2588260"/>
+            <a:ext cx="1868805" cy="520700"/>
+          </a:xfrm>
+          <a:prstGeom prst="leftArrow">
+            <a:avLst/>
+          </a:prstGeom>
+          <a:solidFill>
+            <a:schemeClr val="bg1"/>
+          </a:solidFill>
+        </p:spPr>
+        <p:style>
+          <a:lnRef idx="2">
+            <a:schemeClr val="accent1">
+              <a:shade val="50000"/>
+            </a:schemeClr>
+          </a:lnRef>
+          <a:fillRef idx="1">
+            <a:schemeClr val="accent1"/>
+          </a:fillRef>
+          <a:effectRef idx="0">
+            <a:schemeClr val="accent1"/>
+          </a:effectRef>
+          <a:fontRef idx="minor">
+            <a:schemeClr val="lt1"/>
+          </a:fontRef>
+        </p:style>
+        <p:txBody>
+          <a:bodyPr rtlCol="0" anchor="ctr"/>
+          <a:p>
+            <a:pPr algn="ctr"/>
+            <a:endParaRPr lang="zh-CN" altLang="en-US"/>
+          </a:p>
+        </p:txBody>
+      </p:sp>
+      <p:sp>
+        <p:nvSpPr>
+          <p:cNvPr id="7" name="文本框 6"/>
+          <p:cNvSpPr txBox="1"/>
+          <p:nvPr/>
+        </p:nvSpPr>
+        <p:spPr>
+          <a:xfrm>
+            <a:off x="4392930" y="2127885"/>
+            <a:ext cx="1031240" cy="460375"/>
+          </a:xfrm>
+          <a:prstGeom prst="rect">
+            <a:avLst/>
+          </a:prstGeom>
+          <a:noFill/>
+        </p:spPr>
+        <p:txBody>
+          <a:bodyPr wrap="square" rtlCol="0">
+            <a:spAutoFit/>
+          </a:bodyPr>
+          <a:p>
+            <a:r>
+              <a:rPr lang="zh-CN" altLang="en-US" sz="2400"/>
+              <a:t>命令</a:t>
+            </a:r>
+            <a:endParaRPr lang="zh-CN" altLang="en-US" sz="2400"/>
+          </a:p>
+        </p:txBody>
+      </p:sp>
+      <p:sp>
+        <p:nvSpPr>
+          <p:cNvPr id="8" name="矩形 7"/>
+          <p:cNvSpPr/>
+          <p:nvPr/>
+        </p:nvSpPr>
+        <p:spPr>
+          <a:xfrm>
+            <a:off x="157480" y="4438650"/>
+            <a:ext cx="3410585" cy="2046605"/>
           </a:xfrm>
           <a:prstGeom prst="rect">
             <a:avLst/>
@@ -14251,23 +14625,7 @@
                   <a:schemeClr val="tx1"/>
                 </a:solidFill>
               </a:rPr>
-              <a:t>物体</a:t>
-            </a:r>
-            <a:r>
-              <a:rPr lang="en-US" altLang="zh-CN" sz="3200" b="1">
-                <a:solidFill>
-                  <a:schemeClr val="tx1"/>
-                </a:solidFill>
-              </a:rPr>
-              <a:t>B</a:t>
-            </a:r>
-            <a:r>
-              <a:rPr lang="zh-CN" altLang="en-US" sz="3200" b="1">
-                <a:solidFill>
-                  <a:schemeClr val="tx1"/>
-                </a:solidFill>
-              </a:rPr>
-              <a:t>的</a:t>
+              <a:t>平台无关</a:t>
             </a:r>
             <a:endParaRPr lang="zh-CN" altLang="en-US" sz="3200" b="1">
               <a:solidFill>
@@ -14275,50 +14633,37 @@
               </a:solidFill>
             </a:endParaRPr>
           </a:p>
-          <a:p>
-            <a:pPr algn="ctr"/>
-            <a:r>
-              <a:rPr lang="zh-CN" altLang="en-US" sz="3200" b="1">
-                <a:solidFill>
-                  <a:schemeClr val="tx1"/>
-                </a:solidFill>
-              </a:rPr>
-              <a:t>渲染数据</a:t>
-            </a:r>
-            <a:endParaRPr lang="zh-CN" altLang="en-US" sz="3200" b="1">
-              <a:solidFill>
-                <a:schemeClr val="tx1"/>
-              </a:solidFill>
-            </a:endParaRPr>
-          </a:p>
-        </p:txBody>
-      </p:sp>
-      <p:sp>
-        <p:nvSpPr>
-          <p:cNvPr id="7" name="矩形 6"/>
+        </p:txBody>
+      </p:sp>
+      <p:sp>
+        <p:nvSpPr>
+          <p:cNvPr id="12" name="左箭头 11"/>
           <p:cNvSpPr/>
           <p:nvPr/>
         </p:nvSpPr>
         <p:spPr>
           <a:xfrm>
-            <a:off x="157480" y="4794885"/>
-            <a:ext cx="2193290" cy="1381760"/>
-          </a:xfrm>
-          <a:prstGeom prst="rect">
+            <a:off x="3820795" y="5356225"/>
+            <a:ext cx="1868805" cy="520700"/>
+          </a:xfrm>
+          <a:prstGeom prst="leftArrow">
             <a:avLst/>
           </a:prstGeom>
+          <a:solidFill>
+            <a:schemeClr val="bg1"/>
+          </a:solidFill>
         </p:spPr>
         <p:style>
           <a:lnRef idx="2">
-            <a:schemeClr val="accent6">
+            <a:schemeClr val="accent1">
               <a:shade val="50000"/>
             </a:schemeClr>
           </a:lnRef>
           <a:fillRef idx="1">
-            <a:schemeClr val="accent6"/>
+            <a:schemeClr val="accent1"/>
           </a:fillRef>
           <a:effectRef idx="0">
-            <a:schemeClr val="accent6"/>
+            <a:schemeClr val="accent1"/>
           </a:effectRef>
           <a:fontRef idx="minor">
             <a:schemeClr val="lt1"/>
@@ -14328,79 +14673,62 @@
           <a:bodyPr rtlCol="0" anchor="ctr"/>
           <a:p>
             <a:pPr algn="ctr"/>
-            <a:r>
-              <a:rPr lang="zh-CN" altLang="en-US" sz="3200" b="1">
-                <a:solidFill>
-                  <a:schemeClr val="tx1"/>
-                </a:solidFill>
-              </a:rPr>
-              <a:t>物体</a:t>
-            </a:r>
-            <a:r>
-              <a:rPr lang="en-US" altLang="zh-CN" sz="3200" b="1">
-                <a:solidFill>
-                  <a:schemeClr val="tx1"/>
-                </a:solidFill>
-              </a:rPr>
-              <a:t>C</a:t>
-            </a:r>
-            <a:r>
-              <a:rPr lang="zh-CN" altLang="en-US" sz="3200" b="1">
-                <a:solidFill>
-                  <a:schemeClr val="tx1"/>
-                </a:solidFill>
-              </a:rPr>
-              <a:t>的</a:t>
-            </a:r>
-            <a:endParaRPr lang="zh-CN" altLang="en-US" sz="3200" b="1">
-              <a:solidFill>
-                <a:schemeClr val="tx1"/>
-              </a:solidFill>
-            </a:endParaRPr>
-          </a:p>
-          <a:p>
-            <a:pPr algn="ctr"/>
-            <a:r>
-              <a:rPr lang="zh-CN" altLang="en-US" sz="3200" b="1">
-                <a:solidFill>
-                  <a:schemeClr val="tx1"/>
-                </a:solidFill>
-              </a:rPr>
-              <a:t>渲染数据</a:t>
-            </a:r>
-            <a:endParaRPr lang="zh-CN" altLang="en-US" sz="3200" b="1">
-              <a:solidFill>
-                <a:schemeClr val="tx1"/>
-              </a:solidFill>
-            </a:endParaRPr>
-          </a:p>
-        </p:txBody>
-      </p:sp>
-      <p:sp>
-        <p:nvSpPr>
-          <p:cNvPr id="12" name="椭圆 11"/>
+            <a:endParaRPr lang="zh-CN" altLang="en-US"/>
+          </a:p>
+        </p:txBody>
+      </p:sp>
+      <p:sp>
+        <p:nvSpPr>
+          <p:cNvPr id="13" name="文本框 12"/>
+          <p:cNvSpPr txBox="1"/>
+          <p:nvPr/>
+        </p:nvSpPr>
+        <p:spPr>
+          <a:xfrm>
+            <a:off x="4183380" y="4831080"/>
+            <a:ext cx="1449705" cy="460375"/>
+          </a:xfrm>
+          <a:prstGeom prst="rect">
+            <a:avLst/>
+          </a:prstGeom>
+          <a:noFill/>
+        </p:spPr>
+        <p:txBody>
+          <a:bodyPr wrap="square" rtlCol="0">
+            <a:spAutoFit/>
+          </a:bodyPr>
+          <a:p>
+            <a:r>
+              <a:rPr lang="zh-CN" altLang="en-US" sz="2400"/>
+              <a:t>流程函数</a:t>
+            </a:r>
+            <a:endParaRPr lang="zh-CN" altLang="en-US" sz="2400"/>
+          </a:p>
+        </p:txBody>
+      </p:sp>
+      <p:sp>
+        <p:nvSpPr>
+          <p:cNvPr id="14" name="矩形 13"/>
           <p:cNvSpPr/>
           <p:nvPr/>
         </p:nvSpPr>
         <p:spPr>
           <a:xfrm>
-            <a:off x="3440430" y="2703195"/>
-            <a:ext cx="2348230" cy="2091690"/>
-          </a:xfrm>
-          <a:prstGeom prst="ellipse">
+            <a:off x="5942330" y="4438650"/>
+            <a:ext cx="3410585" cy="2046605"/>
+          </a:xfrm>
+          <a:prstGeom prst="rect">
             <a:avLst/>
           </a:prstGeom>
         </p:spPr>
         <p:style>
-          <a:lnRef idx="2">
-            <a:schemeClr val="accent2">
-              <a:shade val="50000"/>
-            </a:schemeClr>
+          <a:lnRef idx="3">
+            <a:schemeClr val="lt1"/>
           </a:lnRef>
           <a:fillRef idx="1">
             <a:schemeClr val="accent2"/>
           </a:fillRef>
-          <a:effectRef idx="0">
+          <a:effectRef idx="1">
             <a:schemeClr val="accent2"/>
           </a:effectRef>
           <a:fontRef idx="minor">
@@ -14417,324 +14745,13 @@
                   <a:schemeClr val="tx1"/>
                 </a:solidFill>
               </a:rPr>
-              <a:t>进入渲染列表</a:t>
+              <a:t>场景管理</a:t>
             </a:r>
             <a:endParaRPr lang="zh-CN" altLang="en-US" sz="3200" b="1">
               <a:solidFill>
                 <a:schemeClr val="tx1"/>
               </a:solidFill>
             </a:endParaRPr>
-          </a:p>
-        </p:txBody>
-      </p:sp>
-      <p:cxnSp>
-        <p:nvCxnSpPr>
-          <p:cNvPr id="13" name="肘形连接符 12"/>
-          <p:cNvCxnSpPr>
-            <a:stCxn id="5" idx="3"/>
-            <a:endCxn id="12" idx="1"/>
-          </p:cNvCxnSpPr>
-          <p:nvPr/>
-        </p:nvCxnSpPr>
-        <p:spPr>
-          <a:xfrm>
-            <a:off x="2350770" y="2184400"/>
-            <a:ext cx="1433830" cy="824865"/>
-          </a:xfrm>
-          <a:prstGeom prst="bentConnector2">
-            <a:avLst/>
-          </a:prstGeom>
-          <a:ln>
-            <a:tailEnd type="arrow" w="med" len="med"/>
-          </a:ln>
-        </p:spPr>
-        <p:style>
-          <a:lnRef idx="1">
-            <a:schemeClr val="dk1"/>
-          </a:lnRef>
-          <a:fillRef idx="0">
-            <a:schemeClr val="dk1"/>
-          </a:fillRef>
-          <a:effectRef idx="0">
-            <a:schemeClr val="dk1"/>
-          </a:effectRef>
-          <a:fontRef idx="minor">
-            <a:schemeClr val="tx1"/>
-          </a:fontRef>
-        </p:style>
-      </p:cxnSp>
-      <p:cxnSp>
-        <p:nvCxnSpPr>
-          <p:cNvPr id="15" name="肘形连接符 14"/>
-          <p:cNvCxnSpPr>
-            <a:stCxn id="7" idx="3"/>
-            <a:endCxn id="12" idx="3"/>
-          </p:cNvCxnSpPr>
-          <p:nvPr/>
-        </p:nvCxnSpPr>
-        <p:spPr>
-          <a:xfrm flipV="1">
-            <a:off x="2350770" y="4488815"/>
-            <a:ext cx="1433830" cy="996950"/>
-          </a:xfrm>
-          <a:prstGeom prst="bentConnector2">
-            <a:avLst/>
-          </a:prstGeom>
-          <a:ln>
-            <a:tailEnd type="arrow" w="med" len="med"/>
-          </a:ln>
-        </p:spPr>
-        <p:style>
-          <a:lnRef idx="1">
-            <a:schemeClr val="dk1"/>
-          </a:lnRef>
-          <a:fillRef idx="0">
-            <a:schemeClr val="dk1"/>
-          </a:fillRef>
-          <a:effectRef idx="0">
-            <a:schemeClr val="dk1"/>
-          </a:effectRef>
-          <a:fontRef idx="minor">
-            <a:schemeClr val="tx1"/>
-          </a:fontRef>
-        </p:style>
-      </p:cxnSp>
-      <p:cxnSp>
-        <p:nvCxnSpPr>
-          <p:cNvPr id="16" name="直接箭头连接符 15"/>
-          <p:cNvCxnSpPr>
-            <a:stCxn id="6" idx="3"/>
-            <a:endCxn id="12" idx="2"/>
-          </p:cNvCxnSpPr>
-          <p:nvPr/>
-        </p:nvCxnSpPr>
-        <p:spPr>
-          <a:xfrm flipV="1">
-            <a:off x="2350770" y="3749040"/>
-            <a:ext cx="1089660" cy="1905"/>
-          </a:xfrm>
-          <a:prstGeom prst="straightConnector1">
-            <a:avLst/>
-          </a:prstGeom>
-          <a:ln>
-            <a:tailEnd type="arrow" w="med" len="med"/>
-          </a:ln>
-        </p:spPr>
-        <p:style>
-          <a:lnRef idx="1">
-            <a:schemeClr val="dk1"/>
-          </a:lnRef>
-          <a:fillRef idx="0">
-            <a:schemeClr val="dk1"/>
-          </a:fillRef>
-          <a:effectRef idx="0">
-            <a:schemeClr val="dk1"/>
-          </a:effectRef>
-          <a:fontRef idx="minor">
-            <a:schemeClr val="tx1"/>
-          </a:fontRef>
-        </p:style>
-      </p:cxnSp>
-      <p:sp>
-        <p:nvSpPr>
-          <p:cNvPr id="17" name="椭圆 16"/>
-          <p:cNvSpPr/>
-          <p:nvPr/>
-        </p:nvSpPr>
-        <p:spPr>
-          <a:xfrm>
-            <a:off x="6263005" y="2703195"/>
-            <a:ext cx="2682875" cy="2091690"/>
-          </a:xfrm>
-          <a:prstGeom prst="ellipse">
-            <a:avLst/>
-          </a:prstGeom>
-        </p:spPr>
-        <p:style>
-          <a:lnRef idx="2">
-            <a:schemeClr val="accent2">
-              <a:shade val="50000"/>
-            </a:schemeClr>
-          </a:lnRef>
-          <a:fillRef idx="1">
-            <a:schemeClr val="accent2"/>
-          </a:fillRef>
-          <a:effectRef idx="0">
-            <a:schemeClr val="accent2"/>
-          </a:effectRef>
-          <a:fontRef idx="minor">
-            <a:schemeClr val="lt1"/>
-          </a:fontRef>
-        </p:style>
-        <p:txBody>
-          <a:bodyPr rtlCol="0" anchor="ctr"/>
-          <a:p>
-            <a:pPr algn="ctr"/>
-            <a:r>
-              <a:rPr lang="zh-CN" altLang="en-US" sz="3200" b="1">
-                <a:solidFill>
-                  <a:schemeClr val="tx1"/>
-                </a:solidFill>
-              </a:rPr>
-              <a:t>渲染列表批处理</a:t>
-            </a:r>
-            <a:endParaRPr lang="zh-CN" altLang="en-US" sz="3200" b="1">
-              <a:solidFill>
-                <a:schemeClr val="tx1"/>
-              </a:solidFill>
-            </a:endParaRPr>
-          </a:p>
-        </p:txBody>
-      </p:sp>
-      <p:cxnSp>
-        <p:nvCxnSpPr>
-          <p:cNvPr id="18" name="肘形连接符 17"/>
-          <p:cNvCxnSpPr>
-            <a:stCxn id="12" idx="6"/>
-            <a:endCxn id="17" idx="2"/>
-          </p:cNvCxnSpPr>
-          <p:nvPr/>
-        </p:nvCxnSpPr>
-        <p:spPr>
-          <a:xfrm>
-            <a:off x="5788660" y="3749040"/>
-            <a:ext cx="474345" cy="3175"/>
-          </a:xfrm>
-          <a:prstGeom prst="bentConnector2">
-            <a:avLst/>
-          </a:prstGeom>
-          <a:ln>
-            <a:tailEnd type="arrow" w="med" len="med"/>
-          </a:ln>
-        </p:spPr>
-        <p:style>
-          <a:lnRef idx="1">
-            <a:schemeClr val="dk1"/>
-          </a:lnRef>
-          <a:fillRef idx="0">
-            <a:schemeClr val="dk1"/>
-          </a:fillRef>
-          <a:effectRef idx="0">
-            <a:schemeClr val="dk1"/>
-          </a:effectRef>
-          <a:fontRef idx="minor">
-            <a:schemeClr val="tx1"/>
-          </a:fontRef>
-        </p:style>
-      </p:cxnSp>
-      <p:sp>
-        <p:nvSpPr>
-          <p:cNvPr id="19" name="矩形 18"/>
-          <p:cNvSpPr/>
-          <p:nvPr/>
-        </p:nvSpPr>
-        <p:spPr>
-          <a:xfrm>
-            <a:off x="9883140" y="3058160"/>
-            <a:ext cx="2193290" cy="1381760"/>
-          </a:xfrm>
-          <a:prstGeom prst="rect">
-            <a:avLst/>
-          </a:prstGeom>
-        </p:spPr>
-        <p:style>
-          <a:lnRef idx="2">
-            <a:schemeClr val="accent6">
-              <a:shade val="50000"/>
-            </a:schemeClr>
-          </a:lnRef>
-          <a:fillRef idx="1">
-            <a:schemeClr val="accent6"/>
-          </a:fillRef>
-          <a:effectRef idx="0">
-            <a:schemeClr val="accent6"/>
-          </a:effectRef>
-          <a:fontRef idx="minor">
-            <a:schemeClr val="lt1"/>
-          </a:fontRef>
-        </p:style>
-        <p:txBody>
-          <a:bodyPr rtlCol="0" anchor="ctr"/>
-          <a:p>
-            <a:pPr algn="ctr"/>
-            <a:r>
-              <a:rPr lang="en-US" altLang="zh-CN" sz="3200" b="1">
-                <a:solidFill>
-                  <a:schemeClr val="tx1"/>
-                </a:solidFill>
-              </a:rPr>
-              <a:t>GPU</a:t>
-            </a:r>
-            <a:endParaRPr lang="en-US" altLang="zh-CN" sz="3200" b="1">
-              <a:solidFill>
-                <a:schemeClr val="tx1"/>
-              </a:solidFill>
-            </a:endParaRPr>
-          </a:p>
-        </p:txBody>
-      </p:sp>
-      <p:cxnSp>
-        <p:nvCxnSpPr>
-          <p:cNvPr id="20" name="肘形连接符 19"/>
-          <p:cNvCxnSpPr>
-            <a:stCxn id="17" idx="6"/>
-            <a:endCxn id="19" idx="1"/>
-          </p:cNvCxnSpPr>
-          <p:nvPr/>
-        </p:nvCxnSpPr>
-        <p:spPr>
-          <a:xfrm>
-            <a:off x="8945880" y="3749040"/>
-            <a:ext cx="937260" cy="3175"/>
-          </a:xfrm>
-          <a:prstGeom prst="bentConnector2">
-            <a:avLst/>
-          </a:prstGeom>
-          <a:ln>
-            <a:tailEnd type="arrow" w="med" len="med"/>
-          </a:ln>
-        </p:spPr>
-        <p:style>
-          <a:lnRef idx="1">
-            <a:schemeClr val="dk1"/>
-          </a:lnRef>
-          <a:fillRef idx="0">
-            <a:schemeClr val="dk1"/>
-          </a:fillRef>
-          <a:effectRef idx="0">
-            <a:schemeClr val="dk1"/>
-          </a:effectRef>
-          <a:fontRef idx="minor">
-            <a:schemeClr val="tx1"/>
-          </a:fontRef>
-        </p:style>
-      </p:cxnSp>
-      <p:sp>
-        <p:nvSpPr>
-          <p:cNvPr id="22" name="文本框 21"/>
-          <p:cNvSpPr txBox="1"/>
-          <p:nvPr/>
-        </p:nvSpPr>
-        <p:spPr>
-          <a:xfrm>
-            <a:off x="8964295" y="3291840"/>
-            <a:ext cx="918845" cy="460375"/>
-          </a:xfrm>
-          <a:prstGeom prst="rect">
-            <a:avLst/>
-          </a:prstGeom>
-          <a:noFill/>
-        </p:spPr>
-        <p:txBody>
-          <a:bodyPr wrap="square" rtlCol="0">
-            <a:spAutoFit/>
-          </a:bodyPr>
-          <a:p>
-            <a:r>
-              <a:rPr lang="zh-CN" altLang="en-US" sz="2400"/>
-              <a:t>提交</a:t>
-            </a:r>
-            <a:endParaRPr lang="zh-CN" altLang="en-US" sz="2400"/>
           </a:p>
         </p:txBody>
       </p:sp>
@@ -15867,9 +15884,9 @@
                 </a:effectLst>
                 <a:sym typeface="+mn-lt"/>
               </a:rPr>
-              <a:t>成果展示</a:t>
-            </a:r>
-            <a:endParaRPr lang="zh-CN" altLang="en-US" dirty="0">
+              <a:t>官方案例</a:t>
+            </a:r>
+            <a:endParaRPr lang="en-US" altLang="zh-CN" dirty="0">
               <a:solidFill>
                 <a:schemeClr val="tx1"/>
               </a:solidFill>

--- a/OpenGL/答辩PPT.pptx
+++ b/OpenGL/答辩PPT.pptx
@@ -24,15 +24,15 @@
     <p:sldId id="271" r:id="rId17"/>
     <p:sldId id="294" r:id="rId18"/>
     <p:sldId id="340" r:id="rId19"/>
-    <p:sldId id="261" r:id="rId20"/>
-    <p:sldId id="262" r:id="rId21"/>
-    <p:sldId id="263" r:id="rId22"/>
-    <p:sldId id="264" r:id="rId23"/>
-    <p:sldId id="265" r:id="rId24"/>
-    <p:sldId id="275" r:id="rId25"/>
-    <p:sldId id="337" r:id="rId26"/>
-    <p:sldId id="393" r:id="rId27"/>
-    <p:sldId id="292" r:id="rId28"/>
+    <p:sldId id="275" r:id="rId20"/>
+    <p:sldId id="337" r:id="rId21"/>
+    <p:sldId id="292" r:id="rId22"/>
+    <p:sldId id="393" r:id="rId23"/>
+    <p:sldId id="261" r:id="rId24"/>
+    <p:sldId id="262" r:id="rId25"/>
+    <p:sldId id="263" r:id="rId26"/>
+    <p:sldId id="264" r:id="rId27"/>
+    <p:sldId id="265" r:id="rId28"/>
     <p:sldId id="296" r:id="rId29"/>
     <p:sldId id="339" r:id="rId30"/>
     <p:sldId id="297" r:id="rId31"/>
@@ -7842,98 +7842,33 @@
             </a:pPr>
             <a:r>
               <a:rPr lang="zh-CN" altLang="en-US"/>
-              <a:t>执行</a:t>
-            </a:r>
-            <a:r>
-              <a:rPr lang="zh-CN" altLang="en-US" b="1">
+              <a:t>包括</a:t>
+            </a:r>
+            <a:r>
+              <a:rPr lang="en-US" altLang="zh-CN" b="1">
                 <a:solidFill>
                   <a:srgbClr val="FF0000"/>
                 </a:solidFill>
               </a:rPr>
-              <a:t>当前场景</a:t>
+              <a:t>Scene</a:t>
             </a:r>
             <a:r>
               <a:rPr lang="zh-CN" altLang="en-US"/>
-              <a:t>的</a:t>
-            </a:r>
-            <a:r>
-              <a:rPr lang="zh-CN" altLang="en-US" b="1">
+              <a:t>以及</a:t>
+            </a:r>
+            <a:r>
+              <a:rPr lang="en-US" altLang="zh-CN" b="1">
                 <a:solidFill>
                   <a:srgbClr val="FF0000"/>
                 </a:solidFill>
               </a:rPr>
-              <a:t>流程</a:t>
+              <a:t>SceneManager</a:t>
             </a:r>
             <a:r>
               <a:rPr lang="zh-CN" altLang="en-US"/>
-              <a:t>函数，维护</a:t>
-            </a:r>
-            <a:r>
-              <a:rPr lang="zh-CN" altLang="en-US">
-                <a:solidFill>
-                  <a:schemeClr val="tx1"/>
-                </a:solidFill>
-                <a:sym typeface="+mn-ea"/>
-              </a:rPr>
-              <a:t>场景内</a:t>
-            </a:r>
-            <a:r>
-              <a:rPr lang="zh-CN" altLang="en-US">
-                <a:sym typeface="+mn-ea"/>
-              </a:rPr>
-              <a:t>的</a:t>
-            </a:r>
-            <a:r>
-              <a:rPr lang="zh-CN" altLang="en-US" b="1">
-                <a:solidFill>
-                  <a:srgbClr val="FF0000"/>
-                </a:solidFill>
-                <a:sym typeface="+mn-ea"/>
-              </a:rPr>
-              <a:t>渲染列表</a:t>
-            </a:r>
-            <a:r>
-              <a:rPr lang="zh-CN" altLang="en-US">
-                <a:sym typeface="+mn-ea"/>
-              </a:rPr>
-              <a:t>、</a:t>
-            </a:r>
-            <a:r>
-              <a:rPr lang="zh-CN" altLang="en-US" b="1">
-                <a:solidFill>
-                  <a:srgbClr val="FF0000"/>
-                </a:solidFill>
-                <a:sym typeface="+mn-ea"/>
-              </a:rPr>
-              <a:t>摄像机</a:t>
-            </a:r>
-            <a:r>
-              <a:rPr lang="zh-CN" altLang="en-US">
-                <a:solidFill>
-                  <a:schemeClr val="tx1"/>
-                </a:solidFill>
-                <a:sym typeface="+mn-ea"/>
-              </a:rPr>
-              <a:t>、</a:t>
-            </a:r>
-            <a:r>
-              <a:rPr lang="zh-CN" altLang="en-US" b="1">
-                <a:solidFill>
-                  <a:srgbClr val="FF0000"/>
-                </a:solidFill>
-                <a:sym typeface="+mn-ea"/>
-              </a:rPr>
-              <a:t>所有游戏物体</a:t>
-            </a:r>
-            <a:r>
-              <a:rPr lang="zh-CN" altLang="en-US">
-                <a:sym typeface="+mn-ea"/>
-              </a:rPr>
               <a:t>。</a:t>
             </a:r>
-            <a:endParaRPr lang="zh-CN" altLang="en-US">
-              <a:sym typeface="+mn-ea"/>
-            </a:endParaRPr>
+            <a:endParaRPr lang="zh-CN" altLang="en-US"/>
           </a:p>
           <a:p>
             <a:pPr fontAlgn="auto">
@@ -7942,8 +7877,12 @@
               </a:lnSpc>
             </a:pPr>
             <a:r>
+              <a:rPr lang="en-US" altLang="zh-CN"/>
+              <a:t>Scene</a:t>
+            </a:r>
+            <a:r>
               <a:rPr lang="zh-CN" altLang="en-US"/>
-              <a:t>提供场景</a:t>
+              <a:t>执行</a:t>
             </a:r>
             <a:r>
               <a:rPr lang="zh-CN" altLang="en-US" b="1">
@@ -7951,11 +7890,11 @@
                   <a:srgbClr val="FF0000"/>
                 </a:solidFill>
               </a:rPr>
-              <a:t>注册</a:t>
+              <a:t>当前场景</a:t>
             </a:r>
             <a:r>
               <a:rPr lang="zh-CN" altLang="en-US"/>
-              <a:t>、场景</a:t>
+              <a:t>的</a:t>
             </a:r>
             <a:r>
               <a:rPr lang="zh-CN" altLang="en-US" b="1">
@@ -7963,13 +7902,63 @@
                   <a:srgbClr val="FF0000"/>
                 </a:solidFill>
               </a:rPr>
-              <a:t>切换</a:t>
+              <a:t>流程</a:t>
             </a:r>
             <a:r>
               <a:rPr lang="zh-CN" altLang="en-US"/>
-              <a:t>功能。</a:t>
-            </a:r>
-            <a:endParaRPr lang="zh-CN" altLang="en-US"/>
+              <a:t>函数，维护</a:t>
+            </a:r>
+            <a:r>
+              <a:rPr lang="zh-CN" altLang="en-US">
+                <a:solidFill>
+                  <a:schemeClr val="tx1"/>
+                </a:solidFill>
+                <a:sym typeface="+mn-ea"/>
+              </a:rPr>
+              <a:t>场景内</a:t>
+            </a:r>
+            <a:r>
+              <a:rPr lang="zh-CN" altLang="en-US">
+                <a:sym typeface="+mn-ea"/>
+              </a:rPr>
+              <a:t>的</a:t>
+            </a:r>
+            <a:r>
+              <a:rPr lang="zh-CN" altLang="en-US" b="1">
+                <a:solidFill>
+                  <a:srgbClr val="FF0000"/>
+                </a:solidFill>
+                <a:sym typeface="+mn-ea"/>
+              </a:rPr>
+              <a:t>摄像机</a:t>
+            </a:r>
+            <a:r>
+              <a:rPr lang="zh-CN" altLang="en-US">
+                <a:solidFill>
+                  <a:schemeClr val="tx1"/>
+                </a:solidFill>
+                <a:sym typeface="+mn-ea"/>
+              </a:rPr>
+              <a:t>、</a:t>
+            </a:r>
+            <a:r>
+              <a:rPr lang="zh-CN" altLang="en-US" b="1">
+                <a:solidFill>
+                  <a:srgbClr val="FF0000"/>
+                </a:solidFill>
+                <a:sym typeface="+mn-ea"/>
+              </a:rPr>
+              <a:t>所有游戏物体</a:t>
+            </a:r>
+            <a:r>
+              <a:rPr lang="zh-CN" altLang="en-US">
+                <a:sym typeface="+mn-ea"/>
+              </a:rPr>
+              <a:t>。</a:t>
+            </a:r>
+            <a:endParaRPr lang="zh-CN" altLang="en-US">
+              <a:sym typeface="+mn-ea"/>
+            </a:endParaRPr>
           </a:p>
           <a:p>
             <a:pPr fontAlgn="auto">
@@ -7977,6 +7966,50 @@
                 <a:spcPct val="200000"/>
               </a:lnSpc>
             </a:pPr>
+            <a:r>
+              <a:rPr lang="en-US" altLang="zh-CN"/>
+              <a:t>SceneManager</a:t>
+            </a:r>
+            <a:r>
+              <a:rPr lang="zh-CN" altLang="en-US"/>
+              <a:t>提供场景</a:t>
+            </a:r>
+            <a:r>
+              <a:rPr lang="zh-CN" altLang="en-US" b="1">
+                <a:solidFill>
+                  <a:srgbClr val="FF0000"/>
+                </a:solidFill>
+              </a:rPr>
+              <a:t>注册</a:t>
+            </a:r>
+            <a:r>
+              <a:rPr lang="zh-CN" altLang="en-US"/>
+              <a:t>、场景</a:t>
+            </a:r>
+            <a:r>
+              <a:rPr lang="zh-CN" altLang="en-US" b="1">
+                <a:solidFill>
+                  <a:srgbClr val="FF0000"/>
+                </a:solidFill>
+              </a:rPr>
+              <a:t>切换</a:t>
+            </a:r>
+            <a:r>
+              <a:rPr lang="zh-CN" altLang="en-US"/>
+              <a:t>功能。</a:t>
+            </a:r>
+            <a:endParaRPr lang="zh-CN" altLang="en-US"/>
+          </a:p>
+          <a:p>
+            <a:pPr fontAlgn="auto">
+              <a:lnSpc>
+                <a:spcPct val="200000"/>
+              </a:lnSpc>
+            </a:pPr>
+            <a:r>
+              <a:rPr lang="en-US" altLang="zh-CN"/>
+              <a:t>SceneManager</a:t>
+            </a:r>
             <a:r>
               <a:rPr lang="zh-CN" altLang="en-US"/>
               <a:t>管理OpenGL状态机的</a:t>
@@ -8079,8 +8112,8 @@
         </p:nvSpPr>
         <p:spPr>
           <a:xfrm>
-            <a:off x="8668385" y="2445385"/>
-            <a:ext cx="3009265" cy="460375"/>
+            <a:off x="9144000" y="2445385"/>
+            <a:ext cx="2533650" cy="460375"/>
           </a:xfrm>
           <a:prstGeom prst="rect">
             <a:avLst/>
@@ -8139,8 +8172,8 @@
         </p:nvSpPr>
         <p:spPr>
           <a:xfrm>
-            <a:off x="5591175" y="1718310"/>
-            <a:ext cx="3552190" cy="1817370"/>
+            <a:off x="268605" y="1767205"/>
+            <a:ext cx="3126105" cy="1817370"/>
           </a:xfrm>
           <a:prstGeom prst="rect">
             <a:avLst/>
@@ -8188,8 +8221,8 @@
         </p:nvSpPr>
         <p:spPr>
           <a:xfrm>
-            <a:off x="269240" y="1718310"/>
-            <a:ext cx="3114675" cy="1817370"/>
+            <a:off x="5590540" y="1718310"/>
+            <a:ext cx="3553460" cy="1866265"/>
           </a:xfrm>
           <a:prstGeom prst="rect">
             <a:avLst/>
@@ -8262,56 +8295,14 @@
       </p:sp>
       <p:sp>
         <p:nvSpPr>
-          <p:cNvPr id="10" name="右箭头 9"/>
-          <p:cNvSpPr/>
-          <p:nvPr/>
-        </p:nvSpPr>
-        <p:spPr>
-          <a:xfrm>
-            <a:off x="3528060" y="2555875"/>
-            <a:ext cx="1766570" cy="459740"/>
-          </a:xfrm>
-          <a:prstGeom prst="rightArrow">
-            <a:avLst/>
-          </a:prstGeom>
-          <a:solidFill>
-            <a:schemeClr val="bg1"/>
-          </a:solidFill>
-        </p:spPr>
-        <p:style>
-          <a:lnRef idx="2">
-            <a:schemeClr val="accent1">
-              <a:shade val="50000"/>
-            </a:schemeClr>
-          </a:lnRef>
-          <a:fillRef idx="1">
-            <a:schemeClr val="accent1"/>
-          </a:fillRef>
-          <a:effectRef idx="0">
-            <a:schemeClr val="accent1"/>
-          </a:effectRef>
-          <a:fontRef idx="minor">
-            <a:schemeClr val="lt1"/>
-          </a:fontRef>
-        </p:style>
-        <p:txBody>
-          <a:bodyPr rtlCol="0" anchor="ctr"/>
-          <a:p>
-            <a:pPr algn="ctr"/>
-            <a:endParaRPr lang="zh-CN" altLang="en-US"/>
-          </a:p>
-        </p:txBody>
-      </p:sp>
-      <p:sp>
-        <p:nvSpPr>
           <p:cNvPr id="11" name="矩形 10"/>
           <p:cNvSpPr/>
           <p:nvPr/>
         </p:nvSpPr>
         <p:spPr>
           <a:xfrm>
-            <a:off x="5590540" y="4491355"/>
-            <a:ext cx="3553460" cy="1826895"/>
+            <a:off x="268605" y="4405630"/>
+            <a:ext cx="3124835" cy="1911985"/>
           </a:xfrm>
           <a:prstGeom prst="rect">
             <a:avLst/>
@@ -8361,7 +8352,7 @@
         </p:nvSpPr>
         <p:spPr>
           <a:xfrm>
-            <a:off x="3649345" y="5030470"/>
+            <a:off x="3710940" y="4853940"/>
             <a:ext cx="1524000" cy="460375"/>
           </a:xfrm>
           <a:prstGeom prst="rect">
@@ -8390,8 +8381,8 @@
         </p:nvSpPr>
         <p:spPr>
           <a:xfrm>
-            <a:off x="269240" y="4321810"/>
-            <a:ext cx="3124835" cy="1996440"/>
+            <a:off x="5590540" y="4405630"/>
+            <a:ext cx="3553460" cy="1997075"/>
           </a:xfrm>
           <a:prstGeom prst="rect">
             <a:avLst/>
@@ -8431,51 +8422,57 @@
           </a:p>
         </p:txBody>
       </p:sp>
-      <p:sp>
-        <p:nvSpPr>
-          <p:cNvPr id="22" name="右箭头 21"/>
-          <p:cNvSpPr/>
+      <p:pic>
+        <p:nvPicPr>
+          <p:cNvPr id="3" name="图片 2"/>
+          <p:cNvPicPr>
+            <a:picLocks noChangeAspect="1"/>
+          </p:cNvPicPr>
           <p:nvPr/>
-        </p:nvSpPr>
+        </p:nvPicPr>
+        <p:blipFill>
+          <a:blip r:embed="rId1"/>
+          <a:stretch>
+            <a:fillRect/>
+          </a:stretch>
+        </p:blipFill>
         <p:spPr>
           <a:xfrm>
-            <a:off x="3528060" y="5572760"/>
-            <a:ext cx="1766570" cy="459740"/>
-          </a:xfrm>
-          <a:prstGeom prst="rightArrow">
+            <a:off x="3528060" y="2555875"/>
+            <a:ext cx="1889760" cy="556260"/>
+          </a:xfrm>
+          <a:prstGeom prst="rect">
             <a:avLst/>
           </a:prstGeom>
-          <a:solidFill>
-            <a:schemeClr val="bg1"/>
-          </a:solidFill>
-        </p:spPr>
-        <p:style>
-          <a:lnRef idx="2">
-            <a:schemeClr val="accent1">
-              <a:shade val="50000"/>
-            </a:schemeClr>
-          </a:lnRef>
-          <a:fillRef idx="1">
-            <a:schemeClr val="accent1"/>
-          </a:fillRef>
-          <a:effectRef idx="0">
-            <a:schemeClr val="accent1"/>
-          </a:effectRef>
-          <a:fontRef idx="minor">
-            <a:schemeClr val="lt1"/>
-          </a:fontRef>
-        </p:style>
-        <p:txBody>
-          <a:bodyPr rtlCol="0" anchor="ctr"/>
-          <a:p>
-            <a:pPr algn="ctr"/>
-            <a:endParaRPr lang="zh-CN" altLang="en-US"/>
-          </a:p>
-        </p:txBody>
-      </p:sp>
+        </p:spPr>
+      </p:pic>
+      <p:pic>
+        <p:nvPicPr>
+          <p:cNvPr id="5" name="图片 4"/>
+          <p:cNvPicPr>
+            <a:picLocks noChangeAspect="1"/>
+          </p:cNvPicPr>
+          <p:nvPr/>
+        </p:nvPicPr>
+        <p:blipFill>
+          <a:blip r:embed="rId1"/>
+          <a:stretch>
+            <a:fillRect/>
+          </a:stretch>
+        </p:blipFill>
+        <p:spPr>
+          <a:xfrm>
+            <a:off x="3528060" y="5314315"/>
+            <a:ext cx="1889760" cy="556260"/>
+          </a:xfrm>
+          <a:prstGeom prst="rect">
+            <a:avLst/>
+          </a:prstGeom>
+        </p:spPr>
+      </p:pic>
     </p:spTree>
     <p:custDataLst>
-      <p:tags r:id="rId1"/>
+      <p:tags r:id="rId2"/>
     </p:custDataLst>
   </p:cSld>
   <p:clrMapOvr>
@@ -8551,7 +8548,7 @@
         </p:nvSpPr>
         <p:spPr>
           <a:xfrm>
-            <a:off x="157480" y="1493520"/>
+            <a:off x="95250" y="1457960"/>
             <a:ext cx="2193290" cy="1381760"/>
           </a:xfrm>
           <a:prstGeom prst="rect">
@@ -8800,7 +8797,7 @@
         </p:nvSpPr>
         <p:spPr>
           <a:xfrm>
-            <a:off x="3440430" y="2703195"/>
+            <a:off x="3533775" y="1861820"/>
             <a:ext cx="2348230" cy="2091690"/>
           </a:xfrm>
           <a:prstGeom prst="ellipse">
@@ -8833,9 +8830,25 @@
                   <a:schemeClr val="tx1"/>
                 </a:solidFill>
               </a:rPr>
-              <a:t>进入渲染列表</a:t>
-            </a:r>
-            <a:endParaRPr lang="zh-CN" altLang="en-US" sz="3200" b="1">
+              <a:t>摄像机</a:t>
+            </a:r>
+            <a:r>
+              <a:rPr lang="en-US" altLang="zh-CN" sz="3200" b="1">
+                <a:solidFill>
+                  <a:schemeClr val="tx1"/>
+                </a:solidFill>
+              </a:rPr>
+              <a:t>A</a:t>
+            </a:r>
+            <a:r>
+              <a:rPr lang="zh-CN" altLang="en-US" sz="3200" b="1">
+                <a:solidFill>
+                  <a:schemeClr val="tx1"/>
+                </a:solidFill>
+              </a:rPr>
+              <a:t>的渲染列表</a:t>
+            </a:r>
+            <a:endParaRPr lang="en-US" altLang="zh-CN" sz="3200" b="1">
               <a:solidFill>
                 <a:schemeClr val="tx1"/>
               </a:solidFill>
@@ -8848,17 +8861,18 @@
           <p:cNvPr id="13" name="肘形连接符 12"/>
           <p:cNvCxnSpPr>
             <a:stCxn id="5" idx="3"/>
-            <a:endCxn id="12" idx="1"/>
           </p:cNvCxnSpPr>
           <p:nvPr/>
         </p:nvCxnSpPr>
         <p:spPr>
-          <a:xfrm>
-            <a:off x="2350770" y="2184400"/>
-            <a:ext cx="1433830" cy="824865"/>
-          </a:xfrm>
-          <a:prstGeom prst="bentConnector2">
-            <a:avLst/>
+          <a:xfrm flipV="1">
+            <a:off x="2288540" y="2138045"/>
+            <a:ext cx="1636395" cy="10795"/>
+          </a:xfrm>
+          <a:prstGeom prst="bentConnector3">
+            <a:avLst>
+              <a:gd name="adj1" fmla="val 50019"/>
+            </a:avLst>
           </a:prstGeom>
           <a:ln>
             <a:tailEnd type="arrow" w="med" len="med"/>
@@ -8884,14 +8898,14 @@
           <p:cNvPr id="15" name="肘形连接符 14"/>
           <p:cNvCxnSpPr>
             <a:stCxn id="7" idx="3"/>
-            <a:endCxn id="12" idx="3"/>
+            <a:endCxn id="3" idx="2"/>
           </p:cNvCxnSpPr>
           <p:nvPr/>
         </p:nvCxnSpPr>
         <p:spPr>
-          <a:xfrm flipV="1">
-            <a:off x="2350770" y="4488815"/>
-            <a:ext cx="1433830" cy="996950"/>
+          <a:xfrm>
+            <a:off x="2350770" y="5485765"/>
+            <a:ext cx="1183005" cy="3175"/>
           </a:xfrm>
           <a:prstGeom prst="bentConnector2">
             <a:avLst/>
@@ -8920,14 +8934,14 @@
           <p:cNvPr id="16" name="直接箭头连接符 15"/>
           <p:cNvCxnSpPr>
             <a:stCxn id="6" idx="3"/>
-            <a:endCxn id="12" idx="2"/>
+            <a:endCxn id="12" idx="3"/>
           </p:cNvCxnSpPr>
           <p:nvPr/>
         </p:nvCxnSpPr>
         <p:spPr>
           <a:xfrm flipV="1">
-            <a:off x="2350770" y="3749040"/>
-            <a:ext cx="1089660" cy="1905"/>
+            <a:off x="2350770" y="3647440"/>
+            <a:ext cx="1527175" cy="103505"/>
           </a:xfrm>
           <a:prstGeom prst="straightConnector1">
             <a:avLst/>
@@ -8959,7 +8973,7 @@
         </p:nvSpPr>
         <p:spPr>
           <a:xfrm>
-            <a:off x="6263005" y="2703195"/>
+            <a:off x="6281420" y="1861820"/>
             <a:ext cx="2682875" cy="2091690"/>
           </a:xfrm>
           <a:prstGeom prst="ellipse">
@@ -9013,8 +9027,8 @@
         </p:nvCxnSpPr>
         <p:spPr>
           <a:xfrm>
-            <a:off x="5788660" y="3749040"/>
-            <a:ext cx="474345" cy="3175"/>
+            <a:off x="5882005" y="2907665"/>
+            <a:ext cx="399415" cy="3175"/>
           </a:xfrm>
           <a:prstGeom prst="bentConnector2">
             <a:avLst/>
@@ -9100,11 +9114,13 @@
         </p:nvCxnSpPr>
         <p:spPr>
           <a:xfrm>
-            <a:off x="8945880" y="3749040"/>
-            <a:ext cx="937260" cy="3175"/>
-          </a:xfrm>
-          <a:prstGeom prst="bentConnector2">
-            <a:avLst/>
+            <a:off x="8964295" y="2907665"/>
+            <a:ext cx="918845" cy="841375"/>
+          </a:xfrm>
+          <a:prstGeom prst="bentConnector3">
+            <a:avLst>
+              <a:gd name="adj1" fmla="val 50035"/>
+            </a:avLst>
           </a:prstGeom>
           <a:ln>
             <a:tailEnd type="arrow" w="med" len="med"/>
@@ -9134,6 +9150,230 @@
         <p:spPr>
           <a:xfrm>
             <a:off x="8964295" y="3291840"/>
+            <a:ext cx="918845" cy="460375"/>
+          </a:xfrm>
+          <a:prstGeom prst="rect">
+            <a:avLst/>
+          </a:prstGeom>
+          <a:noFill/>
+        </p:spPr>
+        <p:txBody>
+          <a:bodyPr wrap="square" rtlCol="0">
+            <a:spAutoFit/>
+          </a:bodyPr>
+          <a:p>
+            <a:r>
+              <a:rPr lang="zh-CN" altLang="en-US" sz="2400"/>
+              <a:t>提交</a:t>
+            </a:r>
+            <a:endParaRPr lang="zh-CN" altLang="en-US" sz="2400"/>
+          </a:p>
+        </p:txBody>
+      </p:sp>
+      <p:sp>
+        <p:nvSpPr>
+          <p:cNvPr id="3" name="椭圆 2"/>
+          <p:cNvSpPr/>
+          <p:nvPr/>
+        </p:nvSpPr>
+        <p:spPr>
+          <a:xfrm>
+            <a:off x="3533775" y="4439920"/>
+            <a:ext cx="2348230" cy="2091690"/>
+          </a:xfrm>
+          <a:prstGeom prst="ellipse">
+            <a:avLst/>
+          </a:prstGeom>
+        </p:spPr>
+        <p:style>
+          <a:lnRef idx="2">
+            <a:schemeClr val="accent2">
+              <a:shade val="50000"/>
+            </a:schemeClr>
+          </a:lnRef>
+          <a:fillRef idx="1">
+            <a:schemeClr val="accent2"/>
+          </a:fillRef>
+          <a:effectRef idx="0">
+            <a:schemeClr val="accent2"/>
+          </a:effectRef>
+          <a:fontRef idx="minor">
+            <a:schemeClr val="lt1"/>
+          </a:fontRef>
+        </p:style>
+        <p:txBody>
+          <a:bodyPr rtlCol="0" anchor="ctr"/>
+          <a:p>
+            <a:pPr algn="ctr"/>
+            <a:r>
+              <a:rPr lang="zh-CN" altLang="en-US" sz="3200" b="1">
+                <a:solidFill>
+                  <a:schemeClr val="tx1"/>
+                </a:solidFill>
+                <a:sym typeface="+mn-ea"/>
+              </a:rPr>
+              <a:t>摄像机</a:t>
+            </a:r>
+            <a:r>
+              <a:rPr lang="en-US" altLang="zh-CN" sz="3200" b="1">
+                <a:solidFill>
+                  <a:schemeClr val="tx1"/>
+                </a:solidFill>
+                <a:sym typeface="+mn-ea"/>
+              </a:rPr>
+              <a:t>B</a:t>
+            </a:r>
+            <a:r>
+              <a:rPr lang="zh-CN" altLang="en-US" sz="3200" b="1">
+                <a:solidFill>
+                  <a:schemeClr val="tx1"/>
+                </a:solidFill>
+                <a:sym typeface="+mn-ea"/>
+              </a:rPr>
+              <a:t>的渲染列表</a:t>
+            </a:r>
+            <a:endParaRPr lang="en-US" altLang="zh-CN" sz="3200" b="1">
+              <a:solidFill>
+                <a:schemeClr val="tx1"/>
+              </a:solidFill>
+            </a:endParaRPr>
+          </a:p>
+        </p:txBody>
+      </p:sp>
+      <p:sp>
+        <p:nvSpPr>
+          <p:cNvPr id="4" name="椭圆 3"/>
+          <p:cNvSpPr/>
+          <p:nvPr/>
+        </p:nvSpPr>
+        <p:spPr>
+          <a:xfrm>
+            <a:off x="6281420" y="4439285"/>
+            <a:ext cx="2682875" cy="2091690"/>
+          </a:xfrm>
+          <a:prstGeom prst="ellipse">
+            <a:avLst/>
+          </a:prstGeom>
+        </p:spPr>
+        <p:style>
+          <a:lnRef idx="2">
+            <a:schemeClr val="accent2">
+              <a:shade val="50000"/>
+            </a:schemeClr>
+          </a:lnRef>
+          <a:fillRef idx="1">
+            <a:schemeClr val="accent2"/>
+          </a:fillRef>
+          <a:effectRef idx="0">
+            <a:schemeClr val="accent2"/>
+          </a:effectRef>
+          <a:fontRef idx="minor">
+            <a:schemeClr val="lt1"/>
+          </a:fontRef>
+        </p:style>
+        <p:txBody>
+          <a:bodyPr rtlCol="0" anchor="ctr"/>
+          <a:p>
+            <a:pPr algn="ctr"/>
+            <a:r>
+              <a:rPr lang="zh-CN" altLang="en-US" sz="3200" b="1">
+                <a:solidFill>
+                  <a:schemeClr val="tx1"/>
+                </a:solidFill>
+              </a:rPr>
+              <a:t>渲染列表批处理</a:t>
+            </a:r>
+            <a:endParaRPr lang="zh-CN" altLang="en-US" sz="3200" b="1">
+              <a:solidFill>
+                <a:schemeClr val="tx1"/>
+              </a:solidFill>
+            </a:endParaRPr>
+          </a:p>
+        </p:txBody>
+      </p:sp>
+      <p:cxnSp>
+        <p:nvCxnSpPr>
+          <p:cNvPr id="9" name="肘形连接符 8"/>
+          <p:cNvCxnSpPr>
+            <a:stCxn id="3" idx="6"/>
+            <a:endCxn id="4" idx="2"/>
+          </p:cNvCxnSpPr>
+          <p:nvPr/>
+        </p:nvCxnSpPr>
+        <p:spPr>
+          <a:xfrm flipV="1">
+            <a:off x="5882005" y="5485130"/>
+            <a:ext cx="399415" cy="635"/>
+          </a:xfrm>
+          <a:prstGeom prst="bentConnector3">
+            <a:avLst>
+              <a:gd name="adj1" fmla="val 50079"/>
+            </a:avLst>
+          </a:prstGeom>
+          <a:ln>
+            <a:tailEnd type="arrow" w="med" len="med"/>
+          </a:ln>
+        </p:spPr>
+        <p:style>
+          <a:lnRef idx="1">
+            <a:schemeClr val="dk1"/>
+          </a:lnRef>
+          <a:fillRef idx="0">
+            <a:schemeClr val="dk1"/>
+          </a:fillRef>
+          <a:effectRef idx="0">
+            <a:schemeClr val="dk1"/>
+          </a:effectRef>
+          <a:fontRef idx="minor">
+            <a:schemeClr val="tx1"/>
+          </a:fontRef>
+        </p:style>
+      </p:cxnSp>
+      <p:cxnSp>
+        <p:nvCxnSpPr>
+          <p:cNvPr id="10" name="肘形连接符 9"/>
+          <p:cNvCxnSpPr>
+            <a:stCxn id="4" idx="6"/>
+            <a:endCxn id="19" idx="2"/>
+          </p:cNvCxnSpPr>
+          <p:nvPr/>
+        </p:nvCxnSpPr>
+        <p:spPr>
+          <a:xfrm flipV="1">
+            <a:off x="8964295" y="4439920"/>
+            <a:ext cx="2015490" cy="1045210"/>
+          </a:xfrm>
+          <a:prstGeom prst="bentConnector2">
+            <a:avLst/>
+          </a:prstGeom>
+          <a:ln>
+            <a:tailEnd type="arrow" w="med" len="med"/>
+          </a:ln>
+        </p:spPr>
+        <p:style>
+          <a:lnRef idx="1">
+            <a:schemeClr val="dk1"/>
+          </a:lnRef>
+          <a:fillRef idx="0">
+            <a:schemeClr val="dk1"/>
+          </a:fillRef>
+          <a:effectRef idx="0">
+            <a:schemeClr val="dk1"/>
+          </a:effectRef>
+          <a:fontRef idx="minor">
+            <a:schemeClr val="tx1"/>
+          </a:fontRef>
+        </p:style>
+      </p:cxnSp>
+      <p:sp>
+        <p:nvSpPr>
+          <p:cNvPr id="11" name="文本框 10"/>
+          <p:cNvSpPr txBox="1"/>
+          <p:nvPr/>
+        </p:nvSpPr>
+        <p:spPr>
+          <a:xfrm>
+            <a:off x="9883140" y="5255260"/>
             <a:ext cx="918845" cy="460375"/>
           </a:xfrm>
           <a:prstGeom prst="rect">
@@ -9203,7 +9443,39 @@
                 </a:effectLst>
                 <a:sym typeface="+mn-ea"/>
               </a:rPr>
-              <a:t>场景管理模块展示</a:t>
+              <a:t>场景管理模块</a:t>
+            </a:r>
+            <a:r>
+              <a:rPr lang="en-US" altLang="zh-CN">
+                <a:solidFill>
+                  <a:schemeClr val="tx1"/>
+                </a:solidFill>
+                <a:effectLst>
+                  <a:outerShdw blurRad="38100" dist="19050" dir="2700000" algn="tl" rotWithShape="0">
+                    <a:schemeClr val="dk1">
+                      <a:alpha val="40000"/>
+                    </a:schemeClr>
+                  </a:outerShdw>
+                </a:effectLst>
+                <a:sym typeface="+mn-ea"/>
+              </a:rPr>
+              <a:t>——</a:t>
+            </a:r>
+            <a:r>
+              <a:rPr lang="zh-CN" altLang="en-US">
+                <a:solidFill>
+                  <a:schemeClr val="tx1"/>
+                </a:solidFill>
+                <a:effectLst>
+                  <a:outerShdw blurRad="38100" dist="19050" dir="2700000" algn="tl" rotWithShape="0">
+                    <a:schemeClr val="dk1">
+                      <a:alpha val="40000"/>
+                    </a:schemeClr>
+                  </a:outerShdw>
+                </a:effectLst>
+                <a:sym typeface="+mn-ea"/>
+              </a:rPr>
+              <a:t>单场景渲染以及场景切换</a:t>
             </a:r>
             <a:endParaRPr lang="zh-CN" altLang="en-US">
               <a:solidFill>
@@ -9239,7 +9511,7 @@
         </p:blipFill>
         <p:spPr>
           <a:xfrm>
-            <a:off x="217805" y="1718310"/>
+            <a:off x="217805" y="2150110"/>
             <a:ext cx="5615305" cy="4069715"/>
           </a:xfrm>
           <a:prstGeom prst="rect">
@@ -9643,7 +9915,7 @@
         </p:blipFill>
         <p:spPr>
           <a:xfrm>
-            <a:off x="6687820" y="1905000"/>
+            <a:off x="6677660" y="2336800"/>
             <a:ext cx="5452745" cy="3883025"/>
           </a:xfrm>
           <a:prstGeom prst="rect">
@@ -10340,7 +10612,7 @@
           <a:p>
             <a:r>
               <a:rPr lang="zh-CN" altLang="en-US" sz="2400"/>
-              <a:t>获取渲染资源</a:t>
+              <a:t>获取美术资源</a:t>
             </a:r>
             <a:endParaRPr lang="zh-CN" altLang="en-US" sz="2400"/>
           </a:p>
@@ -10377,9 +10649,16 @@
             <p:ph type="title"/>
           </p:nvPr>
         </p:nvSpPr>
-        <p:spPr/>
-        <p:txBody>
-          <a:bodyPr/>
+        <p:spPr>
+          <a:xfrm>
+            <a:off x="838200" y="392430"/>
+            <a:ext cx="10598150" cy="1433830"/>
+          </a:xfrm>
+        </p:spPr>
+        <p:txBody>
+          <a:bodyPr>
+            <a:normAutofit/>
+          </a:bodyPr>
           <a:p>
             <a:r>
               <a:rPr lang="zh-CN" altLang="en-US">
@@ -10393,8 +10672,41 @@
                     </a:schemeClr>
                   </a:outerShdw>
                 </a:effectLst>
+                <a:sym typeface="+mn-ea"/>
               </a:rPr>
-              <a:t>底层渲染器展示</a:t>
+              <a:t>底层渲染器</a:t>
+            </a:r>
+            <a:r>
+              <a:rPr lang="en-US" altLang="zh-CN">
+                <a:solidFill>
+                  <a:schemeClr val="tx1"/>
+                </a:solidFill>
+                <a:effectLst>
+                  <a:outerShdw blurRad="38100" dist="19050" dir="2700000" algn="tl" rotWithShape="0">
+                    <a:schemeClr val="dk1">
+                      <a:alpha val="40000"/>
+                    </a:schemeClr>
+                  </a:outerShdw>
+                </a:effectLst>
+                <a:sym typeface="+mn-ea"/>
+              </a:rPr>
+              <a:t>/SDK</a:t>
+            </a:r>
+            <a:r>
+              <a:rPr lang="zh-CN" altLang="en-US">
+                <a:solidFill>
+                  <a:schemeClr val="tx1"/>
+                </a:solidFill>
+                <a:effectLst>
+                  <a:outerShdw blurRad="38100" dist="19050" dir="2700000" algn="tl" rotWithShape="0">
+                    <a:schemeClr val="dk1">
+                      <a:alpha val="40000"/>
+                    </a:schemeClr>
+                  </a:outerShdw>
+                </a:effectLst>
+                <a:sym typeface="+mn-ea"/>
+              </a:rPr>
+              <a:t>相关部分</a:t>
             </a:r>
             <a:endParaRPr lang="zh-CN" altLang="en-US">
               <a:solidFill>
@@ -10407,123 +10719,161 @@
                   </a:schemeClr>
                 </a:outerShdw>
               </a:effectLst>
+              <a:sym typeface="+mn-ea"/>
             </a:endParaRPr>
           </a:p>
         </p:txBody>
       </p:sp>
-      <p:pic>
-        <p:nvPicPr>
-          <p:cNvPr id="4" name="内容占位符 3"/>
-          <p:cNvPicPr>
-            <a:picLocks noChangeAspect="1"/>
-          </p:cNvPicPr>
+      <p:sp>
+        <p:nvSpPr>
+          <p:cNvPr id="3" name="内容占位符 2"/>
+          <p:cNvSpPr>
+            <a:spLocks noGrp="1"/>
+          </p:cNvSpPr>
           <p:nvPr>
             <p:ph idx="1"/>
           </p:nvPr>
-        </p:nvPicPr>
-        <p:blipFill>
-          <a:blip r:embed="rId1"/>
-          <a:stretch>
-            <a:fillRect/>
-          </a:stretch>
-        </p:blipFill>
-        <p:spPr>
-          <a:xfrm>
-            <a:off x="971550" y="1904365"/>
-            <a:ext cx="4238625" cy="4210050"/>
-          </a:xfrm>
-          <a:prstGeom prst="rect">
-            <a:avLst/>
-          </a:prstGeom>
-        </p:spPr>
-      </p:pic>
-      <p:sp>
-        <p:nvSpPr>
-          <p:cNvPr id="5" name="文本框 4"/>
-          <p:cNvSpPr txBox="1"/>
-          <p:nvPr/>
-        </p:nvSpPr>
-        <p:spPr>
-          <a:xfrm>
-            <a:off x="1637665" y="6313805"/>
-            <a:ext cx="2905760" cy="460375"/>
-          </a:xfrm>
-          <a:prstGeom prst="rect">
-            <a:avLst/>
-          </a:prstGeom>
-          <a:noFill/>
-        </p:spPr>
-        <p:txBody>
-          <a:bodyPr wrap="square" rtlCol="0">
-            <a:spAutoFit/>
-          </a:bodyPr>
-          <a:p>
-            <a:pPr algn="ctr"/>
-            <a:r>
-              <a:rPr lang="zh-CN" altLang="en-US" sz="2400"/>
-              <a:t>模型渲染</a:t>
-            </a:r>
-            <a:endParaRPr lang="zh-CN" altLang="en-US" sz="2400"/>
-          </a:p>
-        </p:txBody>
-      </p:sp>
-      <p:pic>
-        <p:nvPicPr>
-          <p:cNvPr id="6" name="图片 5"/>
-          <p:cNvPicPr>
-            <a:picLocks noChangeAspect="1"/>
-          </p:cNvPicPr>
-          <p:nvPr/>
-        </p:nvPicPr>
-        <p:blipFill>
-          <a:blip r:embed="rId2"/>
-          <a:stretch>
-            <a:fillRect/>
-          </a:stretch>
-        </p:blipFill>
-        <p:spPr>
-          <a:xfrm>
-            <a:off x="5960745" y="1903730"/>
-            <a:ext cx="5594350" cy="4210685"/>
-          </a:xfrm>
-          <a:prstGeom prst="rect">
-            <a:avLst/>
-          </a:prstGeom>
-        </p:spPr>
-      </p:pic>
-      <p:sp>
-        <p:nvSpPr>
-          <p:cNvPr id="7" name="文本框 6"/>
-          <p:cNvSpPr txBox="1"/>
-          <p:nvPr/>
-        </p:nvSpPr>
-        <p:spPr>
-          <a:xfrm>
-            <a:off x="6708775" y="6313805"/>
-            <a:ext cx="4330700" cy="460375"/>
-          </a:xfrm>
-          <a:prstGeom prst="rect">
-            <a:avLst/>
-          </a:prstGeom>
-          <a:noFill/>
-        </p:spPr>
-        <p:txBody>
-          <a:bodyPr wrap="square" rtlCol="0">
-            <a:spAutoFit/>
-          </a:bodyPr>
-          <a:p>
-            <a:pPr algn="ctr"/>
-            <a:r>
-              <a:rPr lang="zh-CN" altLang="en-US" sz="2400"/>
-              <a:t>方向光打在地球上</a:t>
-            </a:r>
-            <a:endParaRPr lang="zh-CN" altLang="en-US" sz="2400"/>
+        </p:nvSpPr>
+        <p:spPr/>
+        <p:txBody>
+          <a:bodyPr/>
+          <a:p>
+            <a:pPr fontAlgn="auto">
+              <a:lnSpc>
+                <a:spcPct val="200000"/>
+              </a:lnSpc>
+            </a:pPr>
+            <a:r>
+              <a:rPr lang="zh-CN" altLang="en-US"/>
+              <a:t>在CPU抽象出</a:t>
+            </a:r>
+            <a:r>
+              <a:rPr lang="en-US" altLang="zh-CN" b="1">
+                <a:solidFill>
+                  <a:srgbClr val="FF0000"/>
+                </a:solidFill>
+              </a:rPr>
+              <a:t>Shader</a:t>
+            </a:r>
+            <a:r>
+              <a:rPr lang="zh-CN" altLang="en-US"/>
+              <a:t>类、</a:t>
+            </a:r>
+            <a:r>
+              <a:rPr lang="en-US" altLang="zh-CN" b="1">
+                <a:solidFill>
+                  <a:srgbClr val="FF0000"/>
+                </a:solidFill>
+              </a:rPr>
+              <a:t>Buffer</a:t>
+            </a:r>
+            <a:r>
+              <a:rPr lang="zh-CN" altLang="en-US"/>
+              <a:t>类。</a:t>
+            </a:r>
+            <a:endParaRPr lang="zh-CN" altLang="en-US"/>
+          </a:p>
+          <a:p>
+            <a:pPr fontAlgn="auto">
+              <a:lnSpc>
+                <a:spcPct val="200000"/>
+              </a:lnSpc>
+            </a:pPr>
+            <a:r>
+              <a:rPr lang="zh-CN" altLang="en-US"/>
+              <a:t>引擎</a:t>
+            </a:r>
+            <a:r>
+              <a:rPr lang="zh-CN" altLang="en-US" b="1">
+                <a:solidFill>
+                  <a:srgbClr val="FF0000"/>
+                </a:solidFill>
+              </a:rPr>
+              <a:t>内置</a:t>
+            </a:r>
+            <a:r>
+              <a:rPr lang="en-US" altLang="zh-CN"/>
+              <a:t>Shader</a:t>
+            </a:r>
+            <a:r>
+              <a:rPr lang="zh-CN" altLang="en-US"/>
+              <a:t>程序，并</a:t>
+            </a:r>
+            <a:r>
+              <a:rPr lang="zh-CN" altLang="en-US">
+                <a:solidFill>
+                  <a:schemeClr val="tx1"/>
+                </a:solidFill>
+                <a:sym typeface="+mn-ea"/>
+              </a:rPr>
+              <a:t>支持开发者</a:t>
+            </a:r>
+            <a:r>
+              <a:rPr lang="zh-CN" altLang="en-US" b="1">
+                <a:solidFill>
+                  <a:srgbClr val="FF0000"/>
+                </a:solidFill>
+                <a:sym typeface="+mn-ea"/>
+              </a:rPr>
+              <a:t>自定义</a:t>
+            </a:r>
+            <a:r>
+              <a:rPr lang="en-US" altLang="zh-CN">
+                <a:sym typeface="+mn-ea"/>
+              </a:rPr>
+              <a:t>Shader</a:t>
+            </a:r>
+            <a:r>
+              <a:rPr lang="zh-CN" altLang="en-US">
+                <a:sym typeface="+mn-ea"/>
+              </a:rPr>
+              <a:t>程序。</a:t>
+            </a:r>
+            <a:endParaRPr lang="zh-CN" altLang="en-US"/>
+          </a:p>
+          <a:p>
+            <a:pPr fontAlgn="auto">
+              <a:lnSpc>
+                <a:spcPct val="200000"/>
+              </a:lnSpc>
+            </a:pPr>
+            <a:r>
+              <a:rPr lang="zh-CN" altLang="en-US"/>
+              <a:t>业务逻辑与</a:t>
+            </a:r>
+            <a:r>
+              <a:rPr lang="en-US" altLang="zh-CN"/>
+              <a:t>OpenGL </a:t>
+            </a:r>
+            <a:r>
+              <a:rPr lang="en-US" altLang="zh-CN"/>
+              <a:t>SDK</a:t>
+            </a:r>
+            <a:r>
+              <a:rPr lang="zh-CN" altLang="en-US" b="1">
+                <a:solidFill>
+                  <a:srgbClr val="FF0000"/>
+                </a:solidFill>
+              </a:rPr>
+              <a:t>解耦合</a:t>
+            </a:r>
+            <a:r>
+              <a:rPr lang="zh-CN" altLang="en-US"/>
+              <a:t>。</a:t>
+            </a:r>
+            <a:endParaRPr lang="zh-CN" altLang="en-US"/>
+          </a:p>
+          <a:p>
+            <a:endParaRPr lang="zh-CN" altLang="en-US"/>
+          </a:p>
+          <a:p>
+            <a:endParaRPr lang="zh-CN" altLang="en-US"/>
           </a:p>
         </p:txBody>
       </p:sp>
     </p:spTree>
     <p:custDataLst>
-      <p:tags r:id="rId3"/>
+      <p:tags r:id="rId1"/>
     </p:custDataLst>
   </p:cSld>
   <p:clrMapOvr>
@@ -10554,9 +10904,7 @@
         </p:nvSpPr>
         <p:spPr/>
         <p:txBody>
-          <a:bodyPr>
-            <a:normAutofit/>
-          </a:bodyPr>
+          <a:bodyPr/>
           <a:p>
             <a:r>
               <a:rPr lang="zh-CN" altLang="en-US">
@@ -10572,7 +10920,39 @@
                 </a:effectLst>
                 <a:sym typeface="+mn-ea"/>
               </a:rPr>
-              <a:t>底层渲染器展示</a:t>
+              <a:t>底层渲染器</a:t>
+            </a:r>
+            <a:r>
+              <a:rPr lang="en-US" altLang="zh-CN">
+                <a:solidFill>
+                  <a:schemeClr val="tx1"/>
+                </a:solidFill>
+                <a:effectLst>
+                  <a:outerShdw blurRad="38100" dist="19050" dir="2700000" algn="tl" rotWithShape="0">
+                    <a:schemeClr val="dk1">
+                      <a:alpha val="40000"/>
+                    </a:schemeClr>
+                  </a:outerShdw>
+                </a:effectLst>
+                <a:sym typeface="+mn-ea"/>
+              </a:rPr>
+              <a:t>/SDK</a:t>
+            </a:r>
+            <a:r>
+              <a:rPr lang="zh-CN" altLang="en-US">
+                <a:solidFill>
+                  <a:schemeClr val="tx1"/>
+                </a:solidFill>
+                <a:effectLst>
+                  <a:outerShdw blurRad="38100" dist="19050" dir="2700000" algn="tl" rotWithShape="0">
+                    <a:schemeClr val="dk1">
+                      <a:alpha val="40000"/>
+                    </a:schemeClr>
+                  </a:outerShdw>
+                </a:effectLst>
+                <a:sym typeface="+mn-ea"/>
+              </a:rPr>
+              <a:t>相关部分图解</a:t>
             </a:r>
             <a:endParaRPr lang="zh-CN" altLang="en-US">
               <a:solidFill>
@@ -10590,42 +10970,16 @@
           </a:p>
         </p:txBody>
       </p:sp>
-      <p:pic>
-        <p:nvPicPr>
-          <p:cNvPr id="4" name="内容占位符 3"/>
-          <p:cNvPicPr>
-            <a:picLocks noChangeAspect="1"/>
-          </p:cNvPicPr>
-          <p:nvPr>
-            <p:ph idx="1"/>
-          </p:nvPr>
-        </p:nvPicPr>
-        <p:blipFill>
-          <a:blip r:embed="rId1"/>
-          <a:stretch>
-            <a:fillRect/>
-          </a:stretch>
-        </p:blipFill>
-        <p:spPr>
-          <a:xfrm>
-            <a:off x="6610985" y="1561465"/>
-            <a:ext cx="5192395" cy="3735070"/>
-          </a:xfrm>
-          <a:prstGeom prst="rect">
-            <a:avLst/>
-          </a:prstGeom>
-        </p:spPr>
-      </p:pic>
-      <p:sp>
-        <p:nvSpPr>
-          <p:cNvPr id="5" name="文本框 4"/>
+      <p:sp>
+        <p:nvSpPr>
+          <p:cNvPr id="6" name="文本框 5"/>
           <p:cNvSpPr txBox="1"/>
           <p:nvPr/>
         </p:nvSpPr>
         <p:spPr>
           <a:xfrm>
-            <a:off x="7052945" y="5652135"/>
-            <a:ext cx="4308475" cy="460375"/>
+            <a:off x="9396730" y="2326640"/>
+            <a:ext cx="2366645" cy="829945"/>
           </a:xfrm>
           <a:prstGeom prst="rect">
             <a:avLst/>
@@ -10637,39 +10991,21 @@
             <a:spAutoFit/>
           </a:bodyPr>
           <a:p>
-            <a:pPr algn="ctr"/>
             <a:r>
               <a:rPr lang="zh-CN" altLang="en-US" sz="2400"/>
-              <a:t>聚光灯打在地面上形成内外圈</a:t>
+              <a:t>缓冲区和资源</a:t>
             </a:r>
             <a:endParaRPr lang="zh-CN" altLang="en-US" sz="2400"/>
           </a:p>
-        </p:txBody>
-      </p:sp>
-      <p:pic>
-        <p:nvPicPr>
-          <p:cNvPr id="6" name="图片 5"/>
-          <p:cNvPicPr>
-            <a:picLocks noChangeAspect="1"/>
-          </p:cNvPicPr>
-          <p:nvPr/>
-        </p:nvPicPr>
-        <p:blipFill>
-          <a:blip r:embed="rId2"/>
-          <a:stretch>
-            <a:fillRect/>
-          </a:stretch>
-        </p:blipFill>
-        <p:spPr>
-          <a:xfrm>
-            <a:off x="896620" y="1613535"/>
-            <a:ext cx="5102860" cy="3630930"/>
-          </a:xfrm>
-          <a:prstGeom prst="rect">
-            <a:avLst/>
-          </a:prstGeom>
-        </p:spPr>
-      </p:pic>
+          <a:p>
+            <a:r>
+              <a:rPr lang="zh-CN" altLang="en-US" sz="2400"/>
+              <a:t>管理模块交互</a:t>
+            </a:r>
+            <a:endParaRPr lang="zh-CN" altLang="en-US" sz="2400"/>
+          </a:p>
+        </p:txBody>
+      </p:sp>
       <p:sp>
         <p:nvSpPr>
           <p:cNvPr id="7" name="文本框 6"/>
@@ -10678,8 +11014,8 @@
         </p:nvSpPr>
         <p:spPr>
           <a:xfrm>
-            <a:off x="1393190" y="5568315"/>
-            <a:ext cx="4347210" cy="460375"/>
+            <a:off x="9604375" y="5026025"/>
+            <a:ext cx="2159000" cy="829945"/>
           </a:xfrm>
           <a:prstGeom prst="rect">
             <a:avLst/>
@@ -10691,10 +11027,360 @@
             <a:spAutoFit/>
           </a:bodyPr>
           <a:p>
+            <a:r>
+              <a:rPr lang="en-US" altLang="zh-CN" sz="2400"/>
+              <a:t>Shader</a:t>
+            </a:r>
+            <a:r>
+              <a:rPr lang="zh-CN" altLang="en-US" sz="2400"/>
+              <a:t>与资源</a:t>
+            </a:r>
+            <a:endParaRPr lang="zh-CN" altLang="en-US" sz="2400"/>
+          </a:p>
+          <a:p>
+            <a:r>
+              <a:rPr lang="zh-CN" altLang="en-US" sz="2400"/>
+              <a:t>管理模块交互</a:t>
+            </a:r>
+            <a:endParaRPr lang="zh-CN" altLang="en-US" sz="2400"/>
+          </a:p>
+        </p:txBody>
+      </p:sp>
+      <p:sp>
+        <p:nvSpPr>
+          <p:cNvPr id="3" name="矩形 2"/>
+          <p:cNvSpPr/>
+          <p:nvPr/>
+        </p:nvSpPr>
+        <p:spPr>
+          <a:xfrm>
+            <a:off x="295910" y="1718310"/>
+            <a:ext cx="3410585" cy="2046605"/>
+          </a:xfrm>
+          <a:prstGeom prst="rect">
+            <a:avLst/>
+          </a:prstGeom>
+        </p:spPr>
+        <p:style>
+          <a:lnRef idx="2">
+            <a:schemeClr val="accent6">
+              <a:shade val="50000"/>
+            </a:schemeClr>
+          </a:lnRef>
+          <a:fillRef idx="1">
+            <a:schemeClr val="accent6"/>
+          </a:fillRef>
+          <a:effectRef idx="0">
+            <a:schemeClr val="accent6"/>
+          </a:effectRef>
+          <a:fontRef idx="minor">
+            <a:schemeClr val="lt1"/>
+          </a:fontRef>
+        </p:style>
+        <p:txBody>
+          <a:bodyPr rtlCol="0" anchor="ctr"/>
+          <a:p>
             <a:pPr algn="ctr"/>
             <a:r>
+              <a:rPr lang="en-US" altLang="zh-CN" sz="3200" b="1">
+                <a:solidFill>
+                  <a:schemeClr val="tx1"/>
+                </a:solidFill>
+              </a:rPr>
+              <a:t>Buffer</a:t>
+            </a:r>
+            <a:endParaRPr lang="en-US" altLang="zh-CN" sz="3200" b="1">
+              <a:solidFill>
+                <a:schemeClr val="tx1"/>
+              </a:solidFill>
+            </a:endParaRPr>
+          </a:p>
+        </p:txBody>
+      </p:sp>
+      <p:sp>
+        <p:nvSpPr>
+          <p:cNvPr id="14" name="左箭头 13"/>
+          <p:cNvSpPr/>
+          <p:nvPr/>
+        </p:nvSpPr>
+        <p:spPr>
+          <a:xfrm>
+            <a:off x="3830955" y="2529840"/>
+            <a:ext cx="1868805" cy="520700"/>
+          </a:xfrm>
+          <a:prstGeom prst="leftArrow">
+            <a:avLst/>
+          </a:prstGeom>
+          <a:solidFill>
+            <a:schemeClr val="bg1"/>
+          </a:solidFill>
+        </p:spPr>
+        <p:style>
+          <a:lnRef idx="2">
+            <a:schemeClr val="accent1">
+              <a:shade val="50000"/>
+            </a:schemeClr>
+          </a:lnRef>
+          <a:fillRef idx="1">
+            <a:schemeClr val="accent1"/>
+          </a:fillRef>
+          <a:effectRef idx="0">
+            <a:schemeClr val="accent1"/>
+          </a:effectRef>
+          <a:fontRef idx="minor">
+            <a:schemeClr val="lt1"/>
+          </a:fontRef>
+        </p:style>
+        <p:txBody>
+          <a:bodyPr rtlCol="0" anchor="ctr"/>
+          <a:p>
+            <a:pPr algn="ctr"/>
+            <a:endParaRPr lang="zh-CN" altLang="en-US"/>
+          </a:p>
+        </p:txBody>
+      </p:sp>
+      <p:sp>
+        <p:nvSpPr>
+          <p:cNvPr id="8" name="矩形 7"/>
+          <p:cNvSpPr/>
+          <p:nvPr/>
+        </p:nvSpPr>
+        <p:spPr>
+          <a:xfrm>
+            <a:off x="5885815" y="1767205"/>
+            <a:ext cx="3410585" cy="2046605"/>
+          </a:xfrm>
+          <a:prstGeom prst="rect">
+            <a:avLst/>
+          </a:prstGeom>
+        </p:spPr>
+        <p:style>
+          <a:lnRef idx="3">
+            <a:schemeClr val="lt1"/>
+          </a:lnRef>
+          <a:fillRef idx="1">
+            <a:schemeClr val="accent2"/>
+          </a:fillRef>
+          <a:effectRef idx="1">
+            <a:schemeClr val="accent2"/>
+          </a:effectRef>
+          <a:fontRef idx="minor">
+            <a:schemeClr val="lt1"/>
+          </a:fontRef>
+        </p:style>
+        <p:txBody>
+          <a:bodyPr rtlCol="0" anchor="ctr"/>
+          <a:p>
+            <a:pPr algn="ctr"/>
+            <a:r>
+              <a:rPr lang="zh-CN" altLang="en-US" sz="3200" b="1">
+                <a:solidFill>
+                  <a:schemeClr val="tx1"/>
+                </a:solidFill>
+              </a:rPr>
+              <a:t>资源管理</a:t>
+            </a:r>
+            <a:endParaRPr lang="zh-CN" altLang="en-US" sz="3200" b="1">
+              <a:solidFill>
+                <a:schemeClr val="tx1"/>
+              </a:solidFill>
+            </a:endParaRPr>
+          </a:p>
+        </p:txBody>
+      </p:sp>
+      <p:sp>
+        <p:nvSpPr>
+          <p:cNvPr id="13" name="文本框 12"/>
+          <p:cNvSpPr txBox="1"/>
+          <p:nvPr/>
+        </p:nvSpPr>
+        <p:spPr>
+          <a:xfrm>
+            <a:off x="4032885" y="2069465"/>
+            <a:ext cx="1465580" cy="460375"/>
+          </a:xfrm>
+          <a:prstGeom prst="rect">
+            <a:avLst/>
+          </a:prstGeom>
+          <a:noFill/>
+        </p:spPr>
+        <p:txBody>
+          <a:bodyPr wrap="square" rtlCol="0">
+            <a:spAutoFit/>
+          </a:bodyPr>
+          <a:p>
+            <a:r>
               <a:rPr lang="zh-CN" altLang="en-US" sz="2400"/>
-              <a:t>点光源从左边照射在小球上</a:t>
+              <a:t>获取资源</a:t>
+            </a:r>
+            <a:endParaRPr lang="zh-CN" altLang="en-US" sz="2400"/>
+          </a:p>
+        </p:txBody>
+      </p:sp>
+      <p:sp>
+        <p:nvSpPr>
+          <p:cNvPr id="11" name="矩形 10"/>
+          <p:cNvSpPr/>
+          <p:nvPr/>
+        </p:nvSpPr>
+        <p:spPr>
+          <a:xfrm>
+            <a:off x="295910" y="4357370"/>
+            <a:ext cx="3410585" cy="2046605"/>
+          </a:xfrm>
+          <a:prstGeom prst="rect">
+            <a:avLst/>
+          </a:prstGeom>
+        </p:spPr>
+        <p:style>
+          <a:lnRef idx="3">
+            <a:schemeClr val="lt1"/>
+          </a:lnRef>
+          <a:fillRef idx="1">
+            <a:schemeClr val="accent1"/>
+          </a:fillRef>
+          <a:effectRef idx="1">
+            <a:schemeClr val="accent1"/>
+          </a:effectRef>
+          <a:fontRef idx="minor">
+            <a:schemeClr val="lt1"/>
+          </a:fontRef>
+        </p:style>
+        <p:txBody>
+          <a:bodyPr rtlCol="0" anchor="ctr"/>
+          <a:p>
+            <a:pPr algn="ctr"/>
+            <a:r>
+              <a:rPr lang="en-US" altLang="zh-CN" sz="3200" b="1">
+                <a:solidFill>
+                  <a:schemeClr val="tx1"/>
+                </a:solidFill>
+              </a:rPr>
+              <a:t>Shader</a:t>
+            </a:r>
+            <a:endParaRPr lang="en-US" altLang="zh-CN" sz="3200" b="1">
+              <a:solidFill>
+                <a:schemeClr val="tx1"/>
+              </a:solidFill>
+            </a:endParaRPr>
+          </a:p>
+        </p:txBody>
+      </p:sp>
+      <p:sp>
+        <p:nvSpPr>
+          <p:cNvPr id="12" name="矩形 11"/>
+          <p:cNvSpPr/>
+          <p:nvPr/>
+        </p:nvSpPr>
+        <p:spPr>
+          <a:xfrm>
+            <a:off x="5885815" y="4417695"/>
+            <a:ext cx="3410585" cy="2046605"/>
+          </a:xfrm>
+          <a:prstGeom prst="rect">
+            <a:avLst/>
+          </a:prstGeom>
+        </p:spPr>
+        <p:style>
+          <a:lnRef idx="3">
+            <a:schemeClr val="lt1"/>
+          </a:lnRef>
+          <a:fillRef idx="1">
+            <a:schemeClr val="accent2"/>
+          </a:fillRef>
+          <a:effectRef idx="1">
+            <a:schemeClr val="accent2"/>
+          </a:effectRef>
+          <a:fontRef idx="minor">
+            <a:schemeClr val="lt1"/>
+          </a:fontRef>
+        </p:style>
+        <p:txBody>
+          <a:bodyPr rtlCol="0" anchor="ctr"/>
+          <a:p>
+            <a:pPr algn="ctr"/>
+            <a:r>
+              <a:rPr lang="zh-CN" altLang="en-US" sz="3200" b="1">
+                <a:solidFill>
+                  <a:schemeClr val="tx1"/>
+                </a:solidFill>
+              </a:rPr>
+              <a:t>资源管理</a:t>
+            </a:r>
+            <a:endParaRPr lang="zh-CN" altLang="en-US" sz="3200" b="1">
+              <a:solidFill>
+                <a:schemeClr val="tx1"/>
+              </a:solidFill>
+            </a:endParaRPr>
+          </a:p>
+        </p:txBody>
+      </p:sp>
+      <p:sp>
+        <p:nvSpPr>
+          <p:cNvPr id="15" name="左箭头 14"/>
+          <p:cNvSpPr/>
+          <p:nvPr/>
+        </p:nvSpPr>
+        <p:spPr>
+          <a:xfrm>
+            <a:off x="3896995" y="5106670"/>
+            <a:ext cx="1868805" cy="520700"/>
+          </a:xfrm>
+          <a:prstGeom prst="leftArrow">
+            <a:avLst/>
+          </a:prstGeom>
+          <a:solidFill>
+            <a:schemeClr val="bg1"/>
+          </a:solidFill>
+        </p:spPr>
+        <p:style>
+          <a:lnRef idx="2">
+            <a:schemeClr val="accent1">
+              <a:shade val="50000"/>
+            </a:schemeClr>
+          </a:lnRef>
+          <a:fillRef idx="1">
+            <a:schemeClr val="accent1"/>
+          </a:fillRef>
+          <a:effectRef idx="0">
+            <a:schemeClr val="accent1"/>
+          </a:effectRef>
+          <a:fontRef idx="minor">
+            <a:schemeClr val="lt1"/>
+          </a:fontRef>
+        </p:style>
+        <p:txBody>
+          <a:bodyPr rtlCol="0" anchor="ctr"/>
+          <a:p>
+            <a:pPr algn="ctr"/>
+            <a:endParaRPr lang="zh-CN" altLang="en-US"/>
+          </a:p>
+        </p:txBody>
+      </p:sp>
+      <p:sp>
+        <p:nvSpPr>
+          <p:cNvPr id="16" name="文本框 15"/>
+          <p:cNvSpPr txBox="1"/>
+          <p:nvPr/>
+        </p:nvSpPr>
+        <p:spPr>
+          <a:xfrm>
+            <a:off x="4098925" y="4565650"/>
+            <a:ext cx="1465580" cy="460375"/>
+          </a:xfrm>
+          <a:prstGeom prst="rect">
+            <a:avLst/>
+          </a:prstGeom>
+          <a:noFill/>
+        </p:spPr>
+        <p:txBody>
+          <a:bodyPr wrap="square" rtlCol="0">
+            <a:spAutoFit/>
+          </a:bodyPr>
+          <a:p>
+            <a:r>
+              <a:rPr lang="zh-CN" altLang="en-US" sz="2400"/>
+              <a:t>获取资源</a:t>
             </a:r>
             <a:endParaRPr lang="zh-CN" altLang="en-US" sz="2400"/>
           </a:p>
@@ -10702,7 +11388,7 @@
       </p:sp>
     </p:spTree>
     <p:custDataLst>
-      <p:tags r:id="rId3"/>
+      <p:tags r:id="rId1"/>
     </p:custDataLst>
   </p:cSld>
   <p:clrMapOvr>
@@ -10731,16 +11417,9 @@
             <p:ph type="title"/>
           </p:nvPr>
         </p:nvSpPr>
-        <p:spPr>
-          <a:xfrm>
-            <a:off x="838200" y="392430"/>
-            <a:ext cx="10786745" cy="1515110"/>
-          </a:xfrm>
-        </p:spPr>
-        <p:txBody>
-          <a:bodyPr>
-            <a:normAutofit/>
-          </a:bodyPr>
+        <p:spPr/>
+        <p:txBody>
+          <a:bodyPr/>
           <a:p>
             <a:r>
               <a:rPr lang="zh-CN" altLang="en-US">
@@ -10754,9 +11433,38 @@
                     </a:schemeClr>
                   </a:outerShdw>
                 </a:effectLst>
-                <a:sym typeface="+mn-ea"/>
               </a:rPr>
-              <a:t>底层渲染器展示</a:t>
+              <a:t>底层渲染器</a:t>
+            </a:r>
+            <a:r>
+              <a:rPr lang="en-US" altLang="zh-CN">
+                <a:solidFill>
+                  <a:schemeClr val="tx1"/>
+                </a:solidFill>
+                <a:effectLst>
+                  <a:outerShdw blurRad="38100" dist="19050" dir="2700000" algn="tl" rotWithShape="0">
+                    <a:schemeClr val="dk1">
+                      <a:alpha val="40000"/>
+                    </a:schemeClr>
+                  </a:outerShdw>
+                </a:effectLst>
+              </a:rPr>
+              <a:t>/SDK</a:t>
+            </a:r>
+            <a:r>
+              <a:rPr lang="zh-CN" altLang="en-US">
+                <a:solidFill>
+                  <a:schemeClr val="tx1"/>
+                </a:solidFill>
+                <a:effectLst>
+                  <a:outerShdw blurRad="38100" dist="19050" dir="2700000" algn="tl" rotWithShape="0">
+                    <a:schemeClr val="dk1">
+                      <a:alpha val="40000"/>
+                    </a:schemeClr>
+                  </a:outerShdw>
+                </a:effectLst>
+              </a:rPr>
+              <a:t>无关部分</a:t>
             </a:r>
             <a:endParaRPr lang="zh-CN" altLang="en-US">
               <a:solidFill>
@@ -10769,124 +11477,120 @@
                   </a:schemeClr>
                 </a:outerShdw>
               </a:effectLst>
-              <a:sym typeface="+mn-ea"/>
             </a:endParaRPr>
           </a:p>
         </p:txBody>
       </p:sp>
-      <p:pic>
-        <p:nvPicPr>
-          <p:cNvPr id="4" name="内容占位符 3"/>
-          <p:cNvPicPr>
-            <a:picLocks noChangeAspect="1"/>
-          </p:cNvPicPr>
+      <p:sp>
+        <p:nvSpPr>
+          <p:cNvPr id="3" name="内容占位符 2"/>
+          <p:cNvSpPr>
+            <a:spLocks noGrp="1"/>
+          </p:cNvSpPr>
           <p:nvPr>
             <p:ph idx="1"/>
           </p:nvPr>
-        </p:nvPicPr>
-        <p:blipFill>
-          <a:blip r:embed="rId1"/>
-          <a:stretch>
-            <a:fillRect/>
-          </a:stretch>
-        </p:blipFill>
-        <p:spPr>
-          <a:xfrm>
-            <a:off x="548005" y="2007870"/>
-            <a:ext cx="4910455" cy="3462655"/>
-          </a:xfrm>
-          <a:prstGeom prst="rect">
-            <a:avLst/>
-          </a:prstGeom>
-        </p:spPr>
-      </p:pic>
-      <p:sp>
-        <p:nvSpPr>
-          <p:cNvPr id="5" name="文本框 4"/>
-          <p:cNvSpPr txBox="1"/>
-          <p:nvPr/>
-        </p:nvSpPr>
-        <p:spPr>
-          <a:xfrm>
-            <a:off x="1574800" y="5877560"/>
-            <a:ext cx="2856865" cy="460375"/>
-          </a:xfrm>
-          <a:prstGeom prst="rect">
-            <a:avLst/>
-          </a:prstGeom>
-          <a:noFill/>
-        </p:spPr>
-        <p:txBody>
-          <a:bodyPr wrap="square" rtlCol="0">
-            <a:spAutoFit/>
-          </a:bodyPr>
-          <a:p>
-            <a:pPr algn="ctr"/>
-            <a:r>
-              <a:rPr lang="zh-CN" altLang="en-US" sz="2400"/>
-              <a:t>天空盒</a:t>
-            </a:r>
-            <a:endParaRPr lang="zh-CN" altLang="en-US" sz="2400"/>
-          </a:p>
-        </p:txBody>
-      </p:sp>
-      <p:pic>
-        <p:nvPicPr>
-          <p:cNvPr id="7" name="图片 6"/>
-          <p:cNvPicPr>
-            <a:picLocks noChangeAspect="1"/>
-          </p:cNvPicPr>
-          <p:nvPr/>
-        </p:nvPicPr>
-        <p:blipFill>
-          <a:blip r:embed="rId2"/>
-          <a:stretch>
-            <a:fillRect/>
-          </a:stretch>
-        </p:blipFill>
-        <p:spPr>
-          <a:xfrm>
-            <a:off x="6638290" y="1783080"/>
-            <a:ext cx="4879340" cy="3753485"/>
-          </a:xfrm>
-          <a:prstGeom prst="rect">
-            <a:avLst/>
-          </a:prstGeom>
-        </p:spPr>
-      </p:pic>
-      <p:sp>
-        <p:nvSpPr>
-          <p:cNvPr id="8" name="文本框 7"/>
-          <p:cNvSpPr txBox="1"/>
-          <p:nvPr/>
-        </p:nvSpPr>
-        <p:spPr>
-          <a:xfrm>
-            <a:off x="7679690" y="5951855"/>
-            <a:ext cx="3079115" cy="460375"/>
-          </a:xfrm>
-          <a:prstGeom prst="rect">
-            <a:avLst/>
-          </a:prstGeom>
-          <a:noFill/>
-        </p:spPr>
-        <p:txBody>
-          <a:bodyPr wrap="square" rtlCol="0">
-            <a:spAutoFit/>
-          </a:bodyPr>
-          <a:p>
-            <a:pPr algn="ctr"/>
-            <a:r>
-              <a:rPr lang="zh-CN" altLang="en-US" sz="2400"/>
-              <a:t>地面绘制</a:t>
-            </a:r>
-            <a:endParaRPr lang="zh-CN" altLang="en-US" sz="2400"/>
+        </p:nvSpPr>
+        <p:spPr/>
+        <p:txBody>
+          <a:bodyPr/>
+          <a:p>
+            <a:pPr fontAlgn="auto">
+              <a:lnSpc>
+                <a:spcPct val="200000"/>
+              </a:lnSpc>
+            </a:pPr>
+            <a:r>
+              <a:rPr lang="zh-CN" altLang="en-US"/>
+              <a:t>引擎</a:t>
+            </a:r>
+            <a:r>
+              <a:rPr lang="zh-CN" altLang="en-US" b="1">
+                <a:solidFill>
+                  <a:srgbClr val="FF0000"/>
+                </a:solidFill>
+              </a:rPr>
+              <a:t>内置</a:t>
+            </a:r>
+            <a:r>
+              <a:rPr lang="zh-CN" altLang="en-US"/>
+              <a:t>游戏物体，例如地面、模型、天空盒等。</a:t>
+            </a:r>
+            <a:endParaRPr lang="zh-CN" altLang="en-US"/>
+          </a:p>
+          <a:p>
+            <a:pPr fontAlgn="auto">
+              <a:lnSpc>
+                <a:spcPct val="200000"/>
+              </a:lnSpc>
+            </a:pPr>
+            <a:r>
+              <a:rPr lang="zh-CN" altLang="en-US">
+                <a:solidFill>
+                  <a:schemeClr val="tx1"/>
+                </a:solidFill>
+              </a:rPr>
+              <a:t>支持开发者</a:t>
+            </a:r>
+            <a:r>
+              <a:rPr lang="zh-CN" altLang="en-US" b="1">
+                <a:solidFill>
+                  <a:srgbClr val="FF0000"/>
+                </a:solidFill>
+              </a:rPr>
+              <a:t>自定义</a:t>
+            </a:r>
+            <a:r>
+              <a:rPr lang="zh-CN" altLang="en-US"/>
+              <a:t>游戏物体。</a:t>
+            </a:r>
+            <a:endParaRPr lang="zh-CN" altLang="en-US"/>
+          </a:p>
+          <a:p>
+            <a:pPr fontAlgn="auto">
+              <a:lnSpc>
+                <a:spcPct val="200000"/>
+              </a:lnSpc>
+            </a:pPr>
+            <a:r>
+              <a:rPr lang="zh-CN" altLang="en-US"/>
+              <a:t>通过</a:t>
+            </a:r>
+            <a:r>
+              <a:rPr lang="zh-CN" altLang="en-US" b="1">
+                <a:solidFill>
+                  <a:srgbClr val="FF0000"/>
+                </a:solidFill>
+              </a:rPr>
+              <a:t>组合</a:t>
+            </a:r>
+            <a:r>
+              <a:rPr lang="en-US" altLang="zh-CN"/>
+              <a:t>SDK</a:t>
+            </a:r>
+            <a:r>
+              <a:rPr lang="zh-CN" altLang="en-US"/>
+              <a:t>相关部分，使其能够</a:t>
+            </a:r>
+            <a:r>
+              <a:rPr lang="zh-CN" altLang="en-US" b="1">
+                <a:solidFill>
+                  <a:srgbClr val="FF0000"/>
+                </a:solidFill>
+              </a:rPr>
+              <a:t>被渲染</a:t>
+            </a:r>
+            <a:r>
+              <a:rPr lang="zh-CN" altLang="en-US"/>
+              <a:t>。</a:t>
+            </a:r>
+            <a:endParaRPr lang="zh-CN" altLang="en-US"/>
           </a:p>
         </p:txBody>
       </p:sp>
     </p:spTree>
     <p:custDataLst>
-      <p:tags r:id="rId3"/>
+      <p:tags r:id="rId1"/>
     </p:custDataLst>
   </p:cSld>
   <p:clrMapOvr>
@@ -10931,9 +11635,8 @@
                     </a:schemeClr>
                   </a:outerShdw>
                 </a:effectLst>
-                <a:sym typeface="+mn-ea"/>
               </a:rPr>
-              <a:t>底层渲染器展示</a:t>
+              <a:t>底层渲染器类的继承关系</a:t>
             </a:r>
             <a:endParaRPr lang="zh-CN" altLang="en-US">
               <a:solidFill>
@@ -10946,20 +11649,17 @@
                   </a:schemeClr>
                 </a:outerShdw>
               </a:effectLst>
-              <a:sym typeface="+mn-ea"/>
             </a:endParaRPr>
           </a:p>
         </p:txBody>
       </p:sp>
       <p:pic>
         <p:nvPicPr>
-          <p:cNvPr id="6" name="内容占位符 5"/>
+          <p:cNvPr id="4" name="图片 3"/>
           <p:cNvPicPr>
             <a:picLocks noChangeAspect="1"/>
           </p:cNvPicPr>
-          <p:nvPr>
-            <p:ph idx="1"/>
-          </p:nvPr>
+          <p:nvPr/>
         </p:nvPicPr>
         <p:blipFill>
           <a:blip r:embed="rId1"/>
@@ -10969,8 +11669,8 @@
         </p:blipFill>
         <p:spPr>
           <a:xfrm>
-            <a:off x="2142490" y="2252345"/>
-            <a:ext cx="1609725" cy="2352675"/>
+            <a:off x="543560" y="1388745"/>
+            <a:ext cx="5238115" cy="5464175"/>
           </a:xfrm>
           <a:prstGeom prst="rect">
             <a:avLst/>
@@ -10979,14 +11679,14 @@
       </p:pic>
       <p:sp>
         <p:nvSpPr>
-          <p:cNvPr id="7" name="文本框 6"/>
+          <p:cNvPr id="5" name="文本框 4"/>
           <p:cNvSpPr txBox="1"/>
           <p:nvPr/>
         </p:nvSpPr>
         <p:spPr>
           <a:xfrm>
-            <a:off x="1075690" y="5003165"/>
-            <a:ext cx="3743325" cy="460375"/>
+            <a:off x="5962650" y="2032000"/>
+            <a:ext cx="3676650" cy="583565"/>
           </a:xfrm>
           <a:prstGeom prst="rect">
             <a:avLst/>
@@ -10999,55 +11699,23 @@
           </a:bodyPr>
           <a:p>
             <a:r>
-              <a:rPr lang="zh-CN" altLang="en-US" sz="2400"/>
-              <a:t>粒子系统</a:t>
-            </a:r>
-            <a:r>
-              <a:rPr lang="en-US" altLang="zh-CN" sz="2400"/>
-              <a:t>——</a:t>
-            </a:r>
-            <a:r>
-              <a:rPr lang="zh-CN" altLang="en-US" sz="2400"/>
-              <a:t>旋涡状粒子</a:t>
-            </a:r>
-            <a:endParaRPr lang="zh-CN" altLang="en-US" sz="2400"/>
-          </a:p>
-        </p:txBody>
-      </p:sp>
-      <p:pic>
-        <p:nvPicPr>
-          <p:cNvPr id="8" name="图片 7"/>
-          <p:cNvPicPr>
-            <a:picLocks noChangeAspect="1"/>
-          </p:cNvPicPr>
-          <p:nvPr/>
-        </p:nvPicPr>
-        <p:blipFill>
-          <a:blip r:embed="rId2"/>
-          <a:stretch>
-            <a:fillRect/>
-          </a:stretch>
-        </p:blipFill>
-        <p:spPr>
-          <a:xfrm>
-            <a:off x="7771130" y="2007235"/>
-            <a:ext cx="1819275" cy="2694940"/>
-          </a:xfrm>
-          <a:prstGeom prst="rect">
-            <a:avLst/>
-          </a:prstGeom>
-        </p:spPr>
-      </p:pic>
-      <p:sp>
-        <p:nvSpPr>
-          <p:cNvPr id="9" name="文本框 8"/>
+              <a:rPr lang="zh-CN" altLang="en-US" sz="3200"/>
+              <a:t>定义物体位置信息</a:t>
+            </a:r>
+            <a:endParaRPr lang="zh-CN" altLang="en-US" sz="3200"/>
+          </a:p>
+        </p:txBody>
+      </p:sp>
+      <p:sp>
+        <p:nvSpPr>
+          <p:cNvPr id="6" name="文本框 5"/>
           <p:cNvSpPr txBox="1"/>
           <p:nvPr/>
         </p:nvSpPr>
         <p:spPr>
           <a:xfrm>
-            <a:off x="6766560" y="5095240"/>
-            <a:ext cx="3828415" cy="460375"/>
+            <a:off x="5962650" y="3582670"/>
+            <a:ext cx="3870325" cy="1076325"/>
           </a:xfrm>
           <a:prstGeom prst="rect">
             <a:avLst/>
@@ -11059,26 +11727,62 @@
             <a:spAutoFit/>
           </a:bodyPr>
           <a:p>
-            <a:pPr algn="ctr"/>
-            <a:r>
-              <a:rPr lang="zh-CN" altLang="en-US" sz="2400"/>
-              <a:t>粒子系统</a:t>
-            </a:r>
-            <a:r>
-              <a:rPr lang="en-US" altLang="zh-CN" sz="2400"/>
-              <a:t>——</a:t>
-            </a:r>
-            <a:r>
-              <a:rPr lang="zh-CN" altLang="en-US" sz="2400"/>
-              <a:t>萤火虫</a:t>
-            </a:r>
-            <a:endParaRPr lang="zh-CN" altLang="en-US" sz="2400"/>
+            <a:r>
+              <a:rPr lang="zh-CN" altLang="en-US" sz="3200"/>
+              <a:t>组合</a:t>
+            </a:r>
+            <a:r>
+              <a:rPr lang="en-US" altLang="zh-CN" sz="3200"/>
+              <a:t>Shader</a:t>
+            </a:r>
+            <a:r>
+              <a:rPr lang="zh-CN" altLang="en-US" sz="3200"/>
+              <a:t>、</a:t>
+            </a:r>
+            <a:r>
+              <a:rPr lang="en-US" altLang="zh-CN" sz="3200"/>
+              <a:t>Buffer</a:t>
+            </a:r>
+            <a:r>
+              <a:rPr lang="zh-CN" altLang="en-US" sz="3200"/>
+              <a:t>，具有被渲染条件</a:t>
+            </a:r>
+            <a:endParaRPr lang="zh-CN" altLang="en-US" sz="3200"/>
+          </a:p>
+        </p:txBody>
+      </p:sp>
+      <p:sp>
+        <p:nvSpPr>
+          <p:cNvPr id="7" name="文本框 6"/>
+          <p:cNvSpPr txBox="1"/>
+          <p:nvPr/>
+        </p:nvSpPr>
+        <p:spPr>
+          <a:xfrm>
+            <a:off x="5962650" y="5574665"/>
+            <a:ext cx="3870325" cy="1076325"/>
+          </a:xfrm>
+          <a:prstGeom prst="rect">
+            <a:avLst/>
+          </a:prstGeom>
+          <a:noFill/>
+        </p:spPr>
+        <p:txBody>
+          <a:bodyPr wrap="square" rtlCol="0">
+            <a:spAutoFit/>
+          </a:bodyPr>
+          <a:p>
+            <a:r>
+              <a:rPr lang="zh-CN" altLang="en-US" sz="3200"/>
+              <a:t>在可渲染的基础上加上受光支持</a:t>
+            </a:r>
+            <a:endParaRPr lang="zh-CN" altLang="en-US" sz="3200"/>
           </a:p>
         </p:txBody>
       </p:sp>
     </p:spTree>
     <p:custDataLst>
-      <p:tags r:id="rId3"/>
+      <p:tags r:id="rId2"/>
     </p:custDataLst>
   </p:cSld>
   <p:clrMapOvr>
@@ -11928,16 +12632,9 @@
             <p:ph type="title"/>
           </p:nvPr>
         </p:nvSpPr>
-        <p:spPr>
-          <a:xfrm>
-            <a:off x="838200" y="63470"/>
-            <a:ext cx="10515600" cy="1325563"/>
-          </a:xfrm>
-        </p:spPr>
-        <p:txBody>
-          <a:bodyPr>
-            <a:normAutofit/>
-          </a:bodyPr>
+        <p:spPr/>
+        <p:txBody>
+          <a:bodyPr/>
           <a:p>
             <a:r>
               <a:rPr lang="zh-CN" altLang="en-US">
@@ -11951,7 +12648,6 @@
                     </a:schemeClr>
                   </a:outerShdw>
                 </a:effectLst>
-                <a:sym typeface="+mn-ea"/>
               </a:rPr>
               <a:t>底层渲染器展示</a:t>
             </a:r>
@@ -11966,7 +12662,6 @@
                   </a:schemeClr>
                 </a:outerShdw>
               </a:effectLst>
-              <a:sym typeface="+mn-ea"/>
             </a:endParaRPr>
           </a:p>
         </p:txBody>
@@ -11989,8 +12684,8 @@
         </p:blipFill>
         <p:spPr>
           <a:xfrm>
-            <a:off x="354965" y="1389380"/>
-            <a:ext cx="5259705" cy="3626485"/>
+            <a:off x="971550" y="1904365"/>
+            <a:ext cx="4238625" cy="4210050"/>
           </a:xfrm>
           <a:prstGeom prst="rect">
             <a:avLst/>
@@ -12005,8 +12700,8 @@
         </p:nvSpPr>
         <p:spPr>
           <a:xfrm>
-            <a:off x="1546860" y="5383530"/>
-            <a:ext cx="3011805" cy="460375"/>
+            <a:off x="1637665" y="6313805"/>
+            <a:ext cx="2905760" cy="460375"/>
           </a:xfrm>
           <a:prstGeom prst="rect">
             <a:avLst/>
@@ -12021,15 +12716,7 @@
             <a:pPr algn="ctr"/>
             <a:r>
               <a:rPr lang="zh-CN" altLang="en-US" sz="2400"/>
-              <a:t>雾化</a:t>
-            </a:r>
-            <a:r>
-              <a:rPr lang="en-US" altLang="zh-CN" sz="2400"/>
-              <a:t>Obj——</a:t>
-            </a:r>
-            <a:r>
-              <a:rPr lang="zh-CN" altLang="en-US" sz="2400"/>
-              <a:t>远处时</a:t>
+              <a:t>模型渲染</a:t>
             </a:r>
             <a:endParaRPr lang="zh-CN" altLang="en-US" sz="2400"/>
           </a:p>
@@ -12051,8 +12738,8 @@
         </p:blipFill>
         <p:spPr>
           <a:xfrm>
-            <a:off x="6224270" y="1254125"/>
-            <a:ext cx="5375910" cy="3761740"/>
+            <a:off x="5960745" y="1903730"/>
+            <a:ext cx="5594350" cy="4210685"/>
           </a:xfrm>
           <a:prstGeom prst="rect">
             <a:avLst/>
@@ -12067,8 +12754,8 @@
         </p:nvSpPr>
         <p:spPr>
           <a:xfrm>
-            <a:off x="7381240" y="5383530"/>
-            <a:ext cx="3062605" cy="460375"/>
+            <a:off x="6708775" y="6313805"/>
+            <a:ext cx="4330700" cy="460375"/>
           </a:xfrm>
           <a:prstGeom prst="rect">
             <a:avLst/>
@@ -12083,15 +12770,7 @@
             <a:pPr algn="ctr"/>
             <a:r>
               <a:rPr lang="zh-CN" altLang="en-US" sz="2400"/>
-              <a:t>雾化</a:t>
-            </a:r>
-            <a:r>
-              <a:rPr lang="en-US" altLang="zh-CN" sz="2400"/>
-              <a:t>Obj——</a:t>
-            </a:r>
-            <a:r>
-              <a:rPr lang="zh-CN" altLang="en-US" sz="2400"/>
-              <a:t>近处时</a:t>
+              <a:t>方向光打在地球上</a:t>
             </a:r>
             <a:endParaRPr lang="zh-CN" altLang="en-US" sz="2400"/>
           </a:p>
@@ -12128,12 +12807,7 @@
             <p:ph type="title"/>
           </p:nvPr>
         </p:nvSpPr>
-        <p:spPr>
-          <a:xfrm>
-            <a:off x="838200" y="392430"/>
-            <a:ext cx="10598150" cy="1433830"/>
-          </a:xfrm>
-        </p:spPr>
+        <p:spPr/>
         <p:txBody>
           <a:bodyPr>
             <a:normAutofit/>
@@ -12153,39 +12827,7 @@
                 </a:effectLst>
                 <a:sym typeface="+mn-ea"/>
               </a:rPr>
-              <a:t>底层渲染器</a:t>
-            </a:r>
-            <a:r>
-              <a:rPr lang="en-US" altLang="zh-CN">
-                <a:solidFill>
-                  <a:schemeClr val="tx1"/>
-                </a:solidFill>
-                <a:effectLst>
-                  <a:outerShdw blurRad="38100" dist="19050" dir="2700000" algn="tl" rotWithShape="0">
-                    <a:schemeClr val="dk1">
-                      <a:alpha val="40000"/>
-                    </a:schemeClr>
-                  </a:outerShdw>
-                </a:effectLst>
-                <a:sym typeface="+mn-ea"/>
-              </a:rPr>
-              <a:t>/SDK</a:t>
-            </a:r>
-            <a:r>
-              <a:rPr lang="zh-CN" altLang="en-US">
-                <a:solidFill>
-                  <a:schemeClr val="tx1"/>
-                </a:solidFill>
-                <a:effectLst>
-                  <a:outerShdw blurRad="38100" dist="19050" dir="2700000" algn="tl" rotWithShape="0">
-                    <a:schemeClr val="dk1">
-                      <a:alpha val="40000"/>
-                    </a:schemeClr>
-                  </a:outerShdw>
-                </a:effectLst>
-                <a:sym typeface="+mn-ea"/>
-              </a:rPr>
-              <a:t>相关部分</a:t>
+              <a:t>底层渲染器展示</a:t>
             </a:r>
             <a:endParaRPr lang="zh-CN" altLang="en-US">
               <a:solidFill>
@@ -12203,152 +12845,119 @@
           </a:p>
         </p:txBody>
       </p:sp>
-      <p:sp>
-        <p:nvSpPr>
-          <p:cNvPr id="3" name="内容占位符 2"/>
-          <p:cNvSpPr>
-            <a:spLocks noGrp="1"/>
-          </p:cNvSpPr>
+      <p:pic>
+        <p:nvPicPr>
+          <p:cNvPr id="4" name="内容占位符 3"/>
+          <p:cNvPicPr>
+            <a:picLocks noChangeAspect="1"/>
+          </p:cNvPicPr>
           <p:nvPr>
             <p:ph idx="1"/>
           </p:nvPr>
-        </p:nvSpPr>
-        <p:spPr/>
-        <p:txBody>
-          <a:bodyPr/>
-          <a:p>
-            <a:pPr fontAlgn="auto">
-              <a:lnSpc>
-                <a:spcPct val="200000"/>
-              </a:lnSpc>
-            </a:pPr>
-            <a:r>
-              <a:rPr lang="zh-CN" altLang="en-US"/>
-              <a:t>在CPU抽象出</a:t>
-            </a:r>
-            <a:r>
-              <a:rPr lang="en-US" altLang="zh-CN" b="1">
-                <a:solidFill>
-                  <a:srgbClr val="FF0000"/>
-                </a:solidFill>
-              </a:rPr>
-              <a:t>Shader</a:t>
-            </a:r>
-            <a:r>
-              <a:rPr lang="zh-CN" altLang="en-US"/>
-              <a:t>类、</a:t>
-            </a:r>
-            <a:r>
-              <a:rPr lang="zh-CN" altLang="en-US" b="1">
-                <a:solidFill>
-                  <a:srgbClr val="FF0000"/>
-                </a:solidFill>
-              </a:rPr>
-              <a:t>显存</a:t>
-            </a:r>
-            <a:r>
-              <a:rPr lang="zh-CN" altLang="en-US"/>
-              <a:t>类。</a:t>
-            </a:r>
-            <a:endParaRPr lang="zh-CN" altLang="en-US"/>
-          </a:p>
-          <a:p>
-            <a:pPr fontAlgn="auto">
-              <a:lnSpc>
-                <a:spcPct val="200000"/>
-              </a:lnSpc>
-            </a:pPr>
-            <a:r>
-              <a:rPr lang="zh-CN" altLang="en-US"/>
-              <a:t>引擎</a:t>
-            </a:r>
-            <a:r>
-              <a:rPr lang="zh-CN" altLang="en-US" b="1">
-                <a:solidFill>
-                  <a:srgbClr val="FF0000"/>
-                </a:solidFill>
-              </a:rPr>
-              <a:t>内置</a:t>
-            </a:r>
-            <a:r>
-              <a:rPr lang="en-US" altLang="zh-CN"/>
-              <a:t>Shader</a:t>
-            </a:r>
-            <a:r>
-              <a:rPr lang="zh-CN" altLang="en-US"/>
-              <a:t>程序，并</a:t>
-            </a:r>
-            <a:r>
-              <a:rPr lang="zh-CN" altLang="en-US">
-                <a:solidFill>
-                  <a:schemeClr val="tx1"/>
-                </a:solidFill>
-                <a:sym typeface="+mn-ea"/>
-              </a:rPr>
-              <a:t>支持开发者</a:t>
-            </a:r>
-            <a:r>
-              <a:rPr lang="zh-CN" altLang="en-US" b="1">
-                <a:solidFill>
-                  <a:srgbClr val="FF0000"/>
-                </a:solidFill>
-                <a:sym typeface="+mn-ea"/>
-              </a:rPr>
-              <a:t>自定义</a:t>
-            </a:r>
-            <a:r>
-              <a:rPr lang="en-US" altLang="zh-CN">
-                <a:sym typeface="+mn-ea"/>
-              </a:rPr>
-              <a:t>Shader</a:t>
-            </a:r>
-            <a:r>
-              <a:rPr lang="zh-CN" altLang="en-US">
-                <a:sym typeface="+mn-ea"/>
-              </a:rPr>
-              <a:t>程序。</a:t>
-            </a:r>
-            <a:endParaRPr lang="zh-CN" altLang="en-US"/>
-          </a:p>
-          <a:p>
-            <a:pPr fontAlgn="auto">
-              <a:lnSpc>
-                <a:spcPct val="200000"/>
-              </a:lnSpc>
-            </a:pPr>
-            <a:r>
-              <a:rPr lang="zh-CN" altLang="en-US"/>
-              <a:t>业务逻辑与</a:t>
-            </a:r>
-            <a:r>
-              <a:rPr lang="en-US" altLang="zh-CN"/>
-              <a:t>SDK</a:t>
-            </a:r>
-            <a:r>
-              <a:rPr lang="zh-CN" altLang="en-US" b="1">
-                <a:solidFill>
-                  <a:srgbClr val="FF0000"/>
-                </a:solidFill>
-              </a:rPr>
-              <a:t>解耦合</a:t>
-            </a:r>
-            <a:r>
-              <a:rPr lang="zh-CN" altLang="en-US"/>
-              <a:t>。</a:t>
-            </a:r>
-            <a:endParaRPr lang="zh-CN" altLang="en-US"/>
-          </a:p>
-          <a:p>
-            <a:endParaRPr lang="zh-CN" altLang="en-US"/>
-          </a:p>
-          <a:p>
-            <a:endParaRPr lang="zh-CN" altLang="en-US"/>
+        </p:nvPicPr>
+        <p:blipFill>
+          <a:blip r:embed="rId1"/>
+          <a:stretch>
+            <a:fillRect/>
+          </a:stretch>
+        </p:blipFill>
+        <p:spPr>
+          <a:xfrm>
+            <a:off x="6610985" y="1561465"/>
+            <a:ext cx="5192395" cy="3735070"/>
+          </a:xfrm>
+          <a:prstGeom prst="rect">
+            <a:avLst/>
+          </a:prstGeom>
+        </p:spPr>
+      </p:pic>
+      <p:sp>
+        <p:nvSpPr>
+          <p:cNvPr id="5" name="文本框 4"/>
+          <p:cNvSpPr txBox="1"/>
+          <p:nvPr/>
+        </p:nvSpPr>
+        <p:spPr>
+          <a:xfrm>
+            <a:off x="7052945" y="5652135"/>
+            <a:ext cx="4308475" cy="460375"/>
+          </a:xfrm>
+          <a:prstGeom prst="rect">
+            <a:avLst/>
+          </a:prstGeom>
+          <a:noFill/>
+        </p:spPr>
+        <p:txBody>
+          <a:bodyPr wrap="square" rtlCol="0">
+            <a:spAutoFit/>
+          </a:bodyPr>
+          <a:p>
+            <a:pPr algn="ctr"/>
+            <a:r>
+              <a:rPr lang="zh-CN" altLang="en-US" sz="2400"/>
+              <a:t>聚光灯打在地面上形成内外圈</a:t>
+            </a:r>
+            <a:endParaRPr lang="zh-CN" altLang="en-US" sz="2400"/>
+          </a:p>
+        </p:txBody>
+      </p:sp>
+      <p:pic>
+        <p:nvPicPr>
+          <p:cNvPr id="6" name="图片 5"/>
+          <p:cNvPicPr>
+            <a:picLocks noChangeAspect="1"/>
+          </p:cNvPicPr>
+          <p:nvPr/>
+        </p:nvPicPr>
+        <p:blipFill>
+          <a:blip r:embed="rId2"/>
+          <a:stretch>
+            <a:fillRect/>
+          </a:stretch>
+        </p:blipFill>
+        <p:spPr>
+          <a:xfrm>
+            <a:off x="896620" y="1613535"/>
+            <a:ext cx="5102860" cy="3630930"/>
+          </a:xfrm>
+          <a:prstGeom prst="rect">
+            <a:avLst/>
+          </a:prstGeom>
+        </p:spPr>
+      </p:pic>
+      <p:sp>
+        <p:nvSpPr>
+          <p:cNvPr id="7" name="文本框 6"/>
+          <p:cNvSpPr txBox="1"/>
+          <p:nvPr/>
+        </p:nvSpPr>
+        <p:spPr>
+          <a:xfrm>
+            <a:off x="1393190" y="5568315"/>
+            <a:ext cx="4347210" cy="460375"/>
+          </a:xfrm>
+          <a:prstGeom prst="rect">
+            <a:avLst/>
+          </a:prstGeom>
+          <a:noFill/>
+        </p:spPr>
+        <p:txBody>
+          <a:bodyPr wrap="square" rtlCol="0">
+            <a:spAutoFit/>
+          </a:bodyPr>
+          <a:p>
+            <a:pPr algn="ctr"/>
+            <a:r>
+              <a:rPr lang="zh-CN" altLang="en-US" sz="2400"/>
+              <a:t>点光源从左边照射在小球上</a:t>
+            </a:r>
+            <a:endParaRPr lang="zh-CN" altLang="en-US" sz="2400"/>
           </a:p>
         </p:txBody>
       </p:sp>
     </p:spTree>
     <p:custDataLst>
-      <p:tags r:id="rId1"/>
+      <p:tags r:id="rId3"/>
     </p:custDataLst>
   </p:cSld>
   <p:clrMapOvr>
@@ -12377,9 +12986,16 @@
             <p:ph type="title"/>
           </p:nvPr>
         </p:nvSpPr>
-        <p:spPr/>
-        <p:txBody>
-          <a:bodyPr/>
+        <p:spPr>
+          <a:xfrm>
+            <a:off x="838200" y="392430"/>
+            <a:ext cx="10786745" cy="1515110"/>
+          </a:xfrm>
+        </p:spPr>
+        <p:txBody>
+          <a:bodyPr>
+            <a:normAutofit/>
+          </a:bodyPr>
           <a:p>
             <a:r>
               <a:rPr lang="zh-CN" altLang="en-US">
@@ -12395,39 +13011,7 @@
                 </a:effectLst>
                 <a:sym typeface="+mn-ea"/>
               </a:rPr>
-              <a:t>底层渲染器</a:t>
-            </a:r>
-            <a:r>
-              <a:rPr lang="en-US" altLang="zh-CN">
-                <a:solidFill>
-                  <a:schemeClr val="tx1"/>
-                </a:solidFill>
-                <a:effectLst>
-                  <a:outerShdw blurRad="38100" dist="19050" dir="2700000" algn="tl" rotWithShape="0">
-                    <a:schemeClr val="dk1">
-                      <a:alpha val="40000"/>
-                    </a:schemeClr>
-                  </a:outerShdw>
-                </a:effectLst>
-                <a:sym typeface="+mn-ea"/>
-              </a:rPr>
-              <a:t>/SDK</a:t>
-            </a:r>
-            <a:r>
-              <a:rPr lang="zh-CN" altLang="en-US">
-                <a:solidFill>
-                  <a:schemeClr val="tx1"/>
-                </a:solidFill>
-                <a:effectLst>
-                  <a:outerShdw blurRad="38100" dist="19050" dir="2700000" algn="tl" rotWithShape="0">
-                    <a:schemeClr val="dk1">
-                      <a:alpha val="40000"/>
-                    </a:schemeClr>
-                  </a:outerShdw>
-                </a:effectLst>
-                <a:sym typeface="+mn-ea"/>
-              </a:rPr>
-              <a:t>相关部分图解</a:t>
+              <a:t>底层渲染器展示</a:t>
             </a:r>
             <a:endParaRPr lang="zh-CN" altLang="en-US">
               <a:solidFill>
@@ -12445,16 +13029,42 @@
           </a:p>
         </p:txBody>
       </p:sp>
-      <p:sp>
-        <p:nvSpPr>
-          <p:cNvPr id="6" name="文本框 5"/>
+      <p:pic>
+        <p:nvPicPr>
+          <p:cNvPr id="4" name="内容占位符 3"/>
+          <p:cNvPicPr>
+            <a:picLocks noChangeAspect="1"/>
+          </p:cNvPicPr>
+          <p:nvPr>
+            <p:ph idx="1"/>
+          </p:nvPr>
+        </p:nvPicPr>
+        <p:blipFill>
+          <a:blip r:embed="rId1"/>
+          <a:stretch>
+            <a:fillRect/>
+          </a:stretch>
+        </p:blipFill>
+        <p:spPr>
+          <a:xfrm>
+            <a:off x="548005" y="2007870"/>
+            <a:ext cx="4910455" cy="3462655"/>
+          </a:xfrm>
+          <a:prstGeom prst="rect">
+            <a:avLst/>
+          </a:prstGeom>
+        </p:spPr>
+      </p:pic>
+      <p:sp>
+        <p:nvSpPr>
+          <p:cNvPr id="5" name="文本框 4"/>
           <p:cNvSpPr txBox="1"/>
           <p:nvPr/>
         </p:nvSpPr>
         <p:spPr>
           <a:xfrm>
-            <a:off x="9396730" y="2326640"/>
-            <a:ext cx="2366645" cy="829945"/>
+            <a:off x="1574800" y="5877560"/>
+            <a:ext cx="2856865" cy="460375"/>
           </a:xfrm>
           <a:prstGeom prst="rect">
             <a:avLst/>
@@ -12466,31 +13076,49 @@
             <a:spAutoFit/>
           </a:bodyPr>
           <a:p>
+            <a:pPr algn="ctr"/>
             <a:r>
               <a:rPr lang="zh-CN" altLang="en-US" sz="2400"/>
-              <a:t>缓冲区和资源</a:t>
+              <a:t>天空盒</a:t>
             </a:r>
             <a:endParaRPr lang="zh-CN" altLang="en-US" sz="2400"/>
           </a:p>
-          <a:p>
-            <a:r>
-              <a:rPr lang="zh-CN" altLang="en-US" sz="2400"/>
-              <a:t>管理模块交互</a:t>
-            </a:r>
-            <a:endParaRPr lang="zh-CN" altLang="en-US" sz="2400"/>
-          </a:p>
-        </p:txBody>
-      </p:sp>
-      <p:sp>
-        <p:nvSpPr>
-          <p:cNvPr id="7" name="文本框 6"/>
+        </p:txBody>
+      </p:sp>
+      <p:pic>
+        <p:nvPicPr>
+          <p:cNvPr id="7" name="图片 6"/>
+          <p:cNvPicPr>
+            <a:picLocks noChangeAspect="1"/>
+          </p:cNvPicPr>
+          <p:nvPr/>
+        </p:nvPicPr>
+        <p:blipFill>
+          <a:blip r:embed="rId2"/>
+          <a:stretch>
+            <a:fillRect/>
+          </a:stretch>
+        </p:blipFill>
+        <p:spPr>
+          <a:xfrm>
+            <a:off x="6638290" y="1783080"/>
+            <a:ext cx="4879340" cy="3753485"/>
+          </a:xfrm>
+          <a:prstGeom prst="rect">
+            <a:avLst/>
+          </a:prstGeom>
+        </p:spPr>
+      </p:pic>
+      <p:sp>
+        <p:nvSpPr>
+          <p:cNvPr id="8" name="文本框 7"/>
           <p:cNvSpPr txBox="1"/>
           <p:nvPr/>
         </p:nvSpPr>
         <p:spPr>
           <a:xfrm>
-            <a:off x="9604375" y="5026025"/>
-            <a:ext cx="2159000" cy="829945"/>
+            <a:off x="7679690" y="5951855"/>
+            <a:ext cx="3079115" cy="460375"/>
           </a:xfrm>
           <a:prstGeom prst="rect">
             <a:avLst/>
@@ -12502,360 +13130,10 @@
             <a:spAutoFit/>
           </a:bodyPr>
           <a:p>
-            <a:r>
-              <a:rPr lang="en-US" altLang="zh-CN" sz="2400"/>
-              <a:t>Shader</a:t>
-            </a:r>
+            <a:pPr algn="ctr"/>
             <a:r>
               <a:rPr lang="zh-CN" altLang="en-US" sz="2400"/>
-              <a:t>与资源</a:t>
-            </a:r>
-            <a:endParaRPr lang="zh-CN" altLang="en-US" sz="2400"/>
-          </a:p>
-          <a:p>
-            <a:r>
-              <a:rPr lang="zh-CN" altLang="en-US" sz="2400"/>
-              <a:t>管理模块交互</a:t>
-            </a:r>
-            <a:endParaRPr lang="zh-CN" altLang="en-US" sz="2400"/>
-          </a:p>
-        </p:txBody>
-      </p:sp>
-      <p:sp>
-        <p:nvSpPr>
-          <p:cNvPr id="3" name="矩形 2"/>
-          <p:cNvSpPr/>
-          <p:nvPr/>
-        </p:nvSpPr>
-        <p:spPr>
-          <a:xfrm>
-            <a:off x="295910" y="1718310"/>
-            <a:ext cx="3410585" cy="2046605"/>
-          </a:xfrm>
-          <a:prstGeom prst="rect">
-            <a:avLst/>
-          </a:prstGeom>
-        </p:spPr>
-        <p:style>
-          <a:lnRef idx="2">
-            <a:schemeClr val="accent6">
-              <a:shade val="50000"/>
-            </a:schemeClr>
-          </a:lnRef>
-          <a:fillRef idx="1">
-            <a:schemeClr val="accent6"/>
-          </a:fillRef>
-          <a:effectRef idx="0">
-            <a:schemeClr val="accent6"/>
-          </a:effectRef>
-          <a:fontRef idx="minor">
-            <a:schemeClr val="lt1"/>
-          </a:fontRef>
-        </p:style>
-        <p:txBody>
-          <a:bodyPr rtlCol="0" anchor="ctr"/>
-          <a:p>
-            <a:pPr algn="ctr"/>
-            <a:r>
-              <a:rPr lang="en-US" altLang="zh-CN" sz="3200" b="1">
-                <a:solidFill>
-                  <a:schemeClr val="tx1"/>
-                </a:solidFill>
-              </a:rPr>
-              <a:t>Buffer</a:t>
-            </a:r>
-            <a:endParaRPr lang="en-US" altLang="zh-CN" sz="3200" b="1">
-              <a:solidFill>
-                <a:schemeClr val="tx1"/>
-              </a:solidFill>
-            </a:endParaRPr>
-          </a:p>
-        </p:txBody>
-      </p:sp>
-      <p:sp>
-        <p:nvSpPr>
-          <p:cNvPr id="14" name="左箭头 13"/>
-          <p:cNvSpPr/>
-          <p:nvPr/>
-        </p:nvSpPr>
-        <p:spPr>
-          <a:xfrm>
-            <a:off x="3830955" y="2529840"/>
-            <a:ext cx="1868805" cy="520700"/>
-          </a:xfrm>
-          <a:prstGeom prst="leftArrow">
-            <a:avLst/>
-          </a:prstGeom>
-          <a:solidFill>
-            <a:schemeClr val="bg1"/>
-          </a:solidFill>
-        </p:spPr>
-        <p:style>
-          <a:lnRef idx="2">
-            <a:schemeClr val="accent1">
-              <a:shade val="50000"/>
-            </a:schemeClr>
-          </a:lnRef>
-          <a:fillRef idx="1">
-            <a:schemeClr val="accent1"/>
-          </a:fillRef>
-          <a:effectRef idx="0">
-            <a:schemeClr val="accent1"/>
-          </a:effectRef>
-          <a:fontRef idx="minor">
-            <a:schemeClr val="lt1"/>
-          </a:fontRef>
-        </p:style>
-        <p:txBody>
-          <a:bodyPr rtlCol="0" anchor="ctr"/>
-          <a:p>
-            <a:pPr algn="ctr"/>
-            <a:endParaRPr lang="zh-CN" altLang="en-US"/>
-          </a:p>
-        </p:txBody>
-      </p:sp>
-      <p:sp>
-        <p:nvSpPr>
-          <p:cNvPr id="8" name="矩形 7"/>
-          <p:cNvSpPr/>
-          <p:nvPr/>
-        </p:nvSpPr>
-        <p:spPr>
-          <a:xfrm>
-            <a:off x="5885815" y="1767205"/>
-            <a:ext cx="3410585" cy="2046605"/>
-          </a:xfrm>
-          <a:prstGeom prst="rect">
-            <a:avLst/>
-          </a:prstGeom>
-        </p:spPr>
-        <p:style>
-          <a:lnRef idx="3">
-            <a:schemeClr val="lt1"/>
-          </a:lnRef>
-          <a:fillRef idx="1">
-            <a:schemeClr val="accent2"/>
-          </a:fillRef>
-          <a:effectRef idx="1">
-            <a:schemeClr val="accent2"/>
-          </a:effectRef>
-          <a:fontRef idx="minor">
-            <a:schemeClr val="lt1"/>
-          </a:fontRef>
-        </p:style>
-        <p:txBody>
-          <a:bodyPr rtlCol="0" anchor="ctr"/>
-          <a:p>
-            <a:pPr algn="ctr"/>
-            <a:r>
-              <a:rPr lang="zh-CN" altLang="en-US" sz="3200" b="1">
-                <a:solidFill>
-                  <a:schemeClr val="tx1"/>
-                </a:solidFill>
-              </a:rPr>
-              <a:t>资源管理</a:t>
-            </a:r>
-            <a:endParaRPr lang="zh-CN" altLang="en-US" sz="3200" b="1">
-              <a:solidFill>
-                <a:schemeClr val="tx1"/>
-              </a:solidFill>
-            </a:endParaRPr>
-          </a:p>
-        </p:txBody>
-      </p:sp>
-      <p:sp>
-        <p:nvSpPr>
-          <p:cNvPr id="13" name="文本框 12"/>
-          <p:cNvSpPr txBox="1"/>
-          <p:nvPr/>
-        </p:nvSpPr>
-        <p:spPr>
-          <a:xfrm>
-            <a:off x="4032885" y="2069465"/>
-            <a:ext cx="1465580" cy="460375"/>
-          </a:xfrm>
-          <a:prstGeom prst="rect">
-            <a:avLst/>
-          </a:prstGeom>
-          <a:noFill/>
-        </p:spPr>
-        <p:txBody>
-          <a:bodyPr wrap="square" rtlCol="0">
-            <a:spAutoFit/>
-          </a:bodyPr>
-          <a:p>
-            <a:r>
-              <a:rPr lang="zh-CN" altLang="en-US" sz="2400"/>
-              <a:t>获取资源</a:t>
-            </a:r>
-            <a:endParaRPr lang="zh-CN" altLang="en-US" sz="2400"/>
-          </a:p>
-        </p:txBody>
-      </p:sp>
-      <p:sp>
-        <p:nvSpPr>
-          <p:cNvPr id="11" name="矩形 10"/>
-          <p:cNvSpPr/>
-          <p:nvPr/>
-        </p:nvSpPr>
-        <p:spPr>
-          <a:xfrm>
-            <a:off x="295910" y="4357370"/>
-            <a:ext cx="3410585" cy="2046605"/>
-          </a:xfrm>
-          <a:prstGeom prst="rect">
-            <a:avLst/>
-          </a:prstGeom>
-        </p:spPr>
-        <p:style>
-          <a:lnRef idx="3">
-            <a:schemeClr val="lt1"/>
-          </a:lnRef>
-          <a:fillRef idx="1">
-            <a:schemeClr val="accent1"/>
-          </a:fillRef>
-          <a:effectRef idx="1">
-            <a:schemeClr val="accent1"/>
-          </a:effectRef>
-          <a:fontRef idx="minor">
-            <a:schemeClr val="lt1"/>
-          </a:fontRef>
-        </p:style>
-        <p:txBody>
-          <a:bodyPr rtlCol="0" anchor="ctr"/>
-          <a:p>
-            <a:pPr algn="ctr"/>
-            <a:r>
-              <a:rPr lang="en-US" altLang="zh-CN" sz="3200" b="1">
-                <a:solidFill>
-                  <a:schemeClr val="tx1"/>
-                </a:solidFill>
-              </a:rPr>
-              <a:t>Shader</a:t>
-            </a:r>
-            <a:endParaRPr lang="en-US" altLang="zh-CN" sz="3200" b="1">
-              <a:solidFill>
-                <a:schemeClr val="tx1"/>
-              </a:solidFill>
-            </a:endParaRPr>
-          </a:p>
-        </p:txBody>
-      </p:sp>
-      <p:sp>
-        <p:nvSpPr>
-          <p:cNvPr id="12" name="矩形 11"/>
-          <p:cNvSpPr/>
-          <p:nvPr/>
-        </p:nvSpPr>
-        <p:spPr>
-          <a:xfrm>
-            <a:off x="5885815" y="4417695"/>
-            <a:ext cx="3410585" cy="2046605"/>
-          </a:xfrm>
-          <a:prstGeom prst="rect">
-            <a:avLst/>
-          </a:prstGeom>
-        </p:spPr>
-        <p:style>
-          <a:lnRef idx="3">
-            <a:schemeClr val="lt1"/>
-          </a:lnRef>
-          <a:fillRef idx="1">
-            <a:schemeClr val="accent2"/>
-          </a:fillRef>
-          <a:effectRef idx="1">
-            <a:schemeClr val="accent2"/>
-          </a:effectRef>
-          <a:fontRef idx="minor">
-            <a:schemeClr val="lt1"/>
-          </a:fontRef>
-        </p:style>
-        <p:txBody>
-          <a:bodyPr rtlCol="0" anchor="ctr"/>
-          <a:p>
-            <a:pPr algn="ctr"/>
-            <a:r>
-              <a:rPr lang="zh-CN" altLang="en-US" sz="3200" b="1">
-                <a:solidFill>
-                  <a:schemeClr val="tx1"/>
-                </a:solidFill>
-              </a:rPr>
-              <a:t>资源管理</a:t>
-            </a:r>
-            <a:endParaRPr lang="zh-CN" altLang="en-US" sz="3200" b="1">
-              <a:solidFill>
-                <a:schemeClr val="tx1"/>
-              </a:solidFill>
-            </a:endParaRPr>
-          </a:p>
-        </p:txBody>
-      </p:sp>
-      <p:sp>
-        <p:nvSpPr>
-          <p:cNvPr id="15" name="左箭头 14"/>
-          <p:cNvSpPr/>
-          <p:nvPr/>
-        </p:nvSpPr>
-        <p:spPr>
-          <a:xfrm>
-            <a:off x="3896995" y="5106670"/>
-            <a:ext cx="1868805" cy="520700"/>
-          </a:xfrm>
-          <a:prstGeom prst="leftArrow">
-            <a:avLst/>
-          </a:prstGeom>
-          <a:solidFill>
-            <a:schemeClr val="bg1"/>
-          </a:solidFill>
-        </p:spPr>
-        <p:style>
-          <a:lnRef idx="2">
-            <a:schemeClr val="accent1">
-              <a:shade val="50000"/>
-            </a:schemeClr>
-          </a:lnRef>
-          <a:fillRef idx="1">
-            <a:schemeClr val="accent1"/>
-          </a:fillRef>
-          <a:effectRef idx="0">
-            <a:schemeClr val="accent1"/>
-          </a:effectRef>
-          <a:fontRef idx="minor">
-            <a:schemeClr val="lt1"/>
-          </a:fontRef>
-        </p:style>
-        <p:txBody>
-          <a:bodyPr rtlCol="0" anchor="ctr"/>
-          <a:p>
-            <a:pPr algn="ctr"/>
-            <a:endParaRPr lang="zh-CN" altLang="en-US"/>
-          </a:p>
-        </p:txBody>
-      </p:sp>
-      <p:sp>
-        <p:nvSpPr>
-          <p:cNvPr id="16" name="文本框 15"/>
-          <p:cNvSpPr txBox="1"/>
-          <p:nvPr/>
-        </p:nvSpPr>
-        <p:spPr>
-          <a:xfrm>
-            <a:off x="4098925" y="4565650"/>
-            <a:ext cx="1465580" cy="460375"/>
-          </a:xfrm>
-          <a:prstGeom prst="rect">
-            <a:avLst/>
-          </a:prstGeom>
-          <a:noFill/>
-        </p:spPr>
-        <p:txBody>
-          <a:bodyPr wrap="square" rtlCol="0">
-            <a:spAutoFit/>
-          </a:bodyPr>
-          <a:p>
-            <a:r>
-              <a:rPr lang="zh-CN" altLang="en-US" sz="2400"/>
-              <a:t>获取资源</a:t>
+              <a:t>地面绘制</a:t>
             </a:r>
             <a:endParaRPr lang="zh-CN" altLang="en-US" sz="2400"/>
           </a:p>
@@ -12863,7 +13141,7 @@
       </p:sp>
     </p:spTree>
     <p:custDataLst>
-      <p:tags r:id="rId1"/>
+      <p:tags r:id="rId3"/>
     </p:custDataLst>
   </p:cSld>
   <p:clrMapOvr>
@@ -12898,7 +13176,6 @@
           <a:p>
             <a:r>
               <a:rPr lang="zh-CN" altLang="en-US">
-                <a:ln/>
                 <a:solidFill>
                   <a:schemeClr val="tx1"/>
                 </a:solidFill>
@@ -12909,11 +13186,11 @@
                     </a:schemeClr>
                   </a:outerShdw>
                 </a:effectLst>
+                <a:sym typeface="+mn-ea"/>
               </a:rPr>
-              <a:t>底层渲染器类的继承关系</a:t>
+              <a:t>底层渲染器展示</a:t>
             </a:r>
             <a:endParaRPr lang="zh-CN" altLang="en-US">
-              <a:ln/>
               <a:solidFill>
                 <a:schemeClr val="tx1"/>
               </a:solidFill>
@@ -12924,17 +13201,20 @@
                   </a:schemeClr>
                 </a:outerShdw>
               </a:effectLst>
+              <a:sym typeface="+mn-ea"/>
             </a:endParaRPr>
           </a:p>
         </p:txBody>
       </p:sp>
       <p:pic>
         <p:nvPicPr>
-          <p:cNvPr id="4" name="图片 3"/>
+          <p:cNvPr id="6" name="内容占位符 5"/>
           <p:cNvPicPr>
             <a:picLocks noChangeAspect="1"/>
           </p:cNvPicPr>
-          <p:nvPr/>
+          <p:nvPr>
+            <p:ph idx="1"/>
+          </p:nvPr>
         </p:nvPicPr>
         <p:blipFill>
           <a:blip r:embed="rId1"/>
@@ -12944,8 +13224,8 @@
         </p:blipFill>
         <p:spPr>
           <a:xfrm>
-            <a:off x="543560" y="1629410"/>
-            <a:ext cx="5007610" cy="5223510"/>
+            <a:off x="2100580" y="1532890"/>
+            <a:ext cx="2752090" cy="4022725"/>
           </a:xfrm>
           <a:prstGeom prst="rect">
             <a:avLst/>
@@ -12954,14 +13234,14 @@
       </p:pic>
       <p:sp>
         <p:nvSpPr>
-          <p:cNvPr id="5" name="文本框 4"/>
+          <p:cNvPr id="7" name="文本框 6"/>
           <p:cNvSpPr txBox="1"/>
           <p:nvPr/>
         </p:nvSpPr>
         <p:spPr>
           <a:xfrm>
-            <a:off x="5962650" y="2212975"/>
-            <a:ext cx="3676650" cy="583565"/>
+            <a:off x="1604645" y="5927725"/>
+            <a:ext cx="3743325" cy="460375"/>
           </a:xfrm>
           <a:prstGeom prst="rect">
             <a:avLst/>
@@ -12974,23 +13254,55 @@
           </a:bodyPr>
           <a:p>
             <a:r>
-              <a:rPr lang="zh-CN" altLang="en-US" sz="3200"/>
-              <a:t>定义物体位置信息</a:t>
-            </a:r>
-            <a:endParaRPr lang="zh-CN" altLang="en-US" sz="3200"/>
-          </a:p>
-        </p:txBody>
-      </p:sp>
-      <p:sp>
-        <p:nvSpPr>
-          <p:cNvPr id="6" name="文本框 5"/>
+              <a:rPr lang="zh-CN" altLang="en-US" sz="2400"/>
+              <a:t>粒子系统</a:t>
+            </a:r>
+            <a:r>
+              <a:rPr lang="en-US" altLang="zh-CN" sz="2400"/>
+              <a:t>——</a:t>
+            </a:r>
+            <a:r>
+              <a:rPr lang="zh-CN" altLang="en-US" sz="2400"/>
+              <a:t>旋涡状粒子</a:t>
+            </a:r>
+            <a:endParaRPr lang="zh-CN" altLang="en-US" sz="2400"/>
+          </a:p>
+        </p:txBody>
+      </p:sp>
+      <p:pic>
+        <p:nvPicPr>
+          <p:cNvPr id="8" name="图片 7"/>
+          <p:cNvPicPr>
+            <a:picLocks noChangeAspect="1"/>
+          </p:cNvPicPr>
+          <p:nvPr/>
+        </p:nvPicPr>
+        <p:blipFill>
+          <a:blip r:embed="rId2"/>
+          <a:stretch>
+            <a:fillRect/>
+          </a:stretch>
+        </p:blipFill>
+        <p:spPr>
+          <a:xfrm>
+            <a:off x="7210425" y="1532890"/>
+            <a:ext cx="2736850" cy="4054475"/>
+          </a:xfrm>
+          <a:prstGeom prst="rect">
+            <a:avLst/>
+          </a:prstGeom>
+        </p:spPr>
+      </p:pic>
+      <p:sp>
+        <p:nvSpPr>
+          <p:cNvPr id="9" name="文本框 8"/>
           <p:cNvSpPr txBox="1"/>
           <p:nvPr/>
         </p:nvSpPr>
         <p:spPr>
           <a:xfrm>
-            <a:off x="5962650" y="3702685"/>
-            <a:ext cx="3870325" cy="1076325"/>
+            <a:off x="6734810" y="5927725"/>
+            <a:ext cx="3828415" cy="460375"/>
           </a:xfrm>
           <a:prstGeom prst="rect">
             <a:avLst/>
@@ -13002,62 +13314,26 @@
             <a:spAutoFit/>
           </a:bodyPr>
           <a:p>
-            <a:r>
-              <a:rPr lang="zh-CN" altLang="en-US" sz="3200"/>
-              <a:t>组合</a:t>
-            </a:r>
-            <a:r>
-              <a:rPr lang="en-US" altLang="zh-CN" sz="3200"/>
-              <a:t>Shader</a:t>
-            </a:r>
-            <a:r>
-              <a:rPr lang="zh-CN" altLang="en-US" sz="3200"/>
-              <a:t>、</a:t>
-            </a:r>
-            <a:r>
-              <a:rPr lang="en-US" altLang="zh-CN" sz="3200"/>
-              <a:t>Buffer</a:t>
-            </a:r>
-            <a:r>
-              <a:rPr lang="zh-CN" altLang="en-US" sz="3200"/>
-              <a:t>，具有被渲染条件</a:t>
-            </a:r>
-            <a:endParaRPr lang="zh-CN" altLang="en-US" sz="3200"/>
-          </a:p>
-        </p:txBody>
-      </p:sp>
-      <p:sp>
-        <p:nvSpPr>
-          <p:cNvPr id="7" name="文本框 6"/>
-          <p:cNvSpPr txBox="1"/>
-          <p:nvPr/>
-        </p:nvSpPr>
-        <p:spPr>
-          <a:xfrm>
-            <a:off x="5962650" y="5554980"/>
-            <a:ext cx="3870325" cy="1076325"/>
-          </a:xfrm>
-          <a:prstGeom prst="rect">
-            <a:avLst/>
-          </a:prstGeom>
-          <a:noFill/>
-        </p:spPr>
-        <p:txBody>
-          <a:bodyPr wrap="square" rtlCol="0">
-            <a:spAutoFit/>
-          </a:bodyPr>
-          <a:p>
-            <a:r>
-              <a:rPr lang="zh-CN" altLang="en-US" sz="3200"/>
-              <a:t>在可渲染的基础上加上受光支持</a:t>
-            </a:r>
-            <a:endParaRPr lang="zh-CN" altLang="en-US" sz="3200"/>
+            <a:pPr algn="ctr"/>
+            <a:r>
+              <a:rPr lang="zh-CN" altLang="en-US" sz="2400"/>
+              <a:t>粒子系统</a:t>
+            </a:r>
+            <a:r>
+              <a:rPr lang="en-US" altLang="zh-CN" sz="2400"/>
+              <a:t>——</a:t>
+            </a:r>
+            <a:r>
+              <a:rPr lang="zh-CN" altLang="en-US" sz="2400"/>
+              <a:t>萤火虫</a:t>
+            </a:r>
+            <a:endParaRPr lang="zh-CN" altLang="en-US" sz="2400"/>
           </a:p>
         </p:txBody>
       </p:sp>
     </p:spTree>
     <p:custDataLst>
-      <p:tags r:id="rId2"/>
+      <p:tags r:id="rId3"/>
     </p:custDataLst>
   </p:cSld>
   <p:clrMapOvr>
@@ -13086,9 +13362,16 @@
             <p:ph type="title"/>
           </p:nvPr>
         </p:nvSpPr>
-        <p:spPr/>
-        <p:txBody>
-          <a:bodyPr/>
+        <p:spPr>
+          <a:xfrm>
+            <a:off x="838200" y="63470"/>
+            <a:ext cx="10515600" cy="1325563"/>
+          </a:xfrm>
+        </p:spPr>
+        <p:txBody>
+          <a:bodyPr>
+            <a:normAutofit/>
+          </a:bodyPr>
           <a:p>
             <a:r>
               <a:rPr lang="zh-CN" altLang="en-US">
@@ -13102,38 +13385,9 @@
                     </a:schemeClr>
                   </a:outerShdw>
                 </a:effectLst>
+                <a:sym typeface="+mn-ea"/>
               </a:rPr>
-              <a:t>底层渲染器</a:t>
-            </a:r>
-            <a:r>
-              <a:rPr lang="en-US" altLang="zh-CN">
-                <a:solidFill>
-                  <a:schemeClr val="tx1"/>
-                </a:solidFill>
-                <a:effectLst>
-                  <a:outerShdw blurRad="38100" dist="19050" dir="2700000" algn="tl" rotWithShape="0">
-                    <a:schemeClr val="dk1">
-                      <a:alpha val="40000"/>
-                    </a:schemeClr>
-                  </a:outerShdw>
-                </a:effectLst>
-              </a:rPr>
-              <a:t>/SDK</a:t>
-            </a:r>
-            <a:r>
-              <a:rPr lang="zh-CN" altLang="en-US">
-                <a:solidFill>
-                  <a:schemeClr val="tx1"/>
-                </a:solidFill>
-                <a:effectLst>
-                  <a:outerShdw blurRad="38100" dist="19050" dir="2700000" algn="tl" rotWithShape="0">
-                    <a:schemeClr val="dk1">
-                      <a:alpha val="40000"/>
-                    </a:schemeClr>
-                  </a:outerShdw>
-                </a:effectLst>
-              </a:rPr>
-              <a:t>无关部分</a:t>
+              <a:t>底层渲染器展示</a:t>
             </a:r>
             <a:endParaRPr lang="zh-CN" altLang="en-US">
               <a:solidFill>
@@ -13146,124 +13400,140 @@
                   </a:schemeClr>
                 </a:outerShdw>
               </a:effectLst>
+              <a:sym typeface="+mn-ea"/>
             </a:endParaRPr>
           </a:p>
         </p:txBody>
       </p:sp>
-      <p:sp>
-        <p:nvSpPr>
-          <p:cNvPr id="3" name="内容占位符 2"/>
-          <p:cNvSpPr>
-            <a:spLocks noGrp="1"/>
-          </p:cNvSpPr>
+      <p:pic>
+        <p:nvPicPr>
+          <p:cNvPr id="4" name="内容占位符 3"/>
+          <p:cNvPicPr>
+            <a:picLocks noChangeAspect="1"/>
+          </p:cNvPicPr>
           <p:nvPr>
             <p:ph idx="1"/>
           </p:nvPr>
-        </p:nvSpPr>
-        <p:spPr/>
-        <p:txBody>
-          <a:bodyPr/>
-          <a:p>
-            <a:pPr fontAlgn="auto">
-              <a:lnSpc>
-                <a:spcPct val="200000"/>
-              </a:lnSpc>
-            </a:pPr>
-            <a:r>
-              <a:rPr lang="zh-CN" altLang="en-US"/>
-              <a:t>引擎</a:t>
-            </a:r>
-            <a:r>
-              <a:rPr lang="zh-CN" altLang="en-US" b="1">
-                <a:solidFill>
-                  <a:srgbClr val="FF0000"/>
-                </a:solidFill>
-              </a:rPr>
-              <a:t>内置</a:t>
-            </a:r>
-            <a:r>
-              <a:rPr lang="zh-CN" altLang="en-US"/>
-              <a:t>游戏物体，例如地面、模型、天空盒等。</a:t>
-            </a:r>
-            <a:endParaRPr lang="zh-CN" altLang="en-US"/>
-          </a:p>
-          <a:p>
-            <a:pPr fontAlgn="auto">
-              <a:lnSpc>
-                <a:spcPct val="200000"/>
-              </a:lnSpc>
-            </a:pPr>
-            <a:r>
-              <a:rPr lang="zh-CN" altLang="en-US"/>
-              <a:t>开发者可以</a:t>
-            </a:r>
-            <a:r>
-              <a:rPr lang="zh-CN" altLang="en-US" b="1">
-                <a:solidFill>
-                  <a:srgbClr val="FF0000"/>
-                </a:solidFill>
-              </a:rPr>
-              <a:t>自定义</a:t>
-            </a:r>
-            <a:r>
-              <a:rPr lang="zh-CN" altLang="en-US"/>
-              <a:t>游戏物体。</a:t>
-            </a:r>
-            <a:endParaRPr lang="zh-CN" altLang="en-US"/>
-          </a:p>
-          <a:p>
-            <a:pPr fontAlgn="auto">
-              <a:lnSpc>
-                <a:spcPct val="200000"/>
-              </a:lnSpc>
-            </a:pPr>
-            <a:r>
-              <a:rPr lang="zh-CN" altLang="en-US"/>
-              <a:t>组合</a:t>
-            </a:r>
-            <a:r>
-              <a:rPr lang="en-US" altLang="zh-CN"/>
-              <a:t>SDK</a:t>
-            </a:r>
-            <a:r>
-              <a:rPr lang="zh-CN" altLang="en-US"/>
-              <a:t>相关层接口与</a:t>
-            </a:r>
-            <a:r>
-              <a:rPr lang="en-US" altLang="zh-CN"/>
-              <a:t>OpenGL</a:t>
-            </a:r>
-            <a:r>
-              <a:rPr lang="zh-CN" altLang="en-US"/>
-              <a:t>交互，实现与</a:t>
-            </a:r>
-            <a:r>
-              <a:rPr lang="en-US" altLang="zh-CN"/>
-              <a:t>OpenGL SDK</a:t>
-            </a:r>
-            <a:r>
-              <a:rPr lang="zh-CN" altLang="en-US"/>
-              <a:t>的</a:t>
-            </a:r>
-            <a:r>
-              <a:rPr lang="zh-CN" altLang="en-US" b="1">
-                <a:solidFill>
-                  <a:srgbClr val="FF0000"/>
-                </a:solidFill>
-              </a:rPr>
-              <a:t>解耦合</a:t>
-            </a:r>
-            <a:r>
-              <a:rPr lang="zh-CN" altLang="en-US"/>
-              <a:t>。</a:t>
-            </a:r>
-            <a:endParaRPr lang="zh-CN" altLang="en-US"/>
+        </p:nvPicPr>
+        <p:blipFill>
+          <a:blip r:embed="rId1"/>
+          <a:stretch>
+            <a:fillRect/>
+          </a:stretch>
+        </p:blipFill>
+        <p:spPr>
+          <a:xfrm>
+            <a:off x="354965" y="1389380"/>
+            <a:ext cx="5259705" cy="3626485"/>
+          </a:xfrm>
+          <a:prstGeom prst="rect">
+            <a:avLst/>
+          </a:prstGeom>
+        </p:spPr>
+      </p:pic>
+      <p:sp>
+        <p:nvSpPr>
+          <p:cNvPr id="5" name="文本框 4"/>
+          <p:cNvSpPr txBox="1"/>
+          <p:nvPr/>
+        </p:nvSpPr>
+        <p:spPr>
+          <a:xfrm>
+            <a:off x="1546860" y="5383530"/>
+            <a:ext cx="3011805" cy="460375"/>
+          </a:xfrm>
+          <a:prstGeom prst="rect">
+            <a:avLst/>
+          </a:prstGeom>
+          <a:noFill/>
+        </p:spPr>
+        <p:txBody>
+          <a:bodyPr wrap="square" rtlCol="0">
+            <a:spAutoFit/>
+          </a:bodyPr>
+          <a:p>
+            <a:pPr algn="ctr"/>
+            <a:r>
+              <a:rPr lang="zh-CN" altLang="en-US" sz="2400"/>
+              <a:t>雾化</a:t>
+            </a:r>
+            <a:r>
+              <a:rPr lang="en-US" altLang="zh-CN" sz="2400"/>
+              <a:t>Obj——</a:t>
+            </a:r>
+            <a:r>
+              <a:rPr lang="zh-CN" altLang="en-US" sz="2400"/>
+              <a:t>远处时</a:t>
+            </a:r>
+            <a:endParaRPr lang="zh-CN" altLang="en-US" sz="2400"/>
+          </a:p>
+        </p:txBody>
+      </p:sp>
+      <p:pic>
+        <p:nvPicPr>
+          <p:cNvPr id="6" name="图片 5"/>
+          <p:cNvPicPr>
+            <a:picLocks noChangeAspect="1"/>
+          </p:cNvPicPr>
+          <p:nvPr/>
+        </p:nvPicPr>
+        <p:blipFill>
+          <a:blip r:embed="rId2"/>
+          <a:stretch>
+            <a:fillRect/>
+          </a:stretch>
+        </p:blipFill>
+        <p:spPr>
+          <a:xfrm>
+            <a:off x="6224270" y="1254125"/>
+            <a:ext cx="5375910" cy="3761740"/>
+          </a:xfrm>
+          <a:prstGeom prst="rect">
+            <a:avLst/>
+          </a:prstGeom>
+        </p:spPr>
+      </p:pic>
+      <p:sp>
+        <p:nvSpPr>
+          <p:cNvPr id="7" name="文本框 6"/>
+          <p:cNvSpPr txBox="1"/>
+          <p:nvPr/>
+        </p:nvSpPr>
+        <p:spPr>
+          <a:xfrm>
+            <a:off x="7381240" y="5383530"/>
+            <a:ext cx="3062605" cy="460375"/>
+          </a:xfrm>
+          <a:prstGeom prst="rect">
+            <a:avLst/>
+          </a:prstGeom>
+          <a:noFill/>
+        </p:spPr>
+        <p:txBody>
+          <a:bodyPr wrap="square" rtlCol="0">
+            <a:spAutoFit/>
+          </a:bodyPr>
+          <a:p>
+            <a:pPr algn="ctr"/>
+            <a:r>
+              <a:rPr lang="zh-CN" altLang="en-US" sz="2400"/>
+              <a:t>雾化</a:t>
+            </a:r>
+            <a:r>
+              <a:rPr lang="en-US" altLang="zh-CN" sz="2400"/>
+              <a:t>Obj——</a:t>
+            </a:r>
+            <a:r>
+              <a:rPr lang="zh-CN" altLang="en-US" sz="2400"/>
+              <a:t>近处时</a:t>
+            </a:r>
+            <a:endParaRPr lang="zh-CN" altLang="en-US" sz="2400"/>
           </a:p>
         </p:txBody>
       </p:sp>
     </p:spTree>
     <p:custDataLst>
-      <p:tags r:id="rId1"/>
+      <p:tags r:id="rId3"/>
     </p:custDataLst>
   </p:cSld>
   <p:clrMapOvr>
@@ -13842,7 +14112,7 @@
                   <a:schemeClr val="tx1"/>
                 </a:solidFill>
               </a:rPr>
-              <a:t>操作系统</a:t>
+              <a:t>磁盘</a:t>
             </a:r>
             <a:endParaRPr lang="zh-CN" altLang="en-US" sz="3200" b="1">
               <a:solidFill>
@@ -14010,7 +14280,7 @@
         <p:spPr>
           <a:xfrm>
             <a:off x="3935730" y="6263005"/>
-            <a:ext cx="3046095" cy="460375"/>
+            <a:ext cx="3046095" cy="583565"/>
           </a:xfrm>
           <a:prstGeom prst="rect">
             <a:avLst/>
@@ -14024,14 +14294,14 @@
           <a:p>
             <a:pPr algn="ctr"/>
             <a:r>
-              <a:rPr lang="zh-CN" altLang="en-US" sz="2400"/>
+              <a:rPr lang="zh-CN" altLang="en-US" sz="3200"/>
               <a:t>资源释放</a:t>
             </a:r>
             <a:r>
-              <a:rPr lang="en-US" altLang="zh-CN" sz="2400"/>
+              <a:rPr lang="en-US" altLang="zh-CN" sz="3200"/>
               <a:t>log</a:t>
             </a:r>
-            <a:endParaRPr lang="en-US" altLang="zh-CN" sz="2400"/>
+            <a:endParaRPr lang="en-US" altLang="zh-CN" sz="3200"/>
           </a:p>
         </p:txBody>
       </p:sp>
@@ -14068,7 +14338,7 @@
         <p:spPr>
           <a:xfrm>
             <a:off x="5639435" y="2226945"/>
-            <a:ext cx="4941570" cy="460375"/>
+            <a:ext cx="5463540" cy="583565"/>
           </a:xfrm>
           <a:prstGeom prst="rect">
             <a:avLst/>
@@ -14081,18 +14351,18 @@
           </a:bodyPr>
           <a:p>
             <a:r>
-              <a:rPr lang="zh-CN" altLang="en-US" sz="2400"/>
+              <a:rPr lang="zh-CN" altLang="en-US" sz="3200"/>
               <a:t>资源申请</a:t>
             </a:r>
             <a:r>
-              <a:rPr lang="en-US" altLang="zh-CN" sz="2400"/>
+              <a:rPr lang="en-US" altLang="zh-CN" sz="3200"/>
               <a:t>log</a:t>
             </a:r>
             <a:r>
-              <a:rPr lang="zh-CN" altLang="en-US" sz="2400"/>
+              <a:rPr lang="zh-CN" altLang="en-US" sz="3200"/>
               <a:t>（仅创建时记录）</a:t>
             </a:r>
-            <a:endParaRPr lang="zh-CN" altLang="en-US" sz="2400"/>
+            <a:endParaRPr lang="zh-CN" altLang="en-US" sz="3200"/>
           </a:p>
         </p:txBody>
       </p:sp>
@@ -14515,16 +14785,174 @@
       </p:sp>
       <p:sp>
         <p:nvSpPr>
-          <p:cNvPr id="15" name="左箭头 14"/>
+          <p:cNvPr id="7" name="文本框 6"/>
+          <p:cNvSpPr txBox="1"/>
+          <p:nvPr/>
+        </p:nvSpPr>
+        <p:spPr>
+          <a:xfrm>
+            <a:off x="4183380" y="2127885"/>
+            <a:ext cx="1177290" cy="460375"/>
+          </a:xfrm>
+          <a:prstGeom prst="rect">
+            <a:avLst/>
+          </a:prstGeom>
+          <a:noFill/>
+        </p:spPr>
+        <p:txBody>
+          <a:bodyPr wrap="square" rtlCol="0">
+            <a:spAutoFit/>
+          </a:bodyPr>
+          <a:p>
+            <a:r>
+              <a:rPr lang="zh-CN" altLang="en-US" sz="2400"/>
+              <a:t>指令集</a:t>
+            </a:r>
+            <a:endParaRPr lang="zh-CN" altLang="en-US" sz="2400"/>
+          </a:p>
+        </p:txBody>
+      </p:sp>
+      <p:sp>
+        <p:nvSpPr>
+          <p:cNvPr id="8" name="矩形 7"/>
           <p:cNvSpPr/>
           <p:nvPr/>
         </p:nvSpPr>
         <p:spPr>
           <a:xfrm>
-            <a:off x="3820795" y="2588260"/>
-            <a:ext cx="1868805" cy="520700"/>
-          </a:xfrm>
-          <a:prstGeom prst="leftArrow">
+            <a:off x="157480" y="4438650"/>
+            <a:ext cx="3410585" cy="2046605"/>
+          </a:xfrm>
+          <a:prstGeom prst="rect">
+            <a:avLst/>
+          </a:prstGeom>
+        </p:spPr>
+        <p:style>
+          <a:lnRef idx="2">
+            <a:schemeClr val="accent6">
+              <a:shade val="50000"/>
+            </a:schemeClr>
+          </a:lnRef>
+          <a:fillRef idx="1">
+            <a:schemeClr val="accent6"/>
+          </a:fillRef>
+          <a:effectRef idx="0">
+            <a:schemeClr val="accent6"/>
+          </a:effectRef>
+          <a:fontRef idx="minor">
+            <a:schemeClr val="lt1"/>
+          </a:fontRef>
+        </p:style>
+        <p:txBody>
+          <a:bodyPr rtlCol="0" anchor="ctr"/>
+          <a:p>
+            <a:pPr algn="ctr"/>
+            <a:r>
+              <a:rPr lang="zh-CN" altLang="en-US" sz="3200" b="1">
+                <a:solidFill>
+                  <a:schemeClr val="tx1"/>
+                </a:solidFill>
+              </a:rPr>
+              <a:t>平台无关</a:t>
+            </a:r>
+            <a:endParaRPr lang="zh-CN" altLang="en-US" sz="3200" b="1">
+              <a:solidFill>
+                <a:schemeClr val="tx1"/>
+              </a:solidFill>
+            </a:endParaRPr>
+          </a:p>
+        </p:txBody>
+      </p:sp>
+      <p:sp>
+        <p:nvSpPr>
+          <p:cNvPr id="13" name="文本框 12"/>
+          <p:cNvSpPr txBox="1"/>
+          <p:nvPr/>
+        </p:nvSpPr>
+        <p:spPr>
+          <a:xfrm>
+            <a:off x="4072890" y="4831080"/>
+            <a:ext cx="1449705" cy="460375"/>
+          </a:xfrm>
+          <a:prstGeom prst="rect">
+            <a:avLst/>
+          </a:prstGeom>
+          <a:noFill/>
+        </p:spPr>
+        <p:txBody>
+          <a:bodyPr wrap="square" rtlCol="0">
+            <a:spAutoFit/>
+          </a:bodyPr>
+          <a:p>
+            <a:r>
+              <a:rPr lang="zh-CN" altLang="en-US" sz="2400"/>
+              <a:t>流程函数</a:t>
+            </a:r>
+            <a:endParaRPr lang="zh-CN" altLang="en-US" sz="2400"/>
+          </a:p>
+        </p:txBody>
+      </p:sp>
+      <p:sp>
+        <p:nvSpPr>
+          <p:cNvPr id="14" name="矩形 13"/>
+          <p:cNvSpPr/>
+          <p:nvPr/>
+        </p:nvSpPr>
+        <p:spPr>
+          <a:xfrm>
+            <a:off x="5942330" y="4438650"/>
+            <a:ext cx="3410585" cy="2046605"/>
+          </a:xfrm>
+          <a:prstGeom prst="rect">
+            <a:avLst/>
+          </a:prstGeom>
+        </p:spPr>
+        <p:style>
+          <a:lnRef idx="3">
+            <a:schemeClr val="lt1"/>
+          </a:lnRef>
+          <a:fillRef idx="1">
+            <a:schemeClr val="accent2"/>
+          </a:fillRef>
+          <a:effectRef idx="1">
+            <a:schemeClr val="accent2"/>
+          </a:effectRef>
+          <a:fontRef idx="minor">
+            <a:schemeClr val="lt1"/>
+          </a:fontRef>
+        </p:style>
+        <p:txBody>
+          <a:bodyPr rtlCol="0" anchor="ctr"/>
+          <a:p>
+            <a:pPr algn="ctr"/>
+            <a:r>
+              <a:rPr lang="zh-CN" altLang="en-US" sz="3200" b="1">
+                <a:solidFill>
+                  <a:schemeClr val="tx1"/>
+                </a:solidFill>
+              </a:rPr>
+              <a:t>场景管理</a:t>
+            </a:r>
+            <a:endParaRPr lang="zh-CN" altLang="en-US" sz="3200" b="1">
+              <a:solidFill>
+                <a:schemeClr val="tx1"/>
+              </a:solidFill>
+            </a:endParaRPr>
+          </a:p>
+        </p:txBody>
+      </p:sp>
+      <p:sp>
+        <p:nvSpPr>
+          <p:cNvPr id="10" name="右箭头 9"/>
+          <p:cNvSpPr/>
+          <p:nvPr/>
+        </p:nvSpPr>
+        <p:spPr>
+          <a:xfrm>
+            <a:off x="3923030" y="2588260"/>
+            <a:ext cx="1766570" cy="459740"/>
+          </a:xfrm>
+          <a:prstGeom prst="rightArrow">
             <a:avLst/>
           </a:prstGeom>
           <a:solidFill>
@@ -14555,209 +14983,33 @@
           </a:p>
         </p:txBody>
       </p:sp>
-      <p:sp>
-        <p:nvSpPr>
-          <p:cNvPr id="7" name="文本框 6"/>
-          <p:cNvSpPr txBox="1"/>
+      <p:pic>
+        <p:nvPicPr>
+          <p:cNvPr id="3" name="图片 2"/>
+          <p:cNvPicPr>
+            <a:picLocks noChangeAspect="1"/>
+          </p:cNvPicPr>
           <p:nvPr/>
-        </p:nvSpPr>
+        </p:nvPicPr>
+        <p:blipFill>
+          <a:blip r:embed="rId1"/>
+          <a:stretch>
+            <a:fillRect/>
+          </a:stretch>
+        </p:blipFill>
         <p:spPr>
           <a:xfrm>
-            <a:off x="4392930" y="2127885"/>
-            <a:ext cx="1031240" cy="460375"/>
+            <a:off x="3906520" y="5291455"/>
+            <a:ext cx="1783080" cy="495300"/>
           </a:xfrm>
           <a:prstGeom prst="rect">
             <a:avLst/>
           </a:prstGeom>
-          <a:noFill/>
-        </p:spPr>
-        <p:txBody>
-          <a:bodyPr wrap="square" rtlCol="0">
-            <a:spAutoFit/>
-          </a:bodyPr>
-          <a:p>
-            <a:r>
-              <a:rPr lang="zh-CN" altLang="en-US" sz="2400"/>
-              <a:t>命令</a:t>
-            </a:r>
-            <a:endParaRPr lang="zh-CN" altLang="en-US" sz="2400"/>
-          </a:p>
-        </p:txBody>
-      </p:sp>
-      <p:sp>
-        <p:nvSpPr>
-          <p:cNvPr id="8" name="矩形 7"/>
-          <p:cNvSpPr/>
-          <p:nvPr/>
-        </p:nvSpPr>
-        <p:spPr>
-          <a:xfrm>
-            <a:off x="157480" y="4438650"/>
-            <a:ext cx="3410585" cy="2046605"/>
-          </a:xfrm>
-          <a:prstGeom prst="rect">
-            <a:avLst/>
-          </a:prstGeom>
-        </p:spPr>
-        <p:style>
-          <a:lnRef idx="2">
-            <a:schemeClr val="accent6">
-              <a:shade val="50000"/>
-            </a:schemeClr>
-          </a:lnRef>
-          <a:fillRef idx="1">
-            <a:schemeClr val="accent6"/>
-          </a:fillRef>
-          <a:effectRef idx="0">
-            <a:schemeClr val="accent6"/>
-          </a:effectRef>
-          <a:fontRef idx="minor">
-            <a:schemeClr val="lt1"/>
-          </a:fontRef>
-        </p:style>
-        <p:txBody>
-          <a:bodyPr rtlCol="0" anchor="ctr"/>
-          <a:p>
-            <a:pPr algn="ctr"/>
-            <a:r>
-              <a:rPr lang="zh-CN" altLang="en-US" sz="3200" b="1">
-                <a:solidFill>
-                  <a:schemeClr val="tx1"/>
-                </a:solidFill>
-              </a:rPr>
-              <a:t>平台无关</a:t>
-            </a:r>
-            <a:endParaRPr lang="zh-CN" altLang="en-US" sz="3200" b="1">
-              <a:solidFill>
-                <a:schemeClr val="tx1"/>
-              </a:solidFill>
-            </a:endParaRPr>
-          </a:p>
-        </p:txBody>
-      </p:sp>
-      <p:sp>
-        <p:nvSpPr>
-          <p:cNvPr id="12" name="左箭头 11"/>
-          <p:cNvSpPr/>
-          <p:nvPr/>
-        </p:nvSpPr>
-        <p:spPr>
-          <a:xfrm>
-            <a:off x="3820795" y="5356225"/>
-            <a:ext cx="1868805" cy="520700"/>
-          </a:xfrm>
-          <a:prstGeom prst="leftArrow">
-            <a:avLst/>
-          </a:prstGeom>
-          <a:solidFill>
-            <a:schemeClr val="bg1"/>
-          </a:solidFill>
-        </p:spPr>
-        <p:style>
-          <a:lnRef idx="2">
-            <a:schemeClr val="accent1">
-              <a:shade val="50000"/>
-            </a:schemeClr>
-          </a:lnRef>
-          <a:fillRef idx="1">
-            <a:schemeClr val="accent1"/>
-          </a:fillRef>
-          <a:effectRef idx="0">
-            <a:schemeClr val="accent1"/>
-          </a:effectRef>
-          <a:fontRef idx="minor">
-            <a:schemeClr val="lt1"/>
-          </a:fontRef>
-        </p:style>
-        <p:txBody>
-          <a:bodyPr rtlCol="0" anchor="ctr"/>
-          <a:p>
-            <a:pPr algn="ctr"/>
-            <a:endParaRPr lang="zh-CN" altLang="en-US"/>
-          </a:p>
-        </p:txBody>
-      </p:sp>
-      <p:sp>
-        <p:nvSpPr>
-          <p:cNvPr id="13" name="文本框 12"/>
-          <p:cNvSpPr txBox="1"/>
-          <p:nvPr/>
-        </p:nvSpPr>
-        <p:spPr>
-          <a:xfrm>
-            <a:off x="4183380" y="4831080"/>
-            <a:ext cx="1449705" cy="460375"/>
-          </a:xfrm>
-          <a:prstGeom prst="rect">
-            <a:avLst/>
-          </a:prstGeom>
-          <a:noFill/>
-        </p:spPr>
-        <p:txBody>
-          <a:bodyPr wrap="square" rtlCol="0">
-            <a:spAutoFit/>
-          </a:bodyPr>
-          <a:p>
-            <a:r>
-              <a:rPr lang="zh-CN" altLang="en-US" sz="2400"/>
-              <a:t>流程函数</a:t>
-            </a:r>
-            <a:endParaRPr lang="zh-CN" altLang="en-US" sz="2400"/>
-          </a:p>
-        </p:txBody>
-      </p:sp>
-      <p:sp>
-        <p:nvSpPr>
-          <p:cNvPr id="14" name="矩形 13"/>
-          <p:cNvSpPr/>
-          <p:nvPr/>
-        </p:nvSpPr>
-        <p:spPr>
-          <a:xfrm>
-            <a:off x="5942330" y="4438650"/>
-            <a:ext cx="3410585" cy="2046605"/>
-          </a:xfrm>
-          <a:prstGeom prst="rect">
-            <a:avLst/>
-          </a:prstGeom>
-        </p:spPr>
-        <p:style>
-          <a:lnRef idx="3">
-            <a:schemeClr val="lt1"/>
-          </a:lnRef>
-          <a:fillRef idx="1">
-            <a:schemeClr val="accent2"/>
-          </a:fillRef>
-          <a:effectRef idx="1">
-            <a:schemeClr val="accent2"/>
-          </a:effectRef>
-          <a:fontRef idx="minor">
-            <a:schemeClr val="lt1"/>
-          </a:fontRef>
-        </p:style>
-        <p:txBody>
-          <a:bodyPr rtlCol="0" anchor="ctr"/>
-          <a:p>
-            <a:pPr algn="ctr"/>
-            <a:r>
-              <a:rPr lang="zh-CN" altLang="en-US" sz="3200" b="1">
-                <a:solidFill>
-                  <a:schemeClr val="tx1"/>
-                </a:solidFill>
-              </a:rPr>
-              <a:t>场景管理</a:t>
-            </a:r>
-            <a:endParaRPr lang="zh-CN" altLang="en-US" sz="3200" b="1">
-              <a:solidFill>
-                <a:schemeClr val="tx1"/>
-              </a:solidFill>
-            </a:endParaRPr>
-          </a:p>
-        </p:txBody>
-      </p:sp>
+        </p:spPr>
+      </p:pic>
     </p:spTree>
     <p:custDataLst>
-      <p:tags r:id="rId1"/>
+      <p:tags r:id="rId2"/>
     </p:custDataLst>
   </p:cSld>
   <p:clrMapOvr>
@@ -17972,7 +18224,7 @@
                 </a:effectLst>
                 <a:sym typeface="+mn-lt"/>
               </a:rPr>
-              <a:t>论文总结</a:t>
+              <a:t>工作总结</a:t>
             </a:r>
             <a:endParaRPr lang="zh-CN" altLang="en-US" sz="4400" dirty="0">
               <a:solidFill>
@@ -18371,15 +18623,6 @@
               </a:rPr>
               <a:t>游戏引擎</a:t>
             </a:r>
-            <a:endParaRPr lang="zh-CN" altLang="en-US" sz="3200" b="1">
-              <a:sym typeface="+mn-ea"/>
-            </a:endParaRPr>
-          </a:p>
-          <a:p>
-            <a:pPr>
-              <a:buFont typeface="Wingdings" panose="05000000000000000000" charset="0"/>
-              <a:buChar char="u"/>
-            </a:pPr>
             <a:endParaRPr lang="zh-CN" altLang="en-US"/>
           </a:p>
           <a:p>
@@ -19347,7 +19590,7 @@
               <a:rPr lang="zh-CN" altLang="en-US" dirty="0">
                 <a:sym typeface="+mn-lt"/>
               </a:rPr>
-              <a:t>对于软件架构、渲染技术的思考成果</a:t>
+              <a:t>对于软件架构、渲染技术的思考，以及效果预览</a:t>
             </a:r>
             <a:endParaRPr lang="zh-CN" altLang="en-US" dirty="0">
               <a:sym typeface="+mn-lt"/>

--- a/OpenGL/答辩PPT.pptx
+++ b/OpenGL/答辩PPT.pptx
@@ -7828,7 +7828,7 @@
         </p:nvSpPr>
         <p:spPr>
           <a:xfrm>
-            <a:off x="776605" y="2091055"/>
+            <a:off x="838200" y="1892935"/>
             <a:ext cx="10515600" cy="4351338"/>
           </a:xfrm>
         </p:spPr>
@@ -7882,31 +7882,7 @@
             </a:r>
             <a:r>
               <a:rPr lang="zh-CN" altLang="en-US"/>
-              <a:t>执行</a:t>
-            </a:r>
-            <a:r>
-              <a:rPr lang="zh-CN" altLang="en-US" b="1">
-                <a:solidFill>
-                  <a:srgbClr val="FF0000"/>
-                </a:solidFill>
-              </a:rPr>
-              <a:t>当前场景</a:t>
-            </a:r>
-            <a:r>
-              <a:rPr lang="zh-CN" altLang="en-US"/>
-              <a:t>的</a:t>
-            </a:r>
-            <a:r>
-              <a:rPr lang="zh-CN" altLang="en-US" b="1">
-                <a:solidFill>
-                  <a:srgbClr val="FF0000"/>
-                </a:solidFill>
-              </a:rPr>
-              <a:t>流程</a:t>
-            </a:r>
-            <a:r>
-              <a:rPr lang="zh-CN" altLang="en-US"/>
-              <a:t>函数，维护</a:t>
+              <a:t>维护</a:t>
             </a:r>
             <a:r>
               <a:rPr lang="zh-CN" altLang="en-US">
@@ -7996,7 +7972,47 @@
             </a:r>
             <a:r>
               <a:rPr lang="zh-CN" altLang="en-US"/>
-              <a:t>功能。</a:t>
+              <a:t>功能，每次循环</a:t>
+            </a:r>
+            <a:r>
+              <a:rPr lang="zh-CN" altLang="en-US">
+                <a:sym typeface="+mn-ea"/>
+              </a:rPr>
+              <a:t>执行</a:t>
+            </a:r>
+            <a:r>
+              <a:rPr lang="zh-CN" altLang="en-US" b="1">
+                <a:solidFill>
+                  <a:srgbClr val="FF0000"/>
+                </a:solidFill>
+                <a:sym typeface="+mn-ea"/>
+              </a:rPr>
+              <a:t>当前场景</a:t>
+            </a:r>
+            <a:r>
+              <a:rPr lang="zh-CN" altLang="en-US">
+                <a:sym typeface="+mn-ea"/>
+              </a:rPr>
+              <a:t>的</a:t>
+            </a:r>
+            <a:r>
+              <a:rPr lang="zh-CN" altLang="en-US" b="1">
+                <a:solidFill>
+                  <a:srgbClr val="FF0000"/>
+                </a:solidFill>
+                <a:sym typeface="+mn-ea"/>
+              </a:rPr>
+              <a:t>流程</a:t>
+            </a:r>
+            <a:r>
+              <a:rPr lang="zh-CN" altLang="en-US">
+                <a:sym typeface="+mn-ea"/>
+              </a:rPr>
+              <a:t>函数</a:t>
+            </a:r>
+            <a:r>
+              <a:rPr lang="zh-CN" altLang="en-US"/>
+              <a:t>。</a:t>
             </a:r>
             <a:endParaRPr lang="zh-CN" altLang="en-US"/>
           </a:p>
@@ -8112,8 +8128,8 @@
         </p:nvSpPr>
         <p:spPr>
           <a:xfrm>
-            <a:off x="9144000" y="2445385"/>
-            <a:ext cx="2533650" cy="460375"/>
+            <a:off x="9397365" y="2421255"/>
+            <a:ext cx="2499995" cy="460375"/>
           </a:xfrm>
           <a:prstGeom prst="rect">
             <a:avLst/>
@@ -8272,8 +8288,8 @@
         </p:nvSpPr>
         <p:spPr>
           <a:xfrm>
-            <a:off x="3691890" y="2095500"/>
-            <a:ext cx="1438910" cy="460375"/>
+            <a:off x="4055745" y="2146300"/>
+            <a:ext cx="834390" cy="460375"/>
           </a:xfrm>
           <a:prstGeom prst="rect">
             <a:avLst/>
@@ -8287,7 +8303,7 @@
           <a:p>
             <a:r>
               <a:rPr lang="zh-CN" altLang="en-US" sz="2400"/>
-              <a:t>流程函数</a:t>
+              <a:t>管理</a:t>
             </a:r>
             <a:endParaRPr lang="zh-CN" altLang="en-US" sz="2400"/>
           </a:p>
@@ -8352,8 +8368,8 @@
         </p:nvSpPr>
         <p:spPr>
           <a:xfrm>
-            <a:off x="3710940" y="4853940"/>
-            <a:ext cx="1524000" cy="460375"/>
+            <a:off x="4030980" y="4853940"/>
+            <a:ext cx="859155" cy="460375"/>
           </a:xfrm>
           <a:prstGeom prst="rect">
             <a:avLst/>
@@ -8367,7 +8383,7 @@
           <a:p>
             <a:r>
               <a:rPr lang="zh-CN" altLang="en-US" sz="2400"/>
-              <a:t>流程函数</a:t>
+              <a:t>管理</a:t>
             </a:r>
             <a:endParaRPr lang="zh-CN" altLang="en-US" sz="2400"/>
           </a:p>
@@ -8407,6 +8423,14 @@
           <a:p>
             <a:pPr algn="ctr"/>
             <a:r>
+              <a:rPr lang="en-US" altLang="zh-CN" sz="3200" b="1">
+                <a:solidFill>
+                  <a:schemeClr val="tx1"/>
+                </a:solidFill>
+              </a:rPr>
+              <a:t> </a:t>
+            </a:r>
+            <a:r>
               <a:rPr lang="zh-CN" altLang="en-US" sz="3200" b="1">
                 <a:solidFill>
                   <a:schemeClr val="tx1"/>
@@ -8422,57 +8446,93 @@
           </a:p>
         </p:txBody>
       </p:sp>
-      <p:pic>
-        <p:nvPicPr>
-          <p:cNvPr id="3" name="图片 2"/>
-          <p:cNvPicPr>
-            <a:picLocks noChangeAspect="1"/>
-          </p:cNvPicPr>
+      <p:sp>
+        <p:nvSpPr>
+          <p:cNvPr id="10" name="右箭头 9"/>
+          <p:cNvSpPr/>
           <p:nvPr/>
-        </p:nvPicPr>
-        <p:blipFill>
-          <a:blip r:embed="rId1"/>
-          <a:stretch>
-            <a:fillRect/>
-          </a:stretch>
-        </p:blipFill>
+        </p:nvSpPr>
         <p:spPr>
           <a:xfrm>
-            <a:off x="3528060" y="2555875"/>
-            <a:ext cx="1889760" cy="556260"/>
-          </a:xfrm>
-          <a:prstGeom prst="rect">
+            <a:off x="3589655" y="2606675"/>
+            <a:ext cx="1766570" cy="459740"/>
+          </a:xfrm>
+          <a:prstGeom prst="rightArrow">
             <a:avLst/>
           </a:prstGeom>
-        </p:spPr>
-      </p:pic>
-      <p:pic>
-        <p:nvPicPr>
-          <p:cNvPr id="5" name="图片 4"/>
-          <p:cNvPicPr>
-            <a:picLocks noChangeAspect="1"/>
-          </p:cNvPicPr>
+          <a:solidFill>
+            <a:schemeClr val="bg1"/>
+          </a:solidFill>
+        </p:spPr>
+        <p:style>
+          <a:lnRef idx="2">
+            <a:schemeClr val="accent1">
+              <a:shade val="50000"/>
+            </a:schemeClr>
+          </a:lnRef>
+          <a:fillRef idx="1">
+            <a:schemeClr val="accent1"/>
+          </a:fillRef>
+          <a:effectRef idx="0">
+            <a:schemeClr val="accent1"/>
+          </a:effectRef>
+          <a:fontRef idx="minor">
+            <a:schemeClr val="lt1"/>
+          </a:fontRef>
+        </p:style>
+        <p:txBody>
+          <a:bodyPr rtlCol="0" anchor="ctr"/>
+          <a:p>
+            <a:pPr algn="ctr"/>
+            <a:endParaRPr lang="zh-CN" altLang="en-US"/>
+          </a:p>
+        </p:txBody>
+      </p:sp>
+      <p:sp>
+        <p:nvSpPr>
+          <p:cNvPr id="9" name="右箭头 8"/>
+          <p:cNvSpPr/>
           <p:nvPr/>
-        </p:nvPicPr>
-        <p:blipFill>
-          <a:blip r:embed="rId1"/>
-          <a:stretch>
-            <a:fillRect/>
-          </a:stretch>
-        </p:blipFill>
+        </p:nvSpPr>
         <p:spPr>
           <a:xfrm>
-            <a:off x="3528060" y="5314315"/>
-            <a:ext cx="1889760" cy="556260"/>
-          </a:xfrm>
-          <a:prstGeom prst="rect">
+            <a:off x="3691890" y="5314315"/>
+            <a:ext cx="1766570" cy="459740"/>
+          </a:xfrm>
+          <a:prstGeom prst="rightArrow">
             <a:avLst/>
           </a:prstGeom>
-        </p:spPr>
-      </p:pic>
+          <a:solidFill>
+            <a:schemeClr val="bg1"/>
+          </a:solidFill>
+        </p:spPr>
+        <p:style>
+          <a:lnRef idx="2">
+            <a:schemeClr val="accent1">
+              <a:shade val="50000"/>
+            </a:schemeClr>
+          </a:lnRef>
+          <a:fillRef idx="1">
+            <a:schemeClr val="accent1"/>
+          </a:fillRef>
+          <a:effectRef idx="0">
+            <a:schemeClr val="accent1"/>
+          </a:effectRef>
+          <a:fontRef idx="minor">
+            <a:schemeClr val="lt1"/>
+          </a:fontRef>
+        </p:style>
+        <p:txBody>
+          <a:bodyPr rtlCol="0" anchor="ctr"/>
+          <a:p>
+            <a:pPr algn="ctr"/>
+            <a:endParaRPr lang="zh-CN" altLang="en-US"/>
+          </a:p>
+        </p:txBody>
+      </p:sp>
     </p:spTree>
     <p:custDataLst>
-      <p:tags r:id="rId2"/>
+      <p:tags r:id="rId1"/>
     </p:custDataLst>
   </p:cSld>
   <p:clrMapOvr>
@@ -9068,16 +9128,14 @@
           </a:prstGeom>
         </p:spPr>
         <p:style>
-          <a:lnRef idx="2">
-            <a:schemeClr val="accent6">
-              <a:shade val="50000"/>
-            </a:schemeClr>
+          <a:lnRef idx="3">
+            <a:schemeClr val="lt1"/>
           </a:lnRef>
           <a:fillRef idx="1">
-            <a:schemeClr val="accent6"/>
+            <a:schemeClr val="accent1"/>
           </a:fillRef>
-          <a:effectRef idx="0">
-            <a:schemeClr val="accent6"/>
+          <a:effectRef idx="1">
+            <a:schemeClr val="accent1"/>
           </a:effectRef>
           <a:fontRef idx="minor">
             <a:schemeClr val="lt1"/>
@@ -10117,7 +10175,7 @@
             </a:r>
             <a:r>
               <a:rPr lang="zh-CN" altLang="en-US"/>
-              <a:t>部分，将</a:t>
+              <a:t>，将</a:t>
             </a:r>
             <a:r>
               <a:rPr lang="zh-CN" altLang="en-US" b="1">
@@ -10221,7 +10279,7 @@
         <p:spPr>
           <a:xfrm>
             <a:off x="295910" y="1718310"/>
-            <a:ext cx="3410585" cy="2046605"/>
+            <a:ext cx="3308985" cy="2047240"/>
           </a:xfrm>
           <a:prstGeom prst="rect">
             <a:avLst/>
@@ -10843,11 +10901,7 @@
             </a:r>
             <a:r>
               <a:rPr lang="en-US" altLang="zh-CN"/>
-              <a:t>OpenGL </a:t>
-            </a:r>
-            <a:r>
-              <a:rPr lang="en-US" altLang="zh-CN"/>
-              <a:t>SDK</a:t>
+              <a:t>OpenGL SDK</a:t>
             </a:r>
             <a:r>
               <a:rPr lang="zh-CN" altLang="en-US" b="1">
@@ -11745,7 +11799,7 @@
             </a:r>
             <a:r>
               <a:rPr lang="zh-CN" altLang="en-US" sz="3200"/>
-              <a:t>，具有被渲染条件</a:t>
+              <a:t>，具有被渲染的条件</a:t>
             </a:r>
             <a:endParaRPr lang="zh-CN" altLang="en-US" sz="3200"/>
           </a:p>
@@ -12649,7 +12703,7 @@
                   </a:outerShdw>
                 </a:effectLst>
               </a:rPr>
-              <a:t>底层渲染器展示</a:t>
+              <a:t>内置游戏物体展示</a:t>
             </a:r>
             <a:endParaRPr lang="zh-CN" altLang="en-US">
               <a:solidFill>
@@ -12827,7 +12881,7 @@
                 </a:effectLst>
                 <a:sym typeface="+mn-ea"/>
               </a:rPr>
-              <a:t>底层渲染器展示</a:t>
+              <a:t>内置游戏物体展示</a:t>
             </a:r>
             <a:endParaRPr lang="zh-CN" altLang="en-US">
               <a:solidFill>
@@ -13011,7 +13065,7 @@
                 </a:effectLst>
                 <a:sym typeface="+mn-ea"/>
               </a:rPr>
-              <a:t>底层渲染器展示</a:t>
+              <a:t>内置游戏物体展示</a:t>
             </a:r>
             <a:endParaRPr lang="zh-CN" altLang="en-US">
               <a:solidFill>
@@ -13188,7 +13242,7 @@
                 </a:effectLst>
                 <a:sym typeface="+mn-ea"/>
               </a:rPr>
-              <a:t>底层渲染器展示</a:t>
+              <a:t>内置游戏物体展示</a:t>
             </a:r>
             <a:endParaRPr lang="zh-CN" altLang="en-US">
               <a:solidFill>
@@ -13387,7 +13441,7 @@
                 </a:effectLst>
                 <a:sym typeface="+mn-ea"/>
               </a:rPr>
-              <a:t>底层渲染器展示</a:t>
+              <a:t>内置游戏物体展示</a:t>
             </a:r>
             <a:endParaRPr lang="zh-CN" altLang="en-US">
               <a:solidFill>
@@ -13661,7 +13715,7 @@
                   <a:srgbClr val="FF0000"/>
                 </a:solidFill>
               </a:rPr>
-              <a:t>转化为</a:t>
+              <a:t>适配为</a:t>
             </a:r>
             <a:r>
               <a:rPr lang="zh-CN" altLang="en-US"/>
@@ -13788,7 +13842,7 @@
         </p:nvSpPr>
         <p:spPr>
           <a:xfrm>
-            <a:off x="5891530" y="1718310"/>
+            <a:off x="5890260" y="4337050"/>
             <a:ext cx="3410585" cy="2046605"/>
           </a:xfrm>
           <a:prstGeom prst="rect">
@@ -13888,7 +13942,7 @@
         </p:nvSpPr>
         <p:spPr>
           <a:xfrm>
-            <a:off x="3846830" y="2607945"/>
+            <a:off x="3846195" y="5249545"/>
             <a:ext cx="1766570" cy="459740"/>
           </a:xfrm>
           <a:prstGeom prst="rightArrow">
@@ -13930,7 +13984,7 @@
         </p:nvSpPr>
         <p:spPr>
           <a:xfrm>
-            <a:off x="3996055" y="2147570"/>
+            <a:off x="3944620" y="4684395"/>
             <a:ext cx="1468755" cy="460375"/>
           </a:xfrm>
           <a:prstGeom prst="rect">
@@ -14010,7 +14064,7 @@
         </p:nvSpPr>
         <p:spPr>
           <a:xfrm>
-            <a:off x="3846830" y="5100320"/>
+            <a:off x="3795395" y="2676525"/>
             <a:ext cx="1868805" cy="520700"/>
           </a:xfrm>
           <a:prstGeom prst="leftArrow">
@@ -14052,7 +14106,7 @@
         </p:nvSpPr>
         <p:spPr>
           <a:xfrm>
-            <a:off x="3996055" y="4582160"/>
+            <a:off x="3945255" y="2216150"/>
             <a:ext cx="1468755" cy="460375"/>
           </a:xfrm>
           <a:prstGeom prst="rect">
@@ -14081,7 +14135,7 @@
         </p:nvSpPr>
         <p:spPr>
           <a:xfrm>
-            <a:off x="5891530" y="4224020"/>
+            <a:off x="5890260" y="1718310"/>
             <a:ext cx="3410585" cy="2046605"/>
           </a:xfrm>
           <a:prstGeom prst="rect">
@@ -14130,7 +14184,7 @@
         </p:nvSpPr>
         <p:spPr>
           <a:xfrm>
-            <a:off x="9587230" y="2237740"/>
+            <a:off x="9552940" y="4946015"/>
             <a:ext cx="2419985" cy="829945"/>
           </a:xfrm>
           <a:prstGeom prst="rect">
@@ -14159,7 +14213,7 @@
         </p:nvSpPr>
         <p:spPr>
           <a:xfrm>
-            <a:off x="9690100" y="4832350"/>
+            <a:off x="9552940" y="2422525"/>
             <a:ext cx="2317115" cy="829945"/>
           </a:xfrm>
           <a:prstGeom prst="rect">
@@ -14518,7 +14572,7 @@
                   <a:srgbClr val="FF0000"/>
                 </a:solidFill>
               </a:rPr>
-              <a:t>场景管理模块</a:t>
+              <a:t>场景管理</a:t>
             </a:r>
             <a:r>
               <a:rPr lang="zh-CN" altLang="en-US"/>
@@ -17327,7 +17381,7 @@
                 <a:rPr lang="zh-CN" altLang="fr-FR" sz="2400">
                   <a:sym typeface="+mn-lt"/>
                 </a:rPr>
-                <a:t>整体架构</a:t>
+                <a:t>底层架构思路</a:t>
               </a:r>
               <a:endParaRPr lang="zh-CN" altLang="fr-FR" sz="2400">
                 <a:sym typeface="+mn-lt"/>

--- a/OpenGL/答辩PPT.pptx
+++ b/OpenGL/答辩PPT.pptx
@@ -7761,6 +7761,7 @@
   <p:clrMapOvr>
     <a:masterClrMapping/>
   </p:clrMapOvr>
+  <p:transition advTm="796"/>
 </p:sld>
 </file>
 
@@ -8063,6 +8064,7 @@
   <p:clrMapOvr>
     <a:masterClrMapping/>
   </p:clrMapOvr>
+  <p:transition advTm="47"/>
 </p:sld>
 </file>
 
@@ -8538,6 +8540,7 @@
   <p:clrMapOvr>
     <a:masterClrMapping/>
   </p:clrMapOvr>
+  <p:transition advTm="0"/>
 </p:sld>
 </file>
 
@@ -9460,6 +9463,7 @@
   <p:clrMapOvr>
     <a:masterClrMapping/>
   </p:clrMapOvr>
+  <p:transition advTm="0"/>
 </p:sld>
 </file>
 
@@ -9989,6 +9993,7 @@
   <p:clrMapOvr>
     <a:masterClrMapping/>
   </p:clrMapOvr>
+  <p:transition advTm="94"/>
 </p:sld>
 </file>
 
@@ -10213,6 +10218,7 @@
   <p:clrMapOvr>
     <a:masterClrMapping/>
   </p:clrMapOvr>
+  <p:transition advTm="0"/>
 </p:sld>
 </file>
 
@@ -10684,6 +10690,7 @@
   <p:clrMapOvr>
     <a:masterClrMapping/>
   </p:clrMapOvr>
+  <p:transition advTm="0"/>
 </p:sld>
 </file>
 
@@ -10933,6 +10940,7 @@
   <p:clrMapOvr>
     <a:masterClrMapping/>
   </p:clrMapOvr>
+  <p:transition advTm="93"/>
 </p:sld>
 </file>
 
@@ -11448,6 +11456,7 @@
   <p:clrMapOvr>
     <a:masterClrMapping/>
   </p:clrMapOvr>
+  <p:transition advTm="0"/>
 </p:sld>
 </file>
 
@@ -11650,6 +11659,7 @@
   <p:clrMapOvr>
     <a:masterClrMapping/>
   </p:clrMapOvr>
+  <p:transition advTm="0"/>
 </p:sld>
 </file>
 
@@ -11842,6 +11852,7 @@
   <p:clrMapOvr>
     <a:masterClrMapping/>
   </p:clrMapOvr>
+  <p:transition advTm="94"/>
 </p:sld>
 </file>
 
@@ -12663,6 +12674,7 @@
   <p:clrMapOvr>
     <a:masterClrMapping/>
   </p:clrMapOvr>
+  <p:transition advTm="514"/>
 </p:sld>
 </file>
 
@@ -12838,6 +12850,7 @@
   <p:clrMapOvr>
     <a:masterClrMapping/>
   </p:clrMapOvr>
+  <p:transition advTm="0"/>
 </p:sld>
 </file>
 
@@ -13017,6 +13030,7 @@
   <p:clrMapOvr>
     <a:masterClrMapping/>
   </p:clrMapOvr>
+  <p:transition advTm="0"/>
 </p:sld>
 </file>
 
@@ -13201,6 +13215,7 @@
   <p:clrMapOvr>
     <a:masterClrMapping/>
   </p:clrMapOvr>
+  <p:transition advTm="94"/>
 </p:sld>
 </file>
 
@@ -13393,6 +13408,7 @@
   <p:clrMapOvr>
     <a:masterClrMapping/>
   </p:clrMapOvr>
+  <p:transition advTm="0"/>
 </p:sld>
 </file>
 
@@ -13593,6 +13609,7 @@
   <p:clrMapOvr>
     <a:masterClrMapping/>
   </p:clrMapOvr>
+  <p:transition advTm="93"/>
 </p:sld>
 </file>
 
@@ -13777,6 +13794,7 @@
   <p:clrMapOvr>
     <a:masterClrMapping/>
   </p:clrMapOvr>
+  <p:transition advTm="0"/>
 </p:sld>
 </file>
 
@@ -14242,6 +14260,7 @@
   <p:clrMapOvr>
     <a:masterClrMapping/>
   </p:clrMapOvr>
+  <p:transition advTm="47"/>
 </p:sld>
 </file>
 
@@ -14428,6 +14447,7 @@
   <p:clrMapOvr>
     <a:masterClrMapping/>
   </p:clrMapOvr>
+  <p:transition advTm="0"/>
 </p:sld>
 </file>
 
@@ -14602,6 +14622,7 @@
   <p:clrMapOvr>
     <a:masterClrMapping/>
   </p:clrMapOvr>
+  <p:transition advTm="0"/>
 </p:sld>
 </file>
 
@@ -15069,6 +15090,7 @@
   <p:clrMapOvr>
     <a:masterClrMapping/>
   </p:clrMapOvr>
+  <p:transition advTm="94"/>
 </p:sld>
 </file>
 
@@ -15582,10 +15604,10 @@
   </p:clrMapOvr>
   <mc:AlternateContent xmlns:mc="http://schemas.openxmlformats.org/markup-compatibility/2006">
     <mc:Choice xmlns:p14="http://schemas.microsoft.com/office/powerpoint/2010/main" Requires="p14">
-      <p:transition p14:dur="10"/>
+      <p:transition p14:dur="10" advTm="47"/>
     </mc:Choice>
     <mc:Fallback>
-      <p:transition/>
+      <p:transition advTm="47"/>
     </mc:Fallback>
   </mc:AlternateContent>
 </p:sld>
@@ -16107,10 +16129,10 @@
   </p:clrMapOvr>
   <mc:AlternateContent xmlns:mc="http://schemas.openxmlformats.org/markup-compatibility/2006">
     <mc:Choice xmlns:p14="http://schemas.microsoft.com/office/powerpoint/2010/main" Requires="p14">
-      <p:transition p14:dur="10"/>
+      <p:transition p14:dur="10" advTm="46"/>
     </mc:Choice>
     <mc:Fallback>
-      <p:transition/>
+      <p:transition advTm="46"/>
     </mc:Fallback>
   </mc:AlternateContent>
 </p:sld>
@@ -16471,6 +16493,7 @@
   <p:clrMapOvr>
     <a:masterClrMapping/>
   </p:clrMapOvr>
+  <p:transition advTm="0"/>
 </p:sld>
 </file>
 
@@ -16984,10 +17007,10 @@
   </p:clrMapOvr>
   <mc:AlternateContent xmlns:mc="http://schemas.openxmlformats.org/markup-compatibility/2006">
     <mc:Choice xmlns:p14="http://schemas.microsoft.com/office/powerpoint/2010/main" Requires="p14">
-      <p:transition p14:dur="10"/>
+      <p:transition p14:dur="10" advTm="47"/>
     </mc:Choice>
     <mc:Fallback>
-      <p:transition/>
+      <p:transition advTm="47"/>
     </mc:Fallback>
   </mc:AlternateContent>
 </p:sld>
@@ -18304,6 +18327,7 @@
   <p:clrMapOvr>
     <a:masterClrMapping/>
   </p:clrMapOvr>
+  <p:transition advTm="0"/>
 </p:sld>
 </file>
 
@@ -18392,6 +18416,7 @@
   <p:clrMapOvr>
     <a:masterClrMapping/>
   </p:clrMapOvr>
+  <p:transition advTm="94"/>
 </p:sld>
 </file>
 
@@ -18590,6 +18615,7 @@
   <p:clrMapOvr>
     <a:masterClrMapping/>
   </p:clrMapOvr>
+  <p:transition advTm="47"/>
 </p:sld>
 </file>
 
@@ -18789,6 +18815,7 @@
   <p:clrMapOvr>
     <a:masterClrMapping/>
   </p:clrMapOvr>
+  <p:transition advTm="0"/>
 </p:sld>
 </file>
 
@@ -19302,10 +19329,10 @@
   </p:clrMapOvr>
   <mc:AlternateContent xmlns:mc="http://schemas.openxmlformats.org/markup-compatibility/2006">
     <mc:Choice xmlns:p14="http://schemas.microsoft.com/office/powerpoint/2010/main" Requires="p14">
-      <p:transition p14:dur="10"/>
+      <p:transition p14:dur="10" advTm="94"/>
     </mc:Choice>
     <mc:Fallback>
-      <p:transition/>
+      <p:transition advTm="94"/>
     </mc:Fallback>
   </mc:AlternateContent>
 </p:sld>
@@ -19490,6 +19517,7 @@
   <p:clrMapOvr>
     <a:masterClrMapping/>
   </p:clrMapOvr>
+  <p:transition advTm="0"/>
 </p:sld>
 </file>
 
@@ -20003,10 +20031,10 @@
   </p:clrMapOvr>
   <mc:AlternateContent xmlns:mc="http://schemas.openxmlformats.org/markup-compatibility/2006">
     <mc:Choice xmlns:p14="http://schemas.microsoft.com/office/powerpoint/2010/main" Requires="p14">
-      <p:transition p14:dur="10"/>
+      <p:transition p14:dur="10" advTm="46"/>
     </mc:Choice>
     <mc:Fallback>
-      <p:transition/>
+      <p:transition advTm="46"/>
     </mc:Fallback>
   </mc:AlternateContent>
 </p:sld>
@@ -20100,6 +20128,7 @@
   <p:clrMapOvr>
     <a:masterClrMapping/>
   </p:clrMapOvr>
+  <p:transition advTm="0"/>
 </p:sld>
 </file>
 
